--- a/docs/slides/cre_overview.pptx
+++ b/docs/slides/cre_overview.pptx
@@ -4,13 +4,21 @@
   <p:sldMasterIdLst>
     <p:sldMasterId id="2147483648" r:id="rId1"/>
   </p:sldMasterIdLst>
+  <p:notesMasterIdLst>
+    <p:notesMasterId r:id="rId13"/>
+  </p:notesMasterIdLst>
   <p:sldIdLst>
     <p:sldId id="256" r:id="rId2"/>
     <p:sldId id="265" r:id="rId3"/>
     <p:sldId id="264" r:id="rId4"/>
-    <p:sldId id="266" r:id="rId5"/>
-    <p:sldId id="263" r:id="rId6"/>
-    <p:sldId id="261" r:id="rId7"/>
+    <p:sldId id="267" r:id="rId5"/>
+    <p:sldId id="269" r:id="rId6"/>
+    <p:sldId id="266" r:id="rId7"/>
+    <p:sldId id="263" r:id="rId8"/>
+    <p:sldId id="261" r:id="rId9"/>
+    <p:sldId id="270" r:id="rId10"/>
+    <p:sldId id="271" r:id="rId11"/>
+    <p:sldId id="272" r:id="rId12"/>
   </p:sldIdLst>
   <p:sldSz cx="9144000" cy="6858000" type="screen4x3"/>
   <p:notesSz cx="6858000" cy="9144000"/>
@@ -128,6 +136,608 @@
 </p:presentation>
 </file>
 
+<file path=ppt/notesMasters/notesMaster1.xml><?xml version="1.0" encoding="utf-8"?>
+<p:notesMaster xmlns:a="http://schemas.openxmlformats.org/drawingml/2006/main" xmlns:r="http://schemas.openxmlformats.org/officeDocument/2006/relationships" xmlns:p="http://schemas.openxmlformats.org/presentationml/2006/main">
+  <p:cSld>
+    <p:bg>
+      <p:bgRef idx="1001">
+        <a:schemeClr val="bg1"/>
+      </p:bgRef>
+    </p:bg>
+    <p:spTree>
+      <p:nvGrpSpPr>
+        <p:cNvPr id="1" name=""/>
+        <p:cNvGrpSpPr/>
+        <p:nvPr/>
+      </p:nvGrpSpPr>
+      <p:grpSpPr>
+        <a:xfrm>
+          <a:off x="0" y="0"/>
+          <a:ext cx="0" cy="0"/>
+          <a:chOff x="0" y="0"/>
+          <a:chExt cx="0" cy="0"/>
+        </a:xfrm>
+      </p:grpSpPr>
+      <p:sp>
+        <p:nvSpPr>
+          <p:cNvPr id="2" name="Kopfzeilenplatzhalter 1"/>
+          <p:cNvSpPr>
+            <a:spLocks noGrp="1"/>
+          </p:cNvSpPr>
+          <p:nvPr>
+            <p:ph type="hdr" sz="quarter"/>
+          </p:nvPr>
+        </p:nvSpPr>
+        <p:spPr>
+          <a:xfrm>
+            <a:off x="0" y="0"/>
+            <a:ext cx="2971800" cy="458788"/>
+          </a:xfrm>
+          <a:prstGeom prst="rect">
+            <a:avLst/>
+          </a:prstGeom>
+        </p:spPr>
+        <p:txBody>
+          <a:bodyPr vert="horz" lIns="91440" tIns="45720" rIns="91440" bIns="45720" rtlCol="0"/>
+          <a:lstStyle>
+            <a:lvl1pPr algn="l">
+              <a:defRPr sz="1200"/>
+            </a:lvl1pPr>
+          </a:lstStyle>
+          <a:p>
+            <a:endParaRPr lang="de-DE"/>
+          </a:p>
+        </p:txBody>
+      </p:sp>
+      <p:sp>
+        <p:nvSpPr>
+          <p:cNvPr id="3" name="Datumsplatzhalter 2"/>
+          <p:cNvSpPr>
+            <a:spLocks noGrp="1"/>
+          </p:cNvSpPr>
+          <p:nvPr>
+            <p:ph type="dt" idx="1"/>
+          </p:nvPr>
+        </p:nvSpPr>
+        <p:spPr>
+          <a:xfrm>
+            <a:off x="3884613" y="0"/>
+            <a:ext cx="2971800" cy="458788"/>
+          </a:xfrm>
+          <a:prstGeom prst="rect">
+            <a:avLst/>
+          </a:prstGeom>
+        </p:spPr>
+        <p:txBody>
+          <a:bodyPr vert="horz" lIns="91440" tIns="45720" rIns="91440" bIns="45720" rtlCol="0"/>
+          <a:lstStyle>
+            <a:lvl1pPr algn="r">
+              <a:defRPr sz="1200"/>
+            </a:lvl1pPr>
+          </a:lstStyle>
+          <a:p>
+            <a:fld id="{B57BA540-9F59-4217-B916-AAFDB9257DF0}" type="datetimeFigureOut">
+              <a:rPr lang="de-DE" smtClean="0"/>
+              <a:t>15.08.2018</a:t>
+            </a:fld>
+            <a:endParaRPr lang="de-DE"/>
+          </a:p>
+        </p:txBody>
+      </p:sp>
+      <p:sp>
+        <p:nvSpPr>
+          <p:cNvPr id="4" name="Folienbildplatzhalter 3"/>
+          <p:cNvSpPr>
+            <a:spLocks noGrp="1" noRot="1" noChangeAspect="1"/>
+          </p:cNvSpPr>
+          <p:nvPr>
+            <p:ph type="sldImg" idx="2"/>
+          </p:nvPr>
+        </p:nvSpPr>
+        <p:spPr>
+          <a:xfrm>
+            <a:off x="1371600" y="1143000"/>
+            <a:ext cx="4114800" cy="3086100"/>
+          </a:xfrm>
+          <a:prstGeom prst="rect">
+            <a:avLst/>
+          </a:prstGeom>
+          <a:noFill/>
+          <a:ln w="12700">
+            <a:solidFill>
+              <a:prstClr val="black"/>
+            </a:solidFill>
+          </a:ln>
+        </p:spPr>
+        <p:txBody>
+          <a:bodyPr vert="horz" lIns="91440" tIns="45720" rIns="91440" bIns="45720" rtlCol="0" anchor="ctr"/>
+          <a:lstStyle/>
+          <a:p>
+            <a:endParaRPr lang="de-DE"/>
+          </a:p>
+        </p:txBody>
+      </p:sp>
+      <p:sp>
+        <p:nvSpPr>
+          <p:cNvPr id="5" name="Notizenplatzhalter 4"/>
+          <p:cNvSpPr>
+            <a:spLocks noGrp="1"/>
+          </p:cNvSpPr>
+          <p:nvPr>
+            <p:ph type="body" sz="quarter" idx="3"/>
+          </p:nvPr>
+        </p:nvSpPr>
+        <p:spPr>
+          <a:xfrm>
+            <a:off x="685800" y="4400550"/>
+            <a:ext cx="5486400" cy="3600450"/>
+          </a:xfrm>
+          <a:prstGeom prst="rect">
+            <a:avLst/>
+          </a:prstGeom>
+        </p:spPr>
+        <p:txBody>
+          <a:bodyPr vert="horz" lIns="91440" tIns="45720" rIns="91440" bIns="45720" rtlCol="0"/>
+          <a:lstStyle/>
+          <a:p>
+            <a:pPr lvl="0"/>
+            <a:r>
+              <a:rPr lang="de-DE" smtClean="0"/>
+              <a:t>Textmasterformat bearbeiten</a:t>
+            </a:r>
+          </a:p>
+          <a:p>
+            <a:pPr lvl="1"/>
+            <a:r>
+              <a:rPr lang="de-DE" smtClean="0"/>
+              <a:t>Zweite Ebene</a:t>
+            </a:r>
+          </a:p>
+          <a:p>
+            <a:pPr lvl="2"/>
+            <a:r>
+              <a:rPr lang="de-DE" smtClean="0"/>
+              <a:t>Dritte Ebene</a:t>
+            </a:r>
+          </a:p>
+          <a:p>
+            <a:pPr lvl="3"/>
+            <a:r>
+              <a:rPr lang="de-DE" smtClean="0"/>
+              <a:t>Vierte Ebene</a:t>
+            </a:r>
+          </a:p>
+          <a:p>
+            <a:pPr lvl="4"/>
+            <a:r>
+              <a:rPr lang="de-DE" smtClean="0"/>
+              <a:t>Fünfte Ebene</a:t>
+            </a:r>
+            <a:endParaRPr lang="de-DE"/>
+          </a:p>
+        </p:txBody>
+      </p:sp>
+      <p:sp>
+        <p:nvSpPr>
+          <p:cNvPr id="6" name="Fußzeilenplatzhalter 5"/>
+          <p:cNvSpPr>
+            <a:spLocks noGrp="1"/>
+          </p:cNvSpPr>
+          <p:nvPr>
+            <p:ph type="ftr" sz="quarter" idx="4"/>
+          </p:nvPr>
+        </p:nvSpPr>
+        <p:spPr>
+          <a:xfrm>
+            <a:off x="0" y="8685213"/>
+            <a:ext cx="2971800" cy="458787"/>
+          </a:xfrm>
+          <a:prstGeom prst="rect">
+            <a:avLst/>
+          </a:prstGeom>
+        </p:spPr>
+        <p:txBody>
+          <a:bodyPr vert="horz" lIns="91440" tIns="45720" rIns="91440" bIns="45720" rtlCol="0" anchor="b"/>
+          <a:lstStyle>
+            <a:lvl1pPr algn="l">
+              <a:defRPr sz="1200"/>
+            </a:lvl1pPr>
+          </a:lstStyle>
+          <a:p>
+            <a:endParaRPr lang="de-DE"/>
+          </a:p>
+        </p:txBody>
+      </p:sp>
+      <p:sp>
+        <p:nvSpPr>
+          <p:cNvPr id="7" name="Foliennummernplatzhalter 6"/>
+          <p:cNvSpPr>
+            <a:spLocks noGrp="1"/>
+          </p:cNvSpPr>
+          <p:nvPr>
+            <p:ph type="sldNum" sz="quarter" idx="5"/>
+          </p:nvPr>
+        </p:nvSpPr>
+        <p:spPr>
+          <a:xfrm>
+            <a:off x="3884613" y="8685213"/>
+            <a:ext cx="2971800" cy="458787"/>
+          </a:xfrm>
+          <a:prstGeom prst="rect">
+            <a:avLst/>
+          </a:prstGeom>
+        </p:spPr>
+        <p:txBody>
+          <a:bodyPr vert="horz" lIns="91440" tIns="45720" rIns="91440" bIns="45720" rtlCol="0" anchor="b"/>
+          <a:lstStyle>
+            <a:lvl1pPr algn="r">
+              <a:defRPr sz="1200"/>
+            </a:lvl1pPr>
+          </a:lstStyle>
+          <a:p>
+            <a:fld id="{7E5481FC-599F-4049-8076-A864CF816BE2}" type="slidenum">
+              <a:rPr lang="de-DE" smtClean="0"/>
+              <a:t>‹Nr.›</a:t>
+            </a:fld>
+            <a:endParaRPr lang="de-DE"/>
+          </a:p>
+        </p:txBody>
+      </p:sp>
+    </p:spTree>
+    <p:extLst>
+      <p:ext uri="{BB962C8B-B14F-4D97-AF65-F5344CB8AC3E}">
+        <p14:creationId xmlns:p14="http://schemas.microsoft.com/office/powerpoint/2010/main" val="3298551927"/>
+      </p:ext>
+    </p:extLst>
+  </p:cSld>
+  <p:clrMap bg1="lt1" tx1="dk1" bg2="lt2" tx2="dk2" accent1="accent1" accent2="accent2" accent3="accent3" accent4="accent4" accent5="accent5" accent6="accent6" hlink="hlink" folHlink="folHlink"/>
+  <p:notesStyle>
+    <a:lvl1pPr marL="0" algn="l" defTabSz="914400" rtl="0" eaLnBrk="1" latinLnBrk="0" hangingPunct="1">
+      <a:defRPr sz="1200" kern="1200">
+        <a:solidFill>
+          <a:schemeClr val="tx1"/>
+        </a:solidFill>
+        <a:latin typeface="+mn-lt"/>
+        <a:ea typeface="+mn-ea"/>
+        <a:cs typeface="+mn-cs"/>
+      </a:defRPr>
+    </a:lvl1pPr>
+    <a:lvl2pPr marL="457200" algn="l" defTabSz="914400" rtl="0" eaLnBrk="1" latinLnBrk="0" hangingPunct="1">
+      <a:defRPr sz="1200" kern="1200">
+        <a:solidFill>
+          <a:schemeClr val="tx1"/>
+        </a:solidFill>
+        <a:latin typeface="+mn-lt"/>
+        <a:ea typeface="+mn-ea"/>
+        <a:cs typeface="+mn-cs"/>
+      </a:defRPr>
+    </a:lvl2pPr>
+    <a:lvl3pPr marL="914400" algn="l" defTabSz="914400" rtl="0" eaLnBrk="1" latinLnBrk="0" hangingPunct="1">
+      <a:defRPr sz="1200" kern="1200">
+        <a:solidFill>
+          <a:schemeClr val="tx1"/>
+        </a:solidFill>
+        <a:latin typeface="+mn-lt"/>
+        <a:ea typeface="+mn-ea"/>
+        <a:cs typeface="+mn-cs"/>
+      </a:defRPr>
+    </a:lvl3pPr>
+    <a:lvl4pPr marL="1371600" algn="l" defTabSz="914400" rtl="0" eaLnBrk="1" latinLnBrk="0" hangingPunct="1">
+      <a:defRPr sz="1200" kern="1200">
+        <a:solidFill>
+          <a:schemeClr val="tx1"/>
+        </a:solidFill>
+        <a:latin typeface="+mn-lt"/>
+        <a:ea typeface="+mn-ea"/>
+        <a:cs typeface="+mn-cs"/>
+      </a:defRPr>
+    </a:lvl4pPr>
+    <a:lvl5pPr marL="1828800" algn="l" defTabSz="914400" rtl="0" eaLnBrk="1" latinLnBrk="0" hangingPunct="1">
+      <a:defRPr sz="1200" kern="1200">
+        <a:solidFill>
+          <a:schemeClr val="tx1"/>
+        </a:solidFill>
+        <a:latin typeface="+mn-lt"/>
+        <a:ea typeface="+mn-ea"/>
+        <a:cs typeface="+mn-cs"/>
+      </a:defRPr>
+    </a:lvl5pPr>
+    <a:lvl6pPr marL="2286000" algn="l" defTabSz="914400" rtl="0" eaLnBrk="1" latinLnBrk="0" hangingPunct="1">
+      <a:defRPr sz="1200" kern="1200">
+        <a:solidFill>
+          <a:schemeClr val="tx1"/>
+        </a:solidFill>
+        <a:latin typeface="+mn-lt"/>
+        <a:ea typeface="+mn-ea"/>
+        <a:cs typeface="+mn-cs"/>
+      </a:defRPr>
+    </a:lvl6pPr>
+    <a:lvl7pPr marL="2743200" algn="l" defTabSz="914400" rtl="0" eaLnBrk="1" latinLnBrk="0" hangingPunct="1">
+      <a:defRPr sz="1200" kern="1200">
+        <a:solidFill>
+          <a:schemeClr val="tx1"/>
+        </a:solidFill>
+        <a:latin typeface="+mn-lt"/>
+        <a:ea typeface="+mn-ea"/>
+        <a:cs typeface="+mn-cs"/>
+      </a:defRPr>
+    </a:lvl7pPr>
+    <a:lvl8pPr marL="3200400" algn="l" defTabSz="914400" rtl="0" eaLnBrk="1" latinLnBrk="0" hangingPunct="1">
+      <a:defRPr sz="1200" kern="1200">
+        <a:solidFill>
+          <a:schemeClr val="tx1"/>
+        </a:solidFill>
+        <a:latin typeface="+mn-lt"/>
+        <a:ea typeface="+mn-ea"/>
+        <a:cs typeface="+mn-cs"/>
+      </a:defRPr>
+    </a:lvl8pPr>
+    <a:lvl9pPr marL="3657600" algn="l" defTabSz="914400" rtl="0" eaLnBrk="1" latinLnBrk="0" hangingPunct="1">
+      <a:defRPr sz="1200" kern="1200">
+        <a:solidFill>
+          <a:schemeClr val="tx1"/>
+        </a:solidFill>
+        <a:latin typeface="+mn-lt"/>
+        <a:ea typeface="+mn-ea"/>
+        <a:cs typeface="+mn-cs"/>
+      </a:defRPr>
+    </a:lvl9pPr>
+  </p:notesStyle>
+</p:notesMaster>
+</file>
+
+<file path=ppt/notesSlides/notesSlide1.xml><?xml version="1.0" encoding="utf-8"?>
+<p:notes xmlns:a="http://schemas.openxmlformats.org/drawingml/2006/main" xmlns:r="http://schemas.openxmlformats.org/officeDocument/2006/relationships" xmlns:p="http://schemas.openxmlformats.org/presentationml/2006/main">
+  <p:cSld>
+    <p:spTree>
+      <p:nvGrpSpPr>
+        <p:cNvPr id="1" name=""/>
+        <p:cNvGrpSpPr/>
+        <p:nvPr/>
+      </p:nvGrpSpPr>
+      <p:grpSpPr>
+        <a:xfrm>
+          <a:off x="0" y="0"/>
+          <a:ext cx="0" cy="0"/>
+          <a:chOff x="0" y="0"/>
+          <a:chExt cx="0" cy="0"/>
+        </a:xfrm>
+      </p:grpSpPr>
+      <p:sp>
+        <p:nvSpPr>
+          <p:cNvPr id="2" name="Folienbildplatzhalter 1"/>
+          <p:cNvSpPr>
+            <a:spLocks noGrp="1" noRot="1" noChangeAspect="1"/>
+          </p:cNvSpPr>
+          <p:nvPr>
+            <p:ph type="sldImg"/>
+          </p:nvPr>
+        </p:nvSpPr>
+        <p:spPr/>
+      </p:sp>
+      <p:sp>
+        <p:nvSpPr>
+          <p:cNvPr id="3" name="Notizenplatzhalter 2"/>
+          <p:cNvSpPr>
+            <a:spLocks noGrp="1"/>
+          </p:cNvSpPr>
+          <p:nvPr>
+            <p:ph type="body" idx="1"/>
+          </p:nvPr>
+        </p:nvSpPr>
+        <p:spPr/>
+        <p:txBody>
+          <a:bodyPr/>
+          <a:lstStyle/>
+          <a:p>
+            <a:endParaRPr lang="de-DE" dirty="0"/>
+          </a:p>
+        </p:txBody>
+      </p:sp>
+      <p:sp>
+        <p:nvSpPr>
+          <p:cNvPr id="4" name="Foliennummernplatzhalter 3"/>
+          <p:cNvSpPr>
+            <a:spLocks noGrp="1"/>
+          </p:cNvSpPr>
+          <p:nvPr>
+            <p:ph type="sldNum" sz="quarter" idx="10"/>
+          </p:nvPr>
+        </p:nvSpPr>
+        <p:spPr/>
+        <p:txBody>
+          <a:bodyPr/>
+          <a:lstStyle/>
+          <a:p>
+            <a:fld id="{7E5481FC-599F-4049-8076-A864CF816BE2}" type="slidenum">
+              <a:rPr lang="de-DE" smtClean="0"/>
+              <a:t>6</a:t>
+            </a:fld>
+            <a:endParaRPr lang="de-DE"/>
+          </a:p>
+        </p:txBody>
+      </p:sp>
+    </p:spTree>
+    <p:extLst>
+      <p:ext uri="{BB962C8B-B14F-4D97-AF65-F5344CB8AC3E}">
+        <p14:creationId xmlns:p14="http://schemas.microsoft.com/office/powerpoint/2010/main" val="2081738964"/>
+      </p:ext>
+    </p:extLst>
+  </p:cSld>
+  <p:clrMapOvr>
+    <a:masterClrMapping/>
+  </p:clrMapOvr>
+</p:notes>
+</file>
+
+<file path=ppt/notesSlides/notesSlide2.xml><?xml version="1.0" encoding="utf-8"?>
+<p:notes xmlns:a="http://schemas.openxmlformats.org/drawingml/2006/main" xmlns:r="http://schemas.openxmlformats.org/officeDocument/2006/relationships" xmlns:p="http://schemas.openxmlformats.org/presentationml/2006/main">
+  <p:cSld>
+    <p:spTree>
+      <p:nvGrpSpPr>
+        <p:cNvPr id="1" name=""/>
+        <p:cNvGrpSpPr/>
+        <p:nvPr/>
+      </p:nvGrpSpPr>
+      <p:grpSpPr>
+        <a:xfrm>
+          <a:off x="0" y="0"/>
+          <a:ext cx="0" cy="0"/>
+          <a:chOff x="0" y="0"/>
+          <a:chExt cx="0" cy="0"/>
+        </a:xfrm>
+      </p:grpSpPr>
+      <p:sp>
+        <p:nvSpPr>
+          <p:cNvPr id="2" name="Folienbildplatzhalter 1"/>
+          <p:cNvSpPr>
+            <a:spLocks noGrp="1" noRot="1" noChangeAspect="1"/>
+          </p:cNvSpPr>
+          <p:nvPr>
+            <p:ph type="sldImg"/>
+          </p:nvPr>
+        </p:nvSpPr>
+        <p:spPr/>
+      </p:sp>
+      <p:sp>
+        <p:nvSpPr>
+          <p:cNvPr id="3" name="Notizenplatzhalter 2"/>
+          <p:cNvSpPr>
+            <a:spLocks noGrp="1"/>
+          </p:cNvSpPr>
+          <p:nvPr>
+            <p:ph type="body" idx="1"/>
+          </p:nvPr>
+        </p:nvSpPr>
+        <p:spPr/>
+        <p:txBody>
+          <a:bodyPr/>
+          <a:lstStyle/>
+          <a:p>
+            <a:endParaRPr lang="de-DE" dirty="0"/>
+          </a:p>
+        </p:txBody>
+      </p:sp>
+      <p:sp>
+        <p:nvSpPr>
+          <p:cNvPr id="4" name="Foliennummernplatzhalter 3"/>
+          <p:cNvSpPr>
+            <a:spLocks noGrp="1"/>
+          </p:cNvSpPr>
+          <p:nvPr>
+            <p:ph type="sldNum" sz="quarter" idx="10"/>
+          </p:nvPr>
+        </p:nvSpPr>
+        <p:spPr/>
+        <p:txBody>
+          <a:bodyPr/>
+          <a:lstStyle/>
+          <a:p>
+            <a:fld id="{7E5481FC-599F-4049-8076-A864CF816BE2}" type="slidenum">
+              <a:rPr lang="de-DE" smtClean="0"/>
+              <a:t>7</a:t>
+            </a:fld>
+            <a:endParaRPr lang="de-DE"/>
+          </a:p>
+        </p:txBody>
+      </p:sp>
+    </p:spTree>
+    <p:extLst>
+      <p:ext uri="{BB962C8B-B14F-4D97-AF65-F5344CB8AC3E}">
+        <p14:creationId xmlns:p14="http://schemas.microsoft.com/office/powerpoint/2010/main" val="2903242775"/>
+      </p:ext>
+    </p:extLst>
+  </p:cSld>
+  <p:clrMapOvr>
+    <a:masterClrMapping/>
+  </p:clrMapOvr>
+</p:notes>
+</file>
+
+<file path=ppt/notesSlides/notesSlide3.xml><?xml version="1.0" encoding="utf-8"?>
+<p:notes xmlns:a="http://schemas.openxmlformats.org/drawingml/2006/main" xmlns:r="http://schemas.openxmlformats.org/officeDocument/2006/relationships" xmlns:p="http://schemas.openxmlformats.org/presentationml/2006/main">
+  <p:cSld>
+    <p:spTree>
+      <p:nvGrpSpPr>
+        <p:cNvPr id="1" name=""/>
+        <p:cNvGrpSpPr/>
+        <p:nvPr/>
+      </p:nvGrpSpPr>
+      <p:grpSpPr>
+        <a:xfrm>
+          <a:off x="0" y="0"/>
+          <a:ext cx="0" cy="0"/>
+          <a:chOff x="0" y="0"/>
+          <a:chExt cx="0" cy="0"/>
+        </a:xfrm>
+      </p:grpSpPr>
+      <p:sp>
+        <p:nvSpPr>
+          <p:cNvPr id="2" name="Folienbildplatzhalter 1"/>
+          <p:cNvSpPr>
+            <a:spLocks noGrp="1" noRot="1" noChangeAspect="1"/>
+          </p:cNvSpPr>
+          <p:nvPr>
+            <p:ph type="sldImg"/>
+          </p:nvPr>
+        </p:nvSpPr>
+        <p:spPr/>
+      </p:sp>
+      <p:sp>
+        <p:nvSpPr>
+          <p:cNvPr id="3" name="Notizenplatzhalter 2"/>
+          <p:cNvSpPr>
+            <a:spLocks noGrp="1"/>
+          </p:cNvSpPr>
+          <p:nvPr>
+            <p:ph type="body" idx="1"/>
+          </p:nvPr>
+        </p:nvSpPr>
+        <p:spPr/>
+        <p:txBody>
+          <a:bodyPr/>
+          <a:lstStyle/>
+          <a:p>
+            <a:endParaRPr lang="de-DE" dirty="0"/>
+          </a:p>
+        </p:txBody>
+      </p:sp>
+      <p:sp>
+        <p:nvSpPr>
+          <p:cNvPr id="4" name="Foliennummernplatzhalter 3"/>
+          <p:cNvSpPr>
+            <a:spLocks noGrp="1"/>
+          </p:cNvSpPr>
+          <p:nvPr>
+            <p:ph type="sldNum" sz="quarter" idx="10"/>
+          </p:nvPr>
+        </p:nvSpPr>
+        <p:spPr/>
+        <p:txBody>
+          <a:bodyPr/>
+          <a:lstStyle/>
+          <a:p>
+            <a:fld id="{7E5481FC-599F-4049-8076-A864CF816BE2}" type="slidenum">
+              <a:rPr lang="de-DE" smtClean="0"/>
+              <a:t>11</a:t>
+            </a:fld>
+            <a:endParaRPr lang="de-DE"/>
+          </a:p>
+        </p:txBody>
+      </p:sp>
+    </p:spTree>
+    <p:extLst>
+      <p:ext uri="{BB962C8B-B14F-4D97-AF65-F5344CB8AC3E}">
+        <p14:creationId xmlns:p14="http://schemas.microsoft.com/office/powerpoint/2010/main" val="2533518553"/>
+      </p:ext>
+    </p:extLst>
+  </p:cSld>
+  <p:clrMapOvr>
+    <a:masterClrMapping/>
+  </p:clrMapOvr>
+</p:notes>
+</file>
+
 <file path=ppt/slideLayouts/slideLayout1.xml><?xml version="1.0" encoding="utf-8"?>
 <p:sldLayout xmlns:a="http://schemas.openxmlformats.org/drawingml/2006/main" xmlns:r="http://schemas.openxmlformats.org/officeDocument/2006/relationships" xmlns:p="http://schemas.openxmlformats.org/presentationml/2006/main" type="title" preserve="1">
   <p:cSld name="Titelfolie">
@@ -309,7 +919,7 @@
           <a:p>
             <a:fld id="{1BA50D42-C9CD-4801-B293-61D1F53EC57E}" type="datetimeFigureOut">
               <a:rPr lang="de-DE" smtClean="0"/>
-              <a:t>13.08.2018</a:t>
+              <a:t>15.08.2018</a:t>
             </a:fld>
             <a:endParaRPr lang="de-DE"/>
           </a:p>
@@ -474,7 +1084,7 @@
           <a:p>
             <a:fld id="{1BA50D42-C9CD-4801-B293-61D1F53EC57E}" type="datetimeFigureOut">
               <a:rPr lang="de-DE" smtClean="0"/>
-              <a:t>13.08.2018</a:t>
+              <a:t>15.08.2018</a:t>
             </a:fld>
             <a:endParaRPr lang="de-DE"/>
           </a:p>
@@ -649,7 +1259,7 @@
           <a:p>
             <a:fld id="{1BA50D42-C9CD-4801-B293-61D1F53EC57E}" type="datetimeFigureOut">
               <a:rPr lang="de-DE" smtClean="0"/>
-              <a:t>13.08.2018</a:t>
+              <a:t>15.08.2018</a:t>
             </a:fld>
             <a:endParaRPr lang="de-DE"/>
           </a:p>
@@ -846,7 +1456,7 @@
           <a:p>
             <a:fld id="{1BA50D42-C9CD-4801-B293-61D1F53EC57E}" type="datetimeFigureOut">
               <a:rPr lang="de-DE" smtClean="0"/>
-              <a:t>13.08.2018</a:t>
+              <a:t>15.08.2018</a:t>
             </a:fld>
             <a:endParaRPr lang="de-DE"/>
           </a:p>
@@ -1087,7 +1697,7 @@
           <a:p>
             <a:fld id="{1BA50D42-C9CD-4801-B293-61D1F53EC57E}" type="datetimeFigureOut">
               <a:rPr lang="de-DE" smtClean="0"/>
-              <a:t>13.08.2018</a:t>
+              <a:t>15.08.2018</a:t>
             </a:fld>
             <a:endParaRPr lang="de-DE"/>
           </a:p>
@@ -1370,7 +1980,7 @@
           <a:p>
             <a:fld id="{1BA50D42-C9CD-4801-B293-61D1F53EC57E}" type="datetimeFigureOut">
               <a:rPr lang="de-DE" smtClean="0"/>
-              <a:t>13.08.2018</a:t>
+              <a:t>15.08.2018</a:t>
             </a:fld>
             <a:endParaRPr lang="de-DE"/>
           </a:p>
@@ -1787,7 +2397,7 @@
           <a:p>
             <a:fld id="{1BA50D42-C9CD-4801-B293-61D1F53EC57E}" type="datetimeFigureOut">
               <a:rPr lang="de-DE" smtClean="0"/>
-              <a:t>13.08.2018</a:t>
+              <a:t>15.08.2018</a:t>
             </a:fld>
             <a:endParaRPr lang="de-DE"/>
           </a:p>
@@ -1900,7 +2510,7 @@
           <a:p>
             <a:fld id="{1BA50D42-C9CD-4801-B293-61D1F53EC57E}" type="datetimeFigureOut">
               <a:rPr lang="de-DE" smtClean="0"/>
-              <a:t>13.08.2018</a:t>
+              <a:t>15.08.2018</a:t>
             </a:fld>
             <a:endParaRPr lang="de-DE"/>
           </a:p>
@@ -1990,7 +2600,7 @@
           <a:p>
             <a:fld id="{1BA50D42-C9CD-4801-B293-61D1F53EC57E}" type="datetimeFigureOut">
               <a:rPr lang="de-DE" smtClean="0"/>
-              <a:t>13.08.2018</a:t>
+              <a:t>15.08.2018</a:t>
             </a:fld>
             <a:endParaRPr lang="de-DE"/>
           </a:p>
@@ -2262,7 +2872,7 @@
           <a:p>
             <a:fld id="{1BA50D42-C9CD-4801-B293-61D1F53EC57E}" type="datetimeFigureOut">
               <a:rPr lang="de-DE" smtClean="0"/>
-              <a:t>13.08.2018</a:t>
+              <a:t>15.08.2018</a:t>
             </a:fld>
             <a:endParaRPr lang="de-DE"/>
           </a:p>
@@ -2510,7 +3120,7 @@
           <a:p>
             <a:fld id="{1BA50D42-C9CD-4801-B293-61D1F53EC57E}" type="datetimeFigureOut">
               <a:rPr lang="de-DE" smtClean="0"/>
-              <a:t>13.08.2018</a:t>
+              <a:t>15.08.2018</a:t>
             </a:fld>
             <a:endParaRPr lang="de-DE"/>
           </a:p>
@@ -2718,7 +3328,7 @@
           <a:p>
             <a:fld id="{1BA50D42-C9CD-4801-B293-61D1F53EC57E}" type="datetimeFigureOut">
               <a:rPr lang="de-DE" smtClean="0"/>
-              <a:t>13.08.2018</a:t>
+              <a:t>15.08.2018</a:t>
             </a:fld>
             <a:endParaRPr lang="de-DE"/>
           </a:p>
@@ -3111,44 +3721,44 @@
           <a:lstStyle/>
           <a:p>
             <a:r>
-              <a:rPr lang="en-US" sz="4800" dirty="0"/>
+              <a:rPr lang="en-US" sz="4800" b="1" noProof="0" dirty="0"/>
               <a:t>New analysis features </a:t>
             </a:r>
             <a:r>
-              <a:rPr lang="en-US" sz="4800" dirty="0" smtClean="0"/>
+              <a:rPr lang="en-US" sz="4800" b="1" noProof="0" dirty="0" smtClean="0"/>
               <a:t/>
             </a:r>
             <a:br>
-              <a:rPr lang="en-US" sz="4800" dirty="0" smtClean="0"/>
+              <a:rPr lang="en-US" sz="4800" b="1" noProof="0" dirty="0" smtClean="0"/>
             </a:br>
             <a:r>
-              <a:rPr lang="en-US" sz="4800" dirty="0" smtClean="0"/>
+              <a:rPr lang="en-US" sz="4800" b="1" noProof="0" dirty="0" smtClean="0"/>
               <a:t>of </a:t>
             </a:r>
             <a:r>
-              <a:rPr lang="en-US" sz="4800" dirty="0"/>
+              <a:rPr lang="en-US" sz="4800" b="1" noProof="0" dirty="0"/>
               <a:t>the </a:t>
             </a:r>
             <a:r>
-              <a:rPr lang="en-US" sz="4800" dirty="0" err="1"/>
+              <a:rPr lang="en-US" sz="4800" b="1" noProof="0" dirty="0" err="1"/>
               <a:t>CRExplorer</a:t>
             </a:r>
             <a:r>
-              <a:rPr lang="en-US" sz="4800" dirty="0"/>
+              <a:rPr lang="en-US" sz="4800" b="1" noProof="0" dirty="0"/>
               <a:t> </a:t>
             </a:r>
             <a:r>
-              <a:rPr lang="en-US" sz="4800" dirty="0" smtClean="0"/>
+              <a:rPr lang="en-US" sz="4800" b="1" noProof="0" dirty="0" smtClean="0"/>
               <a:t>for </a:t>
             </a:r>
             <a:br>
-              <a:rPr lang="en-US" sz="4800" dirty="0" smtClean="0"/>
+              <a:rPr lang="en-US" sz="4800" b="1" noProof="0" dirty="0" smtClean="0"/>
             </a:br>
             <a:r>
-              <a:rPr lang="en-US" sz="4800" dirty="0" smtClean="0"/>
+              <a:rPr lang="en-US" sz="4800" b="1" noProof="0" dirty="0" smtClean="0"/>
               <a:t>identifying influential publications</a:t>
             </a:r>
-            <a:endParaRPr lang="en-US" sz="4800" noProof="0" dirty="0"/>
+            <a:endParaRPr lang="en-US" sz="4800" b="1" noProof="0" dirty="0"/>
           </a:p>
         </p:txBody>
       </p:sp>
@@ -3175,193 +3785,260 @@
           <a:lstStyle/>
           <a:p>
             <a:r>
-              <a:rPr lang="de-DE" sz="3600" b="1" u="sng" dirty="0"/>
-              <a:t>Andreas </a:t>
-            </a:r>
-            <a:r>
-              <a:rPr lang="de-DE" sz="3600" b="1" u="sng" dirty="0" smtClean="0"/>
-              <a:t>Thor </a:t>
-            </a:r>
-            <a:r>
-              <a:rPr lang="de-DE" sz="3600" b="1" baseline="30000" dirty="0" smtClean="0"/>
+              <a:rPr lang="en-US" sz="3600" u="sng" noProof="0" dirty="0" smtClean="0">
+                <a:solidFill>
+                  <a:schemeClr val="tx1"/>
+                </a:solidFill>
+              </a:rPr>
+              <a:t>Andreas Thor </a:t>
+            </a:r>
+            <a:r>
+              <a:rPr lang="en-US" sz="3600" baseline="30000" noProof="0" dirty="0" smtClean="0">
+                <a:solidFill>
+                  <a:schemeClr val="tx1"/>
+                </a:solidFill>
+              </a:rPr>
               <a:t>1</a:t>
             </a:r>
             <a:r>
-              <a:rPr lang="de-DE" sz="3600" b="1" dirty="0" smtClean="0"/>
+              <a:rPr lang="en-US" sz="3600" noProof="0" dirty="0" smtClean="0">
+                <a:solidFill>
+                  <a:schemeClr val="tx1"/>
+                </a:solidFill>
+              </a:rPr>
+              <a:t>, Lutz </a:t>
+            </a:r>
+            <a:r>
+              <a:rPr lang="en-US" sz="3600" noProof="0" dirty="0" err="1" smtClean="0">
+                <a:solidFill>
+                  <a:schemeClr val="tx1"/>
+                </a:solidFill>
+              </a:rPr>
+              <a:t>Bornmann</a:t>
+            </a:r>
+            <a:r>
+              <a:rPr lang="en-US" sz="3600" noProof="0" dirty="0" smtClean="0">
+                <a:solidFill>
+                  <a:schemeClr val="tx1"/>
+                </a:solidFill>
+              </a:rPr>
+              <a:t> </a:t>
+            </a:r>
+            <a:r>
+              <a:rPr lang="en-US" sz="3600" baseline="30000" noProof="0" dirty="0" smtClean="0">
+                <a:solidFill>
+                  <a:schemeClr val="tx1"/>
+                </a:solidFill>
+              </a:rPr>
+              <a:t>2</a:t>
+            </a:r>
+            <a:r>
+              <a:rPr lang="en-US" sz="3600" noProof="0" dirty="0" smtClean="0">
+                <a:solidFill>
+                  <a:schemeClr val="tx1"/>
+                </a:solidFill>
+              </a:rPr>
+              <a:t> </a:t>
+            </a:r>
+            <a:br>
+              <a:rPr lang="en-US" sz="3600" noProof="0" dirty="0" smtClean="0">
+                <a:solidFill>
+                  <a:schemeClr val="tx1"/>
+                </a:solidFill>
+              </a:rPr>
+            </a:br>
+            <a:r>
+              <a:rPr lang="en-US" sz="3600" noProof="0" dirty="0" smtClean="0">
+                <a:solidFill>
+                  <a:schemeClr val="tx1"/>
+                </a:solidFill>
+              </a:rPr>
+              <a:t>Werner Marx </a:t>
+            </a:r>
+            <a:r>
+              <a:rPr lang="en-US" sz="3600" baseline="30000" noProof="0" dirty="0" smtClean="0">
+                <a:solidFill>
+                  <a:schemeClr val="tx1"/>
+                </a:solidFill>
+              </a:rPr>
+              <a:t>3</a:t>
+            </a:r>
+            <a:r>
+              <a:rPr lang="en-US" sz="3600" noProof="0" dirty="0" smtClean="0">
+                <a:solidFill>
+                  <a:schemeClr val="tx1"/>
+                </a:solidFill>
+              </a:rPr>
               <a:t>, </a:t>
             </a:r>
             <a:r>
-              <a:rPr lang="de-DE" sz="3600" b="1" dirty="0"/>
-              <a:t>Lutz </a:t>
-            </a:r>
-            <a:r>
-              <a:rPr lang="de-DE" sz="3600" b="1" dirty="0" err="1" smtClean="0"/>
-              <a:t>Bornmann</a:t>
-            </a:r>
-            <a:r>
-              <a:rPr lang="de-DE" sz="3600" b="1" dirty="0"/>
+              <a:rPr lang="en-US" sz="3600" noProof="0" dirty="0" err="1" smtClean="0">
+                <a:solidFill>
+                  <a:schemeClr val="tx1"/>
+                </a:solidFill>
+              </a:rPr>
+              <a:t>Rüdiger</a:t>
+            </a:r>
+            <a:r>
+              <a:rPr lang="en-US" sz="3600" noProof="0" dirty="0" smtClean="0">
+                <a:solidFill>
+                  <a:schemeClr val="tx1"/>
+                </a:solidFill>
+              </a:rPr>
               <a:t> </a:t>
             </a:r>
             <a:r>
-              <a:rPr lang="de-DE" sz="3600" b="1" baseline="30000" dirty="0" smtClean="0"/>
-              <a:t>2</a:t>
-            </a:r>
-            <a:r>
-              <a:rPr lang="de-DE" sz="3600" b="1" dirty="0" smtClean="0"/>
+              <a:rPr lang="en-US" sz="3600" noProof="0" dirty="0" err="1" smtClean="0">
+                <a:solidFill>
+                  <a:schemeClr val="tx1"/>
+                </a:solidFill>
+              </a:rPr>
+              <a:t>Mutz</a:t>
+            </a:r>
+            <a:r>
+              <a:rPr lang="en-US" sz="3600" noProof="0" dirty="0" smtClean="0">
+                <a:solidFill>
+                  <a:schemeClr val="tx1"/>
+                </a:solidFill>
+              </a:rPr>
               <a:t> </a:t>
             </a:r>
-            <a:br>
-              <a:rPr lang="de-DE" sz="3600" b="1" dirty="0" smtClean="0"/>
-            </a:br>
-            <a:r>
-              <a:rPr lang="de-DE" sz="3600" b="1" dirty="0" smtClean="0"/>
-              <a:t>Werner Marx</a:t>
-            </a:r>
-            <a:r>
-              <a:rPr lang="de-DE" sz="3600" b="1" dirty="0"/>
+            <a:r>
+              <a:rPr lang="en-US" sz="3600" baseline="30000" noProof="0" dirty="0" smtClean="0">
+                <a:solidFill>
+                  <a:schemeClr val="tx1"/>
+                </a:solidFill>
+              </a:rPr>
+              <a:t>4</a:t>
+            </a:r>
+            <a:r>
+              <a:rPr lang="en-US" sz="3600" noProof="0" dirty="0" smtClean="0">
+                <a:solidFill>
+                  <a:schemeClr val="tx1"/>
+                </a:solidFill>
+              </a:rPr>
+              <a:t>  </a:t>
+            </a:r>
+          </a:p>
+          <a:p>
+            <a:pPr algn="l"/>
+            <a:r>
+              <a:rPr lang="en-US" noProof="0" dirty="0" smtClean="0"/>
               <a:t> </a:t>
             </a:r>
-            <a:r>
-              <a:rPr lang="de-DE" sz="3600" b="1" baseline="30000" dirty="0" smtClean="0"/>
-              <a:t>3</a:t>
-            </a:r>
-            <a:r>
-              <a:rPr lang="de-DE" sz="3600" b="1" dirty="0" smtClean="0"/>
-              <a:t>, </a:t>
-            </a:r>
-            <a:r>
-              <a:rPr lang="de-DE" sz="3600" b="1" dirty="0"/>
-              <a:t>Rüdiger </a:t>
-            </a:r>
-            <a:r>
-              <a:rPr lang="de-DE" sz="3600" b="1" dirty="0" smtClean="0"/>
-              <a:t>Mutz</a:t>
-            </a:r>
-            <a:r>
-              <a:rPr lang="de-DE" sz="3600" b="1" dirty="0"/>
-              <a:t> </a:t>
-            </a:r>
-            <a:r>
-              <a:rPr lang="de-DE" sz="3600" b="1" baseline="30000" dirty="0" smtClean="0"/>
-              <a:t>4</a:t>
-            </a:r>
-            <a:r>
-              <a:rPr lang="de-DE" sz="3600" b="1" dirty="0" smtClean="0"/>
-              <a:t>  </a:t>
-            </a:r>
-            <a:endParaRPr lang="de-DE" sz="3600" b="1" dirty="0"/>
           </a:p>
           <a:p>
             <a:pPr algn="l"/>
             <a:r>
-              <a:rPr lang="de-DE" dirty="0"/>
-              <a:t> </a:t>
+              <a:rPr lang="en-US" sz="1600" baseline="30000" noProof="0" dirty="0" smtClean="0"/>
+              <a:t>1 </a:t>
+            </a:r>
+            <a:r>
+              <a:rPr lang="en-US" sz="1600" noProof="0" dirty="0" smtClean="0"/>
+              <a:t>University of Applied Sciences for Telecommunications Leipzig, thor@hft-leipzig.de</a:t>
             </a:r>
           </a:p>
           <a:p>
             <a:pPr algn="l"/>
             <a:r>
-              <a:rPr lang="de-DE" sz="1600" baseline="30000" dirty="0" smtClean="0"/>
-              <a:t>1 </a:t>
-            </a:r>
-            <a:r>
-              <a:rPr lang="de-DE" sz="1600" dirty="0" smtClean="0"/>
-              <a:t>University </a:t>
-            </a:r>
-            <a:r>
-              <a:rPr lang="de-DE" sz="1600" dirty="0" err="1"/>
-              <a:t>of</a:t>
-            </a:r>
-            <a:r>
-              <a:rPr lang="de-DE" sz="1600" dirty="0"/>
-              <a:t> Applied </a:t>
-            </a:r>
-            <a:r>
-              <a:rPr lang="de-DE" sz="1600" dirty="0" err="1"/>
-              <a:t>Sciences</a:t>
-            </a:r>
-            <a:r>
-              <a:rPr lang="de-DE" sz="1600" dirty="0"/>
-              <a:t> </a:t>
-            </a:r>
-            <a:r>
-              <a:rPr lang="de-DE" sz="1600" dirty="0" err="1"/>
-              <a:t>for</a:t>
-            </a:r>
-            <a:r>
-              <a:rPr lang="de-DE" sz="1600" dirty="0"/>
-              <a:t> Telecommunications Leipzig, thor@hft-leipzig.de</a:t>
+              <a:rPr lang="en-US" sz="1600" baseline="30000" noProof="0" dirty="0" smtClean="0"/>
+              <a:t>2 </a:t>
+            </a:r>
+            <a:r>
+              <a:rPr lang="en-US" sz="1600" noProof="0" dirty="0" smtClean="0"/>
+              <a:t>Administrative Headquarters of the Max Planck Society, bornmann@gv.mpg.de</a:t>
             </a:r>
           </a:p>
           <a:p>
             <a:pPr algn="l"/>
             <a:r>
-              <a:rPr lang="de-DE" sz="1600" baseline="30000" dirty="0" smtClean="0"/>
-              <a:t>2 </a:t>
-            </a:r>
-            <a:r>
-              <a:rPr lang="de-DE" sz="1600" dirty="0" smtClean="0"/>
-              <a:t>Administrative </a:t>
-            </a:r>
-            <a:r>
-              <a:rPr lang="de-DE" sz="1600" dirty="0"/>
-              <a:t>Headquarters </a:t>
-            </a:r>
-            <a:r>
-              <a:rPr lang="de-DE" sz="1600" dirty="0" err="1"/>
-              <a:t>of</a:t>
-            </a:r>
-            <a:r>
-              <a:rPr lang="de-DE" sz="1600" dirty="0"/>
-              <a:t> </a:t>
-            </a:r>
-            <a:r>
-              <a:rPr lang="de-DE" sz="1600" dirty="0" err="1"/>
-              <a:t>the</a:t>
-            </a:r>
-            <a:r>
-              <a:rPr lang="de-DE" sz="1600" dirty="0"/>
-              <a:t> Max Planck Society, bornmann@gv.mpg.de</a:t>
+              <a:rPr lang="en-US" sz="1600" baseline="30000" noProof="0" dirty="0" smtClean="0"/>
+              <a:t>3 </a:t>
+            </a:r>
+            <a:r>
+              <a:rPr lang="en-US" sz="1600" noProof="0" dirty="0" smtClean="0"/>
+              <a:t>Max Planck Institute for Solid State Research, w.marx@fkf.mpg.de </a:t>
             </a:r>
           </a:p>
           <a:p>
             <a:pPr algn="l"/>
             <a:r>
-              <a:rPr lang="de-DE" sz="1600" baseline="30000" dirty="0" smtClean="0"/>
-              <a:t>3 </a:t>
-            </a:r>
-            <a:r>
-              <a:rPr lang="de-DE" sz="1600" dirty="0" smtClean="0"/>
-              <a:t>Max </a:t>
-            </a:r>
-            <a:r>
-              <a:rPr lang="de-DE" sz="1600" dirty="0"/>
-              <a:t>Planck Institute </a:t>
-            </a:r>
-            <a:r>
-              <a:rPr lang="de-DE" sz="1600" dirty="0" err="1"/>
-              <a:t>for</a:t>
-            </a:r>
-            <a:r>
-              <a:rPr lang="de-DE" sz="1600" dirty="0"/>
-              <a:t> Solid State Research, w.marx@fkf.mpg.de </a:t>
-            </a:r>
-          </a:p>
-          <a:p>
-            <a:pPr algn="l"/>
-            <a:r>
-              <a:rPr lang="de-DE" sz="1600" baseline="30000" dirty="0" smtClean="0"/>
+              <a:rPr lang="en-US" sz="1600" baseline="30000" noProof="0" dirty="0" smtClean="0"/>
               <a:t>4 </a:t>
             </a:r>
             <a:r>
-              <a:rPr lang="de-DE" sz="1600" dirty="0" smtClean="0"/>
-              <a:t>ETH </a:t>
-            </a:r>
-            <a:r>
-              <a:rPr lang="de-DE" sz="1600" dirty="0"/>
-              <a:t>Zürich, mutz@gess.ethz.ch </a:t>
-            </a:r>
-            <a:endParaRPr lang="de-DE" sz="1600" dirty="0"/>
+              <a:rPr lang="en-US" sz="1600" noProof="0" dirty="0" smtClean="0"/>
+              <a:t>ETH Zürich, mutz@gess.ethz.ch </a:t>
+            </a:r>
+            <a:endParaRPr lang="en-US" sz="1600" noProof="0" dirty="0"/>
+          </a:p>
+        </p:txBody>
+      </p:sp>
+      <p:sp>
+        <p:nvSpPr>
+          <p:cNvPr id="4" name="Rechteck 3"/>
+          <p:cNvSpPr/>
+          <p:nvPr/>
+        </p:nvSpPr>
+        <p:spPr>
+          <a:xfrm>
+            <a:off x="0" y="6597352"/>
+            <a:ext cx="9144000" cy="260648"/>
+          </a:xfrm>
+          <a:prstGeom prst="rect">
+            <a:avLst/>
+          </a:prstGeom>
+          <a:solidFill>
+            <a:schemeClr val="bg1">
+              <a:lumMod val="50000"/>
+            </a:schemeClr>
+          </a:solidFill>
+          <a:ln>
+            <a:noFill/>
+          </a:ln>
+        </p:spPr>
+        <p:style>
+          <a:lnRef idx="2">
+            <a:schemeClr val="accent1">
+              <a:shade val="50000"/>
+            </a:schemeClr>
+          </a:lnRef>
+          <a:fillRef idx="1">
+            <a:schemeClr val="accent1"/>
+          </a:fillRef>
+          <a:effectRef idx="0">
+            <a:schemeClr val="accent1"/>
+          </a:effectRef>
+          <a:fontRef idx="minor">
+            <a:schemeClr val="lt1"/>
+          </a:fontRef>
+        </p:style>
+        <p:txBody>
+          <a:bodyPr rtlCol="0" anchor="ctr"/>
+          <a:lstStyle/>
+          <a:p>
+            <a:pPr algn="ctr"/>
+            <a:r>
+              <a:rPr lang="de-DE" sz="1400" dirty="0" smtClean="0"/>
+              <a:t>23rd International Conference on Science </a:t>
+            </a:r>
+            <a:r>
+              <a:rPr lang="de-DE" sz="1400" dirty="0" err="1" smtClean="0"/>
+              <a:t>and</a:t>
+            </a:r>
+            <a:r>
+              <a:rPr lang="de-DE" sz="1400" dirty="0" smtClean="0"/>
+              <a:t> Technology </a:t>
+            </a:r>
+            <a:r>
+              <a:rPr lang="de-DE" sz="1400" dirty="0" err="1" smtClean="0"/>
+              <a:t>Indicators</a:t>
+            </a:r>
+            <a:r>
+              <a:rPr lang="de-DE" sz="1400" dirty="0" smtClean="0"/>
+              <a:t> (STI 2018), 12-14 September 2018, Leiden</a:t>
+            </a:r>
+            <a:endParaRPr lang="de-DE" sz="1400" dirty="0"/>
           </a:p>
         </p:txBody>
       </p:sp>
@@ -3369,6 +4046,1694 @@
     <p:extLst>
       <p:ext uri="{BB962C8B-B14F-4D97-AF65-F5344CB8AC3E}">
         <p14:creationId xmlns:p14="http://schemas.microsoft.com/office/powerpoint/2010/main" val="3831466872"/>
+      </p:ext>
+    </p:extLst>
+  </p:cSld>
+  <p:clrMapOvr>
+    <a:masterClrMapping/>
+  </p:clrMapOvr>
+  <p:timing>
+    <p:tnLst>
+      <p:par>
+        <p:cTn id="1" dur="indefinite" restart="never" nodeType="tmRoot"/>
+      </p:par>
+    </p:tnLst>
+  </p:timing>
+</p:sld>
+</file>
+
+<file path=ppt/slides/slide10.xml><?xml version="1.0" encoding="utf-8"?>
+<p:sld xmlns:a="http://schemas.openxmlformats.org/drawingml/2006/main" xmlns:r="http://schemas.openxmlformats.org/officeDocument/2006/relationships" xmlns:p="http://schemas.openxmlformats.org/presentationml/2006/main">
+  <p:cSld>
+    <p:spTree>
+      <p:nvGrpSpPr>
+        <p:cNvPr id="1" name=""/>
+        <p:cNvGrpSpPr/>
+        <p:nvPr/>
+      </p:nvGrpSpPr>
+      <p:grpSpPr>
+        <a:xfrm>
+          <a:off x="0" y="0"/>
+          <a:ext cx="0" cy="0"/>
+          <a:chOff x="0" y="0"/>
+          <a:chExt cx="0" cy="0"/>
+        </a:xfrm>
+      </p:grpSpPr>
+      <p:sp>
+        <p:nvSpPr>
+          <p:cNvPr id="2" name="Titel 1"/>
+          <p:cNvSpPr>
+            <a:spLocks noGrp="1"/>
+          </p:cNvSpPr>
+          <p:nvPr>
+            <p:ph type="title"/>
+          </p:nvPr>
+        </p:nvSpPr>
+        <p:spPr/>
+        <p:txBody>
+          <a:bodyPr/>
+          <a:lstStyle/>
+          <a:p>
+            <a:r>
+              <a:rPr lang="de-DE" dirty="0" err="1" smtClean="0"/>
+              <a:t>Indicators</a:t>
+            </a:r>
+            <a:endParaRPr lang="de-DE" dirty="0"/>
+          </a:p>
+        </p:txBody>
+      </p:sp>
+      <p:graphicFrame>
+        <p:nvGraphicFramePr>
+          <p:cNvPr id="5" name="Inhaltsplatzhalter 4"/>
+          <p:cNvGraphicFramePr>
+            <a:graphicFrameLocks noGrp="1"/>
+          </p:cNvGraphicFramePr>
+          <p:nvPr>
+            <p:ph idx="1"/>
+            <p:extLst>
+              <p:ext uri="{D42A27DB-BD31-4B8C-83A1-F6EECF244321}">
+                <p14:modId xmlns:p14="http://schemas.microsoft.com/office/powerpoint/2010/main" val="1877125563"/>
+              </p:ext>
+            </p:extLst>
+          </p:nvPr>
+        </p:nvGraphicFramePr>
+        <p:xfrm>
+          <a:off x="448072" y="2852936"/>
+          <a:ext cx="5472608" cy="3017520"/>
+        </p:xfrm>
+        <a:graphic>
+          <a:graphicData uri="http://schemas.openxmlformats.org/drawingml/2006/table">
+            <a:tbl>
+              <a:tblPr firstRow="1" bandRow="1">
+                <a:tableStyleId>{5940675A-B579-460E-94D1-54222C63F5DA}</a:tableStyleId>
+              </a:tblPr>
+              <a:tblGrid>
+                <a:gridCol w="3168352"/>
+                <a:gridCol w="648072"/>
+                <a:gridCol w="504056"/>
+                <a:gridCol w="1152128"/>
+              </a:tblGrid>
+              <a:tr h="370840">
+                <a:tc>
+                  <a:txBody>
+                    <a:bodyPr/>
+                    <a:lstStyle/>
+                    <a:p>
+                      <a:pPr marL="0" marR="0">
+                        <a:spcBef>
+                          <a:spcPts val="0"/>
+                        </a:spcBef>
+                        <a:spcAft>
+                          <a:spcPts val="0"/>
+                        </a:spcAft>
+                      </a:pPr>
+                      <a:r>
+                        <a:rPr lang="en-GB" sz="1600" dirty="0">
+                          <a:effectLst/>
+                        </a:rPr>
+                        <a:t>Cited reference</a:t>
+                      </a:r>
+                      <a:endParaRPr lang="de-DE" sz="1600" dirty="0">
+                        <a:effectLst/>
+                        <a:latin typeface="+mn-lt"/>
+                        <a:ea typeface="Times New Roman" panose="02020603050405020304" pitchFamily="18" charset="0"/>
+                      </a:endParaRPr>
+                    </a:p>
+                  </a:txBody>
+                  <a:tcPr marL="68580" marR="68580" marT="0" marB="0"/>
+                </a:tc>
+                <a:tc>
+                  <a:txBody>
+                    <a:bodyPr/>
+                    <a:lstStyle/>
+                    <a:p>
+                      <a:pPr marL="0" marR="0" algn="ctr">
+                        <a:spcBef>
+                          <a:spcPts val="0"/>
+                        </a:spcBef>
+                        <a:spcAft>
+                          <a:spcPts val="0"/>
+                        </a:spcAft>
+                      </a:pPr>
+                      <a:r>
+                        <a:rPr lang="en-GB" sz="1600" dirty="0">
+                          <a:solidFill>
+                            <a:srgbClr val="000000"/>
+                          </a:solidFill>
+                          <a:effectLst/>
+                          <a:latin typeface="+mn-lt"/>
+                          <a:ea typeface="Times New Roman" panose="02020603050405020304" pitchFamily="18" charset="0"/>
+                        </a:rPr>
+                        <a:t>N_CR</a:t>
+                      </a:r>
+                      <a:endParaRPr lang="de-DE" sz="1600" dirty="0">
+                        <a:effectLst/>
+                        <a:latin typeface="+mn-lt"/>
+                        <a:ea typeface="Times New Roman" panose="02020603050405020304" pitchFamily="18" charset="0"/>
+                      </a:endParaRPr>
+                    </a:p>
+                  </a:txBody>
+                  <a:tcPr marL="68580" marR="68580" marT="0" marB="0" anchor="ctr"/>
+                </a:tc>
+                <a:tc>
+                  <a:txBody>
+                    <a:bodyPr/>
+                    <a:lstStyle/>
+                    <a:p>
+                      <a:r>
+                        <a:rPr lang="de-DE" sz="1600" dirty="0" smtClean="0">
+                          <a:latin typeface="+mn-lt"/>
+                        </a:rPr>
+                        <a:t>N_PYEARS</a:t>
+                      </a:r>
+                      <a:endParaRPr lang="de-DE" sz="1600" dirty="0">
+                        <a:latin typeface="+mn-lt"/>
+                      </a:endParaRPr>
+                    </a:p>
+                  </a:txBody>
+                  <a:tcPr/>
+                </a:tc>
+                <a:tc>
+                  <a:txBody>
+                    <a:bodyPr/>
+                    <a:lstStyle/>
+                    <a:p>
+                      <a:endParaRPr lang="de-DE" sz="1600" dirty="0">
+                        <a:latin typeface="+mn-lt"/>
+                      </a:endParaRPr>
+                    </a:p>
+                  </a:txBody>
+                  <a:tcPr/>
+                </a:tc>
+              </a:tr>
+              <a:tr h="370840">
+                <a:tc>
+                  <a:txBody>
+                    <a:bodyPr/>
+                    <a:lstStyle/>
+                    <a:p>
+                      <a:pPr marL="0" marR="0" lvl="0" indent="0" algn="l" defTabSz="914400" rtl="0" eaLnBrk="1" fontAlgn="auto" latinLnBrk="0" hangingPunct="1">
+                        <a:lnSpc>
+                          <a:spcPct val="100000"/>
+                        </a:lnSpc>
+                        <a:spcBef>
+                          <a:spcPts val="0"/>
+                        </a:spcBef>
+                        <a:spcAft>
+                          <a:spcPts val="0"/>
+                        </a:spcAft>
+                        <a:buClrTx/>
+                        <a:buSzTx/>
+                        <a:buFontTx/>
+                        <a:buNone/>
+                        <a:tabLst/>
+                        <a:defRPr/>
+                      </a:pPr>
+                      <a:r>
+                        <a:rPr lang="en-US" sz="1600" dirty="0" err="1" smtClean="0">
+                          <a:effectLst/>
+                        </a:rPr>
+                        <a:t>Lotka</a:t>
+                      </a:r>
+                      <a:r>
+                        <a:rPr lang="en-US" sz="1600" dirty="0" smtClean="0">
+                          <a:effectLst/>
+                        </a:rPr>
+                        <a:t> (1926)</a:t>
+                      </a:r>
+                      <a:br>
+                        <a:rPr lang="en-US" sz="1600" dirty="0" smtClean="0">
+                          <a:effectLst/>
+                        </a:rPr>
+                      </a:br>
+                      <a:r>
+                        <a:rPr lang="en-US" sz="1600" i="1" dirty="0" smtClean="0">
+                          <a:effectLst/>
+                        </a:rPr>
+                        <a:t>The frequency distribution of scientific productivity</a:t>
+                      </a:r>
+                      <a:endParaRPr lang="de-DE" sz="1600" i="1" dirty="0">
+                        <a:effectLst/>
+                        <a:latin typeface="+mn-lt"/>
+                        <a:ea typeface="Times New Roman" panose="02020603050405020304" pitchFamily="18" charset="0"/>
+                      </a:endParaRPr>
+                    </a:p>
+                  </a:txBody>
+                  <a:tcPr marL="68580" marR="68580" marT="0" marB="0"/>
+                </a:tc>
+                <a:tc>
+                  <a:txBody>
+                    <a:bodyPr/>
+                    <a:lstStyle/>
+                    <a:p>
+                      <a:pPr marL="0" marR="0" algn="ctr">
+                        <a:spcBef>
+                          <a:spcPts val="0"/>
+                        </a:spcBef>
+                        <a:spcAft>
+                          <a:spcPts val="0"/>
+                        </a:spcAft>
+                      </a:pPr>
+                      <a:r>
+                        <a:rPr lang="en-GB" sz="1600" dirty="0">
+                          <a:solidFill>
+                            <a:srgbClr val="000000"/>
+                          </a:solidFill>
+                          <a:effectLst/>
+                          <a:latin typeface="+mn-lt"/>
+                          <a:ea typeface="Times New Roman" panose="02020603050405020304" pitchFamily="18" charset="0"/>
+                        </a:rPr>
+                        <a:t>155</a:t>
+                      </a:r>
+                      <a:endParaRPr lang="de-DE" sz="1600" dirty="0">
+                        <a:effectLst/>
+                        <a:latin typeface="+mn-lt"/>
+                        <a:ea typeface="Times New Roman" panose="02020603050405020304" pitchFamily="18" charset="0"/>
+                      </a:endParaRPr>
+                    </a:p>
+                  </a:txBody>
+                  <a:tcPr marL="68580" marR="68580" marT="0" marB="0" anchor="ctr"/>
+                </a:tc>
+                <a:tc>
+                  <a:txBody>
+                    <a:bodyPr/>
+                    <a:lstStyle/>
+                    <a:p>
+                      <a:r>
+                        <a:rPr lang="de-DE" sz="1600" dirty="0" smtClean="0">
+                          <a:latin typeface="+mn-lt"/>
+                        </a:rPr>
+                        <a:t>36</a:t>
+                      </a:r>
+                      <a:endParaRPr lang="de-DE" sz="1600" dirty="0">
+                        <a:latin typeface="+mn-lt"/>
+                      </a:endParaRPr>
+                    </a:p>
+                  </a:txBody>
+                  <a:tcPr/>
+                </a:tc>
+                <a:tc>
+                  <a:txBody>
+                    <a:bodyPr/>
+                    <a:lstStyle/>
+                    <a:p>
+                      <a:endParaRPr lang="de-DE" sz="1600" dirty="0">
+                        <a:latin typeface="+mn-lt"/>
+                      </a:endParaRPr>
+                    </a:p>
+                  </a:txBody>
+                  <a:tcPr/>
+                </a:tc>
+              </a:tr>
+              <a:tr h="370840">
+                <a:tc>
+                  <a:txBody>
+                    <a:bodyPr/>
+                    <a:lstStyle/>
+                    <a:p>
+                      <a:pPr marL="0" marR="0" lvl="0" indent="0" algn="l" defTabSz="914400" rtl="0" eaLnBrk="1" fontAlgn="auto" latinLnBrk="0" hangingPunct="1">
+                        <a:lnSpc>
+                          <a:spcPct val="100000"/>
+                        </a:lnSpc>
+                        <a:spcBef>
+                          <a:spcPts val="0"/>
+                        </a:spcBef>
+                        <a:spcAft>
+                          <a:spcPts val="0"/>
+                        </a:spcAft>
+                        <a:buClrTx/>
+                        <a:buSzTx/>
+                        <a:buFontTx/>
+                        <a:buNone/>
+                        <a:tabLst/>
+                        <a:defRPr/>
+                      </a:pPr>
+                      <a:r>
+                        <a:rPr lang="en-US" sz="1600" dirty="0">
+                          <a:effectLst/>
+                        </a:rPr>
+                        <a:t>de </a:t>
+                      </a:r>
+                      <a:r>
+                        <a:rPr lang="en-US" sz="1600" dirty="0" err="1">
+                          <a:effectLst/>
+                        </a:rPr>
+                        <a:t>Solla</a:t>
+                      </a:r>
+                      <a:r>
+                        <a:rPr lang="en-US" sz="1600" dirty="0">
+                          <a:effectLst/>
+                        </a:rPr>
+                        <a:t> Price (1963</a:t>
+                      </a:r>
+                      <a:r>
+                        <a:rPr lang="en-US" sz="1600" dirty="0" smtClean="0">
+                          <a:effectLst/>
+                        </a:rPr>
+                        <a:t>)</a:t>
+                      </a:r>
+                      <a:br>
+                        <a:rPr lang="en-US" sz="1600" dirty="0" smtClean="0">
+                          <a:effectLst/>
+                        </a:rPr>
+                      </a:br>
+                      <a:r>
+                        <a:rPr lang="en-US" sz="1600" i="1" dirty="0" smtClean="0">
+                          <a:effectLst/>
+                        </a:rPr>
+                        <a:t>Little science, big science</a:t>
+                      </a:r>
+                    </a:p>
+                    <a:p>
+                      <a:pPr marL="0" marR="0">
+                        <a:spcBef>
+                          <a:spcPts val="0"/>
+                        </a:spcBef>
+                        <a:spcAft>
+                          <a:spcPts val="0"/>
+                        </a:spcAft>
+                      </a:pPr>
+                      <a:endParaRPr lang="de-DE" sz="1600" dirty="0">
+                        <a:effectLst/>
+                        <a:latin typeface="+mn-lt"/>
+                        <a:ea typeface="Times New Roman" panose="02020603050405020304" pitchFamily="18" charset="0"/>
+                      </a:endParaRPr>
+                    </a:p>
+                  </a:txBody>
+                  <a:tcPr marL="68580" marR="68580" marT="0" marB="0"/>
+                </a:tc>
+                <a:tc>
+                  <a:txBody>
+                    <a:bodyPr/>
+                    <a:lstStyle/>
+                    <a:p>
+                      <a:pPr marL="0" marR="0" algn="ctr">
+                        <a:spcBef>
+                          <a:spcPts val="0"/>
+                        </a:spcBef>
+                        <a:spcAft>
+                          <a:spcPts val="0"/>
+                        </a:spcAft>
+                      </a:pPr>
+                      <a:r>
+                        <a:rPr lang="en-GB" sz="1600" dirty="0">
+                          <a:solidFill>
+                            <a:srgbClr val="000000"/>
+                          </a:solidFill>
+                          <a:effectLst/>
+                          <a:latin typeface="+mn-lt"/>
+                          <a:ea typeface="Times New Roman" panose="02020603050405020304" pitchFamily="18" charset="0"/>
+                        </a:rPr>
+                        <a:t>216</a:t>
+                      </a:r>
+                      <a:endParaRPr lang="de-DE" sz="1600" dirty="0">
+                        <a:effectLst/>
+                        <a:latin typeface="+mn-lt"/>
+                        <a:ea typeface="Times New Roman" panose="02020603050405020304" pitchFamily="18" charset="0"/>
+                      </a:endParaRPr>
+                    </a:p>
+                  </a:txBody>
+                  <a:tcPr marL="68580" marR="68580" marT="0" marB="0" anchor="ctr"/>
+                </a:tc>
+                <a:tc>
+                  <a:txBody>
+                    <a:bodyPr/>
+                    <a:lstStyle/>
+                    <a:p>
+                      <a:r>
+                        <a:rPr lang="de-DE" sz="1600" dirty="0" smtClean="0">
+                          <a:latin typeface="+mn-lt"/>
+                        </a:rPr>
+                        <a:t>36</a:t>
+                      </a:r>
+                      <a:endParaRPr lang="de-DE" sz="1600" dirty="0">
+                        <a:latin typeface="+mn-lt"/>
+                      </a:endParaRPr>
+                    </a:p>
+                  </a:txBody>
+                  <a:tcPr/>
+                </a:tc>
+                <a:tc>
+                  <a:txBody>
+                    <a:bodyPr/>
+                    <a:lstStyle/>
+                    <a:p>
+                      <a:endParaRPr lang="de-DE" sz="1600" dirty="0">
+                        <a:latin typeface="+mn-lt"/>
+                      </a:endParaRPr>
+                    </a:p>
+                  </a:txBody>
+                  <a:tcPr/>
+                </a:tc>
+              </a:tr>
+              <a:tr h="370840">
+                <a:tc>
+                  <a:txBody>
+                    <a:bodyPr/>
+                    <a:lstStyle/>
+                    <a:p>
+                      <a:pPr marL="0" marR="0" lvl="0" indent="0" algn="l" defTabSz="914400" rtl="0" eaLnBrk="1" fontAlgn="auto" latinLnBrk="0" hangingPunct="1">
+                        <a:lnSpc>
+                          <a:spcPct val="100000"/>
+                        </a:lnSpc>
+                        <a:spcBef>
+                          <a:spcPts val="0"/>
+                        </a:spcBef>
+                        <a:spcAft>
+                          <a:spcPts val="0"/>
+                        </a:spcAft>
+                        <a:buClrTx/>
+                        <a:buSzTx/>
+                        <a:buFontTx/>
+                        <a:buNone/>
+                        <a:tabLst/>
+                        <a:defRPr/>
+                      </a:pPr>
+                      <a:r>
+                        <a:rPr lang="en-US" sz="1600" dirty="0">
+                          <a:effectLst/>
+                        </a:rPr>
+                        <a:t>Garfield </a:t>
+                      </a:r>
+                      <a:r>
+                        <a:rPr lang="en-US" sz="1600" dirty="0" smtClean="0">
+                          <a:effectLst/>
+                        </a:rPr>
+                        <a:t>(</a:t>
+                      </a:r>
+                      <a:r>
+                        <a:rPr lang="en-US" sz="1600" dirty="0">
+                          <a:effectLst/>
+                        </a:rPr>
+                        <a:t>1979</a:t>
+                      </a:r>
+                      <a:r>
+                        <a:rPr lang="en-US" sz="1600" dirty="0" smtClean="0">
+                          <a:effectLst/>
+                        </a:rPr>
+                        <a:t>) </a:t>
+                      </a:r>
+                      <a:r>
+                        <a:rPr lang="en-US" sz="1600" i="1" dirty="0" smtClean="0">
+                          <a:effectLst/>
+                        </a:rPr>
+                        <a:t>Citation indexing: its theory and application in science, technology, and humanities</a:t>
+                      </a:r>
+                      <a:endParaRPr lang="de-DE" sz="1600" i="1" dirty="0">
+                        <a:effectLst/>
+                        <a:latin typeface="+mn-lt"/>
+                        <a:ea typeface="Times New Roman" panose="02020603050405020304" pitchFamily="18" charset="0"/>
+                      </a:endParaRPr>
+                    </a:p>
+                  </a:txBody>
+                  <a:tcPr marL="68580" marR="68580" marT="0" marB="0"/>
+                </a:tc>
+                <a:tc>
+                  <a:txBody>
+                    <a:bodyPr/>
+                    <a:lstStyle/>
+                    <a:p>
+                      <a:pPr marL="0" marR="0" algn="ctr">
+                        <a:spcBef>
+                          <a:spcPts val="0"/>
+                        </a:spcBef>
+                        <a:spcAft>
+                          <a:spcPts val="0"/>
+                        </a:spcAft>
+                      </a:pPr>
+                      <a:r>
+                        <a:rPr lang="en-GB" sz="1600" dirty="0">
+                          <a:solidFill>
+                            <a:srgbClr val="000000"/>
+                          </a:solidFill>
+                          <a:effectLst/>
+                          <a:latin typeface="+mn-lt"/>
+                          <a:ea typeface="Times New Roman" panose="02020603050405020304" pitchFamily="18" charset="0"/>
+                        </a:rPr>
+                        <a:t>151</a:t>
+                      </a:r>
+                      <a:endParaRPr lang="de-DE" sz="1600" dirty="0">
+                        <a:effectLst/>
+                        <a:latin typeface="+mn-lt"/>
+                        <a:ea typeface="Times New Roman" panose="02020603050405020304" pitchFamily="18" charset="0"/>
+                      </a:endParaRPr>
+                    </a:p>
+                  </a:txBody>
+                  <a:tcPr marL="68580" marR="68580" marT="0" marB="0" anchor="ctr"/>
+                </a:tc>
+                <a:tc>
+                  <a:txBody>
+                    <a:bodyPr/>
+                    <a:lstStyle/>
+                    <a:p>
+                      <a:r>
+                        <a:rPr lang="de-DE" sz="1600" dirty="0" smtClean="0">
+                          <a:latin typeface="+mn-lt"/>
+                        </a:rPr>
+                        <a:t>34</a:t>
+                      </a:r>
+                      <a:endParaRPr lang="de-DE" sz="1600" dirty="0">
+                        <a:latin typeface="+mn-lt"/>
+                      </a:endParaRPr>
+                    </a:p>
+                  </a:txBody>
+                  <a:tcPr/>
+                </a:tc>
+                <a:tc>
+                  <a:txBody>
+                    <a:bodyPr/>
+                    <a:lstStyle/>
+                    <a:p>
+                      <a:endParaRPr lang="de-DE" sz="1600" dirty="0">
+                        <a:latin typeface="+mn-lt"/>
+                      </a:endParaRPr>
+                    </a:p>
+                  </a:txBody>
+                  <a:tcPr/>
+                </a:tc>
+              </a:tr>
+            </a:tbl>
+          </a:graphicData>
+        </a:graphic>
+      </p:graphicFrame>
+    </p:spTree>
+    <p:extLst>
+      <p:ext uri="{BB962C8B-B14F-4D97-AF65-F5344CB8AC3E}">
+        <p14:creationId xmlns:p14="http://schemas.microsoft.com/office/powerpoint/2010/main" val="410039081"/>
+      </p:ext>
+    </p:extLst>
+  </p:cSld>
+  <p:clrMapOvr>
+    <a:masterClrMapping/>
+  </p:clrMapOvr>
+  <p:timing>
+    <p:tnLst>
+      <p:par>
+        <p:cTn id="1" dur="indefinite" restart="never" nodeType="tmRoot"/>
+      </p:par>
+    </p:tnLst>
+  </p:timing>
+</p:sld>
+</file>
+
+<file path=ppt/slides/slide11.xml><?xml version="1.0" encoding="utf-8"?>
+<p:sld xmlns:a="http://schemas.openxmlformats.org/drawingml/2006/main" xmlns:r="http://schemas.openxmlformats.org/officeDocument/2006/relationships" xmlns:p="http://schemas.openxmlformats.org/presentationml/2006/main">
+  <p:cSld>
+    <p:spTree>
+      <p:nvGrpSpPr>
+        <p:cNvPr id="1" name=""/>
+        <p:cNvGrpSpPr/>
+        <p:nvPr/>
+      </p:nvGrpSpPr>
+      <p:grpSpPr>
+        <a:xfrm>
+          <a:off x="0" y="0"/>
+          <a:ext cx="0" cy="0"/>
+          <a:chOff x="0" y="0"/>
+          <a:chExt cx="0" cy="0"/>
+        </a:xfrm>
+      </p:grpSpPr>
+      <p:sp>
+        <p:nvSpPr>
+          <p:cNvPr id="6" name="Abgerundete rechteckige Legende 5"/>
+          <p:cNvSpPr/>
+          <p:nvPr/>
+        </p:nvSpPr>
+        <p:spPr>
+          <a:xfrm>
+            <a:off x="4536528" y="2636912"/>
+            <a:ext cx="2232248" cy="792089"/>
+          </a:xfrm>
+          <a:prstGeom prst="wedgeRoundRectCallout">
+            <a:avLst>
+              <a:gd name="adj1" fmla="val -43755"/>
+              <a:gd name="adj2" fmla="val 166337"/>
+              <a:gd name="adj3" fmla="val 16667"/>
+            </a:avLst>
+          </a:prstGeom>
+        </p:spPr>
+        <p:style>
+          <a:lnRef idx="2">
+            <a:schemeClr val="accent1"/>
+          </a:lnRef>
+          <a:fillRef idx="1">
+            <a:schemeClr val="lt1"/>
+          </a:fillRef>
+          <a:effectRef idx="0">
+            <a:schemeClr val="accent1"/>
+          </a:effectRef>
+          <a:fontRef idx="minor">
+            <a:schemeClr val="dk1"/>
+          </a:fontRef>
+        </p:style>
+        <p:txBody>
+          <a:bodyPr rtlCol="0" anchor="ctr"/>
+          <a:lstStyle/>
+          <a:p>
+            <a:pPr algn="ctr"/>
+            <a:r>
+              <a:rPr lang="de-DE" dirty="0" err="1" smtClean="0"/>
+              <a:t>There</a:t>
+            </a:r>
+            <a:r>
+              <a:rPr lang="de-DE" dirty="0" smtClean="0"/>
+              <a:t> </a:t>
+            </a:r>
+            <a:r>
+              <a:rPr lang="de-DE" dirty="0" err="1" smtClean="0"/>
+              <a:t>are</a:t>
+            </a:r>
+            <a:r>
+              <a:rPr lang="de-DE" dirty="0" smtClean="0"/>
+              <a:t> 36 PYs (out </a:t>
+            </a:r>
+            <a:r>
+              <a:rPr lang="de-DE" dirty="0" err="1" smtClean="0"/>
+              <a:t>of</a:t>
+            </a:r>
+            <a:r>
+              <a:rPr lang="de-DE" dirty="0" smtClean="0"/>
+              <a:t> 39) </a:t>
+            </a:r>
+            <a:r>
+              <a:rPr lang="de-DE" dirty="0" err="1" smtClean="0"/>
+              <a:t>with</a:t>
+            </a:r>
+            <a:r>
+              <a:rPr lang="de-DE" dirty="0" smtClean="0"/>
+              <a:t> at least </a:t>
+            </a:r>
+            <a:r>
+              <a:rPr lang="de-DE" dirty="0" err="1" smtClean="0"/>
+              <a:t>one</a:t>
+            </a:r>
+            <a:r>
+              <a:rPr lang="de-DE" dirty="0" smtClean="0"/>
+              <a:t> </a:t>
+            </a:r>
+            <a:r>
+              <a:rPr lang="de-DE" dirty="0" err="1" smtClean="0"/>
+              <a:t>citation</a:t>
+            </a:r>
+            <a:r>
+              <a:rPr lang="de-DE" dirty="0" smtClean="0"/>
+              <a:t> </a:t>
+            </a:r>
+            <a:r>
+              <a:rPr lang="de-DE" dirty="0" err="1" smtClean="0"/>
+              <a:t>of</a:t>
+            </a:r>
+            <a:r>
+              <a:rPr lang="de-DE" dirty="0" smtClean="0"/>
+              <a:t> </a:t>
+            </a:r>
+            <a:r>
+              <a:rPr lang="de-DE" dirty="0" err="1" smtClean="0"/>
+              <a:t>Lotka</a:t>
+            </a:r>
+            <a:endParaRPr lang="de-DE" dirty="0"/>
+          </a:p>
+        </p:txBody>
+      </p:sp>
+      <p:sp>
+        <p:nvSpPr>
+          <p:cNvPr id="2" name="Titel 1"/>
+          <p:cNvSpPr>
+            <a:spLocks noGrp="1"/>
+          </p:cNvSpPr>
+          <p:nvPr>
+            <p:ph type="title"/>
+          </p:nvPr>
+        </p:nvSpPr>
+        <p:spPr/>
+        <p:txBody>
+          <a:bodyPr/>
+          <a:lstStyle/>
+          <a:p>
+            <a:endParaRPr lang="de-DE" dirty="0"/>
+          </a:p>
+        </p:txBody>
+      </p:sp>
+      <p:sp>
+        <p:nvSpPr>
+          <p:cNvPr id="3" name="Inhaltsplatzhalter 2"/>
+          <p:cNvSpPr>
+            <a:spLocks noGrp="1"/>
+          </p:cNvSpPr>
+          <p:nvPr>
+            <p:ph idx="1"/>
+          </p:nvPr>
+        </p:nvSpPr>
+        <p:spPr>
+          <a:xfrm>
+            <a:off x="457200" y="1052737"/>
+            <a:ext cx="8229600" cy="2016224"/>
+          </a:xfrm>
+        </p:spPr>
+        <p:txBody>
+          <a:bodyPr/>
+          <a:lstStyle/>
+          <a:p>
+            <a:r>
+              <a:rPr lang="de-DE" dirty="0" smtClean="0"/>
+              <a:t>N_CR = </a:t>
+            </a:r>
+            <a:r>
+              <a:rPr lang="de-DE" dirty="0" err="1" smtClean="0"/>
+              <a:t>Number</a:t>
+            </a:r>
+            <a:r>
+              <a:rPr lang="de-DE" dirty="0" smtClean="0"/>
+              <a:t> </a:t>
+            </a:r>
+            <a:r>
+              <a:rPr lang="de-DE" dirty="0" err="1" smtClean="0"/>
+              <a:t>of</a:t>
+            </a:r>
+            <a:r>
+              <a:rPr lang="de-DE" dirty="0" smtClean="0"/>
+              <a:t> </a:t>
+            </a:r>
+            <a:r>
+              <a:rPr lang="de-DE" dirty="0" err="1" smtClean="0"/>
+              <a:t>citations</a:t>
+            </a:r>
+            <a:endParaRPr lang="de-DE" dirty="0" smtClean="0"/>
+          </a:p>
+          <a:p>
+            <a:r>
+              <a:rPr lang="de-DE" dirty="0" smtClean="0"/>
+              <a:t>N_PYEARS = </a:t>
+            </a:r>
+            <a:r>
+              <a:rPr lang="en-US" dirty="0" smtClean="0"/>
+              <a:t>Number </a:t>
+            </a:r>
+            <a:r>
+              <a:rPr lang="en-US" dirty="0"/>
+              <a:t>of </a:t>
+            </a:r>
+            <a:r>
+              <a:rPr lang="en-US" dirty="0" smtClean="0"/>
+              <a:t>PY in </a:t>
+            </a:r>
+            <a:r>
+              <a:rPr lang="en-US" dirty="0"/>
+              <a:t>which a CR has been </a:t>
+            </a:r>
+            <a:r>
+              <a:rPr lang="en-US" dirty="0" smtClean="0"/>
+              <a:t>cited</a:t>
+            </a:r>
+          </a:p>
+          <a:p>
+            <a:r>
+              <a:rPr lang="en-US" dirty="0"/>
+              <a:t>PERC_PYEAR = </a:t>
+            </a:r>
+            <a:r>
+              <a:rPr lang="en-US" dirty="0" smtClean="0"/>
+              <a:t>percentage </a:t>
+            </a:r>
+            <a:r>
+              <a:rPr lang="en-US" dirty="0"/>
+              <a:t>of citing years in which the CR has been </a:t>
+            </a:r>
+            <a:r>
+              <a:rPr lang="en-US" dirty="0" smtClean="0"/>
+              <a:t>cited</a:t>
+            </a:r>
+            <a:br>
+              <a:rPr lang="en-US" dirty="0" smtClean="0"/>
+            </a:br>
+            <a:r>
+              <a:rPr lang="en-US" dirty="0" smtClean="0"/>
+              <a:t>= N_PYEARS / #citing </a:t>
+            </a:r>
+            <a:r>
+              <a:rPr lang="en-US" dirty="0"/>
+              <a:t>years </a:t>
+            </a:r>
+            <a:r>
+              <a:rPr lang="en-US" dirty="0" smtClean="0"/>
+              <a:t>with </a:t>
+            </a:r>
+            <a:r>
+              <a:rPr lang="en-US" dirty="0"/>
+              <a:t>at least one citation to a CR in </a:t>
+            </a:r>
+            <a:r>
+              <a:rPr lang="en-US" dirty="0" smtClean="0"/>
+              <a:t>RPY </a:t>
+            </a:r>
+            <a:endParaRPr lang="de-DE" dirty="0"/>
+          </a:p>
+        </p:txBody>
+      </p:sp>
+      <p:graphicFrame>
+        <p:nvGraphicFramePr>
+          <p:cNvPr id="4" name="Inhaltsplatzhalter 4"/>
+          <p:cNvGraphicFramePr>
+            <a:graphicFrameLocks/>
+          </p:cNvGraphicFramePr>
+          <p:nvPr>
+            <p:extLst>
+              <p:ext uri="{D42A27DB-BD31-4B8C-83A1-F6EECF244321}">
+                <p14:modId xmlns:p14="http://schemas.microsoft.com/office/powerpoint/2010/main" val="1654569584"/>
+              </p:ext>
+            </p:extLst>
+          </p:nvPr>
+        </p:nvGraphicFramePr>
+        <p:xfrm>
+          <a:off x="425996" y="3717032"/>
+          <a:ext cx="6378251" cy="2565400"/>
+        </p:xfrm>
+        <a:graphic>
+          <a:graphicData uri="http://schemas.openxmlformats.org/drawingml/2006/table">
+            <a:tbl>
+              <a:tblPr firstRow="1" bandRow="1">
+                <a:tableStyleId>{5940675A-B579-460E-94D1-54222C63F5DA}</a:tableStyleId>
+              </a:tblPr>
+              <a:tblGrid>
+                <a:gridCol w="3279422"/>
+                <a:gridCol w="670791"/>
+                <a:gridCol w="1160989"/>
+                <a:gridCol w="1267049"/>
+              </a:tblGrid>
+              <a:tr h="370840">
+                <a:tc>
+                  <a:txBody>
+                    <a:bodyPr/>
+                    <a:lstStyle/>
+                    <a:p>
+                      <a:pPr marL="0" marR="0">
+                        <a:spcBef>
+                          <a:spcPts val="0"/>
+                        </a:spcBef>
+                        <a:spcAft>
+                          <a:spcPts val="0"/>
+                        </a:spcAft>
+                      </a:pPr>
+                      <a:r>
+                        <a:rPr lang="en-GB" sz="1600" dirty="0">
+                          <a:effectLst/>
+                        </a:rPr>
+                        <a:t>Cited reference</a:t>
+                      </a:r>
+                      <a:endParaRPr lang="de-DE" sz="1600" dirty="0">
+                        <a:effectLst/>
+                        <a:latin typeface="+mn-lt"/>
+                        <a:ea typeface="Times New Roman" panose="02020603050405020304" pitchFamily="18" charset="0"/>
+                      </a:endParaRPr>
+                    </a:p>
+                  </a:txBody>
+                  <a:tcPr marL="68580" marR="68580" marT="0" marB="0"/>
+                </a:tc>
+                <a:tc>
+                  <a:txBody>
+                    <a:bodyPr/>
+                    <a:lstStyle/>
+                    <a:p>
+                      <a:pPr marL="0" marR="0" algn="ctr">
+                        <a:spcBef>
+                          <a:spcPts val="0"/>
+                        </a:spcBef>
+                        <a:spcAft>
+                          <a:spcPts val="0"/>
+                        </a:spcAft>
+                      </a:pPr>
+                      <a:r>
+                        <a:rPr lang="en-GB" sz="1600" dirty="0">
+                          <a:solidFill>
+                            <a:srgbClr val="000000"/>
+                          </a:solidFill>
+                          <a:effectLst/>
+                          <a:latin typeface="+mn-lt"/>
+                          <a:ea typeface="Times New Roman" panose="02020603050405020304" pitchFamily="18" charset="0"/>
+                        </a:rPr>
+                        <a:t>N_CR</a:t>
+                      </a:r>
+                      <a:endParaRPr lang="de-DE" sz="1600" dirty="0">
+                        <a:effectLst/>
+                        <a:latin typeface="+mn-lt"/>
+                        <a:ea typeface="Times New Roman" panose="02020603050405020304" pitchFamily="18" charset="0"/>
+                      </a:endParaRPr>
+                    </a:p>
+                  </a:txBody>
+                  <a:tcPr marL="68580" marR="68580" marT="0" marB="0" anchor="ctr"/>
+                </a:tc>
+                <a:tc>
+                  <a:txBody>
+                    <a:bodyPr/>
+                    <a:lstStyle/>
+                    <a:p>
+                      <a:r>
+                        <a:rPr lang="de-DE" sz="1600" dirty="0" smtClean="0">
+                          <a:latin typeface="+mn-lt"/>
+                        </a:rPr>
+                        <a:t>N_PYEARS</a:t>
+                      </a:r>
+                      <a:endParaRPr lang="de-DE" sz="1600" dirty="0">
+                        <a:latin typeface="+mn-lt"/>
+                      </a:endParaRPr>
+                    </a:p>
+                  </a:txBody>
+                  <a:tcPr anchor="ctr"/>
+                </a:tc>
+                <a:tc>
+                  <a:txBody>
+                    <a:bodyPr/>
+                    <a:lstStyle/>
+                    <a:p>
+                      <a:r>
+                        <a:rPr lang="de-DE" sz="1600" dirty="0" smtClean="0">
+                          <a:latin typeface="+mn-lt"/>
+                        </a:rPr>
+                        <a:t>PERC_PYEAR</a:t>
+                      </a:r>
+                      <a:endParaRPr lang="de-DE" sz="1600" dirty="0">
+                        <a:latin typeface="+mn-lt"/>
+                      </a:endParaRPr>
+                    </a:p>
+                  </a:txBody>
+                  <a:tcPr/>
+                </a:tc>
+              </a:tr>
+              <a:tr h="370840">
+                <a:tc>
+                  <a:txBody>
+                    <a:bodyPr/>
+                    <a:lstStyle/>
+                    <a:p>
+                      <a:pPr marL="0" marR="0" lvl="0" indent="0" algn="l" defTabSz="914400" rtl="0" eaLnBrk="1" fontAlgn="auto" latinLnBrk="0" hangingPunct="1">
+                        <a:lnSpc>
+                          <a:spcPct val="100000"/>
+                        </a:lnSpc>
+                        <a:spcBef>
+                          <a:spcPts val="0"/>
+                        </a:spcBef>
+                        <a:spcAft>
+                          <a:spcPts val="0"/>
+                        </a:spcAft>
+                        <a:buClrTx/>
+                        <a:buSzTx/>
+                        <a:buFontTx/>
+                        <a:buNone/>
+                        <a:tabLst/>
+                        <a:defRPr/>
+                      </a:pPr>
+                      <a:r>
+                        <a:rPr lang="en-US" sz="1600" dirty="0" err="1" smtClean="0">
+                          <a:effectLst/>
+                        </a:rPr>
+                        <a:t>Lotka</a:t>
+                      </a:r>
+                      <a:r>
+                        <a:rPr lang="en-US" sz="1600" dirty="0" smtClean="0">
+                          <a:effectLst/>
+                        </a:rPr>
+                        <a:t> (1926)</a:t>
+                      </a:r>
+                      <a:br>
+                        <a:rPr lang="en-US" sz="1600" dirty="0" smtClean="0">
+                          <a:effectLst/>
+                        </a:rPr>
+                      </a:br>
+                      <a:r>
+                        <a:rPr lang="en-US" sz="1600" i="1" dirty="0" smtClean="0">
+                          <a:effectLst/>
+                        </a:rPr>
+                        <a:t>The frequency distribution of scientific productivity</a:t>
+                      </a:r>
+                      <a:endParaRPr lang="de-DE" sz="1600" i="1" dirty="0">
+                        <a:effectLst/>
+                        <a:latin typeface="+mn-lt"/>
+                        <a:ea typeface="Times New Roman" panose="02020603050405020304" pitchFamily="18" charset="0"/>
+                      </a:endParaRPr>
+                    </a:p>
+                  </a:txBody>
+                  <a:tcPr marL="68580" marR="68580" marT="0" marB="0"/>
+                </a:tc>
+                <a:tc>
+                  <a:txBody>
+                    <a:bodyPr/>
+                    <a:lstStyle/>
+                    <a:p>
+                      <a:pPr marL="0" marR="0" algn="ctr">
+                        <a:spcBef>
+                          <a:spcPts val="0"/>
+                        </a:spcBef>
+                        <a:spcAft>
+                          <a:spcPts val="0"/>
+                        </a:spcAft>
+                      </a:pPr>
+                      <a:r>
+                        <a:rPr lang="en-GB" sz="1600" dirty="0">
+                          <a:solidFill>
+                            <a:srgbClr val="000000"/>
+                          </a:solidFill>
+                          <a:effectLst/>
+                          <a:latin typeface="+mn-lt"/>
+                          <a:ea typeface="Times New Roman" panose="02020603050405020304" pitchFamily="18" charset="0"/>
+                        </a:rPr>
+                        <a:t>155</a:t>
+                      </a:r>
+                      <a:endParaRPr lang="de-DE" sz="1600" dirty="0">
+                        <a:effectLst/>
+                        <a:latin typeface="+mn-lt"/>
+                        <a:ea typeface="Times New Roman" panose="02020603050405020304" pitchFamily="18" charset="0"/>
+                      </a:endParaRPr>
+                    </a:p>
+                  </a:txBody>
+                  <a:tcPr marL="68580" marR="68580" marT="0" marB="0" anchor="ctr"/>
+                </a:tc>
+                <a:tc>
+                  <a:txBody>
+                    <a:bodyPr/>
+                    <a:lstStyle/>
+                    <a:p>
+                      <a:r>
+                        <a:rPr lang="de-DE" sz="1600" dirty="0" smtClean="0">
+                          <a:latin typeface="+mn-lt"/>
+                        </a:rPr>
+                        <a:t>36</a:t>
+                      </a:r>
+                      <a:endParaRPr lang="de-DE" sz="1600" dirty="0">
+                        <a:latin typeface="+mn-lt"/>
+                      </a:endParaRPr>
+                    </a:p>
+                  </a:txBody>
+                  <a:tcPr anchor="ctr"/>
+                </a:tc>
+                <a:tc>
+                  <a:txBody>
+                    <a:bodyPr/>
+                    <a:lstStyle/>
+                    <a:p>
+                      <a:r>
+                        <a:rPr lang="de-DE" sz="1600" dirty="0" smtClean="0">
+                          <a:latin typeface="+mn-lt"/>
+                        </a:rPr>
+                        <a:t>100%</a:t>
+                      </a:r>
+                      <a:endParaRPr lang="de-DE" sz="1600" dirty="0">
+                        <a:latin typeface="+mn-lt"/>
+                      </a:endParaRPr>
+                    </a:p>
+                  </a:txBody>
+                  <a:tcPr/>
+                </a:tc>
+              </a:tr>
+              <a:tr h="370840">
+                <a:tc>
+                  <a:txBody>
+                    <a:bodyPr/>
+                    <a:lstStyle/>
+                    <a:p>
+                      <a:pPr marL="0" marR="0" lvl="0" indent="0" algn="l" defTabSz="914400" rtl="0" eaLnBrk="1" fontAlgn="auto" latinLnBrk="0" hangingPunct="1">
+                        <a:lnSpc>
+                          <a:spcPct val="100000"/>
+                        </a:lnSpc>
+                        <a:spcBef>
+                          <a:spcPts val="0"/>
+                        </a:spcBef>
+                        <a:spcAft>
+                          <a:spcPts val="0"/>
+                        </a:spcAft>
+                        <a:buClrTx/>
+                        <a:buSzTx/>
+                        <a:buFontTx/>
+                        <a:buNone/>
+                        <a:tabLst/>
+                        <a:defRPr/>
+                      </a:pPr>
+                      <a:r>
+                        <a:rPr lang="en-US" sz="1600" dirty="0">
+                          <a:effectLst/>
+                        </a:rPr>
+                        <a:t>de </a:t>
+                      </a:r>
+                      <a:r>
+                        <a:rPr lang="en-US" sz="1600" dirty="0" err="1">
+                          <a:effectLst/>
+                        </a:rPr>
+                        <a:t>Solla</a:t>
+                      </a:r>
+                      <a:r>
+                        <a:rPr lang="en-US" sz="1600" dirty="0">
+                          <a:effectLst/>
+                        </a:rPr>
+                        <a:t> Price (1963</a:t>
+                      </a:r>
+                      <a:r>
+                        <a:rPr lang="en-US" sz="1600" dirty="0" smtClean="0">
+                          <a:effectLst/>
+                        </a:rPr>
+                        <a:t>)</a:t>
+                      </a:r>
+                      <a:br>
+                        <a:rPr lang="en-US" sz="1600" dirty="0" smtClean="0">
+                          <a:effectLst/>
+                        </a:rPr>
+                      </a:br>
+                      <a:r>
+                        <a:rPr lang="en-US" sz="1600" i="1" dirty="0" smtClean="0">
+                          <a:effectLst/>
+                        </a:rPr>
+                        <a:t>Little science, big science</a:t>
+                      </a:r>
+                    </a:p>
+                    <a:p>
+                      <a:pPr marL="0" marR="0">
+                        <a:spcBef>
+                          <a:spcPts val="0"/>
+                        </a:spcBef>
+                        <a:spcAft>
+                          <a:spcPts val="0"/>
+                        </a:spcAft>
+                      </a:pPr>
+                      <a:endParaRPr lang="de-DE" sz="1600" dirty="0">
+                        <a:effectLst/>
+                        <a:latin typeface="+mn-lt"/>
+                        <a:ea typeface="Times New Roman" panose="02020603050405020304" pitchFamily="18" charset="0"/>
+                      </a:endParaRPr>
+                    </a:p>
+                  </a:txBody>
+                  <a:tcPr marL="68580" marR="68580" marT="0" marB="0"/>
+                </a:tc>
+                <a:tc>
+                  <a:txBody>
+                    <a:bodyPr/>
+                    <a:lstStyle/>
+                    <a:p>
+                      <a:pPr marL="0" marR="0" algn="ctr">
+                        <a:spcBef>
+                          <a:spcPts val="0"/>
+                        </a:spcBef>
+                        <a:spcAft>
+                          <a:spcPts val="0"/>
+                        </a:spcAft>
+                      </a:pPr>
+                      <a:r>
+                        <a:rPr lang="en-GB" sz="1600" dirty="0">
+                          <a:solidFill>
+                            <a:srgbClr val="000000"/>
+                          </a:solidFill>
+                          <a:effectLst/>
+                          <a:latin typeface="+mn-lt"/>
+                          <a:ea typeface="Times New Roman" panose="02020603050405020304" pitchFamily="18" charset="0"/>
+                        </a:rPr>
+                        <a:t>216</a:t>
+                      </a:r>
+                      <a:endParaRPr lang="de-DE" sz="1600" dirty="0">
+                        <a:effectLst/>
+                        <a:latin typeface="+mn-lt"/>
+                        <a:ea typeface="Times New Roman" panose="02020603050405020304" pitchFamily="18" charset="0"/>
+                      </a:endParaRPr>
+                    </a:p>
+                  </a:txBody>
+                  <a:tcPr marL="68580" marR="68580" marT="0" marB="0" anchor="ctr"/>
+                </a:tc>
+                <a:tc>
+                  <a:txBody>
+                    <a:bodyPr/>
+                    <a:lstStyle/>
+                    <a:p>
+                      <a:r>
+                        <a:rPr lang="de-DE" sz="1600" dirty="0" smtClean="0">
+                          <a:latin typeface="+mn-lt"/>
+                        </a:rPr>
+                        <a:t>36</a:t>
+                      </a:r>
+                      <a:endParaRPr lang="de-DE" sz="1600" dirty="0">
+                        <a:latin typeface="+mn-lt"/>
+                      </a:endParaRPr>
+                    </a:p>
+                  </a:txBody>
+                  <a:tcPr anchor="ctr"/>
+                </a:tc>
+                <a:tc>
+                  <a:txBody>
+                    <a:bodyPr/>
+                    <a:lstStyle/>
+                    <a:p>
+                      <a:r>
+                        <a:rPr lang="de-DE" sz="1600" dirty="0" smtClean="0">
+                          <a:latin typeface="+mn-lt"/>
+                        </a:rPr>
+                        <a:t>94.74%</a:t>
+                      </a:r>
+                      <a:endParaRPr lang="de-DE" sz="1600" dirty="0">
+                        <a:latin typeface="+mn-lt"/>
+                      </a:endParaRPr>
+                    </a:p>
+                  </a:txBody>
+                  <a:tcPr/>
+                </a:tc>
+              </a:tr>
+              <a:tr h="370840">
+                <a:tc>
+                  <a:txBody>
+                    <a:bodyPr/>
+                    <a:lstStyle/>
+                    <a:p>
+                      <a:pPr marL="0" marR="0" lvl="0" indent="0" algn="l" defTabSz="914400" rtl="0" eaLnBrk="1" fontAlgn="auto" latinLnBrk="0" hangingPunct="1">
+                        <a:lnSpc>
+                          <a:spcPct val="100000"/>
+                        </a:lnSpc>
+                        <a:spcBef>
+                          <a:spcPts val="0"/>
+                        </a:spcBef>
+                        <a:spcAft>
+                          <a:spcPts val="0"/>
+                        </a:spcAft>
+                        <a:buClrTx/>
+                        <a:buSzTx/>
+                        <a:buFontTx/>
+                        <a:buNone/>
+                        <a:tabLst/>
+                        <a:defRPr/>
+                      </a:pPr>
+                      <a:r>
+                        <a:rPr lang="en-US" sz="1600" dirty="0">
+                          <a:effectLst/>
+                        </a:rPr>
+                        <a:t>Garfield </a:t>
+                      </a:r>
+                      <a:r>
+                        <a:rPr lang="en-US" sz="1600" dirty="0" smtClean="0">
+                          <a:effectLst/>
+                        </a:rPr>
+                        <a:t>(</a:t>
+                      </a:r>
+                      <a:r>
+                        <a:rPr lang="en-US" sz="1600" dirty="0">
+                          <a:effectLst/>
+                        </a:rPr>
+                        <a:t>1979</a:t>
+                      </a:r>
+                      <a:r>
+                        <a:rPr lang="en-US" sz="1600" dirty="0" smtClean="0">
+                          <a:effectLst/>
+                        </a:rPr>
+                        <a:t>) </a:t>
+                      </a:r>
+                      <a:r>
+                        <a:rPr lang="en-US" sz="1600" i="1" dirty="0" smtClean="0">
+                          <a:effectLst/>
+                        </a:rPr>
+                        <a:t>Citation indexing: its theory and application in science, technology, and humanities</a:t>
+                      </a:r>
+                      <a:endParaRPr lang="de-DE" sz="1600" i="1" dirty="0">
+                        <a:effectLst/>
+                        <a:latin typeface="+mn-lt"/>
+                        <a:ea typeface="Times New Roman" panose="02020603050405020304" pitchFamily="18" charset="0"/>
+                      </a:endParaRPr>
+                    </a:p>
+                  </a:txBody>
+                  <a:tcPr marL="68580" marR="68580" marT="0" marB="0"/>
+                </a:tc>
+                <a:tc>
+                  <a:txBody>
+                    <a:bodyPr/>
+                    <a:lstStyle/>
+                    <a:p>
+                      <a:pPr marL="0" marR="0" algn="ctr">
+                        <a:spcBef>
+                          <a:spcPts val="0"/>
+                        </a:spcBef>
+                        <a:spcAft>
+                          <a:spcPts val="0"/>
+                        </a:spcAft>
+                      </a:pPr>
+                      <a:r>
+                        <a:rPr lang="en-GB" sz="1600" dirty="0">
+                          <a:solidFill>
+                            <a:srgbClr val="000000"/>
+                          </a:solidFill>
+                          <a:effectLst/>
+                          <a:latin typeface="+mn-lt"/>
+                          <a:ea typeface="Times New Roman" panose="02020603050405020304" pitchFamily="18" charset="0"/>
+                        </a:rPr>
+                        <a:t>151</a:t>
+                      </a:r>
+                      <a:endParaRPr lang="de-DE" sz="1600" dirty="0">
+                        <a:effectLst/>
+                        <a:latin typeface="+mn-lt"/>
+                        <a:ea typeface="Times New Roman" panose="02020603050405020304" pitchFamily="18" charset="0"/>
+                      </a:endParaRPr>
+                    </a:p>
+                  </a:txBody>
+                  <a:tcPr marL="68580" marR="68580" marT="0" marB="0" anchor="ctr"/>
+                </a:tc>
+                <a:tc>
+                  <a:txBody>
+                    <a:bodyPr/>
+                    <a:lstStyle/>
+                    <a:p>
+                      <a:r>
+                        <a:rPr lang="de-DE" sz="1600" dirty="0" smtClean="0">
+                          <a:latin typeface="+mn-lt"/>
+                        </a:rPr>
+                        <a:t>34</a:t>
+                      </a:r>
+                      <a:endParaRPr lang="de-DE" sz="1600" dirty="0">
+                        <a:latin typeface="+mn-lt"/>
+                      </a:endParaRPr>
+                    </a:p>
+                  </a:txBody>
+                  <a:tcPr anchor="ctr"/>
+                </a:tc>
+                <a:tc>
+                  <a:txBody>
+                    <a:bodyPr/>
+                    <a:lstStyle/>
+                    <a:p>
+                      <a:r>
+                        <a:rPr lang="de-DE" sz="1600" dirty="0" smtClean="0">
+                          <a:latin typeface="+mn-lt"/>
+                        </a:rPr>
+                        <a:t>91.89%</a:t>
+                      </a:r>
+                      <a:endParaRPr lang="de-DE" sz="1600" dirty="0">
+                        <a:latin typeface="+mn-lt"/>
+                      </a:endParaRPr>
+                    </a:p>
+                  </a:txBody>
+                  <a:tcPr/>
+                </a:tc>
+              </a:tr>
+            </a:tbl>
+          </a:graphicData>
+        </a:graphic>
+      </p:graphicFrame>
+      <p:sp>
+        <p:nvSpPr>
+          <p:cNvPr id="5" name="Textfeld 4"/>
+          <p:cNvSpPr txBox="1"/>
+          <p:nvPr/>
+        </p:nvSpPr>
+        <p:spPr>
+          <a:xfrm>
+            <a:off x="323528" y="3212522"/>
+            <a:ext cx="3298467" cy="369332"/>
+          </a:xfrm>
+          <a:prstGeom prst="rect">
+            <a:avLst/>
+          </a:prstGeom>
+          <a:noFill/>
+        </p:spPr>
+        <p:txBody>
+          <a:bodyPr wrap="none" rtlCol="0">
+            <a:spAutoFit/>
+          </a:bodyPr>
+          <a:lstStyle/>
+          <a:p>
+            <a:r>
+              <a:rPr lang="de-DE" dirty="0" smtClean="0"/>
+              <a:t>PY = {1978, …, 2016} </a:t>
+            </a:r>
+            <a:r>
+              <a:rPr lang="de-DE" dirty="0" smtClean="0">
+                <a:sym typeface="Wingdings" panose="05000000000000000000" pitchFamily="2" charset="2"/>
+              </a:rPr>
+              <a:t> |P</a:t>
+            </a:r>
+            <a:r>
+              <a:rPr lang="de-DE" dirty="0" smtClean="0"/>
+              <a:t>Y|=39</a:t>
+            </a:r>
+            <a:endParaRPr lang="de-DE" dirty="0"/>
+          </a:p>
+        </p:txBody>
+      </p:sp>
+      <p:sp>
+        <p:nvSpPr>
+          <p:cNvPr id="7" name="Abgerundete rechteckige Legende 6"/>
+          <p:cNvSpPr/>
+          <p:nvPr/>
+        </p:nvSpPr>
+        <p:spPr>
+          <a:xfrm>
+            <a:off x="6911752" y="3068961"/>
+            <a:ext cx="2232248" cy="720080"/>
+          </a:xfrm>
+          <a:prstGeom prst="wedgeRoundRectCallout">
+            <a:avLst>
+              <a:gd name="adj1" fmla="val -86852"/>
+              <a:gd name="adj2" fmla="val 104167"/>
+              <a:gd name="adj3" fmla="val 16667"/>
+            </a:avLst>
+          </a:prstGeom>
+        </p:spPr>
+        <p:style>
+          <a:lnRef idx="2">
+            <a:schemeClr val="accent1">
+              <a:shade val="50000"/>
+            </a:schemeClr>
+          </a:lnRef>
+          <a:fillRef idx="1">
+            <a:schemeClr val="accent1"/>
+          </a:fillRef>
+          <a:effectRef idx="0">
+            <a:schemeClr val="accent1"/>
+          </a:effectRef>
+          <a:fontRef idx="minor">
+            <a:schemeClr val="lt1"/>
+          </a:fontRef>
+        </p:style>
+        <p:txBody>
+          <a:bodyPr rtlCol="0" anchor="ctr"/>
+          <a:lstStyle/>
+          <a:p>
+            <a:pPr algn="ctr"/>
+            <a:r>
+              <a:rPr lang="de-DE" dirty="0" smtClean="0"/>
+              <a:t>In 36 </a:t>
+            </a:r>
+            <a:r>
+              <a:rPr lang="de-DE" dirty="0" err="1" smtClean="0"/>
+              <a:t>years</a:t>
+            </a:r>
+            <a:r>
+              <a:rPr lang="de-DE" dirty="0" smtClean="0"/>
+              <a:t> </a:t>
+            </a:r>
+            <a:endParaRPr lang="de-DE" dirty="0"/>
+          </a:p>
+        </p:txBody>
+      </p:sp>
+      <p:sp>
+        <p:nvSpPr>
+          <p:cNvPr id="8" name="Abgerundete rechteckige Legende 7"/>
+          <p:cNvSpPr/>
+          <p:nvPr/>
+        </p:nvSpPr>
+        <p:spPr>
+          <a:xfrm>
+            <a:off x="6890742" y="4149080"/>
+            <a:ext cx="2721818" cy="1080122"/>
+          </a:xfrm>
+          <a:prstGeom prst="wedgeRoundRectCallout">
+            <a:avLst>
+              <a:gd name="adj1" fmla="val -76703"/>
+              <a:gd name="adj2" fmla="val 49493"/>
+              <a:gd name="adj3" fmla="val 16667"/>
+            </a:avLst>
+          </a:prstGeom>
+        </p:spPr>
+        <p:style>
+          <a:lnRef idx="2">
+            <a:schemeClr val="accent1"/>
+          </a:lnRef>
+          <a:fillRef idx="1">
+            <a:schemeClr val="lt1"/>
+          </a:fillRef>
+          <a:effectRef idx="0">
+            <a:schemeClr val="accent1"/>
+          </a:effectRef>
+          <a:fontRef idx="minor">
+            <a:schemeClr val="dk1"/>
+          </a:fontRef>
+        </p:style>
+        <p:txBody>
+          <a:bodyPr rtlCol="0" anchor="ctr"/>
+          <a:lstStyle/>
+          <a:p>
+            <a:pPr algn="ctr"/>
+            <a:r>
+              <a:rPr lang="de-DE" dirty="0" smtClean="0"/>
+              <a:t>In 38 </a:t>
+            </a:r>
+            <a:r>
+              <a:rPr lang="de-DE" dirty="0" err="1" smtClean="0"/>
+              <a:t>years</a:t>
+            </a:r>
+            <a:r>
+              <a:rPr lang="de-DE" dirty="0" smtClean="0"/>
+              <a:t> </a:t>
+            </a:r>
+            <a:r>
+              <a:rPr lang="de-DE" dirty="0" err="1" smtClean="0"/>
+              <a:t>there</a:t>
+            </a:r>
+            <a:r>
+              <a:rPr lang="de-DE" dirty="0" smtClean="0"/>
+              <a:t> </a:t>
+            </a:r>
+            <a:r>
+              <a:rPr lang="de-DE" dirty="0" err="1" smtClean="0"/>
+              <a:t>is</a:t>
+            </a:r>
+            <a:r>
+              <a:rPr lang="de-DE" dirty="0" smtClean="0"/>
+              <a:t> at least </a:t>
+            </a:r>
+            <a:r>
+              <a:rPr lang="de-DE" dirty="0" err="1" smtClean="0"/>
+              <a:t>one</a:t>
+            </a:r>
+            <a:r>
+              <a:rPr lang="de-DE" dirty="0" smtClean="0"/>
+              <a:t> </a:t>
+            </a:r>
+            <a:r>
+              <a:rPr lang="de-DE" dirty="0" err="1" smtClean="0"/>
+              <a:t>publication</a:t>
+            </a:r>
+            <a:r>
+              <a:rPr lang="de-DE" dirty="0" smtClean="0"/>
+              <a:t> </a:t>
+            </a:r>
+            <a:r>
+              <a:rPr lang="de-DE" dirty="0" err="1" smtClean="0"/>
+              <a:t>that</a:t>
+            </a:r>
+            <a:r>
+              <a:rPr lang="de-DE" dirty="0" smtClean="0"/>
+              <a:t> </a:t>
+            </a:r>
+            <a:r>
+              <a:rPr lang="de-DE" dirty="0" err="1" smtClean="0"/>
+              <a:t>cites</a:t>
+            </a:r>
+            <a:r>
+              <a:rPr lang="de-DE" dirty="0" smtClean="0"/>
+              <a:t> a CR </a:t>
+            </a:r>
+            <a:r>
+              <a:rPr lang="de-DE" dirty="0" err="1" smtClean="0"/>
+              <a:t>with</a:t>
+            </a:r>
+            <a:r>
+              <a:rPr lang="de-DE" dirty="0" smtClean="0"/>
+              <a:t> RPY=1963 </a:t>
+            </a:r>
+            <a:br>
+              <a:rPr lang="de-DE" dirty="0" smtClean="0"/>
+            </a:br>
+            <a:r>
+              <a:rPr lang="de-DE" dirty="0" smtClean="0"/>
+              <a:t>(</a:t>
+            </a:r>
+            <a:r>
+              <a:rPr lang="de-DE" dirty="0" err="1" smtClean="0"/>
+              <a:t>No</a:t>
+            </a:r>
+            <a:r>
+              <a:rPr lang="de-DE" dirty="0" smtClean="0"/>
+              <a:t> CR </a:t>
+            </a:r>
+            <a:r>
+              <a:rPr lang="de-DE" dirty="0" err="1" smtClean="0"/>
+              <a:t>cited</a:t>
+            </a:r>
+            <a:r>
+              <a:rPr lang="de-DE" dirty="0" smtClean="0"/>
+              <a:t> in PY=1978)</a:t>
+            </a:r>
+            <a:endParaRPr lang="de-DE" dirty="0"/>
+          </a:p>
+        </p:txBody>
+      </p:sp>
+      <p:sp>
+        <p:nvSpPr>
+          <p:cNvPr id="9" name="Abgerundete rechteckige Legende 8"/>
+          <p:cNvSpPr/>
+          <p:nvPr/>
+        </p:nvSpPr>
+        <p:spPr>
+          <a:xfrm>
+            <a:off x="7020272" y="5517232"/>
+            <a:ext cx="2721818" cy="1080122"/>
+          </a:xfrm>
+          <a:prstGeom prst="wedgeRoundRectCallout">
+            <a:avLst>
+              <a:gd name="adj1" fmla="val -63755"/>
+              <a:gd name="adj2" fmla="val -19291"/>
+              <a:gd name="adj3" fmla="val 16667"/>
+            </a:avLst>
+          </a:prstGeom>
+        </p:spPr>
+        <p:style>
+          <a:lnRef idx="2">
+            <a:schemeClr val="accent1"/>
+          </a:lnRef>
+          <a:fillRef idx="1">
+            <a:schemeClr val="lt1"/>
+          </a:fillRef>
+          <a:effectRef idx="0">
+            <a:schemeClr val="accent1"/>
+          </a:effectRef>
+          <a:fontRef idx="minor">
+            <a:schemeClr val="dk1"/>
+          </a:fontRef>
+        </p:style>
+        <p:txBody>
+          <a:bodyPr rtlCol="0" anchor="ctr"/>
+          <a:lstStyle/>
+          <a:p>
+            <a:pPr algn="ctr"/>
+            <a:r>
+              <a:rPr lang="de-DE" dirty="0" smtClean="0"/>
+              <a:t>=34/37 </a:t>
+            </a:r>
+          </a:p>
+          <a:p>
+            <a:pPr algn="ctr"/>
+            <a:r>
+              <a:rPr lang="de-DE" dirty="0" smtClean="0"/>
+              <a:t>PY </a:t>
+            </a:r>
+            <a:r>
+              <a:rPr lang="de-DE" dirty="0" smtClean="0">
+                <a:sym typeface="Symbol" panose="05050102010706020507" pitchFamily="18" charset="2"/>
+              </a:rPr>
+              <a:t>\</a:t>
+            </a:r>
+            <a:r>
+              <a:rPr lang="de-DE" dirty="0" smtClean="0"/>
+              <a:t> PY</a:t>
+            </a:r>
+            <a:r>
+              <a:rPr lang="de-DE" baseline="-25000" dirty="0" smtClean="0"/>
+              <a:t>1979</a:t>
+            </a:r>
+            <a:r>
+              <a:rPr lang="de-DE" dirty="0" smtClean="0"/>
+              <a:t> = {1978, 1979}</a:t>
+            </a:r>
+            <a:br>
+              <a:rPr lang="de-DE" dirty="0" smtClean="0"/>
+            </a:br>
+            <a:endParaRPr lang="de-DE" dirty="0"/>
+          </a:p>
+        </p:txBody>
+      </p:sp>
+    </p:spTree>
+    <p:extLst>
+      <p:ext uri="{BB962C8B-B14F-4D97-AF65-F5344CB8AC3E}">
+        <p14:creationId xmlns:p14="http://schemas.microsoft.com/office/powerpoint/2010/main" val="2064978402"/>
       </p:ext>
     </p:extLst>
   </p:cSld>
@@ -3418,18 +5783,14 @@
           <a:lstStyle/>
           <a:p>
             <a:r>
-              <a:rPr lang="de-DE" dirty="0" err="1" smtClean="0"/>
+              <a:rPr lang="en-US" noProof="0" dirty="0" err="1" smtClean="0"/>
               <a:t>CRExplorer</a:t>
             </a:r>
             <a:r>
-              <a:rPr lang="de-DE" dirty="0" smtClean="0"/>
-              <a:t>: </a:t>
-            </a:r>
-            <a:r>
-              <a:rPr lang="de-DE" dirty="0" err="1" smtClean="0"/>
-              <a:t>Overview</a:t>
-            </a:r>
-            <a:endParaRPr lang="de-DE" dirty="0"/>
+              <a:rPr lang="en-US" noProof="0" dirty="0" smtClean="0"/>
+              <a:t>: Overview</a:t>
+            </a:r>
+            <a:endParaRPr lang="en-US" noProof="0" dirty="0"/>
           </a:p>
         </p:txBody>
       </p:sp>
@@ -3689,14 +6050,14 @@
           <a:lstStyle/>
           <a:p>
             <a:r>
-              <a:rPr lang="de-DE" dirty="0" err="1" smtClean="0"/>
+              <a:rPr lang="en-US" noProof="0" dirty="0" err="1" smtClean="0"/>
               <a:t>CRExplorer</a:t>
             </a:r>
             <a:r>
-              <a:rPr lang="de-DE" dirty="0" smtClean="0"/>
+              <a:rPr lang="en-US" noProof="0" dirty="0" smtClean="0"/>
               <a:t>: Workflow </a:t>
             </a:r>
-            <a:endParaRPr lang="de-DE" dirty="0"/>
+            <a:endParaRPr lang="en-US" noProof="0" dirty="0"/>
           </a:p>
         </p:txBody>
       </p:sp>
@@ -5272,16 +7633,8 @@
           <a:lstStyle/>
           <a:p>
             <a:r>
-              <a:rPr lang="de-DE" dirty="0" err="1" smtClean="0"/>
-              <a:t>Deduplication</a:t>
-            </a:r>
-            <a:r>
-              <a:rPr lang="de-DE" dirty="0" smtClean="0"/>
-              <a:t>: Clustering + </a:t>
-            </a:r>
-            <a:r>
-              <a:rPr lang="de-DE" dirty="0" err="1" smtClean="0"/>
-              <a:t>Merge</a:t>
+              <a:rPr lang="en-US" dirty="0"/>
+              <a:t>Reference Publication Year Spectroscopy (RPYS)</a:t>
             </a:r>
             <a:endParaRPr lang="de-DE" dirty="0"/>
           </a:p>
@@ -5303,367 +7656,66 @@
           <a:lstStyle/>
           <a:p>
             <a:r>
-              <a:rPr lang="de-DE" dirty="0" smtClean="0"/>
-              <a:t>Different </a:t>
-            </a:r>
-            <a:r>
-              <a:rPr lang="de-DE" dirty="0" err="1" smtClean="0"/>
-              <a:t>variants</a:t>
-            </a:r>
-            <a:r>
-              <a:rPr lang="de-DE" dirty="0" smtClean="0"/>
-              <a:t> </a:t>
-            </a:r>
-            <a:r>
-              <a:rPr lang="de-DE" dirty="0" err="1" smtClean="0"/>
-              <a:t>of</a:t>
-            </a:r>
-            <a:r>
-              <a:rPr lang="de-DE" dirty="0" smtClean="0"/>
-              <a:t> </a:t>
-            </a:r>
-            <a:r>
-              <a:rPr lang="de-DE" dirty="0" err="1" smtClean="0"/>
-              <a:t>the</a:t>
-            </a:r>
-            <a:r>
-              <a:rPr lang="de-DE" dirty="0" smtClean="0"/>
-              <a:t> same </a:t>
-            </a:r>
-            <a:r>
-              <a:rPr lang="de-DE" dirty="0" err="1" smtClean="0"/>
-              <a:t>Cited</a:t>
-            </a:r>
-            <a:r>
-              <a:rPr lang="de-DE" dirty="0" smtClean="0"/>
-              <a:t> Reference</a:t>
-            </a:r>
-          </a:p>
-          <a:p>
-            <a:r>
-              <a:rPr lang="de-DE" dirty="0" smtClean="0"/>
-              <a:t>Clustering </a:t>
-            </a:r>
-            <a:r>
-              <a:rPr lang="de-DE" dirty="0" err="1" smtClean="0"/>
-              <a:t>based</a:t>
-            </a:r>
-            <a:r>
-              <a:rPr lang="de-DE" dirty="0" smtClean="0"/>
-              <a:t> on </a:t>
-            </a:r>
-            <a:r>
-              <a:rPr lang="de-DE" dirty="0" err="1" smtClean="0"/>
-              <a:t>string</a:t>
-            </a:r>
-            <a:r>
-              <a:rPr lang="de-DE" dirty="0" smtClean="0"/>
-              <a:t> </a:t>
-            </a:r>
-            <a:r>
-              <a:rPr lang="de-DE" dirty="0" err="1" smtClean="0"/>
-              <a:t>similarity</a:t>
-            </a:r>
-            <a:endParaRPr lang="de-DE" dirty="0" smtClean="0"/>
+              <a:rPr lang="en-US" dirty="0"/>
+              <a:t>Method to analyze historical roots based on cited references within single research fields</a:t>
+            </a:r>
+          </a:p>
+          <a:p>
+            <a:endParaRPr lang="en-US" dirty="0"/>
+          </a:p>
+          <a:p>
+            <a:r>
+              <a:rPr lang="en-US" dirty="0"/>
+              <a:t>RPYS is based on the analysis of the frequency with which references are cited in the publications of a specific research field in terms of the publication years of these CRs. </a:t>
+            </a:r>
+          </a:p>
+          <a:p>
+            <a:r>
+              <a:rPr lang="en-US" dirty="0"/>
+              <a:t>Origins show up in the form of more or less pronounced peaks mostly caused by individual publications that are cited particularly frequently</a:t>
+            </a:r>
+          </a:p>
+          <a:p>
+            <a:endParaRPr lang="en-US" dirty="0"/>
+          </a:p>
+          <a:p>
+            <a:r>
+              <a:rPr lang="en-US" dirty="0"/>
+              <a:t>Historical analysis of single research fields</a:t>
+            </a:r>
           </a:p>
           <a:p>
             <a:pPr lvl="1"/>
             <a:r>
-              <a:rPr lang="de-DE" dirty="0" err="1" smtClean="0"/>
-              <a:t>Configuration</a:t>
-            </a:r>
-            <a:r>
-              <a:rPr lang="de-DE" dirty="0" smtClean="0"/>
-              <a:t>: </a:t>
-            </a:r>
-            <a:r>
-              <a:rPr lang="de-DE" dirty="0" err="1" smtClean="0"/>
-              <a:t>Threshold</a:t>
-            </a:r>
-            <a:r>
-              <a:rPr lang="de-DE" dirty="0" smtClean="0"/>
-              <a:t> (e.g.,</a:t>
-            </a:r>
-            <a:r>
-              <a:rPr lang="de-DE" dirty="0"/>
-              <a:t> </a:t>
-            </a:r>
-            <a:r>
-              <a:rPr lang="de-DE" dirty="0" smtClean="0"/>
-              <a:t>80%) + </a:t>
-            </a:r>
-            <a:r>
-              <a:rPr lang="de-DE" dirty="0" err="1" smtClean="0"/>
-              <a:t>use</a:t>
-            </a:r>
-            <a:r>
-              <a:rPr lang="de-DE" dirty="0" smtClean="0"/>
-              <a:t> </a:t>
-            </a:r>
-            <a:r>
-              <a:rPr lang="de-DE" dirty="0" err="1" smtClean="0"/>
-              <a:t>of</a:t>
-            </a:r>
-            <a:r>
-              <a:rPr lang="de-DE" dirty="0" smtClean="0"/>
-              <a:t> DOI, Volume </a:t>
-            </a:r>
-            <a:r>
-              <a:rPr lang="de-DE" dirty="0" err="1" smtClean="0"/>
-              <a:t>and</a:t>
-            </a:r>
-            <a:r>
-              <a:rPr lang="de-DE" dirty="0" smtClean="0"/>
-              <a:t> Page </a:t>
-            </a:r>
-            <a:r>
-              <a:rPr lang="de-DE" dirty="0" err="1" smtClean="0"/>
-              <a:t>Number</a:t>
-            </a:r>
-            <a:endParaRPr lang="de-DE" dirty="0" smtClean="0"/>
+              <a:rPr lang="en-US" dirty="0"/>
+              <a:t>Select publications of interest</a:t>
+            </a:r>
           </a:p>
           <a:p>
             <a:pPr lvl="1"/>
+            <a:r>
+              <a:rPr lang="en-US" dirty="0"/>
+              <a:t>Analyze the references cited in them (especially the referenced publication years)</a:t>
+            </a:r>
+          </a:p>
+          <a:p>
+            <a:pPr lvl="1"/>
+            <a:r>
+              <a:rPr lang="en-US" dirty="0"/>
+              <a:t>#Citations for each CR vs. #Citations for all CRs of the same </a:t>
+            </a:r>
+            <a:r>
+              <a:rPr lang="en-US" dirty="0" smtClean="0"/>
+              <a:t>Year</a:t>
+            </a:r>
             <a:endParaRPr lang="de-DE" dirty="0"/>
-          </a:p>
-          <a:p>
-            <a:pPr lvl="1"/>
-            <a:endParaRPr lang="de-DE" dirty="0" smtClean="0"/>
-          </a:p>
-          <a:p>
-            <a:pPr lvl="1"/>
-            <a:endParaRPr lang="de-DE" dirty="0"/>
-          </a:p>
-          <a:p>
-            <a:pPr lvl="1"/>
-            <a:endParaRPr lang="de-DE" dirty="0" smtClean="0"/>
-          </a:p>
-          <a:p>
-            <a:pPr lvl="1"/>
-            <a:endParaRPr lang="de-DE" dirty="0"/>
-          </a:p>
-          <a:p>
-            <a:pPr lvl="1"/>
-            <a:endParaRPr lang="de-DE" dirty="0" smtClean="0"/>
-          </a:p>
-          <a:p>
-            <a:pPr lvl="1"/>
-            <a:endParaRPr lang="de-DE" dirty="0" smtClean="0"/>
-          </a:p>
-          <a:p>
-            <a:pPr lvl="1"/>
-            <a:endParaRPr lang="de-DE" dirty="0" smtClean="0"/>
-          </a:p>
-          <a:p>
-            <a:pPr lvl="1"/>
-            <a:endParaRPr lang="de-DE" dirty="0"/>
-          </a:p>
-          <a:p>
-            <a:r>
-              <a:rPr lang="de-DE" dirty="0" err="1" smtClean="0"/>
-              <a:t>Merging</a:t>
-            </a:r>
-            <a:r>
-              <a:rPr lang="de-DE" dirty="0" smtClean="0"/>
-              <a:t>: Cluster </a:t>
-            </a:r>
-            <a:r>
-              <a:rPr lang="de-DE" dirty="0" err="1" smtClean="0"/>
-              <a:t>representative</a:t>
-            </a:r>
-            <a:r>
-              <a:rPr lang="de-DE" dirty="0" smtClean="0"/>
-              <a:t> + </a:t>
-            </a:r>
-            <a:r>
-              <a:rPr lang="de-DE" dirty="0" err="1" smtClean="0"/>
-              <a:t>Accumulation</a:t>
-            </a:r>
-            <a:r>
-              <a:rPr lang="de-DE" dirty="0" smtClean="0"/>
-              <a:t> </a:t>
-            </a:r>
-            <a:r>
-              <a:rPr lang="de-DE" dirty="0" err="1" smtClean="0"/>
-              <a:t>of</a:t>
-            </a:r>
-            <a:r>
-              <a:rPr lang="de-DE" dirty="0" smtClean="0"/>
-              <a:t> N_CR</a:t>
-            </a:r>
-            <a:endParaRPr lang="de-DE" dirty="0"/>
-          </a:p>
-        </p:txBody>
-      </p:sp>
-      <p:pic>
-        <p:nvPicPr>
-          <p:cNvPr id="5" name="Grafik 4"/>
-          <p:cNvPicPr>
-            <a:picLocks noChangeAspect="1"/>
-          </p:cNvPicPr>
-          <p:nvPr/>
-        </p:nvPicPr>
-        <p:blipFill>
-          <a:blip r:embed="rId2"/>
-          <a:stretch>
-            <a:fillRect/>
-          </a:stretch>
-        </p:blipFill>
-        <p:spPr>
-          <a:xfrm>
-            <a:off x="550499" y="2276872"/>
-            <a:ext cx="7588984" cy="2114004"/>
-          </a:xfrm>
-          <a:prstGeom prst="rect">
-            <a:avLst/>
-          </a:prstGeom>
-        </p:spPr>
-      </p:pic>
-      <p:pic>
-        <p:nvPicPr>
-          <p:cNvPr id="6" name="Grafik 5"/>
-          <p:cNvPicPr>
-            <a:picLocks noChangeAspect="1"/>
-          </p:cNvPicPr>
-          <p:nvPr/>
-        </p:nvPicPr>
-        <p:blipFill>
-          <a:blip r:embed="rId3"/>
-          <a:stretch>
-            <a:fillRect/>
-          </a:stretch>
-        </p:blipFill>
-        <p:spPr>
-          <a:xfrm>
-            <a:off x="460385" y="5254973"/>
-            <a:ext cx="8478703" cy="1054347"/>
-          </a:xfrm>
-          <a:prstGeom prst="rect">
-            <a:avLst/>
-          </a:prstGeom>
-        </p:spPr>
-      </p:pic>
-      <p:sp>
-        <p:nvSpPr>
-          <p:cNvPr id="7" name="Rechteck 6"/>
-          <p:cNvSpPr/>
-          <p:nvPr/>
-        </p:nvSpPr>
-        <p:spPr>
-          <a:xfrm>
-            <a:off x="406483" y="2492896"/>
-            <a:ext cx="7920879" cy="936104"/>
-          </a:xfrm>
-          <a:prstGeom prst="rect">
-            <a:avLst/>
-          </a:prstGeom>
-          <a:noFill/>
-        </p:spPr>
-        <p:style>
-          <a:lnRef idx="2">
-            <a:schemeClr val="accent6"/>
-          </a:lnRef>
-          <a:fillRef idx="1">
-            <a:schemeClr val="lt1"/>
-          </a:fillRef>
-          <a:effectRef idx="0">
-            <a:schemeClr val="accent6"/>
-          </a:effectRef>
-          <a:fontRef idx="minor">
-            <a:schemeClr val="dk1"/>
-          </a:fontRef>
-        </p:style>
-        <p:txBody>
-          <a:bodyPr rtlCol="0" anchor="ctr"/>
-          <a:lstStyle/>
-          <a:p>
-            <a:pPr algn="ctr"/>
-            <a:endParaRPr lang="de-DE"/>
-          </a:p>
-        </p:txBody>
-      </p:sp>
-      <p:sp>
-        <p:nvSpPr>
-          <p:cNvPr id="8" name="Rechteck 7"/>
-          <p:cNvSpPr/>
-          <p:nvPr/>
-        </p:nvSpPr>
-        <p:spPr>
-          <a:xfrm>
-            <a:off x="406483" y="3471051"/>
-            <a:ext cx="7920879" cy="429135"/>
-          </a:xfrm>
-          <a:prstGeom prst="rect">
-            <a:avLst/>
-          </a:prstGeom>
-          <a:noFill/>
-        </p:spPr>
-        <p:style>
-          <a:lnRef idx="2">
-            <a:schemeClr val="accent6"/>
-          </a:lnRef>
-          <a:fillRef idx="1">
-            <a:schemeClr val="lt1"/>
-          </a:fillRef>
-          <a:effectRef idx="0">
-            <a:schemeClr val="accent6"/>
-          </a:effectRef>
-          <a:fontRef idx="minor">
-            <a:schemeClr val="dk1"/>
-          </a:fontRef>
-        </p:style>
-        <p:txBody>
-          <a:bodyPr rtlCol="0" anchor="ctr"/>
-          <a:lstStyle/>
-          <a:p>
-            <a:pPr algn="ctr"/>
-            <a:endParaRPr lang="de-DE"/>
-          </a:p>
-        </p:txBody>
-      </p:sp>
-      <p:sp>
-        <p:nvSpPr>
-          <p:cNvPr id="9" name="Rechteck 8"/>
-          <p:cNvSpPr/>
-          <p:nvPr/>
-        </p:nvSpPr>
-        <p:spPr>
-          <a:xfrm>
-            <a:off x="406482" y="3925958"/>
-            <a:ext cx="7920879" cy="439146"/>
-          </a:xfrm>
-          <a:prstGeom prst="rect">
-            <a:avLst/>
-          </a:prstGeom>
-          <a:noFill/>
-        </p:spPr>
-        <p:style>
-          <a:lnRef idx="2">
-            <a:schemeClr val="accent6"/>
-          </a:lnRef>
-          <a:fillRef idx="1">
-            <a:schemeClr val="lt1"/>
-          </a:fillRef>
-          <a:effectRef idx="0">
-            <a:schemeClr val="accent6"/>
-          </a:effectRef>
-          <a:fontRef idx="minor">
-            <a:schemeClr val="dk1"/>
-          </a:fontRef>
-        </p:style>
-        <p:txBody>
-          <a:bodyPr rtlCol="0" anchor="ctr"/>
-          <a:lstStyle/>
-          <a:p>
-            <a:pPr algn="ctr"/>
-            <a:endParaRPr lang="de-DE"/>
           </a:p>
         </p:txBody>
       </p:sp>
     </p:spTree>
     <p:extLst>
       <p:ext uri="{BB962C8B-B14F-4D97-AF65-F5344CB8AC3E}">
-        <p14:creationId xmlns:p14="http://schemas.microsoft.com/office/powerpoint/2010/main" val="3068689948"/>
+        <p14:creationId xmlns:p14="http://schemas.microsoft.com/office/powerpoint/2010/main" val="3884352506"/>
       </p:ext>
     </p:extLst>
   </p:cSld>
@@ -5697,6 +7749,30 @@
           <a:chExt cx="0" cy="0"/>
         </a:xfrm>
       </p:grpSpPr>
+      <p:pic>
+        <p:nvPicPr>
+          <p:cNvPr id="10" name="Grafik 9"/>
+          <p:cNvPicPr>
+            <a:picLocks noChangeAspect="1"/>
+          </p:cNvPicPr>
+          <p:nvPr/>
+        </p:nvPicPr>
+        <p:blipFill>
+          <a:blip r:embed="rId2"/>
+          <a:stretch>
+            <a:fillRect/>
+          </a:stretch>
+        </p:blipFill>
+        <p:spPr>
+          <a:xfrm>
+            <a:off x="0" y="1674526"/>
+            <a:ext cx="9144000" cy="5066842"/>
+          </a:xfrm>
+          <a:prstGeom prst="rect">
+            <a:avLst/>
+          </a:prstGeom>
+        </p:spPr>
+      </p:pic>
       <p:sp>
         <p:nvSpPr>
           <p:cNvPr id="2" name="Titel 1"/>
@@ -5713,16 +7789,12 @@
           <a:lstStyle/>
           <a:p>
             <a:r>
-              <a:rPr lang="de-DE" dirty="0" err="1" smtClean="0"/>
-              <a:t>Sequence</a:t>
-            </a:r>
-            <a:r>
-              <a:rPr lang="de-DE" dirty="0" smtClean="0"/>
-              <a:t> </a:t>
-            </a:r>
-            <a:r>
-              <a:rPr lang="de-DE" dirty="0" err="1" smtClean="0"/>
-              <a:t>Types</a:t>
+              <a:rPr lang="de-DE" dirty="0"/>
+              <a:t>RPYS: </a:t>
+            </a:r>
+            <a:r>
+              <a:rPr lang="de-DE" dirty="0" err="1"/>
+              <a:t>Example</a:t>
             </a:r>
             <a:endParaRPr lang="de-DE" dirty="0"/>
           </a:p>
@@ -5738,480 +7810,189 @@
             <p:ph idx="1"/>
           </p:nvPr>
         </p:nvSpPr>
-        <p:spPr>
-          <a:xfrm>
-            <a:off x="505089" y="1014351"/>
-            <a:ext cx="8229600" cy="5073427"/>
-          </a:xfrm>
-        </p:spPr>
+        <p:spPr/>
         <p:txBody>
           <a:bodyPr/>
           <a:lstStyle/>
           <a:p>
             <a:r>
-              <a:rPr lang="en-US" b="1" dirty="0" smtClean="0"/>
-              <a:t>Observed</a:t>
-            </a:r>
-            <a:r>
-              <a:rPr lang="en-US" dirty="0" smtClean="0"/>
-              <a:t> values (number of citation per publication year)</a:t>
-            </a:r>
-          </a:p>
-          <a:p>
-            <a:endParaRPr lang="en-US" dirty="0" smtClean="0"/>
-          </a:p>
-          <a:p>
-            <a:endParaRPr lang="en-US" dirty="0" smtClean="0"/>
-          </a:p>
-          <a:p>
-            <a:endParaRPr lang="en-US" dirty="0" smtClean="0"/>
-          </a:p>
-          <a:p>
-            <a:endParaRPr lang="en-US" dirty="0" smtClean="0"/>
+              <a:rPr lang="de-DE" dirty="0" err="1" smtClean="0"/>
+              <a:t>Scientometrics</a:t>
+            </a:r>
+            <a:r>
+              <a:rPr lang="de-DE" dirty="0" smtClean="0"/>
+              <a:t> </a:t>
+            </a:r>
+            <a:r>
+              <a:rPr lang="de-DE" dirty="0" err="1" smtClean="0"/>
+              <a:t>papers</a:t>
+            </a:r>
+            <a:r>
+              <a:rPr lang="de-DE" dirty="0" smtClean="0"/>
+              <a:t> (1978-2016) </a:t>
+            </a:r>
+            <a:r>
+              <a:rPr lang="de-DE" dirty="0" smtClean="0">
+                <a:sym typeface="Wingdings" panose="05000000000000000000" pitchFamily="2" charset="2"/>
+              </a:rPr>
+              <a:t></a:t>
+            </a:r>
+            <a:r>
+              <a:rPr lang="de-DE" dirty="0" smtClean="0"/>
+              <a:t> 33,812 </a:t>
+            </a:r>
+            <a:r>
+              <a:rPr lang="de-DE" dirty="0" err="1" smtClean="0"/>
+              <a:t>Cited</a:t>
+            </a:r>
+            <a:r>
+              <a:rPr lang="de-DE" dirty="0" smtClean="0"/>
+              <a:t> References</a:t>
+            </a:r>
+            <a:endParaRPr lang="de-DE" dirty="0"/>
           </a:p>
         </p:txBody>
       </p:sp>
       <p:pic>
         <p:nvPicPr>
-          <p:cNvPr id="4" name="Picture 2"/>
+          <p:cNvPr id="5" name="Grafik 4"/>
           <p:cNvPicPr>
-            <a:picLocks noChangeAspect="1" noChangeArrowheads="1"/>
+            <a:picLocks noChangeAspect="1"/>
           </p:cNvPicPr>
           <p:nvPr/>
         </p:nvPicPr>
         <p:blipFill>
-          <a:blip r:embed="rId2">
-            <a:extLst>
-              <a:ext uri="{28A0092B-C50C-407E-A947-70E740481C1C}">
-                <a14:useLocalDpi xmlns:a14="http://schemas.microsoft.com/office/drawing/2010/main" val="0"/>
-              </a:ext>
-            </a:extLst>
-          </a:blip>
-          <a:srcRect/>
+          <a:blip r:embed="rId3"/>
           <a:stretch>
             <a:fillRect/>
           </a:stretch>
         </p:blipFill>
-        <p:spPr bwMode="auto">
+        <p:spPr>
           <a:xfrm>
-            <a:off x="899592" y="1436762"/>
-            <a:ext cx="6334125" cy="1200150"/>
+            <a:off x="0" y="1674526"/>
+            <a:ext cx="9144000" cy="5066842"/>
+          </a:xfrm>
+          <a:prstGeom prst="rect">
+            <a:avLst/>
+          </a:prstGeom>
+        </p:spPr>
+      </p:pic>
+      <p:pic>
+        <p:nvPicPr>
+          <p:cNvPr id="6" name="Grafik 5"/>
+          <p:cNvPicPr>
+            <a:picLocks noChangeAspect="1"/>
+          </p:cNvPicPr>
+          <p:nvPr/>
+        </p:nvPicPr>
+        <p:blipFill>
+          <a:blip r:embed="rId4"/>
+          <a:stretch>
+            <a:fillRect/>
+          </a:stretch>
+        </p:blipFill>
+        <p:spPr>
+          <a:xfrm>
+            <a:off x="0" y="1674526"/>
+            <a:ext cx="9144000" cy="5066842"/>
+          </a:xfrm>
+          <a:prstGeom prst="rect">
+            <a:avLst/>
+          </a:prstGeom>
+        </p:spPr>
+      </p:pic>
+      <p:pic>
+        <p:nvPicPr>
+          <p:cNvPr id="7" name="Grafik 6"/>
+          <p:cNvPicPr>
+            <a:picLocks noChangeAspect="1"/>
+          </p:cNvPicPr>
+          <p:nvPr/>
+        </p:nvPicPr>
+        <p:blipFill>
+          <a:blip r:embed="rId5"/>
+          <a:stretch>
+            <a:fillRect/>
+          </a:stretch>
+        </p:blipFill>
+        <p:spPr>
+          <a:xfrm>
+            <a:off x="0" y="1674526"/>
+            <a:ext cx="9144000" cy="5066842"/>
+          </a:xfrm>
+          <a:prstGeom prst="rect">
+            <a:avLst/>
+          </a:prstGeom>
+        </p:spPr>
+      </p:pic>
+      <p:pic>
+        <p:nvPicPr>
+          <p:cNvPr id="8" name="Grafik 7"/>
+          <p:cNvPicPr>
+            <a:picLocks noChangeAspect="1"/>
+          </p:cNvPicPr>
+          <p:nvPr/>
+        </p:nvPicPr>
+        <p:blipFill>
+          <a:blip r:embed="rId6"/>
+          <a:stretch>
+            <a:fillRect/>
+          </a:stretch>
+        </p:blipFill>
+        <p:spPr>
+          <a:xfrm>
+            <a:off x="0" y="1674526"/>
+            <a:ext cx="9144000" cy="5066842"/>
+          </a:xfrm>
+          <a:prstGeom prst="rect">
+            <a:avLst/>
+          </a:prstGeom>
+        </p:spPr>
+      </p:pic>
+      <p:pic>
+        <p:nvPicPr>
+          <p:cNvPr id="9" name="Grafik 8"/>
+          <p:cNvPicPr>
+            <a:picLocks noChangeAspect="1"/>
+          </p:cNvPicPr>
+          <p:nvPr/>
+        </p:nvPicPr>
+        <p:blipFill>
+          <a:blip r:embed="rId7"/>
+          <a:stretch>
+            <a:fillRect/>
+          </a:stretch>
+        </p:blipFill>
+        <p:spPr>
+          <a:xfrm>
+            <a:off x="0" y="1674526"/>
+            <a:ext cx="9144000" cy="5066842"/>
+          </a:xfrm>
+          <a:prstGeom prst="rect">
+            <a:avLst/>
+          </a:prstGeom>
+        </p:spPr>
+      </p:pic>
+      <p:sp>
+        <p:nvSpPr>
+          <p:cNvPr id="11" name="Rechteck 10"/>
+          <p:cNvSpPr/>
+          <p:nvPr/>
+        </p:nvSpPr>
+        <p:spPr>
+          <a:xfrm>
+            <a:off x="664725" y="6211033"/>
+            <a:ext cx="1747035" cy="261146"/>
           </a:xfrm>
           <a:prstGeom prst="rect">
             <a:avLst/>
           </a:prstGeom>
           <a:noFill/>
-          <a:ln>
-            <a:noFill/>
+          <a:ln w="57150">
+            <a:solidFill>
+              <a:srgbClr val="FF0000"/>
+            </a:solidFill>
           </a:ln>
-          <a:effectLst/>
-          <a:extLst>
-            <a:ext uri="{909E8E84-426E-40DD-AFC4-6F175D3DCCD1}">
-              <a14:hiddenFill xmlns:a14="http://schemas.microsoft.com/office/drawing/2010/main">
-                <a:solidFill>
-                  <a:schemeClr val="accent1"/>
-                </a:solidFill>
-              </a14:hiddenFill>
-            </a:ext>
-            <a:ext uri="{91240B29-F687-4F45-9708-019B960494DF}">
-              <a14:hiddenLine xmlns:a14="http://schemas.microsoft.com/office/drawing/2010/main" w="9525">
-                <a:solidFill>
-                  <a:schemeClr val="tx1"/>
-                </a:solidFill>
-                <a:miter lim="800000"/>
-                <a:headEnd/>
-                <a:tailEnd/>
-              </a14:hiddenLine>
-            </a:ext>
-            <a:ext uri="{AF507438-7753-43E0-B8FC-AC1667EBCBE1}">
-              <a14:hiddenEffects xmlns:a14="http://schemas.microsoft.com/office/drawing/2010/main">
-                <a:effectLst>
-                  <a:outerShdw dist="35921" dir="2700000" algn="ctr" rotWithShape="0">
-                    <a:schemeClr val="bg2"/>
-                  </a:outerShdw>
-                </a:effectLst>
-              </a14:hiddenEffects>
-            </a:ext>
-          </a:extLst>
-        </p:spPr>
-      </p:pic>
-      <p:pic>
-        <p:nvPicPr>
-          <p:cNvPr id="19" name="Picture 3"/>
-          <p:cNvPicPr>
-            <a:picLocks noChangeAspect="1" noChangeArrowheads="1"/>
-          </p:cNvPicPr>
-          <p:nvPr/>
-        </p:nvPicPr>
-        <p:blipFill>
-          <a:blip r:embed="rId3" cstate="print">
-            <a:extLst>
-              <a:ext uri="{28A0092B-C50C-407E-A947-70E740481C1C}">
-                <a14:useLocalDpi xmlns:a14="http://schemas.microsoft.com/office/drawing/2010/main" val="0"/>
-              </a:ext>
-            </a:extLst>
-          </a:blip>
-          <a:srcRect/>
-          <a:stretch>
-            <a:fillRect/>
-          </a:stretch>
-        </p:blipFill>
-        <p:spPr bwMode="auto">
-          <a:xfrm>
-            <a:off x="3717078" y="3110073"/>
-            <a:ext cx="1661304" cy="649281"/>
-          </a:xfrm>
-          <a:prstGeom prst="rect">
-            <a:avLst/>
-          </a:prstGeom>
-          <a:noFill/>
-          <a:ln>
-            <a:noFill/>
-          </a:ln>
-          <a:effectLst/>
-          <a:extLst>
-            <a:ext uri="{909E8E84-426E-40DD-AFC4-6F175D3DCCD1}">
-              <a14:hiddenFill xmlns:a14="http://schemas.microsoft.com/office/drawing/2010/main">
-                <a:solidFill>
-                  <a:schemeClr val="accent1"/>
-                </a:solidFill>
-              </a14:hiddenFill>
-            </a:ext>
-            <a:ext uri="{91240B29-F687-4F45-9708-019B960494DF}">
-              <a14:hiddenLine xmlns:a14="http://schemas.microsoft.com/office/drawing/2010/main" w="9525">
-                <a:solidFill>
-                  <a:schemeClr val="tx1"/>
-                </a:solidFill>
-                <a:miter lim="800000"/>
-                <a:headEnd/>
-                <a:tailEnd/>
-              </a14:hiddenLine>
-            </a:ext>
-            <a:ext uri="{AF507438-7753-43E0-B8FC-AC1667EBCBE1}">
-              <a14:hiddenEffects xmlns:a14="http://schemas.microsoft.com/office/drawing/2010/main">
-                <a:effectLst>
-                  <a:outerShdw dist="35921" dir="2700000" algn="ctr" rotWithShape="0">
-                    <a:schemeClr val="bg2"/>
-                  </a:outerShdw>
-                </a:effectLst>
-              </a14:hiddenEffects>
-            </a:ext>
-          </a:extLst>
-        </p:spPr>
-      </p:pic>
-      <p:pic>
-        <p:nvPicPr>
-          <p:cNvPr id="21" name="Picture 4"/>
-          <p:cNvPicPr>
-            <a:picLocks noChangeAspect="1" noChangeArrowheads="1"/>
-          </p:cNvPicPr>
-          <p:nvPr/>
-        </p:nvPicPr>
-        <p:blipFill>
-          <a:blip r:embed="rId4" cstate="print">
-            <a:extLst>
-              <a:ext uri="{28A0092B-C50C-407E-A947-70E740481C1C}">
-                <a14:useLocalDpi xmlns:a14="http://schemas.microsoft.com/office/drawing/2010/main" val="0"/>
-              </a:ext>
-            </a:extLst>
-          </a:blip>
-          <a:srcRect/>
-          <a:stretch>
-            <a:fillRect/>
-          </a:stretch>
-        </p:blipFill>
-        <p:spPr bwMode="auto">
-          <a:xfrm>
-            <a:off x="3750436" y="4442146"/>
-            <a:ext cx="1661304" cy="649281"/>
-          </a:xfrm>
-          <a:prstGeom prst="rect">
-            <a:avLst/>
-          </a:prstGeom>
-          <a:noFill/>
-          <a:ln>
-            <a:noFill/>
-          </a:ln>
-          <a:effectLst/>
-          <a:extLst>
-            <a:ext uri="{909E8E84-426E-40DD-AFC4-6F175D3DCCD1}">
-              <a14:hiddenFill xmlns:a14="http://schemas.microsoft.com/office/drawing/2010/main">
-                <a:solidFill>
-                  <a:schemeClr val="accent1"/>
-                </a:solidFill>
-              </a14:hiddenFill>
-            </a:ext>
-            <a:ext uri="{91240B29-F687-4F45-9708-019B960494DF}">
-              <a14:hiddenLine xmlns:a14="http://schemas.microsoft.com/office/drawing/2010/main" w="9525">
-                <a:solidFill>
-                  <a:schemeClr val="tx1"/>
-                </a:solidFill>
-                <a:miter lim="800000"/>
-                <a:headEnd/>
-                <a:tailEnd/>
-              </a14:hiddenLine>
-            </a:ext>
-            <a:ext uri="{AF507438-7753-43E0-B8FC-AC1667EBCBE1}">
-              <a14:hiddenEffects xmlns:a14="http://schemas.microsoft.com/office/drawing/2010/main">
-                <a:effectLst>
-                  <a:outerShdw dist="35921" dir="2700000" algn="ctr" rotWithShape="0">
-                    <a:schemeClr val="bg2"/>
-                  </a:outerShdw>
-                </a:effectLst>
-              </a14:hiddenEffects>
-            </a:ext>
-          </a:extLst>
-        </p:spPr>
-      </p:pic>
-      <p:pic>
-        <p:nvPicPr>
-          <p:cNvPr id="22" name="Picture 5"/>
-          <p:cNvPicPr>
-            <a:picLocks noChangeAspect="1" noChangeArrowheads="1"/>
-          </p:cNvPicPr>
-          <p:nvPr/>
-        </p:nvPicPr>
-        <p:blipFill>
-          <a:blip r:embed="rId5" cstate="print">
-            <a:extLst>
-              <a:ext uri="{28A0092B-C50C-407E-A947-70E740481C1C}">
-                <a14:useLocalDpi xmlns:a14="http://schemas.microsoft.com/office/drawing/2010/main" val="0"/>
-              </a:ext>
-            </a:extLst>
-          </a:blip>
-          <a:srcRect/>
-          <a:stretch>
-            <a:fillRect/>
-          </a:stretch>
-        </p:blipFill>
-        <p:spPr bwMode="auto">
-          <a:xfrm>
-            <a:off x="3768584" y="5605632"/>
-            <a:ext cx="1661304" cy="649281"/>
-          </a:xfrm>
-          <a:prstGeom prst="rect">
-            <a:avLst/>
-          </a:prstGeom>
-          <a:noFill/>
-          <a:ln>
-            <a:noFill/>
-          </a:ln>
-          <a:effectLst/>
-          <a:extLst>
-            <a:ext uri="{909E8E84-426E-40DD-AFC4-6F175D3DCCD1}">
-              <a14:hiddenFill xmlns:a14="http://schemas.microsoft.com/office/drawing/2010/main">
-                <a:solidFill>
-                  <a:schemeClr val="accent1"/>
-                </a:solidFill>
-              </a14:hiddenFill>
-            </a:ext>
-            <a:ext uri="{91240B29-F687-4F45-9708-019B960494DF}">
-              <a14:hiddenLine xmlns:a14="http://schemas.microsoft.com/office/drawing/2010/main" w="9525">
-                <a:solidFill>
-                  <a:schemeClr val="tx1"/>
-                </a:solidFill>
-                <a:miter lim="800000"/>
-                <a:headEnd/>
-                <a:tailEnd/>
-              </a14:hiddenLine>
-            </a:ext>
-            <a:ext uri="{AF507438-7753-43E0-B8FC-AC1667EBCBE1}">
-              <a14:hiddenEffects xmlns:a14="http://schemas.microsoft.com/office/drawing/2010/main">
-                <a:effectLst>
-                  <a:outerShdw dist="35921" dir="2700000" algn="ctr" rotWithShape="0">
-                    <a:schemeClr val="bg2"/>
-                  </a:outerShdw>
-                </a:effectLst>
-              </a14:hiddenEffects>
-            </a:ext>
-          </a:extLst>
-        </p:spPr>
-      </p:pic>
-      <p:sp>
-        <p:nvSpPr>
-          <p:cNvPr id="23" name="Ellipse 22"/>
-          <p:cNvSpPr/>
-          <p:nvPr/>
-        </p:nvSpPr>
-        <p:spPr>
-          <a:xfrm>
-            <a:off x="3661830" y="3008675"/>
-            <a:ext cx="274320" cy="274320"/>
-          </a:xfrm>
-          <a:prstGeom prst="ellipse">
-            <a:avLst/>
-          </a:prstGeom>
-          <a:solidFill>
-            <a:schemeClr val="bg1"/>
-          </a:solidFill>
-        </p:spPr>
-        <p:style>
-          <a:lnRef idx="2">
-            <a:schemeClr val="accent1">
-              <a:shade val="50000"/>
-            </a:schemeClr>
-          </a:lnRef>
-          <a:fillRef idx="1">
-            <a:schemeClr val="accent1"/>
-          </a:fillRef>
-          <a:effectRef idx="0">
-            <a:schemeClr val="accent1"/>
-          </a:effectRef>
-          <a:fontRef idx="minor">
-            <a:schemeClr val="lt1"/>
-          </a:fontRef>
-        </p:style>
-        <p:txBody>
-          <a:bodyPr rtlCol="0" anchor="ctr"/>
-          <a:lstStyle/>
-          <a:p>
-            <a:pPr algn="ctr"/>
-            <a:r>
-              <a:rPr lang="de-DE" sz="1600" b="1" dirty="0" smtClean="0">
-                <a:solidFill>
-                  <a:schemeClr val="tx1"/>
-                </a:solidFill>
-                <a:latin typeface="Arial Narrow" panose="020B0606020202030204" pitchFamily="34" charset="0"/>
-              </a:rPr>
-              <a:t>A</a:t>
-            </a:r>
-            <a:endParaRPr lang="de-DE" sz="1600" dirty="0">
-              <a:solidFill>
-                <a:schemeClr val="tx1"/>
-              </a:solidFill>
-              <a:latin typeface="Arial Narrow" panose="020B0606020202030204" pitchFamily="34" charset="0"/>
-            </a:endParaRPr>
-          </a:p>
-        </p:txBody>
-      </p:sp>
-      <p:sp>
-        <p:nvSpPr>
-          <p:cNvPr id="24" name="Ellipse 23"/>
-          <p:cNvSpPr/>
-          <p:nvPr/>
-        </p:nvSpPr>
-        <p:spPr>
-          <a:xfrm>
-            <a:off x="3695188" y="4293096"/>
-            <a:ext cx="274320" cy="274320"/>
-          </a:xfrm>
-          <a:prstGeom prst="ellipse">
-            <a:avLst/>
-          </a:prstGeom>
-          <a:solidFill>
-            <a:schemeClr val="bg1"/>
-          </a:solidFill>
-        </p:spPr>
-        <p:style>
-          <a:lnRef idx="2">
-            <a:schemeClr val="accent1">
-              <a:shade val="50000"/>
-            </a:schemeClr>
-          </a:lnRef>
-          <a:fillRef idx="1">
-            <a:schemeClr val="accent1"/>
-          </a:fillRef>
-          <a:effectRef idx="0">
-            <a:schemeClr val="accent1"/>
-          </a:effectRef>
-          <a:fontRef idx="minor">
-            <a:schemeClr val="lt1"/>
-          </a:fontRef>
-        </p:style>
-        <p:txBody>
-          <a:bodyPr rtlCol="0" anchor="ctr"/>
-          <a:lstStyle/>
-          <a:p>
-            <a:pPr algn="ctr"/>
-            <a:r>
-              <a:rPr lang="de-DE" sz="1600" b="1" dirty="0" smtClean="0">
-                <a:solidFill>
-                  <a:schemeClr val="tx1"/>
-                </a:solidFill>
-                <a:latin typeface="Arial Narrow" panose="020B0606020202030204" pitchFamily="34" charset="0"/>
-              </a:rPr>
-              <a:t>B</a:t>
-            </a:r>
-            <a:endParaRPr lang="de-DE" sz="1600" dirty="0">
-              <a:solidFill>
-                <a:schemeClr val="tx1"/>
-              </a:solidFill>
-              <a:latin typeface="Arial Narrow" panose="020B0606020202030204" pitchFamily="34" charset="0"/>
-            </a:endParaRPr>
-          </a:p>
-        </p:txBody>
-      </p:sp>
-      <p:sp>
-        <p:nvSpPr>
-          <p:cNvPr id="25" name="Ellipse 24"/>
-          <p:cNvSpPr/>
-          <p:nvPr/>
-        </p:nvSpPr>
-        <p:spPr>
-          <a:xfrm>
-            <a:off x="3713336" y="5466421"/>
-            <a:ext cx="274320" cy="274320"/>
-          </a:xfrm>
-          <a:prstGeom prst="ellipse">
-            <a:avLst/>
-          </a:prstGeom>
-          <a:solidFill>
-            <a:schemeClr val="bg1"/>
-          </a:solidFill>
-        </p:spPr>
-        <p:style>
-          <a:lnRef idx="2">
-            <a:schemeClr val="accent1">
-              <a:shade val="50000"/>
-            </a:schemeClr>
-          </a:lnRef>
-          <a:fillRef idx="1">
-            <a:schemeClr val="accent1"/>
-          </a:fillRef>
-          <a:effectRef idx="0">
-            <a:schemeClr val="accent1"/>
-          </a:effectRef>
-          <a:fontRef idx="minor">
-            <a:schemeClr val="lt1"/>
-          </a:fontRef>
-        </p:style>
-        <p:txBody>
-          <a:bodyPr rtlCol="0" anchor="ctr"/>
-          <a:lstStyle/>
-          <a:p>
-            <a:pPr algn="ctr"/>
-            <a:r>
-              <a:rPr lang="de-DE" sz="1600" b="1" dirty="0" smtClean="0">
-                <a:solidFill>
-                  <a:schemeClr val="tx1"/>
-                </a:solidFill>
-                <a:latin typeface="Arial Narrow" panose="020B0606020202030204" pitchFamily="34" charset="0"/>
-              </a:rPr>
-              <a:t>C</a:t>
-            </a:r>
-            <a:endParaRPr lang="de-DE" sz="1600" dirty="0">
-              <a:solidFill>
-                <a:schemeClr val="tx1"/>
-              </a:solidFill>
-              <a:latin typeface="Arial Narrow" panose="020B0606020202030204" pitchFamily="34" charset="0"/>
-            </a:endParaRPr>
-          </a:p>
-        </p:txBody>
-      </p:sp>
-      <p:sp>
-        <p:nvSpPr>
-          <p:cNvPr id="26" name="Textfeld 25"/>
-          <p:cNvSpPr txBox="1"/>
-          <p:nvPr/>
-        </p:nvSpPr>
-        <p:spPr>
-          <a:xfrm>
-            <a:off x="5306372" y="2965973"/>
-            <a:ext cx="1899174" cy="369332"/>
-          </a:xfrm>
-          <a:prstGeom prst="rect">
-            <a:avLst/>
-          </a:prstGeom>
         </p:spPr>
         <p:style>
           <a:lnRef idx="2">
@@ -6230,45 +8011,34 @@
           </a:fontRef>
         </p:style>
         <p:txBody>
-          <a:bodyPr wrap="none" rtlCol="0">
-            <a:spAutoFit/>
-          </a:bodyPr>
+          <a:bodyPr rtlCol="0" anchor="ctr"/>
           <a:lstStyle/>
           <a:p>
-            <a:r>
-              <a:rPr lang="de-DE" dirty="0" smtClean="0"/>
-              <a:t>Common </a:t>
-            </a:r>
-            <a:r>
-              <a:rPr lang="de-DE" dirty="0" err="1" smtClean="0"/>
-              <a:t>life</a:t>
-            </a:r>
-            <a:r>
-              <a:rPr lang="de-DE" dirty="0" smtClean="0"/>
-              <a:t> </a:t>
-            </a:r>
-            <a:r>
-              <a:rPr lang="de-DE" dirty="0" err="1" smtClean="0"/>
-              <a:t>cycle</a:t>
-            </a:r>
-            <a:endParaRPr lang="de-DE" dirty="0"/>
+            <a:pPr algn="ctr"/>
+            <a:endParaRPr lang="de-DE"/>
           </a:p>
         </p:txBody>
       </p:sp>
       <p:sp>
         <p:nvSpPr>
-          <p:cNvPr id="27" name="Textfeld 26"/>
-          <p:cNvSpPr txBox="1"/>
+          <p:cNvPr id="12" name="Rechteck 11"/>
+          <p:cNvSpPr/>
           <p:nvPr/>
         </p:nvSpPr>
         <p:spPr>
           <a:xfrm>
-            <a:off x="5349948" y="4275011"/>
-            <a:ext cx="2030364" cy="369332"/>
+            <a:off x="2483768" y="6207836"/>
+            <a:ext cx="2016224" cy="261146"/>
           </a:xfrm>
           <a:prstGeom prst="rect">
             <a:avLst/>
           </a:prstGeom>
+          <a:noFill/>
+          <a:ln w="57150">
+            <a:solidFill>
+              <a:srgbClr val="FF0000"/>
+            </a:solidFill>
+          </a:ln>
         </p:spPr>
         <p:style>
           <a:lnRef idx="2">
@@ -6287,33 +8057,534 @@
           </a:fontRef>
         </p:style>
         <p:txBody>
-          <a:bodyPr wrap="none" rtlCol="0">
-            <a:spAutoFit/>
-          </a:bodyPr>
+          <a:bodyPr rtlCol="0" anchor="ctr"/>
           <a:lstStyle/>
           <a:p>
-            <a:r>
-              <a:rPr lang="de-DE" dirty="0" smtClean="0"/>
-              <a:t>Constant Performer</a:t>
-            </a:r>
-            <a:endParaRPr lang="de-DE" dirty="0"/>
+            <a:pPr algn="ctr"/>
+            <a:endParaRPr lang="de-DE"/>
           </a:p>
         </p:txBody>
       </p:sp>
-      <p:sp>
-        <p:nvSpPr>
-          <p:cNvPr id="28" name="Textfeld 27"/>
-          <p:cNvSpPr txBox="1"/>
+    </p:spTree>
+    <p:extLst>
+      <p:ext uri="{BB962C8B-B14F-4D97-AF65-F5344CB8AC3E}">
+        <p14:creationId xmlns:p14="http://schemas.microsoft.com/office/powerpoint/2010/main" val="3553206721"/>
+      </p:ext>
+    </p:extLst>
+  </p:cSld>
+  <p:clrMapOvr>
+    <a:masterClrMapping/>
+  </p:clrMapOvr>
+  <p:timing>
+    <p:tnLst>
+      <p:par>
+        <p:cTn id="1" dur="indefinite" restart="never" nodeType="tmRoot">
+          <p:childTnLst>
+            <p:seq concurrent="1" nextAc="seek">
+              <p:cTn id="2" dur="indefinite" nodeType="mainSeq">
+                <p:childTnLst>
+                  <p:par>
+                    <p:cTn id="3" fill="hold">
+                      <p:stCondLst>
+                        <p:cond delay="indefinite"/>
+                      </p:stCondLst>
+                      <p:childTnLst>
+                        <p:par>
+                          <p:cTn id="4" fill="hold">
+                            <p:stCondLst>
+                              <p:cond delay="0"/>
+                            </p:stCondLst>
+                            <p:childTnLst>
+                              <p:par>
+                                <p:cTn id="5" presetID="1" presetClass="exit" presetSubtype="0" fill="hold" grpId="0" nodeType="clickEffect">
+                                  <p:stCondLst>
+                                    <p:cond delay="0"/>
+                                  </p:stCondLst>
+                                  <p:childTnLst>
+                                    <p:set>
+                                      <p:cBhvr>
+                                        <p:cTn id="6" dur="1" fill="hold">
+                                          <p:stCondLst>
+                                            <p:cond delay="0"/>
+                                          </p:stCondLst>
+                                        </p:cTn>
+                                        <p:tgtEl>
+                                          <p:spTgt spid="11"/>
+                                        </p:tgtEl>
+                                        <p:attrNameLst>
+                                          <p:attrName>style.visibility</p:attrName>
+                                        </p:attrNameLst>
+                                      </p:cBhvr>
+                                      <p:to>
+                                        <p:strVal val="hidden"/>
+                                      </p:to>
+                                    </p:set>
+                                  </p:childTnLst>
+                                </p:cTn>
+                              </p:par>
+                              <p:par>
+                                <p:cTn id="7" presetID="1" presetClass="entr" presetSubtype="0" fill="hold" grpId="0" nodeType="withEffect">
+                                  <p:stCondLst>
+                                    <p:cond delay="0"/>
+                                  </p:stCondLst>
+                                  <p:childTnLst>
+                                    <p:set>
+                                      <p:cBhvr>
+                                        <p:cTn id="8" dur="1" fill="hold">
+                                          <p:stCondLst>
+                                            <p:cond delay="0"/>
+                                          </p:stCondLst>
+                                        </p:cTn>
+                                        <p:tgtEl>
+                                          <p:spTgt spid="12"/>
+                                        </p:tgtEl>
+                                        <p:attrNameLst>
+                                          <p:attrName>style.visibility</p:attrName>
+                                        </p:attrNameLst>
+                                      </p:cBhvr>
+                                      <p:to>
+                                        <p:strVal val="visible"/>
+                                      </p:to>
+                                    </p:set>
+                                  </p:childTnLst>
+                                </p:cTn>
+                              </p:par>
+                              <p:par>
+                                <p:cTn id="9" presetID="1" presetClass="entr" presetSubtype="0" fill="hold" nodeType="withEffect">
+                                  <p:stCondLst>
+                                    <p:cond delay="0"/>
+                                  </p:stCondLst>
+                                  <p:childTnLst>
+                                    <p:set>
+                                      <p:cBhvr>
+                                        <p:cTn id="10" dur="1" fill="hold">
+                                          <p:stCondLst>
+                                            <p:cond delay="0"/>
+                                          </p:stCondLst>
+                                        </p:cTn>
+                                        <p:tgtEl>
+                                          <p:spTgt spid="5"/>
+                                        </p:tgtEl>
+                                        <p:attrNameLst>
+                                          <p:attrName>style.visibility</p:attrName>
+                                        </p:attrNameLst>
+                                      </p:cBhvr>
+                                      <p:to>
+                                        <p:strVal val="visible"/>
+                                      </p:to>
+                                    </p:set>
+                                  </p:childTnLst>
+                                </p:cTn>
+                              </p:par>
+                            </p:childTnLst>
+                          </p:cTn>
+                        </p:par>
+                      </p:childTnLst>
+                    </p:cTn>
+                  </p:par>
+                  <p:par>
+                    <p:cTn id="11" fill="hold">
+                      <p:stCondLst>
+                        <p:cond delay="indefinite"/>
+                      </p:stCondLst>
+                      <p:childTnLst>
+                        <p:par>
+                          <p:cTn id="12" fill="hold">
+                            <p:stCondLst>
+                              <p:cond delay="0"/>
+                            </p:stCondLst>
+                            <p:childTnLst>
+                              <p:par>
+                                <p:cTn id="13" presetID="1" presetClass="entr" presetSubtype="0" fill="hold" nodeType="clickEffect">
+                                  <p:stCondLst>
+                                    <p:cond delay="0"/>
+                                  </p:stCondLst>
+                                  <p:childTnLst>
+                                    <p:set>
+                                      <p:cBhvr>
+                                        <p:cTn id="14" dur="1" fill="hold">
+                                          <p:stCondLst>
+                                            <p:cond delay="0"/>
+                                          </p:stCondLst>
+                                        </p:cTn>
+                                        <p:tgtEl>
+                                          <p:spTgt spid="6"/>
+                                        </p:tgtEl>
+                                        <p:attrNameLst>
+                                          <p:attrName>style.visibility</p:attrName>
+                                        </p:attrNameLst>
+                                      </p:cBhvr>
+                                      <p:to>
+                                        <p:strVal val="visible"/>
+                                      </p:to>
+                                    </p:set>
+                                  </p:childTnLst>
+                                </p:cTn>
+                              </p:par>
+                            </p:childTnLst>
+                          </p:cTn>
+                        </p:par>
+                      </p:childTnLst>
+                    </p:cTn>
+                  </p:par>
+                  <p:par>
+                    <p:cTn id="15" fill="hold">
+                      <p:stCondLst>
+                        <p:cond delay="indefinite"/>
+                      </p:stCondLst>
+                      <p:childTnLst>
+                        <p:par>
+                          <p:cTn id="16" fill="hold">
+                            <p:stCondLst>
+                              <p:cond delay="0"/>
+                            </p:stCondLst>
+                            <p:childTnLst>
+                              <p:par>
+                                <p:cTn id="17" presetID="1" presetClass="entr" presetSubtype="0" fill="hold" nodeType="clickEffect">
+                                  <p:stCondLst>
+                                    <p:cond delay="0"/>
+                                  </p:stCondLst>
+                                  <p:childTnLst>
+                                    <p:set>
+                                      <p:cBhvr>
+                                        <p:cTn id="18" dur="1" fill="hold">
+                                          <p:stCondLst>
+                                            <p:cond delay="0"/>
+                                          </p:stCondLst>
+                                        </p:cTn>
+                                        <p:tgtEl>
+                                          <p:spTgt spid="7"/>
+                                        </p:tgtEl>
+                                        <p:attrNameLst>
+                                          <p:attrName>style.visibility</p:attrName>
+                                        </p:attrNameLst>
+                                      </p:cBhvr>
+                                      <p:to>
+                                        <p:strVal val="visible"/>
+                                      </p:to>
+                                    </p:set>
+                                  </p:childTnLst>
+                                </p:cTn>
+                              </p:par>
+                            </p:childTnLst>
+                          </p:cTn>
+                        </p:par>
+                      </p:childTnLst>
+                    </p:cTn>
+                  </p:par>
+                  <p:par>
+                    <p:cTn id="19" fill="hold">
+                      <p:stCondLst>
+                        <p:cond delay="indefinite"/>
+                      </p:stCondLst>
+                      <p:childTnLst>
+                        <p:par>
+                          <p:cTn id="20" fill="hold">
+                            <p:stCondLst>
+                              <p:cond delay="0"/>
+                            </p:stCondLst>
+                            <p:childTnLst>
+                              <p:par>
+                                <p:cTn id="21" presetID="1" presetClass="entr" presetSubtype="0" fill="hold" nodeType="clickEffect">
+                                  <p:stCondLst>
+                                    <p:cond delay="0"/>
+                                  </p:stCondLst>
+                                  <p:childTnLst>
+                                    <p:set>
+                                      <p:cBhvr>
+                                        <p:cTn id="22" dur="1" fill="hold">
+                                          <p:stCondLst>
+                                            <p:cond delay="0"/>
+                                          </p:stCondLst>
+                                        </p:cTn>
+                                        <p:tgtEl>
+                                          <p:spTgt spid="8"/>
+                                        </p:tgtEl>
+                                        <p:attrNameLst>
+                                          <p:attrName>style.visibility</p:attrName>
+                                        </p:attrNameLst>
+                                      </p:cBhvr>
+                                      <p:to>
+                                        <p:strVal val="visible"/>
+                                      </p:to>
+                                    </p:set>
+                                  </p:childTnLst>
+                                </p:cTn>
+                              </p:par>
+                            </p:childTnLst>
+                          </p:cTn>
+                        </p:par>
+                      </p:childTnLst>
+                    </p:cTn>
+                  </p:par>
+                  <p:par>
+                    <p:cTn id="23" fill="hold">
+                      <p:stCondLst>
+                        <p:cond delay="indefinite"/>
+                      </p:stCondLst>
+                      <p:childTnLst>
+                        <p:par>
+                          <p:cTn id="24" fill="hold">
+                            <p:stCondLst>
+                              <p:cond delay="0"/>
+                            </p:stCondLst>
+                            <p:childTnLst>
+                              <p:par>
+                                <p:cTn id="25" presetID="1" presetClass="entr" presetSubtype="0" fill="hold" nodeType="clickEffect">
+                                  <p:stCondLst>
+                                    <p:cond delay="0"/>
+                                  </p:stCondLst>
+                                  <p:childTnLst>
+                                    <p:set>
+                                      <p:cBhvr>
+                                        <p:cTn id="26" dur="1" fill="hold">
+                                          <p:stCondLst>
+                                            <p:cond delay="0"/>
+                                          </p:stCondLst>
+                                        </p:cTn>
+                                        <p:tgtEl>
+                                          <p:spTgt spid="9"/>
+                                        </p:tgtEl>
+                                        <p:attrNameLst>
+                                          <p:attrName>style.visibility</p:attrName>
+                                        </p:attrNameLst>
+                                      </p:cBhvr>
+                                      <p:to>
+                                        <p:strVal val="visible"/>
+                                      </p:to>
+                                    </p:set>
+                                  </p:childTnLst>
+                                </p:cTn>
+                              </p:par>
+                            </p:childTnLst>
+                          </p:cTn>
+                        </p:par>
+                      </p:childTnLst>
+                    </p:cTn>
+                  </p:par>
+                </p:childTnLst>
+              </p:cTn>
+              <p:prevCondLst>
+                <p:cond evt="onPrev" delay="0">
+                  <p:tgtEl>
+                    <p:sldTgt/>
+                  </p:tgtEl>
+                </p:cond>
+              </p:prevCondLst>
+              <p:nextCondLst>
+                <p:cond evt="onNext" delay="0">
+                  <p:tgtEl>
+                    <p:sldTgt/>
+                  </p:tgtEl>
+                </p:cond>
+              </p:nextCondLst>
+            </p:seq>
+          </p:childTnLst>
+        </p:cTn>
+      </p:par>
+    </p:tnLst>
+    <p:bldLst>
+      <p:bldP spid="11" grpId="0" animBg="1"/>
+      <p:bldP spid="12" grpId="0" animBg="1"/>
+    </p:bldLst>
+  </p:timing>
+</p:sld>
+</file>
+
+<file path=ppt/slides/slide6.xml><?xml version="1.0" encoding="utf-8"?>
+<p:sld xmlns:a="http://schemas.openxmlformats.org/drawingml/2006/main" xmlns:r="http://schemas.openxmlformats.org/officeDocument/2006/relationships" xmlns:p="http://schemas.openxmlformats.org/presentationml/2006/main">
+  <p:cSld>
+    <p:spTree>
+      <p:nvGrpSpPr>
+        <p:cNvPr id="1" name=""/>
+        <p:cNvGrpSpPr/>
+        <p:nvPr/>
+      </p:nvGrpSpPr>
+      <p:grpSpPr>
+        <a:xfrm>
+          <a:off x="0" y="0"/>
+          <a:ext cx="0" cy="0"/>
+          <a:chOff x="0" y="0"/>
+          <a:chExt cx="0" cy="0"/>
+        </a:xfrm>
+      </p:grpSpPr>
+      <p:sp>
+        <p:nvSpPr>
+          <p:cNvPr id="2" name="Titel 1"/>
+          <p:cNvSpPr>
+            <a:spLocks noGrp="1"/>
+          </p:cNvSpPr>
+          <p:nvPr>
+            <p:ph type="title"/>
+          </p:nvPr>
+        </p:nvSpPr>
+        <p:spPr/>
+        <p:txBody>
+          <a:bodyPr/>
+          <a:lstStyle/>
+          <a:p>
+            <a:r>
+              <a:rPr lang="en-US" noProof="0" dirty="0" smtClean="0"/>
+              <a:t>Deduplication: Clustering + Merge</a:t>
+            </a:r>
+            <a:endParaRPr lang="en-US" noProof="0" dirty="0"/>
+          </a:p>
+        </p:txBody>
+      </p:sp>
+      <p:sp>
+        <p:nvSpPr>
+          <p:cNvPr id="3" name="Inhaltsplatzhalter 2"/>
+          <p:cNvSpPr>
+            <a:spLocks noGrp="1"/>
+          </p:cNvSpPr>
+          <p:nvPr>
+            <p:ph idx="1"/>
+          </p:nvPr>
+        </p:nvSpPr>
+        <p:spPr/>
+        <p:txBody>
+          <a:bodyPr/>
+          <a:lstStyle/>
+          <a:p>
+            <a:r>
+              <a:rPr lang="en-US" noProof="0" dirty="0" smtClean="0"/>
+              <a:t>Different variants of the same Cited Reference</a:t>
+            </a:r>
+          </a:p>
+          <a:p>
+            <a:pPr lvl="1"/>
+            <a:r>
+              <a:rPr lang="en-US" noProof="0" dirty="0" smtClean="0"/>
+              <a:t>due to typos, missing bibliographic information, different abbreviation styles, …</a:t>
+            </a:r>
+            <a:endParaRPr lang="en-US" noProof="0" dirty="0" smtClean="0"/>
+          </a:p>
+          <a:p>
+            <a:r>
+              <a:rPr lang="en-US" noProof="0" dirty="0" smtClean="0"/>
+              <a:t>Clustering based on string similarity (author, title) and year</a:t>
+            </a:r>
+          </a:p>
+          <a:p>
+            <a:pPr lvl="1"/>
+            <a:r>
+              <a:rPr lang="en-US" noProof="0" dirty="0" smtClean="0"/>
+              <a:t>Configuration: Threshold (e.g., 80%) + use of DOI, Volume and Page Number</a:t>
+            </a:r>
+          </a:p>
+          <a:p>
+            <a:pPr lvl="1"/>
+            <a:endParaRPr lang="en-US" sz="2800" noProof="0" dirty="0" smtClean="0"/>
+          </a:p>
+          <a:p>
+            <a:pPr lvl="1"/>
+            <a:endParaRPr lang="en-US" noProof="0" dirty="0" smtClean="0"/>
+          </a:p>
+          <a:p>
+            <a:pPr lvl="1"/>
+            <a:endParaRPr lang="en-US" noProof="0" dirty="0" smtClean="0"/>
+          </a:p>
+          <a:p>
+            <a:pPr lvl="1"/>
+            <a:endParaRPr lang="en-US" noProof="0" dirty="0" smtClean="0"/>
+          </a:p>
+          <a:p>
+            <a:pPr lvl="1"/>
+            <a:endParaRPr lang="en-US" noProof="0" dirty="0" smtClean="0"/>
+          </a:p>
+          <a:p>
+            <a:pPr lvl="1"/>
+            <a:endParaRPr lang="en-US" noProof="0" dirty="0" smtClean="0"/>
+          </a:p>
+          <a:p>
+            <a:pPr lvl="1"/>
+            <a:endParaRPr lang="en-US" noProof="0" dirty="0" smtClean="0"/>
+          </a:p>
+          <a:p>
+            <a:pPr lvl="1"/>
+            <a:endParaRPr lang="en-US" noProof="0" dirty="0" smtClean="0"/>
+          </a:p>
+          <a:p>
+            <a:pPr lvl="1"/>
+            <a:endParaRPr lang="en-US" noProof="0" dirty="0" smtClean="0"/>
+          </a:p>
+          <a:p>
+            <a:r>
+              <a:rPr lang="en-US" noProof="0" dirty="0" smtClean="0"/>
+              <a:t>Merging: Cluster representative + Accumulation of N_CR</a:t>
+            </a:r>
+            <a:endParaRPr lang="en-US" noProof="0" dirty="0"/>
+          </a:p>
+        </p:txBody>
+      </p:sp>
+      <p:pic>
+        <p:nvPicPr>
+          <p:cNvPr id="4" name="Grafik 3"/>
+          <p:cNvPicPr>
+            <a:picLocks noChangeAspect="1"/>
+          </p:cNvPicPr>
           <p:nvPr/>
-        </p:nvSpPr>
+        </p:nvPicPr>
+        <p:blipFill>
+          <a:blip r:embed="rId3"/>
+          <a:stretch>
+            <a:fillRect/>
+          </a:stretch>
+        </p:blipFill>
         <p:spPr>
           <a:xfrm>
-            <a:off x="5351174" y="5518897"/>
-            <a:ext cx="1686680" cy="369332"/>
+            <a:off x="319585" y="2471077"/>
+            <a:ext cx="8356871" cy="2741404"/>
           </a:xfrm>
           <a:prstGeom prst="rect">
             <a:avLst/>
           </a:prstGeom>
+        </p:spPr>
+      </p:pic>
+      <p:pic>
+        <p:nvPicPr>
+          <p:cNvPr id="10" name="Grafik 9"/>
+          <p:cNvPicPr>
+            <a:picLocks noChangeAspect="1"/>
+          </p:cNvPicPr>
+          <p:nvPr/>
+        </p:nvPicPr>
+        <p:blipFill>
+          <a:blip r:embed="rId4"/>
+          <a:stretch>
+            <a:fillRect/>
+          </a:stretch>
+        </p:blipFill>
+        <p:spPr>
+          <a:xfrm>
+            <a:off x="319585" y="5581479"/>
+            <a:ext cx="8356871" cy="1271225"/>
+          </a:xfrm>
+          <a:prstGeom prst="rect">
+            <a:avLst/>
+          </a:prstGeom>
+        </p:spPr>
+      </p:pic>
+      <p:sp>
+        <p:nvSpPr>
+          <p:cNvPr id="11" name="Rechteck 10"/>
+          <p:cNvSpPr/>
+          <p:nvPr/>
+        </p:nvSpPr>
+        <p:spPr>
+          <a:xfrm>
+            <a:off x="309241" y="2800592"/>
+            <a:ext cx="8439223" cy="1152128"/>
+          </a:xfrm>
+          <a:prstGeom prst="rect">
+            <a:avLst/>
+          </a:prstGeom>
+          <a:noFill/>
+          <a:ln w="57150">
+            <a:solidFill>
+              <a:srgbClr val="FF0000"/>
+            </a:solidFill>
+          </a:ln>
         </p:spPr>
         <p:style>
           <a:lnRef idx="2">
@@ -6332,420 +8603,64 @@
           </a:fontRef>
         </p:style>
         <p:txBody>
-          <a:bodyPr wrap="none" rtlCol="0">
-            <a:spAutoFit/>
-          </a:bodyPr>
+          <a:bodyPr rtlCol="0" anchor="ctr"/>
           <a:lstStyle/>
           <a:p>
-            <a:r>
-              <a:rPr lang="de-DE" dirty="0" err="1" smtClean="0"/>
-              <a:t>Sleeping</a:t>
-            </a:r>
-            <a:r>
-              <a:rPr lang="de-DE" dirty="0" smtClean="0"/>
-              <a:t> Beauty</a:t>
-            </a:r>
-            <a:endParaRPr lang="de-DE" dirty="0"/>
+            <a:pPr algn="ctr"/>
+            <a:endParaRPr lang="de-DE"/>
           </a:p>
         </p:txBody>
       </p:sp>
-      <p:graphicFrame>
-        <p:nvGraphicFramePr>
-          <p:cNvPr id="29" name="Tabelle 28"/>
-          <p:cNvGraphicFramePr>
-            <a:graphicFrameLocks noGrp="1"/>
-          </p:cNvGraphicFramePr>
-          <p:nvPr>
-            <p:extLst>
-              <p:ext uri="{D42A27DB-BD31-4B8C-83A1-F6EECF244321}">
-                <p14:modId xmlns:p14="http://schemas.microsoft.com/office/powerpoint/2010/main" val="4056168322"/>
-              </p:ext>
-            </p:extLst>
-          </p:nvPr>
-        </p:nvGraphicFramePr>
-        <p:xfrm>
-          <a:off x="3796718" y="3694724"/>
-          <a:ext cx="1509654" cy="216024"/>
-        </p:xfrm>
-        <a:graphic>
-          <a:graphicData uri="http://schemas.openxmlformats.org/drawingml/2006/table">
-            <a:tbl>
-              <a:tblPr firstRow="1" bandRow="1">
-                <a:tableStyleId>{5C22544A-7EE6-4342-B048-85BDC9FD1C3A}</a:tableStyleId>
-              </a:tblPr>
-              <a:tblGrid>
-                <a:gridCol w="251609"/>
-                <a:gridCol w="251609"/>
-                <a:gridCol w="251609"/>
-                <a:gridCol w="251609"/>
-                <a:gridCol w="251609"/>
-                <a:gridCol w="251609"/>
-              </a:tblGrid>
-              <a:tr h="216024">
-                <a:tc>
-                  <a:txBody>
-                    <a:bodyPr/>
-                    <a:lstStyle/>
-                    <a:p>
-                      <a:endParaRPr lang="de-DE" sz="1100" dirty="0"/>
-                    </a:p>
-                  </a:txBody>
-                  <a:tcPr marL="0" marR="0" marT="0" marB="0">
-                    <a:solidFill>
-                      <a:srgbClr val="FFFF00"/>
-                    </a:solidFill>
-                  </a:tcPr>
-                </a:tc>
-                <a:tc>
-                  <a:txBody>
-                    <a:bodyPr/>
-                    <a:lstStyle/>
-                    <a:p>
-                      <a:endParaRPr lang="de-DE" sz="1100" dirty="0"/>
-                    </a:p>
-                  </a:txBody>
-                  <a:tcPr marL="0" marR="0" marT="0" marB="0">
-                    <a:solidFill>
-                      <a:schemeClr val="accent3">
-                        <a:lumMod val="60000"/>
-                        <a:lumOff val="40000"/>
-                      </a:schemeClr>
-                    </a:solidFill>
-                  </a:tcPr>
-                </a:tc>
-                <a:tc>
-                  <a:txBody>
-                    <a:bodyPr/>
-                    <a:lstStyle/>
-                    <a:p>
-                      <a:endParaRPr lang="de-DE" sz="1100" dirty="0"/>
-                    </a:p>
-                  </a:txBody>
-                  <a:tcPr marL="0" marR="0" marT="0" marB="0">
-                    <a:solidFill>
-                      <a:schemeClr val="accent3">
-                        <a:lumMod val="60000"/>
-                        <a:lumOff val="40000"/>
-                      </a:schemeClr>
-                    </a:solidFill>
-                  </a:tcPr>
-                </a:tc>
-                <a:tc>
-                  <a:txBody>
-                    <a:bodyPr/>
-                    <a:lstStyle/>
-                    <a:p>
-                      <a:endParaRPr lang="de-DE" sz="1100" dirty="0"/>
-                    </a:p>
-                  </a:txBody>
-                  <a:tcPr marL="0" marR="0" marT="0" marB="0">
-                    <a:solidFill>
-                      <a:srgbClr val="FFFF00"/>
-                    </a:solidFill>
-                  </a:tcPr>
-                </a:tc>
-                <a:tc>
-                  <a:txBody>
-                    <a:bodyPr/>
-                    <a:lstStyle/>
-                    <a:p>
-                      <a:endParaRPr lang="de-DE" sz="1100" dirty="0"/>
-                    </a:p>
-                  </a:txBody>
-                  <a:tcPr marL="0" marR="0" marT="0" marB="0">
-                    <a:solidFill>
-                      <a:schemeClr val="accent2">
-                        <a:lumMod val="40000"/>
-                        <a:lumOff val="60000"/>
-                      </a:schemeClr>
-                    </a:solidFill>
-                  </a:tcPr>
-                </a:tc>
-                <a:tc>
-                  <a:txBody>
-                    <a:bodyPr/>
-                    <a:lstStyle/>
-                    <a:p>
-                      <a:endParaRPr lang="de-DE" sz="1100" dirty="0"/>
-                    </a:p>
-                  </a:txBody>
-                  <a:tcPr marL="0" marR="0" marT="0" marB="0">
-                    <a:solidFill>
-                      <a:schemeClr val="accent2">
-                        <a:lumMod val="40000"/>
-                        <a:lumOff val="60000"/>
-                      </a:schemeClr>
-                    </a:solidFill>
-                  </a:tcPr>
-                </a:tc>
-              </a:tr>
-            </a:tbl>
-          </a:graphicData>
-        </a:graphic>
-      </p:graphicFrame>
-      <p:graphicFrame>
-        <p:nvGraphicFramePr>
-          <p:cNvPr id="30" name="Tabelle 29"/>
-          <p:cNvGraphicFramePr>
-            <a:graphicFrameLocks noGrp="1"/>
-          </p:cNvGraphicFramePr>
-          <p:nvPr>
-            <p:extLst>
-              <p:ext uri="{D42A27DB-BD31-4B8C-83A1-F6EECF244321}">
-                <p14:modId xmlns:p14="http://schemas.microsoft.com/office/powerpoint/2010/main" val="787964974"/>
-              </p:ext>
-            </p:extLst>
-          </p:nvPr>
-        </p:nvGraphicFramePr>
-        <p:xfrm>
-          <a:off x="3826261" y="5040101"/>
-          <a:ext cx="1509654" cy="216024"/>
-        </p:xfrm>
-        <a:graphic>
-          <a:graphicData uri="http://schemas.openxmlformats.org/drawingml/2006/table">
-            <a:tbl>
-              <a:tblPr firstRow="1" bandRow="1">
-                <a:tableStyleId>{5C22544A-7EE6-4342-B048-85BDC9FD1C3A}</a:tableStyleId>
-              </a:tblPr>
-              <a:tblGrid>
-                <a:gridCol w="251609"/>
-                <a:gridCol w="251609"/>
-                <a:gridCol w="251609"/>
-                <a:gridCol w="251609"/>
-                <a:gridCol w="251609"/>
-                <a:gridCol w="251609"/>
-              </a:tblGrid>
-              <a:tr h="216024">
-                <a:tc>
-                  <a:txBody>
-                    <a:bodyPr/>
-                    <a:lstStyle/>
-                    <a:p>
-                      <a:endParaRPr lang="de-DE" sz="1100" dirty="0"/>
-                    </a:p>
-                  </a:txBody>
-                  <a:tcPr marL="0" marR="0" marT="0" marB="0">
-                    <a:solidFill>
-                      <a:srgbClr val="FFFF00"/>
-                    </a:solidFill>
-                  </a:tcPr>
-                </a:tc>
-                <a:tc>
-                  <a:txBody>
-                    <a:bodyPr/>
-                    <a:lstStyle/>
-                    <a:p>
-                      <a:endParaRPr lang="de-DE" sz="1100" dirty="0"/>
-                    </a:p>
-                  </a:txBody>
-                  <a:tcPr marL="0" marR="0" marT="0" marB="0">
-                    <a:solidFill>
-                      <a:srgbClr val="FFFF00"/>
-                    </a:solidFill>
-                  </a:tcPr>
-                </a:tc>
-                <a:tc>
-                  <a:txBody>
-                    <a:bodyPr/>
-                    <a:lstStyle/>
-                    <a:p>
-                      <a:endParaRPr lang="de-DE" sz="1100" dirty="0"/>
-                    </a:p>
-                  </a:txBody>
-                  <a:tcPr marL="0" marR="0" marT="0" marB="0">
-                    <a:solidFill>
-                      <a:srgbClr val="FFFF00"/>
-                    </a:solidFill>
-                  </a:tcPr>
-                </a:tc>
-                <a:tc>
-                  <a:txBody>
-                    <a:bodyPr/>
-                    <a:lstStyle/>
-                    <a:p>
-                      <a:endParaRPr lang="de-DE" sz="1100" dirty="0"/>
-                    </a:p>
-                  </a:txBody>
-                  <a:tcPr marL="0" marR="0" marT="0" marB="0">
-                    <a:solidFill>
-                      <a:srgbClr val="FFFF00"/>
-                    </a:solidFill>
-                  </a:tcPr>
-                </a:tc>
-                <a:tc>
-                  <a:txBody>
-                    <a:bodyPr/>
-                    <a:lstStyle/>
-                    <a:p>
-                      <a:endParaRPr lang="de-DE" sz="1100" dirty="0"/>
-                    </a:p>
-                  </a:txBody>
-                  <a:tcPr marL="0" marR="0" marT="0" marB="0">
-                    <a:solidFill>
-                      <a:srgbClr val="FFFF00"/>
-                    </a:solidFill>
-                  </a:tcPr>
-                </a:tc>
-                <a:tc>
-                  <a:txBody>
-                    <a:bodyPr/>
-                    <a:lstStyle/>
-                    <a:p>
-                      <a:endParaRPr lang="de-DE" sz="1100" dirty="0"/>
-                    </a:p>
-                  </a:txBody>
-                  <a:tcPr marL="0" marR="0" marT="0" marB="0">
-                    <a:solidFill>
-                      <a:srgbClr val="FFFF00"/>
-                    </a:solidFill>
-                  </a:tcPr>
-                </a:tc>
-              </a:tr>
-            </a:tbl>
-          </a:graphicData>
-        </a:graphic>
-      </p:graphicFrame>
-      <p:graphicFrame>
-        <p:nvGraphicFramePr>
-          <p:cNvPr id="31" name="Tabelle 30"/>
-          <p:cNvGraphicFramePr>
-            <a:graphicFrameLocks noGrp="1"/>
-          </p:cNvGraphicFramePr>
-          <p:nvPr>
-            <p:extLst>
-              <p:ext uri="{D42A27DB-BD31-4B8C-83A1-F6EECF244321}">
-                <p14:modId xmlns:p14="http://schemas.microsoft.com/office/powerpoint/2010/main" val="4032988506"/>
-              </p:ext>
-            </p:extLst>
-          </p:nvPr>
-        </p:nvGraphicFramePr>
-        <p:xfrm>
-          <a:off x="3844409" y="6222505"/>
-          <a:ext cx="1509654" cy="216024"/>
-        </p:xfrm>
-        <a:graphic>
-          <a:graphicData uri="http://schemas.openxmlformats.org/drawingml/2006/table">
-            <a:tbl>
-              <a:tblPr firstRow="1" bandRow="1">
-                <a:tableStyleId>{5C22544A-7EE6-4342-B048-85BDC9FD1C3A}</a:tableStyleId>
-              </a:tblPr>
-              <a:tblGrid>
-                <a:gridCol w="251609"/>
-                <a:gridCol w="251609"/>
-                <a:gridCol w="251609"/>
-                <a:gridCol w="251609"/>
-                <a:gridCol w="251609"/>
-                <a:gridCol w="251609"/>
-              </a:tblGrid>
-              <a:tr h="216024">
-                <a:tc>
-                  <a:txBody>
-                    <a:bodyPr/>
-                    <a:lstStyle/>
-                    <a:p>
-                      <a:endParaRPr lang="de-DE" sz="1100" dirty="0"/>
-                    </a:p>
-                  </a:txBody>
-                  <a:tcPr marL="0" marR="0" marT="0" marB="0">
-                    <a:solidFill>
-                      <a:schemeClr val="accent2">
-                        <a:lumMod val="40000"/>
-                        <a:lumOff val="60000"/>
-                      </a:schemeClr>
-                    </a:solidFill>
-                  </a:tcPr>
-                </a:tc>
-                <a:tc>
-                  <a:txBody>
-                    <a:bodyPr/>
-                    <a:lstStyle/>
-                    <a:p>
-                      <a:endParaRPr lang="de-DE" sz="1100" dirty="0"/>
-                    </a:p>
-                  </a:txBody>
-                  <a:tcPr marL="0" marR="0" marT="0" marB="0">
-                    <a:solidFill>
-                      <a:schemeClr val="accent2">
-                        <a:lumMod val="40000"/>
-                        <a:lumOff val="60000"/>
-                      </a:schemeClr>
-                    </a:solidFill>
-                  </a:tcPr>
-                </a:tc>
-                <a:tc>
-                  <a:txBody>
-                    <a:bodyPr/>
-                    <a:lstStyle/>
-                    <a:p>
-                      <a:endParaRPr lang="de-DE" sz="1100" dirty="0"/>
-                    </a:p>
-                  </a:txBody>
-                  <a:tcPr marL="0" marR="0" marT="0" marB="0">
-                    <a:solidFill>
-                      <a:schemeClr val="accent2">
-                        <a:lumMod val="40000"/>
-                        <a:lumOff val="60000"/>
-                      </a:schemeClr>
-                    </a:solidFill>
-                  </a:tcPr>
-                </a:tc>
-                <a:tc>
-                  <a:txBody>
-                    <a:bodyPr/>
-                    <a:lstStyle/>
-                    <a:p>
-                      <a:endParaRPr lang="de-DE" sz="1100" dirty="0"/>
-                    </a:p>
-                  </a:txBody>
-                  <a:tcPr marL="0" marR="0" marT="0" marB="0">
-                    <a:solidFill>
-                      <a:srgbClr val="FFFF00"/>
-                    </a:solidFill>
-                  </a:tcPr>
-                </a:tc>
-                <a:tc>
-                  <a:txBody>
-                    <a:bodyPr/>
-                    <a:lstStyle/>
-                    <a:p>
-                      <a:endParaRPr lang="de-DE" sz="1100" dirty="0"/>
-                    </a:p>
-                  </a:txBody>
-                  <a:tcPr marL="0" marR="0" marT="0" marB="0">
-                    <a:solidFill>
-                      <a:schemeClr val="accent3">
-                        <a:lumMod val="60000"/>
-                        <a:lumOff val="40000"/>
-                      </a:schemeClr>
-                    </a:solidFill>
-                  </a:tcPr>
-                </a:tc>
-                <a:tc>
-                  <a:txBody>
-                    <a:bodyPr/>
-                    <a:lstStyle/>
-                    <a:p>
-                      <a:endParaRPr lang="de-DE" sz="1100" dirty="0"/>
-                    </a:p>
-                  </a:txBody>
-                  <a:tcPr marL="0" marR="0" marT="0" marB="0">
-                    <a:solidFill>
-                      <a:schemeClr val="accent3">
-                        <a:lumMod val="60000"/>
-                        <a:lumOff val="40000"/>
-                      </a:schemeClr>
-                    </a:solidFill>
-                  </a:tcPr>
-                </a:tc>
-              </a:tr>
-            </a:tbl>
-          </a:graphicData>
-        </a:graphic>
-      </p:graphicFrame>
+      <p:sp>
+        <p:nvSpPr>
+          <p:cNvPr id="12" name="Rechteck 11"/>
+          <p:cNvSpPr/>
+          <p:nvPr/>
+        </p:nvSpPr>
+        <p:spPr>
+          <a:xfrm>
+            <a:off x="309240" y="4561463"/>
+            <a:ext cx="8439223" cy="595729"/>
+          </a:xfrm>
+          <a:prstGeom prst="rect">
+            <a:avLst/>
+          </a:prstGeom>
+          <a:noFill/>
+          <a:ln w="57150">
+            <a:solidFill>
+              <a:srgbClr val="FF0000"/>
+            </a:solidFill>
+          </a:ln>
+        </p:spPr>
+        <p:style>
+          <a:lnRef idx="2">
+            <a:schemeClr val="accent2">
+              <a:shade val="50000"/>
+            </a:schemeClr>
+          </a:lnRef>
+          <a:fillRef idx="1">
+            <a:schemeClr val="accent2"/>
+          </a:fillRef>
+          <a:effectRef idx="0">
+            <a:schemeClr val="accent2"/>
+          </a:effectRef>
+          <a:fontRef idx="minor">
+            <a:schemeClr val="lt1"/>
+          </a:fontRef>
+        </p:style>
+        <p:txBody>
+          <a:bodyPr rtlCol="0" anchor="ctr"/>
+          <a:lstStyle/>
+          <a:p>
+            <a:pPr algn="ctr"/>
+            <a:endParaRPr lang="de-DE"/>
+          </a:p>
+        </p:txBody>
+      </p:sp>
     </p:spTree>
     <p:extLst>
       <p:ext uri="{BB962C8B-B14F-4D97-AF65-F5344CB8AC3E}">
-        <p14:creationId xmlns:p14="http://schemas.microsoft.com/office/powerpoint/2010/main" val="3228842844"/>
+        <p14:creationId xmlns:p14="http://schemas.microsoft.com/office/powerpoint/2010/main" val="3068689948"/>
       </p:ext>
     </p:extLst>
   </p:cSld>
@@ -6786,34 +8701,7 @@
                                           </p:stCondLst>
                                         </p:cTn>
                                         <p:tgtEl>
-                                          <p:spTgt spid="23"/>
-                                        </p:tgtEl>
-                                        <p:attrNameLst>
-                                          <p:attrName>style.visibility</p:attrName>
-                                        </p:attrNameLst>
-                                      </p:cBhvr>
-                                      <p:to>
-                                        <p:strVal val="visible"/>
-                                      </p:to>
-                                    </p:set>
-                                  </p:childTnLst>
-                                </p:cTn>
-                              </p:par>
-                              <p:par>
-                                <p:cTn id="7" presetID="1" presetClass="entr" presetSubtype="0" fill="hold" nodeType="withEffect">
-                                  <p:stCondLst>
-                                    <p:cond delay="0"/>
-                                  </p:stCondLst>
-                                  <p:childTnLst>
-                                    <p:set>
-                                      <p:cBhvr>
-                                        <p:cTn id="8" dur="1" fill="hold">
-                                          <p:stCondLst>
-                                            <p:cond delay="0"/>
-                                          </p:stCondLst>
-                                        </p:cTn>
-                                        <p:tgtEl>
-                                          <p:spTgt spid="19"/>
+                                          <p:spTgt spid="11"/>
                                         </p:tgtEl>
                                         <p:attrNameLst>
                                           <p:attrName>style.visibility</p:attrName>
@@ -6833,59 +8721,32 @@
                     </p:cTn>
                   </p:par>
                   <p:par>
-                    <p:cTn id="9" fill="hold">
+                    <p:cTn id="7" fill="hold">
                       <p:stCondLst>
                         <p:cond delay="indefinite"/>
                       </p:stCondLst>
                       <p:childTnLst>
                         <p:par>
-                          <p:cTn id="10" fill="hold">
+                          <p:cTn id="8" fill="hold">
                             <p:stCondLst>
                               <p:cond delay="0"/>
                             </p:stCondLst>
                             <p:childTnLst>
                               <p:par>
-                                <p:cTn id="11" presetID="1" presetClass="entr" presetSubtype="0" fill="hold" grpId="0" nodeType="clickEffect">
+                                <p:cTn id="9" presetID="1" presetClass="entr" presetSubtype="0" fill="hold" grpId="0" nodeType="clickEffect">
                                   <p:stCondLst>
                                     <p:cond delay="0"/>
                                   </p:stCondLst>
                                   <p:childTnLst>
                                     <p:set>
                                       <p:cBhvr>
-                                        <p:cTn id="12" dur="1" fill="hold">
+                                        <p:cTn id="10" dur="1" fill="hold">
                                           <p:stCondLst>
                                             <p:cond delay="0"/>
                                           </p:stCondLst>
                                         </p:cTn>
                                         <p:tgtEl>
-                                          <p:spTgt spid="24"/>
-                                        </p:tgtEl>
-                                        <p:attrNameLst>
-                                          <p:attrName>style.visibility</p:attrName>
-                                        </p:attrNameLst>
-                                      </p:cBhvr>
-                                      <p:to>
-                                        <p:strVal val="visible"/>
-                                      </p:to>
-                                    </p:set>
-                                  </p:childTnLst>
-                                </p:cTn>
-                              </p:par>
-                              <p:par>
-                                <p:cTn id="13" presetID="1" presetClass="entr" presetSubtype="0" fill="hold" nodeType="withEffect">
-                                  <p:stCondLst>
-                                    <p:cond delay="0"/>
-                                  </p:stCondLst>
-                                  <p:childTnLst>
-                                    <p:set>
-                                      <p:cBhvr>
-                                        <p:cTn id="14" dur="1" fill="hold">
-                                          <p:stCondLst>
-                                            <p:cond delay="0"/>
-                                          </p:stCondLst>
-                                        </p:cTn>
-                                        <p:tgtEl>
-                                          <p:spTgt spid="21"/>
+                                          <p:spTgt spid="12"/>
                                         </p:tgtEl>
                                         <p:attrNameLst>
                                           <p:attrName>style.visibility</p:attrName>
@@ -6905,32 +8766,36 @@
                     </p:cTn>
                   </p:par>
                   <p:par>
-                    <p:cTn id="15" fill="hold">
+                    <p:cTn id="11" fill="hold">
                       <p:stCondLst>
                         <p:cond delay="indefinite"/>
                       </p:stCondLst>
                       <p:childTnLst>
                         <p:par>
-                          <p:cTn id="16" fill="hold">
+                          <p:cTn id="12" fill="hold">
                             <p:stCondLst>
                               <p:cond delay="0"/>
                             </p:stCondLst>
                             <p:childTnLst>
                               <p:par>
-                                <p:cTn id="17" presetID="1" presetClass="entr" presetSubtype="0" fill="hold" grpId="0" nodeType="clickEffect">
+                                <p:cTn id="13" presetID="1" presetClass="entr" presetSubtype="0" fill="hold" nodeType="clickEffect">
                                   <p:stCondLst>
                                     <p:cond delay="0"/>
                                   </p:stCondLst>
                                   <p:childTnLst>
                                     <p:set>
                                       <p:cBhvr>
-                                        <p:cTn id="18" dur="1" fill="hold">
+                                        <p:cTn id="14" dur="1" fill="hold">
                                           <p:stCondLst>
                                             <p:cond delay="0"/>
                                           </p:stCondLst>
                                         </p:cTn>
                                         <p:tgtEl>
-                                          <p:spTgt spid="25"/>
+                                          <p:spTgt spid="3">
+                                            <p:txEl>
+                                              <p:pRg st="2" end="2"/>
+                                            </p:txEl>
+                                          </p:spTgt>
                                         </p:tgtEl>
                                         <p:attrNameLst>
                                           <p:attrName>style.visibility</p:attrName>
@@ -6944,20 +8809,24 @@
                                 </p:cTn>
                               </p:par>
                               <p:par>
-                                <p:cTn id="19" presetID="1" presetClass="entr" presetSubtype="0" fill="hold" nodeType="withEffect">
+                                <p:cTn id="15" presetID="1" presetClass="entr" presetSubtype="0" fill="hold" nodeType="withEffect">
                                   <p:stCondLst>
                                     <p:cond delay="0"/>
                                   </p:stCondLst>
                                   <p:childTnLst>
                                     <p:set>
                                       <p:cBhvr>
-                                        <p:cTn id="20" dur="1" fill="hold">
+                                        <p:cTn id="16" dur="1" fill="hold">
                                           <p:stCondLst>
                                             <p:cond delay="0"/>
                                           </p:stCondLst>
                                         </p:cTn>
                                         <p:tgtEl>
-                                          <p:spTgt spid="22"/>
+                                          <p:spTgt spid="3">
+                                            <p:txEl>
+                                              <p:pRg st="3" end="3"/>
+                                            </p:txEl>
+                                          </p:spTgt>
                                         </p:tgtEl>
                                         <p:attrNameLst>
                                           <p:attrName>style.visibility</p:attrName>
@@ -6977,32 +8846,36 @@
                     </p:cTn>
                   </p:par>
                   <p:par>
-                    <p:cTn id="21" fill="hold">
+                    <p:cTn id="17" fill="hold">
                       <p:stCondLst>
                         <p:cond delay="indefinite"/>
                       </p:stCondLst>
                       <p:childTnLst>
                         <p:par>
-                          <p:cTn id="22" fill="hold">
+                          <p:cTn id="18" fill="hold">
                             <p:stCondLst>
                               <p:cond delay="0"/>
                             </p:stCondLst>
                             <p:childTnLst>
                               <p:par>
-                                <p:cTn id="23" presetID="1" presetClass="entr" presetSubtype="0" fill="hold" nodeType="clickEffect">
+                                <p:cTn id="19" presetID="1" presetClass="entr" presetSubtype="0" fill="hold" nodeType="clickEffect">
                                   <p:stCondLst>
                                     <p:cond delay="0"/>
                                   </p:stCondLst>
                                   <p:childTnLst>
                                     <p:set>
                                       <p:cBhvr>
-                                        <p:cTn id="24" dur="1" fill="hold">
+                                        <p:cTn id="20" dur="1" fill="hold">
                                           <p:stCondLst>
                                             <p:cond delay="0"/>
                                           </p:stCondLst>
                                         </p:cTn>
                                         <p:tgtEl>
-                                          <p:spTgt spid="29"/>
+                                          <p:spTgt spid="3">
+                                            <p:txEl>
+                                              <p:pRg st="13" end="13"/>
+                                            </p:txEl>
+                                          </p:spTgt>
                                         </p:tgtEl>
                                         <p:attrNameLst>
                                           <p:attrName>style.visibility</p:attrName>
@@ -7015,219 +8888,21 @@
                                   </p:childTnLst>
                                 </p:cTn>
                               </p:par>
-                            </p:childTnLst>
-                          </p:cTn>
-                        </p:par>
-                      </p:childTnLst>
-                    </p:cTn>
-                  </p:par>
-                  <p:par>
-                    <p:cTn id="25" fill="hold">
-                      <p:stCondLst>
-                        <p:cond delay="indefinite"/>
-                      </p:stCondLst>
-                      <p:childTnLst>
-                        <p:par>
-                          <p:cTn id="26" fill="hold">
-                            <p:stCondLst>
-                              <p:cond delay="0"/>
-                            </p:stCondLst>
-                            <p:childTnLst>
                               <p:par>
-                                <p:cTn id="27" presetID="1" presetClass="entr" presetSubtype="0" fill="hold" nodeType="clickEffect">
+                                <p:cTn id="21" presetID="1" presetClass="entr" presetSubtype="0" fill="hold" nodeType="withEffect">
                                   <p:stCondLst>
                                     <p:cond delay="0"/>
                                   </p:stCondLst>
                                   <p:childTnLst>
                                     <p:set>
                                       <p:cBhvr>
-                                        <p:cTn id="28" dur="1" fill="hold">
+                                        <p:cTn id="22" dur="1" fill="hold">
                                           <p:stCondLst>
                                             <p:cond delay="0"/>
                                           </p:stCondLst>
                                         </p:cTn>
                                         <p:tgtEl>
-                                          <p:spTgt spid="30"/>
-                                        </p:tgtEl>
-                                        <p:attrNameLst>
-                                          <p:attrName>style.visibility</p:attrName>
-                                        </p:attrNameLst>
-                                      </p:cBhvr>
-                                      <p:to>
-                                        <p:strVal val="visible"/>
-                                      </p:to>
-                                    </p:set>
-                                  </p:childTnLst>
-                                </p:cTn>
-                              </p:par>
-                            </p:childTnLst>
-                          </p:cTn>
-                        </p:par>
-                      </p:childTnLst>
-                    </p:cTn>
-                  </p:par>
-                  <p:par>
-                    <p:cTn id="29" fill="hold">
-                      <p:stCondLst>
-                        <p:cond delay="indefinite"/>
-                      </p:stCondLst>
-                      <p:childTnLst>
-                        <p:par>
-                          <p:cTn id="30" fill="hold">
-                            <p:stCondLst>
-                              <p:cond delay="0"/>
-                            </p:stCondLst>
-                            <p:childTnLst>
-                              <p:par>
-                                <p:cTn id="31" presetID="1" presetClass="entr" presetSubtype="0" fill="hold" nodeType="clickEffect">
-                                  <p:stCondLst>
-                                    <p:cond delay="0"/>
-                                  </p:stCondLst>
-                                  <p:childTnLst>
-                                    <p:set>
-                                      <p:cBhvr>
-                                        <p:cTn id="32" dur="1" fill="hold">
-                                          <p:stCondLst>
-                                            <p:cond delay="0"/>
-                                          </p:stCondLst>
-                                        </p:cTn>
-                                        <p:tgtEl>
-                                          <p:spTgt spid="31"/>
-                                        </p:tgtEl>
-                                        <p:attrNameLst>
-                                          <p:attrName>style.visibility</p:attrName>
-                                        </p:attrNameLst>
-                                      </p:cBhvr>
-                                      <p:to>
-                                        <p:strVal val="visible"/>
-                                      </p:to>
-                                    </p:set>
-                                  </p:childTnLst>
-                                </p:cTn>
-                              </p:par>
-                            </p:childTnLst>
-                          </p:cTn>
-                        </p:par>
-                      </p:childTnLst>
-                    </p:cTn>
-                  </p:par>
-                  <p:par>
-                    <p:cTn id="33" fill="hold">
-                      <p:stCondLst>
-                        <p:cond delay="indefinite"/>
-                      </p:stCondLst>
-                      <p:childTnLst>
-                        <p:par>
-                          <p:cTn id="34" fill="hold">
-                            <p:stCondLst>
-                              <p:cond delay="0"/>
-                            </p:stCondLst>
-                            <p:childTnLst>
-                              <p:par>
-                                <p:cTn id="35" presetID="1" presetClass="entr" presetSubtype="0" fill="hold" grpId="0" nodeType="clickEffect">
-                                  <p:stCondLst>
-                                    <p:cond delay="0"/>
-                                  </p:stCondLst>
-                                  <p:childTnLst>
-                                    <p:set>
-                                      <p:cBhvr>
-                                        <p:cTn id="36" dur="1" fill="hold">
-                                          <p:stCondLst>
-                                            <p:cond delay="0"/>
-                                          </p:stCondLst>
-                                        </p:cTn>
-                                        <p:tgtEl>
-                                          <p:spTgt spid="26"/>
-                                        </p:tgtEl>
-                                        <p:attrNameLst>
-                                          <p:attrName>style.visibility</p:attrName>
-                                        </p:attrNameLst>
-                                      </p:cBhvr>
-                                      <p:to>
-                                        <p:strVal val="visible"/>
-                                      </p:to>
-                                    </p:set>
-                                  </p:childTnLst>
-                                </p:cTn>
-                              </p:par>
-                            </p:childTnLst>
-                          </p:cTn>
-                        </p:par>
-                      </p:childTnLst>
-                    </p:cTn>
-                  </p:par>
-                  <p:par>
-                    <p:cTn id="37" fill="hold">
-                      <p:stCondLst>
-                        <p:cond delay="indefinite"/>
-                      </p:stCondLst>
-                      <p:childTnLst>
-                        <p:par>
-                          <p:cTn id="38" fill="hold">
-                            <p:stCondLst>
-                              <p:cond delay="0"/>
-                            </p:stCondLst>
-                            <p:childTnLst>
-                              <p:par>
-                                <p:cTn id="39" presetID="1" presetClass="entr" presetSubtype="0" fill="hold" grpId="0" nodeType="clickEffect">
-                                  <p:stCondLst>
-                                    <p:cond delay="0"/>
-                                  </p:stCondLst>
-                                  <p:childTnLst>
-                                    <p:set>
-                                      <p:cBhvr>
-                                        <p:cTn id="40" dur="1" fill="hold">
-                                          <p:stCondLst>
-                                            <p:cond delay="0"/>
-                                          </p:stCondLst>
-                                        </p:cTn>
-                                        <p:tgtEl>
-                                          <p:spTgt spid="27"/>
-                                        </p:tgtEl>
-                                        <p:attrNameLst>
-                                          <p:attrName>style.visibility</p:attrName>
-                                        </p:attrNameLst>
-                                      </p:cBhvr>
-                                      <p:to>
-                                        <p:strVal val="visible"/>
-                                      </p:to>
-                                    </p:set>
-                                  </p:childTnLst>
-                                </p:cTn>
-                              </p:par>
-                            </p:childTnLst>
-                          </p:cTn>
-                        </p:par>
-                      </p:childTnLst>
-                    </p:cTn>
-                  </p:par>
-                  <p:par>
-                    <p:cTn id="41" fill="hold">
-                      <p:stCondLst>
-                        <p:cond delay="indefinite"/>
-                      </p:stCondLst>
-                      <p:childTnLst>
-                        <p:par>
-                          <p:cTn id="42" fill="hold">
-                            <p:stCondLst>
-                              <p:cond delay="0"/>
-                            </p:stCondLst>
-                            <p:childTnLst>
-                              <p:par>
-                                <p:cTn id="43" presetID="1" presetClass="entr" presetSubtype="0" fill="hold" grpId="0" nodeType="clickEffect">
-                                  <p:stCondLst>
-                                    <p:cond delay="0"/>
-                                  </p:stCondLst>
-                                  <p:childTnLst>
-                                    <p:set>
-                                      <p:cBhvr>
-                                        <p:cTn id="44" dur="1" fill="hold">
-                                          <p:stCondLst>
-                                            <p:cond delay="0"/>
-                                          </p:stCondLst>
-                                        </p:cTn>
-                                        <p:tgtEl>
-                                          <p:spTgt spid="28"/>
+                                          <p:spTgt spid="10"/>
                                         </p:tgtEl>
                                         <p:attrNameLst>
                                           <p:attrName>style.visibility</p:attrName>
@@ -7268,18 +8943,14 @@
       </p:par>
     </p:tnLst>
     <p:bldLst>
-      <p:bldP spid="23" grpId="0" animBg="1"/>
-      <p:bldP spid="24" grpId="0" animBg="1"/>
-      <p:bldP spid="25" grpId="0" animBg="1"/>
-      <p:bldP spid="26" grpId="0" animBg="1"/>
-      <p:bldP spid="27" grpId="0" animBg="1"/>
-      <p:bldP spid="28" grpId="0" animBg="1"/>
+      <p:bldP spid="11" grpId="0" animBg="1"/>
+      <p:bldP spid="12" grpId="0" animBg="1"/>
     </p:bldLst>
   </p:timing>
 </p:sld>
 </file>
 
-<file path=ppt/slides/slide6.xml><?xml version="1.0" encoding="utf-8"?>
+<file path=ppt/slides/slide7.xml><?xml version="1.0" encoding="utf-8"?>
 <p:sld xmlns:a="http://schemas.openxmlformats.org/drawingml/2006/main" xmlns:r="http://schemas.openxmlformats.org/officeDocument/2006/relationships" xmlns:p="http://schemas.openxmlformats.org/presentationml/2006/main">
   <p:cSld>
     <p:spTree>
@@ -7312,18 +8983,10 @@
           <a:lstStyle/>
           <a:p>
             <a:r>
-              <a:rPr lang="de-DE" dirty="0" err="1" smtClean="0"/>
-              <a:t>Sequence</a:t>
-            </a:r>
-            <a:r>
-              <a:rPr lang="de-DE" dirty="0" smtClean="0"/>
-              <a:t> Type </a:t>
-            </a:r>
-            <a:r>
-              <a:rPr lang="de-DE" dirty="0" err="1" smtClean="0"/>
-              <a:t>Computation</a:t>
-            </a:r>
-            <a:endParaRPr lang="de-DE" dirty="0"/>
+              <a:rPr lang="en-US" noProof="0" dirty="0" smtClean="0"/>
+              <a:t>Sequence Types</a:t>
+            </a:r>
+            <a:endParaRPr lang="en-US" noProof="0" dirty="0"/>
           </a:p>
         </p:txBody>
       </p:sp>
@@ -7348,82 +9011,1430 @@
           <a:lstStyle/>
           <a:p>
             <a:r>
-              <a:rPr lang="en-US" b="1" dirty="0" smtClean="0"/>
+              <a:rPr lang="en-US" noProof="0" dirty="0" smtClean="0"/>
+              <a:t>Number </a:t>
+            </a:r>
+            <a:r>
+              <a:rPr lang="en-US" noProof="0" dirty="0" smtClean="0"/>
+              <a:t>of </a:t>
+            </a:r>
+            <a:r>
+              <a:rPr lang="en-US" noProof="0" dirty="0" smtClean="0"/>
+              <a:t>citations </a:t>
+            </a:r>
+            <a:r>
+              <a:rPr lang="en-US" noProof="0" dirty="0" smtClean="0"/>
+              <a:t>per publication </a:t>
+            </a:r>
+            <a:r>
+              <a:rPr lang="en-US" noProof="0" dirty="0" smtClean="0"/>
+              <a:t>year …</a:t>
+            </a:r>
+            <a:br>
+              <a:rPr lang="en-US" noProof="0" dirty="0" smtClean="0"/>
+            </a:br>
+            <a:r>
+              <a:rPr lang="en-US" sz="2800" noProof="0" dirty="0" smtClean="0"/>
+              <a:t/>
+            </a:r>
+            <a:br>
+              <a:rPr lang="en-US" sz="2800" noProof="0" dirty="0" smtClean="0"/>
+            </a:br>
+            <a:r>
+              <a:rPr lang="en-US" noProof="0" dirty="0" smtClean="0"/>
+              <a:t/>
+            </a:r>
+            <a:br>
+              <a:rPr lang="en-US" noProof="0" dirty="0" smtClean="0"/>
+            </a:br>
+            <a:r>
+              <a:rPr lang="en-US" noProof="0" dirty="0" smtClean="0"/>
+              <a:t/>
+            </a:r>
+            <a:br>
+              <a:rPr lang="en-US" noProof="0" dirty="0" smtClean="0"/>
+            </a:br>
+            <a:endParaRPr lang="en-US" noProof="0" dirty="0" smtClean="0"/>
+          </a:p>
+          <a:p>
+            <a:r>
+              <a:rPr lang="en-US" noProof="0" dirty="0" smtClean="0"/>
+              <a:t>... induce time sequence patterns for cited references</a:t>
+            </a:r>
+            <a:endParaRPr lang="en-US" noProof="0" dirty="0" smtClean="0"/>
+          </a:p>
+          <a:p>
+            <a:endParaRPr lang="en-US" noProof="0" dirty="0" smtClean="0"/>
+          </a:p>
+          <a:p>
+            <a:endParaRPr lang="en-US" noProof="0" dirty="0" smtClean="0"/>
+          </a:p>
+        </p:txBody>
+      </p:sp>
+      <p:pic>
+        <p:nvPicPr>
+          <p:cNvPr id="4" name="Picture 2"/>
+          <p:cNvPicPr>
+            <a:picLocks noChangeAspect="1" noChangeArrowheads="1"/>
+          </p:cNvPicPr>
+          <p:nvPr/>
+        </p:nvPicPr>
+        <p:blipFill>
+          <a:blip r:embed="rId3">
+            <a:extLst>
+              <a:ext uri="{28A0092B-C50C-407E-A947-70E740481C1C}">
+                <a14:useLocalDpi xmlns:a14="http://schemas.microsoft.com/office/drawing/2010/main" val="0"/>
+              </a:ext>
+            </a:extLst>
+          </a:blip>
+          <a:srcRect/>
+          <a:stretch>
+            <a:fillRect/>
+          </a:stretch>
+        </p:blipFill>
+        <p:spPr bwMode="auto">
+          <a:xfrm>
+            <a:off x="899592" y="1441351"/>
+            <a:ext cx="6336792" cy="1200656"/>
+          </a:xfrm>
+          <a:prstGeom prst="rect">
+            <a:avLst/>
+          </a:prstGeom>
+          <a:noFill/>
+          <a:ln>
+            <a:noFill/>
+          </a:ln>
+          <a:effectLst/>
+          <a:extLst>
+            <a:ext uri="{909E8E84-426E-40DD-AFC4-6F175D3DCCD1}">
+              <a14:hiddenFill xmlns:a14="http://schemas.microsoft.com/office/drawing/2010/main">
+                <a:solidFill>
+                  <a:schemeClr val="accent1"/>
+                </a:solidFill>
+              </a14:hiddenFill>
+            </a:ext>
+            <a:ext uri="{91240B29-F687-4F45-9708-019B960494DF}">
+              <a14:hiddenLine xmlns:a14="http://schemas.microsoft.com/office/drawing/2010/main" w="9525">
+                <a:solidFill>
+                  <a:schemeClr val="tx1"/>
+                </a:solidFill>
+                <a:miter lim="800000"/>
+                <a:headEnd/>
+                <a:tailEnd/>
+              </a14:hiddenLine>
+            </a:ext>
+            <a:ext uri="{AF507438-7753-43E0-B8FC-AC1667EBCBE1}">
+              <a14:hiddenEffects xmlns:a14="http://schemas.microsoft.com/office/drawing/2010/main">
+                <a:effectLst>
+                  <a:outerShdw dist="35921" dir="2700000" algn="ctr" rotWithShape="0">
+                    <a:schemeClr val="bg2"/>
+                  </a:outerShdw>
+                </a:effectLst>
+              </a14:hiddenEffects>
+            </a:ext>
+          </a:extLst>
+        </p:spPr>
+      </p:pic>
+      <p:grpSp>
+        <p:nvGrpSpPr>
+          <p:cNvPr id="6" name="Gruppieren 5"/>
+          <p:cNvGrpSpPr/>
+          <p:nvPr/>
+        </p:nvGrpSpPr>
+        <p:grpSpPr>
+          <a:xfrm>
+            <a:off x="899592" y="3306500"/>
+            <a:ext cx="3721373" cy="1171362"/>
+            <a:chOff x="1043049" y="3380216"/>
+            <a:chExt cx="3721373" cy="1171362"/>
+          </a:xfrm>
+        </p:grpSpPr>
+        <p:pic>
+          <p:nvPicPr>
+            <p:cNvPr id="19" name="Picture 3"/>
+            <p:cNvPicPr preferRelativeResize="0">
+              <a:picLocks noChangeAspect="1" noChangeArrowheads="1"/>
+            </p:cNvPicPr>
+            <p:nvPr/>
+          </p:nvPicPr>
+          <p:blipFill>
+            <a:blip r:embed="rId4" cstate="print">
+              <a:extLst>
+                <a:ext uri="{28A0092B-C50C-407E-A947-70E740481C1C}">
+                  <a14:useLocalDpi xmlns:a14="http://schemas.microsoft.com/office/drawing/2010/main" val="0"/>
+                </a:ext>
+              </a:extLst>
+            </a:blip>
+            <a:srcRect/>
+            <a:stretch>
+              <a:fillRect/>
+            </a:stretch>
+          </p:blipFill>
+          <p:spPr bwMode="auto">
+            <a:xfrm>
+              <a:off x="1043049" y="3393731"/>
+              <a:ext cx="3721373" cy="1157847"/>
+            </a:xfrm>
+            <a:prstGeom prst="rect">
+              <a:avLst/>
+            </a:prstGeom>
+            <a:noFill/>
+            <a:ln>
+              <a:noFill/>
+            </a:ln>
+            <a:effectLst/>
+            <a:extLst>
+              <a:ext uri="{909E8E84-426E-40DD-AFC4-6F175D3DCCD1}">
+                <a14:hiddenFill xmlns:a14="http://schemas.microsoft.com/office/drawing/2010/main">
+                  <a:solidFill>
+                    <a:schemeClr val="accent1"/>
+                  </a:solidFill>
+                </a14:hiddenFill>
+              </a:ext>
+              <a:ext uri="{91240B29-F687-4F45-9708-019B960494DF}">
+                <a14:hiddenLine xmlns:a14="http://schemas.microsoft.com/office/drawing/2010/main" w="9525">
+                  <a:solidFill>
+                    <a:schemeClr val="tx1"/>
+                  </a:solidFill>
+                  <a:miter lim="800000"/>
+                  <a:headEnd/>
+                  <a:tailEnd/>
+                </a14:hiddenLine>
+              </a:ext>
+              <a:ext uri="{AF507438-7753-43E0-B8FC-AC1667EBCBE1}">
+                <a14:hiddenEffects xmlns:a14="http://schemas.microsoft.com/office/drawing/2010/main">
+                  <a:effectLst>
+                    <a:outerShdw dist="35921" dir="2700000" algn="ctr" rotWithShape="0">
+                      <a:schemeClr val="bg2"/>
+                    </a:outerShdw>
+                  </a:effectLst>
+                </a14:hiddenEffects>
+              </a:ext>
+            </a:extLst>
+          </p:spPr>
+        </p:pic>
+        <p:sp>
+          <p:nvSpPr>
+            <p:cNvPr id="23" name="Ellipse 22"/>
+            <p:cNvSpPr/>
+            <p:nvPr/>
+          </p:nvSpPr>
+          <p:spPr>
+            <a:xfrm>
+              <a:off x="1057183" y="3380216"/>
+              <a:ext cx="274320" cy="274320"/>
+            </a:xfrm>
+            <a:prstGeom prst="ellipse">
+              <a:avLst/>
+            </a:prstGeom>
+            <a:solidFill>
+              <a:schemeClr val="bg1"/>
+            </a:solidFill>
+          </p:spPr>
+          <p:style>
+            <a:lnRef idx="2">
+              <a:schemeClr val="accent1">
+                <a:shade val="50000"/>
+              </a:schemeClr>
+            </a:lnRef>
+            <a:fillRef idx="1">
+              <a:schemeClr val="accent1"/>
+            </a:fillRef>
+            <a:effectRef idx="0">
+              <a:schemeClr val="accent1"/>
+            </a:effectRef>
+            <a:fontRef idx="minor">
+              <a:schemeClr val="lt1"/>
+            </a:fontRef>
+          </p:style>
+          <p:txBody>
+            <a:bodyPr rtlCol="0" anchor="ctr"/>
+            <a:lstStyle/>
+            <a:p>
+              <a:pPr algn="ctr"/>
+              <a:r>
+                <a:rPr lang="de-DE" sz="1600" b="1" dirty="0" smtClean="0">
+                  <a:solidFill>
+                    <a:schemeClr val="tx1"/>
+                  </a:solidFill>
+                  <a:latin typeface="Arial Narrow" panose="020B0606020202030204" pitchFamily="34" charset="0"/>
+                </a:rPr>
+                <a:t>A</a:t>
+              </a:r>
+              <a:endParaRPr lang="de-DE" sz="1600" dirty="0">
+                <a:solidFill>
+                  <a:schemeClr val="tx1"/>
+                </a:solidFill>
+                <a:latin typeface="Arial Narrow" panose="020B0606020202030204" pitchFamily="34" charset="0"/>
+              </a:endParaRPr>
+            </a:p>
+          </p:txBody>
+        </p:sp>
+      </p:grpSp>
+      <p:grpSp>
+        <p:nvGrpSpPr>
+          <p:cNvPr id="7" name="Gruppieren 6"/>
+          <p:cNvGrpSpPr/>
+          <p:nvPr/>
+        </p:nvGrpSpPr>
+        <p:grpSpPr>
+          <a:xfrm>
+            <a:off x="5114543" y="3320015"/>
+            <a:ext cx="3721373" cy="1166777"/>
+            <a:chOff x="2509181" y="4543696"/>
+            <a:chExt cx="3721373" cy="1166777"/>
+          </a:xfrm>
+        </p:grpSpPr>
+        <p:pic>
+          <p:nvPicPr>
+            <p:cNvPr id="21" name="Picture 4"/>
+            <p:cNvPicPr preferRelativeResize="0">
+              <a:picLocks noChangeAspect="1" noChangeArrowheads="1"/>
+            </p:cNvPicPr>
+            <p:nvPr/>
+          </p:nvPicPr>
+          <p:blipFill>
+            <a:blip r:embed="rId5" cstate="print">
+              <a:extLst>
+                <a:ext uri="{28A0092B-C50C-407E-A947-70E740481C1C}">
+                  <a14:useLocalDpi xmlns:a14="http://schemas.microsoft.com/office/drawing/2010/main" val="0"/>
+                </a:ext>
+              </a:extLst>
+            </a:blip>
+            <a:srcRect/>
+            <a:stretch>
+              <a:fillRect/>
+            </a:stretch>
+          </p:blipFill>
+          <p:spPr bwMode="auto">
+            <a:xfrm>
+              <a:off x="2509181" y="4552626"/>
+              <a:ext cx="3721373" cy="1157847"/>
+            </a:xfrm>
+            <a:prstGeom prst="rect">
+              <a:avLst/>
+            </a:prstGeom>
+            <a:noFill/>
+            <a:ln>
+              <a:noFill/>
+            </a:ln>
+            <a:effectLst/>
+            <a:extLst>
+              <a:ext uri="{909E8E84-426E-40DD-AFC4-6F175D3DCCD1}">
+                <a14:hiddenFill xmlns:a14="http://schemas.microsoft.com/office/drawing/2010/main">
+                  <a:solidFill>
+                    <a:schemeClr val="accent1"/>
+                  </a:solidFill>
+                </a14:hiddenFill>
+              </a:ext>
+              <a:ext uri="{91240B29-F687-4F45-9708-019B960494DF}">
+                <a14:hiddenLine xmlns:a14="http://schemas.microsoft.com/office/drawing/2010/main" w="9525">
+                  <a:solidFill>
+                    <a:schemeClr val="tx1"/>
+                  </a:solidFill>
+                  <a:miter lim="800000"/>
+                  <a:headEnd/>
+                  <a:tailEnd/>
+                </a14:hiddenLine>
+              </a:ext>
+              <a:ext uri="{AF507438-7753-43E0-B8FC-AC1667EBCBE1}">
+                <a14:hiddenEffects xmlns:a14="http://schemas.microsoft.com/office/drawing/2010/main">
+                  <a:effectLst>
+                    <a:outerShdw dist="35921" dir="2700000" algn="ctr" rotWithShape="0">
+                      <a:schemeClr val="bg2"/>
+                    </a:outerShdw>
+                  </a:effectLst>
+                </a14:hiddenEffects>
+              </a:ext>
+            </a:extLst>
+          </p:spPr>
+        </p:pic>
+        <p:sp>
+          <p:nvSpPr>
+            <p:cNvPr id="24" name="Ellipse 23"/>
+            <p:cNvSpPr/>
+            <p:nvPr/>
+          </p:nvSpPr>
+          <p:spPr>
+            <a:xfrm>
+              <a:off x="2530172" y="4543696"/>
+              <a:ext cx="274320" cy="274320"/>
+            </a:xfrm>
+            <a:prstGeom prst="ellipse">
+              <a:avLst/>
+            </a:prstGeom>
+            <a:solidFill>
+              <a:schemeClr val="bg1"/>
+            </a:solidFill>
+          </p:spPr>
+          <p:style>
+            <a:lnRef idx="2">
+              <a:schemeClr val="accent1">
+                <a:shade val="50000"/>
+              </a:schemeClr>
+            </a:lnRef>
+            <a:fillRef idx="1">
+              <a:schemeClr val="accent1"/>
+            </a:fillRef>
+            <a:effectRef idx="0">
+              <a:schemeClr val="accent1"/>
+            </a:effectRef>
+            <a:fontRef idx="minor">
+              <a:schemeClr val="lt1"/>
+            </a:fontRef>
+          </p:style>
+          <p:txBody>
+            <a:bodyPr rtlCol="0" anchor="ctr"/>
+            <a:lstStyle/>
+            <a:p>
+              <a:pPr algn="ctr"/>
+              <a:r>
+                <a:rPr lang="de-DE" sz="1600" b="1" dirty="0" smtClean="0">
+                  <a:solidFill>
+                    <a:schemeClr val="tx1"/>
+                  </a:solidFill>
+                  <a:latin typeface="Arial Narrow" panose="020B0606020202030204" pitchFamily="34" charset="0"/>
+                </a:rPr>
+                <a:t>B</a:t>
+              </a:r>
+              <a:endParaRPr lang="de-DE" sz="1600" dirty="0">
+                <a:solidFill>
+                  <a:schemeClr val="tx1"/>
+                </a:solidFill>
+                <a:latin typeface="Arial Narrow" panose="020B0606020202030204" pitchFamily="34" charset="0"/>
+              </a:endParaRPr>
+            </a:p>
+          </p:txBody>
+        </p:sp>
+      </p:grpSp>
+      <p:grpSp>
+        <p:nvGrpSpPr>
+          <p:cNvPr id="8" name="Gruppieren 7"/>
+          <p:cNvGrpSpPr/>
+          <p:nvPr/>
+        </p:nvGrpSpPr>
+        <p:grpSpPr>
+          <a:xfrm>
+            <a:off x="5114544" y="4758870"/>
+            <a:ext cx="3721372" cy="1190410"/>
+            <a:chOff x="3859206" y="5766982"/>
+            <a:chExt cx="3721372" cy="1190410"/>
+          </a:xfrm>
+        </p:grpSpPr>
+        <p:pic>
+          <p:nvPicPr>
+            <p:cNvPr id="22" name="Picture 5"/>
+            <p:cNvPicPr preferRelativeResize="0">
+              <a:picLocks noChangeAspect="1" noChangeArrowheads="1"/>
+            </p:cNvPicPr>
+            <p:nvPr/>
+          </p:nvPicPr>
+          <p:blipFill>
+            <a:blip r:embed="rId6" cstate="print">
+              <a:extLst>
+                <a:ext uri="{28A0092B-C50C-407E-A947-70E740481C1C}">
+                  <a14:useLocalDpi xmlns:a14="http://schemas.microsoft.com/office/drawing/2010/main" val="0"/>
+                </a:ext>
+              </a:extLst>
+            </a:blip>
+            <a:srcRect/>
+            <a:stretch>
+              <a:fillRect/>
+            </a:stretch>
+          </p:blipFill>
+          <p:spPr bwMode="auto">
+            <a:xfrm>
+              <a:off x="3859206" y="5772436"/>
+              <a:ext cx="3721372" cy="1184956"/>
+            </a:xfrm>
+            <a:prstGeom prst="rect">
+              <a:avLst/>
+            </a:prstGeom>
+            <a:noFill/>
+            <a:ln>
+              <a:noFill/>
+            </a:ln>
+            <a:effectLst/>
+            <a:extLst>
+              <a:ext uri="{909E8E84-426E-40DD-AFC4-6F175D3DCCD1}">
+                <a14:hiddenFill xmlns:a14="http://schemas.microsoft.com/office/drawing/2010/main">
+                  <a:solidFill>
+                    <a:schemeClr val="accent1"/>
+                  </a:solidFill>
+                </a14:hiddenFill>
+              </a:ext>
+              <a:ext uri="{91240B29-F687-4F45-9708-019B960494DF}">
+                <a14:hiddenLine xmlns:a14="http://schemas.microsoft.com/office/drawing/2010/main" w="9525">
+                  <a:solidFill>
+                    <a:schemeClr val="tx1"/>
+                  </a:solidFill>
+                  <a:miter lim="800000"/>
+                  <a:headEnd/>
+                  <a:tailEnd/>
+                </a14:hiddenLine>
+              </a:ext>
+              <a:ext uri="{AF507438-7753-43E0-B8FC-AC1667EBCBE1}">
+                <a14:hiddenEffects xmlns:a14="http://schemas.microsoft.com/office/drawing/2010/main">
+                  <a:effectLst>
+                    <a:outerShdw dist="35921" dir="2700000" algn="ctr" rotWithShape="0">
+                      <a:schemeClr val="bg2"/>
+                    </a:outerShdw>
+                  </a:effectLst>
+                </a14:hiddenEffects>
+              </a:ext>
+            </a:extLst>
+          </p:spPr>
+        </p:pic>
+        <p:sp>
+          <p:nvSpPr>
+            <p:cNvPr id="25" name="Ellipse 24"/>
+            <p:cNvSpPr/>
+            <p:nvPr/>
+          </p:nvSpPr>
+          <p:spPr>
+            <a:xfrm>
+              <a:off x="3876326" y="5766982"/>
+              <a:ext cx="274320" cy="274320"/>
+            </a:xfrm>
+            <a:prstGeom prst="ellipse">
+              <a:avLst/>
+            </a:prstGeom>
+            <a:solidFill>
+              <a:schemeClr val="bg1"/>
+            </a:solidFill>
+          </p:spPr>
+          <p:style>
+            <a:lnRef idx="2">
+              <a:schemeClr val="accent1">
+                <a:shade val="50000"/>
+              </a:schemeClr>
+            </a:lnRef>
+            <a:fillRef idx="1">
+              <a:schemeClr val="accent1"/>
+            </a:fillRef>
+            <a:effectRef idx="0">
+              <a:schemeClr val="accent1"/>
+            </a:effectRef>
+            <a:fontRef idx="minor">
+              <a:schemeClr val="lt1"/>
+            </a:fontRef>
+          </p:style>
+          <p:txBody>
+            <a:bodyPr rtlCol="0" anchor="ctr"/>
+            <a:lstStyle/>
+            <a:p>
+              <a:pPr algn="ctr"/>
+              <a:r>
+                <a:rPr lang="de-DE" sz="1600" b="1" dirty="0" smtClean="0">
+                  <a:solidFill>
+                    <a:schemeClr val="tx1"/>
+                  </a:solidFill>
+                  <a:latin typeface="Arial Narrow" panose="020B0606020202030204" pitchFamily="34" charset="0"/>
+                </a:rPr>
+                <a:t>C</a:t>
+              </a:r>
+              <a:endParaRPr lang="de-DE" sz="1600" dirty="0">
+                <a:solidFill>
+                  <a:schemeClr val="tx1"/>
+                </a:solidFill>
+                <a:latin typeface="Arial Narrow" panose="020B0606020202030204" pitchFamily="34" charset="0"/>
+              </a:endParaRPr>
+            </a:p>
+          </p:txBody>
+        </p:sp>
+      </p:grpSp>
+      <p:sp>
+        <p:nvSpPr>
+          <p:cNvPr id="32" name="Textfeld 31"/>
+          <p:cNvSpPr txBox="1"/>
+          <p:nvPr/>
+        </p:nvSpPr>
+        <p:spPr>
+          <a:xfrm>
+            <a:off x="1327102" y="3225003"/>
+            <a:ext cx="1899174" cy="323165"/>
+          </a:xfrm>
+          <a:prstGeom prst="rect">
+            <a:avLst/>
+          </a:prstGeom>
+          <a:ln>
+            <a:noFill/>
+          </a:ln>
+        </p:spPr>
+        <p:style>
+          <a:lnRef idx="2">
+            <a:schemeClr val="accent2">
+              <a:shade val="50000"/>
+            </a:schemeClr>
+          </a:lnRef>
+          <a:fillRef idx="1">
+            <a:schemeClr val="accent2"/>
+          </a:fillRef>
+          <a:effectRef idx="0">
+            <a:schemeClr val="accent2"/>
+          </a:effectRef>
+          <a:fontRef idx="minor">
+            <a:schemeClr val="lt1"/>
+          </a:fontRef>
+        </p:style>
+        <p:txBody>
+          <a:bodyPr wrap="none" tIns="0" rtlCol="0">
+            <a:spAutoFit/>
+          </a:bodyPr>
+          <a:lstStyle/>
+          <a:p>
+            <a:r>
+              <a:rPr lang="de-DE" dirty="0" smtClean="0"/>
+              <a:t>Common </a:t>
+            </a:r>
+            <a:r>
+              <a:rPr lang="de-DE" dirty="0" err="1" smtClean="0"/>
+              <a:t>life</a:t>
+            </a:r>
+            <a:r>
+              <a:rPr lang="de-DE" dirty="0" smtClean="0"/>
+              <a:t> </a:t>
+            </a:r>
+            <a:r>
+              <a:rPr lang="de-DE" dirty="0" err="1" smtClean="0"/>
+              <a:t>cycle</a:t>
+            </a:r>
+            <a:endParaRPr lang="de-DE" dirty="0"/>
+          </a:p>
+        </p:txBody>
+      </p:sp>
+      <p:sp>
+        <p:nvSpPr>
+          <p:cNvPr id="33" name="Textfeld 32"/>
+          <p:cNvSpPr txBox="1"/>
+          <p:nvPr/>
+        </p:nvSpPr>
+        <p:spPr>
+          <a:xfrm>
+            <a:off x="5513861" y="3272509"/>
+            <a:ext cx="2030364" cy="323165"/>
+          </a:xfrm>
+          <a:prstGeom prst="rect">
+            <a:avLst/>
+          </a:prstGeom>
+          <a:ln>
+            <a:noFill/>
+          </a:ln>
+        </p:spPr>
+        <p:style>
+          <a:lnRef idx="2">
+            <a:schemeClr val="accent2">
+              <a:shade val="50000"/>
+            </a:schemeClr>
+          </a:lnRef>
+          <a:fillRef idx="1">
+            <a:schemeClr val="accent2"/>
+          </a:fillRef>
+          <a:effectRef idx="0">
+            <a:schemeClr val="accent2"/>
+          </a:effectRef>
+          <a:fontRef idx="minor">
+            <a:schemeClr val="lt1"/>
+          </a:fontRef>
+        </p:style>
+        <p:txBody>
+          <a:bodyPr wrap="none" tIns="0" rtlCol="0">
+            <a:spAutoFit/>
+          </a:bodyPr>
+          <a:lstStyle/>
+          <a:p>
+            <a:r>
+              <a:rPr lang="de-DE" dirty="0" smtClean="0"/>
+              <a:t>Constant Performer</a:t>
+            </a:r>
+            <a:endParaRPr lang="de-DE" dirty="0"/>
+          </a:p>
+        </p:txBody>
+      </p:sp>
+      <p:sp>
+        <p:nvSpPr>
+          <p:cNvPr id="34" name="Textfeld 33"/>
+          <p:cNvSpPr txBox="1"/>
+          <p:nvPr/>
+        </p:nvSpPr>
+        <p:spPr>
+          <a:xfrm>
+            <a:off x="5513861" y="4679348"/>
+            <a:ext cx="1686680" cy="323165"/>
+          </a:xfrm>
+          <a:prstGeom prst="rect">
+            <a:avLst/>
+          </a:prstGeom>
+          <a:ln>
+            <a:noFill/>
+          </a:ln>
+        </p:spPr>
+        <p:style>
+          <a:lnRef idx="2">
+            <a:schemeClr val="accent2">
+              <a:shade val="50000"/>
+            </a:schemeClr>
+          </a:lnRef>
+          <a:fillRef idx="1">
+            <a:schemeClr val="accent2"/>
+          </a:fillRef>
+          <a:effectRef idx="0">
+            <a:schemeClr val="accent2"/>
+          </a:effectRef>
+          <a:fontRef idx="minor">
+            <a:schemeClr val="lt1"/>
+          </a:fontRef>
+        </p:style>
+        <p:txBody>
+          <a:bodyPr wrap="none" tIns="0" rtlCol="0">
+            <a:spAutoFit/>
+          </a:bodyPr>
+          <a:lstStyle/>
+          <a:p>
+            <a:r>
+              <a:rPr lang="de-DE" dirty="0" err="1" smtClean="0"/>
+              <a:t>Sleeping</a:t>
+            </a:r>
+            <a:r>
+              <a:rPr lang="de-DE" dirty="0" smtClean="0"/>
+              <a:t> Beauty</a:t>
+            </a:r>
+            <a:endParaRPr lang="de-DE" dirty="0"/>
+          </a:p>
+        </p:txBody>
+      </p:sp>
+      <p:sp>
+        <p:nvSpPr>
+          <p:cNvPr id="35" name="Rechteck 34"/>
+          <p:cNvSpPr/>
+          <p:nvPr/>
+        </p:nvSpPr>
+        <p:spPr>
+          <a:xfrm>
+            <a:off x="1691681" y="1662593"/>
+            <a:ext cx="4752528" cy="254239"/>
+          </a:xfrm>
+          <a:prstGeom prst="rect">
+            <a:avLst/>
+          </a:prstGeom>
+          <a:noFill/>
+          <a:ln w="57150">
+            <a:solidFill>
+              <a:srgbClr val="FF0000"/>
+            </a:solidFill>
+          </a:ln>
+        </p:spPr>
+        <p:style>
+          <a:lnRef idx="2">
+            <a:schemeClr val="accent2">
+              <a:shade val="50000"/>
+            </a:schemeClr>
+          </a:lnRef>
+          <a:fillRef idx="1">
+            <a:schemeClr val="accent2"/>
+          </a:fillRef>
+          <a:effectRef idx="0">
+            <a:schemeClr val="accent2"/>
+          </a:effectRef>
+          <a:fontRef idx="minor">
+            <a:schemeClr val="lt1"/>
+          </a:fontRef>
+        </p:style>
+        <p:txBody>
+          <a:bodyPr rtlCol="0" anchor="ctr"/>
+          <a:lstStyle/>
+          <a:p>
+            <a:pPr algn="ctr"/>
+            <a:endParaRPr lang="de-DE"/>
+          </a:p>
+        </p:txBody>
+      </p:sp>
+      <p:sp>
+        <p:nvSpPr>
+          <p:cNvPr id="36" name="Rechteck 35"/>
+          <p:cNvSpPr/>
+          <p:nvPr/>
+        </p:nvSpPr>
+        <p:spPr>
+          <a:xfrm>
+            <a:off x="1691680" y="1916832"/>
+            <a:ext cx="4752528" cy="254239"/>
+          </a:xfrm>
+          <a:prstGeom prst="rect">
+            <a:avLst/>
+          </a:prstGeom>
+          <a:noFill/>
+          <a:ln w="57150">
+            <a:solidFill>
+              <a:srgbClr val="FF0000"/>
+            </a:solidFill>
+          </a:ln>
+        </p:spPr>
+        <p:style>
+          <a:lnRef idx="2">
+            <a:schemeClr val="accent2">
+              <a:shade val="50000"/>
+            </a:schemeClr>
+          </a:lnRef>
+          <a:fillRef idx="1">
+            <a:schemeClr val="accent2"/>
+          </a:fillRef>
+          <a:effectRef idx="0">
+            <a:schemeClr val="accent2"/>
+          </a:effectRef>
+          <a:fontRef idx="minor">
+            <a:schemeClr val="lt1"/>
+          </a:fontRef>
+        </p:style>
+        <p:txBody>
+          <a:bodyPr rtlCol="0" anchor="ctr"/>
+          <a:lstStyle/>
+          <a:p>
+            <a:pPr algn="ctr"/>
+            <a:endParaRPr lang="de-DE"/>
+          </a:p>
+        </p:txBody>
+      </p:sp>
+      <p:sp>
+        <p:nvSpPr>
+          <p:cNvPr id="37" name="Rechteck 36"/>
+          <p:cNvSpPr/>
+          <p:nvPr/>
+        </p:nvSpPr>
+        <p:spPr>
+          <a:xfrm>
+            <a:off x="1691680" y="2166649"/>
+            <a:ext cx="4752528" cy="254239"/>
+          </a:xfrm>
+          <a:prstGeom prst="rect">
+            <a:avLst/>
+          </a:prstGeom>
+          <a:noFill/>
+          <a:ln w="57150">
+            <a:solidFill>
+              <a:srgbClr val="FF0000"/>
+            </a:solidFill>
+          </a:ln>
+        </p:spPr>
+        <p:style>
+          <a:lnRef idx="2">
+            <a:schemeClr val="accent2">
+              <a:shade val="50000"/>
+            </a:schemeClr>
+          </a:lnRef>
+          <a:fillRef idx="1">
+            <a:schemeClr val="accent2"/>
+          </a:fillRef>
+          <a:effectRef idx="0">
+            <a:schemeClr val="accent2"/>
+          </a:effectRef>
+          <a:fontRef idx="minor">
+            <a:schemeClr val="lt1"/>
+          </a:fontRef>
+        </p:style>
+        <p:txBody>
+          <a:bodyPr rtlCol="0" anchor="ctr"/>
+          <a:lstStyle/>
+          <a:p>
+            <a:pPr algn="ctr"/>
+            <a:endParaRPr lang="de-DE"/>
+          </a:p>
+        </p:txBody>
+      </p:sp>
+    </p:spTree>
+    <p:extLst>
+      <p:ext uri="{BB962C8B-B14F-4D97-AF65-F5344CB8AC3E}">
+        <p14:creationId xmlns:p14="http://schemas.microsoft.com/office/powerpoint/2010/main" val="3228842844"/>
+      </p:ext>
+    </p:extLst>
+  </p:cSld>
+  <p:clrMapOvr>
+    <a:masterClrMapping/>
+  </p:clrMapOvr>
+  <p:timing>
+    <p:tnLst>
+      <p:par>
+        <p:cTn id="1" dur="indefinite" restart="never" nodeType="tmRoot">
+          <p:childTnLst>
+            <p:seq concurrent="1" nextAc="seek">
+              <p:cTn id="2" dur="indefinite" nodeType="mainSeq">
+                <p:childTnLst>
+                  <p:par>
+                    <p:cTn id="3" fill="hold">
+                      <p:stCondLst>
+                        <p:cond delay="indefinite"/>
+                      </p:stCondLst>
+                      <p:childTnLst>
+                        <p:par>
+                          <p:cTn id="4" fill="hold">
+                            <p:stCondLst>
+                              <p:cond delay="0"/>
+                            </p:stCondLst>
+                            <p:childTnLst>
+                              <p:par>
+                                <p:cTn id="5" presetID="1" presetClass="entr" presetSubtype="0" fill="hold" nodeType="clickEffect">
+                                  <p:stCondLst>
+                                    <p:cond delay="0"/>
+                                  </p:stCondLst>
+                                  <p:childTnLst>
+                                    <p:set>
+                                      <p:cBhvr>
+                                        <p:cTn id="6" dur="1" fill="hold">
+                                          <p:stCondLst>
+                                            <p:cond delay="0"/>
+                                          </p:stCondLst>
+                                        </p:cTn>
+                                        <p:tgtEl>
+                                          <p:spTgt spid="3">
+                                            <p:txEl>
+                                              <p:pRg st="1" end="1"/>
+                                            </p:txEl>
+                                          </p:spTgt>
+                                        </p:tgtEl>
+                                        <p:attrNameLst>
+                                          <p:attrName>style.visibility</p:attrName>
+                                        </p:attrNameLst>
+                                      </p:cBhvr>
+                                      <p:to>
+                                        <p:strVal val="visible"/>
+                                      </p:to>
+                                    </p:set>
+                                  </p:childTnLst>
+                                </p:cTn>
+                              </p:par>
+                              <p:par>
+                                <p:cTn id="7" presetID="1" presetClass="entr" presetSubtype="0" fill="hold" nodeType="withEffect">
+                                  <p:stCondLst>
+                                    <p:cond delay="0"/>
+                                  </p:stCondLst>
+                                  <p:childTnLst>
+                                    <p:set>
+                                      <p:cBhvr>
+                                        <p:cTn id="8" dur="1" fill="hold">
+                                          <p:stCondLst>
+                                            <p:cond delay="0"/>
+                                          </p:stCondLst>
+                                        </p:cTn>
+                                        <p:tgtEl>
+                                          <p:spTgt spid="6"/>
+                                        </p:tgtEl>
+                                        <p:attrNameLst>
+                                          <p:attrName>style.visibility</p:attrName>
+                                        </p:attrNameLst>
+                                      </p:cBhvr>
+                                      <p:to>
+                                        <p:strVal val="visible"/>
+                                      </p:to>
+                                    </p:set>
+                                  </p:childTnLst>
+                                </p:cTn>
+                              </p:par>
+                              <p:par>
+                                <p:cTn id="9" presetID="1" presetClass="entr" presetSubtype="0" fill="hold" grpId="0" nodeType="withEffect">
+                                  <p:stCondLst>
+                                    <p:cond delay="0"/>
+                                  </p:stCondLst>
+                                  <p:childTnLst>
+                                    <p:set>
+                                      <p:cBhvr>
+                                        <p:cTn id="10" dur="1" fill="hold">
+                                          <p:stCondLst>
+                                            <p:cond delay="0"/>
+                                          </p:stCondLst>
+                                        </p:cTn>
+                                        <p:tgtEl>
+                                          <p:spTgt spid="35"/>
+                                        </p:tgtEl>
+                                        <p:attrNameLst>
+                                          <p:attrName>style.visibility</p:attrName>
+                                        </p:attrNameLst>
+                                      </p:cBhvr>
+                                      <p:to>
+                                        <p:strVal val="visible"/>
+                                      </p:to>
+                                    </p:set>
+                                  </p:childTnLst>
+                                  <p:subTnLst>
+                                    <p:set>
+                                      <p:cBhvr override="childStyle">
+                                        <p:cTn dur="1" fill="hold" display="0" masterRel="nextClick" afterEffect="1"/>
+                                        <p:tgtEl>
+                                          <p:spTgt spid="35"/>
+                                        </p:tgtEl>
+                                        <p:attrNameLst>
+                                          <p:attrName>style.visibility</p:attrName>
+                                        </p:attrNameLst>
+                                      </p:cBhvr>
+                                      <p:to>
+                                        <p:strVal val="hidden"/>
+                                      </p:to>
+                                    </p:set>
+                                  </p:subTnLst>
+                                </p:cTn>
+                              </p:par>
+                            </p:childTnLst>
+                          </p:cTn>
+                        </p:par>
+                      </p:childTnLst>
+                    </p:cTn>
+                  </p:par>
+                  <p:par>
+                    <p:cTn id="11" fill="hold">
+                      <p:stCondLst>
+                        <p:cond delay="indefinite"/>
+                      </p:stCondLst>
+                      <p:childTnLst>
+                        <p:par>
+                          <p:cTn id="12" fill="hold">
+                            <p:stCondLst>
+                              <p:cond delay="0"/>
+                            </p:stCondLst>
+                            <p:childTnLst>
+                              <p:par>
+                                <p:cTn id="13" presetID="1" presetClass="entr" presetSubtype="0" fill="hold" nodeType="clickEffect">
+                                  <p:stCondLst>
+                                    <p:cond delay="0"/>
+                                  </p:stCondLst>
+                                  <p:childTnLst>
+                                    <p:set>
+                                      <p:cBhvr>
+                                        <p:cTn id="14" dur="1" fill="hold">
+                                          <p:stCondLst>
+                                            <p:cond delay="0"/>
+                                          </p:stCondLst>
+                                        </p:cTn>
+                                        <p:tgtEl>
+                                          <p:spTgt spid="7"/>
+                                        </p:tgtEl>
+                                        <p:attrNameLst>
+                                          <p:attrName>style.visibility</p:attrName>
+                                        </p:attrNameLst>
+                                      </p:cBhvr>
+                                      <p:to>
+                                        <p:strVal val="visible"/>
+                                      </p:to>
+                                    </p:set>
+                                  </p:childTnLst>
+                                </p:cTn>
+                              </p:par>
+                              <p:par>
+                                <p:cTn id="15" presetID="1" presetClass="entr" presetSubtype="0" fill="hold" grpId="0" nodeType="withEffect">
+                                  <p:stCondLst>
+                                    <p:cond delay="0"/>
+                                  </p:stCondLst>
+                                  <p:childTnLst>
+                                    <p:set>
+                                      <p:cBhvr>
+                                        <p:cTn id="16" dur="1" fill="hold">
+                                          <p:stCondLst>
+                                            <p:cond delay="0"/>
+                                          </p:stCondLst>
+                                        </p:cTn>
+                                        <p:tgtEl>
+                                          <p:spTgt spid="36"/>
+                                        </p:tgtEl>
+                                        <p:attrNameLst>
+                                          <p:attrName>style.visibility</p:attrName>
+                                        </p:attrNameLst>
+                                      </p:cBhvr>
+                                      <p:to>
+                                        <p:strVal val="visible"/>
+                                      </p:to>
+                                    </p:set>
+                                  </p:childTnLst>
+                                  <p:subTnLst>
+                                    <p:set>
+                                      <p:cBhvr override="childStyle">
+                                        <p:cTn dur="1" fill="hold" display="0" masterRel="nextClick" afterEffect="1"/>
+                                        <p:tgtEl>
+                                          <p:spTgt spid="36"/>
+                                        </p:tgtEl>
+                                        <p:attrNameLst>
+                                          <p:attrName>style.visibility</p:attrName>
+                                        </p:attrNameLst>
+                                      </p:cBhvr>
+                                      <p:to>
+                                        <p:strVal val="hidden"/>
+                                      </p:to>
+                                    </p:set>
+                                  </p:subTnLst>
+                                </p:cTn>
+                              </p:par>
+                            </p:childTnLst>
+                          </p:cTn>
+                        </p:par>
+                      </p:childTnLst>
+                    </p:cTn>
+                  </p:par>
+                  <p:par>
+                    <p:cTn id="17" fill="hold">
+                      <p:stCondLst>
+                        <p:cond delay="indefinite"/>
+                      </p:stCondLst>
+                      <p:childTnLst>
+                        <p:par>
+                          <p:cTn id="18" fill="hold">
+                            <p:stCondLst>
+                              <p:cond delay="0"/>
+                            </p:stCondLst>
+                            <p:childTnLst>
+                              <p:par>
+                                <p:cTn id="19" presetID="1" presetClass="entr" presetSubtype="0" fill="hold" nodeType="clickEffect">
+                                  <p:stCondLst>
+                                    <p:cond delay="0"/>
+                                  </p:stCondLst>
+                                  <p:childTnLst>
+                                    <p:set>
+                                      <p:cBhvr>
+                                        <p:cTn id="20" dur="1" fill="hold">
+                                          <p:stCondLst>
+                                            <p:cond delay="0"/>
+                                          </p:stCondLst>
+                                        </p:cTn>
+                                        <p:tgtEl>
+                                          <p:spTgt spid="8"/>
+                                        </p:tgtEl>
+                                        <p:attrNameLst>
+                                          <p:attrName>style.visibility</p:attrName>
+                                        </p:attrNameLst>
+                                      </p:cBhvr>
+                                      <p:to>
+                                        <p:strVal val="visible"/>
+                                      </p:to>
+                                    </p:set>
+                                  </p:childTnLst>
+                                </p:cTn>
+                              </p:par>
+                              <p:par>
+                                <p:cTn id="21" presetID="1" presetClass="entr" presetSubtype="0" fill="hold" grpId="0" nodeType="withEffect">
+                                  <p:stCondLst>
+                                    <p:cond delay="0"/>
+                                  </p:stCondLst>
+                                  <p:childTnLst>
+                                    <p:set>
+                                      <p:cBhvr>
+                                        <p:cTn id="22" dur="1" fill="hold">
+                                          <p:stCondLst>
+                                            <p:cond delay="0"/>
+                                          </p:stCondLst>
+                                        </p:cTn>
+                                        <p:tgtEl>
+                                          <p:spTgt spid="37"/>
+                                        </p:tgtEl>
+                                        <p:attrNameLst>
+                                          <p:attrName>style.visibility</p:attrName>
+                                        </p:attrNameLst>
+                                      </p:cBhvr>
+                                      <p:to>
+                                        <p:strVal val="visible"/>
+                                      </p:to>
+                                    </p:set>
+                                  </p:childTnLst>
+                                  <p:subTnLst>
+                                    <p:set>
+                                      <p:cBhvr override="childStyle">
+                                        <p:cTn dur="1" fill="hold" display="0" masterRel="nextClick" afterEffect="1"/>
+                                        <p:tgtEl>
+                                          <p:spTgt spid="37"/>
+                                        </p:tgtEl>
+                                        <p:attrNameLst>
+                                          <p:attrName>style.visibility</p:attrName>
+                                        </p:attrNameLst>
+                                      </p:cBhvr>
+                                      <p:to>
+                                        <p:strVal val="hidden"/>
+                                      </p:to>
+                                    </p:set>
+                                  </p:subTnLst>
+                                </p:cTn>
+                              </p:par>
+                            </p:childTnLst>
+                          </p:cTn>
+                        </p:par>
+                      </p:childTnLst>
+                    </p:cTn>
+                  </p:par>
+                  <p:par>
+                    <p:cTn id="23" fill="hold">
+                      <p:stCondLst>
+                        <p:cond delay="indefinite"/>
+                      </p:stCondLst>
+                      <p:childTnLst>
+                        <p:par>
+                          <p:cTn id="24" fill="hold">
+                            <p:stCondLst>
+                              <p:cond delay="0"/>
+                            </p:stCondLst>
+                            <p:childTnLst>
+                              <p:par>
+                                <p:cTn id="25" presetID="1" presetClass="entr" presetSubtype="0" fill="hold" grpId="0" nodeType="clickEffect">
+                                  <p:stCondLst>
+                                    <p:cond delay="0"/>
+                                  </p:stCondLst>
+                                  <p:childTnLst>
+                                    <p:set>
+                                      <p:cBhvr>
+                                        <p:cTn id="26" dur="1" fill="hold">
+                                          <p:stCondLst>
+                                            <p:cond delay="0"/>
+                                          </p:stCondLst>
+                                        </p:cTn>
+                                        <p:tgtEl>
+                                          <p:spTgt spid="32"/>
+                                        </p:tgtEl>
+                                        <p:attrNameLst>
+                                          <p:attrName>style.visibility</p:attrName>
+                                        </p:attrNameLst>
+                                      </p:cBhvr>
+                                      <p:to>
+                                        <p:strVal val="visible"/>
+                                      </p:to>
+                                    </p:set>
+                                  </p:childTnLst>
+                                </p:cTn>
+                              </p:par>
+                            </p:childTnLst>
+                          </p:cTn>
+                        </p:par>
+                      </p:childTnLst>
+                    </p:cTn>
+                  </p:par>
+                  <p:par>
+                    <p:cTn id="27" fill="hold">
+                      <p:stCondLst>
+                        <p:cond delay="indefinite"/>
+                      </p:stCondLst>
+                      <p:childTnLst>
+                        <p:par>
+                          <p:cTn id="28" fill="hold">
+                            <p:stCondLst>
+                              <p:cond delay="0"/>
+                            </p:stCondLst>
+                            <p:childTnLst>
+                              <p:par>
+                                <p:cTn id="29" presetID="1" presetClass="entr" presetSubtype="0" fill="hold" grpId="0" nodeType="clickEffect">
+                                  <p:stCondLst>
+                                    <p:cond delay="0"/>
+                                  </p:stCondLst>
+                                  <p:childTnLst>
+                                    <p:set>
+                                      <p:cBhvr>
+                                        <p:cTn id="30" dur="1" fill="hold">
+                                          <p:stCondLst>
+                                            <p:cond delay="0"/>
+                                          </p:stCondLst>
+                                        </p:cTn>
+                                        <p:tgtEl>
+                                          <p:spTgt spid="33"/>
+                                        </p:tgtEl>
+                                        <p:attrNameLst>
+                                          <p:attrName>style.visibility</p:attrName>
+                                        </p:attrNameLst>
+                                      </p:cBhvr>
+                                      <p:to>
+                                        <p:strVal val="visible"/>
+                                      </p:to>
+                                    </p:set>
+                                  </p:childTnLst>
+                                </p:cTn>
+                              </p:par>
+                            </p:childTnLst>
+                          </p:cTn>
+                        </p:par>
+                      </p:childTnLst>
+                    </p:cTn>
+                  </p:par>
+                  <p:par>
+                    <p:cTn id="31" fill="hold">
+                      <p:stCondLst>
+                        <p:cond delay="indefinite"/>
+                      </p:stCondLst>
+                      <p:childTnLst>
+                        <p:par>
+                          <p:cTn id="32" fill="hold">
+                            <p:stCondLst>
+                              <p:cond delay="0"/>
+                            </p:stCondLst>
+                            <p:childTnLst>
+                              <p:par>
+                                <p:cTn id="33" presetID="1" presetClass="entr" presetSubtype="0" fill="hold" grpId="0" nodeType="clickEffect">
+                                  <p:stCondLst>
+                                    <p:cond delay="0"/>
+                                  </p:stCondLst>
+                                  <p:childTnLst>
+                                    <p:set>
+                                      <p:cBhvr>
+                                        <p:cTn id="34" dur="1" fill="hold">
+                                          <p:stCondLst>
+                                            <p:cond delay="0"/>
+                                          </p:stCondLst>
+                                        </p:cTn>
+                                        <p:tgtEl>
+                                          <p:spTgt spid="34"/>
+                                        </p:tgtEl>
+                                        <p:attrNameLst>
+                                          <p:attrName>style.visibility</p:attrName>
+                                        </p:attrNameLst>
+                                      </p:cBhvr>
+                                      <p:to>
+                                        <p:strVal val="visible"/>
+                                      </p:to>
+                                    </p:set>
+                                  </p:childTnLst>
+                                </p:cTn>
+                              </p:par>
+                            </p:childTnLst>
+                          </p:cTn>
+                        </p:par>
+                      </p:childTnLst>
+                    </p:cTn>
+                  </p:par>
+                </p:childTnLst>
+              </p:cTn>
+              <p:prevCondLst>
+                <p:cond evt="onPrev" delay="0">
+                  <p:tgtEl>
+                    <p:sldTgt/>
+                  </p:tgtEl>
+                </p:cond>
+              </p:prevCondLst>
+              <p:nextCondLst>
+                <p:cond evt="onNext" delay="0">
+                  <p:tgtEl>
+                    <p:sldTgt/>
+                  </p:tgtEl>
+                </p:cond>
+              </p:nextCondLst>
+            </p:seq>
+          </p:childTnLst>
+        </p:cTn>
+      </p:par>
+    </p:tnLst>
+    <p:bldLst>
+      <p:bldP spid="32" grpId="0" animBg="1"/>
+      <p:bldP spid="33" grpId="0" animBg="1"/>
+      <p:bldP spid="34" grpId="0" animBg="1"/>
+      <p:bldP spid="35" grpId="0" animBg="1"/>
+      <p:bldP spid="36" grpId="0" animBg="1"/>
+      <p:bldP spid="37" grpId="0" animBg="1"/>
+    </p:bldLst>
+  </p:timing>
+</p:sld>
+</file>
+
+<file path=ppt/slides/slide8.xml><?xml version="1.0" encoding="utf-8"?>
+<p:sld xmlns:a="http://schemas.openxmlformats.org/drawingml/2006/main" xmlns:r="http://schemas.openxmlformats.org/officeDocument/2006/relationships" xmlns:p="http://schemas.openxmlformats.org/presentationml/2006/main">
+  <p:cSld>
+    <p:spTree>
+      <p:nvGrpSpPr>
+        <p:cNvPr id="1" name=""/>
+        <p:cNvGrpSpPr/>
+        <p:nvPr/>
+      </p:nvGrpSpPr>
+      <p:grpSpPr>
+        <a:xfrm>
+          <a:off x="0" y="0"/>
+          <a:ext cx="0" cy="0"/>
+          <a:chOff x="0" y="0"/>
+          <a:chExt cx="0" cy="0"/>
+        </a:xfrm>
+      </p:grpSpPr>
+      <p:sp>
+        <p:nvSpPr>
+          <p:cNvPr id="2" name="Titel 1"/>
+          <p:cNvSpPr>
+            <a:spLocks noGrp="1"/>
+          </p:cNvSpPr>
+          <p:nvPr>
+            <p:ph type="title"/>
+          </p:nvPr>
+        </p:nvSpPr>
+        <p:spPr/>
+        <p:txBody>
+          <a:bodyPr/>
+          <a:lstStyle/>
+          <a:p>
+            <a:r>
+              <a:rPr lang="en-US" noProof="0" dirty="0" smtClean="0"/>
+              <a:t>Sequence Computation</a:t>
+            </a:r>
+            <a:endParaRPr lang="en-US" noProof="0" dirty="0"/>
+          </a:p>
+        </p:txBody>
+      </p:sp>
+      <p:sp>
+        <p:nvSpPr>
+          <p:cNvPr id="3" name="Inhaltsplatzhalter 2"/>
+          <p:cNvSpPr>
+            <a:spLocks noGrp="1"/>
+          </p:cNvSpPr>
+          <p:nvPr>
+            <p:ph idx="1"/>
+          </p:nvPr>
+        </p:nvSpPr>
+        <p:spPr>
+          <a:xfrm>
+            <a:off x="505089" y="1014351"/>
+            <a:ext cx="8229600" cy="5073427"/>
+          </a:xfrm>
+        </p:spPr>
+        <p:txBody>
+          <a:bodyPr/>
+          <a:lstStyle/>
+          <a:p>
+            <a:r>
+              <a:rPr lang="en-US" b="1" noProof="0" dirty="0" smtClean="0"/>
               <a:t>Observed</a:t>
             </a:r>
             <a:r>
-              <a:rPr lang="en-US" dirty="0" smtClean="0"/>
+              <a:rPr lang="en-US" noProof="0" dirty="0" smtClean="0"/>
               <a:t> values (number of citation per publication year)</a:t>
             </a:r>
           </a:p>
           <a:p>
-            <a:endParaRPr lang="en-US" dirty="0" smtClean="0"/>
-          </a:p>
-          <a:p>
-            <a:endParaRPr lang="en-US" dirty="0" smtClean="0"/>
-          </a:p>
-          <a:p>
-            <a:endParaRPr lang="en-US" dirty="0" smtClean="0"/>
-          </a:p>
-          <a:p>
-            <a:endParaRPr lang="en-US" dirty="0" smtClean="0"/>
-          </a:p>
-          <a:p>
-            <a:r>
-              <a:rPr lang="en-US" b="1" dirty="0" smtClean="0"/>
+            <a:endParaRPr lang="en-US" noProof="0" dirty="0" smtClean="0"/>
+          </a:p>
+          <a:p>
+            <a:endParaRPr lang="en-US" noProof="0" dirty="0" smtClean="0"/>
+          </a:p>
+          <a:p>
+            <a:endParaRPr lang="en-US" noProof="0" dirty="0" smtClean="0"/>
+          </a:p>
+          <a:p>
+            <a:endParaRPr lang="en-US" noProof="0" dirty="0" smtClean="0"/>
+          </a:p>
+          <a:p>
+            <a:r>
+              <a:rPr lang="en-US" b="1" noProof="0" dirty="0" smtClean="0"/>
               <a:t>Expected</a:t>
             </a:r>
             <a:r>
-              <a:rPr lang="en-US" dirty="0" smtClean="0"/>
-              <a:t> value</a:t>
-            </a:r>
-            <a:r>
-              <a:rPr lang="de-DE" dirty="0" smtClean="0"/>
-              <a:t>s</a:t>
-            </a:r>
-          </a:p>
-          <a:p>
-            <a:endParaRPr lang="de-DE" dirty="0"/>
-          </a:p>
-          <a:p>
-            <a:endParaRPr lang="de-DE" dirty="0" smtClean="0"/>
-          </a:p>
-          <a:p>
-            <a:endParaRPr lang="de-DE" dirty="0"/>
-          </a:p>
-          <a:p>
-            <a:endParaRPr lang="de-DE" dirty="0" smtClean="0"/>
-          </a:p>
-          <a:p>
-            <a:r>
-              <a:rPr lang="de-DE" b="1" dirty="0" smtClean="0"/>
-              <a:t>z-</a:t>
-            </a:r>
-            <a:r>
-              <a:rPr lang="de-DE" b="1" dirty="0" err="1" smtClean="0"/>
-              <a:t>value</a:t>
-            </a:r>
-            <a:r>
-              <a:rPr lang="de-DE" dirty="0" smtClean="0"/>
-              <a:t>: Standard Normal Distribution (</a:t>
-            </a:r>
-            <a:r>
-              <a:rPr lang="de-DE" dirty="0" err="1" smtClean="0"/>
-              <a:t>mean</a:t>
-            </a:r>
-            <a:r>
-              <a:rPr lang="de-DE" dirty="0" smtClean="0"/>
-              <a:t>=0, </a:t>
-            </a:r>
-            <a:r>
-              <a:rPr lang="de-DE" dirty="0" err="1" smtClean="0"/>
-              <a:t>std.dev</a:t>
-            </a:r>
-            <a:r>
-              <a:rPr lang="de-DE" dirty="0" smtClean="0"/>
-              <a:t>=1)</a:t>
-            </a:r>
-            <a:endParaRPr lang="de-DE" dirty="0"/>
+              <a:rPr lang="en-US" noProof="0" dirty="0" smtClean="0"/>
+              <a:t> values</a:t>
+            </a:r>
+          </a:p>
+          <a:p>
+            <a:endParaRPr lang="en-US" noProof="0" dirty="0" smtClean="0"/>
+          </a:p>
+          <a:p>
+            <a:endParaRPr lang="en-US" noProof="0" dirty="0" smtClean="0"/>
+          </a:p>
+          <a:p>
+            <a:endParaRPr lang="en-US" noProof="0" dirty="0" smtClean="0"/>
+          </a:p>
+          <a:p>
+            <a:endParaRPr lang="en-US" noProof="0" dirty="0" smtClean="0"/>
+          </a:p>
+          <a:p>
+            <a:r>
+              <a:rPr lang="en-US" b="1" noProof="0" dirty="0" smtClean="0"/>
+              <a:t>z-value</a:t>
+            </a:r>
+            <a:r>
+              <a:rPr lang="en-US" noProof="0" dirty="0" smtClean="0"/>
+              <a:t>: Standard Normal Distribution (mean=0, std. dev.=1)</a:t>
+            </a:r>
+            <a:endParaRPr lang="en-US" noProof="0" dirty="0"/>
           </a:p>
         </p:txBody>
       </p:sp>
@@ -7927,8 +10938,8 @@
           </a:p>
         </p:txBody>
       </p:sp>
-      <mc:AlternateContent xmlns:mc="http://schemas.openxmlformats.org/markup-compatibility/2006" xmlns:a14="http://schemas.microsoft.com/office/drawing/2010/main">
-        <mc:Choice Requires="a14">
+      <mc:AlternateContent xmlns:mc="http://schemas.openxmlformats.org/markup-compatibility/2006">
+        <mc:Choice xmlns:a14="http://schemas.microsoft.com/office/drawing/2010/main" Requires="a14">
           <p:sp>
             <p:nvSpPr>
               <p:cNvPr id="8" name="Textfeld 7"/>
@@ -7937,7 +10948,7 @@
             </p:nvSpPr>
             <p:spPr>
               <a:xfrm>
-                <a:off x="7362678" y="4485134"/>
+                <a:off x="7377144" y="4548354"/>
                 <a:ext cx="1548822" cy="649601"/>
               </a:xfrm>
               <a:prstGeom prst="rect">
@@ -8018,7 +11029,7 @@
             </p:txBody>
           </p:sp>
         </mc:Choice>
-        <mc:Fallback xmlns="">
+        <mc:Fallback>
           <p:sp>
             <p:nvSpPr>
               <p:cNvPr id="8" name="Textfeld 7"/>
@@ -8029,13 +11040,13 @@
             </p:nvSpPr>
             <p:spPr>
               <a:xfrm>
-                <a:off x="7362678" y="4485134"/>
+                <a:off x="7377144" y="4548354"/>
                 <a:ext cx="1548822" cy="649601"/>
               </a:xfrm>
               <a:prstGeom prst="rect">
                 <a:avLst/>
               </a:prstGeom>
-              <a:blipFill rotWithShape="1">
+              <a:blipFill rotWithShape="0">
                 <a:blip r:embed="rId5"/>
                 <a:stretch>
                   <a:fillRect/>
@@ -8062,8 +11073,8 @@
           </p:sp>
         </mc:Fallback>
       </mc:AlternateContent>
-      <mc:AlternateContent xmlns:mc="http://schemas.openxmlformats.org/markup-compatibility/2006" xmlns:a14="http://schemas.microsoft.com/office/drawing/2010/main">
-        <mc:Choice Requires="a14">
+      <mc:AlternateContent xmlns:mc="http://schemas.openxmlformats.org/markup-compatibility/2006">
+        <mc:Choice xmlns:a14="http://schemas.microsoft.com/office/drawing/2010/main" Requires="a14">
           <p:sp>
             <p:nvSpPr>
               <p:cNvPr id="12" name="Textfeld 11"/>
@@ -8072,7 +11083,7 @@
             </p:nvSpPr>
             <p:spPr>
               <a:xfrm>
-                <a:off x="7380312" y="2656593"/>
+                <a:off x="7394778" y="2672252"/>
                 <a:ext cx="1513555" cy="612732"/>
               </a:xfrm>
               <a:prstGeom prst="rect">
@@ -8159,7 +11170,7 @@
             </p:txBody>
           </p:sp>
         </mc:Choice>
-        <mc:Fallback xmlns="">
+        <mc:Fallback>
           <p:sp>
             <p:nvSpPr>
               <p:cNvPr id="12" name="Textfeld 11"/>
@@ -8170,13 +11181,13 @@
             </p:nvSpPr>
             <p:spPr>
               <a:xfrm>
-                <a:off x="7380312" y="2656593"/>
+                <a:off x="7394778" y="2672252"/>
                 <a:ext cx="1513555" cy="612732"/>
               </a:xfrm>
               <a:prstGeom prst="rect">
                 <a:avLst/>
               </a:prstGeom>
-              <a:blipFill rotWithShape="1">
+              <a:blipFill rotWithShape="0">
                 <a:blip r:embed="rId6"/>
                 <a:stretch>
                   <a:fillRect/>
@@ -8211,7 +11222,7 @@
         </p:nvGrpSpPr>
         <p:grpSpPr>
           <a:xfrm>
-            <a:off x="6617729" y="5222053"/>
+            <a:off x="6007296" y="5374886"/>
             <a:ext cx="2452839" cy="1522400"/>
             <a:chOff x="6701549" y="5222053"/>
             <a:chExt cx="2452839" cy="1522400"/>
@@ -8832,6 +11843,1609 @@
 </p:sld>
 </file>
 
+<file path=ppt/slides/slide9.xml><?xml version="1.0" encoding="utf-8"?>
+<p:sld xmlns:a="http://schemas.openxmlformats.org/drawingml/2006/main" xmlns:r="http://schemas.openxmlformats.org/officeDocument/2006/relationships" xmlns:p="http://schemas.openxmlformats.org/presentationml/2006/main">
+  <p:cSld>
+    <p:spTree>
+      <p:nvGrpSpPr>
+        <p:cNvPr id="1" name=""/>
+        <p:cNvGrpSpPr/>
+        <p:nvPr/>
+      </p:nvGrpSpPr>
+      <p:grpSpPr>
+        <a:xfrm>
+          <a:off x="0" y="0"/>
+          <a:ext cx="0" cy="0"/>
+          <a:chOff x="0" y="0"/>
+          <a:chExt cx="0" cy="0"/>
+        </a:xfrm>
+      </p:grpSpPr>
+      <p:sp>
+        <p:nvSpPr>
+          <p:cNvPr id="2" name="Titel 1"/>
+          <p:cNvSpPr>
+            <a:spLocks noGrp="1"/>
+          </p:cNvSpPr>
+          <p:nvPr>
+            <p:ph type="title"/>
+          </p:nvPr>
+        </p:nvSpPr>
+        <p:spPr/>
+        <p:txBody>
+          <a:bodyPr/>
+          <a:lstStyle/>
+          <a:p>
+            <a:r>
+              <a:rPr lang="de-DE" dirty="0" err="1" smtClean="0"/>
+              <a:t>Sequence</a:t>
+            </a:r>
+            <a:r>
+              <a:rPr lang="de-DE" dirty="0" smtClean="0"/>
+              <a:t> </a:t>
+            </a:r>
+            <a:r>
+              <a:rPr lang="de-DE" dirty="0" err="1" smtClean="0"/>
+              <a:t>Types</a:t>
+            </a:r>
+            <a:endParaRPr lang="de-DE" dirty="0"/>
+          </a:p>
+        </p:txBody>
+      </p:sp>
+      <p:sp>
+        <p:nvSpPr>
+          <p:cNvPr id="3" name="Inhaltsplatzhalter 2"/>
+          <p:cNvSpPr>
+            <a:spLocks noGrp="1"/>
+          </p:cNvSpPr>
+          <p:nvPr>
+            <p:ph idx="1"/>
+          </p:nvPr>
+        </p:nvSpPr>
+        <p:spPr/>
+        <p:txBody>
+          <a:bodyPr/>
+          <a:lstStyle/>
+          <a:p>
+            <a:r>
+              <a:rPr lang="de-DE" dirty="0" err="1" smtClean="0"/>
+              <a:t>Classification</a:t>
+            </a:r>
+            <a:r>
+              <a:rPr lang="de-DE" dirty="0" smtClean="0"/>
+              <a:t> </a:t>
+            </a:r>
+            <a:r>
+              <a:rPr lang="de-DE" dirty="0" err="1" smtClean="0"/>
+              <a:t>of</a:t>
+            </a:r>
+            <a:r>
+              <a:rPr lang="de-DE" dirty="0" smtClean="0"/>
+              <a:t> z-</a:t>
+            </a:r>
+            <a:r>
+              <a:rPr lang="de-DE" dirty="0" err="1" smtClean="0"/>
+              <a:t>value</a:t>
+            </a:r>
+            <a:r>
+              <a:rPr lang="de-DE" dirty="0" smtClean="0"/>
+              <a:t> </a:t>
+            </a:r>
+            <a:r>
+              <a:rPr lang="de-DE" dirty="0" err="1" smtClean="0"/>
+              <a:t>patterns</a:t>
+            </a:r>
+            <a:endParaRPr lang="de-DE" dirty="0"/>
+          </a:p>
+        </p:txBody>
+      </p:sp>
+      <p:pic>
+        <p:nvPicPr>
+          <p:cNvPr id="4" name="Picture 3"/>
+          <p:cNvPicPr>
+            <a:picLocks noChangeAspect="1" noChangeArrowheads="1"/>
+          </p:cNvPicPr>
+          <p:nvPr/>
+        </p:nvPicPr>
+        <p:blipFill>
+          <a:blip r:embed="rId2">
+            <a:extLst>
+              <a:ext uri="{28A0092B-C50C-407E-A947-70E740481C1C}">
+                <a14:useLocalDpi xmlns:a14="http://schemas.microsoft.com/office/drawing/2010/main" val="0"/>
+              </a:ext>
+            </a:extLst>
+          </a:blip>
+          <a:srcRect/>
+          <a:stretch>
+            <a:fillRect/>
+          </a:stretch>
+        </p:blipFill>
+        <p:spPr bwMode="auto">
+          <a:xfrm>
+            <a:off x="3275856" y="1657176"/>
+            <a:ext cx="5543550" cy="962025"/>
+          </a:xfrm>
+          <a:prstGeom prst="rect">
+            <a:avLst/>
+          </a:prstGeom>
+          <a:noFill/>
+          <a:ln>
+            <a:noFill/>
+          </a:ln>
+          <a:effectLst/>
+          <a:extLst>
+            <a:ext uri="{909E8E84-426E-40DD-AFC4-6F175D3DCCD1}">
+              <a14:hiddenFill xmlns:a14="http://schemas.microsoft.com/office/drawing/2010/main">
+                <a:solidFill>
+                  <a:schemeClr val="accent1"/>
+                </a:solidFill>
+              </a14:hiddenFill>
+            </a:ext>
+            <a:ext uri="{91240B29-F687-4F45-9708-019B960494DF}">
+              <a14:hiddenLine xmlns:a14="http://schemas.microsoft.com/office/drawing/2010/main" w="9525">
+                <a:solidFill>
+                  <a:schemeClr val="tx1"/>
+                </a:solidFill>
+                <a:miter lim="800000"/>
+                <a:headEnd/>
+                <a:tailEnd/>
+              </a14:hiddenLine>
+            </a:ext>
+            <a:ext uri="{AF507438-7753-43E0-B8FC-AC1667EBCBE1}">
+              <a14:hiddenEffects xmlns:a14="http://schemas.microsoft.com/office/drawing/2010/main">
+                <a:effectLst>
+                  <a:outerShdw dist="35921" dir="2700000" algn="ctr" rotWithShape="0">
+                    <a:schemeClr val="bg2"/>
+                  </a:outerShdw>
+                </a:effectLst>
+              </a14:hiddenEffects>
+            </a:ext>
+          </a:extLst>
+        </p:spPr>
+      </p:pic>
+      <p:pic>
+        <p:nvPicPr>
+          <p:cNvPr id="6" name="Picture 3"/>
+          <p:cNvPicPr>
+            <a:picLocks noChangeAspect="1" noChangeArrowheads="1"/>
+          </p:cNvPicPr>
+          <p:nvPr/>
+        </p:nvPicPr>
+        <p:blipFill>
+          <a:blip r:embed="rId3" cstate="print">
+            <a:extLst>
+              <a:ext uri="{28A0092B-C50C-407E-A947-70E740481C1C}">
+                <a14:useLocalDpi xmlns:a14="http://schemas.microsoft.com/office/drawing/2010/main" val="0"/>
+              </a:ext>
+            </a:extLst>
+          </a:blip>
+          <a:srcRect/>
+          <a:stretch>
+            <a:fillRect/>
+          </a:stretch>
+        </p:blipFill>
+        <p:spPr bwMode="auto">
+          <a:xfrm>
+            <a:off x="996630" y="4222845"/>
+            <a:ext cx="1661304" cy="649281"/>
+          </a:xfrm>
+          <a:prstGeom prst="rect">
+            <a:avLst/>
+          </a:prstGeom>
+          <a:noFill/>
+          <a:ln>
+            <a:noFill/>
+          </a:ln>
+          <a:effectLst/>
+          <a:extLst>
+            <a:ext uri="{909E8E84-426E-40DD-AFC4-6F175D3DCCD1}">
+              <a14:hiddenFill xmlns:a14="http://schemas.microsoft.com/office/drawing/2010/main">
+                <a:solidFill>
+                  <a:schemeClr val="accent1"/>
+                </a:solidFill>
+              </a14:hiddenFill>
+            </a:ext>
+            <a:ext uri="{91240B29-F687-4F45-9708-019B960494DF}">
+              <a14:hiddenLine xmlns:a14="http://schemas.microsoft.com/office/drawing/2010/main" w="9525">
+                <a:solidFill>
+                  <a:schemeClr val="tx1"/>
+                </a:solidFill>
+                <a:miter lim="800000"/>
+                <a:headEnd/>
+                <a:tailEnd/>
+              </a14:hiddenLine>
+            </a:ext>
+            <a:ext uri="{AF507438-7753-43E0-B8FC-AC1667EBCBE1}">
+              <a14:hiddenEffects xmlns:a14="http://schemas.microsoft.com/office/drawing/2010/main">
+                <a:effectLst>
+                  <a:outerShdw dist="35921" dir="2700000" algn="ctr" rotWithShape="0">
+                    <a:schemeClr val="bg2"/>
+                  </a:outerShdw>
+                </a:effectLst>
+              </a14:hiddenEffects>
+            </a:ext>
+          </a:extLst>
+        </p:spPr>
+      </p:pic>
+      <p:pic>
+        <p:nvPicPr>
+          <p:cNvPr id="7" name="Picture 4"/>
+          <p:cNvPicPr>
+            <a:picLocks noChangeAspect="1" noChangeArrowheads="1"/>
+          </p:cNvPicPr>
+          <p:nvPr/>
+        </p:nvPicPr>
+        <p:blipFill>
+          <a:blip r:embed="rId4" cstate="print">
+            <a:extLst>
+              <a:ext uri="{28A0092B-C50C-407E-A947-70E740481C1C}">
+                <a14:useLocalDpi xmlns:a14="http://schemas.microsoft.com/office/drawing/2010/main" val="0"/>
+              </a:ext>
+            </a:extLst>
+          </a:blip>
+          <a:srcRect/>
+          <a:stretch>
+            <a:fillRect/>
+          </a:stretch>
+        </p:blipFill>
+        <p:spPr bwMode="auto">
+          <a:xfrm>
+            <a:off x="3530561" y="4827254"/>
+            <a:ext cx="1661304" cy="649281"/>
+          </a:xfrm>
+          <a:prstGeom prst="rect">
+            <a:avLst/>
+          </a:prstGeom>
+          <a:noFill/>
+          <a:ln>
+            <a:noFill/>
+          </a:ln>
+          <a:effectLst/>
+          <a:extLst>
+            <a:ext uri="{909E8E84-426E-40DD-AFC4-6F175D3DCCD1}">
+              <a14:hiddenFill xmlns:a14="http://schemas.microsoft.com/office/drawing/2010/main">
+                <a:solidFill>
+                  <a:schemeClr val="accent1"/>
+                </a:solidFill>
+              </a14:hiddenFill>
+            </a:ext>
+            <a:ext uri="{91240B29-F687-4F45-9708-019B960494DF}">
+              <a14:hiddenLine xmlns:a14="http://schemas.microsoft.com/office/drawing/2010/main" w="9525">
+                <a:solidFill>
+                  <a:schemeClr val="tx1"/>
+                </a:solidFill>
+                <a:miter lim="800000"/>
+                <a:headEnd/>
+                <a:tailEnd/>
+              </a14:hiddenLine>
+            </a:ext>
+            <a:ext uri="{AF507438-7753-43E0-B8FC-AC1667EBCBE1}">
+              <a14:hiddenEffects xmlns:a14="http://schemas.microsoft.com/office/drawing/2010/main">
+                <a:effectLst>
+                  <a:outerShdw dist="35921" dir="2700000" algn="ctr" rotWithShape="0">
+                    <a:schemeClr val="bg2"/>
+                  </a:outerShdw>
+                </a:effectLst>
+              </a14:hiddenEffects>
+            </a:ext>
+          </a:extLst>
+        </p:spPr>
+      </p:pic>
+      <p:pic>
+        <p:nvPicPr>
+          <p:cNvPr id="8" name="Picture 5"/>
+          <p:cNvPicPr>
+            <a:picLocks noChangeAspect="1" noChangeArrowheads="1"/>
+          </p:cNvPicPr>
+          <p:nvPr/>
+        </p:nvPicPr>
+        <p:blipFill>
+          <a:blip r:embed="rId5" cstate="print">
+            <a:extLst>
+              <a:ext uri="{28A0092B-C50C-407E-A947-70E740481C1C}">
+                <a14:useLocalDpi xmlns:a14="http://schemas.microsoft.com/office/drawing/2010/main" val="0"/>
+              </a:ext>
+            </a:extLst>
+          </a:blip>
+          <a:srcRect/>
+          <a:stretch>
+            <a:fillRect/>
+          </a:stretch>
+        </p:blipFill>
+        <p:spPr bwMode="auto">
+          <a:xfrm>
+            <a:off x="5648238" y="5479965"/>
+            <a:ext cx="1661304" cy="649281"/>
+          </a:xfrm>
+          <a:prstGeom prst="rect">
+            <a:avLst/>
+          </a:prstGeom>
+          <a:noFill/>
+          <a:ln>
+            <a:noFill/>
+          </a:ln>
+          <a:effectLst/>
+          <a:extLst>
+            <a:ext uri="{909E8E84-426E-40DD-AFC4-6F175D3DCCD1}">
+              <a14:hiddenFill xmlns:a14="http://schemas.microsoft.com/office/drawing/2010/main">
+                <a:solidFill>
+                  <a:schemeClr val="accent1"/>
+                </a:solidFill>
+              </a14:hiddenFill>
+            </a:ext>
+            <a:ext uri="{91240B29-F687-4F45-9708-019B960494DF}">
+              <a14:hiddenLine xmlns:a14="http://schemas.microsoft.com/office/drawing/2010/main" w="9525">
+                <a:solidFill>
+                  <a:schemeClr val="tx1"/>
+                </a:solidFill>
+                <a:miter lim="800000"/>
+                <a:headEnd/>
+                <a:tailEnd/>
+              </a14:hiddenLine>
+            </a:ext>
+            <a:ext uri="{AF507438-7753-43E0-B8FC-AC1667EBCBE1}">
+              <a14:hiddenEffects xmlns:a14="http://schemas.microsoft.com/office/drawing/2010/main">
+                <a:effectLst>
+                  <a:outerShdw dist="35921" dir="2700000" algn="ctr" rotWithShape="0">
+                    <a:schemeClr val="bg2"/>
+                  </a:outerShdw>
+                </a:effectLst>
+              </a14:hiddenEffects>
+            </a:ext>
+          </a:extLst>
+        </p:spPr>
+      </p:pic>
+      <p:sp>
+        <p:nvSpPr>
+          <p:cNvPr id="9" name="Ellipse 8"/>
+          <p:cNvSpPr/>
+          <p:nvPr/>
+        </p:nvSpPr>
+        <p:spPr>
+          <a:xfrm>
+            <a:off x="941382" y="4121447"/>
+            <a:ext cx="274320" cy="274320"/>
+          </a:xfrm>
+          <a:prstGeom prst="ellipse">
+            <a:avLst/>
+          </a:prstGeom>
+          <a:solidFill>
+            <a:schemeClr val="bg1"/>
+          </a:solidFill>
+        </p:spPr>
+        <p:style>
+          <a:lnRef idx="2">
+            <a:schemeClr val="accent1">
+              <a:shade val="50000"/>
+            </a:schemeClr>
+          </a:lnRef>
+          <a:fillRef idx="1">
+            <a:schemeClr val="accent1"/>
+          </a:fillRef>
+          <a:effectRef idx="0">
+            <a:schemeClr val="accent1"/>
+          </a:effectRef>
+          <a:fontRef idx="minor">
+            <a:schemeClr val="lt1"/>
+          </a:fontRef>
+        </p:style>
+        <p:txBody>
+          <a:bodyPr rtlCol="0" anchor="ctr"/>
+          <a:lstStyle/>
+          <a:p>
+            <a:pPr algn="ctr"/>
+            <a:r>
+              <a:rPr lang="de-DE" sz="1600" b="1" dirty="0" smtClean="0">
+                <a:solidFill>
+                  <a:schemeClr val="tx1"/>
+                </a:solidFill>
+                <a:latin typeface="Arial Narrow" panose="020B0606020202030204" pitchFamily="34" charset="0"/>
+              </a:rPr>
+              <a:t>A</a:t>
+            </a:r>
+            <a:endParaRPr lang="de-DE" sz="1600" dirty="0">
+              <a:solidFill>
+                <a:schemeClr val="tx1"/>
+              </a:solidFill>
+              <a:latin typeface="Arial Narrow" panose="020B0606020202030204" pitchFamily="34" charset="0"/>
+            </a:endParaRPr>
+          </a:p>
+        </p:txBody>
+      </p:sp>
+      <p:sp>
+        <p:nvSpPr>
+          <p:cNvPr id="10" name="Ellipse 9"/>
+          <p:cNvSpPr/>
+          <p:nvPr/>
+        </p:nvSpPr>
+        <p:spPr>
+          <a:xfrm>
+            <a:off x="3475313" y="4678204"/>
+            <a:ext cx="274320" cy="274320"/>
+          </a:xfrm>
+          <a:prstGeom prst="ellipse">
+            <a:avLst/>
+          </a:prstGeom>
+          <a:solidFill>
+            <a:schemeClr val="bg1"/>
+          </a:solidFill>
+        </p:spPr>
+        <p:style>
+          <a:lnRef idx="2">
+            <a:schemeClr val="accent1">
+              <a:shade val="50000"/>
+            </a:schemeClr>
+          </a:lnRef>
+          <a:fillRef idx="1">
+            <a:schemeClr val="accent1"/>
+          </a:fillRef>
+          <a:effectRef idx="0">
+            <a:schemeClr val="accent1"/>
+          </a:effectRef>
+          <a:fontRef idx="minor">
+            <a:schemeClr val="lt1"/>
+          </a:fontRef>
+        </p:style>
+        <p:txBody>
+          <a:bodyPr rtlCol="0" anchor="ctr"/>
+          <a:lstStyle/>
+          <a:p>
+            <a:pPr algn="ctr"/>
+            <a:r>
+              <a:rPr lang="de-DE" sz="1600" b="1" dirty="0" smtClean="0">
+                <a:solidFill>
+                  <a:schemeClr val="tx1"/>
+                </a:solidFill>
+                <a:latin typeface="Arial Narrow" panose="020B0606020202030204" pitchFamily="34" charset="0"/>
+              </a:rPr>
+              <a:t>B</a:t>
+            </a:r>
+            <a:endParaRPr lang="de-DE" sz="1600" dirty="0">
+              <a:solidFill>
+                <a:schemeClr val="tx1"/>
+              </a:solidFill>
+              <a:latin typeface="Arial Narrow" panose="020B0606020202030204" pitchFamily="34" charset="0"/>
+            </a:endParaRPr>
+          </a:p>
+        </p:txBody>
+      </p:sp>
+      <p:sp>
+        <p:nvSpPr>
+          <p:cNvPr id="11" name="Ellipse 10"/>
+          <p:cNvSpPr/>
+          <p:nvPr/>
+        </p:nvSpPr>
+        <p:spPr>
+          <a:xfrm>
+            <a:off x="5592990" y="5340754"/>
+            <a:ext cx="274320" cy="274320"/>
+          </a:xfrm>
+          <a:prstGeom prst="ellipse">
+            <a:avLst/>
+          </a:prstGeom>
+          <a:solidFill>
+            <a:schemeClr val="bg1"/>
+          </a:solidFill>
+        </p:spPr>
+        <p:style>
+          <a:lnRef idx="2">
+            <a:schemeClr val="accent1">
+              <a:shade val="50000"/>
+            </a:schemeClr>
+          </a:lnRef>
+          <a:fillRef idx="1">
+            <a:schemeClr val="accent1"/>
+          </a:fillRef>
+          <a:effectRef idx="0">
+            <a:schemeClr val="accent1"/>
+          </a:effectRef>
+          <a:fontRef idx="minor">
+            <a:schemeClr val="lt1"/>
+          </a:fontRef>
+        </p:style>
+        <p:txBody>
+          <a:bodyPr rtlCol="0" anchor="ctr"/>
+          <a:lstStyle/>
+          <a:p>
+            <a:pPr algn="ctr"/>
+            <a:r>
+              <a:rPr lang="de-DE" sz="1600" b="1" dirty="0" smtClean="0">
+                <a:solidFill>
+                  <a:schemeClr val="tx1"/>
+                </a:solidFill>
+                <a:latin typeface="Arial Narrow" panose="020B0606020202030204" pitchFamily="34" charset="0"/>
+              </a:rPr>
+              <a:t>C</a:t>
+            </a:r>
+            <a:endParaRPr lang="de-DE" sz="1600" dirty="0">
+              <a:solidFill>
+                <a:schemeClr val="tx1"/>
+              </a:solidFill>
+              <a:latin typeface="Arial Narrow" panose="020B0606020202030204" pitchFamily="34" charset="0"/>
+            </a:endParaRPr>
+          </a:p>
+        </p:txBody>
+      </p:sp>
+      <p:sp>
+        <p:nvSpPr>
+          <p:cNvPr id="12" name="Textfeld 11"/>
+          <p:cNvSpPr txBox="1"/>
+          <p:nvPr/>
+        </p:nvSpPr>
+        <p:spPr>
+          <a:xfrm>
+            <a:off x="1835696" y="3933056"/>
+            <a:ext cx="1899174" cy="369332"/>
+          </a:xfrm>
+          <a:prstGeom prst="rect">
+            <a:avLst/>
+          </a:prstGeom>
+        </p:spPr>
+        <p:style>
+          <a:lnRef idx="2">
+            <a:schemeClr val="accent2">
+              <a:shade val="50000"/>
+            </a:schemeClr>
+          </a:lnRef>
+          <a:fillRef idx="1">
+            <a:schemeClr val="accent2"/>
+          </a:fillRef>
+          <a:effectRef idx="0">
+            <a:schemeClr val="accent2"/>
+          </a:effectRef>
+          <a:fontRef idx="minor">
+            <a:schemeClr val="lt1"/>
+          </a:fontRef>
+        </p:style>
+        <p:txBody>
+          <a:bodyPr wrap="none" rtlCol="0">
+            <a:spAutoFit/>
+          </a:bodyPr>
+          <a:lstStyle/>
+          <a:p>
+            <a:r>
+              <a:rPr lang="de-DE" dirty="0" smtClean="0"/>
+              <a:t>Common </a:t>
+            </a:r>
+            <a:r>
+              <a:rPr lang="de-DE" dirty="0" err="1" smtClean="0"/>
+              <a:t>life</a:t>
+            </a:r>
+            <a:r>
+              <a:rPr lang="de-DE" dirty="0" smtClean="0"/>
+              <a:t> </a:t>
+            </a:r>
+            <a:r>
+              <a:rPr lang="de-DE" dirty="0" err="1" smtClean="0"/>
+              <a:t>cycle</a:t>
+            </a:r>
+            <a:endParaRPr lang="de-DE" dirty="0"/>
+          </a:p>
+        </p:txBody>
+      </p:sp>
+      <p:sp>
+        <p:nvSpPr>
+          <p:cNvPr id="13" name="Textfeld 12"/>
+          <p:cNvSpPr txBox="1"/>
+          <p:nvPr/>
+        </p:nvSpPr>
+        <p:spPr>
+          <a:xfrm>
+            <a:off x="4292037" y="4506460"/>
+            <a:ext cx="2030364" cy="369332"/>
+          </a:xfrm>
+          <a:prstGeom prst="rect">
+            <a:avLst/>
+          </a:prstGeom>
+        </p:spPr>
+        <p:style>
+          <a:lnRef idx="2">
+            <a:schemeClr val="accent2">
+              <a:shade val="50000"/>
+            </a:schemeClr>
+          </a:lnRef>
+          <a:fillRef idx="1">
+            <a:schemeClr val="accent2"/>
+          </a:fillRef>
+          <a:effectRef idx="0">
+            <a:schemeClr val="accent2"/>
+          </a:effectRef>
+          <a:fontRef idx="minor">
+            <a:schemeClr val="lt1"/>
+          </a:fontRef>
+        </p:style>
+        <p:txBody>
+          <a:bodyPr wrap="none" rtlCol="0">
+            <a:spAutoFit/>
+          </a:bodyPr>
+          <a:lstStyle/>
+          <a:p>
+            <a:r>
+              <a:rPr lang="de-DE" dirty="0" smtClean="0"/>
+              <a:t>Constant Performer</a:t>
+            </a:r>
+            <a:endParaRPr lang="de-DE" dirty="0"/>
+          </a:p>
+        </p:txBody>
+      </p:sp>
+      <p:sp>
+        <p:nvSpPr>
+          <p:cNvPr id="14" name="Textfeld 13"/>
+          <p:cNvSpPr txBox="1"/>
+          <p:nvPr/>
+        </p:nvSpPr>
+        <p:spPr>
+          <a:xfrm>
+            <a:off x="6315396" y="5107203"/>
+            <a:ext cx="1686680" cy="369332"/>
+          </a:xfrm>
+          <a:prstGeom prst="rect">
+            <a:avLst/>
+          </a:prstGeom>
+        </p:spPr>
+        <p:style>
+          <a:lnRef idx="2">
+            <a:schemeClr val="accent2">
+              <a:shade val="50000"/>
+            </a:schemeClr>
+          </a:lnRef>
+          <a:fillRef idx="1">
+            <a:schemeClr val="accent2"/>
+          </a:fillRef>
+          <a:effectRef idx="0">
+            <a:schemeClr val="accent2"/>
+          </a:effectRef>
+          <a:fontRef idx="minor">
+            <a:schemeClr val="lt1"/>
+          </a:fontRef>
+        </p:style>
+        <p:txBody>
+          <a:bodyPr wrap="none" rtlCol="0">
+            <a:spAutoFit/>
+          </a:bodyPr>
+          <a:lstStyle/>
+          <a:p>
+            <a:r>
+              <a:rPr lang="de-DE" dirty="0" err="1" smtClean="0"/>
+              <a:t>Sleeping</a:t>
+            </a:r>
+            <a:r>
+              <a:rPr lang="de-DE" dirty="0" smtClean="0"/>
+              <a:t> Beauty</a:t>
+            </a:r>
+            <a:endParaRPr lang="de-DE" dirty="0"/>
+          </a:p>
+        </p:txBody>
+      </p:sp>
+      <p:graphicFrame>
+        <p:nvGraphicFramePr>
+          <p:cNvPr id="15" name="Tabelle 14"/>
+          <p:cNvGraphicFramePr>
+            <a:graphicFrameLocks noGrp="1"/>
+          </p:cNvGraphicFramePr>
+          <p:nvPr>
+            <p:extLst>
+              <p:ext uri="{D42A27DB-BD31-4B8C-83A1-F6EECF244321}">
+                <p14:modId xmlns:p14="http://schemas.microsoft.com/office/powerpoint/2010/main" val="2455319167"/>
+              </p:ext>
+            </p:extLst>
+          </p:nvPr>
+        </p:nvGraphicFramePr>
+        <p:xfrm>
+          <a:off x="1076270" y="4807496"/>
+          <a:ext cx="1509654" cy="216024"/>
+        </p:xfrm>
+        <a:graphic>
+          <a:graphicData uri="http://schemas.openxmlformats.org/drawingml/2006/table">
+            <a:tbl>
+              <a:tblPr firstRow="1" bandRow="1">
+                <a:tableStyleId>{5C22544A-7EE6-4342-B048-85BDC9FD1C3A}</a:tableStyleId>
+              </a:tblPr>
+              <a:tblGrid>
+                <a:gridCol w="251609"/>
+                <a:gridCol w="251609"/>
+                <a:gridCol w="251609"/>
+                <a:gridCol w="251609"/>
+                <a:gridCol w="251609"/>
+                <a:gridCol w="251609"/>
+              </a:tblGrid>
+              <a:tr h="216024">
+                <a:tc>
+                  <a:txBody>
+                    <a:bodyPr/>
+                    <a:lstStyle/>
+                    <a:p>
+                      <a:endParaRPr lang="de-DE" sz="1100" dirty="0"/>
+                    </a:p>
+                  </a:txBody>
+                  <a:tcPr marL="0" marR="0" marT="0" marB="0">
+                    <a:solidFill>
+                      <a:srgbClr val="FFFF00"/>
+                    </a:solidFill>
+                  </a:tcPr>
+                </a:tc>
+                <a:tc>
+                  <a:txBody>
+                    <a:bodyPr/>
+                    <a:lstStyle/>
+                    <a:p>
+                      <a:endParaRPr lang="de-DE" sz="1100" dirty="0"/>
+                    </a:p>
+                  </a:txBody>
+                  <a:tcPr marL="0" marR="0" marT="0" marB="0">
+                    <a:solidFill>
+                      <a:schemeClr val="accent3">
+                        <a:lumMod val="60000"/>
+                        <a:lumOff val="40000"/>
+                      </a:schemeClr>
+                    </a:solidFill>
+                  </a:tcPr>
+                </a:tc>
+                <a:tc>
+                  <a:txBody>
+                    <a:bodyPr/>
+                    <a:lstStyle/>
+                    <a:p>
+                      <a:endParaRPr lang="de-DE" sz="1100" dirty="0"/>
+                    </a:p>
+                  </a:txBody>
+                  <a:tcPr marL="0" marR="0" marT="0" marB="0">
+                    <a:solidFill>
+                      <a:schemeClr val="accent3">
+                        <a:lumMod val="60000"/>
+                        <a:lumOff val="40000"/>
+                      </a:schemeClr>
+                    </a:solidFill>
+                  </a:tcPr>
+                </a:tc>
+                <a:tc>
+                  <a:txBody>
+                    <a:bodyPr/>
+                    <a:lstStyle/>
+                    <a:p>
+                      <a:endParaRPr lang="de-DE" sz="1100" dirty="0"/>
+                    </a:p>
+                  </a:txBody>
+                  <a:tcPr marL="0" marR="0" marT="0" marB="0">
+                    <a:solidFill>
+                      <a:srgbClr val="FFFF00"/>
+                    </a:solidFill>
+                  </a:tcPr>
+                </a:tc>
+                <a:tc>
+                  <a:txBody>
+                    <a:bodyPr/>
+                    <a:lstStyle/>
+                    <a:p>
+                      <a:endParaRPr lang="de-DE" sz="1100" dirty="0"/>
+                    </a:p>
+                  </a:txBody>
+                  <a:tcPr marL="0" marR="0" marT="0" marB="0">
+                    <a:solidFill>
+                      <a:schemeClr val="accent2">
+                        <a:lumMod val="40000"/>
+                        <a:lumOff val="60000"/>
+                      </a:schemeClr>
+                    </a:solidFill>
+                  </a:tcPr>
+                </a:tc>
+                <a:tc>
+                  <a:txBody>
+                    <a:bodyPr/>
+                    <a:lstStyle/>
+                    <a:p>
+                      <a:endParaRPr lang="de-DE" sz="1100" dirty="0"/>
+                    </a:p>
+                  </a:txBody>
+                  <a:tcPr marL="0" marR="0" marT="0" marB="0">
+                    <a:solidFill>
+                      <a:schemeClr val="accent2">
+                        <a:lumMod val="40000"/>
+                        <a:lumOff val="60000"/>
+                      </a:schemeClr>
+                    </a:solidFill>
+                  </a:tcPr>
+                </a:tc>
+              </a:tr>
+            </a:tbl>
+          </a:graphicData>
+        </a:graphic>
+      </p:graphicFrame>
+      <p:graphicFrame>
+        <p:nvGraphicFramePr>
+          <p:cNvPr id="16" name="Tabelle 15"/>
+          <p:cNvGraphicFramePr>
+            <a:graphicFrameLocks noGrp="1"/>
+          </p:cNvGraphicFramePr>
+          <p:nvPr>
+            <p:extLst>
+              <p:ext uri="{D42A27DB-BD31-4B8C-83A1-F6EECF244321}">
+                <p14:modId xmlns:p14="http://schemas.microsoft.com/office/powerpoint/2010/main" val="180576241"/>
+              </p:ext>
+            </p:extLst>
+          </p:nvPr>
+        </p:nvGraphicFramePr>
+        <p:xfrm>
+          <a:off x="3606386" y="5425209"/>
+          <a:ext cx="1509654" cy="216024"/>
+        </p:xfrm>
+        <a:graphic>
+          <a:graphicData uri="http://schemas.openxmlformats.org/drawingml/2006/table">
+            <a:tbl>
+              <a:tblPr firstRow="1" bandRow="1">
+                <a:tableStyleId>{5C22544A-7EE6-4342-B048-85BDC9FD1C3A}</a:tableStyleId>
+              </a:tblPr>
+              <a:tblGrid>
+                <a:gridCol w="251609"/>
+                <a:gridCol w="251609"/>
+                <a:gridCol w="251609"/>
+                <a:gridCol w="251609"/>
+                <a:gridCol w="251609"/>
+                <a:gridCol w="251609"/>
+              </a:tblGrid>
+              <a:tr h="216024">
+                <a:tc>
+                  <a:txBody>
+                    <a:bodyPr/>
+                    <a:lstStyle/>
+                    <a:p>
+                      <a:endParaRPr lang="de-DE" sz="1100" dirty="0"/>
+                    </a:p>
+                  </a:txBody>
+                  <a:tcPr marL="0" marR="0" marT="0" marB="0">
+                    <a:solidFill>
+                      <a:srgbClr val="FFFF00"/>
+                    </a:solidFill>
+                  </a:tcPr>
+                </a:tc>
+                <a:tc>
+                  <a:txBody>
+                    <a:bodyPr/>
+                    <a:lstStyle/>
+                    <a:p>
+                      <a:endParaRPr lang="de-DE" sz="1100" dirty="0"/>
+                    </a:p>
+                  </a:txBody>
+                  <a:tcPr marL="0" marR="0" marT="0" marB="0">
+                    <a:solidFill>
+                      <a:srgbClr val="FFFF00"/>
+                    </a:solidFill>
+                  </a:tcPr>
+                </a:tc>
+                <a:tc>
+                  <a:txBody>
+                    <a:bodyPr/>
+                    <a:lstStyle/>
+                    <a:p>
+                      <a:endParaRPr lang="de-DE" sz="1100" dirty="0"/>
+                    </a:p>
+                  </a:txBody>
+                  <a:tcPr marL="0" marR="0" marT="0" marB="0">
+                    <a:solidFill>
+                      <a:srgbClr val="FFFF00"/>
+                    </a:solidFill>
+                  </a:tcPr>
+                </a:tc>
+                <a:tc>
+                  <a:txBody>
+                    <a:bodyPr/>
+                    <a:lstStyle/>
+                    <a:p>
+                      <a:endParaRPr lang="de-DE" sz="1100" dirty="0"/>
+                    </a:p>
+                  </a:txBody>
+                  <a:tcPr marL="0" marR="0" marT="0" marB="0">
+                    <a:solidFill>
+                      <a:srgbClr val="FFFF00"/>
+                    </a:solidFill>
+                  </a:tcPr>
+                </a:tc>
+                <a:tc>
+                  <a:txBody>
+                    <a:bodyPr/>
+                    <a:lstStyle/>
+                    <a:p>
+                      <a:endParaRPr lang="de-DE" sz="1100" dirty="0"/>
+                    </a:p>
+                  </a:txBody>
+                  <a:tcPr marL="0" marR="0" marT="0" marB="0">
+                    <a:solidFill>
+                      <a:srgbClr val="FFFF00"/>
+                    </a:solidFill>
+                  </a:tcPr>
+                </a:tc>
+                <a:tc>
+                  <a:txBody>
+                    <a:bodyPr/>
+                    <a:lstStyle/>
+                    <a:p>
+                      <a:endParaRPr lang="de-DE" sz="1100" dirty="0"/>
+                    </a:p>
+                  </a:txBody>
+                  <a:tcPr marL="0" marR="0" marT="0" marB="0">
+                    <a:solidFill>
+                      <a:srgbClr val="FFFF00"/>
+                    </a:solidFill>
+                  </a:tcPr>
+                </a:tc>
+              </a:tr>
+            </a:tbl>
+          </a:graphicData>
+        </a:graphic>
+      </p:graphicFrame>
+      <p:graphicFrame>
+        <p:nvGraphicFramePr>
+          <p:cNvPr id="17" name="Tabelle 16"/>
+          <p:cNvGraphicFramePr>
+            <a:graphicFrameLocks noGrp="1"/>
+          </p:cNvGraphicFramePr>
+          <p:nvPr>
+            <p:extLst>
+              <p:ext uri="{D42A27DB-BD31-4B8C-83A1-F6EECF244321}">
+                <p14:modId xmlns:p14="http://schemas.microsoft.com/office/powerpoint/2010/main" val="3935047982"/>
+              </p:ext>
+            </p:extLst>
+          </p:nvPr>
+        </p:nvGraphicFramePr>
+        <p:xfrm>
+          <a:off x="5724063" y="6096838"/>
+          <a:ext cx="1509654" cy="216024"/>
+        </p:xfrm>
+        <a:graphic>
+          <a:graphicData uri="http://schemas.openxmlformats.org/drawingml/2006/table">
+            <a:tbl>
+              <a:tblPr firstRow="1" bandRow="1">
+                <a:tableStyleId>{5C22544A-7EE6-4342-B048-85BDC9FD1C3A}</a:tableStyleId>
+              </a:tblPr>
+              <a:tblGrid>
+                <a:gridCol w="251609"/>
+                <a:gridCol w="251609"/>
+                <a:gridCol w="251609"/>
+                <a:gridCol w="251609"/>
+                <a:gridCol w="251609"/>
+                <a:gridCol w="251609"/>
+              </a:tblGrid>
+              <a:tr h="216024">
+                <a:tc>
+                  <a:txBody>
+                    <a:bodyPr/>
+                    <a:lstStyle/>
+                    <a:p>
+                      <a:endParaRPr lang="de-DE" sz="1100" dirty="0"/>
+                    </a:p>
+                  </a:txBody>
+                  <a:tcPr marL="0" marR="0" marT="0" marB="0">
+                    <a:solidFill>
+                      <a:schemeClr val="accent2">
+                        <a:lumMod val="40000"/>
+                        <a:lumOff val="60000"/>
+                      </a:schemeClr>
+                    </a:solidFill>
+                  </a:tcPr>
+                </a:tc>
+                <a:tc>
+                  <a:txBody>
+                    <a:bodyPr/>
+                    <a:lstStyle/>
+                    <a:p>
+                      <a:endParaRPr lang="de-DE" sz="1100" dirty="0"/>
+                    </a:p>
+                  </a:txBody>
+                  <a:tcPr marL="0" marR="0" marT="0" marB="0">
+                    <a:solidFill>
+                      <a:schemeClr val="accent2">
+                        <a:lumMod val="40000"/>
+                        <a:lumOff val="60000"/>
+                      </a:schemeClr>
+                    </a:solidFill>
+                  </a:tcPr>
+                </a:tc>
+                <a:tc>
+                  <a:txBody>
+                    <a:bodyPr/>
+                    <a:lstStyle/>
+                    <a:p>
+                      <a:endParaRPr lang="de-DE" sz="1100" dirty="0"/>
+                    </a:p>
+                  </a:txBody>
+                  <a:tcPr marL="0" marR="0" marT="0" marB="0">
+                    <a:solidFill>
+                      <a:schemeClr val="accent2">
+                        <a:lumMod val="40000"/>
+                        <a:lumOff val="60000"/>
+                      </a:schemeClr>
+                    </a:solidFill>
+                  </a:tcPr>
+                </a:tc>
+                <a:tc>
+                  <a:txBody>
+                    <a:bodyPr/>
+                    <a:lstStyle/>
+                    <a:p>
+                      <a:endParaRPr lang="de-DE" sz="1100" dirty="0"/>
+                    </a:p>
+                  </a:txBody>
+                  <a:tcPr marL="0" marR="0" marT="0" marB="0">
+                    <a:solidFill>
+                      <a:srgbClr val="FFFF00"/>
+                    </a:solidFill>
+                  </a:tcPr>
+                </a:tc>
+                <a:tc>
+                  <a:txBody>
+                    <a:bodyPr/>
+                    <a:lstStyle/>
+                    <a:p>
+                      <a:endParaRPr lang="de-DE" sz="1100" dirty="0"/>
+                    </a:p>
+                  </a:txBody>
+                  <a:tcPr marL="0" marR="0" marT="0" marB="0">
+                    <a:solidFill>
+                      <a:schemeClr val="accent3">
+                        <a:lumMod val="60000"/>
+                        <a:lumOff val="40000"/>
+                      </a:schemeClr>
+                    </a:solidFill>
+                  </a:tcPr>
+                </a:tc>
+                <a:tc>
+                  <a:txBody>
+                    <a:bodyPr/>
+                    <a:lstStyle/>
+                    <a:p>
+                      <a:endParaRPr lang="de-DE" sz="1100" dirty="0"/>
+                    </a:p>
+                  </a:txBody>
+                  <a:tcPr marL="0" marR="0" marT="0" marB="0">
+                    <a:solidFill>
+                      <a:schemeClr val="accent3">
+                        <a:lumMod val="60000"/>
+                        <a:lumOff val="40000"/>
+                      </a:schemeClr>
+                    </a:solidFill>
+                  </a:tcPr>
+                </a:tc>
+              </a:tr>
+            </a:tbl>
+          </a:graphicData>
+        </a:graphic>
+      </p:graphicFrame>
+    </p:spTree>
+    <p:extLst>
+      <p:ext uri="{BB962C8B-B14F-4D97-AF65-F5344CB8AC3E}">
+        <p14:creationId xmlns:p14="http://schemas.microsoft.com/office/powerpoint/2010/main" val="2340865666"/>
+      </p:ext>
+    </p:extLst>
+  </p:cSld>
+  <p:clrMapOvr>
+    <a:masterClrMapping/>
+  </p:clrMapOvr>
+  <p:timing>
+    <p:tnLst>
+      <p:par>
+        <p:cTn id="1" dur="indefinite" restart="never" nodeType="tmRoot">
+          <p:childTnLst>
+            <p:seq concurrent="1" nextAc="seek">
+              <p:cTn id="2" dur="indefinite" nodeType="mainSeq">
+                <p:childTnLst>
+                  <p:par>
+                    <p:cTn id="3" fill="hold">
+                      <p:stCondLst>
+                        <p:cond delay="indefinite"/>
+                      </p:stCondLst>
+                      <p:childTnLst>
+                        <p:par>
+                          <p:cTn id="4" fill="hold">
+                            <p:stCondLst>
+                              <p:cond delay="0"/>
+                            </p:stCondLst>
+                            <p:childTnLst>
+                              <p:par>
+                                <p:cTn id="5" presetID="1" presetClass="entr" presetSubtype="0" fill="hold" grpId="0" nodeType="clickEffect">
+                                  <p:stCondLst>
+                                    <p:cond delay="0"/>
+                                  </p:stCondLst>
+                                  <p:childTnLst>
+                                    <p:set>
+                                      <p:cBhvr>
+                                        <p:cTn id="6" dur="1" fill="hold">
+                                          <p:stCondLst>
+                                            <p:cond delay="0"/>
+                                          </p:stCondLst>
+                                        </p:cTn>
+                                        <p:tgtEl>
+                                          <p:spTgt spid="9"/>
+                                        </p:tgtEl>
+                                        <p:attrNameLst>
+                                          <p:attrName>style.visibility</p:attrName>
+                                        </p:attrNameLst>
+                                      </p:cBhvr>
+                                      <p:to>
+                                        <p:strVal val="visible"/>
+                                      </p:to>
+                                    </p:set>
+                                  </p:childTnLst>
+                                </p:cTn>
+                              </p:par>
+                              <p:par>
+                                <p:cTn id="7" presetID="1" presetClass="entr" presetSubtype="0" fill="hold" nodeType="withEffect">
+                                  <p:stCondLst>
+                                    <p:cond delay="0"/>
+                                  </p:stCondLst>
+                                  <p:childTnLst>
+                                    <p:set>
+                                      <p:cBhvr>
+                                        <p:cTn id="8" dur="1" fill="hold">
+                                          <p:stCondLst>
+                                            <p:cond delay="0"/>
+                                          </p:stCondLst>
+                                        </p:cTn>
+                                        <p:tgtEl>
+                                          <p:spTgt spid="6"/>
+                                        </p:tgtEl>
+                                        <p:attrNameLst>
+                                          <p:attrName>style.visibility</p:attrName>
+                                        </p:attrNameLst>
+                                      </p:cBhvr>
+                                      <p:to>
+                                        <p:strVal val="visible"/>
+                                      </p:to>
+                                    </p:set>
+                                  </p:childTnLst>
+                                </p:cTn>
+                              </p:par>
+                            </p:childTnLst>
+                          </p:cTn>
+                        </p:par>
+                      </p:childTnLst>
+                    </p:cTn>
+                  </p:par>
+                  <p:par>
+                    <p:cTn id="9" fill="hold">
+                      <p:stCondLst>
+                        <p:cond delay="indefinite"/>
+                      </p:stCondLst>
+                      <p:childTnLst>
+                        <p:par>
+                          <p:cTn id="10" fill="hold">
+                            <p:stCondLst>
+                              <p:cond delay="0"/>
+                            </p:stCondLst>
+                            <p:childTnLst>
+                              <p:par>
+                                <p:cTn id="11" presetID="1" presetClass="entr" presetSubtype="0" fill="hold" grpId="0" nodeType="clickEffect">
+                                  <p:stCondLst>
+                                    <p:cond delay="0"/>
+                                  </p:stCondLst>
+                                  <p:childTnLst>
+                                    <p:set>
+                                      <p:cBhvr>
+                                        <p:cTn id="12" dur="1" fill="hold">
+                                          <p:stCondLst>
+                                            <p:cond delay="0"/>
+                                          </p:stCondLst>
+                                        </p:cTn>
+                                        <p:tgtEl>
+                                          <p:spTgt spid="10"/>
+                                        </p:tgtEl>
+                                        <p:attrNameLst>
+                                          <p:attrName>style.visibility</p:attrName>
+                                        </p:attrNameLst>
+                                      </p:cBhvr>
+                                      <p:to>
+                                        <p:strVal val="visible"/>
+                                      </p:to>
+                                    </p:set>
+                                  </p:childTnLst>
+                                </p:cTn>
+                              </p:par>
+                              <p:par>
+                                <p:cTn id="13" presetID="1" presetClass="entr" presetSubtype="0" fill="hold" nodeType="withEffect">
+                                  <p:stCondLst>
+                                    <p:cond delay="0"/>
+                                  </p:stCondLst>
+                                  <p:childTnLst>
+                                    <p:set>
+                                      <p:cBhvr>
+                                        <p:cTn id="14" dur="1" fill="hold">
+                                          <p:stCondLst>
+                                            <p:cond delay="0"/>
+                                          </p:stCondLst>
+                                        </p:cTn>
+                                        <p:tgtEl>
+                                          <p:spTgt spid="7"/>
+                                        </p:tgtEl>
+                                        <p:attrNameLst>
+                                          <p:attrName>style.visibility</p:attrName>
+                                        </p:attrNameLst>
+                                      </p:cBhvr>
+                                      <p:to>
+                                        <p:strVal val="visible"/>
+                                      </p:to>
+                                    </p:set>
+                                  </p:childTnLst>
+                                </p:cTn>
+                              </p:par>
+                            </p:childTnLst>
+                          </p:cTn>
+                        </p:par>
+                      </p:childTnLst>
+                    </p:cTn>
+                  </p:par>
+                  <p:par>
+                    <p:cTn id="15" fill="hold">
+                      <p:stCondLst>
+                        <p:cond delay="indefinite"/>
+                      </p:stCondLst>
+                      <p:childTnLst>
+                        <p:par>
+                          <p:cTn id="16" fill="hold">
+                            <p:stCondLst>
+                              <p:cond delay="0"/>
+                            </p:stCondLst>
+                            <p:childTnLst>
+                              <p:par>
+                                <p:cTn id="17" presetID="1" presetClass="entr" presetSubtype="0" fill="hold" grpId="0" nodeType="clickEffect">
+                                  <p:stCondLst>
+                                    <p:cond delay="0"/>
+                                  </p:stCondLst>
+                                  <p:childTnLst>
+                                    <p:set>
+                                      <p:cBhvr>
+                                        <p:cTn id="18" dur="1" fill="hold">
+                                          <p:stCondLst>
+                                            <p:cond delay="0"/>
+                                          </p:stCondLst>
+                                        </p:cTn>
+                                        <p:tgtEl>
+                                          <p:spTgt spid="11"/>
+                                        </p:tgtEl>
+                                        <p:attrNameLst>
+                                          <p:attrName>style.visibility</p:attrName>
+                                        </p:attrNameLst>
+                                      </p:cBhvr>
+                                      <p:to>
+                                        <p:strVal val="visible"/>
+                                      </p:to>
+                                    </p:set>
+                                  </p:childTnLst>
+                                </p:cTn>
+                              </p:par>
+                              <p:par>
+                                <p:cTn id="19" presetID="1" presetClass="entr" presetSubtype="0" fill="hold" nodeType="withEffect">
+                                  <p:stCondLst>
+                                    <p:cond delay="0"/>
+                                  </p:stCondLst>
+                                  <p:childTnLst>
+                                    <p:set>
+                                      <p:cBhvr>
+                                        <p:cTn id="20" dur="1" fill="hold">
+                                          <p:stCondLst>
+                                            <p:cond delay="0"/>
+                                          </p:stCondLst>
+                                        </p:cTn>
+                                        <p:tgtEl>
+                                          <p:spTgt spid="8"/>
+                                        </p:tgtEl>
+                                        <p:attrNameLst>
+                                          <p:attrName>style.visibility</p:attrName>
+                                        </p:attrNameLst>
+                                      </p:cBhvr>
+                                      <p:to>
+                                        <p:strVal val="visible"/>
+                                      </p:to>
+                                    </p:set>
+                                  </p:childTnLst>
+                                </p:cTn>
+                              </p:par>
+                            </p:childTnLst>
+                          </p:cTn>
+                        </p:par>
+                      </p:childTnLst>
+                    </p:cTn>
+                  </p:par>
+                  <p:par>
+                    <p:cTn id="21" fill="hold">
+                      <p:stCondLst>
+                        <p:cond delay="indefinite"/>
+                      </p:stCondLst>
+                      <p:childTnLst>
+                        <p:par>
+                          <p:cTn id="22" fill="hold">
+                            <p:stCondLst>
+                              <p:cond delay="0"/>
+                            </p:stCondLst>
+                            <p:childTnLst>
+                              <p:par>
+                                <p:cTn id="23" presetID="1" presetClass="entr" presetSubtype="0" fill="hold" nodeType="clickEffect">
+                                  <p:stCondLst>
+                                    <p:cond delay="0"/>
+                                  </p:stCondLst>
+                                  <p:childTnLst>
+                                    <p:set>
+                                      <p:cBhvr>
+                                        <p:cTn id="24" dur="1" fill="hold">
+                                          <p:stCondLst>
+                                            <p:cond delay="0"/>
+                                          </p:stCondLst>
+                                        </p:cTn>
+                                        <p:tgtEl>
+                                          <p:spTgt spid="15"/>
+                                        </p:tgtEl>
+                                        <p:attrNameLst>
+                                          <p:attrName>style.visibility</p:attrName>
+                                        </p:attrNameLst>
+                                      </p:cBhvr>
+                                      <p:to>
+                                        <p:strVal val="visible"/>
+                                      </p:to>
+                                    </p:set>
+                                  </p:childTnLst>
+                                </p:cTn>
+                              </p:par>
+                            </p:childTnLst>
+                          </p:cTn>
+                        </p:par>
+                      </p:childTnLst>
+                    </p:cTn>
+                  </p:par>
+                  <p:par>
+                    <p:cTn id="25" fill="hold">
+                      <p:stCondLst>
+                        <p:cond delay="indefinite"/>
+                      </p:stCondLst>
+                      <p:childTnLst>
+                        <p:par>
+                          <p:cTn id="26" fill="hold">
+                            <p:stCondLst>
+                              <p:cond delay="0"/>
+                            </p:stCondLst>
+                            <p:childTnLst>
+                              <p:par>
+                                <p:cTn id="27" presetID="1" presetClass="entr" presetSubtype="0" fill="hold" nodeType="clickEffect">
+                                  <p:stCondLst>
+                                    <p:cond delay="0"/>
+                                  </p:stCondLst>
+                                  <p:childTnLst>
+                                    <p:set>
+                                      <p:cBhvr>
+                                        <p:cTn id="28" dur="1" fill="hold">
+                                          <p:stCondLst>
+                                            <p:cond delay="0"/>
+                                          </p:stCondLst>
+                                        </p:cTn>
+                                        <p:tgtEl>
+                                          <p:spTgt spid="16"/>
+                                        </p:tgtEl>
+                                        <p:attrNameLst>
+                                          <p:attrName>style.visibility</p:attrName>
+                                        </p:attrNameLst>
+                                      </p:cBhvr>
+                                      <p:to>
+                                        <p:strVal val="visible"/>
+                                      </p:to>
+                                    </p:set>
+                                  </p:childTnLst>
+                                </p:cTn>
+                              </p:par>
+                            </p:childTnLst>
+                          </p:cTn>
+                        </p:par>
+                      </p:childTnLst>
+                    </p:cTn>
+                  </p:par>
+                  <p:par>
+                    <p:cTn id="29" fill="hold">
+                      <p:stCondLst>
+                        <p:cond delay="indefinite"/>
+                      </p:stCondLst>
+                      <p:childTnLst>
+                        <p:par>
+                          <p:cTn id="30" fill="hold">
+                            <p:stCondLst>
+                              <p:cond delay="0"/>
+                            </p:stCondLst>
+                            <p:childTnLst>
+                              <p:par>
+                                <p:cTn id="31" presetID="1" presetClass="entr" presetSubtype="0" fill="hold" nodeType="clickEffect">
+                                  <p:stCondLst>
+                                    <p:cond delay="0"/>
+                                  </p:stCondLst>
+                                  <p:childTnLst>
+                                    <p:set>
+                                      <p:cBhvr>
+                                        <p:cTn id="32" dur="1" fill="hold">
+                                          <p:stCondLst>
+                                            <p:cond delay="0"/>
+                                          </p:stCondLst>
+                                        </p:cTn>
+                                        <p:tgtEl>
+                                          <p:spTgt spid="17"/>
+                                        </p:tgtEl>
+                                        <p:attrNameLst>
+                                          <p:attrName>style.visibility</p:attrName>
+                                        </p:attrNameLst>
+                                      </p:cBhvr>
+                                      <p:to>
+                                        <p:strVal val="visible"/>
+                                      </p:to>
+                                    </p:set>
+                                  </p:childTnLst>
+                                </p:cTn>
+                              </p:par>
+                            </p:childTnLst>
+                          </p:cTn>
+                        </p:par>
+                      </p:childTnLst>
+                    </p:cTn>
+                  </p:par>
+                  <p:par>
+                    <p:cTn id="33" fill="hold">
+                      <p:stCondLst>
+                        <p:cond delay="indefinite"/>
+                      </p:stCondLst>
+                      <p:childTnLst>
+                        <p:par>
+                          <p:cTn id="34" fill="hold">
+                            <p:stCondLst>
+                              <p:cond delay="0"/>
+                            </p:stCondLst>
+                            <p:childTnLst>
+                              <p:par>
+                                <p:cTn id="35" presetID="1" presetClass="entr" presetSubtype="0" fill="hold" grpId="0" nodeType="clickEffect">
+                                  <p:stCondLst>
+                                    <p:cond delay="0"/>
+                                  </p:stCondLst>
+                                  <p:childTnLst>
+                                    <p:set>
+                                      <p:cBhvr>
+                                        <p:cTn id="36" dur="1" fill="hold">
+                                          <p:stCondLst>
+                                            <p:cond delay="0"/>
+                                          </p:stCondLst>
+                                        </p:cTn>
+                                        <p:tgtEl>
+                                          <p:spTgt spid="12"/>
+                                        </p:tgtEl>
+                                        <p:attrNameLst>
+                                          <p:attrName>style.visibility</p:attrName>
+                                        </p:attrNameLst>
+                                      </p:cBhvr>
+                                      <p:to>
+                                        <p:strVal val="visible"/>
+                                      </p:to>
+                                    </p:set>
+                                  </p:childTnLst>
+                                </p:cTn>
+                              </p:par>
+                            </p:childTnLst>
+                          </p:cTn>
+                        </p:par>
+                      </p:childTnLst>
+                    </p:cTn>
+                  </p:par>
+                  <p:par>
+                    <p:cTn id="37" fill="hold">
+                      <p:stCondLst>
+                        <p:cond delay="indefinite"/>
+                      </p:stCondLst>
+                      <p:childTnLst>
+                        <p:par>
+                          <p:cTn id="38" fill="hold">
+                            <p:stCondLst>
+                              <p:cond delay="0"/>
+                            </p:stCondLst>
+                            <p:childTnLst>
+                              <p:par>
+                                <p:cTn id="39" presetID="1" presetClass="entr" presetSubtype="0" fill="hold" grpId="0" nodeType="clickEffect">
+                                  <p:stCondLst>
+                                    <p:cond delay="0"/>
+                                  </p:stCondLst>
+                                  <p:childTnLst>
+                                    <p:set>
+                                      <p:cBhvr>
+                                        <p:cTn id="40" dur="1" fill="hold">
+                                          <p:stCondLst>
+                                            <p:cond delay="0"/>
+                                          </p:stCondLst>
+                                        </p:cTn>
+                                        <p:tgtEl>
+                                          <p:spTgt spid="13"/>
+                                        </p:tgtEl>
+                                        <p:attrNameLst>
+                                          <p:attrName>style.visibility</p:attrName>
+                                        </p:attrNameLst>
+                                      </p:cBhvr>
+                                      <p:to>
+                                        <p:strVal val="visible"/>
+                                      </p:to>
+                                    </p:set>
+                                  </p:childTnLst>
+                                </p:cTn>
+                              </p:par>
+                            </p:childTnLst>
+                          </p:cTn>
+                        </p:par>
+                      </p:childTnLst>
+                    </p:cTn>
+                  </p:par>
+                  <p:par>
+                    <p:cTn id="41" fill="hold">
+                      <p:stCondLst>
+                        <p:cond delay="indefinite"/>
+                      </p:stCondLst>
+                      <p:childTnLst>
+                        <p:par>
+                          <p:cTn id="42" fill="hold">
+                            <p:stCondLst>
+                              <p:cond delay="0"/>
+                            </p:stCondLst>
+                            <p:childTnLst>
+                              <p:par>
+                                <p:cTn id="43" presetID="1" presetClass="entr" presetSubtype="0" fill="hold" grpId="0" nodeType="clickEffect">
+                                  <p:stCondLst>
+                                    <p:cond delay="0"/>
+                                  </p:stCondLst>
+                                  <p:childTnLst>
+                                    <p:set>
+                                      <p:cBhvr>
+                                        <p:cTn id="44" dur="1" fill="hold">
+                                          <p:stCondLst>
+                                            <p:cond delay="0"/>
+                                          </p:stCondLst>
+                                        </p:cTn>
+                                        <p:tgtEl>
+                                          <p:spTgt spid="14"/>
+                                        </p:tgtEl>
+                                        <p:attrNameLst>
+                                          <p:attrName>style.visibility</p:attrName>
+                                        </p:attrNameLst>
+                                      </p:cBhvr>
+                                      <p:to>
+                                        <p:strVal val="visible"/>
+                                      </p:to>
+                                    </p:set>
+                                  </p:childTnLst>
+                                </p:cTn>
+                              </p:par>
+                            </p:childTnLst>
+                          </p:cTn>
+                        </p:par>
+                      </p:childTnLst>
+                    </p:cTn>
+                  </p:par>
+                </p:childTnLst>
+              </p:cTn>
+              <p:prevCondLst>
+                <p:cond evt="onPrev" delay="0">
+                  <p:tgtEl>
+                    <p:sldTgt/>
+                  </p:tgtEl>
+                </p:cond>
+              </p:prevCondLst>
+              <p:nextCondLst>
+                <p:cond evt="onNext" delay="0">
+                  <p:tgtEl>
+                    <p:sldTgt/>
+                  </p:tgtEl>
+                </p:cond>
+              </p:nextCondLst>
+            </p:seq>
+          </p:childTnLst>
+        </p:cTn>
+      </p:par>
+    </p:tnLst>
+    <p:bldLst>
+      <p:bldP spid="9" grpId="0" animBg="1"/>
+      <p:bldP spid="10" grpId="0" animBg="1"/>
+      <p:bldP spid="11" grpId="0" animBg="1"/>
+      <p:bldP spid="12" grpId="0" animBg="1"/>
+      <p:bldP spid="13" grpId="0" animBg="1"/>
+      <p:bldP spid="14" grpId="0" animBg="1"/>
+    </p:bldLst>
+  </p:timing>
+</p:sld>
+</file>
+
 <file path=ppt/theme/theme1.xml><?xml version="1.0" encoding="utf-8"?>
 <a:theme xmlns:a="http://schemas.openxmlformats.org/drawingml/2006/main" name="Larissa-Design">
   <a:themeElements>
@@ -9113,4 +13727,265 @@
   <a:objectDefaults/>
   <a:extraClrSchemeLst/>
 </a:theme>
+</file>
+
+<file path=ppt/theme/theme2.xml><?xml version="1.0" encoding="utf-8"?>
+<a:theme xmlns:a="http://schemas.openxmlformats.org/drawingml/2006/main" name="Office Theme">
+  <a:themeElements>
+    <a:clrScheme name="Office">
+      <a:dk1>
+        <a:sysClr val="windowText" lastClr="000000"/>
+      </a:dk1>
+      <a:lt1>
+        <a:sysClr val="window" lastClr="FFFFFF"/>
+      </a:lt1>
+      <a:dk2>
+        <a:srgbClr val="44546A"/>
+      </a:dk2>
+      <a:lt2>
+        <a:srgbClr val="E7E6E6"/>
+      </a:lt2>
+      <a:accent1>
+        <a:srgbClr val="5B9BD5"/>
+      </a:accent1>
+      <a:accent2>
+        <a:srgbClr val="ED7D31"/>
+      </a:accent2>
+      <a:accent3>
+        <a:srgbClr val="A5A5A5"/>
+      </a:accent3>
+      <a:accent4>
+        <a:srgbClr val="FFC000"/>
+      </a:accent4>
+      <a:accent5>
+        <a:srgbClr val="4472C4"/>
+      </a:accent5>
+      <a:accent6>
+        <a:srgbClr val="70AD47"/>
+      </a:accent6>
+      <a:hlink>
+        <a:srgbClr val="0563C1"/>
+      </a:hlink>
+      <a:folHlink>
+        <a:srgbClr val="954F72"/>
+      </a:folHlink>
+    </a:clrScheme>
+    <a:fontScheme name="Office">
+      <a:majorFont>
+        <a:latin typeface="Calibri Light" panose="020F0302020204030204"/>
+        <a:ea typeface=""/>
+        <a:cs typeface=""/>
+        <a:font script="Jpan" typeface="ＭＳ Ｐゴシック"/>
+        <a:font script="Hang" typeface="맑은 고딕"/>
+        <a:font script="Hans" typeface="宋体"/>
+        <a:font script="Hant" typeface="新細明體"/>
+        <a:font script="Arab" typeface="Times New Roman"/>
+        <a:font script="Hebr" typeface="Times New Roman"/>
+        <a:font script="Thai" typeface="Angsana New"/>
+        <a:font script="Ethi" typeface="Nyala"/>
+        <a:font script="Beng" typeface="Vrinda"/>
+        <a:font script="Gujr" typeface="Shruti"/>
+        <a:font script="Khmr" typeface="MoolBoran"/>
+        <a:font script="Knda" typeface="Tunga"/>
+        <a:font script="Guru" typeface="Raavi"/>
+        <a:font script="Cans" typeface="Euphemia"/>
+        <a:font script="Cher" typeface="Plantagenet Cherokee"/>
+        <a:font script="Yiii" typeface="Microsoft Yi Baiti"/>
+        <a:font script="Tibt" typeface="Microsoft Himalaya"/>
+        <a:font script="Thaa" typeface="MV Boli"/>
+        <a:font script="Deva" typeface="Mangal"/>
+        <a:font script="Telu" typeface="Gautami"/>
+        <a:font script="Taml" typeface="Latha"/>
+        <a:font script="Syrc" typeface="Estrangelo Edessa"/>
+        <a:font script="Orya" typeface="Kalinga"/>
+        <a:font script="Mlym" typeface="Kartika"/>
+        <a:font script="Laoo" typeface="DokChampa"/>
+        <a:font script="Sinh" typeface="Iskoola Pota"/>
+        <a:font script="Mong" typeface="Mongolian Baiti"/>
+        <a:font script="Viet" typeface="Times New Roman"/>
+        <a:font script="Uigh" typeface="Microsoft Uighur"/>
+        <a:font script="Geor" typeface="Sylfaen"/>
+      </a:majorFont>
+      <a:minorFont>
+        <a:latin typeface="Calibri" panose="020F0502020204030204"/>
+        <a:ea typeface=""/>
+        <a:cs typeface=""/>
+        <a:font script="Jpan" typeface="ＭＳ Ｐゴシック"/>
+        <a:font script="Hang" typeface="맑은 고딕"/>
+        <a:font script="Hans" typeface="宋体"/>
+        <a:font script="Hant" typeface="新細明體"/>
+        <a:font script="Arab" typeface="Arial"/>
+        <a:font script="Hebr" typeface="Arial"/>
+        <a:font script="Thai" typeface="Cordia New"/>
+        <a:font script="Ethi" typeface="Nyala"/>
+        <a:font script="Beng" typeface="Vrinda"/>
+        <a:font script="Gujr" typeface="Shruti"/>
+        <a:font script="Khmr" typeface="DaunPenh"/>
+        <a:font script="Knda" typeface="Tunga"/>
+        <a:font script="Guru" typeface="Raavi"/>
+        <a:font script="Cans" typeface="Euphemia"/>
+        <a:font script="Cher" typeface="Plantagenet Cherokee"/>
+        <a:font script="Yiii" typeface="Microsoft Yi Baiti"/>
+        <a:font script="Tibt" typeface="Microsoft Himalaya"/>
+        <a:font script="Thaa" typeface="MV Boli"/>
+        <a:font script="Deva" typeface="Mangal"/>
+        <a:font script="Telu" typeface="Gautami"/>
+        <a:font script="Taml" typeface="Latha"/>
+        <a:font script="Syrc" typeface="Estrangelo Edessa"/>
+        <a:font script="Orya" typeface="Kalinga"/>
+        <a:font script="Mlym" typeface="Kartika"/>
+        <a:font script="Laoo" typeface="DokChampa"/>
+        <a:font script="Sinh" typeface="Iskoola Pota"/>
+        <a:font script="Mong" typeface="Mongolian Baiti"/>
+        <a:font script="Viet" typeface="Arial"/>
+        <a:font script="Uigh" typeface="Microsoft Uighur"/>
+        <a:font script="Geor" typeface="Sylfaen"/>
+      </a:minorFont>
+    </a:fontScheme>
+    <a:fmtScheme name="Office">
+      <a:fillStyleLst>
+        <a:solidFill>
+          <a:schemeClr val="phClr"/>
+        </a:solidFill>
+        <a:gradFill rotWithShape="1">
+          <a:gsLst>
+            <a:gs pos="0">
+              <a:schemeClr val="phClr">
+                <a:lumMod val="110000"/>
+                <a:satMod val="105000"/>
+                <a:tint val="67000"/>
+              </a:schemeClr>
+            </a:gs>
+            <a:gs pos="50000">
+              <a:schemeClr val="phClr">
+                <a:lumMod val="105000"/>
+                <a:satMod val="103000"/>
+                <a:tint val="73000"/>
+              </a:schemeClr>
+            </a:gs>
+            <a:gs pos="100000">
+              <a:schemeClr val="phClr">
+                <a:lumMod val="105000"/>
+                <a:satMod val="109000"/>
+                <a:tint val="81000"/>
+              </a:schemeClr>
+            </a:gs>
+          </a:gsLst>
+          <a:lin ang="5400000" scaled="0"/>
+        </a:gradFill>
+        <a:gradFill rotWithShape="1">
+          <a:gsLst>
+            <a:gs pos="0">
+              <a:schemeClr val="phClr">
+                <a:satMod val="103000"/>
+                <a:lumMod val="102000"/>
+                <a:tint val="94000"/>
+              </a:schemeClr>
+            </a:gs>
+            <a:gs pos="50000">
+              <a:schemeClr val="phClr">
+                <a:satMod val="110000"/>
+                <a:lumMod val="100000"/>
+                <a:shade val="100000"/>
+              </a:schemeClr>
+            </a:gs>
+            <a:gs pos="100000">
+              <a:schemeClr val="phClr">
+                <a:lumMod val="99000"/>
+                <a:satMod val="120000"/>
+                <a:shade val="78000"/>
+              </a:schemeClr>
+            </a:gs>
+          </a:gsLst>
+          <a:lin ang="5400000" scaled="0"/>
+        </a:gradFill>
+      </a:fillStyleLst>
+      <a:lnStyleLst>
+        <a:ln w="6350" cap="flat" cmpd="sng" algn="ctr">
+          <a:solidFill>
+            <a:schemeClr val="phClr"/>
+          </a:solidFill>
+          <a:prstDash val="solid"/>
+          <a:miter lim="800000"/>
+        </a:ln>
+        <a:ln w="12700" cap="flat" cmpd="sng" algn="ctr">
+          <a:solidFill>
+            <a:schemeClr val="phClr"/>
+          </a:solidFill>
+          <a:prstDash val="solid"/>
+          <a:miter lim="800000"/>
+        </a:ln>
+        <a:ln w="19050" cap="flat" cmpd="sng" algn="ctr">
+          <a:solidFill>
+            <a:schemeClr val="phClr"/>
+          </a:solidFill>
+          <a:prstDash val="solid"/>
+          <a:miter lim="800000"/>
+        </a:ln>
+      </a:lnStyleLst>
+      <a:effectStyleLst>
+        <a:effectStyle>
+          <a:effectLst/>
+        </a:effectStyle>
+        <a:effectStyle>
+          <a:effectLst/>
+        </a:effectStyle>
+        <a:effectStyle>
+          <a:effectLst>
+            <a:outerShdw blurRad="57150" dist="19050" dir="5400000" algn="ctr" rotWithShape="0">
+              <a:srgbClr val="000000">
+                <a:alpha val="63000"/>
+              </a:srgbClr>
+            </a:outerShdw>
+          </a:effectLst>
+        </a:effectStyle>
+      </a:effectStyleLst>
+      <a:bgFillStyleLst>
+        <a:solidFill>
+          <a:schemeClr val="phClr"/>
+        </a:solidFill>
+        <a:solidFill>
+          <a:schemeClr val="phClr">
+            <a:tint val="95000"/>
+            <a:satMod val="170000"/>
+          </a:schemeClr>
+        </a:solidFill>
+        <a:gradFill rotWithShape="1">
+          <a:gsLst>
+            <a:gs pos="0">
+              <a:schemeClr val="phClr">
+                <a:tint val="93000"/>
+                <a:satMod val="150000"/>
+                <a:shade val="98000"/>
+                <a:lumMod val="102000"/>
+              </a:schemeClr>
+            </a:gs>
+            <a:gs pos="50000">
+              <a:schemeClr val="phClr">
+                <a:tint val="98000"/>
+                <a:satMod val="130000"/>
+                <a:shade val="90000"/>
+                <a:lumMod val="103000"/>
+              </a:schemeClr>
+            </a:gs>
+            <a:gs pos="100000">
+              <a:schemeClr val="phClr">
+                <a:shade val="63000"/>
+                <a:satMod val="120000"/>
+              </a:schemeClr>
+            </a:gs>
+          </a:gsLst>
+          <a:lin ang="5400000" scaled="0"/>
+        </a:gradFill>
+      </a:bgFillStyleLst>
+    </a:fmtScheme>
+  </a:themeElements>
+  <a:objectDefaults/>
+  <a:extraClrSchemeLst/>
+  <a:extLst>
+    <a:ext uri="{05A4C25C-085E-4340-85A3-A5531E510DB2}">
+      <thm15:themeFamily xmlns:thm15="http://schemas.microsoft.com/office/thememl/2012/main" name="Office Theme" id="{62F939B6-93AF-4DB8-9C6B-D6C7DFDC589F}" vid="{4A3C46E8-61CC-4603-A589-7422A47A8E4A}"/>
+    </a:ext>
+  </a:extLst>
+</a:theme>
 </file>
--- a/docs/slides/cre_overview.pptx
+++ b/docs/slides/cre_overview.pptx
@@ -5,22 +5,24 @@
     <p:sldMasterId id="2147483648" r:id="rId1"/>
   </p:sldMasterIdLst>
   <p:notesMasterIdLst>
-    <p:notesMasterId r:id="rId15"/>
+    <p:notesMasterId r:id="rId17"/>
   </p:notesMasterIdLst>
   <p:sldIdLst>
     <p:sldId id="256" r:id="rId2"/>
-    <p:sldId id="265" r:id="rId3"/>
-    <p:sldId id="264" r:id="rId4"/>
-    <p:sldId id="275" r:id="rId5"/>
-    <p:sldId id="266" r:id="rId6"/>
-    <p:sldId id="267" r:id="rId7"/>
-    <p:sldId id="269" r:id="rId8"/>
-    <p:sldId id="274" r:id="rId9"/>
-    <p:sldId id="272" r:id="rId10"/>
-    <p:sldId id="273" r:id="rId11"/>
-    <p:sldId id="263" r:id="rId12"/>
-    <p:sldId id="261" r:id="rId13"/>
-    <p:sldId id="270" r:id="rId14"/>
+    <p:sldId id="277" r:id="rId3"/>
+    <p:sldId id="265" r:id="rId4"/>
+    <p:sldId id="264" r:id="rId5"/>
+    <p:sldId id="275" r:id="rId6"/>
+    <p:sldId id="266" r:id="rId7"/>
+    <p:sldId id="267" r:id="rId8"/>
+    <p:sldId id="269" r:id="rId9"/>
+    <p:sldId id="274" r:id="rId10"/>
+    <p:sldId id="272" r:id="rId11"/>
+    <p:sldId id="276" r:id="rId12"/>
+    <p:sldId id="263" r:id="rId13"/>
+    <p:sldId id="261" r:id="rId14"/>
+    <p:sldId id="270" r:id="rId15"/>
+    <p:sldId id="278" r:id="rId16"/>
   </p:sldIdLst>
   <p:sldSz cx="9144000" cy="6858000" type="screen4x3"/>
   <p:notesSz cx="6858000" cy="9144000"/>
@@ -125,6 +127,7 @@
         <p14:section name="Standardabschnitt" id="{5815F1CA-5E74-43EA-B30E-19D5630E2A00}">
           <p14:sldIdLst>
             <p14:sldId id="256"/>
+            <p14:sldId id="277"/>
           </p14:sldIdLst>
         </p14:section>
         <p14:section name="CRExplorer" id="{4FE44F37-95E0-4B95-AD40-652A9D2C634A}">
@@ -149,10 +152,15 @@
           <p14:sldIdLst>
             <p14:sldId id="274"/>
             <p14:sldId id="272"/>
-            <p14:sldId id="273"/>
+            <p14:sldId id="276"/>
             <p14:sldId id="263"/>
             <p14:sldId id="261"/>
             <p14:sldId id="270"/>
+          </p14:sldIdLst>
+        </p14:section>
+        <p14:section name="Script" id="{AF7240B8-E063-4403-BE68-BFBAB207FD1A}">
+          <p14:sldIdLst>
+            <p14:sldId id="278"/>
           </p14:sldIdLst>
         </p14:section>
       </p14:sectionLst>
@@ -257,7 +265,7 @@
           <a:p>
             <a:fld id="{B57BA540-9F59-4217-B916-AAFDB9257DF0}" type="datetimeFigureOut">
               <a:rPr lang="de-DE" smtClean="0"/>
-              <a:t>17.08.2018</a:t>
+              <a:t>20.08.2018</a:t>
             </a:fld>
             <a:endParaRPr lang="de-DE"/>
           </a:p>
@@ -590,7 +598,7 @@
           <a:p>
             <a:fld id="{7E5481FC-599F-4049-8076-A864CF816BE2}" type="slidenum">
               <a:rPr lang="de-DE" smtClean="0"/>
-              <a:t>5</a:t>
+              <a:t>6</a:t>
             </a:fld>
             <a:endParaRPr lang="de-DE"/>
           </a:p>
@@ -674,7 +682,7 @@
           <a:p>
             <a:fld id="{7E5481FC-599F-4049-8076-A864CF816BE2}" type="slidenum">
               <a:rPr lang="de-DE" smtClean="0"/>
-              <a:t>9</a:t>
+              <a:t>10</a:t>
             </a:fld>
             <a:endParaRPr lang="de-DE"/>
           </a:p>
@@ -759,6 +767,90 @@
             <a:fld id="{7E5481FC-599F-4049-8076-A864CF816BE2}" type="slidenum">
               <a:rPr lang="de-DE" smtClean="0"/>
               <a:t>11</a:t>
+            </a:fld>
+            <a:endParaRPr lang="de-DE"/>
+          </a:p>
+        </p:txBody>
+      </p:sp>
+    </p:spTree>
+    <p:extLst>
+      <p:ext uri="{BB962C8B-B14F-4D97-AF65-F5344CB8AC3E}">
+        <p14:creationId xmlns:p14="http://schemas.microsoft.com/office/powerpoint/2010/main" val="23342350"/>
+      </p:ext>
+    </p:extLst>
+  </p:cSld>
+  <p:clrMapOvr>
+    <a:masterClrMapping/>
+  </p:clrMapOvr>
+</p:notes>
+</file>
+
+<file path=ppt/notesSlides/notesSlide4.xml><?xml version="1.0" encoding="utf-8"?>
+<p:notes xmlns:a="http://schemas.openxmlformats.org/drawingml/2006/main" xmlns:r="http://schemas.openxmlformats.org/officeDocument/2006/relationships" xmlns:p="http://schemas.openxmlformats.org/presentationml/2006/main">
+  <p:cSld>
+    <p:spTree>
+      <p:nvGrpSpPr>
+        <p:cNvPr id="1" name=""/>
+        <p:cNvGrpSpPr/>
+        <p:nvPr/>
+      </p:nvGrpSpPr>
+      <p:grpSpPr>
+        <a:xfrm>
+          <a:off x="0" y="0"/>
+          <a:ext cx="0" cy="0"/>
+          <a:chOff x="0" y="0"/>
+          <a:chExt cx="0" cy="0"/>
+        </a:xfrm>
+      </p:grpSpPr>
+      <p:sp>
+        <p:nvSpPr>
+          <p:cNvPr id="2" name="Folienbildplatzhalter 1"/>
+          <p:cNvSpPr>
+            <a:spLocks noGrp="1" noRot="1" noChangeAspect="1"/>
+          </p:cNvSpPr>
+          <p:nvPr>
+            <p:ph type="sldImg"/>
+          </p:nvPr>
+        </p:nvSpPr>
+        <p:spPr/>
+      </p:sp>
+      <p:sp>
+        <p:nvSpPr>
+          <p:cNvPr id="3" name="Notizenplatzhalter 2"/>
+          <p:cNvSpPr>
+            <a:spLocks noGrp="1"/>
+          </p:cNvSpPr>
+          <p:nvPr>
+            <p:ph type="body" idx="1"/>
+          </p:nvPr>
+        </p:nvSpPr>
+        <p:spPr/>
+        <p:txBody>
+          <a:bodyPr/>
+          <a:lstStyle/>
+          <a:p>
+            <a:endParaRPr lang="de-DE" dirty="0"/>
+          </a:p>
+        </p:txBody>
+      </p:sp>
+      <p:sp>
+        <p:nvSpPr>
+          <p:cNvPr id="4" name="Foliennummernplatzhalter 3"/>
+          <p:cNvSpPr>
+            <a:spLocks noGrp="1"/>
+          </p:cNvSpPr>
+          <p:nvPr>
+            <p:ph type="sldNum" sz="quarter" idx="10"/>
+          </p:nvPr>
+        </p:nvSpPr>
+        <p:spPr/>
+        <p:txBody>
+          <a:bodyPr/>
+          <a:lstStyle/>
+          <a:p>
+            <a:fld id="{7E5481FC-599F-4049-8076-A864CF816BE2}" type="slidenum">
+              <a:rPr lang="de-DE" smtClean="0"/>
+              <a:t>12</a:t>
             </a:fld>
             <a:endParaRPr lang="de-DE"/>
           </a:p>
@@ -958,7 +1050,7 @@
           <a:p>
             <a:fld id="{1BA50D42-C9CD-4801-B293-61D1F53EC57E}" type="datetimeFigureOut">
               <a:rPr lang="de-DE" smtClean="0"/>
-              <a:t>17.08.2018</a:t>
+              <a:t>20.08.2018</a:t>
             </a:fld>
             <a:endParaRPr lang="de-DE"/>
           </a:p>
@@ -1123,7 +1215,7 @@
           <a:p>
             <a:fld id="{1BA50D42-C9CD-4801-B293-61D1F53EC57E}" type="datetimeFigureOut">
               <a:rPr lang="de-DE" smtClean="0"/>
-              <a:t>17.08.2018</a:t>
+              <a:t>20.08.2018</a:t>
             </a:fld>
             <a:endParaRPr lang="de-DE"/>
           </a:p>
@@ -1298,7 +1390,7 @@
           <a:p>
             <a:fld id="{1BA50D42-C9CD-4801-B293-61D1F53EC57E}" type="datetimeFigureOut">
               <a:rPr lang="de-DE" smtClean="0"/>
-              <a:t>17.08.2018</a:t>
+              <a:t>20.08.2018</a:t>
             </a:fld>
             <a:endParaRPr lang="de-DE"/>
           </a:p>
@@ -1495,7 +1587,7 @@
           <a:p>
             <a:fld id="{1BA50D42-C9CD-4801-B293-61D1F53EC57E}" type="datetimeFigureOut">
               <a:rPr lang="de-DE" smtClean="0"/>
-              <a:t>17.08.2018</a:t>
+              <a:t>20.08.2018</a:t>
             </a:fld>
             <a:endParaRPr lang="de-DE"/>
           </a:p>
@@ -1736,7 +1828,7 @@
           <a:p>
             <a:fld id="{1BA50D42-C9CD-4801-B293-61D1F53EC57E}" type="datetimeFigureOut">
               <a:rPr lang="de-DE" smtClean="0"/>
-              <a:t>17.08.2018</a:t>
+              <a:t>20.08.2018</a:t>
             </a:fld>
             <a:endParaRPr lang="de-DE"/>
           </a:p>
@@ -2019,7 +2111,7 @@
           <a:p>
             <a:fld id="{1BA50D42-C9CD-4801-B293-61D1F53EC57E}" type="datetimeFigureOut">
               <a:rPr lang="de-DE" smtClean="0"/>
-              <a:t>17.08.2018</a:t>
+              <a:t>20.08.2018</a:t>
             </a:fld>
             <a:endParaRPr lang="de-DE"/>
           </a:p>
@@ -2436,7 +2528,7 @@
           <a:p>
             <a:fld id="{1BA50D42-C9CD-4801-B293-61D1F53EC57E}" type="datetimeFigureOut">
               <a:rPr lang="de-DE" smtClean="0"/>
-              <a:t>17.08.2018</a:t>
+              <a:t>20.08.2018</a:t>
             </a:fld>
             <a:endParaRPr lang="de-DE"/>
           </a:p>
@@ -2549,7 +2641,7 @@
           <a:p>
             <a:fld id="{1BA50D42-C9CD-4801-B293-61D1F53EC57E}" type="datetimeFigureOut">
               <a:rPr lang="de-DE" smtClean="0"/>
-              <a:t>17.08.2018</a:t>
+              <a:t>20.08.2018</a:t>
             </a:fld>
             <a:endParaRPr lang="de-DE"/>
           </a:p>
@@ -2639,7 +2731,7 @@
           <a:p>
             <a:fld id="{1BA50D42-C9CD-4801-B293-61D1F53EC57E}" type="datetimeFigureOut">
               <a:rPr lang="de-DE" smtClean="0"/>
-              <a:t>17.08.2018</a:t>
+              <a:t>20.08.2018</a:t>
             </a:fld>
             <a:endParaRPr lang="de-DE"/>
           </a:p>
@@ -2911,7 +3003,7 @@
           <a:p>
             <a:fld id="{1BA50D42-C9CD-4801-B293-61D1F53EC57E}" type="datetimeFigureOut">
               <a:rPr lang="de-DE" smtClean="0"/>
-              <a:t>17.08.2018</a:t>
+              <a:t>20.08.2018</a:t>
             </a:fld>
             <a:endParaRPr lang="de-DE"/>
           </a:p>
@@ -3159,7 +3251,7 @@
           <a:p>
             <a:fld id="{1BA50D42-C9CD-4801-B293-61D1F53EC57E}" type="datetimeFigureOut">
               <a:rPr lang="de-DE" smtClean="0"/>
-              <a:t>17.08.2018</a:t>
+              <a:t>20.08.2018</a:t>
             </a:fld>
             <a:endParaRPr lang="de-DE"/>
           </a:p>
@@ -3367,7 +3459,7 @@
           <a:p>
             <a:fld id="{1BA50D42-C9CD-4801-B293-61D1F53EC57E}" type="datetimeFigureOut">
               <a:rPr lang="de-DE" smtClean="0"/>
-              <a:t>17.08.2018</a:t>
+              <a:t>20.08.2018</a:t>
             </a:fld>
             <a:endParaRPr lang="de-DE"/>
           </a:p>
@@ -4134,8 +4226,36 @@
           <a:lstStyle/>
           <a:p>
             <a:r>
+              <a:rPr lang="de-DE" dirty="0" err="1" smtClean="0"/>
+              <a:t>Number</a:t>
+            </a:r>
+            <a:r>
               <a:rPr lang="de-DE" dirty="0" smtClean="0"/>
-              <a:t>Top-N</a:t>
+              <a:t> </a:t>
+            </a:r>
+            <a:r>
+              <a:rPr lang="de-DE" dirty="0" err="1" smtClean="0"/>
+              <a:t>of</a:t>
+            </a:r>
+            <a:r>
+              <a:rPr lang="de-DE" dirty="0" smtClean="0"/>
+              <a:t> </a:t>
+            </a:r>
+            <a:r>
+              <a:rPr lang="de-DE" dirty="0" err="1" smtClean="0"/>
+              <a:t>Publication</a:t>
+            </a:r>
+            <a:r>
+              <a:rPr lang="de-DE" dirty="0" smtClean="0"/>
+              <a:t> </a:t>
+            </a:r>
+            <a:r>
+              <a:rPr lang="de-DE" dirty="0" err="1" smtClean="0"/>
+              <a:t>Years</a:t>
+            </a:r>
+            <a:r>
+              <a:rPr lang="de-DE" dirty="0" smtClean="0"/>
+              <a:t> (PYs)</a:t>
             </a:r>
             <a:endParaRPr lang="de-DE" dirty="0"/>
           </a:p>
@@ -4151,19 +4271,1716 @@
             <p:ph idx="1"/>
           </p:nvPr>
         </p:nvSpPr>
-        <p:spPr/>
+        <p:spPr>
+          <a:xfrm>
+            <a:off x="457200" y="1052737"/>
+            <a:ext cx="8229600" cy="2016224"/>
+          </a:xfrm>
+        </p:spPr>
         <p:txBody>
-          <a:bodyPr/>
+          <a:bodyPr>
+            <a:noAutofit/>
+          </a:bodyPr>
           <a:lstStyle/>
           <a:p>
-            <a:endParaRPr lang="de-DE"/>
+            <a:r>
+              <a:rPr lang="en-US" b="1" dirty="0"/>
+              <a:t>N_PYEARS</a:t>
+            </a:r>
+            <a:r>
+              <a:rPr lang="en-US" dirty="0"/>
+              <a:t> = No. of </a:t>
+            </a:r>
+            <a:r>
+              <a:rPr lang="en-US" dirty="0" smtClean="0"/>
+              <a:t>PYs in </a:t>
+            </a:r>
+            <a:r>
+              <a:rPr lang="en-US" dirty="0"/>
+              <a:t>which the CR has been cited</a:t>
+            </a:r>
+          </a:p>
+          <a:p>
+            <a:endParaRPr lang="en-US" dirty="0"/>
+          </a:p>
+          <a:p>
+            <a:r>
+              <a:rPr lang="en-US" dirty="0"/>
+              <a:t>N_PY</a:t>
+            </a:r>
+            <a:r>
+              <a:rPr lang="en-US" baseline="-25000" dirty="0"/>
+              <a:t>RPY</a:t>
+            </a:r>
+            <a:r>
+              <a:rPr lang="en-US" dirty="0"/>
+              <a:t> = No. of </a:t>
+            </a:r>
+            <a:r>
+              <a:rPr lang="en-US" dirty="0" smtClean="0"/>
+              <a:t>PYs in </a:t>
+            </a:r>
+            <a:r>
+              <a:rPr lang="en-US" dirty="0"/>
+              <a:t>which a CR from RPY has been cited</a:t>
+            </a:r>
+          </a:p>
+          <a:p>
+            <a:r>
+              <a:rPr lang="en-US" b="1" dirty="0"/>
+              <a:t>PERC_PYEAR</a:t>
+            </a:r>
+            <a:r>
+              <a:rPr lang="en-US" dirty="0"/>
+              <a:t> =  N_PYEARS / N_PY</a:t>
+            </a:r>
+            <a:r>
+              <a:rPr lang="en-US" baseline="-25000" dirty="0"/>
+              <a:t>RPY</a:t>
+            </a:r>
+            <a:r>
+              <a:rPr lang="en-US" dirty="0"/>
+              <a:t> </a:t>
+            </a:r>
+            <a:endParaRPr lang="de-DE" dirty="0"/>
+          </a:p>
+          <a:p>
+            <a:endParaRPr lang="en-US" dirty="0"/>
           </a:p>
         </p:txBody>
       </p:sp>
+      <p:graphicFrame>
+        <p:nvGraphicFramePr>
+          <p:cNvPr id="4" name="Inhaltsplatzhalter 4"/>
+          <p:cNvGraphicFramePr>
+            <a:graphicFrameLocks/>
+          </p:cNvGraphicFramePr>
+          <p:nvPr>
+            <p:extLst>
+              <p:ext uri="{D42A27DB-BD31-4B8C-83A1-F6EECF244321}">
+                <p14:modId xmlns:p14="http://schemas.microsoft.com/office/powerpoint/2010/main" val="3812295466"/>
+              </p:ext>
+            </p:extLst>
+          </p:nvPr>
+        </p:nvGraphicFramePr>
+        <p:xfrm>
+          <a:off x="179512" y="3536434"/>
+          <a:ext cx="7056784" cy="2865120"/>
+        </p:xfrm>
+        <a:graphic>
+          <a:graphicData uri="http://schemas.openxmlformats.org/drawingml/2006/table">
+            <a:tbl>
+              <a:tblPr firstRow="1" bandRow="1">
+                <a:tableStyleId>{7E9639D4-E3E2-4D34-9284-5A2195B3D0D7}</a:tableStyleId>
+              </a:tblPr>
+              <a:tblGrid>
+                <a:gridCol w="3240360"/>
+                <a:gridCol w="864096"/>
+                <a:gridCol w="1296144"/>
+                <a:gridCol w="1656184"/>
+              </a:tblGrid>
+              <a:tr h="370840">
+                <a:tc>
+                  <a:txBody>
+                    <a:bodyPr/>
+                    <a:lstStyle/>
+                    <a:p>
+                      <a:pPr marL="0" marR="0">
+                        <a:spcBef>
+                          <a:spcPts val="0"/>
+                        </a:spcBef>
+                        <a:spcAft>
+                          <a:spcPts val="0"/>
+                        </a:spcAft>
+                      </a:pPr>
+                      <a:endParaRPr lang="en-GB" sz="2000" dirty="0" smtClean="0">
+                        <a:effectLst/>
+                      </a:endParaRPr>
+                    </a:p>
+                    <a:p>
+                      <a:pPr marL="0" marR="0">
+                        <a:spcBef>
+                          <a:spcPts val="0"/>
+                        </a:spcBef>
+                        <a:spcAft>
+                          <a:spcPts val="0"/>
+                        </a:spcAft>
+                      </a:pPr>
+                      <a:r>
+                        <a:rPr lang="en-GB" sz="2000" dirty="0" smtClean="0">
+                          <a:effectLst/>
+                        </a:rPr>
+                        <a:t>Cited reference</a:t>
+                      </a:r>
+                    </a:p>
+                    <a:p>
+                      <a:pPr marL="0" marR="0">
+                        <a:spcBef>
+                          <a:spcPts val="0"/>
+                        </a:spcBef>
+                        <a:spcAft>
+                          <a:spcPts val="0"/>
+                        </a:spcAft>
+                      </a:pPr>
+                      <a:endParaRPr lang="de-DE" sz="2000" dirty="0">
+                        <a:effectLst/>
+                        <a:latin typeface="+mn-lt"/>
+                        <a:ea typeface="Times New Roman" panose="02020603050405020304" pitchFamily="18" charset="0"/>
+                      </a:endParaRPr>
+                    </a:p>
+                  </a:txBody>
+                  <a:tcPr marL="68580" marR="68580" marT="0" marB="0" anchor="ctr"/>
+                </a:tc>
+                <a:tc>
+                  <a:txBody>
+                    <a:bodyPr/>
+                    <a:lstStyle/>
+                    <a:p>
+                      <a:pPr marL="0" marR="0" algn="ctr">
+                        <a:spcBef>
+                          <a:spcPts val="0"/>
+                        </a:spcBef>
+                        <a:spcAft>
+                          <a:spcPts val="0"/>
+                        </a:spcAft>
+                      </a:pPr>
+                      <a:r>
+                        <a:rPr lang="en-GB" sz="2000" dirty="0">
+                          <a:effectLst/>
+                        </a:rPr>
+                        <a:t>N_CR</a:t>
+                      </a:r>
+                      <a:endParaRPr lang="de-DE" sz="2000" dirty="0">
+                        <a:effectLst/>
+                        <a:latin typeface="+mn-lt"/>
+                        <a:ea typeface="Times New Roman" panose="02020603050405020304" pitchFamily="18" charset="0"/>
+                      </a:endParaRPr>
+                    </a:p>
+                  </a:txBody>
+                  <a:tcPr marL="68580" marR="68580" marT="0" marB="0" anchor="ctr"/>
+                </a:tc>
+                <a:tc>
+                  <a:txBody>
+                    <a:bodyPr/>
+                    <a:lstStyle/>
+                    <a:p>
+                      <a:pPr algn="ctr"/>
+                      <a:r>
+                        <a:rPr lang="de-DE" sz="2000" dirty="0" smtClean="0"/>
+                        <a:t>N_PYEARS</a:t>
+                      </a:r>
+                      <a:endParaRPr lang="de-DE" sz="2000" dirty="0">
+                        <a:latin typeface="+mn-lt"/>
+                      </a:endParaRPr>
+                    </a:p>
+                  </a:txBody>
+                  <a:tcPr anchor="ctr"/>
+                </a:tc>
+                <a:tc>
+                  <a:txBody>
+                    <a:bodyPr/>
+                    <a:lstStyle/>
+                    <a:p>
+                      <a:pPr algn="ctr"/>
+                      <a:r>
+                        <a:rPr lang="de-DE" sz="2000" dirty="0" smtClean="0"/>
+                        <a:t>PERC_PYEAR</a:t>
+                      </a:r>
+                      <a:endParaRPr lang="de-DE" sz="2000" dirty="0">
+                        <a:latin typeface="+mn-lt"/>
+                      </a:endParaRPr>
+                    </a:p>
+                  </a:txBody>
+                  <a:tcPr anchor="ctr"/>
+                </a:tc>
+              </a:tr>
+              <a:tr h="370840">
+                <a:tc>
+                  <a:txBody>
+                    <a:bodyPr/>
+                    <a:lstStyle/>
+                    <a:p>
+                      <a:pPr marL="0" marR="0" lvl="0" indent="0" algn="l" defTabSz="914400" rtl="0" eaLnBrk="1" fontAlgn="auto" latinLnBrk="0" hangingPunct="1">
+                        <a:lnSpc>
+                          <a:spcPct val="100000"/>
+                        </a:lnSpc>
+                        <a:spcBef>
+                          <a:spcPts val="0"/>
+                        </a:spcBef>
+                        <a:spcAft>
+                          <a:spcPts val="0"/>
+                        </a:spcAft>
+                        <a:buClrTx/>
+                        <a:buSzTx/>
+                        <a:buFontTx/>
+                        <a:buNone/>
+                        <a:tabLst/>
+                        <a:defRPr/>
+                      </a:pPr>
+                      <a:r>
+                        <a:rPr lang="en-US" sz="1600" dirty="0" err="1" smtClean="0">
+                          <a:effectLst/>
+                        </a:rPr>
+                        <a:t>Lotka</a:t>
+                      </a:r>
+                      <a:r>
+                        <a:rPr lang="en-US" sz="1600" dirty="0" smtClean="0">
+                          <a:effectLst/>
+                        </a:rPr>
+                        <a:t> (1926) </a:t>
+                      </a:r>
+                      <a:r>
+                        <a:rPr lang="en-US" sz="1600" i="1" dirty="0" smtClean="0">
+                          <a:effectLst/>
+                        </a:rPr>
+                        <a:t>The frequency distribution of scientific </a:t>
+                      </a:r>
+                      <a:r>
+                        <a:rPr lang="en-US" sz="1600" i="1" dirty="0" smtClean="0">
+                          <a:effectLst/>
+                        </a:rPr>
+                        <a:t>productivity</a:t>
+                      </a:r>
+                      <a:endParaRPr lang="de-DE" sz="1600" i="1" dirty="0">
+                        <a:effectLst/>
+                        <a:latin typeface="+mn-lt"/>
+                        <a:ea typeface="Times New Roman" panose="02020603050405020304" pitchFamily="18" charset="0"/>
+                      </a:endParaRPr>
+                    </a:p>
+                  </a:txBody>
+                  <a:tcPr marL="68580" marR="68580" marT="0" marB="0" anchor="ctr"/>
+                </a:tc>
+                <a:tc>
+                  <a:txBody>
+                    <a:bodyPr/>
+                    <a:lstStyle/>
+                    <a:p>
+                      <a:pPr marL="0" marR="0" algn="ctr">
+                        <a:spcBef>
+                          <a:spcPts val="0"/>
+                        </a:spcBef>
+                        <a:spcAft>
+                          <a:spcPts val="0"/>
+                        </a:spcAft>
+                      </a:pPr>
+                      <a:r>
+                        <a:rPr lang="en-GB" sz="1600" dirty="0">
+                          <a:effectLst/>
+                        </a:rPr>
+                        <a:t>155</a:t>
+                      </a:r>
+                      <a:endParaRPr lang="de-DE" sz="1600" dirty="0">
+                        <a:effectLst/>
+                        <a:latin typeface="+mn-lt"/>
+                        <a:ea typeface="Times New Roman" panose="02020603050405020304" pitchFamily="18" charset="0"/>
+                      </a:endParaRPr>
+                    </a:p>
+                  </a:txBody>
+                  <a:tcPr marL="68580" marR="68580" marT="0" marB="0" anchor="ctr"/>
+                </a:tc>
+                <a:tc>
+                  <a:txBody>
+                    <a:bodyPr/>
+                    <a:lstStyle/>
+                    <a:p>
+                      <a:pPr algn="ctr"/>
+                      <a:r>
+                        <a:rPr lang="de-DE" sz="1600" dirty="0" smtClean="0"/>
+                        <a:t>36</a:t>
+                      </a:r>
+                      <a:endParaRPr lang="de-DE" sz="1600" dirty="0">
+                        <a:latin typeface="+mn-lt"/>
+                      </a:endParaRPr>
+                    </a:p>
+                  </a:txBody>
+                  <a:tcPr anchor="ctr"/>
+                </a:tc>
+                <a:tc>
+                  <a:txBody>
+                    <a:bodyPr/>
+                    <a:lstStyle/>
+                    <a:p>
+                      <a:pPr algn="r"/>
+                      <a:r>
+                        <a:rPr lang="de-DE" sz="1600" dirty="0" smtClean="0"/>
+                        <a:t>100</a:t>
+                      </a:r>
+                      <a:r>
+                        <a:rPr lang="de-DE" sz="1600" dirty="0" smtClean="0"/>
+                        <a:t>%</a:t>
+                      </a:r>
+                      <a:endParaRPr lang="de-DE" sz="1600" dirty="0">
+                        <a:latin typeface="+mn-lt"/>
+                      </a:endParaRPr>
+                    </a:p>
+                  </a:txBody>
+                  <a:tcPr marR="548640" anchor="ctr"/>
+                </a:tc>
+              </a:tr>
+              <a:tr h="370840">
+                <a:tc>
+                  <a:txBody>
+                    <a:bodyPr/>
+                    <a:lstStyle/>
+                    <a:p>
+                      <a:pPr marL="0" marR="0" lvl="0" indent="0" algn="l" defTabSz="914400" rtl="0" eaLnBrk="1" fontAlgn="auto" latinLnBrk="0" hangingPunct="1">
+                        <a:lnSpc>
+                          <a:spcPct val="100000"/>
+                        </a:lnSpc>
+                        <a:spcBef>
+                          <a:spcPts val="0"/>
+                        </a:spcBef>
+                        <a:spcAft>
+                          <a:spcPts val="0"/>
+                        </a:spcAft>
+                        <a:buClrTx/>
+                        <a:buSzTx/>
+                        <a:buFontTx/>
+                        <a:buNone/>
+                        <a:tabLst/>
+                        <a:defRPr/>
+                      </a:pPr>
+                      <a:r>
+                        <a:rPr lang="en-US" sz="1600" dirty="0">
+                          <a:effectLst/>
+                        </a:rPr>
+                        <a:t>Garfield </a:t>
+                      </a:r>
+                      <a:r>
+                        <a:rPr lang="en-US" sz="1600" dirty="0" smtClean="0">
+                          <a:effectLst/>
+                        </a:rPr>
+                        <a:t>(</a:t>
+                      </a:r>
+                      <a:r>
+                        <a:rPr lang="en-US" sz="1600" dirty="0">
+                          <a:effectLst/>
+                        </a:rPr>
+                        <a:t>1979</a:t>
+                      </a:r>
+                      <a:r>
+                        <a:rPr lang="en-US" sz="1600" dirty="0" smtClean="0">
+                          <a:effectLst/>
+                        </a:rPr>
+                        <a:t>) </a:t>
+                      </a:r>
+                      <a:r>
+                        <a:rPr lang="en-US" sz="1600" i="1" dirty="0" smtClean="0">
+                          <a:effectLst/>
+                        </a:rPr>
+                        <a:t>Citation indexing: its theory and application in </a:t>
+                      </a:r>
+                      <a:r>
+                        <a:rPr lang="en-US" sz="1600" i="1" dirty="0" smtClean="0">
+                          <a:effectLst/>
+                        </a:rPr>
+                        <a:t>…</a:t>
+                      </a:r>
+                      <a:endParaRPr lang="de-DE" sz="1600" i="1" dirty="0">
+                        <a:effectLst/>
+                        <a:latin typeface="+mn-lt"/>
+                        <a:ea typeface="Times New Roman" panose="02020603050405020304" pitchFamily="18" charset="0"/>
+                      </a:endParaRPr>
+                    </a:p>
+                  </a:txBody>
+                  <a:tcPr marL="68580" marR="68580" marT="0" marB="0" anchor="ctr"/>
+                </a:tc>
+                <a:tc>
+                  <a:txBody>
+                    <a:bodyPr/>
+                    <a:lstStyle/>
+                    <a:p>
+                      <a:pPr marL="0" marR="0" algn="ctr">
+                        <a:spcBef>
+                          <a:spcPts val="0"/>
+                        </a:spcBef>
+                        <a:spcAft>
+                          <a:spcPts val="0"/>
+                        </a:spcAft>
+                      </a:pPr>
+                      <a:r>
+                        <a:rPr lang="en-GB" sz="1600" dirty="0">
+                          <a:effectLst/>
+                        </a:rPr>
+                        <a:t>151</a:t>
+                      </a:r>
+                      <a:endParaRPr lang="de-DE" sz="1600" dirty="0">
+                        <a:effectLst/>
+                        <a:latin typeface="+mn-lt"/>
+                        <a:ea typeface="Times New Roman" panose="02020603050405020304" pitchFamily="18" charset="0"/>
+                      </a:endParaRPr>
+                    </a:p>
+                  </a:txBody>
+                  <a:tcPr marL="68580" marR="68580" marT="0" marB="0" anchor="ctr"/>
+                </a:tc>
+                <a:tc>
+                  <a:txBody>
+                    <a:bodyPr/>
+                    <a:lstStyle/>
+                    <a:p>
+                      <a:pPr algn="ctr"/>
+                      <a:r>
+                        <a:rPr lang="de-DE" sz="1600" dirty="0" smtClean="0"/>
+                        <a:t>34</a:t>
+                      </a:r>
+                      <a:endParaRPr lang="de-DE" sz="1600" dirty="0">
+                        <a:latin typeface="+mn-lt"/>
+                      </a:endParaRPr>
+                    </a:p>
+                  </a:txBody>
+                  <a:tcPr anchor="ctr"/>
+                </a:tc>
+                <a:tc>
+                  <a:txBody>
+                    <a:bodyPr/>
+                    <a:lstStyle/>
+                    <a:p>
+                      <a:pPr algn="r"/>
+                      <a:r>
+                        <a:rPr lang="de-DE" sz="1600" dirty="0" smtClean="0"/>
+                        <a:t>92%</a:t>
+                      </a:r>
+                      <a:endParaRPr lang="de-DE" sz="1600" dirty="0">
+                        <a:latin typeface="+mn-lt"/>
+                      </a:endParaRPr>
+                    </a:p>
+                  </a:txBody>
+                  <a:tcPr marR="548640" anchor="ctr"/>
+                </a:tc>
+              </a:tr>
+              <a:tr h="370840">
+                <a:tc>
+                  <a:txBody>
+                    <a:bodyPr/>
+                    <a:lstStyle/>
+                    <a:p>
+                      <a:pPr marL="0" marR="0" lvl="0" indent="0" algn="l" defTabSz="914400" rtl="0" eaLnBrk="1" fontAlgn="auto" latinLnBrk="0" hangingPunct="1">
+                        <a:lnSpc>
+                          <a:spcPct val="100000"/>
+                        </a:lnSpc>
+                        <a:spcBef>
+                          <a:spcPts val="0"/>
+                        </a:spcBef>
+                        <a:spcAft>
+                          <a:spcPts val="0"/>
+                        </a:spcAft>
+                        <a:buClrTx/>
+                        <a:buSzTx/>
+                        <a:buFontTx/>
+                        <a:buNone/>
+                        <a:tabLst/>
+                        <a:defRPr/>
+                      </a:pPr>
+                      <a:r>
+                        <a:rPr lang="en-US" sz="1600" dirty="0" smtClean="0">
+                          <a:effectLst/>
+                        </a:rPr>
+                        <a:t>Small, H., (1973) </a:t>
+                      </a:r>
+                      <a:r>
+                        <a:rPr lang="en-US" sz="1600" i="1" dirty="0" smtClean="0">
+                          <a:effectLst/>
+                        </a:rPr>
+                        <a:t>Co-citation in the </a:t>
+                      </a:r>
+                      <a:r>
+                        <a:rPr lang="en-US" sz="1600" i="1" dirty="0" smtClean="0">
+                          <a:effectLst/>
+                        </a:rPr>
+                        <a:t>scientific </a:t>
+                      </a:r>
+                      <a:r>
+                        <a:rPr lang="en-US" sz="1600" i="1" dirty="0" smtClean="0">
+                          <a:effectLst/>
+                        </a:rPr>
+                        <a:t>literature: A new measure </a:t>
+                      </a:r>
+                      <a:r>
+                        <a:rPr lang="en-US" sz="1600" i="1" dirty="0" smtClean="0">
+                          <a:effectLst/>
+                        </a:rPr>
+                        <a:t>…</a:t>
+                      </a:r>
+                      <a:endParaRPr lang="de-DE" sz="1600" i="1" dirty="0">
+                        <a:effectLst/>
+                        <a:latin typeface="+mn-lt"/>
+                        <a:ea typeface="Times New Roman" panose="02020603050405020304" pitchFamily="18" charset="0"/>
+                      </a:endParaRPr>
+                    </a:p>
+                  </a:txBody>
+                  <a:tcPr marL="68580" marR="68580" marT="0" marB="0" anchor="ctr"/>
+                </a:tc>
+                <a:tc>
+                  <a:txBody>
+                    <a:bodyPr/>
+                    <a:lstStyle/>
+                    <a:p>
+                      <a:pPr marL="0" marR="0" algn="ctr">
+                        <a:spcBef>
+                          <a:spcPts val="0"/>
+                        </a:spcBef>
+                        <a:spcAft>
+                          <a:spcPts val="0"/>
+                        </a:spcAft>
+                      </a:pPr>
+                      <a:r>
+                        <a:rPr lang="de-DE" sz="1600" dirty="0" smtClean="0">
+                          <a:effectLst/>
+                        </a:rPr>
+                        <a:t>162</a:t>
+                      </a:r>
+                      <a:endParaRPr lang="de-DE" sz="1600" dirty="0">
+                        <a:effectLst/>
+                        <a:latin typeface="+mn-lt"/>
+                        <a:ea typeface="Times New Roman" panose="02020603050405020304" pitchFamily="18" charset="0"/>
+                      </a:endParaRPr>
+                    </a:p>
+                  </a:txBody>
+                  <a:tcPr marL="68580" marR="68580" marT="0" marB="0" anchor="ctr"/>
+                </a:tc>
+                <a:tc>
+                  <a:txBody>
+                    <a:bodyPr/>
+                    <a:lstStyle/>
+                    <a:p>
+                      <a:pPr algn="ctr"/>
+                      <a:r>
+                        <a:rPr lang="de-DE" sz="1600" dirty="0" smtClean="0"/>
+                        <a:t>33</a:t>
+                      </a:r>
+                      <a:endParaRPr lang="de-DE" sz="1600" dirty="0">
+                        <a:latin typeface="+mn-lt"/>
+                      </a:endParaRPr>
+                    </a:p>
+                  </a:txBody>
+                  <a:tcPr anchor="ctr"/>
+                </a:tc>
+                <a:tc>
+                  <a:txBody>
+                    <a:bodyPr/>
+                    <a:lstStyle/>
+                    <a:p>
+                      <a:pPr algn="r"/>
+                      <a:r>
+                        <a:rPr lang="de-DE" sz="1600" dirty="0" smtClean="0"/>
+                        <a:t>85%</a:t>
+                      </a:r>
+                      <a:endParaRPr lang="de-DE" sz="1600" dirty="0">
+                        <a:latin typeface="+mn-lt"/>
+                      </a:endParaRPr>
+                    </a:p>
+                  </a:txBody>
+                  <a:tcPr marR="548640" anchor="ctr"/>
+                </a:tc>
+              </a:tr>
+              <a:tr h="370840">
+                <a:tc>
+                  <a:txBody>
+                    <a:bodyPr/>
+                    <a:lstStyle/>
+                    <a:p>
+                      <a:pPr marL="0" marR="0" lvl="0" indent="0" algn="l" defTabSz="914400" rtl="0" eaLnBrk="1" fontAlgn="auto" latinLnBrk="0" hangingPunct="1">
+                        <a:lnSpc>
+                          <a:spcPct val="100000"/>
+                        </a:lnSpc>
+                        <a:spcBef>
+                          <a:spcPts val="0"/>
+                        </a:spcBef>
+                        <a:spcAft>
+                          <a:spcPts val="0"/>
+                        </a:spcAft>
+                        <a:buClrTx/>
+                        <a:buSzTx/>
+                        <a:buFontTx/>
+                        <a:buNone/>
+                        <a:tabLst/>
+                        <a:defRPr/>
+                      </a:pPr>
+                      <a:r>
+                        <a:rPr lang="en-US" sz="1600" dirty="0" smtClean="0">
+                          <a:effectLst/>
+                        </a:rPr>
+                        <a:t>Katz, J.S., Martin, B.R., (1997)</a:t>
+                      </a:r>
+                      <a:br>
+                        <a:rPr lang="en-US" sz="1600" dirty="0" smtClean="0">
+                          <a:effectLst/>
+                        </a:rPr>
+                      </a:br>
+                      <a:r>
+                        <a:rPr lang="en-US" sz="1600" i="1" dirty="0" smtClean="0">
+                          <a:effectLst/>
+                        </a:rPr>
+                        <a:t>What is research collaboration?</a:t>
+                      </a:r>
+                      <a:endParaRPr lang="de-DE" sz="1600" i="1" dirty="0">
+                        <a:effectLst/>
+                        <a:latin typeface="+mn-lt"/>
+                        <a:ea typeface="Times New Roman" panose="02020603050405020304" pitchFamily="18" charset="0"/>
+                      </a:endParaRPr>
+                    </a:p>
+                  </a:txBody>
+                  <a:tcPr marL="68580" marR="68580" marT="0" marB="0" anchor="ctr"/>
+                </a:tc>
+                <a:tc>
+                  <a:txBody>
+                    <a:bodyPr/>
+                    <a:lstStyle/>
+                    <a:p>
+                      <a:pPr marL="0" marR="0" algn="ctr">
+                        <a:spcBef>
+                          <a:spcPts val="0"/>
+                        </a:spcBef>
+                        <a:spcAft>
+                          <a:spcPts val="0"/>
+                        </a:spcAft>
+                      </a:pPr>
+                      <a:r>
+                        <a:rPr lang="de-DE" sz="1600" dirty="0" smtClean="0">
+                          <a:effectLst/>
+                          <a:latin typeface="+mn-lt"/>
+                          <a:ea typeface="Times New Roman" panose="02020603050405020304" pitchFamily="18" charset="0"/>
+                        </a:rPr>
+                        <a:t>171</a:t>
+                      </a:r>
+                      <a:endParaRPr lang="de-DE" sz="1600" dirty="0">
+                        <a:effectLst/>
+                        <a:latin typeface="+mn-lt"/>
+                        <a:ea typeface="Times New Roman" panose="02020603050405020304" pitchFamily="18" charset="0"/>
+                      </a:endParaRPr>
+                    </a:p>
+                  </a:txBody>
+                  <a:tcPr marL="68580" marR="68580" marT="0" marB="0" anchor="ctr"/>
+                </a:tc>
+                <a:tc>
+                  <a:txBody>
+                    <a:bodyPr/>
+                    <a:lstStyle/>
+                    <a:p>
+                      <a:pPr algn="ctr"/>
+                      <a:r>
+                        <a:rPr lang="de-DE" sz="1600" dirty="0" smtClean="0">
+                          <a:latin typeface="+mn-lt"/>
+                        </a:rPr>
+                        <a:t>20</a:t>
+                      </a:r>
+                      <a:endParaRPr lang="de-DE" sz="1600" dirty="0">
+                        <a:latin typeface="+mn-lt"/>
+                      </a:endParaRPr>
+                    </a:p>
+                  </a:txBody>
+                  <a:tcPr anchor="ctr"/>
+                </a:tc>
+                <a:tc>
+                  <a:txBody>
+                    <a:bodyPr/>
+                    <a:lstStyle/>
+                    <a:p>
+                      <a:pPr algn="r"/>
+                      <a:r>
+                        <a:rPr lang="de-DE" sz="1600" dirty="0" smtClean="0">
+                          <a:latin typeface="+mn-lt"/>
+                        </a:rPr>
+                        <a:t>100%</a:t>
+                      </a:r>
+                      <a:endParaRPr lang="de-DE" sz="1600" dirty="0">
+                        <a:latin typeface="+mn-lt"/>
+                      </a:endParaRPr>
+                    </a:p>
+                  </a:txBody>
+                  <a:tcPr marR="548640" anchor="ctr"/>
+                </a:tc>
+              </a:tr>
+            </a:tbl>
+          </a:graphicData>
+        </a:graphic>
+      </p:graphicFrame>
+      <mc:AlternateContent xmlns:mc="http://schemas.openxmlformats.org/markup-compatibility/2006">
+        <mc:Choice xmlns:a14="http://schemas.microsoft.com/office/drawing/2010/main" Requires="a14">
+          <p:sp>
+            <p:nvSpPr>
+              <p:cNvPr id="9" name="Abgerundete rechteckige Legende 8"/>
+              <p:cNvSpPr/>
+              <p:nvPr/>
+            </p:nvSpPr>
+            <p:spPr>
+              <a:xfrm>
+                <a:off x="7177731" y="4834910"/>
+                <a:ext cx="1737360" cy="548640"/>
+              </a:xfrm>
+              <a:prstGeom prst="wedgeRoundRectCallout">
+                <a:avLst>
+                  <a:gd name="adj1" fmla="val -66589"/>
+                  <a:gd name="adj2" fmla="val 10237"/>
+                  <a:gd name="adj3" fmla="val 16667"/>
+                </a:avLst>
+              </a:prstGeom>
+            </p:spPr>
+            <p:style>
+              <a:lnRef idx="2">
+                <a:schemeClr val="accent1"/>
+              </a:lnRef>
+              <a:fillRef idx="1">
+                <a:schemeClr val="lt1"/>
+              </a:fillRef>
+              <a:effectRef idx="0">
+                <a:schemeClr val="accent1"/>
+              </a:effectRef>
+              <a:fontRef idx="minor">
+                <a:schemeClr val="dk1"/>
+              </a:fontRef>
+            </p:style>
+            <p:txBody>
+              <a:bodyPr rtlCol="0" anchor="ctr"/>
+              <a:lstStyle/>
+              <a:p>
+                <a:pPr algn="ctr"/>
+                <a14:m>
+                  <m:oMathPara xmlns:m="http://schemas.openxmlformats.org/officeDocument/2006/math">
+                    <m:oMathParaPr>
+                      <m:jc m:val="centerGroup"/>
+                    </m:oMathParaPr>
+                    <m:oMath xmlns:m="http://schemas.openxmlformats.org/officeDocument/2006/math">
+                      <m:f>
+                        <m:fPr>
+                          <m:ctrlPr>
+                            <a:rPr lang="de-DE" sz="1600" i="1" smtClean="0">
+                              <a:latin typeface="Cambria Math" panose="02040503050406030204" pitchFamily="18" charset="0"/>
+                            </a:rPr>
+                          </m:ctrlPr>
+                        </m:fPr>
+                        <m:num>
+                          <m:r>
+                            <a:rPr lang="de-DE" sz="1600" b="0" i="1" smtClean="0">
+                              <a:latin typeface="Cambria Math" panose="02040503050406030204" pitchFamily="18" charset="0"/>
+                            </a:rPr>
+                            <m:t>𝑁</m:t>
+                          </m:r>
+                          <m:r>
+                            <a:rPr lang="de-DE" sz="1600" b="0" i="1" smtClean="0">
+                              <a:latin typeface="Cambria Math" panose="02040503050406030204" pitchFamily="18" charset="0"/>
+                            </a:rPr>
+                            <m:t>_</m:t>
+                          </m:r>
+                          <m:r>
+                            <a:rPr lang="de-DE" sz="1600" b="0" i="1" smtClean="0">
+                              <a:latin typeface="Cambria Math" panose="02040503050406030204" pitchFamily="18" charset="0"/>
+                            </a:rPr>
+                            <m:t>𝑃𝑌𝐸𝐴𝑅𝑆</m:t>
+                          </m:r>
+                        </m:num>
+                        <m:den>
+                          <m:sSub>
+                            <m:sSubPr>
+                              <m:ctrlPr>
+                                <a:rPr lang="de-DE" sz="1600" b="0" i="1" smtClean="0">
+                                  <a:latin typeface="Cambria Math" panose="02040503050406030204" pitchFamily="18" charset="0"/>
+                                </a:rPr>
+                              </m:ctrlPr>
+                            </m:sSubPr>
+                            <m:e>
+                              <m:r>
+                                <a:rPr lang="de-DE" sz="1600" i="1">
+                                  <a:latin typeface="Cambria Math" panose="02040503050406030204" pitchFamily="18" charset="0"/>
+                                </a:rPr>
+                                <m:t>𝑁</m:t>
+                              </m:r>
+                              <m:r>
+                                <a:rPr lang="de-DE" sz="1600" i="1">
+                                  <a:latin typeface="Cambria Math" panose="02040503050406030204" pitchFamily="18" charset="0"/>
+                                </a:rPr>
+                                <m:t>_</m:t>
+                              </m:r>
+                              <m:r>
+                                <a:rPr lang="de-DE" sz="1600" i="1">
+                                  <a:latin typeface="Cambria Math" panose="02040503050406030204" pitchFamily="18" charset="0"/>
+                                </a:rPr>
+                                <m:t>𝑃𝑌</m:t>
+                              </m:r>
+                            </m:e>
+                            <m:sub>
+                              <m:r>
+                                <a:rPr lang="de-DE" sz="1600" b="0" i="1" smtClean="0">
+                                  <a:latin typeface="Cambria Math" panose="02040503050406030204" pitchFamily="18" charset="0"/>
+                                </a:rPr>
+                                <m:t>1979</m:t>
+                              </m:r>
+                            </m:sub>
+                          </m:sSub>
+                        </m:den>
+                      </m:f>
+                      <m:r>
+                        <a:rPr lang="de-DE" sz="1600" b="0" i="1" smtClean="0">
+                          <a:latin typeface="Cambria Math" panose="02040503050406030204" pitchFamily="18" charset="0"/>
+                        </a:rPr>
+                        <m:t>=</m:t>
+                      </m:r>
+                      <m:f>
+                        <m:fPr>
+                          <m:ctrlPr>
+                            <a:rPr lang="de-DE" sz="1600" i="1">
+                              <a:latin typeface="Cambria Math" panose="02040503050406030204" pitchFamily="18" charset="0"/>
+                            </a:rPr>
+                          </m:ctrlPr>
+                        </m:fPr>
+                        <m:num>
+                          <m:r>
+                            <a:rPr lang="de-DE" sz="1600" b="0" i="1" smtClean="0">
+                              <a:latin typeface="Cambria Math" panose="02040503050406030204" pitchFamily="18" charset="0"/>
+                            </a:rPr>
+                            <m:t>34</m:t>
+                          </m:r>
+                        </m:num>
+                        <m:den>
+                          <m:r>
+                            <a:rPr lang="de-DE" sz="1600" b="0" i="1" smtClean="0">
+                              <a:latin typeface="Cambria Math" panose="02040503050406030204" pitchFamily="18" charset="0"/>
+                            </a:rPr>
+                            <m:t>37</m:t>
+                          </m:r>
+                        </m:den>
+                      </m:f>
+                    </m:oMath>
+                  </m:oMathPara>
+                </a14:m>
+                <a:endParaRPr lang="de-DE" dirty="0"/>
+              </a:p>
+            </p:txBody>
+          </p:sp>
+        </mc:Choice>
+        <mc:Fallback>
+          <p:sp>
+            <p:nvSpPr>
+              <p:cNvPr id="9" name="Abgerundete rechteckige Legende 8"/>
+              <p:cNvSpPr>
+                <a:spLocks noRot="1" noChangeAspect="1" noMove="1" noResize="1" noEditPoints="1" noAdjustHandles="1" noChangeArrowheads="1" noChangeShapeType="1" noTextEdit="1"/>
+              </p:cNvSpPr>
+              <p:nvPr/>
+            </p:nvSpPr>
+            <p:spPr>
+              <a:xfrm>
+                <a:off x="7177731" y="4834910"/>
+                <a:ext cx="1737360" cy="548640"/>
+              </a:xfrm>
+              <a:prstGeom prst="wedgeRoundRectCallout">
+                <a:avLst>
+                  <a:gd name="adj1" fmla="val -66589"/>
+                  <a:gd name="adj2" fmla="val 10237"/>
+                  <a:gd name="adj3" fmla="val 16667"/>
+                </a:avLst>
+              </a:prstGeom>
+              <a:blipFill rotWithShape="0">
+                <a:blip r:embed="rId3"/>
+                <a:stretch>
+                  <a:fillRect/>
+                </a:stretch>
+              </a:blipFill>
+            </p:spPr>
+            <p:txBody>
+              <a:bodyPr/>
+              <a:lstStyle/>
+              <a:p>
+                <a:r>
+                  <a:rPr lang="de-DE">
+                    <a:noFill/>
+                  </a:rPr>
+                  <a:t> </a:t>
+                </a:r>
+              </a:p>
+            </p:txBody>
+          </p:sp>
+        </mc:Fallback>
+      </mc:AlternateContent>
+      <mc:AlternateContent xmlns:mc="http://schemas.openxmlformats.org/markup-compatibility/2006">
+        <mc:Choice xmlns:a14="http://schemas.microsoft.com/office/drawing/2010/main" Requires="a14">
+          <p:sp>
+            <p:nvSpPr>
+              <p:cNvPr id="10" name="Abgerundete rechteckige Legende 9"/>
+              <p:cNvSpPr/>
+              <p:nvPr/>
+            </p:nvSpPr>
+            <p:spPr>
+              <a:xfrm>
+                <a:off x="7177731" y="5545103"/>
+                <a:ext cx="1737360" cy="548640"/>
+              </a:xfrm>
+              <a:prstGeom prst="wedgeRoundRectCallout">
+                <a:avLst>
+                  <a:gd name="adj1" fmla="val -66589"/>
+                  <a:gd name="adj2" fmla="val -27694"/>
+                  <a:gd name="adj3" fmla="val 16667"/>
+                </a:avLst>
+              </a:prstGeom>
+            </p:spPr>
+            <p:style>
+              <a:lnRef idx="2">
+                <a:schemeClr val="accent1"/>
+              </a:lnRef>
+              <a:fillRef idx="1">
+                <a:schemeClr val="lt1"/>
+              </a:fillRef>
+              <a:effectRef idx="0">
+                <a:schemeClr val="accent1"/>
+              </a:effectRef>
+              <a:fontRef idx="minor">
+                <a:schemeClr val="dk1"/>
+              </a:fontRef>
+            </p:style>
+            <p:txBody>
+              <a:bodyPr rtlCol="0" anchor="ctr"/>
+              <a:lstStyle/>
+              <a:p>
+                <a:pPr algn="ctr"/>
+                <a14:m>
+                  <m:oMathPara xmlns:m="http://schemas.openxmlformats.org/officeDocument/2006/math">
+                    <m:oMathParaPr>
+                      <m:jc m:val="centerGroup"/>
+                    </m:oMathParaPr>
+                    <m:oMath xmlns:m="http://schemas.openxmlformats.org/officeDocument/2006/math">
+                      <m:f>
+                        <m:fPr>
+                          <m:ctrlPr>
+                            <a:rPr lang="de-DE" sz="1600" i="1" smtClean="0">
+                              <a:latin typeface="Cambria Math" panose="02040503050406030204" pitchFamily="18" charset="0"/>
+                            </a:rPr>
+                          </m:ctrlPr>
+                        </m:fPr>
+                        <m:num>
+                          <m:r>
+                            <a:rPr lang="de-DE" sz="1600" b="0" i="1" smtClean="0">
+                              <a:latin typeface="Cambria Math" panose="02040503050406030204" pitchFamily="18" charset="0"/>
+                            </a:rPr>
+                            <m:t>𝑁</m:t>
+                          </m:r>
+                          <m:r>
+                            <a:rPr lang="de-DE" sz="1600" b="0" i="1" smtClean="0">
+                              <a:latin typeface="Cambria Math" panose="02040503050406030204" pitchFamily="18" charset="0"/>
+                            </a:rPr>
+                            <m:t>_</m:t>
+                          </m:r>
+                          <m:r>
+                            <a:rPr lang="de-DE" sz="1600" b="0" i="1" smtClean="0">
+                              <a:latin typeface="Cambria Math" panose="02040503050406030204" pitchFamily="18" charset="0"/>
+                            </a:rPr>
+                            <m:t>𝑃𝑌𝐸𝐴𝑅𝑆</m:t>
+                          </m:r>
+                        </m:num>
+                        <m:den>
+                          <m:sSub>
+                            <m:sSubPr>
+                              <m:ctrlPr>
+                                <a:rPr lang="de-DE" sz="1600" b="0" i="1" smtClean="0">
+                                  <a:latin typeface="Cambria Math" panose="02040503050406030204" pitchFamily="18" charset="0"/>
+                                </a:rPr>
+                              </m:ctrlPr>
+                            </m:sSubPr>
+                            <m:e>
+                              <m:r>
+                                <a:rPr lang="de-DE" sz="1600" i="1">
+                                  <a:latin typeface="Cambria Math" panose="02040503050406030204" pitchFamily="18" charset="0"/>
+                                </a:rPr>
+                                <m:t>𝑁</m:t>
+                              </m:r>
+                              <m:r>
+                                <a:rPr lang="de-DE" sz="1600" i="1">
+                                  <a:latin typeface="Cambria Math" panose="02040503050406030204" pitchFamily="18" charset="0"/>
+                                </a:rPr>
+                                <m:t>_</m:t>
+                              </m:r>
+                              <m:r>
+                                <a:rPr lang="de-DE" sz="1600" i="1">
+                                  <a:latin typeface="Cambria Math" panose="02040503050406030204" pitchFamily="18" charset="0"/>
+                                </a:rPr>
+                                <m:t>𝑃𝑌</m:t>
+                              </m:r>
+                            </m:e>
+                            <m:sub>
+                              <m:r>
+                                <a:rPr lang="de-DE" sz="1600" b="0" i="1" smtClean="0">
+                                  <a:latin typeface="Cambria Math" panose="02040503050406030204" pitchFamily="18" charset="0"/>
+                                </a:rPr>
+                                <m:t>1973</m:t>
+                              </m:r>
+                            </m:sub>
+                          </m:sSub>
+                        </m:den>
+                      </m:f>
+                      <m:r>
+                        <a:rPr lang="de-DE" sz="1600" b="0" i="1" smtClean="0">
+                          <a:latin typeface="Cambria Math" panose="02040503050406030204" pitchFamily="18" charset="0"/>
+                        </a:rPr>
+                        <m:t>=</m:t>
+                      </m:r>
+                      <m:f>
+                        <m:fPr>
+                          <m:ctrlPr>
+                            <a:rPr lang="de-DE" sz="1600" i="1">
+                              <a:latin typeface="Cambria Math" panose="02040503050406030204" pitchFamily="18" charset="0"/>
+                            </a:rPr>
+                          </m:ctrlPr>
+                        </m:fPr>
+                        <m:num>
+                          <m:r>
+                            <a:rPr lang="de-DE" sz="1600" b="0" i="1" smtClean="0">
+                              <a:latin typeface="Cambria Math" panose="02040503050406030204" pitchFamily="18" charset="0"/>
+                            </a:rPr>
+                            <m:t>33</m:t>
+                          </m:r>
+                        </m:num>
+                        <m:den>
+                          <m:r>
+                            <a:rPr lang="de-DE" sz="1600" b="0" i="1" smtClean="0">
+                              <a:latin typeface="Cambria Math" panose="02040503050406030204" pitchFamily="18" charset="0"/>
+                            </a:rPr>
+                            <m:t>39</m:t>
+                          </m:r>
+                        </m:den>
+                      </m:f>
+                    </m:oMath>
+                  </m:oMathPara>
+                </a14:m>
+                <a:endParaRPr lang="de-DE" dirty="0"/>
+              </a:p>
+            </p:txBody>
+          </p:sp>
+        </mc:Choice>
+        <mc:Fallback>
+          <p:sp>
+            <p:nvSpPr>
+              <p:cNvPr id="10" name="Abgerundete rechteckige Legende 9"/>
+              <p:cNvSpPr>
+                <a:spLocks noRot="1" noChangeAspect="1" noMove="1" noResize="1" noEditPoints="1" noAdjustHandles="1" noChangeArrowheads="1" noChangeShapeType="1" noTextEdit="1"/>
+              </p:cNvSpPr>
+              <p:nvPr/>
+            </p:nvSpPr>
+            <p:spPr>
+              <a:xfrm>
+                <a:off x="7177731" y="5545103"/>
+                <a:ext cx="1737360" cy="548640"/>
+              </a:xfrm>
+              <a:prstGeom prst="wedgeRoundRectCallout">
+                <a:avLst>
+                  <a:gd name="adj1" fmla="val -66589"/>
+                  <a:gd name="adj2" fmla="val -27694"/>
+                  <a:gd name="adj3" fmla="val 16667"/>
+                </a:avLst>
+              </a:prstGeom>
+              <a:blipFill rotWithShape="0">
+                <a:blip r:embed="rId4"/>
+                <a:stretch>
+                  <a:fillRect/>
+                </a:stretch>
+              </a:blipFill>
+            </p:spPr>
+            <p:txBody>
+              <a:bodyPr/>
+              <a:lstStyle/>
+              <a:p>
+                <a:r>
+                  <a:rPr lang="de-DE">
+                    <a:noFill/>
+                  </a:rPr>
+                  <a:t> </a:t>
+                </a:r>
+              </a:p>
+            </p:txBody>
+          </p:sp>
+        </mc:Fallback>
+      </mc:AlternateContent>
+      <mc:AlternateContent xmlns:mc="http://schemas.openxmlformats.org/markup-compatibility/2006">
+        <mc:Choice xmlns:a14="http://schemas.microsoft.com/office/drawing/2010/main" Requires="a14">
+          <p:sp>
+            <p:nvSpPr>
+              <p:cNvPr id="11" name="Abgerundete rechteckige Legende 10"/>
+              <p:cNvSpPr/>
+              <p:nvPr/>
+            </p:nvSpPr>
+            <p:spPr>
+              <a:xfrm>
+                <a:off x="7164288" y="4091595"/>
+                <a:ext cx="1737360" cy="548640"/>
+              </a:xfrm>
+              <a:prstGeom prst="wedgeRoundRectCallout">
+                <a:avLst>
+                  <a:gd name="adj1" fmla="val -66527"/>
+                  <a:gd name="adj2" fmla="val 63667"/>
+                  <a:gd name="adj3" fmla="val 16667"/>
+                </a:avLst>
+              </a:prstGeom>
+            </p:spPr>
+            <p:style>
+              <a:lnRef idx="2">
+                <a:schemeClr val="accent1"/>
+              </a:lnRef>
+              <a:fillRef idx="1">
+                <a:schemeClr val="lt1"/>
+              </a:fillRef>
+              <a:effectRef idx="0">
+                <a:schemeClr val="accent1"/>
+              </a:effectRef>
+              <a:fontRef idx="minor">
+                <a:schemeClr val="dk1"/>
+              </a:fontRef>
+            </p:style>
+            <p:txBody>
+              <a:bodyPr rtlCol="0" anchor="ctr"/>
+              <a:lstStyle/>
+              <a:p>
+                <a:pPr algn="ctr"/>
+                <a14:m>
+                  <m:oMathPara xmlns:m="http://schemas.openxmlformats.org/officeDocument/2006/math">
+                    <m:oMathParaPr>
+                      <m:jc m:val="centerGroup"/>
+                    </m:oMathParaPr>
+                    <m:oMath xmlns:m="http://schemas.openxmlformats.org/officeDocument/2006/math">
+                      <m:f>
+                        <m:fPr>
+                          <m:ctrlPr>
+                            <a:rPr lang="de-DE" sz="1600" i="1" smtClean="0">
+                              <a:latin typeface="Cambria Math" panose="02040503050406030204" pitchFamily="18" charset="0"/>
+                            </a:rPr>
+                          </m:ctrlPr>
+                        </m:fPr>
+                        <m:num>
+                          <m:r>
+                            <a:rPr lang="de-DE" sz="1600" b="0" i="1" smtClean="0">
+                              <a:latin typeface="Cambria Math" panose="02040503050406030204" pitchFamily="18" charset="0"/>
+                            </a:rPr>
+                            <m:t>𝑁</m:t>
+                          </m:r>
+                          <m:r>
+                            <a:rPr lang="de-DE" sz="1600" b="0" i="1" smtClean="0">
+                              <a:latin typeface="Cambria Math" panose="02040503050406030204" pitchFamily="18" charset="0"/>
+                            </a:rPr>
+                            <m:t>_</m:t>
+                          </m:r>
+                          <m:r>
+                            <a:rPr lang="de-DE" sz="1600" b="0" i="1" smtClean="0">
+                              <a:latin typeface="Cambria Math" panose="02040503050406030204" pitchFamily="18" charset="0"/>
+                            </a:rPr>
+                            <m:t>𝑃𝑌𝐸𝐴𝑅𝑆</m:t>
+                          </m:r>
+                        </m:num>
+                        <m:den>
+                          <m:sSub>
+                            <m:sSubPr>
+                              <m:ctrlPr>
+                                <a:rPr lang="de-DE" sz="1600" b="0" i="1" smtClean="0">
+                                  <a:latin typeface="Cambria Math" panose="02040503050406030204" pitchFamily="18" charset="0"/>
+                                </a:rPr>
+                              </m:ctrlPr>
+                            </m:sSubPr>
+                            <m:e>
+                              <m:r>
+                                <a:rPr lang="de-DE" sz="1600" i="1">
+                                  <a:latin typeface="Cambria Math" panose="02040503050406030204" pitchFamily="18" charset="0"/>
+                                </a:rPr>
+                                <m:t>𝑁</m:t>
+                              </m:r>
+                              <m:r>
+                                <a:rPr lang="de-DE" sz="1600" i="1">
+                                  <a:latin typeface="Cambria Math" panose="02040503050406030204" pitchFamily="18" charset="0"/>
+                                </a:rPr>
+                                <m:t>_</m:t>
+                              </m:r>
+                              <m:r>
+                                <a:rPr lang="de-DE" sz="1600" i="1">
+                                  <a:latin typeface="Cambria Math" panose="02040503050406030204" pitchFamily="18" charset="0"/>
+                                </a:rPr>
+                                <m:t>𝑃𝑌</m:t>
+                              </m:r>
+                            </m:e>
+                            <m:sub>
+                              <m:r>
+                                <a:rPr lang="de-DE" sz="1600" b="0" i="1" smtClean="0">
+                                  <a:latin typeface="Cambria Math" panose="02040503050406030204" pitchFamily="18" charset="0"/>
+                                </a:rPr>
+                                <m:t>1926</m:t>
+                              </m:r>
+                            </m:sub>
+                          </m:sSub>
+                        </m:den>
+                      </m:f>
+                      <m:r>
+                        <a:rPr lang="de-DE" sz="1600" b="0" i="1" smtClean="0">
+                          <a:latin typeface="Cambria Math" panose="02040503050406030204" pitchFamily="18" charset="0"/>
+                        </a:rPr>
+                        <m:t>=</m:t>
+                      </m:r>
+                      <m:f>
+                        <m:fPr>
+                          <m:ctrlPr>
+                            <a:rPr lang="de-DE" sz="1600" i="1">
+                              <a:latin typeface="Cambria Math" panose="02040503050406030204" pitchFamily="18" charset="0"/>
+                            </a:rPr>
+                          </m:ctrlPr>
+                        </m:fPr>
+                        <m:num>
+                          <m:r>
+                            <a:rPr lang="de-DE" sz="1600" b="0" i="1" smtClean="0">
+                              <a:latin typeface="Cambria Math" panose="02040503050406030204" pitchFamily="18" charset="0"/>
+                            </a:rPr>
+                            <m:t>36</m:t>
+                          </m:r>
+                        </m:num>
+                        <m:den>
+                          <m:r>
+                            <a:rPr lang="de-DE" sz="1600" b="0" i="1" smtClean="0">
+                              <a:latin typeface="Cambria Math" panose="02040503050406030204" pitchFamily="18" charset="0"/>
+                            </a:rPr>
+                            <m:t>36</m:t>
+                          </m:r>
+                        </m:den>
+                      </m:f>
+                    </m:oMath>
+                  </m:oMathPara>
+                </a14:m>
+                <a:endParaRPr lang="de-DE" dirty="0"/>
+              </a:p>
+            </p:txBody>
+          </p:sp>
+        </mc:Choice>
+        <mc:Fallback>
+          <p:sp>
+            <p:nvSpPr>
+              <p:cNvPr id="11" name="Abgerundete rechteckige Legende 10"/>
+              <p:cNvSpPr>
+                <a:spLocks noRot="1" noChangeAspect="1" noMove="1" noResize="1" noEditPoints="1" noAdjustHandles="1" noChangeArrowheads="1" noChangeShapeType="1" noTextEdit="1"/>
+              </p:cNvSpPr>
+              <p:nvPr/>
+            </p:nvSpPr>
+            <p:spPr>
+              <a:xfrm>
+                <a:off x="7164288" y="4091595"/>
+                <a:ext cx="1737360" cy="548640"/>
+              </a:xfrm>
+              <a:prstGeom prst="wedgeRoundRectCallout">
+                <a:avLst>
+                  <a:gd name="adj1" fmla="val -66527"/>
+                  <a:gd name="adj2" fmla="val 63667"/>
+                  <a:gd name="adj3" fmla="val 16667"/>
+                </a:avLst>
+              </a:prstGeom>
+              <a:blipFill rotWithShape="0">
+                <a:blip r:embed="rId5"/>
+                <a:stretch>
+                  <a:fillRect/>
+                </a:stretch>
+              </a:blipFill>
+            </p:spPr>
+            <p:txBody>
+              <a:bodyPr/>
+              <a:lstStyle/>
+              <a:p>
+                <a:r>
+                  <a:rPr lang="de-DE">
+                    <a:noFill/>
+                  </a:rPr>
+                  <a:t> </a:t>
+                </a:r>
+              </a:p>
+            </p:txBody>
+          </p:sp>
+        </mc:Fallback>
+      </mc:AlternateContent>
+      <p:sp>
+        <p:nvSpPr>
+          <p:cNvPr id="12" name="Rechteck 11"/>
+          <p:cNvSpPr/>
+          <p:nvPr/>
+        </p:nvSpPr>
+        <p:spPr>
+          <a:xfrm>
+            <a:off x="457200" y="2863561"/>
+            <a:ext cx="3672408" cy="646331"/>
+          </a:xfrm>
+          <a:prstGeom prst="rect">
+            <a:avLst/>
+          </a:prstGeom>
+        </p:spPr>
+        <p:txBody>
+          <a:bodyPr wrap="square">
+            <a:spAutoFit/>
+          </a:bodyPr>
+          <a:lstStyle/>
+          <a:p>
+            <a:r>
+              <a:rPr lang="de-DE" dirty="0" err="1" smtClean="0"/>
+              <a:t>Scientometrics</a:t>
+            </a:r>
+            <a:r>
+              <a:rPr lang="de-DE" dirty="0" smtClean="0"/>
+              <a:t> </a:t>
+            </a:r>
+            <a:r>
+              <a:rPr lang="de-DE" dirty="0" err="1"/>
+              <a:t>papers</a:t>
+            </a:r>
+            <a:r>
+              <a:rPr lang="de-DE" dirty="0"/>
+              <a:t> (1978-2016) </a:t>
+            </a:r>
+            <a:r>
+              <a:rPr lang="de-DE" dirty="0" smtClean="0"/>
+              <a:t/>
+            </a:r>
+            <a:br>
+              <a:rPr lang="de-DE" dirty="0" smtClean="0"/>
+            </a:br>
+            <a:r>
+              <a:rPr lang="de-DE" dirty="0" smtClean="0">
+                <a:sym typeface="Wingdings" panose="05000000000000000000" pitchFamily="2" charset="2"/>
+              </a:rPr>
+              <a:t> </a:t>
+            </a:r>
+            <a:r>
+              <a:rPr lang="de-DE" dirty="0">
+                <a:sym typeface="Wingdings" panose="05000000000000000000" pitchFamily="2" charset="2"/>
+              </a:rPr>
+              <a:t>39 </a:t>
+            </a:r>
+            <a:r>
+              <a:rPr lang="de-DE" dirty="0" err="1">
+                <a:sym typeface="Wingdings" panose="05000000000000000000" pitchFamily="2" charset="2"/>
+              </a:rPr>
+              <a:t>publication</a:t>
+            </a:r>
+            <a:r>
+              <a:rPr lang="de-DE" dirty="0">
+                <a:sym typeface="Wingdings" panose="05000000000000000000" pitchFamily="2" charset="2"/>
+              </a:rPr>
+              <a:t> </a:t>
+            </a:r>
+            <a:r>
+              <a:rPr lang="de-DE" dirty="0" err="1">
+                <a:sym typeface="Wingdings" panose="05000000000000000000" pitchFamily="2" charset="2"/>
+              </a:rPr>
+              <a:t>years</a:t>
+            </a:r>
+            <a:endParaRPr lang="de-DE" dirty="0"/>
+          </a:p>
+        </p:txBody>
+      </p:sp>
+      <p:sp>
+        <p:nvSpPr>
+          <p:cNvPr id="14" name="Rechteck 13"/>
+          <p:cNvSpPr/>
+          <p:nvPr/>
+        </p:nvSpPr>
+        <p:spPr>
+          <a:xfrm>
+            <a:off x="5604882" y="3381038"/>
+            <a:ext cx="1656184" cy="3456384"/>
+          </a:xfrm>
+          <a:prstGeom prst="rect">
+            <a:avLst/>
+          </a:prstGeom>
+          <a:ln>
+            <a:noFill/>
+          </a:ln>
+        </p:spPr>
+        <p:style>
+          <a:lnRef idx="2">
+            <a:schemeClr val="accent1"/>
+          </a:lnRef>
+          <a:fillRef idx="1">
+            <a:schemeClr val="lt1"/>
+          </a:fillRef>
+          <a:effectRef idx="0">
+            <a:schemeClr val="accent1"/>
+          </a:effectRef>
+          <a:fontRef idx="minor">
+            <a:schemeClr val="dk1"/>
+          </a:fontRef>
+        </p:style>
+        <p:txBody>
+          <a:bodyPr rtlCol="0" anchor="ctr"/>
+          <a:lstStyle/>
+          <a:p>
+            <a:pPr algn="ctr"/>
+            <a:endParaRPr lang="de-DE"/>
+          </a:p>
+        </p:txBody>
+      </p:sp>
+      <p:sp>
+        <p:nvSpPr>
+          <p:cNvPr id="13" name="Abgerundete rechteckige Legende 12"/>
+          <p:cNvSpPr/>
+          <p:nvPr/>
+        </p:nvSpPr>
+        <p:spPr>
+          <a:xfrm>
+            <a:off x="5796136" y="2636912"/>
+            <a:ext cx="2448272" cy="549815"/>
+          </a:xfrm>
+          <a:prstGeom prst="wedgeRoundRectCallout">
+            <a:avLst>
+              <a:gd name="adj1" fmla="val -71842"/>
+              <a:gd name="adj2" fmla="val 309707"/>
+              <a:gd name="adj3" fmla="val 16667"/>
+            </a:avLst>
+          </a:prstGeom>
+          <a:noFill/>
+        </p:spPr>
+        <p:style>
+          <a:lnRef idx="2">
+            <a:schemeClr val="accent1"/>
+          </a:lnRef>
+          <a:fillRef idx="1">
+            <a:schemeClr val="lt1"/>
+          </a:fillRef>
+          <a:effectRef idx="0">
+            <a:schemeClr val="accent1"/>
+          </a:effectRef>
+          <a:fontRef idx="minor">
+            <a:schemeClr val="dk1"/>
+          </a:fontRef>
+        </p:style>
+        <p:txBody>
+          <a:bodyPr rtlCol="0" anchor="ctr"/>
+          <a:lstStyle/>
+          <a:p>
+            <a:pPr algn="ctr"/>
+            <a:r>
+              <a:rPr lang="de-DE" dirty="0" smtClean="0"/>
+              <a:t>… </a:t>
+            </a:r>
+            <a:r>
+              <a:rPr lang="de-DE" dirty="0" err="1" smtClean="0"/>
+              <a:t>has</a:t>
+            </a:r>
+            <a:r>
+              <a:rPr lang="de-DE" dirty="0" smtClean="0"/>
+              <a:t> not </a:t>
+            </a:r>
+            <a:r>
+              <a:rPr lang="de-DE" dirty="0" err="1" smtClean="0"/>
+              <a:t>been</a:t>
+            </a:r>
+            <a:r>
+              <a:rPr lang="de-DE" dirty="0" smtClean="0"/>
+              <a:t> </a:t>
+            </a:r>
+            <a:r>
+              <a:rPr lang="de-DE" dirty="0" err="1" smtClean="0"/>
+              <a:t>cited</a:t>
+            </a:r>
+            <a:r>
+              <a:rPr lang="de-DE" dirty="0" smtClean="0"/>
+              <a:t> in 1978, 1979, </a:t>
+            </a:r>
+            <a:r>
+              <a:rPr lang="de-DE" dirty="0" err="1" smtClean="0"/>
+              <a:t>and</a:t>
+            </a:r>
+            <a:r>
+              <a:rPr lang="de-DE" dirty="0" smtClean="0"/>
+              <a:t> 1983</a:t>
+            </a:r>
+            <a:endParaRPr lang="de-DE" dirty="0"/>
+          </a:p>
+        </p:txBody>
+      </p:sp>
+      <mc:AlternateContent xmlns:mc="http://schemas.openxmlformats.org/markup-compatibility/2006">
+        <mc:Choice xmlns:a14="http://schemas.microsoft.com/office/drawing/2010/main" Requires="a14">
+          <p:sp>
+            <p:nvSpPr>
+              <p:cNvPr id="15" name="Abgerundete rechteckige Legende 14"/>
+              <p:cNvSpPr/>
+              <p:nvPr/>
+            </p:nvSpPr>
+            <p:spPr>
+              <a:xfrm>
+                <a:off x="7188883" y="6241665"/>
+                <a:ext cx="1737360" cy="548640"/>
+              </a:xfrm>
+              <a:prstGeom prst="wedgeRoundRectCallout">
+                <a:avLst>
+                  <a:gd name="adj1" fmla="val -66589"/>
+                  <a:gd name="adj2" fmla="val -65920"/>
+                  <a:gd name="adj3" fmla="val 16667"/>
+                </a:avLst>
+              </a:prstGeom>
+            </p:spPr>
+            <p:style>
+              <a:lnRef idx="2">
+                <a:schemeClr val="accent1"/>
+              </a:lnRef>
+              <a:fillRef idx="1">
+                <a:schemeClr val="lt1"/>
+              </a:fillRef>
+              <a:effectRef idx="0">
+                <a:schemeClr val="accent1"/>
+              </a:effectRef>
+              <a:fontRef idx="minor">
+                <a:schemeClr val="dk1"/>
+              </a:fontRef>
+            </p:style>
+            <p:txBody>
+              <a:bodyPr rtlCol="0" anchor="ctr"/>
+              <a:lstStyle/>
+              <a:p>
+                <a:pPr algn="ctr"/>
+                <a14:m>
+                  <m:oMathPara xmlns:m="http://schemas.openxmlformats.org/officeDocument/2006/math">
+                    <m:oMathParaPr>
+                      <m:jc m:val="centerGroup"/>
+                    </m:oMathParaPr>
+                    <m:oMath xmlns:m="http://schemas.openxmlformats.org/officeDocument/2006/math">
+                      <m:f>
+                        <m:fPr>
+                          <m:ctrlPr>
+                            <a:rPr lang="de-DE" sz="1600" i="1" smtClean="0">
+                              <a:latin typeface="Cambria Math" panose="02040503050406030204" pitchFamily="18" charset="0"/>
+                            </a:rPr>
+                          </m:ctrlPr>
+                        </m:fPr>
+                        <m:num>
+                          <m:r>
+                            <a:rPr lang="de-DE" sz="1600" b="0" i="1" smtClean="0">
+                              <a:latin typeface="Cambria Math" panose="02040503050406030204" pitchFamily="18" charset="0"/>
+                            </a:rPr>
+                            <m:t>𝑁</m:t>
+                          </m:r>
+                          <m:r>
+                            <a:rPr lang="de-DE" sz="1600" b="0" i="1" smtClean="0">
+                              <a:latin typeface="Cambria Math" panose="02040503050406030204" pitchFamily="18" charset="0"/>
+                            </a:rPr>
+                            <m:t>_</m:t>
+                          </m:r>
+                          <m:r>
+                            <a:rPr lang="de-DE" sz="1600" b="0" i="1" smtClean="0">
+                              <a:latin typeface="Cambria Math" panose="02040503050406030204" pitchFamily="18" charset="0"/>
+                            </a:rPr>
+                            <m:t>𝑃𝑌𝐸𝐴𝑅𝑆</m:t>
+                          </m:r>
+                        </m:num>
+                        <m:den>
+                          <m:sSub>
+                            <m:sSubPr>
+                              <m:ctrlPr>
+                                <a:rPr lang="de-DE" sz="1600" b="0" i="1" smtClean="0">
+                                  <a:latin typeface="Cambria Math" panose="02040503050406030204" pitchFamily="18" charset="0"/>
+                                </a:rPr>
+                              </m:ctrlPr>
+                            </m:sSubPr>
+                            <m:e>
+                              <m:r>
+                                <a:rPr lang="de-DE" sz="1600" i="1">
+                                  <a:latin typeface="Cambria Math" panose="02040503050406030204" pitchFamily="18" charset="0"/>
+                                </a:rPr>
+                                <m:t>𝑁</m:t>
+                              </m:r>
+                              <m:r>
+                                <a:rPr lang="de-DE" sz="1600" i="1">
+                                  <a:latin typeface="Cambria Math" panose="02040503050406030204" pitchFamily="18" charset="0"/>
+                                </a:rPr>
+                                <m:t>_</m:t>
+                              </m:r>
+                              <m:r>
+                                <a:rPr lang="de-DE" sz="1600" i="1">
+                                  <a:latin typeface="Cambria Math" panose="02040503050406030204" pitchFamily="18" charset="0"/>
+                                </a:rPr>
+                                <m:t>𝑃𝑌</m:t>
+                              </m:r>
+                            </m:e>
+                            <m:sub>
+                              <m:r>
+                                <a:rPr lang="de-DE" sz="1600" b="0" i="1" smtClean="0">
+                                  <a:latin typeface="Cambria Math" panose="02040503050406030204" pitchFamily="18" charset="0"/>
+                                </a:rPr>
+                                <m:t>1973</m:t>
+                              </m:r>
+                            </m:sub>
+                          </m:sSub>
+                        </m:den>
+                      </m:f>
+                      <m:r>
+                        <a:rPr lang="de-DE" sz="1600" b="0" i="1" smtClean="0">
+                          <a:latin typeface="Cambria Math" panose="02040503050406030204" pitchFamily="18" charset="0"/>
+                        </a:rPr>
+                        <m:t>=</m:t>
+                      </m:r>
+                      <m:f>
+                        <m:fPr>
+                          <m:ctrlPr>
+                            <a:rPr lang="de-DE" sz="1600" i="1">
+                              <a:latin typeface="Cambria Math" panose="02040503050406030204" pitchFamily="18" charset="0"/>
+                            </a:rPr>
+                          </m:ctrlPr>
+                        </m:fPr>
+                        <m:num>
+                          <m:r>
+                            <a:rPr lang="de-DE" sz="1600" b="0" i="1" smtClean="0">
+                              <a:latin typeface="Cambria Math" panose="02040503050406030204" pitchFamily="18" charset="0"/>
+                            </a:rPr>
+                            <m:t>20</m:t>
+                          </m:r>
+                        </m:num>
+                        <m:den>
+                          <m:r>
+                            <a:rPr lang="de-DE" sz="1600" b="0" i="1" smtClean="0">
+                              <a:latin typeface="Cambria Math" panose="02040503050406030204" pitchFamily="18" charset="0"/>
+                            </a:rPr>
+                            <m:t>20</m:t>
+                          </m:r>
+                        </m:den>
+                      </m:f>
+                    </m:oMath>
+                  </m:oMathPara>
+                </a14:m>
+                <a:endParaRPr lang="de-DE" dirty="0"/>
+              </a:p>
+            </p:txBody>
+          </p:sp>
+        </mc:Choice>
+        <mc:Fallback>
+          <p:sp>
+            <p:nvSpPr>
+              <p:cNvPr id="15" name="Abgerundete rechteckige Legende 14"/>
+              <p:cNvSpPr>
+                <a:spLocks noRot="1" noChangeAspect="1" noMove="1" noResize="1" noEditPoints="1" noAdjustHandles="1" noChangeArrowheads="1" noChangeShapeType="1" noTextEdit="1"/>
+              </p:cNvSpPr>
+              <p:nvPr/>
+            </p:nvSpPr>
+            <p:spPr>
+              <a:xfrm>
+                <a:off x="7188883" y="6241665"/>
+                <a:ext cx="1737360" cy="548640"/>
+              </a:xfrm>
+              <a:prstGeom prst="wedgeRoundRectCallout">
+                <a:avLst>
+                  <a:gd name="adj1" fmla="val -66589"/>
+                  <a:gd name="adj2" fmla="val -65920"/>
+                  <a:gd name="adj3" fmla="val 16667"/>
+                </a:avLst>
+              </a:prstGeom>
+              <a:blipFill rotWithShape="0">
+                <a:blip r:embed="rId6"/>
+                <a:stretch>
+                  <a:fillRect/>
+                </a:stretch>
+              </a:blipFill>
+            </p:spPr>
+            <p:txBody>
+              <a:bodyPr/>
+              <a:lstStyle/>
+              <a:p>
+                <a:r>
+                  <a:rPr lang="de-DE">
+                    <a:noFill/>
+                  </a:rPr>
+                  <a:t> </a:t>
+                </a:r>
+              </a:p>
+            </p:txBody>
+          </p:sp>
+        </mc:Fallback>
+      </mc:AlternateContent>
     </p:spTree>
     <p:extLst>
       <p:ext uri="{BB962C8B-B14F-4D97-AF65-F5344CB8AC3E}">
-        <p14:creationId xmlns:p14="http://schemas.microsoft.com/office/powerpoint/2010/main" val="321196287"/>
+        <p14:creationId xmlns:p14="http://schemas.microsoft.com/office/powerpoint/2010/main" val="2064978402"/>
       </p:ext>
     </p:extLst>
   </p:cSld>
@@ -4173,14 +5990,1743 @@
   <p:timing>
     <p:tnLst>
       <p:par>
-        <p:cTn id="1" dur="indefinite" restart="never" nodeType="tmRoot"/>
+        <p:cTn id="1" dur="indefinite" restart="never" nodeType="tmRoot">
+          <p:childTnLst>
+            <p:seq concurrent="1" nextAc="seek">
+              <p:cTn id="2" dur="indefinite" nodeType="mainSeq">
+                <p:childTnLst>
+                  <p:par>
+                    <p:cTn id="3" fill="hold">
+                      <p:stCondLst>
+                        <p:cond delay="indefinite"/>
+                      </p:stCondLst>
+                      <p:childTnLst>
+                        <p:par>
+                          <p:cTn id="4" fill="hold">
+                            <p:stCondLst>
+                              <p:cond delay="0"/>
+                            </p:stCondLst>
+                            <p:childTnLst>
+                              <p:par>
+                                <p:cTn id="5" presetID="1" presetClass="entr" presetSubtype="0" fill="hold" grpId="0" nodeType="clickEffect">
+                                  <p:stCondLst>
+                                    <p:cond delay="0"/>
+                                  </p:stCondLst>
+                                  <p:childTnLst>
+                                    <p:set>
+                                      <p:cBhvr>
+                                        <p:cTn id="6" dur="1" fill="hold">
+                                          <p:stCondLst>
+                                            <p:cond delay="0"/>
+                                          </p:stCondLst>
+                                        </p:cTn>
+                                        <p:tgtEl>
+                                          <p:spTgt spid="13"/>
+                                        </p:tgtEl>
+                                        <p:attrNameLst>
+                                          <p:attrName>style.visibility</p:attrName>
+                                        </p:attrNameLst>
+                                      </p:cBhvr>
+                                      <p:to>
+                                        <p:strVal val="visible"/>
+                                      </p:to>
+                                    </p:set>
+                                  </p:childTnLst>
+                                </p:cTn>
+                              </p:par>
+                            </p:childTnLst>
+                          </p:cTn>
+                        </p:par>
+                      </p:childTnLst>
+                    </p:cTn>
+                  </p:par>
+                  <p:par>
+                    <p:cTn id="7" fill="hold">
+                      <p:stCondLst>
+                        <p:cond delay="indefinite"/>
+                      </p:stCondLst>
+                      <p:childTnLst>
+                        <p:par>
+                          <p:cTn id="8" fill="hold">
+                            <p:stCondLst>
+                              <p:cond delay="0"/>
+                            </p:stCondLst>
+                            <p:childTnLst>
+                              <p:par>
+                                <p:cTn id="9" presetID="1" presetClass="entr" presetSubtype="0" fill="hold" nodeType="clickEffect">
+                                  <p:stCondLst>
+                                    <p:cond delay="0"/>
+                                  </p:stCondLst>
+                                  <p:childTnLst>
+                                    <p:set>
+                                      <p:cBhvr>
+                                        <p:cTn id="10" dur="1" fill="hold">
+                                          <p:stCondLst>
+                                            <p:cond delay="0"/>
+                                          </p:stCondLst>
+                                        </p:cTn>
+                                        <p:tgtEl>
+                                          <p:spTgt spid="3">
+                                            <p:txEl>
+                                              <p:pRg st="2" end="2"/>
+                                            </p:txEl>
+                                          </p:spTgt>
+                                        </p:tgtEl>
+                                        <p:attrNameLst>
+                                          <p:attrName>style.visibility</p:attrName>
+                                        </p:attrNameLst>
+                                      </p:cBhvr>
+                                      <p:to>
+                                        <p:strVal val="visible"/>
+                                      </p:to>
+                                    </p:set>
+                                  </p:childTnLst>
+                                </p:cTn>
+                              </p:par>
+                              <p:par>
+                                <p:cTn id="11" presetID="1" presetClass="entr" presetSubtype="0" fill="hold" nodeType="withEffect">
+                                  <p:stCondLst>
+                                    <p:cond delay="0"/>
+                                  </p:stCondLst>
+                                  <p:childTnLst>
+                                    <p:set>
+                                      <p:cBhvr>
+                                        <p:cTn id="12" dur="1" fill="hold">
+                                          <p:stCondLst>
+                                            <p:cond delay="0"/>
+                                          </p:stCondLst>
+                                        </p:cTn>
+                                        <p:tgtEl>
+                                          <p:spTgt spid="3">
+                                            <p:txEl>
+                                              <p:pRg st="3" end="3"/>
+                                            </p:txEl>
+                                          </p:spTgt>
+                                        </p:tgtEl>
+                                        <p:attrNameLst>
+                                          <p:attrName>style.visibility</p:attrName>
+                                        </p:attrNameLst>
+                                      </p:cBhvr>
+                                      <p:to>
+                                        <p:strVal val="visible"/>
+                                      </p:to>
+                                    </p:set>
+                                  </p:childTnLst>
+                                </p:cTn>
+                              </p:par>
+                              <p:par>
+                                <p:cTn id="13" presetID="1" presetClass="exit" presetSubtype="0" fill="hold" grpId="0" nodeType="withEffect">
+                                  <p:stCondLst>
+                                    <p:cond delay="0"/>
+                                  </p:stCondLst>
+                                  <p:childTnLst>
+                                    <p:set>
+                                      <p:cBhvr>
+                                        <p:cTn id="14" dur="1" fill="hold">
+                                          <p:stCondLst>
+                                            <p:cond delay="0"/>
+                                          </p:stCondLst>
+                                        </p:cTn>
+                                        <p:tgtEl>
+                                          <p:spTgt spid="14"/>
+                                        </p:tgtEl>
+                                        <p:attrNameLst>
+                                          <p:attrName>style.visibility</p:attrName>
+                                        </p:attrNameLst>
+                                      </p:cBhvr>
+                                      <p:to>
+                                        <p:strVal val="hidden"/>
+                                      </p:to>
+                                    </p:set>
+                                  </p:childTnLst>
+                                </p:cTn>
+                              </p:par>
+                            </p:childTnLst>
+                          </p:cTn>
+                        </p:par>
+                      </p:childTnLst>
+                    </p:cTn>
+                  </p:par>
+                  <p:par>
+                    <p:cTn id="15" fill="hold">
+                      <p:stCondLst>
+                        <p:cond delay="indefinite"/>
+                      </p:stCondLst>
+                      <p:childTnLst>
+                        <p:par>
+                          <p:cTn id="16" fill="hold">
+                            <p:stCondLst>
+                              <p:cond delay="0"/>
+                            </p:stCondLst>
+                            <p:childTnLst>
+                              <p:par>
+                                <p:cTn id="17" presetID="1" presetClass="entr" presetSubtype="0" fill="hold" grpId="0" nodeType="clickEffect">
+                                  <p:stCondLst>
+                                    <p:cond delay="0"/>
+                                  </p:stCondLst>
+                                  <p:childTnLst>
+                                    <p:set>
+                                      <p:cBhvr>
+                                        <p:cTn id="18" dur="1" fill="hold">
+                                          <p:stCondLst>
+                                            <p:cond delay="0"/>
+                                          </p:stCondLst>
+                                        </p:cTn>
+                                        <p:tgtEl>
+                                          <p:spTgt spid="11"/>
+                                        </p:tgtEl>
+                                        <p:attrNameLst>
+                                          <p:attrName>style.visibility</p:attrName>
+                                        </p:attrNameLst>
+                                      </p:cBhvr>
+                                      <p:to>
+                                        <p:strVal val="visible"/>
+                                      </p:to>
+                                    </p:set>
+                                  </p:childTnLst>
+                                </p:cTn>
+                              </p:par>
+                            </p:childTnLst>
+                          </p:cTn>
+                        </p:par>
+                      </p:childTnLst>
+                    </p:cTn>
+                  </p:par>
+                  <p:par>
+                    <p:cTn id="19" fill="hold">
+                      <p:stCondLst>
+                        <p:cond delay="indefinite"/>
+                      </p:stCondLst>
+                      <p:childTnLst>
+                        <p:par>
+                          <p:cTn id="20" fill="hold">
+                            <p:stCondLst>
+                              <p:cond delay="0"/>
+                            </p:stCondLst>
+                            <p:childTnLst>
+                              <p:par>
+                                <p:cTn id="21" presetID="1" presetClass="entr" presetSubtype="0" fill="hold" grpId="0" nodeType="clickEffect">
+                                  <p:stCondLst>
+                                    <p:cond delay="0"/>
+                                  </p:stCondLst>
+                                  <p:childTnLst>
+                                    <p:set>
+                                      <p:cBhvr>
+                                        <p:cTn id="22" dur="1" fill="hold">
+                                          <p:stCondLst>
+                                            <p:cond delay="0"/>
+                                          </p:stCondLst>
+                                        </p:cTn>
+                                        <p:tgtEl>
+                                          <p:spTgt spid="9"/>
+                                        </p:tgtEl>
+                                        <p:attrNameLst>
+                                          <p:attrName>style.visibility</p:attrName>
+                                        </p:attrNameLst>
+                                      </p:cBhvr>
+                                      <p:to>
+                                        <p:strVal val="visible"/>
+                                      </p:to>
+                                    </p:set>
+                                  </p:childTnLst>
+                                </p:cTn>
+                              </p:par>
+                            </p:childTnLst>
+                          </p:cTn>
+                        </p:par>
+                      </p:childTnLst>
+                    </p:cTn>
+                  </p:par>
+                  <p:par>
+                    <p:cTn id="23" fill="hold">
+                      <p:stCondLst>
+                        <p:cond delay="indefinite"/>
+                      </p:stCondLst>
+                      <p:childTnLst>
+                        <p:par>
+                          <p:cTn id="24" fill="hold">
+                            <p:stCondLst>
+                              <p:cond delay="0"/>
+                            </p:stCondLst>
+                            <p:childTnLst>
+                              <p:par>
+                                <p:cTn id="25" presetID="1" presetClass="entr" presetSubtype="0" fill="hold" grpId="0" nodeType="clickEffect">
+                                  <p:stCondLst>
+                                    <p:cond delay="0"/>
+                                  </p:stCondLst>
+                                  <p:childTnLst>
+                                    <p:set>
+                                      <p:cBhvr>
+                                        <p:cTn id="26" dur="1" fill="hold">
+                                          <p:stCondLst>
+                                            <p:cond delay="0"/>
+                                          </p:stCondLst>
+                                        </p:cTn>
+                                        <p:tgtEl>
+                                          <p:spTgt spid="10"/>
+                                        </p:tgtEl>
+                                        <p:attrNameLst>
+                                          <p:attrName>style.visibility</p:attrName>
+                                        </p:attrNameLst>
+                                      </p:cBhvr>
+                                      <p:to>
+                                        <p:strVal val="visible"/>
+                                      </p:to>
+                                    </p:set>
+                                  </p:childTnLst>
+                                </p:cTn>
+                              </p:par>
+                            </p:childTnLst>
+                          </p:cTn>
+                        </p:par>
+                      </p:childTnLst>
+                    </p:cTn>
+                  </p:par>
+                  <p:par>
+                    <p:cTn id="27" fill="hold">
+                      <p:stCondLst>
+                        <p:cond delay="indefinite"/>
+                      </p:stCondLst>
+                      <p:childTnLst>
+                        <p:par>
+                          <p:cTn id="28" fill="hold">
+                            <p:stCondLst>
+                              <p:cond delay="0"/>
+                            </p:stCondLst>
+                            <p:childTnLst>
+                              <p:par>
+                                <p:cTn id="29" presetID="1" presetClass="entr" presetSubtype="0" fill="hold" grpId="0" nodeType="clickEffect">
+                                  <p:stCondLst>
+                                    <p:cond delay="0"/>
+                                  </p:stCondLst>
+                                  <p:childTnLst>
+                                    <p:set>
+                                      <p:cBhvr>
+                                        <p:cTn id="30" dur="1" fill="hold">
+                                          <p:stCondLst>
+                                            <p:cond delay="0"/>
+                                          </p:stCondLst>
+                                        </p:cTn>
+                                        <p:tgtEl>
+                                          <p:spTgt spid="15"/>
+                                        </p:tgtEl>
+                                        <p:attrNameLst>
+                                          <p:attrName>style.visibility</p:attrName>
+                                        </p:attrNameLst>
+                                      </p:cBhvr>
+                                      <p:to>
+                                        <p:strVal val="visible"/>
+                                      </p:to>
+                                    </p:set>
+                                  </p:childTnLst>
+                                </p:cTn>
+                              </p:par>
+                            </p:childTnLst>
+                          </p:cTn>
+                        </p:par>
+                      </p:childTnLst>
+                    </p:cTn>
+                  </p:par>
+                </p:childTnLst>
+              </p:cTn>
+              <p:prevCondLst>
+                <p:cond evt="onPrev" delay="0">
+                  <p:tgtEl>
+                    <p:sldTgt/>
+                  </p:tgtEl>
+                </p:cond>
+              </p:prevCondLst>
+              <p:nextCondLst>
+                <p:cond evt="onNext" delay="0">
+                  <p:tgtEl>
+                    <p:sldTgt/>
+                  </p:tgtEl>
+                </p:cond>
+              </p:nextCondLst>
+            </p:seq>
+          </p:childTnLst>
+        </p:cTn>
       </p:par>
     </p:tnLst>
+    <p:bldLst>
+      <p:bldP spid="9" grpId="0" animBg="1"/>
+      <p:bldP spid="10" grpId="0" animBg="1"/>
+      <p:bldP spid="11" grpId="0" animBg="1"/>
+      <p:bldP spid="14" grpId="0" animBg="1"/>
+      <p:bldP spid="13" grpId="0" animBg="1"/>
+      <p:bldP spid="15" grpId="0" animBg="1"/>
+    </p:bldLst>
   </p:timing>
 </p:sld>
 </file>
 
 <file path=ppt/slides/slide11.xml><?xml version="1.0" encoding="utf-8"?>
+<p:sld xmlns:a="http://schemas.openxmlformats.org/drawingml/2006/main" xmlns:r="http://schemas.openxmlformats.org/officeDocument/2006/relationships" xmlns:p="http://schemas.openxmlformats.org/presentationml/2006/main">
+  <p:cSld>
+    <p:spTree>
+      <p:nvGrpSpPr>
+        <p:cNvPr id="1" name=""/>
+        <p:cNvGrpSpPr/>
+        <p:nvPr/>
+      </p:nvGrpSpPr>
+      <p:grpSpPr>
+        <a:xfrm>
+          <a:off x="0" y="0"/>
+          <a:ext cx="0" cy="0"/>
+          <a:chOff x="0" y="0"/>
+          <a:chExt cx="0" cy="0"/>
+        </a:xfrm>
+      </p:grpSpPr>
+      <p:sp>
+        <p:nvSpPr>
+          <p:cNvPr id="2" name="Titel 1"/>
+          <p:cNvSpPr>
+            <a:spLocks noGrp="1"/>
+          </p:cNvSpPr>
+          <p:nvPr>
+            <p:ph type="title"/>
+          </p:nvPr>
+        </p:nvSpPr>
+        <p:spPr/>
+        <p:txBody>
+          <a:bodyPr/>
+          <a:lstStyle/>
+          <a:p>
+            <a:r>
+              <a:rPr lang="de-DE" dirty="0" smtClean="0"/>
+              <a:t>Top-N</a:t>
+            </a:r>
+            <a:endParaRPr lang="de-DE" dirty="0"/>
+          </a:p>
+        </p:txBody>
+      </p:sp>
+      <p:sp>
+        <p:nvSpPr>
+          <p:cNvPr id="3" name="Inhaltsplatzhalter 2"/>
+          <p:cNvSpPr>
+            <a:spLocks noGrp="1"/>
+          </p:cNvSpPr>
+          <p:nvPr>
+            <p:ph idx="1"/>
+          </p:nvPr>
+        </p:nvSpPr>
+        <p:spPr>
+          <a:xfrm>
+            <a:off x="457200" y="1052737"/>
+            <a:ext cx="8229600" cy="2016224"/>
+          </a:xfrm>
+        </p:spPr>
+        <p:txBody>
+          <a:bodyPr>
+            <a:noAutofit/>
+          </a:bodyPr>
+          <a:lstStyle/>
+          <a:p>
+            <a:r>
+              <a:rPr lang="en-US" b="1" dirty="0" smtClean="0"/>
+              <a:t>N_TOP10</a:t>
+            </a:r>
+            <a:r>
+              <a:rPr lang="en-US" dirty="0" smtClean="0"/>
+              <a:t> </a:t>
+            </a:r>
+            <a:r>
+              <a:rPr lang="en-US" dirty="0"/>
+              <a:t>= No. of publication years in which the CR has been </a:t>
+            </a:r>
+            <a:r>
+              <a:rPr lang="en-US" dirty="0" smtClean="0"/>
+              <a:t>in the </a:t>
+            </a:r>
+            <a:r>
+              <a:rPr lang="en-US" dirty="0" smtClean="0"/>
+              <a:t>Top-10</a:t>
+            </a:r>
+            <a:r>
+              <a:rPr lang="en-US" dirty="0" smtClean="0"/>
+              <a:t>% of all CRs of the same RPY</a:t>
+            </a:r>
+          </a:p>
+          <a:p>
+            <a:r>
+              <a:rPr lang="en-US" dirty="0" smtClean="0"/>
+              <a:t>For each publication year (PY)</a:t>
+            </a:r>
+          </a:p>
+          <a:p>
+            <a:pPr lvl="1"/>
+            <a:r>
+              <a:rPr lang="en-US" dirty="0" smtClean="0"/>
+              <a:t>Rank all Cited References of a RPY by their no. of citations in PY</a:t>
+            </a:r>
+          </a:p>
+          <a:p>
+            <a:pPr lvl="1"/>
+            <a:r>
+              <a:rPr lang="en-US" dirty="0" smtClean="0"/>
+              <a:t>Count if no. of citations </a:t>
+            </a:r>
+            <a:r>
+              <a:rPr lang="en-US" dirty="0" smtClean="0">
+                <a:sym typeface="Symbol" panose="05050102010706020507" pitchFamily="18" charset="2"/>
+              </a:rPr>
+              <a:t> </a:t>
+            </a:r>
+            <a:r>
+              <a:rPr lang="en-US" dirty="0"/>
+              <a:t>no. of citations </a:t>
+            </a:r>
+            <a:r>
+              <a:rPr lang="en-US" dirty="0" smtClean="0"/>
+              <a:t>at </a:t>
+            </a:r>
+            <a:r>
+              <a:rPr lang="en-US" dirty="0" smtClean="0">
+                <a:sym typeface="Symbol" panose="05050102010706020507" pitchFamily="18" charset="2"/>
+              </a:rPr>
+              <a:t>N/10</a:t>
+            </a:r>
+            <a:r>
+              <a:rPr lang="en-US" baseline="30000" dirty="0" smtClean="0">
+                <a:sym typeface="Symbol" panose="05050102010706020507" pitchFamily="18" charset="2"/>
+              </a:rPr>
+              <a:t>th</a:t>
+            </a:r>
+            <a:r>
+              <a:rPr lang="en-US" dirty="0" smtClean="0">
+                <a:sym typeface="Symbol" panose="05050102010706020507" pitchFamily="18" charset="2"/>
+              </a:rPr>
+              <a:t> position</a:t>
+            </a:r>
+            <a:endParaRPr lang="en-US" dirty="0" smtClean="0"/>
+          </a:p>
+          <a:p>
+            <a:pPr lvl="1"/>
+            <a:endParaRPr lang="en-US" dirty="0"/>
+          </a:p>
+        </p:txBody>
+      </p:sp>
+      <p:graphicFrame>
+        <p:nvGraphicFramePr>
+          <p:cNvPr id="4" name="Inhaltsplatzhalter 4"/>
+          <p:cNvGraphicFramePr>
+            <a:graphicFrameLocks/>
+          </p:cNvGraphicFramePr>
+          <p:nvPr>
+            <p:extLst>
+              <p:ext uri="{D42A27DB-BD31-4B8C-83A1-F6EECF244321}">
+                <p14:modId xmlns:p14="http://schemas.microsoft.com/office/powerpoint/2010/main" val="3492148865"/>
+              </p:ext>
+            </p:extLst>
+          </p:nvPr>
+        </p:nvGraphicFramePr>
+        <p:xfrm>
+          <a:off x="179512" y="3536434"/>
+          <a:ext cx="6624736" cy="2865120"/>
+        </p:xfrm>
+        <a:graphic>
+          <a:graphicData uri="http://schemas.openxmlformats.org/drawingml/2006/table">
+            <a:tbl>
+              <a:tblPr firstRow="1" bandRow="1">
+                <a:tableStyleId>{7E9639D4-E3E2-4D34-9284-5A2195B3D0D7}</a:tableStyleId>
+              </a:tblPr>
+              <a:tblGrid>
+                <a:gridCol w="3240360"/>
+                <a:gridCol w="864096"/>
+                <a:gridCol w="1296144"/>
+                <a:gridCol w="1224136"/>
+              </a:tblGrid>
+              <a:tr h="370840">
+                <a:tc>
+                  <a:txBody>
+                    <a:bodyPr/>
+                    <a:lstStyle/>
+                    <a:p>
+                      <a:pPr marL="0" marR="0">
+                        <a:spcBef>
+                          <a:spcPts val="0"/>
+                        </a:spcBef>
+                        <a:spcAft>
+                          <a:spcPts val="0"/>
+                        </a:spcAft>
+                      </a:pPr>
+                      <a:endParaRPr lang="en-GB" sz="2000" dirty="0" smtClean="0">
+                        <a:effectLst/>
+                      </a:endParaRPr>
+                    </a:p>
+                    <a:p>
+                      <a:pPr marL="0" marR="0">
+                        <a:spcBef>
+                          <a:spcPts val="0"/>
+                        </a:spcBef>
+                        <a:spcAft>
+                          <a:spcPts val="0"/>
+                        </a:spcAft>
+                      </a:pPr>
+                      <a:r>
+                        <a:rPr lang="en-GB" sz="2000" dirty="0" smtClean="0">
+                          <a:effectLst/>
+                        </a:rPr>
+                        <a:t>Cited reference</a:t>
+                      </a:r>
+                    </a:p>
+                    <a:p>
+                      <a:pPr marL="0" marR="0">
+                        <a:spcBef>
+                          <a:spcPts val="0"/>
+                        </a:spcBef>
+                        <a:spcAft>
+                          <a:spcPts val="0"/>
+                        </a:spcAft>
+                      </a:pPr>
+                      <a:endParaRPr lang="de-DE" sz="2000" dirty="0">
+                        <a:effectLst/>
+                        <a:latin typeface="+mn-lt"/>
+                        <a:ea typeface="Times New Roman" panose="02020603050405020304" pitchFamily="18" charset="0"/>
+                      </a:endParaRPr>
+                    </a:p>
+                  </a:txBody>
+                  <a:tcPr marL="68580" marR="68580" marT="0" marB="0" anchor="ctr"/>
+                </a:tc>
+                <a:tc>
+                  <a:txBody>
+                    <a:bodyPr/>
+                    <a:lstStyle/>
+                    <a:p>
+                      <a:pPr marL="0" marR="0" algn="ctr">
+                        <a:spcBef>
+                          <a:spcPts val="0"/>
+                        </a:spcBef>
+                        <a:spcAft>
+                          <a:spcPts val="0"/>
+                        </a:spcAft>
+                      </a:pPr>
+                      <a:r>
+                        <a:rPr lang="en-GB" sz="2000" dirty="0">
+                          <a:effectLst/>
+                        </a:rPr>
+                        <a:t>N_CR</a:t>
+                      </a:r>
+                      <a:endParaRPr lang="de-DE" sz="2000" dirty="0">
+                        <a:effectLst/>
+                        <a:latin typeface="+mn-lt"/>
+                        <a:ea typeface="Times New Roman" panose="02020603050405020304" pitchFamily="18" charset="0"/>
+                      </a:endParaRPr>
+                    </a:p>
+                  </a:txBody>
+                  <a:tcPr marL="68580" marR="68580" marT="0" marB="0" anchor="ctr"/>
+                </a:tc>
+                <a:tc>
+                  <a:txBody>
+                    <a:bodyPr/>
+                    <a:lstStyle/>
+                    <a:p>
+                      <a:pPr algn="ctr"/>
+                      <a:r>
+                        <a:rPr lang="de-DE" sz="2000" dirty="0" smtClean="0"/>
+                        <a:t>N_PYEARS</a:t>
+                      </a:r>
+                      <a:endParaRPr lang="de-DE" sz="2000" dirty="0">
+                        <a:latin typeface="+mn-lt"/>
+                      </a:endParaRPr>
+                    </a:p>
+                  </a:txBody>
+                  <a:tcPr anchor="ctr"/>
+                </a:tc>
+                <a:tc>
+                  <a:txBody>
+                    <a:bodyPr/>
+                    <a:lstStyle/>
+                    <a:p>
+                      <a:pPr algn="ctr"/>
+                      <a:r>
+                        <a:rPr lang="de-DE" sz="2000" dirty="0" smtClean="0"/>
+                        <a:t>NTOP_10</a:t>
+                      </a:r>
+                      <a:endParaRPr lang="de-DE" sz="2000" dirty="0">
+                        <a:latin typeface="+mn-lt"/>
+                      </a:endParaRPr>
+                    </a:p>
+                  </a:txBody>
+                  <a:tcPr anchor="ctr"/>
+                </a:tc>
+              </a:tr>
+              <a:tr h="370840">
+                <a:tc>
+                  <a:txBody>
+                    <a:bodyPr/>
+                    <a:lstStyle/>
+                    <a:p>
+                      <a:pPr marL="0" marR="0" lvl="0" indent="0" algn="l" defTabSz="914400" rtl="0" eaLnBrk="1" fontAlgn="auto" latinLnBrk="0" hangingPunct="1">
+                        <a:lnSpc>
+                          <a:spcPct val="100000"/>
+                        </a:lnSpc>
+                        <a:spcBef>
+                          <a:spcPts val="0"/>
+                        </a:spcBef>
+                        <a:spcAft>
+                          <a:spcPts val="0"/>
+                        </a:spcAft>
+                        <a:buClrTx/>
+                        <a:buSzTx/>
+                        <a:buFontTx/>
+                        <a:buNone/>
+                        <a:tabLst/>
+                        <a:defRPr/>
+                      </a:pPr>
+                      <a:r>
+                        <a:rPr lang="en-US" sz="1600" dirty="0" err="1" smtClean="0">
+                          <a:effectLst/>
+                        </a:rPr>
+                        <a:t>Lotka</a:t>
+                      </a:r>
+                      <a:r>
+                        <a:rPr lang="en-US" sz="1600" dirty="0" smtClean="0">
+                          <a:effectLst/>
+                        </a:rPr>
+                        <a:t> (1926) </a:t>
+                      </a:r>
+                      <a:r>
+                        <a:rPr lang="en-US" sz="1600" i="1" dirty="0" smtClean="0">
+                          <a:effectLst/>
+                        </a:rPr>
+                        <a:t>The frequency distribution of scientific </a:t>
+                      </a:r>
+                      <a:r>
+                        <a:rPr lang="en-US" sz="1600" i="1" dirty="0" smtClean="0">
+                          <a:effectLst/>
+                        </a:rPr>
+                        <a:t>productivity</a:t>
+                      </a:r>
+                      <a:endParaRPr lang="de-DE" sz="1600" i="1" dirty="0">
+                        <a:effectLst/>
+                        <a:latin typeface="+mn-lt"/>
+                        <a:ea typeface="Times New Roman" panose="02020603050405020304" pitchFamily="18" charset="0"/>
+                      </a:endParaRPr>
+                    </a:p>
+                  </a:txBody>
+                  <a:tcPr marL="68580" marR="68580" marT="0" marB="0" anchor="ctr"/>
+                </a:tc>
+                <a:tc>
+                  <a:txBody>
+                    <a:bodyPr/>
+                    <a:lstStyle/>
+                    <a:p>
+                      <a:pPr marL="0" marR="0" algn="ctr">
+                        <a:spcBef>
+                          <a:spcPts val="0"/>
+                        </a:spcBef>
+                        <a:spcAft>
+                          <a:spcPts val="0"/>
+                        </a:spcAft>
+                      </a:pPr>
+                      <a:r>
+                        <a:rPr lang="en-GB" sz="1600" dirty="0">
+                          <a:effectLst/>
+                        </a:rPr>
+                        <a:t>155</a:t>
+                      </a:r>
+                      <a:endParaRPr lang="de-DE" sz="1600" dirty="0">
+                        <a:effectLst/>
+                        <a:latin typeface="+mn-lt"/>
+                        <a:ea typeface="Times New Roman" panose="02020603050405020304" pitchFamily="18" charset="0"/>
+                      </a:endParaRPr>
+                    </a:p>
+                  </a:txBody>
+                  <a:tcPr marL="68580" marR="68580" marT="0" marB="0" anchor="ctr"/>
+                </a:tc>
+                <a:tc>
+                  <a:txBody>
+                    <a:bodyPr/>
+                    <a:lstStyle/>
+                    <a:p>
+                      <a:pPr algn="ctr"/>
+                      <a:r>
+                        <a:rPr lang="de-DE" sz="1600" dirty="0" smtClean="0"/>
+                        <a:t>36</a:t>
+                      </a:r>
+                      <a:endParaRPr lang="de-DE" sz="1600" dirty="0">
+                        <a:latin typeface="+mn-lt"/>
+                      </a:endParaRPr>
+                    </a:p>
+                  </a:txBody>
+                  <a:tcPr anchor="ctr"/>
+                </a:tc>
+                <a:tc>
+                  <a:txBody>
+                    <a:bodyPr/>
+                    <a:lstStyle/>
+                    <a:p>
+                      <a:pPr algn="r"/>
+                      <a:r>
+                        <a:rPr lang="de-DE" sz="1600" dirty="0" smtClean="0">
+                          <a:latin typeface="+mn-lt"/>
+                        </a:rPr>
+                        <a:t>36</a:t>
+                      </a:r>
+                      <a:endParaRPr lang="de-DE" sz="1600" dirty="0">
+                        <a:latin typeface="+mn-lt"/>
+                      </a:endParaRPr>
+                    </a:p>
+                  </a:txBody>
+                  <a:tcPr marR="548640" anchor="ctr"/>
+                </a:tc>
+              </a:tr>
+              <a:tr h="370840">
+                <a:tc>
+                  <a:txBody>
+                    <a:bodyPr/>
+                    <a:lstStyle/>
+                    <a:p>
+                      <a:pPr marL="0" marR="0" lvl="0" indent="0" algn="l" defTabSz="914400" rtl="0" eaLnBrk="1" fontAlgn="auto" latinLnBrk="0" hangingPunct="1">
+                        <a:lnSpc>
+                          <a:spcPct val="100000"/>
+                        </a:lnSpc>
+                        <a:spcBef>
+                          <a:spcPts val="0"/>
+                        </a:spcBef>
+                        <a:spcAft>
+                          <a:spcPts val="0"/>
+                        </a:spcAft>
+                        <a:buClrTx/>
+                        <a:buSzTx/>
+                        <a:buFontTx/>
+                        <a:buNone/>
+                        <a:tabLst/>
+                        <a:defRPr/>
+                      </a:pPr>
+                      <a:r>
+                        <a:rPr lang="en-US" sz="1600" dirty="0">
+                          <a:effectLst/>
+                        </a:rPr>
+                        <a:t>Garfield </a:t>
+                      </a:r>
+                      <a:r>
+                        <a:rPr lang="en-US" sz="1600" dirty="0" smtClean="0">
+                          <a:effectLst/>
+                        </a:rPr>
+                        <a:t>(</a:t>
+                      </a:r>
+                      <a:r>
+                        <a:rPr lang="en-US" sz="1600" dirty="0">
+                          <a:effectLst/>
+                        </a:rPr>
+                        <a:t>1979</a:t>
+                      </a:r>
+                      <a:r>
+                        <a:rPr lang="en-US" sz="1600" dirty="0" smtClean="0">
+                          <a:effectLst/>
+                        </a:rPr>
+                        <a:t>) </a:t>
+                      </a:r>
+                      <a:r>
+                        <a:rPr lang="en-US" sz="1600" i="1" dirty="0" smtClean="0">
+                          <a:effectLst/>
+                        </a:rPr>
+                        <a:t>Citation indexing: its theory and application in </a:t>
+                      </a:r>
+                      <a:r>
+                        <a:rPr lang="en-US" sz="1600" i="1" dirty="0" smtClean="0">
+                          <a:effectLst/>
+                        </a:rPr>
+                        <a:t>…</a:t>
+                      </a:r>
+                      <a:endParaRPr lang="de-DE" sz="1600" i="1" dirty="0">
+                        <a:effectLst/>
+                        <a:latin typeface="+mn-lt"/>
+                        <a:ea typeface="Times New Roman" panose="02020603050405020304" pitchFamily="18" charset="0"/>
+                      </a:endParaRPr>
+                    </a:p>
+                  </a:txBody>
+                  <a:tcPr marL="68580" marR="68580" marT="0" marB="0" anchor="ctr"/>
+                </a:tc>
+                <a:tc>
+                  <a:txBody>
+                    <a:bodyPr/>
+                    <a:lstStyle/>
+                    <a:p>
+                      <a:pPr marL="0" marR="0" algn="ctr">
+                        <a:spcBef>
+                          <a:spcPts val="0"/>
+                        </a:spcBef>
+                        <a:spcAft>
+                          <a:spcPts val="0"/>
+                        </a:spcAft>
+                      </a:pPr>
+                      <a:r>
+                        <a:rPr lang="en-GB" sz="1600" dirty="0">
+                          <a:effectLst/>
+                        </a:rPr>
+                        <a:t>151</a:t>
+                      </a:r>
+                      <a:endParaRPr lang="de-DE" sz="1600" dirty="0">
+                        <a:effectLst/>
+                        <a:latin typeface="+mn-lt"/>
+                        <a:ea typeface="Times New Roman" panose="02020603050405020304" pitchFamily="18" charset="0"/>
+                      </a:endParaRPr>
+                    </a:p>
+                  </a:txBody>
+                  <a:tcPr marL="68580" marR="68580" marT="0" marB="0" anchor="ctr"/>
+                </a:tc>
+                <a:tc>
+                  <a:txBody>
+                    <a:bodyPr/>
+                    <a:lstStyle/>
+                    <a:p>
+                      <a:pPr algn="ctr"/>
+                      <a:r>
+                        <a:rPr lang="de-DE" sz="1600" dirty="0" smtClean="0"/>
+                        <a:t>34</a:t>
+                      </a:r>
+                      <a:endParaRPr lang="de-DE" sz="1600" dirty="0">
+                        <a:latin typeface="+mn-lt"/>
+                      </a:endParaRPr>
+                    </a:p>
+                  </a:txBody>
+                  <a:tcPr anchor="ctr"/>
+                </a:tc>
+                <a:tc>
+                  <a:txBody>
+                    <a:bodyPr/>
+                    <a:lstStyle/>
+                    <a:p>
+                      <a:pPr algn="r"/>
+                      <a:r>
+                        <a:rPr lang="de-DE" sz="1600" dirty="0" smtClean="0">
+                          <a:latin typeface="+mn-lt"/>
+                        </a:rPr>
+                        <a:t>34</a:t>
+                      </a:r>
+                      <a:endParaRPr lang="de-DE" sz="1600" dirty="0">
+                        <a:latin typeface="+mn-lt"/>
+                      </a:endParaRPr>
+                    </a:p>
+                  </a:txBody>
+                  <a:tcPr marR="548640" anchor="ctr"/>
+                </a:tc>
+              </a:tr>
+              <a:tr h="370840">
+                <a:tc>
+                  <a:txBody>
+                    <a:bodyPr/>
+                    <a:lstStyle/>
+                    <a:p>
+                      <a:pPr marL="0" marR="0" lvl="0" indent="0" algn="l" defTabSz="914400" rtl="0" eaLnBrk="1" fontAlgn="auto" latinLnBrk="0" hangingPunct="1">
+                        <a:lnSpc>
+                          <a:spcPct val="100000"/>
+                        </a:lnSpc>
+                        <a:spcBef>
+                          <a:spcPts val="0"/>
+                        </a:spcBef>
+                        <a:spcAft>
+                          <a:spcPts val="0"/>
+                        </a:spcAft>
+                        <a:buClrTx/>
+                        <a:buSzTx/>
+                        <a:buFontTx/>
+                        <a:buNone/>
+                        <a:tabLst/>
+                        <a:defRPr/>
+                      </a:pPr>
+                      <a:r>
+                        <a:rPr lang="en-US" sz="1600" dirty="0" smtClean="0">
+                          <a:effectLst/>
+                        </a:rPr>
+                        <a:t>Small, H., (1973) </a:t>
+                      </a:r>
+                      <a:r>
+                        <a:rPr lang="en-US" sz="1600" i="1" dirty="0" smtClean="0">
+                          <a:effectLst/>
+                        </a:rPr>
+                        <a:t>Co-citation in the </a:t>
+                      </a:r>
+                      <a:r>
+                        <a:rPr lang="en-US" sz="1600" i="1" dirty="0" smtClean="0">
+                          <a:effectLst/>
+                        </a:rPr>
+                        <a:t>scientific </a:t>
+                      </a:r>
+                      <a:r>
+                        <a:rPr lang="en-US" sz="1600" i="1" dirty="0" smtClean="0">
+                          <a:effectLst/>
+                        </a:rPr>
+                        <a:t>literature: A new measure </a:t>
+                      </a:r>
+                      <a:r>
+                        <a:rPr lang="en-US" sz="1600" i="1" dirty="0" smtClean="0">
+                          <a:effectLst/>
+                        </a:rPr>
+                        <a:t>…</a:t>
+                      </a:r>
+                      <a:endParaRPr lang="de-DE" sz="1600" i="1" dirty="0">
+                        <a:effectLst/>
+                        <a:latin typeface="+mn-lt"/>
+                        <a:ea typeface="Times New Roman" panose="02020603050405020304" pitchFamily="18" charset="0"/>
+                      </a:endParaRPr>
+                    </a:p>
+                  </a:txBody>
+                  <a:tcPr marL="68580" marR="68580" marT="0" marB="0" anchor="ctr"/>
+                </a:tc>
+                <a:tc>
+                  <a:txBody>
+                    <a:bodyPr/>
+                    <a:lstStyle/>
+                    <a:p>
+                      <a:pPr marL="0" marR="0" algn="ctr">
+                        <a:spcBef>
+                          <a:spcPts val="0"/>
+                        </a:spcBef>
+                        <a:spcAft>
+                          <a:spcPts val="0"/>
+                        </a:spcAft>
+                      </a:pPr>
+                      <a:r>
+                        <a:rPr lang="de-DE" sz="1600" dirty="0" smtClean="0">
+                          <a:effectLst/>
+                        </a:rPr>
+                        <a:t>162</a:t>
+                      </a:r>
+                      <a:endParaRPr lang="de-DE" sz="1600" dirty="0">
+                        <a:effectLst/>
+                        <a:latin typeface="+mn-lt"/>
+                        <a:ea typeface="Times New Roman" panose="02020603050405020304" pitchFamily="18" charset="0"/>
+                      </a:endParaRPr>
+                    </a:p>
+                  </a:txBody>
+                  <a:tcPr marL="68580" marR="68580" marT="0" marB="0" anchor="ctr"/>
+                </a:tc>
+                <a:tc>
+                  <a:txBody>
+                    <a:bodyPr/>
+                    <a:lstStyle/>
+                    <a:p>
+                      <a:pPr algn="ctr"/>
+                      <a:r>
+                        <a:rPr lang="de-DE" sz="1600" dirty="0" smtClean="0"/>
+                        <a:t>33</a:t>
+                      </a:r>
+                      <a:endParaRPr lang="de-DE" sz="1600" dirty="0">
+                        <a:latin typeface="+mn-lt"/>
+                      </a:endParaRPr>
+                    </a:p>
+                  </a:txBody>
+                  <a:tcPr anchor="ctr"/>
+                </a:tc>
+                <a:tc>
+                  <a:txBody>
+                    <a:bodyPr/>
+                    <a:lstStyle/>
+                    <a:p>
+                      <a:pPr algn="r"/>
+                      <a:r>
+                        <a:rPr lang="de-DE" sz="1600" dirty="0" smtClean="0">
+                          <a:latin typeface="+mn-lt"/>
+                        </a:rPr>
+                        <a:t>33</a:t>
+                      </a:r>
+                      <a:endParaRPr lang="de-DE" sz="1600" dirty="0">
+                        <a:latin typeface="+mn-lt"/>
+                      </a:endParaRPr>
+                    </a:p>
+                  </a:txBody>
+                  <a:tcPr marR="548640" anchor="ctr"/>
+                </a:tc>
+              </a:tr>
+              <a:tr h="370840">
+                <a:tc>
+                  <a:txBody>
+                    <a:bodyPr/>
+                    <a:lstStyle/>
+                    <a:p>
+                      <a:pPr marL="0" marR="0" lvl="0" indent="0" algn="l" defTabSz="914400" rtl="0" eaLnBrk="1" fontAlgn="auto" latinLnBrk="0" hangingPunct="1">
+                        <a:lnSpc>
+                          <a:spcPct val="100000"/>
+                        </a:lnSpc>
+                        <a:spcBef>
+                          <a:spcPts val="0"/>
+                        </a:spcBef>
+                        <a:spcAft>
+                          <a:spcPts val="0"/>
+                        </a:spcAft>
+                        <a:buClrTx/>
+                        <a:buSzTx/>
+                        <a:buFontTx/>
+                        <a:buNone/>
+                        <a:tabLst/>
+                        <a:defRPr/>
+                      </a:pPr>
+                      <a:r>
+                        <a:rPr lang="en-US" sz="1600" dirty="0" smtClean="0">
+                          <a:effectLst/>
+                        </a:rPr>
+                        <a:t>Katz, J.S., Martin, B.R., (1997)</a:t>
+                      </a:r>
+                      <a:br>
+                        <a:rPr lang="en-US" sz="1600" dirty="0" smtClean="0">
+                          <a:effectLst/>
+                        </a:rPr>
+                      </a:br>
+                      <a:r>
+                        <a:rPr lang="en-US" sz="1600" i="1" dirty="0" smtClean="0">
+                          <a:effectLst/>
+                        </a:rPr>
+                        <a:t>What is research collaboration?</a:t>
+                      </a:r>
+                      <a:endParaRPr lang="de-DE" sz="1600" i="1" dirty="0">
+                        <a:effectLst/>
+                        <a:latin typeface="+mn-lt"/>
+                        <a:ea typeface="Times New Roman" panose="02020603050405020304" pitchFamily="18" charset="0"/>
+                      </a:endParaRPr>
+                    </a:p>
+                  </a:txBody>
+                  <a:tcPr marL="68580" marR="68580" marT="0" marB="0" anchor="ctr"/>
+                </a:tc>
+                <a:tc>
+                  <a:txBody>
+                    <a:bodyPr/>
+                    <a:lstStyle/>
+                    <a:p>
+                      <a:pPr marL="0" marR="0" algn="ctr">
+                        <a:spcBef>
+                          <a:spcPts val="0"/>
+                        </a:spcBef>
+                        <a:spcAft>
+                          <a:spcPts val="0"/>
+                        </a:spcAft>
+                      </a:pPr>
+                      <a:r>
+                        <a:rPr lang="de-DE" sz="1600" dirty="0" smtClean="0">
+                          <a:effectLst/>
+                          <a:latin typeface="+mn-lt"/>
+                          <a:ea typeface="Times New Roman" panose="02020603050405020304" pitchFamily="18" charset="0"/>
+                        </a:rPr>
+                        <a:t>171</a:t>
+                      </a:r>
+                      <a:endParaRPr lang="de-DE" sz="1600" dirty="0">
+                        <a:effectLst/>
+                        <a:latin typeface="+mn-lt"/>
+                        <a:ea typeface="Times New Roman" panose="02020603050405020304" pitchFamily="18" charset="0"/>
+                      </a:endParaRPr>
+                    </a:p>
+                  </a:txBody>
+                  <a:tcPr marL="68580" marR="68580" marT="0" marB="0" anchor="ctr"/>
+                </a:tc>
+                <a:tc>
+                  <a:txBody>
+                    <a:bodyPr/>
+                    <a:lstStyle/>
+                    <a:p>
+                      <a:pPr algn="ctr"/>
+                      <a:r>
+                        <a:rPr lang="de-DE" sz="1600" dirty="0" smtClean="0">
+                          <a:latin typeface="+mn-lt"/>
+                        </a:rPr>
+                        <a:t>20</a:t>
+                      </a:r>
+                      <a:endParaRPr lang="de-DE" sz="1600" dirty="0">
+                        <a:latin typeface="+mn-lt"/>
+                      </a:endParaRPr>
+                    </a:p>
+                  </a:txBody>
+                  <a:tcPr anchor="ctr"/>
+                </a:tc>
+                <a:tc>
+                  <a:txBody>
+                    <a:bodyPr/>
+                    <a:lstStyle/>
+                    <a:p>
+                      <a:pPr algn="r"/>
+                      <a:r>
+                        <a:rPr lang="de-DE" sz="1600" dirty="0" smtClean="0">
+                          <a:latin typeface="+mn-lt"/>
+                        </a:rPr>
+                        <a:t>18</a:t>
+                      </a:r>
+                      <a:endParaRPr lang="de-DE" sz="1600" dirty="0">
+                        <a:latin typeface="+mn-lt"/>
+                      </a:endParaRPr>
+                    </a:p>
+                  </a:txBody>
+                  <a:tcPr marR="548640" anchor="ctr"/>
+                </a:tc>
+              </a:tr>
+            </a:tbl>
+          </a:graphicData>
+        </a:graphic>
+      </p:graphicFrame>
+      <p:sp>
+        <p:nvSpPr>
+          <p:cNvPr id="12" name="Rechteck 11"/>
+          <p:cNvSpPr/>
+          <p:nvPr/>
+        </p:nvSpPr>
+        <p:spPr>
+          <a:xfrm>
+            <a:off x="457200" y="2863561"/>
+            <a:ext cx="3672408" cy="646331"/>
+          </a:xfrm>
+          <a:prstGeom prst="rect">
+            <a:avLst/>
+          </a:prstGeom>
+        </p:spPr>
+        <p:txBody>
+          <a:bodyPr wrap="square">
+            <a:spAutoFit/>
+          </a:bodyPr>
+          <a:lstStyle/>
+          <a:p>
+            <a:r>
+              <a:rPr lang="de-DE" dirty="0" err="1" smtClean="0"/>
+              <a:t>Scientometrics</a:t>
+            </a:r>
+            <a:r>
+              <a:rPr lang="de-DE" dirty="0" smtClean="0"/>
+              <a:t> </a:t>
+            </a:r>
+            <a:r>
+              <a:rPr lang="de-DE" dirty="0" err="1"/>
+              <a:t>papers</a:t>
+            </a:r>
+            <a:r>
+              <a:rPr lang="de-DE" dirty="0"/>
+              <a:t> (1978-2016) </a:t>
+            </a:r>
+            <a:r>
+              <a:rPr lang="de-DE" dirty="0" smtClean="0"/>
+              <a:t/>
+            </a:r>
+            <a:br>
+              <a:rPr lang="de-DE" dirty="0" smtClean="0"/>
+            </a:br>
+            <a:r>
+              <a:rPr lang="de-DE" dirty="0" smtClean="0">
+                <a:sym typeface="Wingdings" panose="05000000000000000000" pitchFamily="2" charset="2"/>
+              </a:rPr>
+              <a:t> </a:t>
+            </a:r>
+            <a:r>
+              <a:rPr lang="de-DE" dirty="0">
+                <a:sym typeface="Wingdings" panose="05000000000000000000" pitchFamily="2" charset="2"/>
+              </a:rPr>
+              <a:t>39 </a:t>
+            </a:r>
+            <a:r>
+              <a:rPr lang="de-DE" dirty="0" err="1">
+                <a:sym typeface="Wingdings" panose="05000000000000000000" pitchFamily="2" charset="2"/>
+              </a:rPr>
+              <a:t>publication</a:t>
+            </a:r>
+            <a:r>
+              <a:rPr lang="de-DE" dirty="0">
+                <a:sym typeface="Wingdings" panose="05000000000000000000" pitchFamily="2" charset="2"/>
+              </a:rPr>
+              <a:t> </a:t>
+            </a:r>
+            <a:r>
+              <a:rPr lang="de-DE" dirty="0" err="1">
+                <a:sym typeface="Wingdings" panose="05000000000000000000" pitchFamily="2" charset="2"/>
+              </a:rPr>
+              <a:t>years</a:t>
+            </a:r>
+            <a:endParaRPr lang="de-DE" dirty="0"/>
+          </a:p>
+        </p:txBody>
+      </p:sp>
+      <p:sp>
+        <p:nvSpPr>
+          <p:cNvPr id="5" name="Geschweifte Klammer rechts 4"/>
+          <p:cNvSpPr/>
+          <p:nvPr/>
+        </p:nvSpPr>
+        <p:spPr>
+          <a:xfrm>
+            <a:off x="6876256" y="4512872"/>
+            <a:ext cx="360040" cy="1364399"/>
+          </a:xfrm>
+          <a:prstGeom prst="rightBrace">
+            <a:avLst>
+              <a:gd name="adj1" fmla="val 53685"/>
+              <a:gd name="adj2" fmla="val 50000"/>
+            </a:avLst>
+          </a:prstGeom>
+          <a:ln w="19050"/>
+        </p:spPr>
+        <p:style>
+          <a:lnRef idx="1">
+            <a:schemeClr val="accent1"/>
+          </a:lnRef>
+          <a:fillRef idx="0">
+            <a:schemeClr val="accent1"/>
+          </a:fillRef>
+          <a:effectRef idx="0">
+            <a:schemeClr val="accent1"/>
+          </a:effectRef>
+          <a:fontRef idx="minor">
+            <a:schemeClr val="tx1"/>
+          </a:fontRef>
+        </p:style>
+        <p:txBody>
+          <a:bodyPr rtlCol="0" anchor="ctr"/>
+          <a:lstStyle/>
+          <a:p>
+            <a:pPr algn="ctr"/>
+            <a:endParaRPr lang="de-DE"/>
+          </a:p>
+        </p:txBody>
+      </p:sp>
+      <p:sp>
+        <p:nvSpPr>
+          <p:cNvPr id="6" name="Textfeld 5"/>
+          <p:cNvSpPr txBox="1"/>
+          <p:nvPr/>
+        </p:nvSpPr>
+        <p:spPr>
+          <a:xfrm>
+            <a:off x="7164288" y="4407049"/>
+            <a:ext cx="1944216" cy="1569660"/>
+          </a:xfrm>
+          <a:prstGeom prst="rect">
+            <a:avLst/>
+          </a:prstGeom>
+          <a:noFill/>
+        </p:spPr>
+        <p:txBody>
+          <a:bodyPr wrap="square" rtlCol="0">
+            <a:spAutoFit/>
+          </a:bodyPr>
+          <a:lstStyle/>
+          <a:p>
+            <a:r>
+              <a:rPr lang="de-DE" sz="1600" dirty="0" err="1" smtClean="0"/>
+              <a:t>If</a:t>
+            </a:r>
+            <a:r>
+              <a:rPr lang="de-DE" sz="1600" dirty="0" smtClean="0"/>
+              <a:t> </a:t>
+            </a:r>
+            <a:r>
+              <a:rPr lang="de-DE" sz="1600" dirty="0" err="1" smtClean="0"/>
+              <a:t>the</a:t>
+            </a:r>
+            <a:r>
+              <a:rPr lang="de-DE" sz="1600" dirty="0" smtClean="0"/>
+              <a:t> </a:t>
+            </a:r>
+            <a:r>
+              <a:rPr lang="de-DE" sz="1600" dirty="0" err="1" smtClean="0"/>
+              <a:t>Cited</a:t>
+            </a:r>
+            <a:r>
+              <a:rPr lang="de-DE" sz="1600" dirty="0" smtClean="0"/>
+              <a:t> Reference </a:t>
+            </a:r>
+            <a:r>
+              <a:rPr lang="de-DE" sz="1600" dirty="0" err="1" smtClean="0"/>
+              <a:t>has</a:t>
+            </a:r>
+            <a:r>
+              <a:rPr lang="de-DE" sz="1600" dirty="0" smtClean="0"/>
+              <a:t> </a:t>
+            </a:r>
+            <a:r>
+              <a:rPr lang="de-DE" sz="1600" dirty="0" err="1" smtClean="0"/>
+              <a:t>been</a:t>
+            </a:r>
+            <a:r>
+              <a:rPr lang="de-DE" sz="1600" dirty="0" smtClean="0"/>
+              <a:t> </a:t>
+            </a:r>
+            <a:r>
+              <a:rPr lang="de-DE" sz="1600" dirty="0" err="1" smtClean="0"/>
+              <a:t>cited</a:t>
+            </a:r>
+            <a:r>
+              <a:rPr lang="de-DE" sz="1600" dirty="0" smtClean="0"/>
+              <a:t> in a </a:t>
+            </a:r>
+            <a:r>
+              <a:rPr lang="de-DE" sz="1600" dirty="0" err="1" smtClean="0"/>
+              <a:t>publication</a:t>
+            </a:r>
+            <a:r>
+              <a:rPr lang="de-DE" sz="1600" dirty="0" smtClean="0"/>
+              <a:t> </a:t>
+            </a:r>
+            <a:r>
+              <a:rPr lang="de-DE" sz="1600" dirty="0" err="1" smtClean="0"/>
+              <a:t>year</a:t>
+            </a:r>
+            <a:r>
+              <a:rPr lang="de-DE" sz="1600" dirty="0" smtClean="0"/>
+              <a:t>, </a:t>
+            </a:r>
+            <a:r>
+              <a:rPr lang="de-DE" sz="1600" dirty="0" err="1" smtClean="0"/>
+              <a:t>it</a:t>
+            </a:r>
+            <a:r>
+              <a:rPr lang="de-DE" sz="1600" dirty="0" smtClean="0"/>
+              <a:t> was in </a:t>
+            </a:r>
+            <a:r>
+              <a:rPr lang="de-DE" sz="1600" dirty="0" err="1" smtClean="0"/>
+              <a:t>the</a:t>
+            </a:r>
+            <a:r>
+              <a:rPr lang="de-DE" sz="1600" dirty="0" smtClean="0"/>
+              <a:t> top 10% </a:t>
+            </a:r>
+            <a:r>
+              <a:rPr lang="de-DE" sz="1600" dirty="0" err="1" smtClean="0"/>
+              <a:t>of</a:t>
+            </a:r>
+            <a:r>
+              <a:rPr lang="de-DE" sz="1600" dirty="0" smtClean="0"/>
+              <a:t> all </a:t>
+            </a:r>
+            <a:r>
+              <a:rPr lang="de-DE" sz="1600" dirty="0" err="1" smtClean="0"/>
+              <a:t>cited</a:t>
+            </a:r>
+            <a:r>
+              <a:rPr lang="de-DE" sz="1600" dirty="0" smtClean="0"/>
+              <a:t> </a:t>
+            </a:r>
+            <a:r>
+              <a:rPr lang="de-DE" sz="1600" dirty="0" err="1" smtClean="0"/>
+              <a:t>references</a:t>
+            </a:r>
+            <a:r>
+              <a:rPr lang="de-DE" sz="1600" dirty="0" smtClean="0"/>
+              <a:t> </a:t>
+            </a:r>
+            <a:r>
+              <a:rPr lang="de-DE" sz="1600" dirty="0" err="1" smtClean="0"/>
+              <a:t>of</a:t>
+            </a:r>
+            <a:r>
+              <a:rPr lang="de-DE" sz="1600" dirty="0" smtClean="0"/>
+              <a:t> </a:t>
+            </a:r>
+            <a:r>
+              <a:rPr lang="de-DE" sz="1600" dirty="0" err="1" smtClean="0"/>
+              <a:t>its</a:t>
+            </a:r>
+            <a:r>
+              <a:rPr lang="de-DE" sz="1600" dirty="0" smtClean="0"/>
+              <a:t> RPY.</a:t>
+            </a:r>
+            <a:endParaRPr lang="de-DE" sz="1600" dirty="0"/>
+          </a:p>
+        </p:txBody>
+      </p:sp>
+    </p:spTree>
+    <p:extLst>
+      <p:ext uri="{BB962C8B-B14F-4D97-AF65-F5344CB8AC3E}">
+        <p14:creationId xmlns:p14="http://schemas.microsoft.com/office/powerpoint/2010/main" val="4009494358"/>
+      </p:ext>
+    </p:extLst>
+  </p:cSld>
+  <p:clrMapOvr>
+    <a:masterClrMapping/>
+  </p:clrMapOvr>
+  <p:timing>
+    <p:tnLst>
+      <p:par>
+        <p:cTn id="1" dur="indefinite" restart="never" nodeType="tmRoot">
+          <p:childTnLst>
+            <p:seq concurrent="1" nextAc="seek">
+              <p:cTn id="2" dur="indefinite" nodeType="mainSeq">
+                <p:childTnLst>
+                  <p:par>
+                    <p:cTn id="3" fill="hold">
+                      <p:stCondLst>
+                        <p:cond delay="indefinite"/>
+                      </p:stCondLst>
+                      <p:childTnLst>
+                        <p:par>
+                          <p:cTn id="4" fill="hold">
+                            <p:stCondLst>
+                              <p:cond delay="0"/>
+                            </p:stCondLst>
+                            <p:childTnLst>
+                              <p:par>
+                                <p:cTn id="5" presetID="1" presetClass="entr" presetSubtype="0" fill="hold" nodeType="clickEffect">
+                                  <p:stCondLst>
+                                    <p:cond delay="0"/>
+                                  </p:stCondLst>
+                                  <p:childTnLst>
+                                    <p:set>
+                                      <p:cBhvr>
+                                        <p:cTn id="6" dur="1" fill="hold">
+                                          <p:stCondLst>
+                                            <p:cond delay="0"/>
+                                          </p:stCondLst>
+                                        </p:cTn>
+                                        <p:tgtEl>
+                                          <p:spTgt spid="3">
+                                            <p:txEl>
+                                              <p:pRg st="1" end="1"/>
+                                            </p:txEl>
+                                          </p:spTgt>
+                                        </p:tgtEl>
+                                        <p:attrNameLst>
+                                          <p:attrName>style.visibility</p:attrName>
+                                        </p:attrNameLst>
+                                      </p:cBhvr>
+                                      <p:to>
+                                        <p:strVal val="visible"/>
+                                      </p:to>
+                                    </p:set>
+                                  </p:childTnLst>
+                                </p:cTn>
+                              </p:par>
+                              <p:par>
+                                <p:cTn id="7" presetID="1" presetClass="entr" presetSubtype="0" fill="hold" nodeType="withEffect">
+                                  <p:stCondLst>
+                                    <p:cond delay="0"/>
+                                  </p:stCondLst>
+                                  <p:childTnLst>
+                                    <p:set>
+                                      <p:cBhvr>
+                                        <p:cTn id="8" dur="1" fill="hold">
+                                          <p:stCondLst>
+                                            <p:cond delay="0"/>
+                                          </p:stCondLst>
+                                        </p:cTn>
+                                        <p:tgtEl>
+                                          <p:spTgt spid="3">
+                                            <p:txEl>
+                                              <p:pRg st="2" end="2"/>
+                                            </p:txEl>
+                                          </p:spTgt>
+                                        </p:tgtEl>
+                                        <p:attrNameLst>
+                                          <p:attrName>style.visibility</p:attrName>
+                                        </p:attrNameLst>
+                                      </p:cBhvr>
+                                      <p:to>
+                                        <p:strVal val="visible"/>
+                                      </p:to>
+                                    </p:set>
+                                  </p:childTnLst>
+                                </p:cTn>
+                              </p:par>
+                              <p:par>
+                                <p:cTn id="9" presetID="1" presetClass="entr" presetSubtype="0" fill="hold" nodeType="withEffect">
+                                  <p:stCondLst>
+                                    <p:cond delay="0"/>
+                                  </p:stCondLst>
+                                  <p:childTnLst>
+                                    <p:set>
+                                      <p:cBhvr>
+                                        <p:cTn id="10" dur="1" fill="hold">
+                                          <p:stCondLst>
+                                            <p:cond delay="0"/>
+                                          </p:stCondLst>
+                                        </p:cTn>
+                                        <p:tgtEl>
+                                          <p:spTgt spid="3">
+                                            <p:txEl>
+                                              <p:pRg st="3" end="3"/>
+                                            </p:txEl>
+                                          </p:spTgt>
+                                        </p:tgtEl>
+                                        <p:attrNameLst>
+                                          <p:attrName>style.visibility</p:attrName>
+                                        </p:attrNameLst>
+                                      </p:cBhvr>
+                                      <p:to>
+                                        <p:strVal val="visible"/>
+                                      </p:to>
+                                    </p:set>
+                                  </p:childTnLst>
+                                </p:cTn>
+                              </p:par>
+                            </p:childTnLst>
+                          </p:cTn>
+                        </p:par>
+                      </p:childTnLst>
+                    </p:cTn>
+                  </p:par>
+                  <p:par>
+                    <p:cTn id="11" fill="hold">
+                      <p:stCondLst>
+                        <p:cond delay="indefinite"/>
+                      </p:stCondLst>
+                      <p:childTnLst>
+                        <p:par>
+                          <p:cTn id="12" fill="hold">
+                            <p:stCondLst>
+                              <p:cond delay="0"/>
+                            </p:stCondLst>
+                            <p:childTnLst>
+                              <p:par>
+                                <p:cTn id="13" presetID="1" presetClass="entr" presetSubtype="0" fill="hold" nodeType="clickEffect">
+                                  <p:stCondLst>
+                                    <p:cond delay="0"/>
+                                  </p:stCondLst>
+                                  <p:childTnLst>
+                                    <p:set>
+                                      <p:cBhvr>
+                                        <p:cTn id="14" dur="1" fill="hold">
+                                          <p:stCondLst>
+                                            <p:cond delay="0"/>
+                                          </p:stCondLst>
+                                        </p:cTn>
+                                        <p:tgtEl>
+                                          <p:spTgt spid="12">
+                                            <p:txEl>
+                                              <p:pRg st="0" end="0"/>
+                                            </p:txEl>
+                                          </p:spTgt>
+                                        </p:tgtEl>
+                                        <p:attrNameLst>
+                                          <p:attrName>style.visibility</p:attrName>
+                                        </p:attrNameLst>
+                                      </p:cBhvr>
+                                      <p:to>
+                                        <p:strVal val="visible"/>
+                                      </p:to>
+                                    </p:set>
+                                  </p:childTnLst>
+                                </p:cTn>
+                              </p:par>
+                              <p:par>
+                                <p:cTn id="15" presetID="1" presetClass="entr" presetSubtype="0" fill="hold" nodeType="withEffect">
+                                  <p:stCondLst>
+                                    <p:cond delay="0"/>
+                                  </p:stCondLst>
+                                  <p:childTnLst>
+                                    <p:set>
+                                      <p:cBhvr>
+                                        <p:cTn id="16" dur="1" fill="hold">
+                                          <p:stCondLst>
+                                            <p:cond delay="0"/>
+                                          </p:stCondLst>
+                                        </p:cTn>
+                                        <p:tgtEl>
+                                          <p:spTgt spid="4"/>
+                                        </p:tgtEl>
+                                        <p:attrNameLst>
+                                          <p:attrName>style.visibility</p:attrName>
+                                        </p:attrNameLst>
+                                      </p:cBhvr>
+                                      <p:to>
+                                        <p:strVal val="visible"/>
+                                      </p:to>
+                                    </p:set>
+                                  </p:childTnLst>
+                                </p:cTn>
+                              </p:par>
+                            </p:childTnLst>
+                          </p:cTn>
+                        </p:par>
+                      </p:childTnLst>
+                    </p:cTn>
+                  </p:par>
+                  <p:par>
+                    <p:cTn id="17" fill="hold">
+                      <p:stCondLst>
+                        <p:cond delay="indefinite"/>
+                      </p:stCondLst>
+                      <p:childTnLst>
+                        <p:par>
+                          <p:cTn id="18" fill="hold">
+                            <p:stCondLst>
+                              <p:cond delay="0"/>
+                            </p:stCondLst>
+                            <p:childTnLst>
+                              <p:par>
+                                <p:cTn id="19" presetID="1" presetClass="entr" presetSubtype="0" fill="hold" grpId="0" nodeType="clickEffect">
+                                  <p:stCondLst>
+                                    <p:cond delay="0"/>
+                                  </p:stCondLst>
+                                  <p:childTnLst>
+                                    <p:set>
+                                      <p:cBhvr>
+                                        <p:cTn id="20" dur="1" fill="hold">
+                                          <p:stCondLst>
+                                            <p:cond delay="0"/>
+                                          </p:stCondLst>
+                                        </p:cTn>
+                                        <p:tgtEl>
+                                          <p:spTgt spid="6"/>
+                                        </p:tgtEl>
+                                        <p:attrNameLst>
+                                          <p:attrName>style.visibility</p:attrName>
+                                        </p:attrNameLst>
+                                      </p:cBhvr>
+                                      <p:to>
+                                        <p:strVal val="visible"/>
+                                      </p:to>
+                                    </p:set>
+                                  </p:childTnLst>
+                                </p:cTn>
+                              </p:par>
+                              <p:par>
+                                <p:cTn id="21" presetID="1" presetClass="entr" presetSubtype="0" fill="hold" grpId="0" nodeType="withEffect">
+                                  <p:stCondLst>
+                                    <p:cond delay="0"/>
+                                  </p:stCondLst>
+                                  <p:childTnLst>
+                                    <p:set>
+                                      <p:cBhvr>
+                                        <p:cTn id="22" dur="1" fill="hold">
+                                          <p:stCondLst>
+                                            <p:cond delay="0"/>
+                                          </p:stCondLst>
+                                        </p:cTn>
+                                        <p:tgtEl>
+                                          <p:spTgt spid="5"/>
+                                        </p:tgtEl>
+                                        <p:attrNameLst>
+                                          <p:attrName>style.visibility</p:attrName>
+                                        </p:attrNameLst>
+                                      </p:cBhvr>
+                                      <p:to>
+                                        <p:strVal val="visible"/>
+                                      </p:to>
+                                    </p:set>
+                                  </p:childTnLst>
+                                </p:cTn>
+                              </p:par>
+                            </p:childTnLst>
+                          </p:cTn>
+                        </p:par>
+                      </p:childTnLst>
+                    </p:cTn>
+                  </p:par>
+                </p:childTnLst>
+              </p:cTn>
+              <p:prevCondLst>
+                <p:cond evt="onPrev" delay="0">
+                  <p:tgtEl>
+                    <p:sldTgt/>
+                  </p:tgtEl>
+                </p:cond>
+              </p:prevCondLst>
+              <p:nextCondLst>
+                <p:cond evt="onNext" delay="0">
+                  <p:tgtEl>
+                    <p:sldTgt/>
+                  </p:tgtEl>
+                </p:cond>
+              </p:nextCondLst>
+            </p:seq>
+          </p:childTnLst>
+        </p:cTn>
+      </p:par>
+    </p:tnLst>
+    <p:bldLst>
+      <p:bldP spid="5" grpId="0" animBg="1"/>
+      <p:bldP spid="6" grpId="0"/>
+    </p:bldLst>
+  </p:timing>
+</p:sld>
+</file>
+
+<file path=ppt/slides/slide12.xml><?xml version="1.0" encoding="utf-8"?>
 <p:sld xmlns:a="http://schemas.openxmlformats.org/drawingml/2006/main" xmlns:r="http://schemas.openxmlformats.org/officeDocument/2006/relationships" xmlns:p="http://schemas.openxmlformats.org/presentationml/2006/main">
   <p:cSld>
     <p:spTree>
@@ -4910,11 +8456,7 @@
             </a:r>
             <a:r>
               <a:rPr lang="de-DE" dirty="0" smtClean="0"/>
-              <a:t> </a:t>
-            </a:r>
-            <a:r>
-              <a:rPr lang="de-DE" dirty="0" smtClean="0"/>
-              <a:t>Beauty*</a:t>
+              <a:t> Beauty*</a:t>
             </a:r>
             <a:endParaRPr lang="de-DE" dirty="0"/>
           </a:p>
@@ -5658,7 +9200,7 @@
 </p:sld>
 </file>
 
-<file path=ppt/slides/slide12.xml><?xml version="1.0" encoding="utf-8"?>
+<file path=ppt/slides/slide13.xml><?xml version="1.0" encoding="utf-8"?>
 <p:sld xmlns:a="http://schemas.openxmlformats.org/drawingml/2006/main" xmlns:r="http://schemas.openxmlformats.org/officeDocument/2006/relationships" xmlns:p="http://schemas.openxmlformats.org/presentationml/2006/main">
   <p:cSld>
     <p:spTree>
@@ -7208,7 +10750,7 @@
 </p:sld>
 </file>
 
-<file path=ppt/slides/slide13.xml><?xml version="1.0" encoding="utf-8"?>
+<file path=ppt/slides/slide14.xml><?xml version="1.0" encoding="utf-8"?>
 <p:sld xmlns:a="http://schemas.openxmlformats.org/drawingml/2006/main" xmlns:r="http://schemas.openxmlformats.org/officeDocument/2006/relationships" xmlns:p="http://schemas.openxmlformats.org/presentationml/2006/main">
   <p:cSld>
     <p:spTree>
@@ -8347,7 +11889,7 @@
       </p:graphicFrame>
       <p:pic>
         <p:nvPicPr>
-          <p:cNvPr id="18" name="Grafik 17"/>
+          <p:cNvPr id="5" name="Grafik 4"/>
           <p:cNvPicPr>
             <a:picLocks noChangeAspect="1"/>
           </p:cNvPicPr>
@@ -8361,8 +11903,8 @@
         </p:blipFill>
         <p:spPr>
           <a:xfrm>
-            <a:off x="0" y="5201271"/>
-            <a:ext cx="9144000" cy="1294357"/>
+            <a:off x="2628" y="5146062"/>
+            <a:ext cx="9151566" cy="1344543"/>
           </a:xfrm>
           <a:prstGeom prst="rect">
             <a:avLst/>
@@ -8791,7 +12333,7 @@
                                           </p:stCondLst>
                                         </p:cTn>
                                         <p:tgtEl>
-                                          <p:spTgt spid="18"/>
+                                          <p:spTgt spid="5"/>
                                         </p:tgtEl>
                                         <p:attrNameLst>
                                           <p:attrName>style.visibility</p:attrName>
@@ -8874,6 +12416,81 @@
 </p:sld>
 </file>
 
+<file path=ppt/slides/slide15.xml><?xml version="1.0" encoding="utf-8"?>
+<p:sld xmlns:a="http://schemas.openxmlformats.org/drawingml/2006/main" xmlns:r="http://schemas.openxmlformats.org/officeDocument/2006/relationships" xmlns:p="http://schemas.openxmlformats.org/presentationml/2006/main">
+  <p:cSld>
+    <p:spTree>
+      <p:nvGrpSpPr>
+        <p:cNvPr id="1" name=""/>
+        <p:cNvGrpSpPr/>
+        <p:nvPr/>
+      </p:nvGrpSpPr>
+      <p:grpSpPr>
+        <a:xfrm>
+          <a:off x="0" y="0"/>
+          <a:ext cx="0" cy="0"/>
+          <a:chOff x="0" y="0"/>
+          <a:chExt cx="0" cy="0"/>
+        </a:xfrm>
+      </p:grpSpPr>
+      <p:sp>
+        <p:nvSpPr>
+          <p:cNvPr id="2" name="Titel 1"/>
+          <p:cNvSpPr>
+            <a:spLocks noGrp="1"/>
+          </p:cNvSpPr>
+          <p:nvPr>
+            <p:ph type="title"/>
+          </p:nvPr>
+        </p:nvSpPr>
+        <p:spPr/>
+        <p:txBody>
+          <a:bodyPr/>
+          <a:lstStyle/>
+          <a:p>
+            <a:endParaRPr lang="de-DE"/>
+          </a:p>
+        </p:txBody>
+      </p:sp>
+      <p:sp>
+        <p:nvSpPr>
+          <p:cNvPr id="3" name="Inhaltsplatzhalter 2"/>
+          <p:cNvSpPr>
+            <a:spLocks noGrp="1"/>
+          </p:cNvSpPr>
+          <p:nvPr>
+            <p:ph idx="1"/>
+          </p:nvPr>
+        </p:nvSpPr>
+        <p:spPr/>
+        <p:txBody>
+          <a:bodyPr/>
+          <a:lstStyle/>
+          <a:p>
+            <a:endParaRPr lang="de-DE" dirty="0"/>
+          </a:p>
+        </p:txBody>
+      </p:sp>
+    </p:spTree>
+    <p:extLst>
+      <p:ext uri="{BB962C8B-B14F-4D97-AF65-F5344CB8AC3E}">
+        <p14:creationId xmlns:p14="http://schemas.microsoft.com/office/powerpoint/2010/main" val="2871890129"/>
+      </p:ext>
+    </p:extLst>
+  </p:cSld>
+  <p:clrMapOvr>
+    <a:masterClrMapping/>
+  </p:clrMapOvr>
+  <p:timing>
+    <p:tnLst>
+      <p:par>
+        <p:cTn id="1" dur="indefinite" restart="never" nodeType="tmRoot"/>
+      </p:par>
+    </p:tnLst>
+  </p:timing>
+</p:sld>
+</file>
+
 <file path=ppt/slides/slide2.xml><?xml version="1.0" encoding="utf-8"?>
 <p:sld xmlns:a="http://schemas.openxmlformats.org/drawingml/2006/main" xmlns:r="http://schemas.openxmlformats.org/officeDocument/2006/relationships" xmlns:p="http://schemas.openxmlformats.org/presentationml/2006/main">
   <p:cSld>
@@ -8907,14 +12524,10 @@
           <a:lstStyle/>
           <a:p>
             <a:r>
-              <a:rPr lang="en-US" noProof="0" dirty="0" err="1" smtClean="0"/>
-              <a:t>CRExplorer</a:t>
-            </a:r>
-            <a:r>
-              <a:rPr lang="en-US" noProof="0" dirty="0" smtClean="0"/>
-              <a:t>: Overview</a:t>
-            </a:r>
-            <a:endParaRPr lang="en-US" noProof="0" dirty="0"/>
+              <a:rPr lang="de-DE" dirty="0" smtClean="0"/>
+              <a:t>Agenda</a:t>
+            </a:r>
+            <a:endParaRPr lang="de-DE" dirty="0"/>
           </a:p>
         </p:txBody>
       </p:sp>
@@ -8933,7 +12546,169 @@
           <a:bodyPr/>
           <a:lstStyle/>
           <a:p>
-            <a:endParaRPr lang="de-DE"/>
+            <a:r>
+              <a:rPr lang="de-DE" dirty="0" smtClean="0"/>
+              <a:t>Workflow</a:t>
+            </a:r>
+          </a:p>
+          <a:p>
+            <a:r>
+              <a:rPr lang="de-DE" dirty="0" err="1" smtClean="0"/>
+              <a:t>Pre</a:t>
+            </a:r>
+            <a:r>
+              <a:rPr lang="de-DE" dirty="0" smtClean="0"/>
+              <a:t>-Processing</a:t>
+            </a:r>
+          </a:p>
+          <a:p>
+            <a:pPr lvl="1"/>
+            <a:r>
+              <a:rPr lang="de-DE" dirty="0" err="1" smtClean="0"/>
+              <a:t>Deduplication</a:t>
+            </a:r>
+            <a:endParaRPr lang="de-DE" dirty="0" smtClean="0"/>
+          </a:p>
+          <a:p>
+            <a:endParaRPr lang="en-US" dirty="0" smtClean="0"/>
+          </a:p>
+          <a:p>
+            <a:r>
+              <a:rPr lang="en-US" dirty="0" smtClean="0"/>
+              <a:t>Reference </a:t>
+            </a:r>
+            <a:r>
+              <a:rPr lang="en-US" dirty="0"/>
+              <a:t>Publication Year Spectroscopy (RPYS</a:t>
+            </a:r>
+            <a:r>
+              <a:rPr lang="en-US" dirty="0" smtClean="0"/>
+              <a:t>)</a:t>
+            </a:r>
+          </a:p>
+          <a:p>
+            <a:r>
+              <a:rPr lang="de-DE" dirty="0" err="1" smtClean="0"/>
+              <a:t>Indicators</a:t>
+            </a:r>
+            <a:endParaRPr lang="de-DE" dirty="0" smtClean="0"/>
+          </a:p>
+          <a:p>
+            <a:pPr lvl="1"/>
+            <a:r>
+              <a:rPr lang="de-DE" dirty="0" smtClean="0"/>
+              <a:t>TOP-N</a:t>
+            </a:r>
+          </a:p>
+          <a:p>
+            <a:pPr lvl="1"/>
+            <a:r>
+              <a:rPr lang="de-DE" dirty="0" err="1" smtClean="0"/>
+              <a:t>Sequence</a:t>
+            </a:r>
+            <a:endParaRPr lang="de-DE" dirty="0" smtClean="0"/>
+          </a:p>
+          <a:p>
+            <a:pPr lvl="1"/>
+            <a:endParaRPr lang="de-DE" dirty="0"/>
+          </a:p>
+          <a:p>
+            <a:r>
+              <a:rPr lang="de-DE" dirty="0" smtClean="0"/>
+              <a:t>Script-</a:t>
+            </a:r>
+            <a:r>
+              <a:rPr lang="de-DE" dirty="0" err="1" smtClean="0"/>
+              <a:t>based</a:t>
+            </a:r>
+            <a:r>
+              <a:rPr lang="de-DE" dirty="0" smtClean="0"/>
+              <a:t> Automation</a:t>
+            </a:r>
+            <a:endParaRPr lang="de-DE" dirty="0"/>
+          </a:p>
+        </p:txBody>
+      </p:sp>
+    </p:spTree>
+    <p:extLst>
+      <p:ext uri="{BB962C8B-B14F-4D97-AF65-F5344CB8AC3E}">
+        <p14:creationId xmlns:p14="http://schemas.microsoft.com/office/powerpoint/2010/main" val="3439571606"/>
+      </p:ext>
+    </p:extLst>
+  </p:cSld>
+  <p:clrMapOvr>
+    <a:masterClrMapping/>
+  </p:clrMapOvr>
+  <p:timing>
+    <p:tnLst>
+      <p:par>
+        <p:cTn id="1" dur="indefinite" restart="never" nodeType="tmRoot"/>
+      </p:par>
+    </p:tnLst>
+  </p:timing>
+</p:sld>
+</file>
+
+<file path=ppt/slides/slide3.xml><?xml version="1.0" encoding="utf-8"?>
+<p:sld xmlns:a="http://schemas.openxmlformats.org/drawingml/2006/main" xmlns:r="http://schemas.openxmlformats.org/officeDocument/2006/relationships" xmlns:p="http://schemas.openxmlformats.org/presentationml/2006/main">
+  <p:cSld>
+    <p:spTree>
+      <p:nvGrpSpPr>
+        <p:cNvPr id="1" name=""/>
+        <p:cNvGrpSpPr/>
+        <p:nvPr/>
+      </p:nvGrpSpPr>
+      <p:grpSpPr>
+        <a:xfrm>
+          <a:off x="0" y="0"/>
+          <a:ext cx="0" cy="0"/>
+          <a:chOff x="0" y="0"/>
+          <a:chExt cx="0" cy="0"/>
+        </a:xfrm>
+      </p:grpSpPr>
+      <p:sp>
+        <p:nvSpPr>
+          <p:cNvPr id="2" name="Titel 1"/>
+          <p:cNvSpPr>
+            <a:spLocks noGrp="1"/>
+          </p:cNvSpPr>
+          <p:nvPr>
+            <p:ph type="title"/>
+          </p:nvPr>
+        </p:nvSpPr>
+        <p:spPr/>
+        <p:txBody>
+          <a:bodyPr/>
+          <a:lstStyle/>
+          <a:p>
+            <a:r>
+              <a:rPr lang="en-US" noProof="0" dirty="0" err="1" smtClean="0"/>
+              <a:t>CRExplorer</a:t>
+            </a:r>
+            <a:r>
+              <a:rPr lang="en-US" noProof="0" dirty="0" smtClean="0"/>
+              <a:t>: Overview</a:t>
+            </a:r>
+            <a:endParaRPr lang="en-US" noProof="0" dirty="0"/>
+          </a:p>
+        </p:txBody>
+      </p:sp>
+      <p:sp>
+        <p:nvSpPr>
+          <p:cNvPr id="3" name="Inhaltsplatzhalter 2"/>
+          <p:cNvSpPr>
+            <a:spLocks noGrp="1"/>
+          </p:cNvSpPr>
+          <p:nvPr>
+            <p:ph idx="1"/>
+          </p:nvPr>
+        </p:nvSpPr>
+        <p:spPr/>
+        <p:txBody>
+          <a:bodyPr/>
+          <a:lstStyle/>
+          <a:p>
+            <a:endParaRPr lang="de-DE" dirty="0"/>
           </a:p>
         </p:txBody>
       </p:sp>
@@ -8957,7 +12732,7 @@
 </p:sld>
 </file>
 
-<file path=ppt/slides/slide3.xml><?xml version="1.0" encoding="utf-8"?>
+<file path=ppt/slides/slide4.xml><?xml version="1.0" encoding="utf-8"?>
 <p:sld xmlns:a="http://schemas.openxmlformats.org/drawingml/2006/main" xmlns:r="http://schemas.openxmlformats.org/officeDocument/2006/relationships" xmlns:p="http://schemas.openxmlformats.org/presentationml/2006/main">
   <p:cSld>
     <p:spTree>
@@ -10724,7 +14499,7 @@
 </p:sld>
 </file>
 
-<file path=ppt/slides/slide4.xml><?xml version="1.0" encoding="utf-8"?>
+<file path=ppt/slides/slide5.xml><?xml version="1.0" encoding="utf-8"?>
 <p:sld xmlns:a="http://schemas.openxmlformats.org/drawingml/2006/main" xmlns:r="http://schemas.openxmlformats.org/officeDocument/2006/relationships" xmlns:p="http://schemas.openxmlformats.org/presentationml/2006/main">
   <p:cSld>
     <p:spTree>
@@ -11482,7 +15257,7 @@
 </p:sld>
 </file>
 
-<file path=ppt/slides/slide5.xml><?xml version="1.0" encoding="utf-8"?>
+<file path=ppt/slides/slide6.xml><?xml version="1.0" encoding="utf-8"?>
 <p:sld xmlns:a="http://schemas.openxmlformats.org/drawingml/2006/main" xmlns:r="http://schemas.openxmlformats.org/officeDocument/2006/relationships" xmlns:p="http://schemas.openxmlformats.org/presentationml/2006/main">
   <p:cSld>
     <p:spTree>
@@ -12040,7 +15815,7 @@
 </p:sld>
 </file>
 
-<file path=ppt/slides/slide6.xml><?xml version="1.0" encoding="utf-8"?>
+<file path=ppt/slides/slide7.xml><?xml version="1.0" encoding="utf-8"?>
 <p:sld xmlns:a="http://schemas.openxmlformats.org/drawingml/2006/main" xmlns:r="http://schemas.openxmlformats.org/officeDocument/2006/relationships" xmlns:p="http://schemas.openxmlformats.org/presentationml/2006/main">
   <p:cSld>
     <p:spTree>
@@ -12172,7 +15947,7 @@
 </p:sld>
 </file>
 
-<file path=ppt/slides/slide7.xml><?xml version="1.0" encoding="utf-8"?>
+<file path=ppt/slides/slide8.xml><?xml version="1.0" encoding="utf-8"?>
 <p:sld xmlns:a="http://schemas.openxmlformats.org/drawingml/2006/main" xmlns:r="http://schemas.openxmlformats.org/officeDocument/2006/relationships" xmlns:p="http://schemas.openxmlformats.org/presentationml/2006/main">
   <p:cSld>
     <p:spTree>
@@ -12269,11 +16044,7 @@
             </a:r>
             <a:r>
               <a:rPr lang="de-DE" dirty="0" smtClean="0"/>
-              <a:t> </a:t>
-            </a:r>
-            <a:r>
-              <a:rPr lang="de-DE" dirty="0" smtClean="0"/>
-              <a:t>(2007-2015) </a:t>
+              <a:t> (2007-2015) </a:t>
             </a:r>
             <a:r>
               <a:rPr lang="de-DE" dirty="0" smtClean="0">
@@ -12283,11 +16054,7 @@
             </a:r>
             <a:r>
               <a:rPr lang="de-DE" dirty="0" smtClean="0"/>
-              <a:t> </a:t>
-            </a:r>
-            <a:r>
-              <a:rPr lang="de-DE" dirty="0" smtClean="0"/>
-              <a:t>9,375 </a:t>
+              <a:t> 9,375 </a:t>
             </a:r>
             <a:r>
               <a:rPr lang="de-DE" dirty="0" err="1" smtClean="0"/>
@@ -12839,7 +16606,7 @@
 </p:sld>
 </file>
 
-<file path=ppt/slides/slide8.xml><?xml version="1.0" encoding="utf-8"?>
+<file path=ppt/slides/slide9.xml><?xml version="1.0" encoding="utf-8"?>
 <p:sld xmlns:a="http://schemas.openxmlformats.org/drawingml/2006/main" xmlns:r="http://schemas.openxmlformats.org/officeDocument/2006/relationships" xmlns:p="http://schemas.openxmlformats.org/presentationml/2006/main">
   <p:cSld>
     <p:spTree>
@@ -13309,14 +17076,22 @@
             </a:r>
             <a:r>
               <a:rPr lang="de-DE" dirty="0" smtClean="0"/>
-              <a:t> time</a:t>
-            </a:r>
-          </a:p>
-          <a:p>
-            <a:pPr lvl="1"/>
+              <a:t> time </a:t>
+            </a:r>
             <a:r>
               <a:rPr lang="de-DE" dirty="0" err="1" smtClean="0"/>
-              <a:t>Identification</a:t>
+              <a:t>and</a:t>
+            </a:r>
+            <a:r>
+              <a:rPr lang="de-DE" dirty="0" smtClean="0"/>
+              <a:t> </a:t>
+            </a:r>
+            <a:br>
+              <a:rPr lang="de-DE" dirty="0" smtClean="0"/>
+            </a:br>
+            <a:r>
+              <a:rPr lang="de-DE" dirty="0" err="1" smtClean="0"/>
+              <a:t>identification</a:t>
             </a:r>
             <a:r>
               <a:rPr lang="de-DE" dirty="0" smtClean="0"/>
@@ -13461,7 +17236,6 @@
               <a:rPr lang="de-DE" sz="1600" dirty="0"/>
               <a:t>?</a:t>
             </a:r>
-            <a:endParaRPr lang="de-DE" sz="1600" dirty="0"/>
           </a:p>
         </p:txBody>
       </p:sp>
@@ -13711,7 +17485,6 @@
               <a:rPr lang="de-DE" sz="1600" dirty="0"/>
               <a:t>?</a:t>
             </a:r>
-            <a:endParaRPr lang="de-DE" sz="1600" dirty="0"/>
           </a:p>
         </p:txBody>
       </p:sp>
@@ -14165,37 +17938,6 @@
                                   </p:childTnLst>
                                 </p:cTn>
                               </p:par>
-                              <p:par>
-                                <p:cTn id="33" presetID="1" presetClass="entr" presetSubtype="0" fill="hold" nodeType="withEffect">
-                                  <p:stCondLst>
-                                    <p:cond delay="0"/>
-                                  </p:stCondLst>
-                                  <p:childTnLst>
-                                    <p:set>
-                                      <p:cBhvr>
-                                        <p:cTn id="34" dur="1" fill="hold">
-                                          <p:stCondLst>
-                                            <p:cond delay="0"/>
-                                          </p:stCondLst>
-                                        </p:cTn>
-                                        <p:tgtEl>
-                                          <p:spTgt spid="3">
-                                            <p:txEl>
-                                              <p:pRg st="8" end="8"/>
-                                            </p:txEl>
-                                          </p:spTgt>
-                                        </p:tgtEl>
-                                        <p:attrNameLst>
-                                          <p:attrName>style.visibility</p:attrName>
-                                        </p:attrNameLst>
-                                      </p:cBhvr>
-                                      <p:to>
-                                        <p:strVal val="visible"/>
-                                      </p:to>
-                                    </p:set>
-                                  </p:childTnLst>
-                                </p:cTn>
-                              </p:par>
                             </p:childTnLst>
                           </p:cTn>
                         </p:par>
@@ -14227,1810 +17969,6 @@
       <p:bldP spid="4" grpId="0" animBg="1"/>
       <p:bldP spid="5" grpId="0" animBg="1"/>
       <p:bldP spid="6" grpId="0" animBg="1"/>
-    </p:bldLst>
-  </p:timing>
-</p:sld>
-</file>
-
-<file path=ppt/slides/slide9.xml><?xml version="1.0" encoding="utf-8"?>
-<p:sld xmlns:a="http://schemas.openxmlformats.org/drawingml/2006/main" xmlns:r="http://schemas.openxmlformats.org/officeDocument/2006/relationships" xmlns:p="http://schemas.openxmlformats.org/presentationml/2006/main">
-  <p:cSld>
-    <p:spTree>
-      <p:nvGrpSpPr>
-        <p:cNvPr id="1" name=""/>
-        <p:cNvGrpSpPr/>
-        <p:nvPr/>
-      </p:nvGrpSpPr>
-      <p:grpSpPr>
-        <a:xfrm>
-          <a:off x="0" y="0"/>
-          <a:ext cx="0" cy="0"/>
-          <a:chOff x="0" y="0"/>
-          <a:chExt cx="0" cy="0"/>
-        </a:xfrm>
-      </p:grpSpPr>
-      <p:sp>
-        <p:nvSpPr>
-          <p:cNvPr id="2" name="Titel 1"/>
-          <p:cNvSpPr>
-            <a:spLocks noGrp="1"/>
-          </p:cNvSpPr>
-          <p:nvPr>
-            <p:ph type="title"/>
-          </p:nvPr>
-        </p:nvSpPr>
-        <p:spPr/>
-        <p:txBody>
-          <a:bodyPr/>
-          <a:lstStyle/>
-          <a:p>
-            <a:r>
-              <a:rPr lang="de-DE" dirty="0" err="1" smtClean="0"/>
-              <a:t>Number</a:t>
-            </a:r>
-            <a:r>
-              <a:rPr lang="de-DE" dirty="0" smtClean="0"/>
-              <a:t> </a:t>
-            </a:r>
-            <a:r>
-              <a:rPr lang="de-DE" dirty="0" err="1" smtClean="0"/>
-              <a:t>of</a:t>
-            </a:r>
-            <a:r>
-              <a:rPr lang="de-DE" dirty="0" smtClean="0"/>
-              <a:t> </a:t>
-            </a:r>
-            <a:r>
-              <a:rPr lang="de-DE" dirty="0" err="1" smtClean="0"/>
-              <a:t>Publication</a:t>
-            </a:r>
-            <a:r>
-              <a:rPr lang="de-DE" dirty="0" smtClean="0"/>
-              <a:t> </a:t>
-            </a:r>
-            <a:r>
-              <a:rPr lang="de-DE" dirty="0" err="1" smtClean="0"/>
-              <a:t>Years</a:t>
-            </a:r>
-            <a:endParaRPr lang="de-DE" dirty="0"/>
-          </a:p>
-        </p:txBody>
-      </p:sp>
-      <p:sp>
-        <p:nvSpPr>
-          <p:cNvPr id="3" name="Inhaltsplatzhalter 2"/>
-          <p:cNvSpPr>
-            <a:spLocks noGrp="1"/>
-          </p:cNvSpPr>
-          <p:nvPr>
-            <p:ph idx="1"/>
-          </p:nvPr>
-        </p:nvSpPr>
-        <p:spPr>
-          <a:xfrm>
-            <a:off x="457200" y="1052737"/>
-            <a:ext cx="8229600" cy="2016224"/>
-          </a:xfrm>
-        </p:spPr>
-        <p:txBody>
-          <a:bodyPr>
-            <a:noAutofit/>
-          </a:bodyPr>
-          <a:lstStyle/>
-          <a:p>
-            <a:r>
-              <a:rPr lang="en-US" b="1" dirty="0"/>
-              <a:t>N_PYEARS</a:t>
-            </a:r>
-            <a:r>
-              <a:rPr lang="en-US" dirty="0"/>
-              <a:t> = No. of publication years in which the CR has been cited</a:t>
-            </a:r>
-          </a:p>
-          <a:p>
-            <a:endParaRPr lang="en-US" dirty="0"/>
-          </a:p>
-          <a:p>
-            <a:r>
-              <a:rPr lang="en-US" dirty="0"/>
-              <a:t>N_PY</a:t>
-            </a:r>
-            <a:r>
-              <a:rPr lang="en-US" baseline="-25000" dirty="0"/>
-              <a:t>RPY</a:t>
-            </a:r>
-            <a:r>
-              <a:rPr lang="en-US" dirty="0"/>
-              <a:t> = No. of publication years in which a CR from RPY has been cited</a:t>
-            </a:r>
-          </a:p>
-          <a:p>
-            <a:r>
-              <a:rPr lang="en-US" b="1" dirty="0"/>
-              <a:t>PERC_PYEAR</a:t>
-            </a:r>
-            <a:r>
-              <a:rPr lang="en-US" dirty="0"/>
-              <a:t> =  N_PYEARS / N_PY</a:t>
-            </a:r>
-            <a:r>
-              <a:rPr lang="en-US" baseline="-25000" dirty="0"/>
-              <a:t>RPY</a:t>
-            </a:r>
-            <a:r>
-              <a:rPr lang="en-US" dirty="0"/>
-              <a:t> </a:t>
-            </a:r>
-            <a:endParaRPr lang="de-DE" dirty="0"/>
-          </a:p>
-          <a:p>
-            <a:endParaRPr lang="en-US" dirty="0"/>
-          </a:p>
-        </p:txBody>
-      </p:sp>
-      <p:graphicFrame>
-        <p:nvGraphicFramePr>
-          <p:cNvPr id="4" name="Inhaltsplatzhalter 4"/>
-          <p:cNvGraphicFramePr>
-            <a:graphicFrameLocks/>
-          </p:cNvGraphicFramePr>
-          <p:nvPr>
-            <p:extLst>
-              <p:ext uri="{D42A27DB-BD31-4B8C-83A1-F6EECF244321}">
-                <p14:modId xmlns:p14="http://schemas.microsoft.com/office/powerpoint/2010/main" val="3570517277"/>
-              </p:ext>
-            </p:extLst>
-          </p:nvPr>
-        </p:nvGraphicFramePr>
-        <p:xfrm>
-          <a:off x="179512" y="3536434"/>
-          <a:ext cx="7182773" cy="3108960"/>
-        </p:xfrm>
-        <a:graphic>
-          <a:graphicData uri="http://schemas.openxmlformats.org/drawingml/2006/table">
-            <a:tbl>
-              <a:tblPr firstRow="1" bandRow="1">
-                <a:tableStyleId>{7E9639D4-E3E2-4D34-9284-5A2195B3D0D7}</a:tableStyleId>
-              </a:tblPr>
-              <a:tblGrid>
-                <a:gridCol w="3497932"/>
-                <a:gridCol w="765810"/>
-                <a:gridCol w="1334579"/>
-                <a:gridCol w="1584452"/>
-              </a:tblGrid>
-              <a:tr h="370840">
-                <a:tc>
-                  <a:txBody>
-                    <a:bodyPr/>
-                    <a:lstStyle/>
-                    <a:p>
-                      <a:pPr marL="0" marR="0">
-                        <a:spcBef>
-                          <a:spcPts val="0"/>
-                        </a:spcBef>
-                        <a:spcAft>
-                          <a:spcPts val="0"/>
-                        </a:spcAft>
-                      </a:pPr>
-                      <a:endParaRPr lang="en-GB" sz="2000" dirty="0" smtClean="0">
-                        <a:effectLst/>
-                      </a:endParaRPr>
-                    </a:p>
-                    <a:p>
-                      <a:pPr marL="0" marR="0">
-                        <a:spcBef>
-                          <a:spcPts val="0"/>
-                        </a:spcBef>
-                        <a:spcAft>
-                          <a:spcPts val="0"/>
-                        </a:spcAft>
-                      </a:pPr>
-                      <a:r>
-                        <a:rPr lang="en-GB" sz="2000" dirty="0" smtClean="0">
-                          <a:effectLst/>
-                        </a:rPr>
-                        <a:t>Cited reference</a:t>
-                      </a:r>
-                    </a:p>
-                    <a:p>
-                      <a:pPr marL="0" marR="0">
-                        <a:spcBef>
-                          <a:spcPts val="0"/>
-                        </a:spcBef>
-                        <a:spcAft>
-                          <a:spcPts val="0"/>
-                        </a:spcAft>
-                      </a:pPr>
-                      <a:endParaRPr lang="de-DE" sz="2000" dirty="0">
-                        <a:effectLst/>
-                        <a:latin typeface="+mn-lt"/>
-                        <a:ea typeface="Times New Roman" panose="02020603050405020304" pitchFamily="18" charset="0"/>
-                      </a:endParaRPr>
-                    </a:p>
-                  </a:txBody>
-                  <a:tcPr marL="68580" marR="68580" marT="0" marB="0" anchor="ctr"/>
-                </a:tc>
-                <a:tc>
-                  <a:txBody>
-                    <a:bodyPr/>
-                    <a:lstStyle/>
-                    <a:p>
-                      <a:pPr marL="0" marR="0" algn="ctr">
-                        <a:spcBef>
-                          <a:spcPts val="0"/>
-                        </a:spcBef>
-                        <a:spcAft>
-                          <a:spcPts val="0"/>
-                        </a:spcAft>
-                      </a:pPr>
-                      <a:r>
-                        <a:rPr lang="en-GB" sz="2000" dirty="0">
-                          <a:effectLst/>
-                        </a:rPr>
-                        <a:t>N_CR</a:t>
-                      </a:r>
-                      <a:endParaRPr lang="de-DE" sz="2000" dirty="0">
-                        <a:effectLst/>
-                        <a:latin typeface="+mn-lt"/>
-                        <a:ea typeface="Times New Roman" panose="02020603050405020304" pitchFamily="18" charset="0"/>
-                      </a:endParaRPr>
-                    </a:p>
-                  </a:txBody>
-                  <a:tcPr marL="68580" marR="68580" marT="0" marB="0" anchor="ctr"/>
-                </a:tc>
-                <a:tc>
-                  <a:txBody>
-                    <a:bodyPr/>
-                    <a:lstStyle/>
-                    <a:p>
-                      <a:pPr algn="ctr"/>
-                      <a:r>
-                        <a:rPr lang="de-DE" sz="2000" dirty="0" smtClean="0"/>
-                        <a:t>N_PYEARS</a:t>
-                      </a:r>
-                      <a:endParaRPr lang="de-DE" sz="2000" dirty="0">
-                        <a:latin typeface="+mn-lt"/>
-                      </a:endParaRPr>
-                    </a:p>
-                  </a:txBody>
-                  <a:tcPr anchor="ctr"/>
-                </a:tc>
-                <a:tc>
-                  <a:txBody>
-                    <a:bodyPr/>
-                    <a:lstStyle/>
-                    <a:p>
-                      <a:pPr algn="ctr"/>
-                      <a:r>
-                        <a:rPr lang="de-DE" sz="2000" dirty="0" smtClean="0"/>
-                        <a:t>PERC_PYEAR</a:t>
-                      </a:r>
-                      <a:endParaRPr lang="de-DE" sz="2000" dirty="0">
-                        <a:latin typeface="+mn-lt"/>
-                      </a:endParaRPr>
-                    </a:p>
-                  </a:txBody>
-                  <a:tcPr anchor="ctr"/>
-                </a:tc>
-              </a:tr>
-              <a:tr h="370840">
-                <a:tc>
-                  <a:txBody>
-                    <a:bodyPr/>
-                    <a:lstStyle/>
-                    <a:p>
-                      <a:pPr marL="0" marR="0" lvl="0" indent="0" algn="l" defTabSz="914400" rtl="0" eaLnBrk="1" fontAlgn="auto" latinLnBrk="0" hangingPunct="1">
-                        <a:lnSpc>
-                          <a:spcPct val="100000"/>
-                        </a:lnSpc>
-                        <a:spcBef>
-                          <a:spcPts val="0"/>
-                        </a:spcBef>
-                        <a:spcAft>
-                          <a:spcPts val="0"/>
-                        </a:spcAft>
-                        <a:buClrTx/>
-                        <a:buSzTx/>
-                        <a:buFontTx/>
-                        <a:buNone/>
-                        <a:tabLst/>
-                        <a:defRPr/>
-                      </a:pPr>
-                      <a:r>
-                        <a:rPr lang="en-US" sz="1600" dirty="0" err="1" smtClean="0">
-                          <a:effectLst/>
-                        </a:rPr>
-                        <a:t>Lotka</a:t>
-                      </a:r>
-                      <a:r>
-                        <a:rPr lang="en-US" sz="1600" dirty="0" smtClean="0">
-                          <a:effectLst/>
-                        </a:rPr>
-                        <a:t> (1926</a:t>
-                      </a:r>
-                      <a:r>
-                        <a:rPr lang="en-US" sz="1600" dirty="0" smtClean="0">
-                          <a:effectLst/>
-                        </a:rPr>
-                        <a:t>) The </a:t>
-                      </a:r>
-                      <a:r>
-                        <a:rPr lang="en-US" sz="1600" dirty="0" smtClean="0">
-                          <a:effectLst/>
-                        </a:rPr>
-                        <a:t>frequency distribution of scientific </a:t>
-                      </a:r>
-                      <a:r>
-                        <a:rPr lang="en-US" sz="1600" dirty="0" smtClean="0">
-                          <a:effectLst/>
-                        </a:rPr>
-                        <a:t>productivity</a:t>
-                      </a:r>
-                    </a:p>
-                    <a:p>
-                      <a:pPr marL="0" marR="0" lvl="0" indent="0" algn="l" defTabSz="914400" rtl="0" eaLnBrk="1" fontAlgn="auto" latinLnBrk="0" hangingPunct="1">
-                        <a:lnSpc>
-                          <a:spcPct val="100000"/>
-                        </a:lnSpc>
-                        <a:spcBef>
-                          <a:spcPts val="0"/>
-                        </a:spcBef>
-                        <a:spcAft>
-                          <a:spcPts val="0"/>
-                        </a:spcAft>
-                        <a:buClrTx/>
-                        <a:buSzTx/>
-                        <a:buFontTx/>
-                        <a:buNone/>
-                        <a:tabLst/>
-                        <a:defRPr/>
-                      </a:pPr>
-                      <a:endParaRPr lang="de-DE" sz="1600" i="1" dirty="0">
-                        <a:effectLst/>
-                        <a:latin typeface="+mn-lt"/>
-                        <a:ea typeface="Times New Roman" panose="02020603050405020304" pitchFamily="18" charset="0"/>
-                      </a:endParaRPr>
-                    </a:p>
-                  </a:txBody>
-                  <a:tcPr marL="68580" marR="68580" marT="0" marB="0" anchor="ctr"/>
-                </a:tc>
-                <a:tc>
-                  <a:txBody>
-                    <a:bodyPr/>
-                    <a:lstStyle/>
-                    <a:p>
-                      <a:pPr marL="0" marR="0" algn="ctr">
-                        <a:spcBef>
-                          <a:spcPts val="0"/>
-                        </a:spcBef>
-                        <a:spcAft>
-                          <a:spcPts val="0"/>
-                        </a:spcAft>
-                      </a:pPr>
-                      <a:r>
-                        <a:rPr lang="en-GB" sz="1600" dirty="0">
-                          <a:effectLst/>
-                        </a:rPr>
-                        <a:t>155</a:t>
-                      </a:r>
-                      <a:endParaRPr lang="de-DE" sz="1600" dirty="0">
-                        <a:effectLst/>
-                        <a:latin typeface="+mn-lt"/>
-                        <a:ea typeface="Times New Roman" panose="02020603050405020304" pitchFamily="18" charset="0"/>
-                      </a:endParaRPr>
-                    </a:p>
-                  </a:txBody>
-                  <a:tcPr marL="68580" marR="68580" marT="0" marB="0" anchor="ctr"/>
-                </a:tc>
-                <a:tc>
-                  <a:txBody>
-                    <a:bodyPr/>
-                    <a:lstStyle/>
-                    <a:p>
-                      <a:pPr algn="ctr"/>
-                      <a:r>
-                        <a:rPr lang="de-DE" sz="1600" dirty="0" smtClean="0"/>
-                        <a:t>36</a:t>
-                      </a:r>
-                      <a:endParaRPr lang="de-DE" sz="1600" dirty="0">
-                        <a:latin typeface="+mn-lt"/>
-                      </a:endParaRPr>
-                    </a:p>
-                  </a:txBody>
-                  <a:tcPr anchor="ctr"/>
-                </a:tc>
-                <a:tc>
-                  <a:txBody>
-                    <a:bodyPr/>
-                    <a:lstStyle/>
-                    <a:p>
-                      <a:pPr algn="l"/>
-                      <a:r>
-                        <a:rPr lang="de-DE" sz="1600" dirty="0" smtClean="0"/>
-                        <a:t>  100</a:t>
-                      </a:r>
-                      <a:r>
-                        <a:rPr lang="de-DE" sz="1600" dirty="0" smtClean="0"/>
-                        <a:t>%</a:t>
-                      </a:r>
-                      <a:endParaRPr lang="de-DE" sz="1600" dirty="0">
-                        <a:latin typeface="+mn-lt"/>
-                      </a:endParaRPr>
-                    </a:p>
-                  </a:txBody>
-                  <a:tcPr anchor="ctr"/>
-                </a:tc>
-              </a:tr>
-              <a:tr h="370840">
-                <a:tc>
-                  <a:txBody>
-                    <a:bodyPr/>
-                    <a:lstStyle/>
-                    <a:p>
-                      <a:pPr marL="0" marR="0" lvl="0" indent="0" algn="l" defTabSz="914400" rtl="0" eaLnBrk="1" fontAlgn="auto" latinLnBrk="0" hangingPunct="1">
-                        <a:lnSpc>
-                          <a:spcPct val="100000"/>
-                        </a:lnSpc>
-                        <a:spcBef>
-                          <a:spcPts val="0"/>
-                        </a:spcBef>
-                        <a:spcAft>
-                          <a:spcPts val="0"/>
-                        </a:spcAft>
-                        <a:buClrTx/>
-                        <a:buSzTx/>
-                        <a:buFontTx/>
-                        <a:buNone/>
-                        <a:tabLst/>
-                        <a:defRPr/>
-                      </a:pPr>
-                      <a:r>
-                        <a:rPr lang="en-US" sz="1600" dirty="0">
-                          <a:effectLst/>
-                        </a:rPr>
-                        <a:t>Garfield </a:t>
-                      </a:r>
-                      <a:r>
-                        <a:rPr lang="en-US" sz="1600" dirty="0" smtClean="0">
-                          <a:effectLst/>
-                        </a:rPr>
-                        <a:t>(</a:t>
-                      </a:r>
-                      <a:r>
-                        <a:rPr lang="en-US" sz="1600" dirty="0">
-                          <a:effectLst/>
-                        </a:rPr>
-                        <a:t>1979</a:t>
-                      </a:r>
-                      <a:r>
-                        <a:rPr lang="en-US" sz="1600" dirty="0" smtClean="0">
-                          <a:effectLst/>
-                        </a:rPr>
-                        <a:t>) Citation indexing: its theory and application in science, technology, and humanities</a:t>
-                      </a:r>
-                      <a:endParaRPr lang="de-DE" sz="1600" i="1" dirty="0">
-                        <a:effectLst/>
-                        <a:latin typeface="+mn-lt"/>
-                        <a:ea typeface="Times New Roman" panose="02020603050405020304" pitchFamily="18" charset="0"/>
-                      </a:endParaRPr>
-                    </a:p>
-                  </a:txBody>
-                  <a:tcPr marL="68580" marR="68580" marT="0" marB="0" anchor="ctr"/>
-                </a:tc>
-                <a:tc>
-                  <a:txBody>
-                    <a:bodyPr/>
-                    <a:lstStyle/>
-                    <a:p>
-                      <a:pPr marL="0" marR="0" algn="ctr">
-                        <a:spcBef>
-                          <a:spcPts val="0"/>
-                        </a:spcBef>
-                        <a:spcAft>
-                          <a:spcPts val="0"/>
-                        </a:spcAft>
-                      </a:pPr>
-                      <a:r>
-                        <a:rPr lang="en-GB" sz="1600" dirty="0">
-                          <a:effectLst/>
-                        </a:rPr>
-                        <a:t>151</a:t>
-                      </a:r>
-                      <a:endParaRPr lang="de-DE" sz="1600" dirty="0">
-                        <a:effectLst/>
-                        <a:latin typeface="+mn-lt"/>
-                        <a:ea typeface="Times New Roman" panose="02020603050405020304" pitchFamily="18" charset="0"/>
-                      </a:endParaRPr>
-                    </a:p>
-                  </a:txBody>
-                  <a:tcPr marL="68580" marR="68580" marT="0" marB="0" anchor="ctr"/>
-                </a:tc>
-                <a:tc>
-                  <a:txBody>
-                    <a:bodyPr/>
-                    <a:lstStyle/>
-                    <a:p>
-                      <a:pPr algn="ctr"/>
-                      <a:r>
-                        <a:rPr lang="de-DE" sz="1600" dirty="0" smtClean="0"/>
-                        <a:t>34</a:t>
-                      </a:r>
-                      <a:endParaRPr lang="de-DE" sz="1600" dirty="0">
-                        <a:latin typeface="+mn-lt"/>
-                      </a:endParaRPr>
-                    </a:p>
-                  </a:txBody>
-                  <a:tcPr anchor="ctr"/>
-                </a:tc>
-                <a:tc>
-                  <a:txBody>
-                    <a:bodyPr/>
-                    <a:lstStyle/>
-                    <a:p>
-                      <a:pPr algn="l"/>
-                      <a:r>
-                        <a:rPr lang="de-DE" sz="1600" dirty="0" smtClean="0"/>
-                        <a:t>   91.89</a:t>
-                      </a:r>
-                      <a:r>
-                        <a:rPr lang="de-DE" sz="1600" dirty="0" smtClean="0"/>
-                        <a:t>%</a:t>
-                      </a:r>
-                      <a:endParaRPr lang="de-DE" sz="1600" dirty="0">
-                        <a:latin typeface="+mn-lt"/>
-                      </a:endParaRPr>
-                    </a:p>
-                  </a:txBody>
-                  <a:tcPr anchor="ctr"/>
-                </a:tc>
-              </a:tr>
-              <a:tr h="370840">
-                <a:tc>
-                  <a:txBody>
-                    <a:bodyPr/>
-                    <a:lstStyle/>
-                    <a:p>
-                      <a:pPr marL="0" marR="0" lvl="0" indent="0" algn="l" defTabSz="914400" rtl="0" eaLnBrk="1" fontAlgn="auto" latinLnBrk="0" hangingPunct="1">
-                        <a:lnSpc>
-                          <a:spcPct val="100000"/>
-                        </a:lnSpc>
-                        <a:spcBef>
-                          <a:spcPts val="0"/>
-                        </a:spcBef>
-                        <a:spcAft>
-                          <a:spcPts val="0"/>
-                        </a:spcAft>
-                        <a:buClrTx/>
-                        <a:buSzTx/>
-                        <a:buFontTx/>
-                        <a:buNone/>
-                        <a:tabLst/>
-                        <a:defRPr/>
-                      </a:pPr>
-                      <a:r>
-                        <a:rPr lang="en-US" sz="1600" dirty="0" smtClean="0">
-                          <a:effectLst/>
-                        </a:rPr>
-                        <a:t>Small, H., (1973) Co-citation in the </a:t>
-                      </a:r>
-                      <a:r>
-                        <a:rPr lang="en-US" sz="1600" dirty="0" err="1" smtClean="0">
-                          <a:effectLst/>
-                        </a:rPr>
-                        <a:t>scien-tific</a:t>
-                      </a:r>
-                      <a:r>
-                        <a:rPr lang="en-US" sz="1600" dirty="0" smtClean="0">
-                          <a:effectLst/>
-                        </a:rPr>
-                        <a:t> literature: A new measure of the relationship between two documents</a:t>
-                      </a:r>
-                      <a:endParaRPr lang="de-DE" sz="1600" i="1" dirty="0">
-                        <a:effectLst/>
-                        <a:latin typeface="+mn-lt"/>
-                        <a:ea typeface="Times New Roman" panose="02020603050405020304" pitchFamily="18" charset="0"/>
-                      </a:endParaRPr>
-                    </a:p>
-                  </a:txBody>
-                  <a:tcPr marL="68580" marR="68580" marT="0" marB="0" anchor="ctr"/>
-                </a:tc>
-                <a:tc>
-                  <a:txBody>
-                    <a:bodyPr/>
-                    <a:lstStyle/>
-                    <a:p>
-                      <a:pPr marL="0" marR="0" algn="ctr">
-                        <a:spcBef>
-                          <a:spcPts val="0"/>
-                        </a:spcBef>
-                        <a:spcAft>
-                          <a:spcPts val="0"/>
-                        </a:spcAft>
-                      </a:pPr>
-                      <a:r>
-                        <a:rPr lang="de-DE" sz="1600" dirty="0" smtClean="0">
-                          <a:effectLst/>
-                        </a:rPr>
-                        <a:t>162</a:t>
-                      </a:r>
-                      <a:endParaRPr lang="de-DE" sz="1600" dirty="0">
-                        <a:effectLst/>
-                        <a:latin typeface="+mn-lt"/>
-                        <a:ea typeface="Times New Roman" panose="02020603050405020304" pitchFamily="18" charset="0"/>
-                      </a:endParaRPr>
-                    </a:p>
-                  </a:txBody>
-                  <a:tcPr marL="68580" marR="68580" marT="0" marB="0" anchor="ctr"/>
-                </a:tc>
-                <a:tc>
-                  <a:txBody>
-                    <a:bodyPr/>
-                    <a:lstStyle/>
-                    <a:p>
-                      <a:pPr algn="ctr"/>
-                      <a:r>
-                        <a:rPr lang="de-DE" sz="1600" dirty="0" smtClean="0"/>
-                        <a:t>33</a:t>
-                      </a:r>
-                      <a:endParaRPr lang="de-DE" sz="1600" dirty="0">
-                        <a:latin typeface="+mn-lt"/>
-                      </a:endParaRPr>
-                    </a:p>
-                  </a:txBody>
-                  <a:tcPr anchor="ctr"/>
-                </a:tc>
-                <a:tc>
-                  <a:txBody>
-                    <a:bodyPr/>
-                    <a:lstStyle/>
-                    <a:p>
-                      <a:pPr algn="l"/>
-                      <a:r>
-                        <a:rPr lang="de-DE" sz="1600" dirty="0" smtClean="0"/>
-                        <a:t>   84.62%</a:t>
-                      </a:r>
-                      <a:endParaRPr lang="de-DE" sz="1600" dirty="0">
-                        <a:latin typeface="+mn-lt"/>
-                      </a:endParaRPr>
-                    </a:p>
-                  </a:txBody>
-                  <a:tcPr anchor="ctr"/>
-                </a:tc>
-              </a:tr>
-            </a:tbl>
-          </a:graphicData>
-        </a:graphic>
-      </p:graphicFrame>
-      <mc:AlternateContent xmlns:mc="http://schemas.openxmlformats.org/markup-compatibility/2006">
-        <mc:Choice xmlns:a14="http://schemas.microsoft.com/office/drawing/2010/main" Requires="a14">
-          <p:sp>
-            <p:nvSpPr>
-              <p:cNvPr id="9" name="Abgerundete rechteckige Legende 8"/>
-              <p:cNvSpPr/>
-              <p:nvPr/>
-            </p:nvSpPr>
-            <p:spPr>
-              <a:xfrm>
-                <a:off x="7074693" y="4941168"/>
-                <a:ext cx="2016224" cy="792089"/>
-              </a:xfrm>
-              <a:prstGeom prst="wedgeRoundRectCallout">
-                <a:avLst>
-                  <a:gd name="adj1" fmla="val -66589"/>
-                  <a:gd name="adj2" fmla="val 23999"/>
-                  <a:gd name="adj3" fmla="val 16667"/>
-                </a:avLst>
-              </a:prstGeom>
-            </p:spPr>
-            <p:style>
-              <a:lnRef idx="2">
-                <a:schemeClr val="accent1"/>
-              </a:lnRef>
-              <a:fillRef idx="1">
-                <a:schemeClr val="lt1"/>
-              </a:fillRef>
-              <a:effectRef idx="0">
-                <a:schemeClr val="accent1"/>
-              </a:effectRef>
-              <a:fontRef idx="minor">
-                <a:schemeClr val="dk1"/>
-              </a:fontRef>
-            </p:style>
-            <p:txBody>
-              <a:bodyPr rtlCol="0" anchor="ctr"/>
-              <a:lstStyle/>
-              <a:p>
-                <a:pPr algn="ctr"/>
-                <a14:m>
-                  <m:oMathPara xmlns:m="http://schemas.openxmlformats.org/officeDocument/2006/math">
-                    <m:oMathParaPr>
-                      <m:jc m:val="centerGroup"/>
-                    </m:oMathParaPr>
-                    <m:oMath xmlns:m="http://schemas.openxmlformats.org/officeDocument/2006/math">
-                      <m:f>
-                        <m:fPr>
-                          <m:ctrlPr>
-                            <a:rPr lang="de-DE" i="1" smtClean="0">
-                              <a:latin typeface="Cambria Math" panose="02040503050406030204" pitchFamily="18" charset="0"/>
-                            </a:rPr>
-                          </m:ctrlPr>
-                        </m:fPr>
-                        <m:num>
-                          <m:r>
-                            <a:rPr lang="de-DE" b="0" i="1" smtClean="0">
-                              <a:latin typeface="Cambria Math" panose="02040503050406030204" pitchFamily="18" charset="0"/>
-                            </a:rPr>
-                            <m:t>𝑁</m:t>
-                          </m:r>
-                          <m:r>
-                            <a:rPr lang="de-DE" b="0" i="1" smtClean="0">
-                              <a:latin typeface="Cambria Math" panose="02040503050406030204" pitchFamily="18" charset="0"/>
-                            </a:rPr>
-                            <m:t>_</m:t>
-                          </m:r>
-                          <m:r>
-                            <a:rPr lang="de-DE" b="0" i="1" smtClean="0">
-                              <a:latin typeface="Cambria Math" panose="02040503050406030204" pitchFamily="18" charset="0"/>
-                            </a:rPr>
-                            <m:t>𝑃𝑌𝐸𝐴𝑅𝑆</m:t>
-                          </m:r>
-                        </m:num>
-                        <m:den>
-                          <m:sSub>
-                            <m:sSubPr>
-                              <m:ctrlPr>
-                                <a:rPr lang="de-DE" b="0" i="1" smtClean="0">
-                                  <a:latin typeface="Cambria Math" panose="02040503050406030204" pitchFamily="18" charset="0"/>
-                                </a:rPr>
-                              </m:ctrlPr>
-                            </m:sSubPr>
-                            <m:e>
-                              <m:r>
-                                <a:rPr lang="de-DE" i="1">
-                                  <a:latin typeface="Cambria Math" panose="02040503050406030204" pitchFamily="18" charset="0"/>
-                                </a:rPr>
-                                <m:t>𝑁</m:t>
-                              </m:r>
-                              <m:r>
-                                <a:rPr lang="de-DE" i="1">
-                                  <a:latin typeface="Cambria Math" panose="02040503050406030204" pitchFamily="18" charset="0"/>
-                                </a:rPr>
-                                <m:t>_</m:t>
-                              </m:r>
-                              <m:r>
-                                <a:rPr lang="de-DE" i="1">
-                                  <a:latin typeface="Cambria Math" panose="02040503050406030204" pitchFamily="18" charset="0"/>
-                                </a:rPr>
-                                <m:t>𝑃𝑌</m:t>
-                              </m:r>
-                            </m:e>
-                            <m:sub>
-                              <m:r>
-                                <a:rPr lang="de-DE" b="0" i="1" smtClean="0">
-                                  <a:latin typeface="Cambria Math" panose="02040503050406030204" pitchFamily="18" charset="0"/>
-                                </a:rPr>
-                                <m:t>1979</m:t>
-                              </m:r>
-                            </m:sub>
-                          </m:sSub>
-                        </m:den>
-                      </m:f>
-                      <m:r>
-                        <a:rPr lang="de-DE" b="0" i="1" smtClean="0">
-                          <a:latin typeface="Cambria Math" panose="02040503050406030204" pitchFamily="18" charset="0"/>
-                        </a:rPr>
-                        <m:t>=</m:t>
-                      </m:r>
-                      <m:f>
-                        <m:fPr>
-                          <m:ctrlPr>
-                            <a:rPr lang="de-DE" i="1">
-                              <a:latin typeface="Cambria Math" panose="02040503050406030204" pitchFamily="18" charset="0"/>
-                            </a:rPr>
-                          </m:ctrlPr>
-                        </m:fPr>
-                        <m:num>
-                          <m:r>
-                            <a:rPr lang="de-DE" b="0" i="1" smtClean="0">
-                              <a:latin typeface="Cambria Math" panose="02040503050406030204" pitchFamily="18" charset="0"/>
-                            </a:rPr>
-                            <m:t>34</m:t>
-                          </m:r>
-                        </m:num>
-                        <m:den>
-                          <m:r>
-                            <a:rPr lang="de-DE" b="0" i="1" smtClean="0">
-                              <a:latin typeface="Cambria Math" panose="02040503050406030204" pitchFamily="18" charset="0"/>
-                            </a:rPr>
-                            <m:t>37</m:t>
-                          </m:r>
-                        </m:den>
-                      </m:f>
-                    </m:oMath>
-                  </m:oMathPara>
-                </a14:m>
-                <a:endParaRPr lang="de-DE" dirty="0"/>
-              </a:p>
-            </p:txBody>
-          </p:sp>
-        </mc:Choice>
-        <mc:Fallback>
-          <p:sp>
-            <p:nvSpPr>
-              <p:cNvPr id="9" name="Abgerundete rechteckige Legende 8"/>
-              <p:cNvSpPr>
-                <a:spLocks noRot="1" noChangeAspect="1" noMove="1" noResize="1" noEditPoints="1" noAdjustHandles="1" noChangeArrowheads="1" noChangeShapeType="1" noTextEdit="1"/>
-              </p:cNvSpPr>
-              <p:nvPr/>
-            </p:nvSpPr>
-            <p:spPr>
-              <a:xfrm>
-                <a:off x="7074693" y="4941168"/>
-                <a:ext cx="2016224" cy="792089"/>
-              </a:xfrm>
-              <a:prstGeom prst="wedgeRoundRectCallout">
-                <a:avLst>
-                  <a:gd name="adj1" fmla="val -66589"/>
-                  <a:gd name="adj2" fmla="val 23999"/>
-                  <a:gd name="adj3" fmla="val 16667"/>
-                </a:avLst>
-              </a:prstGeom>
-              <a:blipFill rotWithShape="0">
-                <a:blip r:embed="rId3"/>
-                <a:stretch>
-                  <a:fillRect/>
-                </a:stretch>
-              </a:blipFill>
-            </p:spPr>
-            <p:txBody>
-              <a:bodyPr/>
-              <a:lstStyle/>
-              <a:p>
-                <a:r>
-                  <a:rPr lang="de-DE">
-                    <a:noFill/>
-                  </a:rPr>
-                  <a:t> </a:t>
-                </a:r>
-              </a:p>
-            </p:txBody>
-          </p:sp>
-        </mc:Fallback>
-      </mc:AlternateContent>
-      <mc:AlternateContent xmlns:mc="http://schemas.openxmlformats.org/markup-compatibility/2006">
-        <mc:Choice xmlns:a14="http://schemas.microsoft.com/office/drawing/2010/main" Requires="a14">
-          <p:sp>
-            <p:nvSpPr>
-              <p:cNvPr id="10" name="Abgerundete rechteckige Legende 9"/>
-              <p:cNvSpPr/>
-              <p:nvPr/>
-            </p:nvSpPr>
-            <p:spPr>
-              <a:xfrm>
-                <a:off x="7060207" y="5851023"/>
-                <a:ext cx="2016224" cy="792089"/>
-              </a:xfrm>
-              <a:prstGeom prst="wedgeRoundRectCallout">
-                <a:avLst>
-                  <a:gd name="adj1" fmla="val -66589"/>
-                  <a:gd name="adj2" fmla="val -10874"/>
-                  <a:gd name="adj3" fmla="val 16667"/>
-                </a:avLst>
-              </a:prstGeom>
-            </p:spPr>
-            <p:style>
-              <a:lnRef idx="2">
-                <a:schemeClr val="accent1"/>
-              </a:lnRef>
-              <a:fillRef idx="1">
-                <a:schemeClr val="lt1"/>
-              </a:fillRef>
-              <a:effectRef idx="0">
-                <a:schemeClr val="accent1"/>
-              </a:effectRef>
-              <a:fontRef idx="minor">
-                <a:schemeClr val="dk1"/>
-              </a:fontRef>
-            </p:style>
-            <p:txBody>
-              <a:bodyPr rtlCol="0" anchor="ctr"/>
-              <a:lstStyle/>
-              <a:p>
-                <a:pPr algn="ctr"/>
-                <a14:m>
-                  <m:oMathPara xmlns:m="http://schemas.openxmlformats.org/officeDocument/2006/math">
-                    <m:oMathParaPr>
-                      <m:jc m:val="centerGroup"/>
-                    </m:oMathParaPr>
-                    <m:oMath xmlns:m="http://schemas.openxmlformats.org/officeDocument/2006/math">
-                      <m:f>
-                        <m:fPr>
-                          <m:ctrlPr>
-                            <a:rPr lang="de-DE" i="1" smtClean="0">
-                              <a:latin typeface="Cambria Math" panose="02040503050406030204" pitchFamily="18" charset="0"/>
-                            </a:rPr>
-                          </m:ctrlPr>
-                        </m:fPr>
-                        <m:num>
-                          <m:r>
-                            <a:rPr lang="de-DE" b="0" i="1" smtClean="0">
-                              <a:latin typeface="Cambria Math" panose="02040503050406030204" pitchFamily="18" charset="0"/>
-                            </a:rPr>
-                            <m:t>𝑁</m:t>
-                          </m:r>
-                          <m:r>
-                            <a:rPr lang="de-DE" b="0" i="1" smtClean="0">
-                              <a:latin typeface="Cambria Math" panose="02040503050406030204" pitchFamily="18" charset="0"/>
-                            </a:rPr>
-                            <m:t>_</m:t>
-                          </m:r>
-                          <m:r>
-                            <a:rPr lang="de-DE" b="0" i="1" smtClean="0">
-                              <a:latin typeface="Cambria Math" panose="02040503050406030204" pitchFamily="18" charset="0"/>
-                            </a:rPr>
-                            <m:t>𝑃𝑌𝐸𝐴𝑅𝑆</m:t>
-                          </m:r>
-                        </m:num>
-                        <m:den>
-                          <m:sSub>
-                            <m:sSubPr>
-                              <m:ctrlPr>
-                                <a:rPr lang="de-DE" b="0" i="1" smtClean="0">
-                                  <a:latin typeface="Cambria Math" panose="02040503050406030204" pitchFamily="18" charset="0"/>
-                                </a:rPr>
-                              </m:ctrlPr>
-                            </m:sSubPr>
-                            <m:e>
-                              <m:r>
-                                <a:rPr lang="de-DE" i="1">
-                                  <a:latin typeface="Cambria Math" panose="02040503050406030204" pitchFamily="18" charset="0"/>
-                                </a:rPr>
-                                <m:t>𝑁</m:t>
-                              </m:r>
-                              <m:r>
-                                <a:rPr lang="de-DE" i="1">
-                                  <a:latin typeface="Cambria Math" panose="02040503050406030204" pitchFamily="18" charset="0"/>
-                                </a:rPr>
-                                <m:t>_</m:t>
-                              </m:r>
-                              <m:r>
-                                <a:rPr lang="de-DE" i="1">
-                                  <a:latin typeface="Cambria Math" panose="02040503050406030204" pitchFamily="18" charset="0"/>
-                                </a:rPr>
-                                <m:t>𝑃𝑌</m:t>
-                              </m:r>
-                            </m:e>
-                            <m:sub>
-                              <m:r>
-                                <a:rPr lang="de-DE" b="0" i="1" smtClean="0">
-                                  <a:latin typeface="Cambria Math" panose="02040503050406030204" pitchFamily="18" charset="0"/>
-                                </a:rPr>
-                                <m:t>1973</m:t>
-                              </m:r>
-                            </m:sub>
-                          </m:sSub>
-                        </m:den>
-                      </m:f>
-                      <m:r>
-                        <a:rPr lang="de-DE" b="0" i="1" smtClean="0">
-                          <a:latin typeface="Cambria Math" panose="02040503050406030204" pitchFamily="18" charset="0"/>
-                        </a:rPr>
-                        <m:t>=</m:t>
-                      </m:r>
-                      <m:f>
-                        <m:fPr>
-                          <m:ctrlPr>
-                            <a:rPr lang="de-DE" i="1">
-                              <a:latin typeface="Cambria Math" panose="02040503050406030204" pitchFamily="18" charset="0"/>
-                            </a:rPr>
-                          </m:ctrlPr>
-                        </m:fPr>
-                        <m:num>
-                          <m:r>
-                            <a:rPr lang="de-DE" b="0" i="1" smtClean="0">
-                              <a:latin typeface="Cambria Math" panose="02040503050406030204" pitchFamily="18" charset="0"/>
-                            </a:rPr>
-                            <m:t>3</m:t>
-                          </m:r>
-                          <m:r>
-                            <a:rPr lang="de-DE" b="0" i="1" smtClean="0">
-                              <a:latin typeface="Cambria Math" panose="02040503050406030204" pitchFamily="18" charset="0"/>
-                            </a:rPr>
-                            <m:t>3</m:t>
-                          </m:r>
-                        </m:num>
-                        <m:den>
-                          <m:r>
-                            <a:rPr lang="de-DE" b="0" i="1" smtClean="0">
-                              <a:latin typeface="Cambria Math" panose="02040503050406030204" pitchFamily="18" charset="0"/>
-                            </a:rPr>
-                            <m:t>39</m:t>
-                          </m:r>
-                        </m:den>
-                      </m:f>
-                    </m:oMath>
-                  </m:oMathPara>
-                </a14:m>
-                <a:endParaRPr lang="de-DE" dirty="0"/>
-              </a:p>
-            </p:txBody>
-          </p:sp>
-        </mc:Choice>
-        <mc:Fallback>
-          <p:sp>
-            <p:nvSpPr>
-              <p:cNvPr id="10" name="Abgerundete rechteckige Legende 9"/>
-              <p:cNvSpPr>
-                <a:spLocks noRot="1" noChangeAspect="1" noMove="1" noResize="1" noEditPoints="1" noAdjustHandles="1" noChangeArrowheads="1" noChangeShapeType="1" noTextEdit="1"/>
-              </p:cNvSpPr>
-              <p:nvPr/>
-            </p:nvSpPr>
-            <p:spPr>
-              <a:xfrm>
-                <a:off x="7060207" y="5851023"/>
-                <a:ext cx="2016224" cy="792089"/>
-              </a:xfrm>
-              <a:prstGeom prst="wedgeRoundRectCallout">
-                <a:avLst>
-                  <a:gd name="adj1" fmla="val -66589"/>
-                  <a:gd name="adj2" fmla="val -10874"/>
-                  <a:gd name="adj3" fmla="val 16667"/>
-                </a:avLst>
-              </a:prstGeom>
-              <a:blipFill rotWithShape="0">
-                <a:blip r:embed="rId4"/>
-                <a:stretch>
-                  <a:fillRect/>
-                </a:stretch>
-              </a:blipFill>
-            </p:spPr>
-            <p:txBody>
-              <a:bodyPr/>
-              <a:lstStyle/>
-              <a:p>
-                <a:r>
-                  <a:rPr lang="de-DE">
-                    <a:noFill/>
-                  </a:rPr>
-                  <a:t> </a:t>
-                </a:r>
-              </a:p>
-            </p:txBody>
-          </p:sp>
-        </mc:Fallback>
-      </mc:AlternateContent>
-      <mc:AlternateContent xmlns:mc="http://schemas.openxmlformats.org/markup-compatibility/2006">
-        <mc:Choice xmlns:a14="http://schemas.microsoft.com/office/drawing/2010/main" Requires="a14">
-          <p:sp>
-            <p:nvSpPr>
-              <p:cNvPr id="11" name="Abgerundete rechteckige Legende 10"/>
-              <p:cNvSpPr/>
-              <p:nvPr/>
-            </p:nvSpPr>
-            <p:spPr>
-              <a:xfrm>
-                <a:off x="7060207" y="4031313"/>
-                <a:ext cx="2016224" cy="792089"/>
-              </a:xfrm>
-              <a:prstGeom prst="wedgeRoundRectCallout">
-                <a:avLst>
-                  <a:gd name="adj1" fmla="val -69424"/>
-                  <a:gd name="adj2" fmla="val 46847"/>
-                  <a:gd name="adj3" fmla="val 16667"/>
-                </a:avLst>
-              </a:prstGeom>
-            </p:spPr>
-            <p:style>
-              <a:lnRef idx="2">
-                <a:schemeClr val="accent1"/>
-              </a:lnRef>
-              <a:fillRef idx="1">
-                <a:schemeClr val="lt1"/>
-              </a:fillRef>
-              <a:effectRef idx="0">
-                <a:schemeClr val="accent1"/>
-              </a:effectRef>
-              <a:fontRef idx="minor">
-                <a:schemeClr val="dk1"/>
-              </a:fontRef>
-            </p:style>
-            <p:txBody>
-              <a:bodyPr rtlCol="0" anchor="ctr"/>
-              <a:lstStyle/>
-              <a:p>
-                <a:pPr algn="ctr"/>
-                <a14:m>
-                  <m:oMathPara xmlns:m="http://schemas.openxmlformats.org/officeDocument/2006/math">
-                    <m:oMathParaPr>
-                      <m:jc m:val="centerGroup"/>
-                    </m:oMathParaPr>
-                    <m:oMath xmlns:m="http://schemas.openxmlformats.org/officeDocument/2006/math">
-                      <m:f>
-                        <m:fPr>
-                          <m:ctrlPr>
-                            <a:rPr lang="de-DE" i="1" smtClean="0">
-                              <a:latin typeface="Cambria Math" panose="02040503050406030204" pitchFamily="18" charset="0"/>
-                            </a:rPr>
-                          </m:ctrlPr>
-                        </m:fPr>
-                        <m:num>
-                          <m:r>
-                            <a:rPr lang="de-DE" b="0" i="1" smtClean="0">
-                              <a:latin typeface="Cambria Math" panose="02040503050406030204" pitchFamily="18" charset="0"/>
-                            </a:rPr>
-                            <m:t>𝑁</m:t>
-                          </m:r>
-                          <m:r>
-                            <a:rPr lang="de-DE" b="0" i="1" smtClean="0">
-                              <a:latin typeface="Cambria Math" panose="02040503050406030204" pitchFamily="18" charset="0"/>
-                            </a:rPr>
-                            <m:t>_</m:t>
-                          </m:r>
-                          <m:r>
-                            <a:rPr lang="de-DE" b="0" i="1" smtClean="0">
-                              <a:latin typeface="Cambria Math" panose="02040503050406030204" pitchFamily="18" charset="0"/>
-                            </a:rPr>
-                            <m:t>𝑃𝑌𝐸𝐴𝑅𝑆</m:t>
-                          </m:r>
-                        </m:num>
-                        <m:den>
-                          <m:sSub>
-                            <m:sSubPr>
-                              <m:ctrlPr>
-                                <a:rPr lang="de-DE" b="0" i="1" smtClean="0">
-                                  <a:latin typeface="Cambria Math" panose="02040503050406030204" pitchFamily="18" charset="0"/>
-                                </a:rPr>
-                              </m:ctrlPr>
-                            </m:sSubPr>
-                            <m:e>
-                              <m:r>
-                                <a:rPr lang="de-DE" i="1">
-                                  <a:latin typeface="Cambria Math" panose="02040503050406030204" pitchFamily="18" charset="0"/>
-                                </a:rPr>
-                                <m:t>𝑁</m:t>
-                              </m:r>
-                              <m:r>
-                                <a:rPr lang="de-DE" i="1">
-                                  <a:latin typeface="Cambria Math" panose="02040503050406030204" pitchFamily="18" charset="0"/>
-                                </a:rPr>
-                                <m:t>_</m:t>
-                              </m:r>
-                              <m:r>
-                                <a:rPr lang="de-DE" i="1">
-                                  <a:latin typeface="Cambria Math" panose="02040503050406030204" pitchFamily="18" charset="0"/>
-                                </a:rPr>
-                                <m:t>𝑃𝑌</m:t>
-                              </m:r>
-                            </m:e>
-                            <m:sub>
-                              <m:r>
-                                <a:rPr lang="de-DE" b="0" i="1" smtClean="0">
-                                  <a:latin typeface="Cambria Math" panose="02040503050406030204" pitchFamily="18" charset="0"/>
-                                </a:rPr>
-                                <m:t>1926</m:t>
-                              </m:r>
-                            </m:sub>
-                          </m:sSub>
-                        </m:den>
-                      </m:f>
-                      <m:r>
-                        <a:rPr lang="de-DE" b="0" i="1" smtClean="0">
-                          <a:latin typeface="Cambria Math" panose="02040503050406030204" pitchFamily="18" charset="0"/>
-                        </a:rPr>
-                        <m:t>=</m:t>
-                      </m:r>
-                      <m:f>
-                        <m:fPr>
-                          <m:ctrlPr>
-                            <a:rPr lang="de-DE" i="1">
-                              <a:latin typeface="Cambria Math" panose="02040503050406030204" pitchFamily="18" charset="0"/>
-                            </a:rPr>
-                          </m:ctrlPr>
-                        </m:fPr>
-                        <m:num>
-                          <m:r>
-                            <a:rPr lang="de-DE" b="0" i="1" smtClean="0">
-                              <a:latin typeface="Cambria Math" panose="02040503050406030204" pitchFamily="18" charset="0"/>
-                            </a:rPr>
-                            <m:t>3</m:t>
-                          </m:r>
-                          <m:r>
-                            <a:rPr lang="de-DE" b="0" i="1" smtClean="0">
-                              <a:latin typeface="Cambria Math" panose="02040503050406030204" pitchFamily="18" charset="0"/>
-                            </a:rPr>
-                            <m:t>6</m:t>
-                          </m:r>
-                        </m:num>
-                        <m:den>
-                          <m:r>
-                            <a:rPr lang="de-DE" b="0" i="1" smtClean="0">
-                              <a:latin typeface="Cambria Math" panose="02040503050406030204" pitchFamily="18" charset="0"/>
-                            </a:rPr>
-                            <m:t>36</m:t>
-                          </m:r>
-                        </m:den>
-                      </m:f>
-                    </m:oMath>
-                  </m:oMathPara>
-                </a14:m>
-                <a:endParaRPr lang="de-DE" dirty="0"/>
-              </a:p>
-            </p:txBody>
-          </p:sp>
-        </mc:Choice>
-        <mc:Fallback>
-          <p:sp>
-            <p:nvSpPr>
-              <p:cNvPr id="11" name="Abgerundete rechteckige Legende 10"/>
-              <p:cNvSpPr>
-                <a:spLocks noRot="1" noChangeAspect="1" noMove="1" noResize="1" noEditPoints="1" noAdjustHandles="1" noChangeArrowheads="1" noChangeShapeType="1" noTextEdit="1"/>
-              </p:cNvSpPr>
-              <p:nvPr/>
-            </p:nvSpPr>
-            <p:spPr>
-              <a:xfrm>
-                <a:off x="7060207" y="4031313"/>
-                <a:ext cx="2016224" cy="792089"/>
-              </a:xfrm>
-              <a:prstGeom prst="wedgeRoundRectCallout">
-                <a:avLst>
-                  <a:gd name="adj1" fmla="val -69424"/>
-                  <a:gd name="adj2" fmla="val 46847"/>
-                  <a:gd name="adj3" fmla="val 16667"/>
-                </a:avLst>
-              </a:prstGeom>
-              <a:blipFill rotWithShape="0">
-                <a:blip r:embed="rId5"/>
-                <a:stretch>
-                  <a:fillRect/>
-                </a:stretch>
-              </a:blipFill>
-            </p:spPr>
-            <p:txBody>
-              <a:bodyPr/>
-              <a:lstStyle/>
-              <a:p>
-                <a:r>
-                  <a:rPr lang="de-DE">
-                    <a:noFill/>
-                  </a:rPr>
-                  <a:t> </a:t>
-                </a:r>
-              </a:p>
-            </p:txBody>
-          </p:sp>
-        </mc:Fallback>
-      </mc:AlternateContent>
-      <p:sp>
-        <p:nvSpPr>
-          <p:cNvPr id="12" name="Rechteck 11"/>
-          <p:cNvSpPr/>
-          <p:nvPr/>
-        </p:nvSpPr>
-        <p:spPr>
-          <a:xfrm>
-            <a:off x="179512" y="2844389"/>
-            <a:ext cx="3672408" cy="646331"/>
-          </a:xfrm>
-          <a:prstGeom prst="rect">
-            <a:avLst/>
-          </a:prstGeom>
-        </p:spPr>
-        <p:txBody>
-          <a:bodyPr wrap="square">
-            <a:spAutoFit/>
-          </a:bodyPr>
-          <a:lstStyle/>
-          <a:p>
-            <a:r>
-              <a:rPr lang="de-DE" dirty="0" err="1" smtClean="0"/>
-              <a:t>Scientometrics</a:t>
-            </a:r>
-            <a:r>
-              <a:rPr lang="de-DE" dirty="0" smtClean="0"/>
-              <a:t> </a:t>
-            </a:r>
-            <a:r>
-              <a:rPr lang="de-DE" dirty="0" err="1"/>
-              <a:t>papers</a:t>
-            </a:r>
-            <a:r>
-              <a:rPr lang="de-DE" dirty="0"/>
-              <a:t> (1978-2016) </a:t>
-            </a:r>
-            <a:r>
-              <a:rPr lang="de-DE" dirty="0" smtClean="0"/>
-              <a:t/>
-            </a:r>
-            <a:br>
-              <a:rPr lang="de-DE" dirty="0" smtClean="0"/>
-            </a:br>
-            <a:r>
-              <a:rPr lang="de-DE" dirty="0" smtClean="0">
-                <a:sym typeface="Wingdings" panose="05000000000000000000" pitchFamily="2" charset="2"/>
-              </a:rPr>
-              <a:t> </a:t>
-            </a:r>
-            <a:r>
-              <a:rPr lang="de-DE" dirty="0">
-                <a:sym typeface="Wingdings" panose="05000000000000000000" pitchFamily="2" charset="2"/>
-              </a:rPr>
-              <a:t>39 </a:t>
-            </a:r>
-            <a:r>
-              <a:rPr lang="de-DE" dirty="0" err="1">
-                <a:sym typeface="Wingdings" panose="05000000000000000000" pitchFamily="2" charset="2"/>
-              </a:rPr>
-              <a:t>publication</a:t>
-            </a:r>
-            <a:r>
-              <a:rPr lang="de-DE" dirty="0">
-                <a:sym typeface="Wingdings" panose="05000000000000000000" pitchFamily="2" charset="2"/>
-              </a:rPr>
-              <a:t> </a:t>
-            </a:r>
-            <a:r>
-              <a:rPr lang="de-DE" dirty="0" err="1">
-                <a:sym typeface="Wingdings" panose="05000000000000000000" pitchFamily="2" charset="2"/>
-              </a:rPr>
-              <a:t>years</a:t>
-            </a:r>
-            <a:endParaRPr lang="de-DE" dirty="0"/>
-          </a:p>
-        </p:txBody>
-      </p:sp>
-      <p:sp>
-        <p:nvSpPr>
-          <p:cNvPr id="14" name="Rechteck 13"/>
-          <p:cNvSpPr/>
-          <p:nvPr/>
-        </p:nvSpPr>
-        <p:spPr>
-          <a:xfrm>
-            <a:off x="5796136" y="3356992"/>
-            <a:ext cx="1656184" cy="3456384"/>
-          </a:xfrm>
-          <a:prstGeom prst="rect">
-            <a:avLst/>
-          </a:prstGeom>
-          <a:ln>
-            <a:noFill/>
-          </a:ln>
-        </p:spPr>
-        <p:style>
-          <a:lnRef idx="2">
-            <a:schemeClr val="accent1"/>
-          </a:lnRef>
-          <a:fillRef idx="1">
-            <a:schemeClr val="lt1"/>
-          </a:fillRef>
-          <a:effectRef idx="0">
-            <a:schemeClr val="accent1"/>
-          </a:effectRef>
-          <a:fontRef idx="minor">
-            <a:schemeClr val="dk1"/>
-          </a:fontRef>
-        </p:style>
-        <p:txBody>
-          <a:bodyPr rtlCol="0" anchor="ctr"/>
-          <a:lstStyle/>
-          <a:p>
-            <a:pPr algn="ctr"/>
-            <a:endParaRPr lang="de-DE"/>
-          </a:p>
-        </p:txBody>
-      </p:sp>
-      <p:sp>
-        <p:nvSpPr>
-          <p:cNvPr id="13" name="Abgerundete rechteckige Legende 12"/>
-          <p:cNvSpPr/>
-          <p:nvPr/>
-        </p:nvSpPr>
-        <p:spPr>
-          <a:xfrm>
-            <a:off x="5796136" y="2636912"/>
-            <a:ext cx="2448272" cy="549815"/>
-          </a:xfrm>
-          <a:prstGeom prst="wedgeRoundRectCallout">
-            <a:avLst>
-              <a:gd name="adj1" fmla="val -71842"/>
-              <a:gd name="adj2" fmla="val 309707"/>
-              <a:gd name="adj3" fmla="val 16667"/>
-            </a:avLst>
-          </a:prstGeom>
-          <a:noFill/>
-        </p:spPr>
-        <p:style>
-          <a:lnRef idx="2">
-            <a:schemeClr val="accent1"/>
-          </a:lnRef>
-          <a:fillRef idx="1">
-            <a:schemeClr val="lt1"/>
-          </a:fillRef>
-          <a:effectRef idx="0">
-            <a:schemeClr val="accent1"/>
-          </a:effectRef>
-          <a:fontRef idx="minor">
-            <a:schemeClr val="dk1"/>
-          </a:fontRef>
-        </p:style>
-        <p:txBody>
-          <a:bodyPr rtlCol="0" anchor="ctr"/>
-          <a:lstStyle/>
-          <a:p>
-            <a:pPr algn="ctr"/>
-            <a:r>
-              <a:rPr lang="de-DE" dirty="0" smtClean="0"/>
-              <a:t>… </a:t>
-            </a:r>
-            <a:r>
-              <a:rPr lang="de-DE" dirty="0" err="1" smtClean="0"/>
-              <a:t>has</a:t>
-            </a:r>
-            <a:r>
-              <a:rPr lang="de-DE" dirty="0" smtClean="0"/>
-              <a:t> not </a:t>
-            </a:r>
-            <a:r>
-              <a:rPr lang="de-DE" dirty="0" err="1" smtClean="0"/>
-              <a:t>been</a:t>
-            </a:r>
-            <a:r>
-              <a:rPr lang="de-DE" dirty="0" smtClean="0"/>
-              <a:t> </a:t>
-            </a:r>
-            <a:r>
-              <a:rPr lang="de-DE" dirty="0" err="1" smtClean="0"/>
-              <a:t>cited</a:t>
-            </a:r>
-            <a:r>
-              <a:rPr lang="de-DE" dirty="0" smtClean="0"/>
-              <a:t> in 1978, 1979, </a:t>
-            </a:r>
-            <a:r>
-              <a:rPr lang="de-DE" dirty="0" err="1" smtClean="0"/>
-              <a:t>and</a:t>
-            </a:r>
-            <a:r>
-              <a:rPr lang="de-DE" dirty="0" smtClean="0"/>
-              <a:t> 1983</a:t>
-            </a:r>
-            <a:endParaRPr lang="de-DE" dirty="0"/>
-          </a:p>
-        </p:txBody>
-      </p:sp>
-    </p:spTree>
-    <p:extLst>
-      <p:ext uri="{BB962C8B-B14F-4D97-AF65-F5344CB8AC3E}">
-        <p14:creationId xmlns:p14="http://schemas.microsoft.com/office/powerpoint/2010/main" val="2064978402"/>
-      </p:ext>
-    </p:extLst>
-  </p:cSld>
-  <p:clrMapOvr>
-    <a:masterClrMapping/>
-  </p:clrMapOvr>
-  <p:timing>
-    <p:tnLst>
-      <p:par>
-        <p:cTn id="1" dur="indefinite" restart="never" nodeType="tmRoot">
-          <p:childTnLst>
-            <p:seq concurrent="1" nextAc="seek">
-              <p:cTn id="2" dur="indefinite" nodeType="mainSeq">
-                <p:childTnLst>
-                  <p:par>
-                    <p:cTn id="3" fill="hold">
-                      <p:stCondLst>
-                        <p:cond delay="indefinite"/>
-                      </p:stCondLst>
-                      <p:childTnLst>
-                        <p:par>
-                          <p:cTn id="4" fill="hold">
-                            <p:stCondLst>
-                              <p:cond delay="0"/>
-                            </p:stCondLst>
-                            <p:childTnLst>
-                              <p:par>
-                                <p:cTn id="5" presetID="1" presetClass="entr" presetSubtype="0" fill="hold" grpId="0" nodeType="clickEffect">
-                                  <p:stCondLst>
-                                    <p:cond delay="0"/>
-                                  </p:stCondLst>
-                                  <p:childTnLst>
-                                    <p:set>
-                                      <p:cBhvr>
-                                        <p:cTn id="6" dur="1" fill="hold">
-                                          <p:stCondLst>
-                                            <p:cond delay="0"/>
-                                          </p:stCondLst>
-                                        </p:cTn>
-                                        <p:tgtEl>
-                                          <p:spTgt spid="13"/>
-                                        </p:tgtEl>
-                                        <p:attrNameLst>
-                                          <p:attrName>style.visibility</p:attrName>
-                                        </p:attrNameLst>
-                                      </p:cBhvr>
-                                      <p:to>
-                                        <p:strVal val="visible"/>
-                                      </p:to>
-                                    </p:set>
-                                  </p:childTnLst>
-                                </p:cTn>
-                              </p:par>
-                            </p:childTnLst>
-                          </p:cTn>
-                        </p:par>
-                      </p:childTnLst>
-                    </p:cTn>
-                  </p:par>
-                  <p:par>
-                    <p:cTn id="7" fill="hold">
-                      <p:stCondLst>
-                        <p:cond delay="indefinite"/>
-                      </p:stCondLst>
-                      <p:childTnLst>
-                        <p:par>
-                          <p:cTn id="8" fill="hold">
-                            <p:stCondLst>
-                              <p:cond delay="0"/>
-                            </p:stCondLst>
-                            <p:childTnLst>
-                              <p:par>
-                                <p:cTn id="9" presetID="1" presetClass="entr" presetSubtype="0" fill="hold" nodeType="clickEffect">
-                                  <p:stCondLst>
-                                    <p:cond delay="0"/>
-                                  </p:stCondLst>
-                                  <p:childTnLst>
-                                    <p:set>
-                                      <p:cBhvr>
-                                        <p:cTn id="10" dur="1" fill="hold">
-                                          <p:stCondLst>
-                                            <p:cond delay="0"/>
-                                          </p:stCondLst>
-                                        </p:cTn>
-                                        <p:tgtEl>
-                                          <p:spTgt spid="3">
-                                            <p:txEl>
-                                              <p:pRg st="2" end="2"/>
-                                            </p:txEl>
-                                          </p:spTgt>
-                                        </p:tgtEl>
-                                        <p:attrNameLst>
-                                          <p:attrName>style.visibility</p:attrName>
-                                        </p:attrNameLst>
-                                      </p:cBhvr>
-                                      <p:to>
-                                        <p:strVal val="visible"/>
-                                      </p:to>
-                                    </p:set>
-                                  </p:childTnLst>
-                                </p:cTn>
-                              </p:par>
-                              <p:par>
-                                <p:cTn id="11" presetID="1" presetClass="entr" presetSubtype="0" fill="hold" nodeType="withEffect">
-                                  <p:stCondLst>
-                                    <p:cond delay="0"/>
-                                  </p:stCondLst>
-                                  <p:childTnLst>
-                                    <p:set>
-                                      <p:cBhvr>
-                                        <p:cTn id="12" dur="1" fill="hold">
-                                          <p:stCondLst>
-                                            <p:cond delay="0"/>
-                                          </p:stCondLst>
-                                        </p:cTn>
-                                        <p:tgtEl>
-                                          <p:spTgt spid="3">
-                                            <p:txEl>
-                                              <p:pRg st="3" end="3"/>
-                                            </p:txEl>
-                                          </p:spTgt>
-                                        </p:tgtEl>
-                                        <p:attrNameLst>
-                                          <p:attrName>style.visibility</p:attrName>
-                                        </p:attrNameLst>
-                                      </p:cBhvr>
-                                      <p:to>
-                                        <p:strVal val="visible"/>
-                                      </p:to>
-                                    </p:set>
-                                  </p:childTnLst>
-                                </p:cTn>
-                              </p:par>
-                              <p:par>
-                                <p:cTn id="13" presetID="1" presetClass="exit" presetSubtype="0" fill="hold" grpId="0" nodeType="withEffect">
-                                  <p:stCondLst>
-                                    <p:cond delay="0"/>
-                                  </p:stCondLst>
-                                  <p:childTnLst>
-                                    <p:set>
-                                      <p:cBhvr>
-                                        <p:cTn id="14" dur="1" fill="hold">
-                                          <p:stCondLst>
-                                            <p:cond delay="0"/>
-                                          </p:stCondLst>
-                                        </p:cTn>
-                                        <p:tgtEl>
-                                          <p:spTgt spid="14"/>
-                                        </p:tgtEl>
-                                        <p:attrNameLst>
-                                          <p:attrName>style.visibility</p:attrName>
-                                        </p:attrNameLst>
-                                      </p:cBhvr>
-                                      <p:to>
-                                        <p:strVal val="hidden"/>
-                                      </p:to>
-                                    </p:set>
-                                  </p:childTnLst>
-                                </p:cTn>
-                              </p:par>
-                            </p:childTnLst>
-                          </p:cTn>
-                        </p:par>
-                      </p:childTnLst>
-                    </p:cTn>
-                  </p:par>
-                  <p:par>
-                    <p:cTn id="15" fill="hold">
-                      <p:stCondLst>
-                        <p:cond delay="indefinite"/>
-                      </p:stCondLst>
-                      <p:childTnLst>
-                        <p:par>
-                          <p:cTn id="16" fill="hold">
-                            <p:stCondLst>
-                              <p:cond delay="0"/>
-                            </p:stCondLst>
-                            <p:childTnLst>
-                              <p:par>
-                                <p:cTn id="17" presetID="1" presetClass="entr" presetSubtype="0" fill="hold" grpId="0" nodeType="clickEffect">
-                                  <p:stCondLst>
-                                    <p:cond delay="0"/>
-                                  </p:stCondLst>
-                                  <p:childTnLst>
-                                    <p:set>
-                                      <p:cBhvr>
-                                        <p:cTn id="18" dur="1" fill="hold">
-                                          <p:stCondLst>
-                                            <p:cond delay="0"/>
-                                          </p:stCondLst>
-                                        </p:cTn>
-                                        <p:tgtEl>
-                                          <p:spTgt spid="11"/>
-                                        </p:tgtEl>
-                                        <p:attrNameLst>
-                                          <p:attrName>style.visibility</p:attrName>
-                                        </p:attrNameLst>
-                                      </p:cBhvr>
-                                      <p:to>
-                                        <p:strVal val="visible"/>
-                                      </p:to>
-                                    </p:set>
-                                  </p:childTnLst>
-                                </p:cTn>
-                              </p:par>
-                            </p:childTnLst>
-                          </p:cTn>
-                        </p:par>
-                      </p:childTnLst>
-                    </p:cTn>
-                  </p:par>
-                  <p:par>
-                    <p:cTn id="19" fill="hold">
-                      <p:stCondLst>
-                        <p:cond delay="indefinite"/>
-                      </p:stCondLst>
-                      <p:childTnLst>
-                        <p:par>
-                          <p:cTn id="20" fill="hold">
-                            <p:stCondLst>
-                              <p:cond delay="0"/>
-                            </p:stCondLst>
-                            <p:childTnLst>
-                              <p:par>
-                                <p:cTn id="21" presetID="1" presetClass="entr" presetSubtype="0" fill="hold" grpId="0" nodeType="clickEffect">
-                                  <p:stCondLst>
-                                    <p:cond delay="0"/>
-                                  </p:stCondLst>
-                                  <p:childTnLst>
-                                    <p:set>
-                                      <p:cBhvr>
-                                        <p:cTn id="22" dur="1" fill="hold">
-                                          <p:stCondLst>
-                                            <p:cond delay="0"/>
-                                          </p:stCondLst>
-                                        </p:cTn>
-                                        <p:tgtEl>
-                                          <p:spTgt spid="9"/>
-                                        </p:tgtEl>
-                                        <p:attrNameLst>
-                                          <p:attrName>style.visibility</p:attrName>
-                                        </p:attrNameLst>
-                                      </p:cBhvr>
-                                      <p:to>
-                                        <p:strVal val="visible"/>
-                                      </p:to>
-                                    </p:set>
-                                  </p:childTnLst>
-                                </p:cTn>
-                              </p:par>
-                            </p:childTnLst>
-                          </p:cTn>
-                        </p:par>
-                      </p:childTnLst>
-                    </p:cTn>
-                  </p:par>
-                  <p:par>
-                    <p:cTn id="23" fill="hold">
-                      <p:stCondLst>
-                        <p:cond delay="indefinite"/>
-                      </p:stCondLst>
-                      <p:childTnLst>
-                        <p:par>
-                          <p:cTn id="24" fill="hold">
-                            <p:stCondLst>
-                              <p:cond delay="0"/>
-                            </p:stCondLst>
-                            <p:childTnLst>
-                              <p:par>
-                                <p:cTn id="25" presetID="1" presetClass="entr" presetSubtype="0" fill="hold" grpId="0" nodeType="clickEffect">
-                                  <p:stCondLst>
-                                    <p:cond delay="0"/>
-                                  </p:stCondLst>
-                                  <p:childTnLst>
-                                    <p:set>
-                                      <p:cBhvr>
-                                        <p:cTn id="26" dur="1" fill="hold">
-                                          <p:stCondLst>
-                                            <p:cond delay="0"/>
-                                          </p:stCondLst>
-                                        </p:cTn>
-                                        <p:tgtEl>
-                                          <p:spTgt spid="10"/>
-                                        </p:tgtEl>
-                                        <p:attrNameLst>
-                                          <p:attrName>style.visibility</p:attrName>
-                                        </p:attrNameLst>
-                                      </p:cBhvr>
-                                      <p:to>
-                                        <p:strVal val="visible"/>
-                                      </p:to>
-                                    </p:set>
-                                  </p:childTnLst>
-                                </p:cTn>
-                              </p:par>
-                            </p:childTnLst>
-                          </p:cTn>
-                        </p:par>
-                      </p:childTnLst>
-                    </p:cTn>
-                  </p:par>
-                </p:childTnLst>
-              </p:cTn>
-              <p:prevCondLst>
-                <p:cond evt="onPrev" delay="0">
-                  <p:tgtEl>
-                    <p:sldTgt/>
-                  </p:tgtEl>
-                </p:cond>
-              </p:prevCondLst>
-              <p:nextCondLst>
-                <p:cond evt="onNext" delay="0">
-                  <p:tgtEl>
-                    <p:sldTgt/>
-                  </p:tgtEl>
-                </p:cond>
-              </p:nextCondLst>
-            </p:seq>
-          </p:childTnLst>
-        </p:cTn>
-      </p:par>
-    </p:tnLst>
-    <p:bldLst>
-      <p:bldP spid="9" grpId="0" animBg="1"/>
-      <p:bldP spid="10" grpId="0" animBg="1"/>
-      <p:bldP spid="11" grpId="0" animBg="1"/>
-      <p:bldP spid="14" grpId="0" animBg="1"/>
-      <p:bldP spid="13" grpId="0" animBg="1"/>
     </p:bldLst>
   </p:timing>
 </p:sld>

--- a/docs/slides/cre_overview.pptx
+++ b/docs/slides/cre_overview.pptx
@@ -5,24 +5,28 @@
     <p:sldMasterId id="2147483648" r:id="rId1"/>
   </p:sldMasterIdLst>
   <p:notesMasterIdLst>
-    <p:notesMasterId r:id="rId17"/>
+    <p:notesMasterId r:id="rId21"/>
   </p:notesMasterIdLst>
   <p:sldIdLst>
     <p:sldId id="256" r:id="rId2"/>
-    <p:sldId id="277" r:id="rId3"/>
-    <p:sldId id="265" r:id="rId4"/>
-    <p:sldId id="264" r:id="rId5"/>
-    <p:sldId id="275" r:id="rId6"/>
-    <p:sldId id="266" r:id="rId7"/>
-    <p:sldId id="267" r:id="rId8"/>
-    <p:sldId id="269" r:id="rId9"/>
-    <p:sldId id="274" r:id="rId10"/>
-    <p:sldId id="272" r:id="rId11"/>
-    <p:sldId id="276" r:id="rId12"/>
-    <p:sldId id="263" r:id="rId13"/>
-    <p:sldId id="261" r:id="rId14"/>
-    <p:sldId id="270" r:id="rId15"/>
-    <p:sldId id="278" r:id="rId16"/>
+    <p:sldId id="279" r:id="rId3"/>
+    <p:sldId id="277" r:id="rId4"/>
+    <p:sldId id="265" r:id="rId5"/>
+    <p:sldId id="264" r:id="rId6"/>
+    <p:sldId id="275" r:id="rId7"/>
+    <p:sldId id="266" r:id="rId8"/>
+    <p:sldId id="267" r:id="rId9"/>
+    <p:sldId id="269" r:id="rId10"/>
+    <p:sldId id="274" r:id="rId11"/>
+    <p:sldId id="272" r:id="rId12"/>
+    <p:sldId id="276" r:id="rId13"/>
+    <p:sldId id="263" r:id="rId14"/>
+    <p:sldId id="261" r:id="rId15"/>
+    <p:sldId id="270" r:id="rId16"/>
+    <p:sldId id="278" r:id="rId17"/>
+    <p:sldId id="280" r:id="rId18"/>
+    <p:sldId id="281" r:id="rId19"/>
+    <p:sldId id="282" r:id="rId20"/>
   </p:sldIdLst>
   <p:sldSz cx="9144000" cy="6858000" type="screen4x3"/>
   <p:notesSz cx="6858000" cy="9144000"/>
@@ -127,6 +131,7 @@
         <p14:section name="Standardabschnitt" id="{5815F1CA-5E74-43EA-B30E-19D5630E2A00}">
           <p14:sldIdLst>
             <p14:sldId id="256"/>
+            <p14:sldId id="279"/>
             <p14:sldId id="277"/>
           </p14:sldIdLst>
         </p14:section>
@@ -161,6 +166,13 @@
         <p14:section name="Script" id="{AF7240B8-E063-4403-BE68-BFBAB207FD1A}">
           <p14:sldIdLst>
             <p14:sldId id="278"/>
+            <p14:sldId id="280"/>
+            <p14:sldId id="281"/>
+          </p14:sldIdLst>
+        </p14:section>
+        <p14:section name="Abschnitt ohne Titel" id="{CE304C54-B6A8-44D2-AF12-446E8820BDDA}">
+          <p14:sldIdLst>
+            <p14:sldId id="282"/>
           </p14:sldIdLst>
         </p14:section>
       </p14:sectionLst>
@@ -598,7 +610,7 @@
           <a:p>
             <a:fld id="{7E5481FC-599F-4049-8076-A864CF816BE2}" type="slidenum">
               <a:rPr lang="de-DE" smtClean="0"/>
-              <a:t>6</a:t>
+              <a:t>7</a:t>
             </a:fld>
             <a:endParaRPr lang="de-DE"/>
           </a:p>
@@ -682,7 +694,7 @@
           <a:p>
             <a:fld id="{7E5481FC-599F-4049-8076-A864CF816BE2}" type="slidenum">
               <a:rPr lang="de-DE" smtClean="0"/>
-              <a:t>10</a:t>
+              <a:t>11</a:t>
             </a:fld>
             <a:endParaRPr lang="de-DE"/>
           </a:p>
@@ -766,7 +778,7 @@
           <a:p>
             <a:fld id="{7E5481FC-599F-4049-8076-A864CF816BE2}" type="slidenum">
               <a:rPr lang="de-DE" smtClean="0"/>
-              <a:t>11</a:t>
+              <a:t>12</a:t>
             </a:fld>
             <a:endParaRPr lang="de-DE"/>
           </a:p>
@@ -850,7 +862,7 @@
           <a:p>
             <a:fld id="{7E5481FC-599F-4049-8076-A864CF816BE2}" type="slidenum">
               <a:rPr lang="de-DE" smtClean="0"/>
-              <a:t>12</a:t>
+              <a:t>13</a:t>
             </a:fld>
             <a:endParaRPr lang="de-DE"/>
           </a:p>
@@ -4227,6 +4239,1374 @@
           <a:p>
             <a:r>
               <a:rPr lang="de-DE" dirty="0" err="1" smtClean="0"/>
+              <a:t>Indicators</a:t>
+            </a:r>
+            <a:endParaRPr lang="de-DE" dirty="0"/>
+          </a:p>
+        </p:txBody>
+      </p:sp>
+      <p:sp>
+        <p:nvSpPr>
+          <p:cNvPr id="3" name="Inhaltsplatzhalter 2"/>
+          <p:cNvSpPr>
+            <a:spLocks noGrp="1"/>
+          </p:cNvSpPr>
+          <p:nvPr>
+            <p:ph idx="1"/>
+          </p:nvPr>
+        </p:nvSpPr>
+        <p:spPr/>
+        <p:txBody>
+          <a:bodyPr>
+            <a:noAutofit/>
+          </a:bodyPr>
+          <a:lstStyle/>
+          <a:p>
+            <a:r>
+              <a:rPr lang="de-DE" b="1" dirty="0" smtClean="0"/>
+              <a:t>Relative </a:t>
+            </a:r>
+            <a:r>
+              <a:rPr lang="de-DE" b="1" dirty="0" err="1" smtClean="0"/>
+              <a:t>comparison</a:t>
+            </a:r>
+            <a:r>
+              <a:rPr lang="de-DE" b="1" dirty="0" smtClean="0"/>
+              <a:t> </a:t>
+            </a:r>
+            <a:r>
+              <a:rPr lang="de-DE" dirty="0" err="1" smtClean="0"/>
+              <a:t>of</a:t>
+            </a:r>
+            <a:r>
+              <a:rPr lang="de-DE" dirty="0" smtClean="0"/>
+              <a:t> </a:t>
+            </a:r>
+            <a:r>
+              <a:rPr lang="de-DE" dirty="0" err="1" smtClean="0"/>
+              <a:t>Cited</a:t>
+            </a:r>
+            <a:r>
+              <a:rPr lang="de-DE" dirty="0" smtClean="0"/>
+              <a:t> References</a:t>
+            </a:r>
+            <a:br>
+              <a:rPr lang="de-DE" dirty="0" smtClean="0"/>
+            </a:br>
+            <a:r>
+              <a:rPr lang="de-DE" dirty="0" smtClean="0"/>
+              <a:t>w.r.t. </a:t>
+            </a:r>
+            <a:r>
+              <a:rPr lang="de-DE" dirty="0" err="1" smtClean="0"/>
+              <a:t>the</a:t>
+            </a:r>
+            <a:r>
+              <a:rPr lang="de-DE" dirty="0" smtClean="0"/>
+              <a:t> Reference </a:t>
+            </a:r>
+            <a:r>
+              <a:rPr lang="de-DE" dirty="0" err="1" smtClean="0"/>
+              <a:t>Publication</a:t>
+            </a:r>
+            <a:r>
+              <a:rPr lang="de-DE" dirty="0" smtClean="0"/>
+              <a:t> Year (RPY)</a:t>
+            </a:r>
+            <a:br>
+              <a:rPr lang="de-DE" dirty="0" smtClean="0"/>
+            </a:br>
+            <a:r>
+              <a:rPr lang="de-DE" dirty="0" err="1" smtClean="0"/>
+              <a:t>and</a:t>
+            </a:r>
+            <a:r>
+              <a:rPr lang="de-DE" dirty="0" smtClean="0"/>
+              <a:t> </a:t>
+            </a:r>
+            <a:r>
+              <a:rPr lang="de-DE" dirty="0" err="1" smtClean="0"/>
+              <a:t>the</a:t>
+            </a:r>
+            <a:r>
+              <a:rPr lang="de-DE" dirty="0" smtClean="0"/>
+              <a:t> </a:t>
+            </a:r>
+            <a:r>
+              <a:rPr lang="de-DE" dirty="0" err="1" smtClean="0"/>
+              <a:t>Publication</a:t>
+            </a:r>
+            <a:r>
+              <a:rPr lang="de-DE" dirty="0" smtClean="0"/>
+              <a:t> Year (PY) </a:t>
+            </a:r>
+            <a:r>
+              <a:rPr lang="de-DE" dirty="0" err="1" smtClean="0"/>
+              <a:t>of</a:t>
+            </a:r>
+            <a:r>
+              <a:rPr lang="de-DE" dirty="0" smtClean="0"/>
+              <a:t> </a:t>
+            </a:r>
+            <a:r>
+              <a:rPr lang="de-DE" dirty="0" err="1" smtClean="0"/>
+              <a:t>citing</a:t>
+            </a:r>
+            <a:r>
+              <a:rPr lang="de-DE" dirty="0" smtClean="0"/>
+              <a:t> </a:t>
+            </a:r>
+            <a:r>
+              <a:rPr lang="de-DE" dirty="0" err="1" smtClean="0"/>
+              <a:t>publications</a:t>
+            </a:r>
+            <a:endParaRPr lang="de-DE" dirty="0" smtClean="0"/>
+          </a:p>
+          <a:p>
+            <a:endParaRPr lang="de-DE" dirty="0" smtClean="0"/>
+          </a:p>
+          <a:p>
+            <a:r>
+              <a:rPr lang="de-DE" b="1" dirty="0" smtClean="0">
+                <a:solidFill>
+                  <a:srgbClr val="FF0000"/>
+                </a:solidFill>
+              </a:rPr>
+              <a:t>N_PYEARS</a:t>
+            </a:r>
+            <a:r>
+              <a:rPr lang="de-DE" dirty="0" smtClean="0">
+                <a:solidFill>
+                  <a:srgbClr val="FF0000"/>
+                </a:solidFill>
+              </a:rPr>
+              <a:t> </a:t>
+            </a:r>
+            <a:r>
+              <a:rPr lang="de-DE" dirty="0" err="1" smtClean="0"/>
+              <a:t>and</a:t>
+            </a:r>
+            <a:r>
+              <a:rPr lang="de-DE" dirty="0" smtClean="0"/>
+              <a:t> </a:t>
+            </a:r>
+            <a:r>
+              <a:rPr lang="de-DE" b="1" dirty="0" smtClean="0">
+                <a:solidFill>
+                  <a:srgbClr val="FF0000"/>
+                </a:solidFill>
+              </a:rPr>
+              <a:t>PERC_PYEAR</a:t>
+            </a:r>
+          </a:p>
+          <a:p>
+            <a:pPr lvl="1"/>
+            <a:r>
+              <a:rPr lang="de-DE" dirty="0" smtClean="0"/>
+              <a:t>Absolute </a:t>
+            </a:r>
+            <a:r>
+              <a:rPr lang="de-DE" dirty="0" err="1" smtClean="0"/>
+              <a:t>and</a:t>
+            </a:r>
+            <a:r>
+              <a:rPr lang="de-DE" dirty="0" smtClean="0"/>
+              <a:t> relative </a:t>
+            </a:r>
+            <a:r>
+              <a:rPr lang="de-DE" dirty="0" err="1" smtClean="0"/>
+              <a:t>number</a:t>
+            </a:r>
+            <a:r>
+              <a:rPr lang="de-DE" dirty="0" smtClean="0"/>
+              <a:t> </a:t>
+            </a:r>
+            <a:r>
+              <a:rPr lang="de-DE" dirty="0" err="1" smtClean="0"/>
+              <a:t>of</a:t>
+            </a:r>
+            <a:r>
+              <a:rPr lang="de-DE" dirty="0" smtClean="0"/>
+              <a:t> PYs</a:t>
+            </a:r>
+            <a:br>
+              <a:rPr lang="de-DE" dirty="0" smtClean="0"/>
+            </a:br>
+            <a:r>
+              <a:rPr lang="de-DE" dirty="0" smtClean="0"/>
+              <a:t>in </a:t>
+            </a:r>
+            <a:r>
+              <a:rPr lang="de-DE" dirty="0" err="1" smtClean="0"/>
+              <a:t>which</a:t>
+            </a:r>
+            <a:r>
+              <a:rPr lang="de-DE" dirty="0" smtClean="0"/>
+              <a:t> a </a:t>
+            </a:r>
+            <a:r>
+              <a:rPr lang="de-DE" dirty="0" err="1" smtClean="0"/>
+              <a:t>Cited</a:t>
+            </a:r>
+            <a:r>
+              <a:rPr lang="de-DE" dirty="0" smtClean="0"/>
+              <a:t> </a:t>
+            </a:r>
+            <a:r>
+              <a:rPr lang="de-DE" dirty="0" err="1" smtClean="0"/>
+              <a:t>Referennce</a:t>
+            </a:r>
+            <a:r>
+              <a:rPr lang="de-DE" dirty="0" smtClean="0"/>
+              <a:t> </a:t>
+            </a:r>
+            <a:r>
+              <a:rPr lang="de-DE" dirty="0" err="1" smtClean="0"/>
+              <a:t>has</a:t>
+            </a:r>
+            <a:r>
+              <a:rPr lang="de-DE" dirty="0" smtClean="0"/>
+              <a:t> </a:t>
+            </a:r>
+            <a:r>
+              <a:rPr lang="de-DE" dirty="0" err="1" smtClean="0"/>
+              <a:t>been</a:t>
+            </a:r>
+            <a:r>
+              <a:rPr lang="de-DE" dirty="0" smtClean="0"/>
+              <a:t> </a:t>
+            </a:r>
+            <a:r>
+              <a:rPr lang="de-DE" dirty="0" err="1" smtClean="0"/>
+              <a:t>cited</a:t>
+            </a:r>
+            <a:r>
+              <a:rPr lang="de-DE" dirty="0" smtClean="0"/>
+              <a:t/>
+            </a:r>
+            <a:br>
+              <a:rPr lang="de-DE" dirty="0" smtClean="0"/>
+            </a:br>
+            <a:endParaRPr lang="de-DE" dirty="0" smtClean="0"/>
+          </a:p>
+          <a:p>
+            <a:r>
+              <a:rPr lang="de-DE" b="1" dirty="0" smtClean="0">
+                <a:solidFill>
+                  <a:srgbClr val="FF0000"/>
+                </a:solidFill>
+              </a:rPr>
+              <a:t>TOP-N</a:t>
+            </a:r>
+          </a:p>
+          <a:p>
+            <a:pPr lvl="1"/>
+            <a:r>
+              <a:rPr lang="de-DE" dirty="0" err="1" smtClean="0"/>
+              <a:t>Number</a:t>
+            </a:r>
+            <a:r>
+              <a:rPr lang="de-DE" dirty="0" smtClean="0"/>
+              <a:t> </a:t>
+            </a:r>
+            <a:r>
+              <a:rPr lang="de-DE" dirty="0" err="1" smtClean="0"/>
+              <a:t>of</a:t>
+            </a:r>
+            <a:r>
+              <a:rPr lang="de-DE" dirty="0" smtClean="0"/>
+              <a:t> </a:t>
+            </a:r>
+            <a:r>
+              <a:rPr lang="de-DE" dirty="0" err="1" smtClean="0"/>
+              <a:t>times</a:t>
+            </a:r>
+            <a:r>
+              <a:rPr lang="de-DE" dirty="0" smtClean="0"/>
+              <a:t> a </a:t>
+            </a:r>
+            <a:r>
+              <a:rPr lang="de-DE" dirty="0" err="1" smtClean="0"/>
+              <a:t>Cited</a:t>
+            </a:r>
+            <a:r>
+              <a:rPr lang="de-DE" dirty="0" smtClean="0"/>
+              <a:t> Reference </a:t>
+            </a:r>
+            <a:r>
+              <a:rPr lang="de-DE" dirty="0" err="1" smtClean="0"/>
+              <a:t>has</a:t>
+            </a:r>
+            <a:r>
+              <a:rPr lang="de-DE" dirty="0" smtClean="0"/>
+              <a:t> </a:t>
+            </a:r>
+            <a:r>
+              <a:rPr lang="de-DE" dirty="0" err="1" smtClean="0"/>
+              <a:t>been</a:t>
+            </a:r>
+            <a:r>
+              <a:rPr lang="de-DE" dirty="0" smtClean="0"/>
+              <a:t> in </a:t>
+            </a:r>
+            <a:r>
+              <a:rPr lang="de-DE" dirty="0" err="1" smtClean="0"/>
+              <a:t>the</a:t>
+            </a:r>
+            <a:r>
+              <a:rPr lang="de-DE" dirty="0" smtClean="0"/>
+              <a:t/>
+            </a:r>
+            <a:br>
+              <a:rPr lang="de-DE" dirty="0" smtClean="0"/>
+            </a:br>
+            <a:r>
+              <a:rPr lang="de-DE" dirty="0" smtClean="0"/>
+              <a:t>Top-N% in </a:t>
+            </a:r>
+            <a:r>
+              <a:rPr lang="de-DE" dirty="0" err="1" smtClean="0"/>
+              <a:t>the</a:t>
+            </a:r>
+            <a:r>
+              <a:rPr lang="de-DE" dirty="0" smtClean="0"/>
+              <a:t> PY-</a:t>
+            </a:r>
+            <a:r>
+              <a:rPr lang="de-DE" dirty="0" err="1" smtClean="0"/>
+              <a:t>wise</a:t>
+            </a:r>
+            <a:r>
+              <a:rPr lang="de-DE" dirty="0" smtClean="0"/>
+              <a:t> </a:t>
+            </a:r>
+            <a:r>
+              <a:rPr lang="de-DE" dirty="0" err="1" smtClean="0"/>
+              <a:t>ranking</a:t>
+            </a:r>
+            <a:r>
+              <a:rPr lang="de-DE" dirty="0" smtClean="0"/>
+              <a:t> </a:t>
+            </a:r>
+            <a:r>
+              <a:rPr lang="de-DE" dirty="0" err="1" smtClean="0"/>
+              <a:t>of</a:t>
+            </a:r>
+            <a:r>
+              <a:rPr lang="de-DE" dirty="0" smtClean="0"/>
+              <a:t> </a:t>
+            </a:r>
+            <a:r>
+              <a:rPr lang="de-DE" dirty="0" err="1" smtClean="0"/>
+              <a:t>Cited</a:t>
+            </a:r>
+            <a:r>
+              <a:rPr lang="de-DE" dirty="0" smtClean="0"/>
+              <a:t> References</a:t>
+            </a:r>
+            <a:br>
+              <a:rPr lang="de-DE" dirty="0" smtClean="0"/>
+            </a:br>
+            <a:endParaRPr lang="de-DE" dirty="0" smtClean="0"/>
+          </a:p>
+          <a:p>
+            <a:r>
+              <a:rPr lang="de-DE" b="1" dirty="0" smtClean="0">
+                <a:solidFill>
+                  <a:srgbClr val="FF0000"/>
+                </a:solidFill>
+              </a:rPr>
+              <a:t>SEQUENCE</a:t>
+            </a:r>
+            <a:r>
+              <a:rPr lang="de-DE" dirty="0" smtClean="0"/>
+              <a:t> </a:t>
+            </a:r>
+            <a:r>
+              <a:rPr lang="de-DE" dirty="0" err="1" smtClean="0"/>
+              <a:t>and</a:t>
+            </a:r>
+            <a:r>
+              <a:rPr lang="de-DE" dirty="0" smtClean="0"/>
+              <a:t> </a:t>
+            </a:r>
+            <a:r>
+              <a:rPr lang="de-DE" b="1" dirty="0" smtClean="0">
+                <a:solidFill>
+                  <a:srgbClr val="FF0000"/>
+                </a:solidFill>
+              </a:rPr>
+              <a:t>TYPE</a:t>
+            </a:r>
+            <a:r>
+              <a:rPr lang="de-DE" dirty="0" smtClean="0">
+                <a:solidFill>
+                  <a:srgbClr val="FF0000"/>
+                </a:solidFill>
+              </a:rPr>
+              <a:t> </a:t>
+            </a:r>
+          </a:p>
+          <a:p>
+            <a:pPr lvl="1"/>
+            <a:r>
+              <a:rPr lang="de-DE" dirty="0" smtClean="0"/>
+              <a:t>Distribution </a:t>
+            </a:r>
+            <a:r>
+              <a:rPr lang="de-DE" dirty="0" err="1" smtClean="0"/>
+              <a:t>of</a:t>
+            </a:r>
+            <a:r>
+              <a:rPr lang="de-DE" dirty="0" smtClean="0"/>
+              <a:t> </a:t>
+            </a:r>
+            <a:r>
+              <a:rPr lang="de-DE" dirty="0" err="1" smtClean="0"/>
+              <a:t>citations</a:t>
+            </a:r>
+            <a:r>
+              <a:rPr lang="de-DE" dirty="0" smtClean="0"/>
+              <a:t> </a:t>
+            </a:r>
+            <a:r>
+              <a:rPr lang="de-DE" dirty="0" err="1" smtClean="0"/>
+              <a:t>over</a:t>
+            </a:r>
+            <a:r>
+              <a:rPr lang="de-DE" dirty="0" smtClean="0"/>
+              <a:t> time </a:t>
+            </a:r>
+            <a:r>
+              <a:rPr lang="de-DE" dirty="0" err="1" smtClean="0"/>
+              <a:t>and</a:t>
+            </a:r>
+            <a:r>
+              <a:rPr lang="de-DE" dirty="0" smtClean="0"/>
+              <a:t> </a:t>
+            </a:r>
+            <a:br>
+              <a:rPr lang="de-DE" dirty="0" smtClean="0"/>
+            </a:br>
+            <a:r>
+              <a:rPr lang="de-DE" dirty="0" err="1" smtClean="0"/>
+              <a:t>identification</a:t>
+            </a:r>
+            <a:r>
+              <a:rPr lang="de-DE" dirty="0" smtClean="0"/>
+              <a:t> </a:t>
+            </a:r>
+            <a:r>
+              <a:rPr lang="de-DE" dirty="0" err="1" smtClean="0"/>
+              <a:t>of</a:t>
+            </a:r>
+            <a:r>
+              <a:rPr lang="de-DE" dirty="0" smtClean="0"/>
+              <a:t> </a:t>
+            </a:r>
+            <a:r>
+              <a:rPr lang="de-DE" dirty="0" err="1" smtClean="0"/>
+              <a:t>common</a:t>
+            </a:r>
+            <a:r>
+              <a:rPr lang="de-DE" dirty="0" smtClean="0"/>
+              <a:t> time-</a:t>
+            </a:r>
+            <a:r>
+              <a:rPr lang="de-DE" dirty="0" err="1" smtClean="0"/>
+              <a:t>series</a:t>
+            </a:r>
+            <a:r>
+              <a:rPr lang="de-DE" dirty="0" smtClean="0"/>
+              <a:t> </a:t>
+            </a:r>
+            <a:r>
+              <a:rPr lang="de-DE" dirty="0" err="1" smtClean="0"/>
+              <a:t>patterns</a:t>
+            </a:r>
+            <a:endParaRPr lang="de-DE" dirty="0"/>
+          </a:p>
+        </p:txBody>
+      </p:sp>
+      <p:sp>
+        <p:nvSpPr>
+          <p:cNvPr id="4" name="Abgerundete rechteckige Legende 3"/>
+          <p:cNvSpPr/>
+          <p:nvPr/>
+        </p:nvSpPr>
+        <p:spPr>
+          <a:xfrm>
+            <a:off x="6288840" y="2481559"/>
+            <a:ext cx="2267712" cy="844354"/>
+          </a:xfrm>
+          <a:prstGeom prst="wedgeRoundRectCallout">
+            <a:avLst>
+              <a:gd name="adj1" fmla="val -82799"/>
+              <a:gd name="adj2" fmla="val -39632"/>
+              <a:gd name="adj3" fmla="val 16667"/>
+            </a:avLst>
+          </a:prstGeom>
+          <a:noFill/>
+        </p:spPr>
+        <p:style>
+          <a:lnRef idx="2">
+            <a:schemeClr val="accent1"/>
+          </a:lnRef>
+          <a:fillRef idx="1">
+            <a:schemeClr val="lt1"/>
+          </a:fillRef>
+          <a:effectRef idx="0">
+            <a:schemeClr val="accent1"/>
+          </a:effectRef>
+          <a:fontRef idx="minor">
+            <a:schemeClr val="dk1"/>
+          </a:fontRef>
+        </p:style>
+        <p:txBody>
+          <a:bodyPr lIns="0" rIns="0" rtlCol="0" anchor="ctr"/>
+          <a:lstStyle/>
+          <a:p>
+            <a:pPr algn="ctr"/>
+            <a:r>
+              <a:rPr lang="de-DE" sz="1600" dirty="0" smtClean="0"/>
+              <a:t>In </a:t>
+            </a:r>
+            <a:r>
+              <a:rPr lang="de-DE" sz="1600" dirty="0" err="1" smtClean="0"/>
+              <a:t>how</a:t>
+            </a:r>
+            <a:r>
+              <a:rPr lang="de-DE" sz="1600" dirty="0" smtClean="0"/>
+              <a:t> </a:t>
+            </a:r>
+            <a:r>
+              <a:rPr lang="de-DE" sz="1600" dirty="0" err="1" smtClean="0"/>
+              <a:t>many</a:t>
+            </a:r>
+            <a:r>
+              <a:rPr lang="de-DE" sz="1600" dirty="0" smtClean="0"/>
+              <a:t> </a:t>
+            </a:r>
+            <a:r>
+              <a:rPr lang="de-DE" sz="1600" dirty="0" err="1" smtClean="0"/>
+              <a:t>publication</a:t>
+            </a:r>
+            <a:r>
+              <a:rPr lang="de-DE" sz="1600" dirty="0" smtClean="0"/>
+              <a:t> </a:t>
+            </a:r>
+            <a:r>
+              <a:rPr lang="de-DE" sz="1600" dirty="0" err="1" smtClean="0"/>
+              <a:t>years</a:t>
+            </a:r>
+            <a:r>
+              <a:rPr lang="de-DE" sz="1600" dirty="0" smtClean="0"/>
+              <a:t> </a:t>
+            </a:r>
+            <a:r>
+              <a:rPr lang="de-DE" sz="1600" dirty="0" err="1" smtClean="0"/>
+              <a:t>has</a:t>
+            </a:r>
+            <a:r>
+              <a:rPr lang="de-DE" sz="1600" dirty="0" smtClean="0"/>
+              <a:t> </a:t>
+            </a:r>
+            <a:r>
+              <a:rPr lang="de-DE" sz="1600" dirty="0" err="1" smtClean="0"/>
+              <a:t>Lotka</a:t>
+            </a:r>
+            <a:r>
+              <a:rPr lang="de-DE" sz="1600" dirty="0" smtClean="0"/>
+              <a:t> (1926) </a:t>
+            </a:r>
+            <a:r>
+              <a:rPr lang="de-DE" sz="1600" dirty="0" err="1" smtClean="0"/>
+              <a:t>been</a:t>
+            </a:r>
+            <a:r>
+              <a:rPr lang="de-DE" sz="1600" dirty="0" smtClean="0"/>
+              <a:t> </a:t>
+            </a:r>
+            <a:r>
+              <a:rPr lang="de-DE" sz="1600" dirty="0" err="1" smtClean="0"/>
+              <a:t>cited</a:t>
+            </a:r>
+            <a:r>
+              <a:rPr lang="de-DE" sz="1600" dirty="0"/>
+              <a:t>?</a:t>
+            </a:r>
+          </a:p>
+        </p:txBody>
+      </p:sp>
+      <p:sp>
+        <p:nvSpPr>
+          <p:cNvPr id="5" name="Abgerundete rechteckige Legende 4"/>
+          <p:cNvSpPr/>
+          <p:nvPr/>
+        </p:nvSpPr>
+        <p:spPr>
+          <a:xfrm>
+            <a:off x="5574367" y="4777409"/>
+            <a:ext cx="3027161" cy="837847"/>
+          </a:xfrm>
+          <a:prstGeom prst="wedgeRoundRectCallout">
+            <a:avLst>
+              <a:gd name="adj1" fmla="val -65827"/>
+              <a:gd name="adj2" fmla="val -41027"/>
+              <a:gd name="adj3" fmla="val 16667"/>
+            </a:avLst>
+          </a:prstGeom>
+          <a:noFill/>
+        </p:spPr>
+        <p:style>
+          <a:lnRef idx="2">
+            <a:schemeClr val="accent1"/>
+          </a:lnRef>
+          <a:fillRef idx="1">
+            <a:schemeClr val="lt1"/>
+          </a:fillRef>
+          <a:effectRef idx="0">
+            <a:schemeClr val="accent1"/>
+          </a:effectRef>
+          <a:fontRef idx="minor">
+            <a:schemeClr val="dk1"/>
+          </a:fontRef>
+        </p:style>
+        <p:txBody>
+          <a:bodyPr rtlCol="0" anchor="ctr"/>
+          <a:lstStyle/>
+          <a:p>
+            <a:pPr algn="ctr"/>
+            <a:r>
+              <a:rPr lang="de-DE" sz="1600" dirty="0" err="1" smtClean="0"/>
+              <a:t>Is</a:t>
+            </a:r>
+            <a:r>
+              <a:rPr lang="de-DE" sz="1600" dirty="0" smtClean="0"/>
+              <a:t> </a:t>
+            </a:r>
+            <a:r>
+              <a:rPr lang="de-DE" sz="1600" dirty="0" err="1" smtClean="0"/>
+              <a:t>the</a:t>
+            </a:r>
+            <a:r>
+              <a:rPr lang="de-DE" sz="1600" dirty="0" smtClean="0"/>
+              <a:t> </a:t>
+            </a:r>
+            <a:r>
+              <a:rPr lang="de-DE" sz="1600" dirty="0" err="1" smtClean="0"/>
+              <a:t>number</a:t>
+            </a:r>
+            <a:r>
+              <a:rPr lang="de-DE" sz="1600" dirty="0" smtClean="0"/>
+              <a:t> </a:t>
+            </a:r>
+            <a:r>
+              <a:rPr lang="de-DE" sz="1600" dirty="0" err="1" smtClean="0"/>
+              <a:t>of</a:t>
+            </a:r>
+            <a:r>
+              <a:rPr lang="de-DE" sz="1600" dirty="0" smtClean="0"/>
+              <a:t> </a:t>
+            </a:r>
+            <a:r>
+              <a:rPr lang="de-DE" sz="1600" dirty="0" err="1" smtClean="0"/>
+              <a:t>citations</a:t>
+            </a:r>
+            <a:r>
+              <a:rPr lang="de-DE" sz="1600" dirty="0" smtClean="0"/>
+              <a:t> per </a:t>
+            </a:r>
+            <a:r>
+              <a:rPr lang="de-DE" sz="1600" dirty="0" err="1" smtClean="0"/>
+              <a:t>publication</a:t>
+            </a:r>
+            <a:r>
+              <a:rPr lang="de-DE" sz="1600" dirty="0" smtClean="0"/>
+              <a:t> </a:t>
+            </a:r>
+            <a:r>
+              <a:rPr lang="de-DE" sz="1600" dirty="0" err="1" smtClean="0"/>
+              <a:t>year</a:t>
+            </a:r>
+            <a:r>
+              <a:rPr lang="de-DE" sz="1600" dirty="0" smtClean="0"/>
+              <a:t> </a:t>
+            </a:r>
+            <a:r>
+              <a:rPr lang="de-DE" sz="1600" dirty="0" err="1" smtClean="0"/>
+              <a:t>increasing</a:t>
+            </a:r>
+            <a:r>
+              <a:rPr lang="de-DE" sz="1600" dirty="0" smtClean="0"/>
+              <a:t> </a:t>
+            </a:r>
+            <a:r>
+              <a:rPr lang="de-DE" sz="1600" dirty="0" err="1" smtClean="0"/>
+              <a:t>over</a:t>
+            </a:r>
+            <a:r>
+              <a:rPr lang="de-DE" sz="1600" dirty="0" smtClean="0"/>
+              <a:t> time? </a:t>
+            </a:r>
+            <a:r>
+              <a:rPr lang="de-DE" sz="1600" dirty="0" err="1" smtClean="0"/>
+              <a:t>Or</a:t>
+            </a:r>
+            <a:r>
+              <a:rPr lang="de-DE" sz="1600" dirty="0" smtClean="0"/>
+              <a:t> </a:t>
+            </a:r>
+            <a:r>
+              <a:rPr lang="de-DE" sz="1600" dirty="0" err="1" smtClean="0"/>
+              <a:t>decreasing</a:t>
+            </a:r>
+            <a:r>
+              <a:rPr lang="de-DE" sz="1600" dirty="0" smtClean="0"/>
+              <a:t>? </a:t>
+            </a:r>
+            <a:r>
+              <a:rPr lang="de-DE" sz="1600" dirty="0" err="1" smtClean="0"/>
+              <a:t>Or</a:t>
+            </a:r>
+            <a:r>
+              <a:rPr lang="de-DE" sz="1600" dirty="0" smtClean="0"/>
+              <a:t> …</a:t>
+            </a:r>
+            <a:endParaRPr lang="de-DE" sz="1600" dirty="0"/>
+          </a:p>
+        </p:txBody>
+      </p:sp>
+      <p:sp>
+        <p:nvSpPr>
+          <p:cNvPr id="6" name="Abgerundete rechteckige Legende 5"/>
+          <p:cNvSpPr/>
+          <p:nvPr/>
+        </p:nvSpPr>
+        <p:spPr>
+          <a:xfrm>
+            <a:off x="6250894" y="3668073"/>
+            <a:ext cx="2343604" cy="837847"/>
+          </a:xfrm>
+          <a:prstGeom prst="wedgeRoundRectCallout">
+            <a:avLst>
+              <a:gd name="adj1" fmla="val -75988"/>
+              <a:gd name="adj2" fmla="val -37058"/>
+              <a:gd name="adj3" fmla="val 16667"/>
+            </a:avLst>
+          </a:prstGeom>
+          <a:noFill/>
+        </p:spPr>
+        <p:style>
+          <a:lnRef idx="2">
+            <a:schemeClr val="accent1"/>
+          </a:lnRef>
+          <a:fillRef idx="1">
+            <a:schemeClr val="lt1"/>
+          </a:fillRef>
+          <a:effectRef idx="0">
+            <a:schemeClr val="accent1"/>
+          </a:effectRef>
+          <a:fontRef idx="minor">
+            <a:schemeClr val="dk1"/>
+          </a:fontRef>
+        </p:style>
+        <p:txBody>
+          <a:bodyPr rtlCol="0" anchor="ctr"/>
+          <a:lstStyle/>
+          <a:p>
+            <a:pPr algn="ctr"/>
+            <a:r>
+              <a:rPr lang="de-DE" sz="1600" dirty="0" smtClean="0"/>
+              <a:t>Was </a:t>
+            </a:r>
+            <a:r>
+              <a:rPr lang="de-DE" sz="1600" dirty="0" err="1" smtClean="0"/>
+              <a:t>Lotka</a:t>
+            </a:r>
+            <a:r>
+              <a:rPr lang="de-DE" sz="1600" dirty="0" smtClean="0"/>
+              <a:t> (1926) a </a:t>
+            </a:r>
+            <a:r>
+              <a:rPr lang="de-DE" sz="1600" dirty="0" err="1" smtClean="0"/>
+              <a:t>higly</a:t>
+            </a:r>
+            <a:r>
+              <a:rPr lang="de-DE" sz="1600" dirty="0" smtClean="0"/>
+              <a:t> </a:t>
+            </a:r>
+            <a:r>
+              <a:rPr lang="de-DE" sz="1600" dirty="0" err="1" smtClean="0"/>
+              <a:t>cited</a:t>
+            </a:r>
+            <a:r>
+              <a:rPr lang="de-DE" sz="1600" dirty="0" smtClean="0"/>
+              <a:t> </a:t>
+            </a:r>
+            <a:r>
+              <a:rPr lang="de-DE" sz="1600" dirty="0" err="1" smtClean="0"/>
+              <a:t>paper</a:t>
+            </a:r>
+            <a:r>
+              <a:rPr lang="de-DE" sz="1600" dirty="0" smtClean="0"/>
+              <a:t> in </a:t>
+            </a:r>
+            <a:r>
+              <a:rPr lang="de-DE" sz="1600" dirty="0" err="1" smtClean="0"/>
+              <a:t>each</a:t>
+            </a:r>
+            <a:r>
+              <a:rPr lang="de-DE" sz="1600" dirty="0" smtClean="0"/>
+              <a:t> </a:t>
+            </a:r>
+            <a:r>
+              <a:rPr lang="de-DE" sz="1600" dirty="0" err="1" smtClean="0"/>
+              <a:t>citing</a:t>
+            </a:r>
+            <a:r>
+              <a:rPr lang="de-DE" sz="1600" dirty="0" smtClean="0"/>
+              <a:t> </a:t>
+            </a:r>
+            <a:r>
+              <a:rPr lang="de-DE" sz="1600" dirty="0" err="1" smtClean="0"/>
+              <a:t>publication</a:t>
+            </a:r>
+            <a:r>
+              <a:rPr lang="de-DE" sz="1600" dirty="0" smtClean="0"/>
+              <a:t> </a:t>
+            </a:r>
+            <a:r>
+              <a:rPr lang="de-DE" sz="1600" dirty="0" err="1" smtClean="0"/>
+              <a:t>year</a:t>
+            </a:r>
+            <a:r>
+              <a:rPr lang="de-DE" sz="1600" dirty="0"/>
+              <a:t>?</a:t>
+            </a:r>
+          </a:p>
+        </p:txBody>
+      </p:sp>
+      <p:sp>
+        <p:nvSpPr>
+          <p:cNvPr id="7" name="Gefaltete Ecke 6"/>
+          <p:cNvSpPr/>
+          <p:nvPr/>
+        </p:nvSpPr>
+        <p:spPr>
+          <a:xfrm>
+            <a:off x="6291259" y="1162825"/>
+            <a:ext cx="2520280" cy="994122"/>
+          </a:xfrm>
+          <a:prstGeom prst="foldedCorner">
+            <a:avLst/>
+          </a:prstGeom>
+        </p:spPr>
+        <p:style>
+          <a:lnRef idx="2">
+            <a:schemeClr val="accent1">
+              <a:shade val="50000"/>
+            </a:schemeClr>
+          </a:lnRef>
+          <a:fillRef idx="1">
+            <a:schemeClr val="accent1"/>
+          </a:fillRef>
+          <a:effectRef idx="0">
+            <a:schemeClr val="accent1"/>
+          </a:effectRef>
+          <a:fontRef idx="minor">
+            <a:schemeClr val="lt1"/>
+          </a:fontRef>
+        </p:style>
+        <p:txBody>
+          <a:bodyPr tIns="182880" bIns="0" rtlCol="0" anchor="ctr"/>
+          <a:lstStyle/>
+          <a:p>
+            <a:r>
+              <a:rPr lang="en-US" sz="1600" dirty="0" err="1" smtClean="0"/>
+              <a:t>Lotka</a:t>
+            </a:r>
+            <a:r>
+              <a:rPr lang="en-US" sz="1600" dirty="0" smtClean="0"/>
+              <a:t> </a:t>
+            </a:r>
+            <a:r>
+              <a:rPr lang="en-US" sz="1600" dirty="0"/>
+              <a:t>(1926) </a:t>
+            </a:r>
+            <a:r>
+              <a:rPr lang="en-US" sz="1600" i="1" dirty="0"/>
+              <a:t>The frequency distribution of scientific </a:t>
+            </a:r>
+            <a:r>
+              <a:rPr lang="en-US" sz="1600" i="1" dirty="0" smtClean="0"/>
+              <a:t>productivity </a:t>
+            </a:r>
+            <a:r>
+              <a:rPr lang="en-US" sz="1600" dirty="0" smtClean="0"/>
+              <a:t>has been cited by 155 publications.</a:t>
+            </a:r>
+            <a:endParaRPr lang="de-DE" sz="1600" dirty="0"/>
+          </a:p>
+        </p:txBody>
+      </p:sp>
+    </p:spTree>
+    <p:extLst>
+      <p:ext uri="{BB962C8B-B14F-4D97-AF65-F5344CB8AC3E}">
+        <p14:creationId xmlns:p14="http://schemas.microsoft.com/office/powerpoint/2010/main" val="2950749630"/>
+      </p:ext>
+    </p:extLst>
+  </p:cSld>
+  <p:clrMapOvr>
+    <a:masterClrMapping/>
+  </p:clrMapOvr>
+  <p:timing>
+    <p:tnLst>
+      <p:par>
+        <p:cTn id="1" dur="indefinite" restart="never" nodeType="tmRoot">
+          <p:childTnLst>
+            <p:seq concurrent="1" nextAc="seek">
+              <p:cTn id="2" dur="indefinite" nodeType="mainSeq">
+                <p:childTnLst>
+                  <p:par>
+                    <p:cTn id="3" fill="hold">
+                      <p:stCondLst>
+                        <p:cond delay="indefinite"/>
+                      </p:stCondLst>
+                      <p:childTnLst>
+                        <p:par>
+                          <p:cTn id="4" fill="hold">
+                            <p:stCondLst>
+                              <p:cond delay="0"/>
+                            </p:stCondLst>
+                            <p:childTnLst>
+                              <p:par>
+                                <p:cTn id="5" presetID="1" presetClass="entr" presetSubtype="0" fill="hold" grpId="0" nodeType="clickEffect">
+                                  <p:stCondLst>
+                                    <p:cond delay="0"/>
+                                  </p:stCondLst>
+                                  <p:childTnLst>
+                                    <p:set>
+                                      <p:cBhvr>
+                                        <p:cTn id="6" dur="1" fill="hold">
+                                          <p:stCondLst>
+                                            <p:cond delay="0"/>
+                                          </p:stCondLst>
+                                        </p:cTn>
+                                        <p:tgtEl>
+                                          <p:spTgt spid="4"/>
+                                        </p:tgtEl>
+                                        <p:attrNameLst>
+                                          <p:attrName>style.visibility</p:attrName>
+                                        </p:attrNameLst>
+                                      </p:cBhvr>
+                                      <p:to>
+                                        <p:strVal val="visible"/>
+                                      </p:to>
+                                    </p:set>
+                                  </p:childTnLst>
+                                </p:cTn>
+                              </p:par>
+                            </p:childTnLst>
+                          </p:cTn>
+                        </p:par>
+                      </p:childTnLst>
+                    </p:cTn>
+                  </p:par>
+                  <p:par>
+                    <p:cTn id="7" fill="hold">
+                      <p:stCondLst>
+                        <p:cond delay="indefinite"/>
+                      </p:stCondLst>
+                      <p:childTnLst>
+                        <p:par>
+                          <p:cTn id="8" fill="hold">
+                            <p:stCondLst>
+                              <p:cond delay="0"/>
+                            </p:stCondLst>
+                            <p:childTnLst>
+                              <p:par>
+                                <p:cTn id="9" presetID="1" presetClass="entr" presetSubtype="0" fill="hold" nodeType="clickEffect">
+                                  <p:stCondLst>
+                                    <p:cond delay="0"/>
+                                  </p:stCondLst>
+                                  <p:childTnLst>
+                                    <p:set>
+                                      <p:cBhvr>
+                                        <p:cTn id="10" dur="1" fill="hold">
+                                          <p:stCondLst>
+                                            <p:cond delay="0"/>
+                                          </p:stCondLst>
+                                        </p:cTn>
+                                        <p:tgtEl>
+                                          <p:spTgt spid="3">
+                                            <p:txEl>
+                                              <p:pRg st="2" end="2"/>
+                                            </p:txEl>
+                                          </p:spTgt>
+                                        </p:tgtEl>
+                                        <p:attrNameLst>
+                                          <p:attrName>style.visibility</p:attrName>
+                                        </p:attrNameLst>
+                                      </p:cBhvr>
+                                      <p:to>
+                                        <p:strVal val="visible"/>
+                                      </p:to>
+                                    </p:set>
+                                  </p:childTnLst>
+                                </p:cTn>
+                              </p:par>
+                              <p:par>
+                                <p:cTn id="11" presetID="1" presetClass="entr" presetSubtype="0" fill="hold" nodeType="withEffect">
+                                  <p:stCondLst>
+                                    <p:cond delay="0"/>
+                                  </p:stCondLst>
+                                  <p:childTnLst>
+                                    <p:set>
+                                      <p:cBhvr>
+                                        <p:cTn id="12" dur="1" fill="hold">
+                                          <p:stCondLst>
+                                            <p:cond delay="0"/>
+                                          </p:stCondLst>
+                                        </p:cTn>
+                                        <p:tgtEl>
+                                          <p:spTgt spid="3">
+                                            <p:txEl>
+                                              <p:pRg st="3" end="3"/>
+                                            </p:txEl>
+                                          </p:spTgt>
+                                        </p:tgtEl>
+                                        <p:attrNameLst>
+                                          <p:attrName>style.visibility</p:attrName>
+                                        </p:attrNameLst>
+                                      </p:cBhvr>
+                                      <p:to>
+                                        <p:strVal val="visible"/>
+                                      </p:to>
+                                    </p:set>
+                                  </p:childTnLst>
+                                </p:cTn>
+                              </p:par>
+                            </p:childTnLst>
+                          </p:cTn>
+                        </p:par>
+                      </p:childTnLst>
+                    </p:cTn>
+                  </p:par>
+                  <p:par>
+                    <p:cTn id="13" fill="hold">
+                      <p:stCondLst>
+                        <p:cond delay="indefinite"/>
+                      </p:stCondLst>
+                      <p:childTnLst>
+                        <p:par>
+                          <p:cTn id="14" fill="hold">
+                            <p:stCondLst>
+                              <p:cond delay="0"/>
+                            </p:stCondLst>
+                            <p:childTnLst>
+                              <p:par>
+                                <p:cTn id="15" presetID="1" presetClass="entr" presetSubtype="0" fill="hold" grpId="0" nodeType="clickEffect">
+                                  <p:stCondLst>
+                                    <p:cond delay="0"/>
+                                  </p:stCondLst>
+                                  <p:childTnLst>
+                                    <p:set>
+                                      <p:cBhvr>
+                                        <p:cTn id="16" dur="1" fill="hold">
+                                          <p:stCondLst>
+                                            <p:cond delay="0"/>
+                                          </p:stCondLst>
+                                        </p:cTn>
+                                        <p:tgtEl>
+                                          <p:spTgt spid="6"/>
+                                        </p:tgtEl>
+                                        <p:attrNameLst>
+                                          <p:attrName>style.visibility</p:attrName>
+                                        </p:attrNameLst>
+                                      </p:cBhvr>
+                                      <p:to>
+                                        <p:strVal val="visible"/>
+                                      </p:to>
+                                    </p:set>
+                                  </p:childTnLst>
+                                </p:cTn>
+                              </p:par>
+                            </p:childTnLst>
+                          </p:cTn>
+                        </p:par>
+                      </p:childTnLst>
+                    </p:cTn>
+                  </p:par>
+                  <p:par>
+                    <p:cTn id="17" fill="hold">
+                      <p:stCondLst>
+                        <p:cond delay="indefinite"/>
+                      </p:stCondLst>
+                      <p:childTnLst>
+                        <p:par>
+                          <p:cTn id="18" fill="hold">
+                            <p:stCondLst>
+                              <p:cond delay="0"/>
+                            </p:stCondLst>
+                            <p:childTnLst>
+                              <p:par>
+                                <p:cTn id="19" presetID="1" presetClass="entr" presetSubtype="0" fill="hold" nodeType="clickEffect">
+                                  <p:stCondLst>
+                                    <p:cond delay="0"/>
+                                  </p:stCondLst>
+                                  <p:childTnLst>
+                                    <p:set>
+                                      <p:cBhvr>
+                                        <p:cTn id="20" dur="1" fill="hold">
+                                          <p:stCondLst>
+                                            <p:cond delay="0"/>
+                                          </p:stCondLst>
+                                        </p:cTn>
+                                        <p:tgtEl>
+                                          <p:spTgt spid="3">
+                                            <p:txEl>
+                                              <p:pRg st="4" end="4"/>
+                                            </p:txEl>
+                                          </p:spTgt>
+                                        </p:tgtEl>
+                                        <p:attrNameLst>
+                                          <p:attrName>style.visibility</p:attrName>
+                                        </p:attrNameLst>
+                                      </p:cBhvr>
+                                      <p:to>
+                                        <p:strVal val="visible"/>
+                                      </p:to>
+                                    </p:set>
+                                  </p:childTnLst>
+                                </p:cTn>
+                              </p:par>
+                              <p:par>
+                                <p:cTn id="21" presetID="1" presetClass="entr" presetSubtype="0" fill="hold" nodeType="withEffect">
+                                  <p:stCondLst>
+                                    <p:cond delay="0"/>
+                                  </p:stCondLst>
+                                  <p:childTnLst>
+                                    <p:set>
+                                      <p:cBhvr>
+                                        <p:cTn id="22" dur="1" fill="hold">
+                                          <p:stCondLst>
+                                            <p:cond delay="0"/>
+                                          </p:stCondLst>
+                                        </p:cTn>
+                                        <p:tgtEl>
+                                          <p:spTgt spid="3">
+                                            <p:txEl>
+                                              <p:pRg st="5" end="5"/>
+                                            </p:txEl>
+                                          </p:spTgt>
+                                        </p:tgtEl>
+                                        <p:attrNameLst>
+                                          <p:attrName>style.visibility</p:attrName>
+                                        </p:attrNameLst>
+                                      </p:cBhvr>
+                                      <p:to>
+                                        <p:strVal val="visible"/>
+                                      </p:to>
+                                    </p:set>
+                                  </p:childTnLst>
+                                </p:cTn>
+                              </p:par>
+                            </p:childTnLst>
+                          </p:cTn>
+                        </p:par>
+                      </p:childTnLst>
+                    </p:cTn>
+                  </p:par>
+                  <p:par>
+                    <p:cTn id="23" fill="hold">
+                      <p:stCondLst>
+                        <p:cond delay="indefinite"/>
+                      </p:stCondLst>
+                      <p:childTnLst>
+                        <p:par>
+                          <p:cTn id="24" fill="hold">
+                            <p:stCondLst>
+                              <p:cond delay="0"/>
+                            </p:stCondLst>
+                            <p:childTnLst>
+                              <p:par>
+                                <p:cTn id="25" presetID="1" presetClass="entr" presetSubtype="0" fill="hold" grpId="0" nodeType="clickEffect">
+                                  <p:stCondLst>
+                                    <p:cond delay="0"/>
+                                  </p:stCondLst>
+                                  <p:childTnLst>
+                                    <p:set>
+                                      <p:cBhvr>
+                                        <p:cTn id="26" dur="1" fill="hold">
+                                          <p:stCondLst>
+                                            <p:cond delay="0"/>
+                                          </p:stCondLst>
+                                        </p:cTn>
+                                        <p:tgtEl>
+                                          <p:spTgt spid="5"/>
+                                        </p:tgtEl>
+                                        <p:attrNameLst>
+                                          <p:attrName>style.visibility</p:attrName>
+                                        </p:attrNameLst>
+                                      </p:cBhvr>
+                                      <p:to>
+                                        <p:strVal val="visible"/>
+                                      </p:to>
+                                    </p:set>
+                                  </p:childTnLst>
+                                </p:cTn>
+                              </p:par>
+                            </p:childTnLst>
+                          </p:cTn>
+                        </p:par>
+                      </p:childTnLst>
+                    </p:cTn>
+                  </p:par>
+                  <p:par>
+                    <p:cTn id="27" fill="hold">
+                      <p:stCondLst>
+                        <p:cond delay="indefinite"/>
+                      </p:stCondLst>
+                      <p:childTnLst>
+                        <p:par>
+                          <p:cTn id="28" fill="hold">
+                            <p:stCondLst>
+                              <p:cond delay="0"/>
+                            </p:stCondLst>
+                            <p:childTnLst>
+                              <p:par>
+                                <p:cTn id="29" presetID="1" presetClass="entr" presetSubtype="0" fill="hold" nodeType="clickEffect">
+                                  <p:stCondLst>
+                                    <p:cond delay="0"/>
+                                  </p:stCondLst>
+                                  <p:childTnLst>
+                                    <p:set>
+                                      <p:cBhvr>
+                                        <p:cTn id="30" dur="1" fill="hold">
+                                          <p:stCondLst>
+                                            <p:cond delay="0"/>
+                                          </p:stCondLst>
+                                        </p:cTn>
+                                        <p:tgtEl>
+                                          <p:spTgt spid="3">
+                                            <p:txEl>
+                                              <p:pRg st="6" end="6"/>
+                                            </p:txEl>
+                                          </p:spTgt>
+                                        </p:tgtEl>
+                                        <p:attrNameLst>
+                                          <p:attrName>style.visibility</p:attrName>
+                                        </p:attrNameLst>
+                                      </p:cBhvr>
+                                      <p:to>
+                                        <p:strVal val="visible"/>
+                                      </p:to>
+                                    </p:set>
+                                  </p:childTnLst>
+                                </p:cTn>
+                              </p:par>
+                              <p:par>
+                                <p:cTn id="31" presetID="1" presetClass="entr" presetSubtype="0" fill="hold" nodeType="withEffect">
+                                  <p:stCondLst>
+                                    <p:cond delay="0"/>
+                                  </p:stCondLst>
+                                  <p:childTnLst>
+                                    <p:set>
+                                      <p:cBhvr>
+                                        <p:cTn id="32" dur="1" fill="hold">
+                                          <p:stCondLst>
+                                            <p:cond delay="0"/>
+                                          </p:stCondLst>
+                                        </p:cTn>
+                                        <p:tgtEl>
+                                          <p:spTgt spid="3">
+                                            <p:txEl>
+                                              <p:pRg st="7" end="7"/>
+                                            </p:txEl>
+                                          </p:spTgt>
+                                        </p:tgtEl>
+                                        <p:attrNameLst>
+                                          <p:attrName>style.visibility</p:attrName>
+                                        </p:attrNameLst>
+                                      </p:cBhvr>
+                                      <p:to>
+                                        <p:strVal val="visible"/>
+                                      </p:to>
+                                    </p:set>
+                                  </p:childTnLst>
+                                </p:cTn>
+                              </p:par>
+                            </p:childTnLst>
+                          </p:cTn>
+                        </p:par>
+                      </p:childTnLst>
+                    </p:cTn>
+                  </p:par>
+                </p:childTnLst>
+              </p:cTn>
+              <p:prevCondLst>
+                <p:cond evt="onPrev" delay="0">
+                  <p:tgtEl>
+                    <p:sldTgt/>
+                  </p:tgtEl>
+                </p:cond>
+              </p:prevCondLst>
+              <p:nextCondLst>
+                <p:cond evt="onNext" delay="0">
+                  <p:tgtEl>
+                    <p:sldTgt/>
+                  </p:tgtEl>
+                </p:cond>
+              </p:nextCondLst>
+            </p:seq>
+          </p:childTnLst>
+        </p:cTn>
+      </p:par>
+    </p:tnLst>
+    <p:bldLst>
+      <p:bldP spid="4" grpId="0" animBg="1"/>
+      <p:bldP spid="5" grpId="0" animBg="1"/>
+      <p:bldP spid="6" grpId="0" animBg="1"/>
+    </p:bldLst>
+  </p:timing>
+</p:sld>
+</file>
+
+<file path=ppt/slides/slide11.xml><?xml version="1.0" encoding="utf-8"?>
+<p:sld xmlns:a="http://schemas.openxmlformats.org/drawingml/2006/main" xmlns:r="http://schemas.openxmlformats.org/officeDocument/2006/relationships" xmlns:p="http://schemas.openxmlformats.org/presentationml/2006/main">
+  <p:cSld>
+    <p:spTree>
+      <p:nvGrpSpPr>
+        <p:cNvPr id="1" name=""/>
+        <p:cNvGrpSpPr/>
+        <p:nvPr/>
+      </p:nvGrpSpPr>
+      <p:grpSpPr>
+        <a:xfrm>
+          <a:off x="0" y="0"/>
+          <a:ext cx="0" cy="0"/>
+          <a:chOff x="0" y="0"/>
+          <a:chExt cx="0" cy="0"/>
+        </a:xfrm>
+      </p:grpSpPr>
+      <p:sp>
+        <p:nvSpPr>
+          <p:cNvPr id="2" name="Titel 1"/>
+          <p:cNvSpPr>
+            <a:spLocks noGrp="1"/>
+          </p:cNvSpPr>
+          <p:nvPr>
+            <p:ph type="title"/>
+          </p:nvPr>
+        </p:nvSpPr>
+        <p:spPr/>
+        <p:txBody>
+          <a:bodyPr/>
+          <a:lstStyle/>
+          <a:p>
+            <a:r>
+              <a:rPr lang="de-DE" dirty="0" err="1" smtClean="0"/>
               <a:t>Number</a:t>
             </a:r>
             <a:r>
@@ -4533,13 +5913,7 @@
                         <a:rPr lang="en-US" sz="1600" i="1" dirty="0" smtClean="0">
                           <a:effectLst/>
                         </a:rPr>
-                        <a:t>The frequency distribution of scientific </a:t>
-                      </a:r>
-                      <a:r>
-                        <a:rPr lang="en-US" sz="1600" i="1" dirty="0" smtClean="0">
-                          <a:effectLst/>
-                        </a:rPr>
-                        <a:t>productivity</a:t>
+                        <a:t>The frequency distribution of scientific productivity</a:t>
                       </a:r>
                       <a:endParaRPr lang="de-DE" sz="1600" i="1" dirty="0">
                         <a:effectLst/>
@@ -4603,11 +5977,7 @@
                       <a:pPr algn="r"/>
                       <a:r>
                         <a:rPr lang="de-DE" sz="1600" dirty="0" smtClean="0"/>
-                        <a:t>100</a:t>
-                      </a:r>
-                      <a:r>
-                        <a:rPr lang="de-DE" sz="1600" dirty="0" smtClean="0"/>
-                        <a:t>%</a:t>
+                        <a:t>100%</a:t>
                       </a:r>
                       <a:endParaRPr lang="de-DE" sz="1600" dirty="0">
                         <a:latin typeface="+mn-lt"/>
@@ -4668,13 +6038,7 @@
                         <a:rPr lang="en-US" sz="1600" i="1" dirty="0" smtClean="0">
                           <a:effectLst/>
                         </a:rPr>
-                        <a:t>Citation indexing: its theory and application in </a:t>
-                      </a:r>
-                      <a:r>
-                        <a:rPr lang="en-US" sz="1600" i="1" dirty="0" smtClean="0">
-                          <a:effectLst/>
-                        </a:rPr>
-                        <a:t>…</a:t>
+                        <a:t>Citation indexing: its theory and application in …</a:t>
                       </a:r>
                       <a:endParaRPr lang="de-DE" sz="1600" i="1" dirty="0">
                         <a:effectLst/>
@@ -4781,25 +6145,7 @@
                         <a:rPr lang="en-US" sz="1600" i="1" dirty="0" smtClean="0">
                           <a:effectLst/>
                         </a:rPr>
-                        <a:t>Co-citation in the </a:t>
-                      </a:r>
-                      <a:r>
-                        <a:rPr lang="en-US" sz="1600" i="1" dirty="0" smtClean="0">
-                          <a:effectLst/>
-                        </a:rPr>
-                        <a:t>scientific </a:t>
-                      </a:r>
-                      <a:r>
-                        <a:rPr lang="en-US" sz="1600" i="1" dirty="0" smtClean="0">
-                          <a:effectLst/>
-                        </a:rPr>
-                        <a:t>literature: A new measure </a:t>
-                      </a:r>
-                      <a:r>
-                        <a:rPr lang="en-US" sz="1600" i="1" dirty="0" smtClean="0">
-                          <a:effectLst/>
-                        </a:rPr>
-                        <a:t>…</a:t>
+                        <a:t>Co-citation in the scientific literature: A new measure …</a:t>
                       </a:r>
                       <a:endParaRPr lang="de-DE" sz="1600" i="1" dirty="0">
                         <a:effectLst/>
@@ -4995,8 +6341,8 @@
           </a:graphicData>
         </a:graphic>
       </p:graphicFrame>
-      <mc:AlternateContent xmlns:mc="http://schemas.openxmlformats.org/markup-compatibility/2006">
-        <mc:Choice xmlns:a14="http://schemas.microsoft.com/office/drawing/2010/main" Requires="a14">
+      <mc:AlternateContent xmlns:mc="http://schemas.openxmlformats.org/markup-compatibility/2006" xmlns:a14="http://schemas.microsoft.com/office/drawing/2010/main">
+        <mc:Choice Requires="a14">
           <p:sp>
             <p:nvSpPr>
               <p:cNvPr id="9" name="Abgerundete rechteckige Legende 8"/>
@@ -5148,7 +6494,7 @@
             </p:txBody>
           </p:sp>
         </mc:Choice>
-        <mc:Fallback>
+        <mc:Fallback xmlns="">
           <p:sp>
             <p:nvSpPr>
               <p:cNvPr id="9" name="Abgerundete rechteckige Legende 8"/>
@@ -5191,8 +6537,8 @@
           </p:sp>
         </mc:Fallback>
       </mc:AlternateContent>
-      <mc:AlternateContent xmlns:mc="http://schemas.openxmlformats.org/markup-compatibility/2006">
-        <mc:Choice xmlns:a14="http://schemas.microsoft.com/office/drawing/2010/main" Requires="a14">
+      <mc:AlternateContent xmlns:mc="http://schemas.openxmlformats.org/markup-compatibility/2006" xmlns:a14="http://schemas.microsoft.com/office/drawing/2010/main">
+        <mc:Choice Requires="a14">
           <p:sp>
             <p:nvSpPr>
               <p:cNvPr id="10" name="Abgerundete rechteckige Legende 9"/>
@@ -5344,7 +6690,7 @@
             </p:txBody>
           </p:sp>
         </mc:Choice>
-        <mc:Fallback>
+        <mc:Fallback xmlns="">
           <p:sp>
             <p:nvSpPr>
               <p:cNvPr id="10" name="Abgerundete rechteckige Legende 9"/>
@@ -5387,8 +6733,8 @@
           </p:sp>
         </mc:Fallback>
       </mc:AlternateContent>
-      <mc:AlternateContent xmlns:mc="http://schemas.openxmlformats.org/markup-compatibility/2006">
-        <mc:Choice xmlns:a14="http://schemas.microsoft.com/office/drawing/2010/main" Requires="a14">
+      <mc:AlternateContent xmlns:mc="http://schemas.openxmlformats.org/markup-compatibility/2006" xmlns:a14="http://schemas.microsoft.com/office/drawing/2010/main">
+        <mc:Choice Requires="a14">
           <p:sp>
             <p:nvSpPr>
               <p:cNvPr id="11" name="Abgerundete rechteckige Legende 10"/>
@@ -5540,7 +6886,7 @@
             </p:txBody>
           </p:sp>
         </mc:Choice>
-        <mc:Fallback>
+        <mc:Fallback xmlns="">
           <p:sp>
             <p:nvSpPr>
               <p:cNvPr id="11" name="Abgerundete rechteckige Legende 10"/>
@@ -5781,8 +7127,8 @@
           </a:p>
         </p:txBody>
       </p:sp>
-      <mc:AlternateContent xmlns:mc="http://schemas.openxmlformats.org/markup-compatibility/2006">
-        <mc:Choice xmlns:a14="http://schemas.microsoft.com/office/drawing/2010/main" Requires="a14">
+      <mc:AlternateContent xmlns:mc="http://schemas.openxmlformats.org/markup-compatibility/2006" xmlns:a14="http://schemas.microsoft.com/office/drawing/2010/main">
+        <mc:Choice Requires="a14">
           <p:sp>
             <p:nvSpPr>
               <p:cNvPr id="15" name="Abgerundete rechteckige Legende 14"/>
@@ -5934,7 +7280,7 @@
             </p:txBody>
           </p:sp>
         </mc:Choice>
-        <mc:Fallback>
+        <mc:Fallback xmlns="">
           <p:sp>
             <p:nvSpPr>
               <p:cNvPr id="15" name="Abgerundete rechteckige Legende 14"/>
@@ -6360,7 +7706,7 @@
 </p:sld>
 </file>
 
-<file path=ppt/slides/slide11.xml><?xml version="1.0" encoding="utf-8"?>
+<file path=ppt/slides/slide12.xml><?xml version="1.0" encoding="utf-8"?>
 <p:sld xmlns:a="http://schemas.openxmlformats.org/drawingml/2006/main" xmlns:r="http://schemas.openxmlformats.org/officeDocument/2006/relationships" xmlns:p="http://schemas.openxmlformats.org/presentationml/2006/main">
   <p:cSld>
     <p:spTree>
@@ -6436,15 +7782,7 @@
             </a:r>
             <a:r>
               <a:rPr lang="en-US" dirty="0" smtClean="0"/>
-              <a:t>in the </a:t>
-            </a:r>
-            <a:r>
-              <a:rPr lang="en-US" dirty="0" smtClean="0"/>
-              <a:t>Top-10</a:t>
-            </a:r>
-            <a:r>
-              <a:rPr lang="en-US" dirty="0" smtClean="0"/>
-              <a:t>% of all CRs of the same RPY</a:t>
+              <a:t>in the Top-10% of all CRs of the same RPY</a:t>
             </a:r>
           </a:p>
           <a:p>
@@ -6690,13 +8028,7 @@
                         <a:rPr lang="en-US" sz="1600" i="1" dirty="0" smtClean="0">
                           <a:effectLst/>
                         </a:rPr>
-                        <a:t>The frequency distribution of scientific </a:t>
-                      </a:r>
-                      <a:r>
-                        <a:rPr lang="en-US" sz="1600" i="1" dirty="0" smtClean="0">
-                          <a:effectLst/>
-                        </a:rPr>
-                        <a:t>productivity</a:t>
+                        <a:t>The frequency distribution of scientific productivity</a:t>
                       </a:r>
                       <a:endParaRPr lang="de-DE" sz="1600" i="1" dirty="0">
                         <a:effectLst/>
@@ -6823,13 +8155,7 @@
                         <a:rPr lang="en-US" sz="1600" i="1" dirty="0" smtClean="0">
                           <a:effectLst/>
                         </a:rPr>
-                        <a:t>Citation indexing: its theory and application in </a:t>
-                      </a:r>
-                      <a:r>
-                        <a:rPr lang="en-US" sz="1600" i="1" dirty="0" smtClean="0">
-                          <a:effectLst/>
-                        </a:rPr>
-                        <a:t>…</a:t>
+                        <a:t>Citation indexing: its theory and application in …</a:t>
                       </a:r>
                       <a:endParaRPr lang="de-DE" sz="1600" i="1" dirty="0">
                         <a:effectLst/>
@@ -6938,25 +8264,7 @@
                         <a:rPr lang="en-US" sz="1600" i="1" dirty="0" smtClean="0">
                           <a:effectLst/>
                         </a:rPr>
-                        <a:t>Co-citation in the </a:t>
-                      </a:r>
-                      <a:r>
-                        <a:rPr lang="en-US" sz="1600" i="1" dirty="0" smtClean="0">
-                          <a:effectLst/>
-                        </a:rPr>
-                        <a:t>scientific </a:t>
-                      </a:r>
-                      <a:r>
-                        <a:rPr lang="en-US" sz="1600" i="1" dirty="0" smtClean="0">
-                          <a:effectLst/>
-                        </a:rPr>
-                        <a:t>literature: A new measure </a:t>
-                      </a:r>
-                      <a:r>
-                        <a:rPr lang="en-US" sz="1600" i="1" dirty="0" smtClean="0">
-                          <a:effectLst/>
-                        </a:rPr>
-                        <a:t>…</a:t>
+                        <a:t>Co-citation in the scientific literature: A new measure …</a:t>
                       </a:r>
                       <a:endParaRPr lang="de-DE" sz="1600" i="1" dirty="0">
                         <a:effectLst/>
@@ -7726,7 +9034,7 @@
 </p:sld>
 </file>
 
-<file path=ppt/slides/slide12.xml><?xml version="1.0" encoding="utf-8"?>
+<file path=ppt/slides/slide13.xml><?xml version="1.0" encoding="utf-8"?>
 <p:sld xmlns:a="http://schemas.openxmlformats.org/drawingml/2006/main" xmlns:r="http://schemas.openxmlformats.org/officeDocument/2006/relationships" xmlns:p="http://schemas.openxmlformats.org/presentationml/2006/main">
   <p:cSld>
     <p:spTree>
@@ -9200,7 +10508,7 @@
 </p:sld>
 </file>
 
-<file path=ppt/slides/slide13.xml><?xml version="1.0" encoding="utf-8"?>
+<file path=ppt/slides/slide14.xml><?xml version="1.0" encoding="utf-8"?>
 <p:sld xmlns:a="http://schemas.openxmlformats.org/drawingml/2006/main" xmlns:r="http://schemas.openxmlformats.org/officeDocument/2006/relationships" xmlns:p="http://schemas.openxmlformats.org/presentationml/2006/main">
   <p:cSld>
     <p:spTree>
@@ -10750,7 +12058,7 @@
 </p:sld>
 </file>
 
-<file path=ppt/slides/slide14.xml><?xml version="1.0" encoding="utf-8"?>
+<file path=ppt/slides/slide15.xml><?xml version="1.0" encoding="utf-8"?>
 <p:sld xmlns:a="http://schemas.openxmlformats.org/drawingml/2006/main" xmlns:r="http://schemas.openxmlformats.org/officeDocument/2006/relationships" xmlns:p="http://schemas.openxmlformats.org/presentationml/2006/main">
   <p:cSld>
     <p:spTree>
@@ -12416,7 +13724,7 @@
 </p:sld>
 </file>
 
-<file path=ppt/slides/slide15.xml><?xml version="1.0" encoding="utf-8"?>
+<file path=ppt/slides/slide16.xml><?xml version="1.0" encoding="utf-8"?>
 <p:sld xmlns:a="http://schemas.openxmlformats.org/drawingml/2006/main" xmlns:r="http://schemas.openxmlformats.org/officeDocument/2006/relationships" xmlns:p="http://schemas.openxmlformats.org/presentationml/2006/main">
   <p:cSld>
     <p:spTree>
@@ -12448,7 +13756,15 @@
           <a:bodyPr/>
           <a:lstStyle/>
           <a:p>
-            <a:endParaRPr lang="de-DE"/>
+            <a:r>
+              <a:rPr lang="de-DE" dirty="0" err="1" smtClean="0"/>
+              <a:t>CRExplorer</a:t>
+            </a:r>
+            <a:r>
+              <a:rPr lang="de-DE" dirty="0" smtClean="0"/>
+              <a:t>: User Interface</a:t>
+            </a:r>
+            <a:endParaRPr lang="de-DE" dirty="0"/>
           </a:p>
         </p:txBody>
       </p:sp>
@@ -12471,6 +13787,39 @@
           </a:p>
         </p:txBody>
       </p:sp>
+      <p:pic>
+        <p:nvPicPr>
+          <p:cNvPr id="4" name="Grafik 3"/>
+          <p:cNvPicPr>
+            <a:picLocks noChangeAspect="1"/>
+          </p:cNvPicPr>
+          <p:nvPr/>
+        </p:nvPicPr>
+        <p:blipFill>
+          <a:blip r:embed="rId2"/>
+          <a:stretch>
+            <a:fillRect/>
+          </a:stretch>
+        </p:blipFill>
+        <p:spPr>
+          <a:xfrm>
+            <a:off x="0" y="1041479"/>
+            <a:ext cx="9144000" cy="5401223"/>
+          </a:xfrm>
+          <a:prstGeom prst="rect">
+            <a:avLst/>
+          </a:prstGeom>
+          <a:blipFill dpi="0" rotWithShape="1">
+            <a:blip r:embed="rId3">
+              <a:alphaModFix amt="75000"/>
+            </a:blip>
+            <a:srcRect/>
+            <a:stretch>
+              <a:fillRect/>
+            </a:stretch>
+          </a:blipFill>
+        </p:spPr>
+      </p:pic>
     </p:spTree>
     <p:extLst>
       <p:ext uri="{BB962C8B-B14F-4D97-AF65-F5344CB8AC3E}">
@@ -12485,6 +13834,2105 @@
     <p:tnLst>
       <p:par>
         <p:cTn id="1" dur="indefinite" restart="never" nodeType="tmRoot"/>
+      </p:par>
+    </p:tnLst>
+  </p:timing>
+</p:sld>
+</file>
+
+<file path=ppt/slides/slide17.xml><?xml version="1.0" encoding="utf-8"?>
+<p:sld xmlns:a="http://schemas.openxmlformats.org/drawingml/2006/main" xmlns:r="http://schemas.openxmlformats.org/officeDocument/2006/relationships" xmlns:p="http://schemas.openxmlformats.org/presentationml/2006/main">
+  <p:cSld>
+    <p:spTree>
+      <p:nvGrpSpPr>
+        <p:cNvPr id="1" name=""/>
+        <p:cNvGrpSpPr/>
+        <p:nvPr/>
+      </p:nvGrpSpPr>
+      <p:grpSpPr>
+        <a:xfrm>
+          <a:off x="0" y="0"/>
+          <a:ext cx="0" cy="0"/>
+          <a:chOff x="0" y="0"/>
+          <a:chExt cx="0" cy="0"/>
+        </a:xfrm>
+      </p:grpSpPr>
+      <p:sp>
+        <p:nvSpPr>
+          <p:cNvPr id="2" name="Titel 1"/>
+          <p:cNvSpPr>
+            <a:spLocks noGrp="1"/>
+          </p:cNvSpPr>
+          <p:nvPr>
+            <p:ph type="title"/>
+          </p:nvPr>
+        </p:nvSpPr>
+        <p:spPr/>
+        <p:txBody>
+          <a:bodyPr/>
+          <a:lstStyle/>
+          <a:p>
+            <a:endParaRPr lang="de-DE"/>
+          </a:p>
+        </p:txBody>
+      </p:sp>
+      <p:sp>
+        <p:nvSpPr>
+          <p:cNvPr id="4" name="Rechteck 3"/>
+          <p:cNvSpPr/>
+          <p:nvPr/>
+        </p:nvSpPr>
+        <p:spPr>
+          <a:xfrm>
+            <a:off x="0" y="1042416"/>
+            <a:ext cx="9144000" cy="5404104"/>
+          </a:xfrm>
+          <a:prstGeom prst="rect">
+            <a:avLst/>
+          </a:prstGeom>
+          <a:blipFill dpi="0" rotWithShape="1">
+            <a:blip r:embed="rId2">
+              <a:alphaModFix amt="51000"/>
+            </a:blip>
+            <a:srcRect/>
+            <a:stretch>
+              <a:fillRect/>
+            </a:stretch>
+          </a:blipFill>
+          <a:ln>
+            <a:noFill/>
+          </a:ln>
+        </p:spPr>
+        <p:style>
+          <a:lnRef idx="2">
+            <a:schemeClr val="accent1">
+              <a:shade val="50000"/>
+            </a:schemeClr>
+          </a:lnRef>
+          <a:fillRef idx="1">
+            <a:schemeClr val="accent1"/>
+          </a:fillRef>
+          <a:effectRef idx="0">
+            <a:schemeClr val="accent1"/>
+          </a:effectRef>
+          <a:fontRef idx="minor">
+            <a:schemeClr val="lt1"/>
+          </a:fontRef>
+        </p:style>
+        <p:txBody>
+          <a:bodyPr rtlCol="0" anchor="ctr"/>
+          <a:lstStyle/>
+          <a:p>
+            <a:pPr algn="ctr"/>
+            <a:endParaRPr lang="de-DE"/>
+          </a:p>
+        </p:txBody>
+      </p:sp>
+      <p:pic>
+        <p:nvPicPr>
+          <p:cNvPr id="6" name="Grafik 5"/>
+          <p:cNvPicPr>
+            <a:picLocks noChangeAspect="1"/>
+          </p:cNvPicPr>
+          <p:nvPr/>
+        </p:nvPicPr>
+        <p:blipFill>
+          <a:blip r:embed="rId3"/>
+          <a:stretch>
+            <a:fillRect/>
+          </a:stretch>
+        </p:blipFill>
+        <p:spPr>
+          <a:xfrm>
+            <a:off x="387133" y="1156246"/>
+            <a:ext cx="2753109" cy="2133898"/>
+          </a:xfrm>
+          <a:prstGeom prst="rect">
+            <a:avLst/>
+          </a:prstGeom>
+        </p:spPr>
+      </p:pic>
+      <p:pic>
+        <p:nvPicPr>
+          <p:cNvPr id="5" name="Grafik 4"/>
+          <p:cNvPicPr>
+            <a:picLocks noChangeAspect="1"/>
+          </p:cNvPicPr>
+          <p:nvPr/>
+        </p:nvPicPr>
+        <p:blipFill>
+          <a:blip r:embed="rId4"/>
+          <a:stretch>
+            <a:fillRect/>
+          </a:stretch>
+        </p:blipFill>
+        <p:spPr>
+          <a:xfrm>
+            <a:off x="1950322" y="2111772"/>
+            <a:ext cx="7094310" cy="841038"/>
+          </a:xfrm>
+          <a:prstGeom prst="rect">
+            <a:avLst/>
+          </a:prstGeom>
+        </p:spPr>
+      </p:pic>
+      <p:pic>
+        <p:nvPicPr>
+          <p:cNvPr id="7" name="Grafik 6"/>
+          <p:cNvPicPr>
+            <a:picLocks noChangeAspect="1"/>
+          </p:cNvPicPr>
+          <p:nvPr/>
+        </p:nvPicPr>
+        <p:blipFill>
+          <a:blip r:embed="rId5"/>
+          <a:stretch>
+            <a:fillRect/>
+          </a:stretch>
+        </p:blipFill>
+        <p:spPr>
+          <a:xfrm>
+            <a:off x="767108" y="1156246"/>
+            <a:ext cx="3343742" cy="2591162"/>
+          </a:xfrm>
+          <a:prstGeom prst="rect">
+            <a:avLst/>
+          </a:prstGeom>
+        </p:spPr>
+      </p:pic>
+      <p:pic>
+        <p:nvPicPr>
+          <p:cNvPr id="8" name="Grafik 7"/>
+          <p:cNvPicPr>
+            <a:picLocks noChangeAspect="1"/>
+          </p:cNvPicPr>
+          <p:nvPr/>
+        </p:nvPicPr>
+        <p:blipFill>
+          <a:blip r:embed="rId6"/>
+          <a:stretch>
+            <a:fillRect/>
+          </a:stretch>
+        </p:blipFill>
+        <p:spPr>
+          <a:xfrm>
+            <a:off x="323528" y="1156246"/>
+            <a:ext cx="3600953" cy="2867425"/>
+          </a:xfrm>
+          <a:prstGeom prst="rect">
+            <a:avLst/>
+          </a:prstGeom>
+        </p:spPr>
+      </p:pic>
+      <p:pic>
+        <p:nvPicPr>
+          <p:cNvPr id="9" name="Grafik 8"/>
+          <p:cNvPicPr>
+            <a:picLocks noChangeAspect="1"/>
+          </p:cNvPicPr>
+          <p:nvPr/>
+        </p:nvPicPr>
+        <p:blipFill>
+          <a:blip r:embed="rId7"/>
+          <a:stretch>
+            <a:fillRect/>
+          </a:stretch>
+        </p:blipFill>
+        <p:spPr>
+          <a:xfrm>
+            <a:off x="1621702" y="1156246"/>
+            <a:ext cx="2010056" cy="847843"/>
+          </a:xfrm>
+          <a:prstGeom prst="rect">
+            <a:avLst/>
+          </a:prstGeom>
+        </p:spPr>
+      </p:pic>
+    </p:spTree>
+    <p:extLst>
+      <p:ext uri="{BB962C8B-B14F-4D97-AF65-F5344CB8AC3E}">
+        <p14:creationId xmlns:p14="http://schemas.microsoft.com/office/powerpoint/2010/main" val="2230684639"/>
+      </p:ext>
+    </p:extLst>
+  </p:cSld>
+  <p:clrMapOvr>
+    <a:masterClrMapping/>
+  </p:clrMapOvr>
+  <p:timing>
+    <p:tnLst>
+      <p:par>
+        <p:cTn id="1" dur="indefinite" restart="never" nodeType="tmRoot">
+          <p:childTnLst>
+            <p:seq concurrent="1" nextAc="seek">
+              <p:cTn id="2" dur="indefinite" nodeType="mainSeq">
+                <p:childTnLst>
+                  <p:par>
+                    <p:cTn id="3" fill="hold">
+                      <p:stCondLst>
+                        <p:cond delay="indefinite"/>
+                      </p:stCondLst>
+                      <p:childTnLst>
+                        <p:par>
+                          <p:cTn id="4" fill="hold">
+                            <p:stCondLst>
+                              <p:cond delay="0"/>
+                            </p:stCondLst>
+                            <p:childTnLst>
+                              <p:par>
+                                <p:cTn id="5" presetID="1" presetClass="exit" presetSubtype="0" fill="hold" nodeType="clickEffect">
+                                  <p:stCondLst>
+                                    <p:cond delay="0"/>
+                                  </p:stCondLst>
+                                  <p:childTnLst>
+                                    <p:set>
+                                      <p:cBhvr>
+                                        <p:cTn id="6" dur="1" fill="hold">
+                                          <p:stCondLst>
+                                            <p:cond delay="0"/>
+                                          </p:stCondLst>
+                                        </p:cTn>
+                                        <p:tgtEl>
+                                          <p:spTgt spid="6"/>
+                                        </p:tgtEl>
+                                        <p:attrNameLst>
+                                          <p:attrName>style.visibility</p:attrName>
+                                        </p:attrNameLst>
+                                      </p:cBhvr>
+                                      <p:to>
+                                        <p:strVal val="hidden"/>
+                                      </p:to>
+                                    </p:set>
+                                  </p:childTnLst>
+                                </p:cTn>
+                              </p:par>
+                              <p:par>
+                                <p:cTn id="7" presetID="1" presetClass="entr" presetSubtype="0" fill="hold" nodeType="withEffect">
+                                  <p:stCondLst>
+                                    <p:cond delay="0"/>
+                                  </p:stCondLst>
+                                  <p:childTnLst>
+                                    <p:set>
+                                      <p:cBhvr>
+                                        <p:cTn id="8" dur="1" fill="hold">
+                                          <p:stCondLst>
+                                            <p:cond delay="0"/>
+                                          </p:stCondLst>
+                                        </p:cTn>
+                                        <p:tgtEl>
+                                          <p:spTgt spid="9"/>
+                                        </p:tgtEl>
+                                        <p:attrNameLst>
+                                          <p:attrName>style.visibility</p:attrName>
+                                        </p:attrNameLst>
+                                      </p:cBhvr>
+                                      <p:to>
+                                        <p:strVal val="visible"/>
+                                      </p:to>
+                                    </p:set>
+                                  </p:childTnLst>
+                                  <p:subTnLst>
+                                    <p:set>
+                                      <p:cBhvr override="childStyle">
+                                        <p:cTn dur="1" fill="hold" display="0" masterRel="nextClick" afterEffect="1"/>
+                                        <p:tgtEl>
+                                          <p:spTgt spid="9"/>
+                                        </p:tgtEl>
+                                        <p:attrNameLst>
+                                          <p:attrName>style.visibility</p:attrName>
+                                        </p:attrNameLst>
+                                      </p:cBhvr>
+                                      <p:to>
+                                        <p:strVal val="hidden"/>
+                                      </p:to>
+                                    </p:set>
+                                  </p:subTnLst>
+                                </p:cTn>
+                              </p:par>
+                              <p:par>
+                                <p:cTn id="9" presetID="1" presetClass="entr" presetSubtype="0" fill="hold" nodeType="withEffect">
+                                  <p:stCondLst>
+                                    <p:cond delay="0"/>
+                                  </p:stCondLst>
+                                  <p:childTnLst>
+                                    <p:set>
+                                      <p:cBhvr>
+                                        <p:cTn id="10" dur="1" fill="hold">
+                                          <p:stCondLst>
+                                            <p:cond delay="0"/>
+                                          </p:stCondLst>
+                                        </p:cTn>
+                                        <p:tgtEl>
+                                          <p:spTgt spid="5"/>
+                                        </p:tgtEl>
+                                        <p:attrNameLst>
+                                          <p:attrName>style.visibility</p:attrName>
+                                        </p:attrNameLst>
+                                      </p:cBhvr>
+                                      <p:to>
+                                        <p:strVal val="visible"/>
+                                      </p:to>
+                                    </p:set>
+                                  </p:childTnLst>
+                                  <p:subTnLst>
+                                    <p:set>
+                                      <p:cBhvr override="childStyle">
+                                        <p:cTn dur="1" fill="hold" display="0" masterRel="nextClick" afterEffect="1"/>
+                                        <p:tgtEl>
+                                          <p:spTgt spid="5"/>
+                                        </p:tgtEl>
+                                        <p:attrNameLst>
+                                          <p:attrName>style.visibility</p:attrName>
+                                        </p:attrNameLst>
+                                      </p:cBhvr>
+                                      <p:to>
+                                        <p:strVal val="hidden"/>
+                                      </p:to>
+                                    </p:set>
+                                  </p:subTnLst>
+                                </p:cTn>
+                              </p:par>
+                            </p:childTnLst>
+                          </p:cTn>
+                        </p:par>
+                      </p:childTnLst>
+                    </p:cTn>
+                  </p:par>
+                  <p:par>
+                    <p:cTn id="11" fill="hold">
+                      <p:stCondLst>
+                        <p:cond delay="indefinite"/>
+                      </p:stCondLst>
+                      <p:childTnLst>
+                        <p:par>
+                          <p:cTn id="12" fill="hold">
+                            <p:stCondLst>
+                              <p:cond delay="0"/>
+                            </p:stCondLst>
+                            <p:childTnLst>
+                              <p:par>
+                                <p:cTn id="13" presetID="1" presetClass="entr" presetSubtype="0" fill="hold" nodeType="clickEffect">
+                                  <p:stCondLst>
+                                    <p:cond delay="0"/>
+                                  </p:stCondLst>
+                                  <p:childTnLst>
+                                    <p:set>
+                                      <p:cBhvr>
+                                        <p:cTn id="14" dur="1" fill="hold">
+                                          <p:stCondLst>
+                                            <p:cond delay="0"/>
+                                          </p:stCondLst>
+                                        </p:cTn>
+                                        <p:tgtEl>
+                                          <p:spTgt spid="7"/>
+                                        </p:tgtEl>
+                                        <p:attrNameLst>
+                                          <p:attrName>style.visibility</p:attrName>
+                                        </p:attrNameLst>
+                                      </p:cBhvr>
+                                      <p:to>
+                                        <p:strVal val="visible"/>
+                                      </p:to>
+                                    </p:set>
+                                  </p:childTnLst>
+                                  <p:subTnLst>
+                                    <p:set>
+                                      <p:cBhvr override="childStyle">
+                                        <p:cTn dur="1" fill="hold" display="0" masterRel="nextClick" afterEffect="1"/>
+                                        <p:tgtEl>
+                                          <p:spTgt spid="7"/>
+                                        </p:tgtEl>
+                                        <p:attrNameLst>
+                                          <p:attrName>style.visibility</p:attrName>
+                                        </p:attrNameLst>
+                                      </p:cBhvr>
+                                      <p:to>
+                                        <p:strVal val="hidden"/>
+                                      </p:to>
+                                    </p:set>
+                                  </p:subTnLst>
+                                </p:cTn>
+                              </p:par>
+                            </p:childTnLst>
+                          </p:cTn>
+                        </p:par>
+                      </p:childTnLst>
+                    </p:cTn>
+                  </p:par>
+                  <p:par>
+                    <p:cTn id="15" fill="hold">
+                      <p:stCondLst>
+                        <p:cond delay="indefinite"/>
+                      </p:stCondLst>
+                      <p:childTnLst>
+                        <p:par>
+                          <p:cTn id="16" fill="hold">
+                            <p:stCondLst>
+                              <p:cond delay="0"/>
+                            </p:stCondLst>
+                            <p:childTnLst>
+                              <p:par>
+                                <p:cTn id="17" presetID="1" presetClass="entr" presetSubtype="0" fill="hold" nodeType="clickEffect">
+                                  <p:stCondLst>
+                                    <p:cond delay="0"/>
+                                  </p:stCondLst>
+                                  <p:childTnLst>
+                                    <p:set>
+                                      <p:cBhvr>
+                                        <p:cTn id="18" dur="1" fill="hold">
+                                          <p:stCondLst>
+                                            <p:cond delay="0"/>
+                                          </p:stCondLst>
+                                        </p:cTn>
+                                        <p:tgtEl>
+                                          <p:spTgt spid="8"/>
+                                        </p:tgtEl>
+                                        <p:attrNameLst>
+                                          <p:attrName>style.visibility</p:attrName>
+                                        </p:attrNameLst>
+                                      </p:cBhvr>
+                                      <p:to>
+                                        <p:strVal val="visible"/>
+                                      </p:to>
+                                    </p:set>
+                                  </p:childTnLst>
+                                </p:cTn>
+                              </p:par>
+                            </p:childTnLst>
+                          </p:cTn>
+                        </p:par>
+                      </p:childTnLst>
+                    </p:cTn>
+                  </p:par>
+                </p:childTnLst>
+              </p:cTn>
+              <p:prevCondLst>
+                <p:cond evt="onPrev" delay="0">
+                  <p:tgtEl>
+                    <p:sldTgt/>
+                  </p:tgtEl>
+                </p:cond>
+              </p:prevCondLst>
+              <p:nextCondLst>
+                <p:cond evt="onNext" delay="0">
+                  <p:tgtEl>
+                    <p:sldTgt/>
+                  </p:tgtEl>
+                </p:cond>
+              </p:nextCondLst>
+            </p:seq>
+          </p:childTnLst>
+        </p:cTn>
+      </p:par>
+    </p:tnLst>
+  </p:timing>
+</p:sld>
+</file>
+
+<file path=ppt/slides/slide18.xml><?xml version="1.0" encoding="utf-8"?>
+<p:sld xmlns:a="http://schemas.openxmlformats.org/drawingml/2006/main" xmlns:r="http://schemas.openxmlformats.org/officeDocument/2006/relationships" xmlns:p="http://schemas.openxmlformats.org/presentationml/2006/main">
+  <p:cSld>
+    <p:spTree>
+      <p:nvGrpSpPr>
+        <p:cNvPr id="1" name=""/>
+        <p:cNvGrpSpPr/>
+        <p:nvPr/>
+      </p:nvGrpSpPr>
+      <p:grpSpPr>
+        <a:xfrm>
+          <a:off x="0" y="0"/>
+          <a:ext cx="0" cy="0"/>
+          <a:chOff x="0" y="0"/>
+          <a:chExt cx="0" cy="0"/>
+        </a:xfrm>
+      </p:grpSpPr>
+      <p:sp>
+        <p:nvSpPr>
+          <p:cNvPr id="2" name="Titel 1"/>
+          <p:cNvSpPr>
+            <a:spLocks noGrp="1"/>
+          </p:cNvSpPr>
+          <p:nvPr>
+            <p:ph type="title"/>
+          </p:nvPr>
+        </p:nvSpPr>
+        <p:spPr/>
+        <p:txBody>
+          <a:bodyPr/>
+          <a:lstStyle/>
+          <a:p>
+            <a:r>
+              <a:rPr lang="de-DE" dirty="0" err="1" smtClean="0"/>
+              <a:t>CRExplorer‘s</a:t>
+            </a:r>
+            <a:r>
+              <a:rPr lang="de-DE" dirty="0" smtClean="0"/>
+              <a:t> Script Language</a:t>
+            </a:r>
+            <a:endParaRPr lang="de-DE" dirty="0"/>
+          </a:p>
+        </p:txBody>
+      </p:sp>
+      <p:sp>
+        <p:nvSpPr>
+          <p:cNvPr id="3" name="Inhaltsplatzhalter 2"/>
+          <p:cNvSpPr>
+            <a:spLocks noGrp="1"/>
+          </p:cNvSpPr>
+          <p:nvPr>
+            <p:ph idx="1"/>
+          </p:nvPr>
+        </p:nvSpPr>
+        <p:spPr>
+          <a:xfrm>
+            <a:off x="457200" y="1052736"/>
+            <a:ext cx="4042792" cy="5073427"/>
+          </a:xfrm>
+        </p:spPr>
+        <p:txBody>
+          <a:bodyPr/>
+          <a:lstStyle/>
+          <a:p>
+            <a:r>
+              <a:rPr lang="en-US" dirty="0" smtClean="0"/>
+              <a:t>Script language for workflow automation</a:t>
+            </a:r>
+          </a:p>
+          <a:p>
+            <a:endParaRPr lang="en-US" dirty="0" smtClean="0"/>
+          </a:p>
+          <a:p>
+            <a:endParaRPr lang="en-US" dirty="0" smtClean="0"/>
+          </a:p>
+          <a:p>
+            <a:endParaRPr lang="en-US" dirty="0" smtClean="0"/>
+          </a:p>
+          <a:p>
+            <a:r>
+              <a:rPr lang="en-US" dirty="0" smtClean="0"/>
+              <a:t>Reproducibility of results</a:t>
+            </a:r>
+          </a:p>
+          <a:p>
+            <a:r>
+              <a:rPr lang="en-US" dirty="0" smtClean="0"/>
+              <a:t>Same analysis procedure for different publication  sets</a:t>
+            </a:r>
+          </a:p>
+          <a:p>
+            <a:r>
+              <a:rPr lang="en-US" dirty="0" smtClean="0"/>
+              <a:t>Processing large files</a:t>
+            </a:r>
+            <a:endParaRPr lang="en-US" dirty="0"/>
+          </a:p>
+        </p:txBody>
+      </p:sp>
+      <p:sp>
+        <p:nvSpPr>
+          <p:cNvPr id="4" name="Textfeld 3"/>
+          <p:cNvSpPr txBox="1"/>
+          <p:nvPr/>
+        </p:nvSpPr>
+        <p:spPr>
+          <a:xfrm>
+            <a:off x="4716016" y="904156"/>
+            <a:ext cx="4320413" cy="5909310"/>
+          </a:xfrm>
+          <a:prstGeom prst="rect">
+            <a:avLst/>
+          </a:prstGeom>
+          <a:noFill/>
+          <a:ln>
+            <a:noFill/>
+          </a:ln>
+        </p:spPr>
+        <p:style>
+          <a:lnRef idx="2">
+            <a:schemeClr val="accent1"/>
+          </a:lnRef>
+          <a:fillRef idx="1">
+            <a:schemeClr val="lt1"/>
+          </a:fillRef>
+          <a:effectRef idx="0">
+            <a:schemeClr val="accent1"/>
+          </a:effectRef>
+          <a:fontRef idx="minor">
+            <a:schemeClr val="dk1"/>
+          </a:fontRef>
+        </p:style>
+        <p:txBody>
+          <a:bodyPr wrap="none" rtlCol="0">
+            <a:spAutoFit/>
+          </a:bodyPr>
+          <a:lstStyle/>
+          <a:p>
+            <a:r>
+              <a:rPr lang="en-US" dirty="0" err="1">
+                <a:latin typeface="Courier New" panose="02070309020205020404" pitchFamily="49" charset="0"/>
+                <a:cs typeface="Courier New" panose="02070309020205020404" pitchFamily="49" charset="0"/>
+              </a:rPr>
+              <a:t>importFile</a:t>
+            </a:r>
+            <a:r>
+              <a:rPr lang="en-US" dirty="0">
+                <a:latin typeface="Courier New" panose="02070309020205020404" pitchFamily="49" charset="0"/>
+                <a:cs typeface="Courier New" panose="02070309020205020404" pitchFamily="49" charset="0"/>
+              </a:rPr>
+              <a:t> (</a:t>
+            </a:r>
+          </a:p>
+          <a:p>
+            <a:r>
+              <a:rPr lang="en-US" dirty="0" smtClean="0">
+                <a:latin typeface="Courier New" panose="02070309020205020404" pitchFamily="49" charset="0"/>
+                <a:cs typeface="Courier New" panose="02070309020205020404" pitchFamily="49" charset="0"/>
+              </a:rPr>
+              <a:t>   </a:t>
+            </a:r>
+            <a:r>
+              <a:rPr lang="en-US" dirty="0" err="1" smtClean="0">
+                <a:latin typeface="Courier New" panose="02070309020205020404" pitchFamily="49" charset="0"/>
+                <a:cs typeface="Courier New" panose="02070309020205020404" pitchFamily="49" charset="0"/>
+              </a:rPr>
+              <a:t>dir</a:t>
+            </a:r>
+            <a:r>
+              <a:rPr lang="en-US" dirty="0">
+                <a:latin typeface="Courier New" panose="02070309020205020404" pitchFamily="49" charset="0"/>
+                <a:cs typeface="Courier New" panose="02070309020205020404" pitchFamily="49" charset="0"/>
+              </a:rPr>
+              <a:t>: "E</a:t>
+            </a:r>
+            <a:r>
+              <a:rPr lang="en-US" dirty="0" smtClean="0">
+                <a:latin typeface="Courier New" panose="02070309020205020404" pitchFamily="49" charset="0"/>
+                <a:cs typeface="Courier New" panose="02070309020205020404" pitchFamily="49" charset="0"/>
+              </a:rPr>
+              <a:t>:/data/input/",</a:t>
+            </a:r>
+            <a:endParaRPr lang="en-US" dirty="0">
+              <a:latin typeface="Courier New" panose="02070309020205020404" pitchFamily="49" charset="0"/>
+              <a:cs typeface="Courier New" panose="02070309020205020404" pitchFamily="49" charset="0"/>
+            </a:endParaRPr>
+          </a:p>
+          <a:p>
+            <a:r>
+              <a:rPr lang="en-US" dirty="0" smtClean="0">
+                <a:latin typeface="Courier New" panose="02070309020205020404" pitchFamily="49" charset="0"/>
+                <a:cs typeface="Courier New" panose="02070309020205020404" pitchFamily="49" charset="0"/>
+              </a:rPr>
+              <a:t>   type</a:t>
+            </a:r>
+            <a:r>
+              <a:rPr lang="en-US" dirty="0">
+                <a:latin typeface="Courier New" panose="02070309020205020404" pitchFamily="49" charset="0"/>
+                <a:cs typeface="Courier New" panose="02070309020205020404" pitchFamily="49" charset="0"/>
+              </a:rPr>
+              <a:t>: "WOS",</a:t>
+            </a:r>
+          </a:p>
+          <a:p>
+            <a:r>
+              <a:rPr lang="en-US" dirty="0" smtClean="0">
+                <a:latin typeface="Courier New" panose="02070309020205020404" pitchFamily="49" charset="0"/>
+                <a:cs typeface="Courier New" panose="02070309020205020404" pitchFamily="49" charset="0"/>
+              </a:rPr>
+              <a:t>   sampling</a:t>
+            </a:r>
+            <a:r>
+              <a:rPr lang="en-US" dirty="0">
+                <a:latin typeface="Courier New" panose="02070309020205020404" pitchFamily="49" charset="0"/>
+                <a:cs typeface="Courier New" panose="02070309020205020404" pitchFamily="49" charset="0"/>
+              </a:rPr>
+              <a:t>: "RANDOM",</a:t>
+            </a:r>
+          </a:p>
+          <a:p>
+            <a:r>
+              <a:rPr lang="en-US" dirty="0" smtClean="0">
+                <a:latin typeface="Courier New" panose="02070309020205020404" pitchFamily="49" charset="0"/>
+                <a:cs typeface="Courier New" panose="02070309020205020404" pitchFamily="49" charset="0"/>
+              </a:rPr>
+              <a:t>   </a:t>
+            </a:r>
+            <a:r>
+              <a:rPr lang="en-US" dirty="0" err="1" smtClean="0">
+                <a:latin typeface="Courier New" panose="02070309020205020404" pitchFamily="49" charset="0"/>
+                <a:cs typeface="Courier New" panose="02070309020205020404" pitchFamily="49" charset="0"/>
+              </a:rPr>
+              <a:t>maxCR</a:t>
+            </a:r>
+            <a:r>
+              <a:rPr lang="en-US" dirty="0">
+                <a:latin typeface="Courier New" panose="02070309020205020404" pitchFamily="49" charset="0"/>
+                <a:cs typeface="Courier New" panose="02070309020205020404" pitchFamily="49" charset="0"/>
+              </a:rPr>
+              <a:t>: </a:t>
+            </a:r>
+            <a:r>
+              <a:rPr lang="en-US" dirty="0" smtClean="0">
+                <a:latin typeface="Courier New" panose="02070309020205020404" pitchFamily="49" charset="0"/>
+                <a:cs typeface="Courier New" panose="02070309020205020404" pitchFamily="49" charset="0"/>
+              </a:rPr>
+              <a:t>1000</a:t>
+            </a:r>
+            <a:endParaRPr lang="en-US" dirty="0">
+              <a:latin typeface="Courier New" panose="02070309020205020404" pitchFamily="49" charset="0"/>
+              <a:cs typeface="Courier New" panose="02070309020205020404" pitchFamily="49" charset="0"/>
+            </a:endParaRPr>
+          </a:p>
+          <a:p>
+            <a:r>
+              <a:rPr lang="en-US" dirty="0" smtClean="0">
+                <a:latin typeface="Courier New" panose="02070309020205020404" pitchFamily="49" charset="0"/>
+                <a:cs typeface="Courier New" panose="02070309020205020404" pitchFamily="49" charset="0"/>
+              </a:rPr>
+              <a:t>)</a:t>
+            </a:r>
+          </a:p>
+          <a:p>
+            <a:endParaRPr lang="en-US" dirty="0" smtClean="0">
+              <a:latin typeface="Courier New" panose="02070309020205020404" pitchFamily="49" charset="0"/>
+              <a:cs typeface="Courier New" panose="02070309020205020404" pitchFamily="49" charset="0"/>
+            </a:endParaRPr>
+          </a:p>
+          <a:p>
+            <a:r>
+              <a:rPr lang="en-US" dirty="0">
+                <a:latin typeface="Courier New" panose="02070309020205020404" pitchFamily="49" charset="0"/>
+                <a:cs typeface="Courier New" panose="02070309020205020404" pitchFamily="49" charset="0"/>
+              </a:rPr>
+              <a:t>cluster(</a:t>
+            </a:r>
+          </a:p>
+          <a:p>
+            <a:r>
+              <a:rPr lang="en-US" dirty="0" smtClean="0">
+                <a:latin typeface="Courier New" panose="02070309020205020404" pitchFamily="49" charset="0"/>
+                <a:cs typeface="Courier New" panose="02070309020205020404" pitchFamily="49" charset="0"/>
+              </a:rPr>
+              <a:t>   threshold</a:t>
+            </a:r>
+            <a:r>
+              <a:rPr lang="en-US" dirty="0">
+                <a:latin typeface="Courier New" panose="02070309020205020404" pitchFamily="49" charset="0"/>
+                <a:cs typeface="Courier New" panose="02070309020205020404" pitchFamily="49" charset="0"/>
+              </a:rPr>
+              <a:t>: 0.8,</a:t>
+            </a:r>
+          </a:p>
+          <a:p>
+            <a:r>
+              <a:rPr lang="en-US" dirty="0" smtClean="0">
+                <a:latin typeface="Courier New" panose="02070309020205020404" pitchFamily="49" charset="0"/>
+                <a:cs typeface="Courier New" panose="02070309020205020404" pitchFamily="49" charset="0"/>
+              </a:rPr>
+              <a:t>   volume</a:t>
+            </a:r>
+            <a:r>
+              <a:rPr lang="en-US" dirty="0">
+                <a:latin typeface="Courier New" panose="02070309020205020404" pitchFamily="49" charset="0"/>
+                <a:cs typeface="Courier New" panose="02070309020205020404" pitchFamily="49" charset="0"/>
+              </a:rPr>
+              <a:t>: </a:t>
+            </a:r>
+            <a:r>
+              <a:rPr lang="en-US" dirty="0" smtClean="0">
+                <a:latin typeface="Courier New" panose="02070309020205020404" pitchFamily="49" charset="0"/>
+                <a:cs typeface="Courier New" panose="02070309020205020404" pitchFamily="49" charset="0"/>
+              </a:rPr>
+              <a:t>true,</a:t>
+            </a:r>
+            <a:endParaRPr lang="en-US" dirty="0">
+              <a:latin typeface="Courier New" panose="02070309020205020404" pitchFamily="49" charset="0"/>
+              <a:cs typeface="Courier New" panose="02070309020205020404" pitchFamily="49" charset="0"/>
+            </a:endParaRPr>
+          </a:p>
+          <a:p>
+            <a:r>
+              <a:rPr lang="en-US" dirty="0" smtClean="0">
+                <a:latin typeface="Courier New" panose="02070309020205020404" pitchFamily="49" charset="0"/>
+                <a:cs typeface="Courier New" panose="02070309020205020404" pitchFamily="49" charset="0"/>
+              </a:rPr>
+              <a:t>   page</a:t>
+            </a:r>
+            <a:r>
+              <a:rPr lang="en-US" dirty="0">
+                <a:latin typeface="Courier New" panose="02070309020205020404" pitchFamily="49" charset="0"/>
+                <a:cs typeface="Courier New" panose="02070309020205020404" pitchFamily="49" charset="0"/>
+              </a:rPr>
+              <a:t>: </a:t>
+            </a:r>
+            <a:r>
+              <a:rPr lang="en-US" dirty="0" smtClean="0">
+                <a:latin typeface="Courier New" panose="02070309020205020404" pitchFamily="49" charset="0"/>
+                <a:cs typeface="Courier New" panose="02070309020205020404" pitchFamily="49" charset="0"/>
+              </a:rPr>
+              <a:t>true,</a:t>
+            </a:r>
+            <a:endParaRPr lang="en-US" dirty="0">
+              <a:latin typeface="Courier New" panose="02070309020205020404" pitchFamily="49" charset="0"/>
+              <a:cs typeface="Courier New" panose="02070309020205020404" pitchFamily="49" charset="0"/>
+            </a:endParaRPr>
+          </a:p>
+          <a:p>
+            <a:r>
+              <a:rPr lang="en-US" dirty="0" smtClean="0">
+                <a:latin typeface="Courier New" panose="02070309020205020404" pitchFamily="49" charset="0"/>
+                <a:cs typeface="Courier New" panose="02070309020205020404" pitchFamily="49" charset="0"/>
+              </a:rPr>
+              <a:t>   DOI</a:t>
+            </a:r>
+            <a:r>
+              <a:rPr lang="en-US" dirty="0">
+                <a:latin typeface="Courier New" panose="02070309020205020404" pitchFamily="49" charset="0"/>
+                <a:cs typeface="Courier New" panose="02070309020205020404" pitchFamily="49" charset="0"/>
+              </a:rPr>
+              <a:t>: false</a:t>
+            </a:r>
+          </a:p>
+          <a:p>
+            <a:r>
+              <a:rPr lang="en-US" dirty="0">
+                <a:latin typeface="Courier New" panose="02070309020205020404" pitchFamily="49" charset="0"/>
+                <a:cs typeface="Courier New" panose="02070309020205020404" pitchFamily="49" charset="0"/>
+              </a:rPr>
+              <a:t>)</a:t>
+            </a:r>
+          </a:p>
+          <a:p>
+            <a:r>
+              <a:rPr lang="en-US" dirty="0" smtClean="0">
+                <a:latin typeface="Courier New" panose="02070309020205020404" pitchFamily="49" charset="0"/>
+                <a:cs typeface="Courier New" panose="02070309020205020404" pitchFamily="49" charset="0"/>
+              </a:rPr>
+              <a:t>merge ()</a:t>
+            </a:r>
+          </a:p>
+          <a:p>
+            <a:endParaRPr lang="en-US" dirty="0">
+              <a:latin typeface="Courier New" panose="02070309020205020404" pitchFamily="49" charset="0"/>
+              <a:cs typeface="Courier New" panose="02070309020205020404" pitchFamily="49" charset="0"/>
+            </a:endParaRPr>
+          </a:p>
+          <a:p>
+            <a:r>
+              <a:rPr lang="en-US" dirty="0" err="1" smtClean="0">
+                <a:latin typeface="Courier New" panose="02070309020205020404" pitchFamily="49" charset="0"/>
+                <a:cs typeface="Courier New" panose="02070309020205020404" pitchFamily="49" charset="0"/>
+              </a:rPr>
+              <a:t>removeCR</a:t>
+            </a:r>
+            <a:r>
+              <a:rPr lang="en-US" dirty="0" smtClean="0">
+                <a:latin typeface="Courier New" panose="02070309020205020404" pitchFamily="49" charset="0"/>
+                <a:cs typeface="Courier New" panose="02070309020205020404" pitchFamily="49" charset="0"/>
+              </a:rPr>
+              <a:t> </a:t>
+            </a:r>
+            <a:r>
+              <a:rPr lang="en-US" dirty="0">
+                <a:latin typeface="Courier New" panose="02070309020205020404" pitchFamily="49" charset="0"/>
+                <a:cs typeface="Courier New" panose="02070309020205020404" pitchFamily="49" charset="0"/>
+              </a:rPr>
+              <a:t>(RPY: [0, 1995</a:t>
+            </a:r>
+            <a:r>
+              <a:rPr lang="en-US" dirty="0" smtClean="0">
+                <a:latin typeface="Courier New" panose="02070309020205020404" pitchFamily="49" charset="0"/>
+                <a:cs typeface="Courier New" panose="02070309020205020404" pitchFamily="49" charset="0"/>
+              </a:rPr>
+              <a:t>])</a:t>
+            </a:r>
+          </a:p>
+          <a:p>
+            <a:endParaRPr lang="en-US" dirty="0">
+              <a:latin typeface="Courier New" panose="02070309020205020404" pitchFamily="49" charset="0"/>
+              <a:cs typeface="Courier New" panose="02070309020205020404" pitchFamily="49" charset="0"/>
+            </a:endParaRPr>
+          </a:p>
+          <a:p>
+            <a:r>
+              <a:rPr lang="en-US" dirty="0" err="1">
+                <a:latin typeface="Courier New" panose="02070309020205020404" pitchFamily="49" charset="0"/>
+                <a:cs typeface="Courier New" panose="02070309020205020404" pitchFamily="49" charset="0"/>
+              </a:rPr>
+              <a:t>exportFile</a:t>
+            </a:r>
+            <a:r>
+              <a:rPr lang="en-US" dirty="0">
+                <a:latin typeface="Courier New" panose="02070309020205020404" pitchFamily="49" charset="0"/>
+                <a:cs typeface="Courier New" panose="02070309020205020404" pitchFamily="49" charset="0"/>
+              </a:rPr>
+              <a:t> (</a:t>
+            </a:r>
+          </a:p>
+          <a:p>
+            <a:r>
+              <a:rPr lang="en-US" dirty="0" smtClean="0">
+                <a:latin typeface="Courier New" panose="02070309020205020404" pitchFamily="49" charset="0"/>
+                <a:cs typeface="Courier New" panose="02070309020205020404" pitchFamily="49" charset="0"/>
+              </a:rPr>
+              <a:t>   file</a:t>
+            </a:r>
+            <a:r>
+              <a:rPr lang="en-US" dirty="0">
+                <a:latin typeface="Courier New" panose="02070309020205020404" pitchFamily="49" charset="0"/>
+                <a:cs typeface="Courier New" panose="02070309020205020404" pitchFamily="49" charset="0"/>
+              </a:rPr>
+              <a:t>: "E</a:t>
+            </a:r>
+            <a:r>
+              <a:rPr lang="en-US" dirty="0" smtClean="0">
+                <a:latin typeface="Courier New" panose="02070309020205020404" pitchFamily="49" charset="0"/>
+                <a:cs typeface="Courier New" panose="02070309020205020404" pitchFamily="49" charset="0"/>
+              </a:rPr>
+              <a:t>:/data/output.csv",</a:t>
+            </a:r>
+            <a:endParaRPr lang="en-US" dirty="0">
+              <a:latin typeface="Courier New" panose="02070309020205020404" pitchFamily="49" charset="0"/>
+              <a:cs typeface="Courier New" panose="02070309020205020404" pitchFamily="49" charset="0"/>
+            </a:endParaRPr>
+          </a:p>
+          <a:p>
+            <a:r>
+              <a:rPr lang="en-US" dirty="0" smtClean="0">
+                <a:latin typeface="Courier New" panose="02070309020205020404" pitchFamily="49" charset="0"/>
+                <a:cs typeface="Courier New" panose="02070309020205020404" pitchFamily="49" charset="0"/>
+              </a:rPr>
+              <a:t>   type</a:t>
+            </a:r>
+            <a:r>
+              <a:rPr lang="en-US" dirty="0">
+                <a:latin typeface="Courier New" panose="02070309020205020404" pitchFamily="49" charset="0"/>
+                <a:cs typeface="Courier New" panose="02070309020205020404" pitchFamily="49" charset="0"/>
+              </a:rPr>
+              <a:t>: "CSV_CR"</a:t>
+            </a:r>
+          </a:p>
+          <a:p>
+            <a:r>
+              <a:rPr lang="en-US" dirty="0">
+                <a:latin typeface="Courier New" panose="02070309020205020404" pitchFamily="49" charset="0"/>
+                <a:cs typeface="Courier New" panose="02070309020205020404" pitchFamily="49" charset="0"/>
+              </a:rPr>
+              <a:t>)</a:t>
+            </a:r>
+          </a:p>
+        </p:txBody>
+      </p:sp>
+      <p:sp>
+        <p:nvSpPr>
+          <p:cNvPr id="5" name="Rechteck 4"/>
+          <p:cNvSpPr/>
+          <p:nvPr/>
+        </p:nvSpPr>
+        <p:spPr>
+          <a:xfrm>
+            <a:off x="4667032" y="855172"/>
+            <a:ext cx="4427984" cy="5953844"/>
+          </a:xfrm>
+          <a:prstGeom prst="rect">
+            <a:avLst/>
+          </a:prstGeom>
+          <a:noFill/>
+        </p:spPr>
+        <p:style>
+          <a:lnRef idx="2">
+            <a:schemeClr val="accent1">
+              <a:shade val="50000"/>
+            </a:schemeClr>
+          </a:lnRef>
+          <a:fillRef idx="1">
+            <a:schemeClr val="accent1"/>
+          </a:fillRef>
+          <a:effectRef idx="0">
+            <a:schemeClr val="accent1"/>
+          </a:effectRef>
+          <a:fontRef idx="minor">
+            <a:schemeClr val="lt1"/>
+          </a:fontRef>
+        </p:style>
+        <p:txBody>
+          <a:bodyPr rtlCol="0" anchor="ctr"/>
+          <a:lstStyle/>
+          <a:p>
+            <a:pPr algn="ctr"/>
+            <a:endParaRPr lang="de-DE"/>
+          </a:p>
+        </p:txBody>
+      </p:sp>
+    </p:spTree>
+    <p:extLst>
+      <p:ext uri="{BB962C8B-B14F-4D97-AF65-F5344CB8AC3E}">
+        <p14:creationId xmlns:p14="http://schemas.microsoft.com/office/powerpoint/2010/main" val="2847749565"/>
+      </p:ext>
+    </p:extLst>
+  </p:cSld>
+  <p:clrMapOvr>
+    <a:masterClrMapping/>
+  </p:clrMapOvr>
+  <p:timing>
+    <p:tnLst>
+      <p:par>
+        <p:cTn id="1" dur="indefinite" restart="never" nodeType="tmRoot">
+          <p:childTnLst>
+            <p:seq concurrent="1" nextAc="seek">
+              <p:cTn id="2" dur="indefinite" nodeType="mainSeq">
+                <p:childTnLst>
+                  <p:par>
+                    <p:cTn id="3" fill="hold">
+                      <p:stCondLst>
+                        <p:cond delay="indefinite"/>
+                      </p:stCondLst>
+                      <p:childTnLst>
+                        <p:par>
+                          <p:cTn id="4" fill="hold">
+                            <p:stCondLst>
+                              <p:cond delay="0"/>
+                            </p:stCondLst>
+                            <p:childTnLst>
+                              <p:par>
+                                <p:cTn id="5" presetID="1" presetClass="entr" presetSubtype="0" fill="hold" grpId="0" nodeType="clickEffect">
+                                  <p:stCondLst>
+                                    <p:cond delay="0"/>
+                                  </p:stCondLst>
+                                  <p:childTnLst>
+                                    <p:set>
+                                      <p:cBhvr>
+                                        <p:cTn id="6" dur="1" fill="hold">
+                                          <p:stCondLst>
+                                            <p:cond delay="0"/>
+                                          </p:stCondLst>
+                                        </p:cTn>
+                                        <p:tgtEl>
+                                          <p:spTgt spid="5"/>
+                                        </p:tgtEl>
+                                        <p:attrNameLst>
+                                          <p:attrName>style.visibility</p:attrName>
+                                        </p:attrNameLst>
+                                      </p:cBhvr>
+                                      <p:to>
+                                        <p:strVal val="visible"/>
+                                      </p:to>
+                                    </p:set>
+                                  </p:childTnLst>
+                                </p:cTn>
+                              </p:par>
+                              <p:par>
+                                <p:cTn id="7" presetID="1" presetClass="entr" presetSubtype="0" fill="hold" nodeType="withEffect">
+                                  <p:stCondLst>
+                                    <p:cond delay="0"/>
+                                  </p:stCondLst>
+                                  <p:childTnLst>
+                                    <p:set>
+                                      <p:cBhvr>
+                                        <p:cTn id="8" dur="1" fill="hold">
+                                          <p:stCondLst>
+                                            <p:cond delay="0"/>
+                                          </p:stCondLst>
+                                        </p:cTn>
+                                        <p:tgtEl>
+                                          <p:spTgt spid="4">
+                                            <p:txEl>
+                                              <p:pRg st="0" end="0"/>
+                                            </p:txEl>
+                                          </p:spTgt>
+                                        </p:tgtEl>
+                                        <p:attrNameLst>
+                                          <p:attrName>style.visibility</p:attrName>
+                                        </p:attrNameLst>
+                                      </p:cBhvr>
+                                      <p:to>
+                                        <p:strVal val="visible"/>
+                                      </p:to>
+                                    </p:set>
+                                  </p:childTnLst>
+                                </p:cTn>
+                              </p:par>
+                              <p:par>
+                                <p:cTn id="9" presetID="1" presetClass="entr" presetSubtype="0" fill="hold" nodeType="withEffect">
+                                  <p:stCondLst>
+                                    <p:cond delay="0"/>
+                                  </p:stCondLst>
+                                  <p:childTnLst>
+                                    <p:set>
+                                      <p:cBhvr>
+                                        <p:cTn id="10" dur="1" fill="hold">
+                                          <p:stCondLst>
+                                            <p:cond delay="0"/>
+                                          </p:stCondLst>
+                                        </p:cTn>
+                                        <p:tgtEl>
+                                          <p:spTgt spid="4">
+                                            <p:txEl>
+                                              <p:pRg st="1" end="1"/>
+                                            </p:txEl>
+                                          </p:spTgt>
+                                        </p:tgtEl>
+                                        <p:attrNameLst>
+                                          <p:attrName>style.visibility</p:attrName>
+                                        </p:attrNameLst>
+                                      </p:cBhvr>
+                                      <p:to>
+                                        <p:strVal val="visible"/>
+                                      </p:to>
+                                    </p:set>
+                                  </p:childTnLst>
+                                </p:cTn>
+                              </p:par>
+                              <p:par>
+                                <p:cTn id="11" presetID="1" presetClass="entr" presetSubtype="0" fill="hold" nodeType="withEffect">
+                                  <p:stCondLst>
+                                    <p:cond delay="0"/>
+                                  </p:stCondLst>
+                                  <p:childTnLst>
+                                    <p:set>
+                                      <p:cBhvr>
+                                        <p:cTn id="12" dur="1" fill="hold">
+                                          <p:stCondLst>
+                                            <p:cond delay="0"/>
+                                          </p:stCondLst>
+                                        </p:cTn>
+                                        <p:tgtEl>
+                                          <p:spTgt spid="4">
+                                            <p:txEl>
+                                              <p:pRg st="2" end="2"/>
+                                            </p:txEl>
+                                          </p:spTgt>
+                                        </p:tgtEl>
+                                        <p:attrNameLst>
+                                          <p:attrName>style.visibility</p:attrName>
+                                        </p:attrNameLst>
+                                      </p:cBhvr>
+                                      <p:to>
+                                        <p:strVal val="visible"/>
+                                      </p:to>
+                                    </p:set>
+                                  </p:childTnLst>
+                                </p:cTn>
+                              </p:par>
+                              <p:par>
+                                <p:cTn id="13" presetID="1" presetClass="entr" presetSubtype="0" fill="hold" nodeType="withEffect">
+                                  <p:stCondLst>
+                                    <p:cond delay="0"/>
+                                  </p:stCondLst>
+                                  <p:childTnLst>
+                                    <p:set>
+                                      <p:cBhvr>
+                                        <p:cTn id="14" dur="1" fill="hold">
+                                          <p:stCondLst>
+                                            <p:cond delay="0"/>
+                                          </p:stCondLst>
+                                        </p:cTn>
+                                        <p:tgtEl>
+                                          <p:spTgt spid="4">
+                                            <p:txEl>
+                                              <p:pRg st="3" end="3"/>
+                                            </p:txEl>
+                                          </p:spTgt>
+                                        </p:tgtEl>
+                                        <p:attrNameLst>
+                                          <p:attrName>style.visibility</p:attrName>
+                                        </p:attrNameLst>
+                                      </p:cBhvr>
+                                      <p:to>
+                                        <p:strVal val="visible"/>
+                                      </p:to>
+                                    </p:set>
+                                  </p:childTnLst>
+                                </p:cTn>
+                              </p:par>
+                              <p:par>
+                                <p:cTn id="15" presetID="1" presetClass="entr" presetSubtype="0" fill="hold" nodeType="withEffect">
+                                  <p:stCondLst>
+                                    <p:cond delay="0"/>
+                                  </p:stCondLst>
+                                  <p:childTnLst>
+                                    <p:set>
+                                      <p:cBhvr>
+                                        <p:cTn id="16" dur="1" fill="hold">
+                                          <p:stCondLst>
+                                            <p:cond delay="0"/>
+                                          </p:stCondLst>
+                                        </p:cTn>
+                                        <p:tgtEl>
+                                          <p:spTgt spid="4">
+                                            <p:txEl>
+                                              <p:pRg st="4" end="4"/>
+                                            </p:txEl>
+                                          </p:spTgt>
+                                        </p:tgtEl>
+                                        <p:attrNameLst>
+                                          <p:attrName>style.visibility</p:attrName>
+                                        </p:attrNameLst>
+                                      </p:cBhvr>
+                                      <p:to>
+                                        <p:strVal val="visible"/>
+                                      </p:to>
+                                    </p:set>
+                                  </p:childTnLst>
+                                </p:cTn>
+                              </p:par>
+                              <p:par>
+                                <p:cTn id="17" presetID="1" presetClass="entr" presetSubtype="0" fill="hold" nodeType="withEffect">
+                                  <p:stCondLst>
+                                    <p:cond delay="0"/>
+                                  </p:stCondLst>
+                                  <p:childTnLst>
+                                    <p:set>
+                                      <p:cBhvr>
+                                        <p:cTn id="18" dur="1" fill="hold">
+                                          <p:stCondLst>
+                                            <p:cond delay="0"/>
+                                          </p:stCondLst>
+                                        </p:cTn>
+                                        <p:tgtEl>
+                                          <p:spTgt spid="4">
+                                            <p:txEl>
+                                              <p:pRg st="5" end="5"/>
+                                            </p:txEl>
+                                          </p:spTgt>
+                                        </p:tgtEl>
+                                        <p:attrNameLst>
+                                          <p:attrName>style.visibility</p:attrName>
+                                        </p:attrNameLst>
+                                      </p:cBhvr>
+                                      <p:to>
+                                        <p:strVal val="visible"/>
+                                      </p:to>
+                                    </p:set>
+                                  </p:childTnLst>
+                                </p:cTn>
+                              </p:par>
+                            </p:childTnLst>
+                          </p:cTn>
+                        </p:par>
+                      </p:childTnLst>
+                    </p:cTn>
+                  </p:par>
+                  <p:par>
+                    <p:cTn id="19" fill="hold">
+                      <p:stCondLst>
+                        <p:cond delay="indefinite"/>
+                      </p:stCondLst>
+                      <p:childTnLst>
+                        <p:par>
+                          <p:cTn id="20" fill="hold">
+                            <p:stCondLst>
+                              <p:cond delay="0"/>
+                            </p:stCondLst>
+                            <p:childTnLst>
+                              <p:par>
+                                <p:cTn id="21" presetID="1" presetClass="entr" presetSubtype="0" fill="hold" nodeType="clickEffect">
+                                  <p:stCondLst>
+                                    <p:cond delay="0"/>
+                                  </p:stCondLst>
+                                  <p:childTnLst>
+                                    <p:set>
+                                      <p:cBhvr>
+                                        <p:cTn id="22" dur="1" fill="hold">
+                                          <p:stCondLst>
+                                            <p:cond delay="0"/>
+                                          </p:stCondLst>
+                                        </p:cTn>
+                                        <p:tgtEl>
+                                          <p:spTgt spid="4">
+                                            <p:txEl>
+                                              <p:pRg st="7" end="7"/>
+                                            </p:txEl>
+                                          </p:spTgt>
+                                        </p:tgtEl>
+                                        <p:attrNameLst>
+                                          <p:attrName>style.visibility</p:attrName>
+                                        </p:attrNameLst>
+                                      </p:cBhvr>
+                                      <p:to>
+                                        <p:strVal val="visible"/>
+                                      </p:to>
+                                    </p:set>
+                                  </p:childTnLst>
+                                </p:cTn>
+                              </p:par>
+                              <p:par>
+                                <p:cTn id="23" presetID="1" presetClass="entr" presetSubtype="0" fill="hold" nodeType="withEffect">
+                                  <p:stCondLst>
+                                    <p:cond delay="0"/>
+                                  </p:stCondLst>
+                                  <p:childTnLst>
+                                    <p:set>
+                                      <p:cBhvr>
+                                        <p:cTn id="24" dur="1" fill="hold">
+                                          <p:stCondLst>
+                                            <p:cond delay="0"/>
+                                          </p:stCondLst>
+                                        </p:cTn>
+                                        <p:tgtEl>
+                                          <p:spTgt spid="4">
+                                            <p:txEl>
+                                              <p:pRg st="8" end="8"/>
+                                            </p:txEl>
+                                          </p:spTgt>
+                                        </p:tgtEl>
+                                        <p:attrNameLst>
+                                          <p:attrName>style.visibility</p:attrName>
+                                        </p:attrNameLst>
+                                      </p:cBhvr>
+                                      <p:to>
+                                        <p:strVal val="visible"/>
+                                      </p:to>
+                                    </p:set>
+                                  </p:childTnLst>
+                                </p:cTn>
+                              </p:par>
+                              <p:par>
+                                <p:cTn id="25" presetID="1" presetClass="entr" presetSubtype="0" fill="hold" nodeType="withEffect">
+                                  <p:stCondLst>
+                                    <p:cond delay="0"/>
+                                  </p:stCondLst>
+                                  <p:childTnLst>
+                                    <p:set>
+                                      <p:cBhvr>
+                                        <p:cTn id="26" dur="1" fill="hold">
+                                          <p:stCondLst>
+                                            <p:cond delay="0"/>
+                                          </p:stCondLst>
+                                        </p:cTn>
+                                        <p:tgtEl>
+                                          <p:spTgt spid="4">
+                                            <p:txEl>
+                                              <p:pRg st="9" end="9"/>
+                                            </p:txEl>
+                                          </p:spTgt>
+                                        </p:tgtEl>
+                                        <p:attrNameLst>
+                                          <p:attrName>style.visibility</p:attrName>
+                                        </p:attrNameLst>
+                                      </p:cBhvr>
+                                      <p:to>
+                                        <p:strVal val="visible"/>
+                                      </p:to>
+                                    </p:set>
+                                  </p:childTnLst>
+                                </p:cTn>
+                              </p:par>
+                              <p:par>
+                                <p:cTn id="27" presetID="1" presetClass="entr" presetSubtype="0" fill="hold" nodeType="withEffect">
+                                  <p:stCondLst>
+                                    <p:cond delay="0"/>
+                                  </p:stCondLst>
+                                  <p:childTnLst>
+                                    <p:set>
+                                      <p:cBhvr>
+                                        <p:cTn id="28" dur="1" fill="hold">
+                                          <p:stCondLst>
+                                            <p:cond delay="0"/>
+                                          </p:stCondLst>
+                                        </p:cTn>
+                                        <p:tgtEl>
+                                          <p:spTgt spid="4">
+                                            <p:txEl>
+                                              <p:pRg st="10" end="10"/>
+                                            </p:txEl>
+                                          </p:spTgt>
+                                        </p:tgtEl>
+                                        <p:attrNameLst>
+                                          <p:attrName>style.visibility</p:attrName>
+                                        </p:attrNameLst>
+                                      </p:cBhvr>
+                                      <p:to>
+                                        <p:strVal val="visible"/>
+                                      </p:to>
+                                    </p:set>
+                                  </p:childTnLst>
+                                </p:cTn>
+                              </p:par>
+                              <p:par>
+                                <p:cTn id="29" presetID="1" presetClass="entr" presetSubtype="0" fill="hold" nodeType="withEffect">
+                                  <p:stCondLst>
+                                    <p:cond delay="0"/>
+                                  </p:stCondLst>
+                                  <p:childTnLst>
+                                    <p:set>
+                                      <p:cBhvr>
+                                        <p:cTn id="30" dur="1" fill="hold">
+                                          <p:stCondLst>
+                                            <p:cond delay="0"/>
+                                          </p:stCondLst>
+                                        </p:cTn>
+                                        <p:tgtEl>
+                                          <p:spTgt spid="4">
+                                            <p:txEl>
+                                              <p:pRg st="11" end="11"/>
+                                            </p:txEl>
+                                          </p:spTgt>
+                                        </p:tgtEl>
+                                        <p:attrNameLst>
+                                          <p:attrName>style.visibility</p:attrName>
+                                        </p:attrNameLst>
+                                      </p:cBhvr>
+                                      <p:to>
+                                        <p:strVal val="visible"/>
+                                      </p:to>
+                                    </p:set>
+                                  </p:childTnLst>
+                                </p:cTn>
+                              </p:par>
+                              <p:par>
+                                <p:cTn id="31" presetID="1" presetClass="entr" presetSubtype="0" fill="hold" nodeType="withEffect">
+                                  <p:stCondLst>
+                                    <p:cond delay="0"/>
+                                  </p:stCondLst>
+                                  <p:childTnLst>
+                                    <p:set>
+                                      <p:cBhvr>
+                                        <p:cTn id="32" dur="1" fill="hold">
+                                          <p:stCondLst>
+                                            <p:cond delay="0"/>
+                                          </p:stCondLst>
+                                        </p:cTn>
+                                        <p:tgtEl>
+                                          <p:spTgt spid="4">
+                                            <p:txEl>
+                                              <p:pRg st="12" end="12"/>
+                                            </p:txEl>
+                                          </p:spTgt>
+                                        </p:tgtEl>
+                                        <p:attrNameLst>
+                                          <p:attrName>style.visibility</p:attrName>
+                                        </p:attrNameLst>
+                                      </p:cBhvr>
+                                      <p:to>
+                                        <p:strVal val="visible"/>
+                                      </p:to>
+                                    </p:set>
+                                  </p:childTnLst>
+                                </p:cTn>
+                              </p:par>
+                              <p:par>
+                                <p:cTn id="33" presetID="1" presetClass="entr" presetSubtype="0" fill="hold" nodeType="withEffect">
+                                  <p:stCondLst>
+                                    <p:cond delay="0"/>
+                                  </p:stCondLst>
+                                  <p:childTnLst>
+                                    <p:set>
+                                      <p:cBhvr>
+                                        <p:cTn id="34" dur="1" fill="hold">
+                                          <p:stCondLst>
+                                            <p:cond delay="0"/>
+                                          </p:stCondLst>
+                                        </p:cTn>
+                                        <p:tgtEl>
+                                          <p:spTgt spid="4">
+                                            <p:txEl>
+                                              <p:pRg st="13" end="13"/>
+                                            </p:txEl>
+                                          </p:spTgt>
+                                        </p:tgtEl>
+                                        <p:attrNameLst>
+                                          <p:attrName>style.visibility</p:attrName>
+                                        </p:attrNameLst>
+                                      </p:cBhvr>
+                                      <p:to>
+                                        <p:strVal val="visible"/>
+                                      </p:to>
+                                    </p:set>
+                                  </p:childTnLst>
+                                </p:cTn>
+                              </p:par>
+                            </p:childTnLst>
+                          </p:cTn>
+                        </p:par>
+                      </p:childTnLst>
+                    </p:cTn>
+                  </p:par>
+                  <p:par>
+                    <p:cTn id="35" fill="hold">
+                      <p:stCondLst>
+                        <p:cond delay="indefinite"/>
+                      </p:stCondLst>
+                      <p:childTnLst>
+                        <p:par>
+                          <p:cTn id="36" fill="hold">
+                            <p:stCondLst>
+                              <p:cond delay="0"/>
+                            </p:stCondLst>
+                            <p:childTnLst>
+                              <p:par>
+                                <p:cTn id="37" presetID="1" presetClass="entr" presetSubtype="0" fill="hold" nodeType="clickEffect">
+                                  <p:stCondLst>
+                                    <p:cond delay="0"/>
+                                  </p:stCondLst>
+                                  <p:childTnLst>
+                                    <p:set>
+                                      <p:cBhvr>
+                                        <p:cTn id="38" dur="1" fill="hold">
+                                          <p:stCondLst>
+                                            <p:cond delay="0"/>
+                                          </p:stCondLst>
+                                        </p:cTn>
+                                        <p:tgtEl>
+                                          <p:spTgt spid="4">
+                                            <p:txEl>
+                                              <p:pRg st="15" end="15"/>
+                                            </p:txEl>
+                                          </p:spTgt>
+                                        </p:tgtEl>
+                                        <p:attrNameLst>
+                                          <p:attrName>style.visibility</p:attrName>
+                                        </p:attrNameLst>
+                                      </p:cBhvr>
+                                      <p:to>
+                                        <p:strVal val="visible"/>
+                                      </p:to>
+                                    </p:set>
+                                  </p:childTnLst>
+                                </p:cTn>
+                              </p:par>
+                            </p:childTnLst>
+                          </p:cTn>
+                        </p:par>
+                      </p:childTnLst>
+                    </p:cTn>
+                  </p:par>
+                  <p:par>
+                    <p:cTn id="39" fill="hold">
+                      <p:stCondLst>
+                        <p:cond delay="indefinite"/>
+                      </p:stCondLst>
+                      <p:childTnLst>
+                        <p:par>
+                          <p:cTn id="40" fill="hold">
+                            <p:stCondLst>
+                              <p:cond delay="0"/>
+                            </p:stCondLst>
+                            <p:childTnLst>
+                              <p:par>
+                                <p:cTn id="41" presetID="1" presetClass="entr" presetSubtype="0" fill="hold" nodeType="clickEffect">
+                                  <p:stCondLst>
+                                    <p:cond delay="0"/>
+                                  </p:stCondLst>
+                                  <p:childTnLst>
+                                    <p:set>
+                                      <p:cBhvr>
+                                        <p:cTn id="42" dur="1" fill="hold">
+                                          <p:stCondLst>
+                                            <p:cond delay="0"/>
+                                          </p:stCondLst>
+                                        </p:cTn>
+                                        <p:tgtEl>
+                                          <p:spTgt spid="4">
+                                            <p:txEl>
+                                              <p:pRg st="17" end="17"/>
+                                            </p:txEl>
+                                          </p:spTgt>
+                                        </p:tgtEl>
+                                        <p:attrNameLst>
+                                          <p:attrName>style.visibility</p:attrName>
+                                        </p:attrNameLst>
+                                      </p:cBhvr>
+                                      <p:to>
+                                        <p:strVal val="visible"/>
+                                      </p:to>
+                                    </p:set>
+                                  </p:childTnLst>
+                                </p:cTn>
+                              </p:par>
+                              <p:par>
+                                <p:cTn id="43" presetID="1" presetClass="entr" presetSubtype="0" fill="hold" nodeType="withEffect">
+                                  <p:stCondLst>
+                                    <p:cond delay="0"/>
+                                  </p:stCondLst>
+                                  <p:childTnLst>
+                                    <p:set>
+                                      <p:cBhvr>
+                                        <p:cTn id="44" dur="1" fill="hold">
+                                          <p:stCondLst>
+                                            <p:cond delay="0"/>
+                                          </p:stCondLst>
+                                        </p:cTn>
+                                        <p:tgtEl>
+                                          <p:spTgt spid="4">
+                                            <p:txEl>
+                                              <p:pRg st="18" end="18"/>
+                                            </p:txEl>
+                                          </p:spTgt>
+                                        </p:tgtEl>
+                                        <p:attrNameLst>
+                                          <p:attrName>style.visibility</p:attrName>
+                                        </p:attrNameLst>
+                                      </p:cBhvr>
+                                      <p:to>
+                                        <p:strVal val="visible"/>
+                                      </p:to>
+                                    </p:set>
+                                  </p:childTnLst>
+                                </p:cTn>
+                              </p:par>
+                              <p:par>
+                                <p:cTn id="45" presetID="1" presetClass="entr" presetSubtype="0" fill="hold" nodeType="withEffect">
+                                  <p:stCondLst>
+                                    <p:cond delay="0"/>
+                                  </p:stCondLst>
+                                  <p:childTnLst>
+                                    <p:set>
+                                      <p:cBhvr>
+                                        <p:cTn id="46" dur="1" fill="hold">
+                                          <p:stCondLst>
+                                            <p:cond delay="0"/>
+                                          </p:stCondLst>
+                                        </p:cTn>
+                                        <p:tgtEl>
+                                          <p:spTgt spid="4">
+                                            <p:txEl>
+                                              <p:pRg st="19" end="19"/>
+                                            </p:txEl>
+                                          </p:spTgt>
+                                        </p:tgtEl>
+                                        <p:attrNameLst>
+                                          <p:attrName>style.visibility</p:attrName>
+                                        </p:attrNameLst>
+                                      </p:cBhvr>
+                                      <p:to>
+                                        <p:strVal val="visible"/>
+                                      </p:to>
+                                    </p:set>
+                                  </p:childTnLst>
+                                </p:cTn>
+                              </p:par>
+                              <p:par>
+                                <p:cTn id="47" presetID="1" presetClass="entr" presetSubtype="0" fill="hold" nodeType="withEffect">
+                                  <p:stCondLst>
+                                    <p:cond delay="0"/>
+                                  </p:stCondLst>
+                                  <p:childTnLst>
+                                    <p:set>
+                                      <p:cBhvr>
+                                        <p:cTn id="48" dur="1" fill="hold">
+                                          <p:stCondLst>
+                                            <p:cond delay="0"/>
+                                          </p:stCondLst>
+                                        </p:cTn>
+                                        <p:tgtEl>
+                                          <p:spTgt spid="4">
+                                            <p:txEl>
+                                              <p:pRg st="20" end="20"/>
+                                            </p:txEl>
+                                          </p:spTgt>
+                                        </p:tgtEl>
+                                        <p:attrNameLst>
+                                          <p:attrName>style.visibility</p:attrName>
+                                        </p:attrNameLst>
+                                      </p:cBhvr>
+                                      <p:to>
+                                        <p:strVal val="visible"/>
+                                      </p:to>
+                                    </p:set>
+                                  </p:childTnLst>
+                                </p:cTn>
+                              </p:par>
+                            </p:childTnLst>
+                          </p:cTn>
+                        </p:par>
+                      </p:childTnLst>
+                    </p:cTn>
+                  </p:par>
+                  <p:par>
+                    <p:cTn id="49" fill="hold">
+                      <p:stCondLst>
+                        <p:cond delay="indefinite"/>
+                      </p:stCondLst>
+                      <p:childTnLst>
+                        <p:par>
+                          <p:cTn id="50" fill="hold">
+                            <p:stCondLst>
+                              <p:cond delay="0"/>
+                            </p:stCondLst>
+                            <p:childTnLst>
+                              <p:par>
+                                <p:cTn id="51" presetID="1" presetClass="entr" presetSubtype="0" fill="hold" nodeType="clickEffect">
+                                  <p:stCondLst>
+                                    <p:cond delay="0"/>
+                                  </p:stCondLst>
+                                  <p:childTnLst>
+                                    <p:set>
+                                      <p:cBhvr>
+                                        <p:cTn id="52" dur="1" fill="hold">
+                                          <p:stCondLst>
+                                            <p:cond delay="0"/>
+                                          </p:stCondLst>
+                                        </p:cTn>
+                                        <p:tgtEl>
+                                          <p:spTgt spid="3">
+                                            <p:txEl>
+                                              <p:pRg st="4" end="4"/>
+                                            </p:txEl>
+                                          </p:spTgt>
+                                        </p:tgtEl>
+                                        <p:attrNameLst>
+                                          <p:attrName>style.visibility</p:attrName>
+                                        </p:attrNameLst>
+                                      </p:cBhvr>
+                                      <p:to>
+                                        <p:strVal val="visible"/>
+                                      </p:to>
+                                    </p:set>
+                                  </p:childTnLst>
+                                </p:cTn>
+                              </p:par>
+                              <p:par>
+                                <p:cTn id="53" presetID="1" presetClass="entr" presetSubtype="0" fill="hold" nodeType="withEffect">
+                                  <p:stCondLst>
+                                    <p:cond delay="0"/>
+                                  </p:stCondLst>
+                                  <p:childTnLst>
+                                    <p:set>
+                                      <p:cBhvr>
+                                        <p:cTn id="54" dur="1" fill="hold">
+                                          <p:stCondLst>
+                                            <p:cond delay="0"/>
+                                          </p:stCondLst>
+                                        </p:cTn>
+                                        <p:tgtEl>
+                                          <p:spTgt spid="3">
+                                            <p:txEl>
+                                              <p:pRg st="5" end="5"/>
+                                            </p:txEl>
+                                          </p:spTgt>
+                                        </p:tgtEl>
+                                        <p:attrNameLst>
+                                          <p:attrName>style.visibility</p:attrName>
+                                        </p:attrNameLst>
+                                      </p:cBhvr>
+                                      <p:to>
+                                        <p:strVal val="visible"/>
+                                      </p:to>
+                                    </p:set>
+                                  </p:childTnLst>
+                                </p:cTn>
+                              </p:par>
+                              <p:par>
+                                <p:cTn id="55" presetID="1" presetClass="entr" presetSubtype="0" fill="hold" nodeType="withEffect">
+                                  <p:stCondLst>
+                                    <p:cond delay="0"/>
+                                  </p:stCondLst>
+                                  <p:childTnLst>
+                                    <p:set>
+                                      <p:cBhvr>
+                                        <p:cTn id="56" dur="1" fill="hold">
+                                          <p:stCondLst>
+                                            <p:cond delay="0"/>
+                                          </p:stCondLst>
+                                        </p:cTn>
+                                        <p:tgtEl>
+                                          <p:spTgt spid="3">
+                                            <p:txEl>
+                                              <p:pRg st="6" end="6"/>
+                                            </p:txEl>
+                                          </p:spTgt>
+                                        </p:tgtEl>
+                                        <p:attrNameLst>
+                                          <p:attrName>style.visibility</p:attrName>
+                                        </p:attrNameLst>
+                                      </p:cBhvr>
+                                      <p:to>
+                                        <p:strVal val="visible"/>
+                                      </p:to>
+                                    </p:set>
+                                  </p:childTnLst>
+                                </p:cTn>
+                              </p:par>
+                            </p:childTnLst>
+                          </p:cTn>
+                        </p:par>
+                      </p:childTnLst>
+                    </p:cTn>
+                  </p:par>
+                </p:childTnLst>
+              </p:cTn>
+              <p:prevCondLst>
+                <p:cond evt="onPrev" delay="0">
+                  <p:tgtEl>
+                    <p:sldTgt/>
+                  </p:tgtEl>
+                </p:cond>
+              </p:prevCondLst>
+              <p:nextCondLst>
+                <p:cond evt="onNext" delay="0">
+                  <p:tgtEl>
+                    <p:sldTgt/>
+                  </p:tgtEl>
+                </p:cond>
+              </p:nextCondLst>
+            </p:seq>
+          </p:childTnLst>
+        </p:cTn>
+      </p:par>
+    </p:tnLst>
+    <p:bldLst>
+      <p:bldP spid="5" grpId="0" animBg="1"/>
+    </p:bldLst>
+  </p:timing>
+</p:sld>
+</file>
+
+<file path=ppt/slides/slide19.xml><?xml version="1.0" encoding="utf-8"?>
+<p:sld xmlns:a="http://schemas.openxmlformats.org/drawingml/2006/main" xmlns:r="http://schemas.openxmlformats.org/officeDocument/2006/relationships" xmlns:p="http://schemas.openxmlformats.org/presentationml/2006/main">
+  <p:cSld>
+    <p:spTree>
+      <p:nvGrpSpPr>
+        <p:cNvPr id="1" name=""/>
+        <p:cNvGrpSpPr/>
+        <p:nvPr/>
+      </p:nvGrpSpPr>
+      <p:grpSpPr>
+        <a:xfrm>
+          <a:off x="0" y="0"/>
+          <a:ext cx="0" cy="0"/>
+          <a:chOff x="0" y="0"/>
+          <a:chExt cx="0" cy="0"/>
+        </a:xfrm>
+      </p:grpSpPr>
+      <p:sp>
+        <p:nvSpPr>
+          <p:cNvPr id="2" name="Titel 1"/>
+          <p:cNvSpPr>
+            <a:spLocks noGrp="1"/>
+          </p:cNvSpPr>
+          <p:nvPr>
+            <p:ph type="title"/>
+          </p:nvPr>
+        </p:nvSpPr>
+        <p:spPr/>
+        <p:txBody>
+          <a:bodyPr/>
+          <a:lstStyle/>
+          <a:p>
+            <a:endParaRPr lang="de-DE"/>
+          </a:p>
+        </p:txBody>
+      </p:sp>
+      <p:sp>
+        <p:nvSpPr>
+          <p:cNvPr id="3" name="Inhaltsplatzhalter 2"/>
+          <p:cNvSpPr>
+            <a:spLocks noGrp="1"/>
+          </p:cNvSpPr>
+          <p:nvPr>
+            <p:ph idx="1"/>
+          </p:nvPr>
+        </p:nvSpPr>
+        <p:spPr/>
+        <p:txBody>
+          <a:bodyPr/>
+          <a:lstStyle/>
+          <a:p>
+            <a:endParaRPr lang="de-DE" dirty="0"/>
+          </a:p>
+        </p:txBody>
+      </p:sp>
+      <p:grpSp>
+        <p:nvGrpSpPr>
+          <p:cNvPr id="6" name="Gruppieren 5"/>
+          <p:cNvGrpSpPr/>
+          <p:nvPr/>
+        </p:nvGrpSpPr>
+        <p:grpSpPr>
+          <a:xfrm>
+            <a:off x="6400800" y="4114800"/>
+            <a:ext cx="2743200" cy="2743200"/>
+            <a:chOff x="6400800" y="4114800"/>
+            <a:chExt cx="2743200" cy="2743200"/>
+          </a:xfrm>
+        </p:grpSpPr>
+        <p:sp>
+          <p:nvSpPr>
+            <p:cNvPr id="4" name="Rechtwinkliges Dreieck 3"/>
+            <p:cNvSpPr/>
+            <p:nvPr/>
+          </p:nvSpPr>
+          <p:spPr>
+            <a:xfrm rot="16200000">
+              <a:off x="6400800" y="4114800"/>
+              <a:ext cx="2743200" cy="2743200"/>
+            </a:xfrm>
+            <a:prstGeom prst="rtTriangle">
+              <a:avLst/>
+            </a:prstGeom>
+            <a:ln>
+              <a:noFill/>
+            </a:ln>
+          </p:spPr>
+          <p:style>
+            <a:lnRef idx="2">
+              <a:schemeClr val="accent1">
+                <a:shade val="50000"/>
+              </a:schemeClr>
+            </a:lnRef>
+            <a:fillRef idx="1">
+              <a:schemeClr val="accent1"/>
+            </a:fillRef>
+            <a:effectRef idx="0">
+              <a:schemeClr val="accent1"/>
+            </a:effectRef>
+            <a:fontRef idx="minor">
+              <a:schemeClr val="lt1"/>
+            </a:fontRef>
+          </p:style>
+          <p:txBody>
+            <a:bodyPr rtlCol="0" anchor="ctr"/>
+            <a:lstStyle/>
+            <a:p>
+              <a:pPr algn="ctr"/>
+              <a:endParaRPr lang="de-DE"/>
+            </a:p>
+          </p:txBody>
+        </p:sp>
+        <p:sp>
+          <p:nvSpPr>
+            <p:cNvPr id="5" name="Textfeld 4"/>
+            <p:cNvSpPr txBox="1"/>
+            <p:nvPr/>
+          </p:nvSpPr>
+          <p:spPr>
+            <a:xfrm rot="-2700000">
+              <a:off x="7229560" y="5605922"/>
+              <a:ext cx="1847942" cy="523220"/>
+            </a:xfrm>
+            <a:prstGeom prst="rect">
+              <a:avLst/>
+            </a:prstGeom>
+            <a:noFill/>
+          </p:spPr>
+          <p:txBody>
+            <a:bodyPr wrap="none" rtlCol="0">
+              <a:spAutoFit/>
+            </a:bodyPr>
+            <a:lstStyle/>
+            <a:p>
+              <a:r>
+                <a:rPr lang="de-DE" sz="2800" b="1" dirty="0" err="1" smtClean="0">
+                  <a:solidFill>
+                    <a:schemeClr val="bg1"/>
+                  </a:solidFill>
+                </a:rPr>
+                <a:t>Thank</a:t>
+              </a:r>
+              <a:r>
+                <a:rPr lang="de-DE" sz="2800" b="1" dirty="0" smtClean="0">
+                  <a:solidFill>
+                    <a:schemeClr val="bg1"/>
+                  </a:solidFill>
+                </a:rPr>
+                <a:t> </a:t>
+              </a:r>
+              <a:r>
+                <a:rPr lang="de-DE" sz="2800" b="1" dirty="0" err="1" smtClean="0">
+                  <a:solidFill>
+                    <a:schemeClr val="bg1"/>
+                  </a:solidFill>
+                </a:rPr>
+                <a:t>you</a:t>
+              </a:r>
+              <a:r>
+                <a:rPr lang="de-DE" sz="2800" b="1" dirty="0" smtClean="0">
+                  <a:solidFill>
+                    <a:schemeClr val="bg1"/>
+                  </a:solidFill>
+                </a:rPr>
+                <a:t>!</a:t>
+              </a:r>
+              <a:endParaRPr lang="de-DE" sz="2800" b="1" dirty="0">
+                <a:solidFill>
+                  <a:schemeClr val="bg1"/>
+                </a:solidFill>
+              </a:endParaRPr>
+            </a:p>
+          </p:txBody>
+        </p:sp>
+      </p:grpSp>
+    </p:spTree>
+    <p:extLst>
+      <p:ext uri="{BB962C8B-B14F-4D97-AF65-F5344CB8AC3E}">
+        <p14:creationId xmlns:p14="http://schemas.microsoft.com/office/powerpoint/2010/main" val="1222564862"/>
+      </p:ext>
+    </p:extLst>
+  </p:cSld>
+  <p:clrMapOvr>
+    <a:masterClrMapping/>
+  </p:clrMapOvr>
+  <p:timing>
+    <p:tnLst>
+      <p:par>
+        <p:cTn id="1" dur="indefinite" restart="never" nodeType="tmRoot">
+          <p:childTnLst>
+            <p:seq concurrent="1" nextAc="seek">
+              <p:cTn id="2" dur="indefinite" nodeType="mainSeq">
+                <p:childTnLst>
+                  <p:par>
+                    <p:cTn id="3" fill="hold">
+                      <p:stCondLst>
+                        <p:cond delay="indefinite"/>
+                      </p:stCondLst>
+                      <p:childTnLst>
+                        <p:par>
+                          <p:cTn id="4" fill="hold">
+                            <p:stCondLst>
+                              <p:cond delay="0"/>
+                            </p:stCondLst>
+                            <p:childTnLst>
+                              <p:par>
+                                <p:cTn id="5" presetID="1" presetClass="entr" presetSubtype="0" fill="hold" nodeType="clickEffect">
+                                  <p:stCondLst>
+                                    <p:cond delay="0"/>
+                                  </p:stCondLst>
+                                  <p:childTnLst>
+                                    <p:set>
+                                      <p:cBhvr>
+                                        <p:cTn id="6" dur="1" fill="hold">
+                                          <p:stCondLst>
+                                            <p:cond delay="0"/>
+                                          </p:stCondLst>
+                                        </p:cTn>
+                                        <p:tgtEl>
+                                          <p:spTgt spid="6"/>
+                                        </p:tgtEl>
+                                        <p:attrNameLst>
+                                          <p:attrName>style.visibility</p:attrName>
+                                        </p:attrNameLst>
+                                      </p:cBhvr>
+                                      <p:to>
+                                        <p:strVal val="visible"/>
+                                      </p:to>
+                                    </p:set>
+                                  </p:childTnLst>
+                                </p:cTn>
+                              </p:par>
+                            </p:childTnLst>
+                          </p:cTn>
+                        </p:par>
+                      </p:childTnLst>
+                    </p:cTn>
+                  </p:par>
+                </p:childTnLst>
+              </p:cTn>
+              <p:prevCondLst>
+                <p:cond evt="onPrev" delay="0">
+                  <p:tgtEl>
+                    <p:sldTgt/>
+                  </p:tgtEl>
+                </p:cond>
+              </p:prevCondLst>
+              <p:nextCondLst>
+                <p:cond evt="onNext" delay="0">
+                  <p:tgtEl>
+                    <p:sldTgt/>
+                  </p:tgtEl>
+                </p:cond>
+              </p:nextCondLst>
+            </p:seq>
+          </p:childTnLst>
+        </p:cTn>
       </p:par>
     </p:tnLst>
   </p:timing>
@@ -12523,11 +15971,7 @@
           <a:bodyPr/>
           <a:lstStyle/>
           <a:p>
-            <a:r>
-              <a:rPr lang="de-DE" dirty="0" smtClean="0"/>
-              <a:t>Agenda</a:t>
-            </a:r>
-            <a:endParaRPr lang="de-DE" dirty="0"/>
+            <a:endParaRPr lang="de-DE"/>
           </a:p>
         </p:txBody>
       </p:sp>
@@ -12547,83 +15991,79 @@
           <a:lstStyle/>
           <a:p>
             <a:r>
-              <a:rPr lang="de-DE" dirty="0" smtClean="0"/>
-              <a:t>Workflow</a:t>
-            </a:r>
-          </a:p>
-          <a:p>
-            <a:r>
-              <a:rPr lang="de-DE" dirty="0" err="1" smtClean="0"/>
-              <a:t>Pre</a:t>
-            </a:r>
-            <a:r>
-              <a:rPr lang="de-DE" dirty="0" smtClean="0"/>
-              <a:t>-Processing</a:t>
-            </a:r>
-          </a:p>
-          <a:p>
-            <a:pPr lvl="1"/>
-            <a:r>
-              <a:rPr lang="de-DE" dirty="0" err="1" smtClean="0"/>
-              <a:t>Deduplication</a:t>
-            </a:r>
-            <a:endParaRPr lang="de-DE" dirty="0" smtClean="0"/>
-          </a:p>
-          <a:p>
+              <a:rPr lang="en-US" dirty="0"/>
+              <a:t>What are the most important publications in a research field? On which shoulders does the </a:t>
+            </a:r>
+            <a:r>
+              <a:rPr lang="en-US" dirty="0" smtClean="0"/>
+              <a:t>research stand</a:t>
+            </a:r>
+            <a:r>
+              <a:rPr lang="en-US" dirty="0"/>
+              <a:t>? </a:t>
+            </a:r>
             <a:endParaRPr lang="en-US" dirty="0" smtClean="0"/>
           </a:p>
           <a:p>
+            <a:endParaRPr lang="en-US" dirty="0"/>
+          </a:p>
+          <a:p>
+            <a:r>
+              <a:rPr lang="en-US" dirty="0"/>
+              <a:t>In this study, we propose methods—based on Cited References Analysis (CRA) </a:t>
+            </a:r>
             <a:r>
               <a:rPr lang="en-US" dirty="0" smtClean="0"/>
-              <a:t>Reference </a:t>
+              <a:t>and Reference </a:t>
             </a:r>
             <a:r>
               <a:rPr lang="en-US" dirty="0"/>
-              <a:t>Publication Year Spectroscopy (RPYS</a:t>
+              <a:t>Publication Year Spectroscopy (RPYS)—to identify those publications in </a:t>
             </a:r>
             <a:r>
               <a:rPr lang="en-US" dirty="0" smtClean="0"/>
-              <a:t>)</a:t>
-            </a:r>
-          </a:p>
-          <a:p>
-            <a:r>
-              <a:rPr lang="de-DE" dirty="0" err="1" smtClean="0"/>
-              <a:t>Indicators</a:t>
-            </a:r>
-            <a:endParaRPr lang="de-DE" dirty="0" smtClean="0"/>
-          </a:p>
-          <a:p>
-            <a:pPr lvl="1"/>
-            <a:r>
-              <a:rPr lang="de-DE" dirty="0" smtClean="0"/>
-              <a:t>TOP-N</a:t>
-            </a:r>
-          </a:p>
-          <a:p>
-            <a:pPr lvl="1"/>
-            <a:r>
-              <a:rPr lang="de-DE" dirty="0" err="1" smtClean="0"/>
-              <a:t>Sequence</a:t>
-            </a:r>
-            <a:endParaRPr lang="de-DE" dirty="0" smtClean="0"/>
-          </a:p>
-          <a:p>
-            <a:pPr lvl="1"/>
-            <a:endParaRPr lang="de-DE" dirty="0"/>
-          </a:p>
-          <a:p>
-            <a:r>
-              <a:rPr lang="de-DE" dirty="0" smtClean="0"/>
-              <a:t>Script-</a:t>
-            </a:r>
-            <a:r>
-              <a:rPr lang="de-DE" dirty="0" err="1" smtClean="0"/>
-              <a:t>based</a:t>
-            </a:r>
-            <a:r>
-              <a:rPr lang="de-DE" dirty="0" smtClean="0"/>
-              <a:t> Automation</a:t>
+              <a:t>a research </a:t>
+            </a:r>
+            <a:r>
+              <a:rPr lang="en-US" dirty="0"/>
+              <a:t>ﬁeld or on a speciﬁc topic which have been inﬂuential over many </a:t>
+            </a:r>
+            <a:r>
+              <a:rPr lang="en-US" dirty="0" smtClean="0"/>
+              <a:t>years </a:t>
+            </a:r>
+            <a:r>
+              <a:rPr lang="en-US" dirty="0"/>
+              <a:t>in the past</a:t>
+            </a:r>
+            <a:r>
+              <a:rPr lang="en-US" dirty="0" smtClean="0"/>
+              <a:t>.</a:t>
+            </a:r>
+          </a:p>
+          <a:p>
+            <a:endParaRPr lang="en-US" dirty="0"/>
+          </a:p>
+          <a:p>
+            <a:r>
+              <a:rPr lang="en-US" dirty="0"/>
+              <a:t>identify those </a:t>
+            </a:r>
+            <a:r>
+              <a:rPr lang="en-US" dirty="0" smtClean="0"/>
+              <a:t>publications (</a:t>
+            </a:r>
+            <a:r>
+              <a:rPr lang="en-US" dirty="0"/>
+              <a:t>papers, books, reports etc.), which were highly cited over a longer time period or at </a:t>
+            </a:r>
+            <a:r>
+              <a:rPr lang="en-US" dirty="0" smtClean="0"/>
+              <a:t>certain time </a:t>
+            </a:r>
+            <a:r>
+              <a:rPr lang="en-US" dirty="0"/>
+              <a:t>points (shortly or several years after publication). </a:t>
             </a:r>
             <a:endParaRPr lang="de-DE" dirty="0"/>
           </a:p>
@@ -12632,20 +16072,13 @@
     </p:spTree>
     <p:extLst>
       <p:ext uri="{BB962C8B-B14F-4D97-AF65-F5344CB8AC3E}">
-        <p14:creationId xmlns:p14="http://schemas.microsoft.com/office/powerpoint/2010/main" val="3439571606"/>
+        <p14:creationId xmlns:p14="http://schemas.microsoft.com/office/powerpoint/2010/main" val="762279950"/>
       </p:ext>
     </p:extLst>
   </p:cSld>
   <p:clrMapOvr>
     <a:masterClrMapping/>
   </p:clrMapOvr>
-  <p:timing>
-    <p:tnLst>
-      <p:par>
-        <p:cTn id="1" dur="indefinite" restart="never" nodeType="tmRoot"/>
-      </p:par>
-    </p:tnLst>
-  </p:timing>
 </p:sld>
 </file>
 
@@ -12682,14 +16115,10 @@
           <a:lstStyle/>
           <a:p>
             <a:r>
-              <a:rPr lang="en-US" noProof="0" dirty="0" err="1" smtClean="0"/>
-              <a:t>CRExplorer</a:t>
-            </a:r>
-            <a:r>
-              <a:rPr lang="en-US" noProof="0" dirty="0" smtClean="0"/>
-              <a:t>: Overview</a:t>
-            </a:r>
-            <a:endParaRPr lang="en-US" noProof="0" dirty="0"/>
+              <a:rPr lang="de-DE" dirty="0" smtClean="0"/>
+              <a:t>Agenda</a:t>
+            </a:r>
+            <a:endParaRPr lang="de-DE" dirty="0"/>
           </a:p>
         </p:txBody>
       </p:sp>
@@ -12708,6 +16137,85 @@
           <a:bodyPr/>
           <a:lstStyle/>
           <a:p>
+            <a:r>
+              <a:rPr lang="de-DE" dirty="0" smtClean="0"/>
+              <a:t>Workflow</a:t>
+            </a:r>
+          </a:p>
+          <a:p>
+            <a:r>
+              <a:rPr lang="de-DE" dirty="0" err="1" smtClean="0"/>
+              <a:t>Pre</a:t>
+            </a:r>
+            <a:r>
+              <a:rPr lang="de-DE" dirty="0" smtClean="0"/>
+              <a:t>-Processing</a:t>
+            </a:r>
+          </a:p>
+          <a:p>
+            <a:pPr lvl="1"/>
+            <a:r>
+              <a:rPr lang="de-DE" dirty="0" err="1" smtClean="0"/>
+              <a:t>Deduplication</a:t>
+            </a:r>
+            <a:endParaRPr lang="de-DE" dirty="0" smtClean="0"/>
+          </a:p>
+          <a:p>
+            <a:endParaRPr lang="en-US" dirty="0" smtClean="0"/>
+          </a:p>
+          <a:p>
+            <a:r>
+              <a:rPr lang="en-US" dirty="0" smtClean="0"/>
+              <a:t>Reference </a:t>
+            </a:r>
+            <a:r>
+              <a:rPr lang="en-US" dirty="0"/>
+              <a:t>Publication Year Spectroscopy (RPYS</a:t>
+            </a:r>
+            <a:r>
+              <a:rPr lang="en-US" dirty="0" smtClean="0"/>
+              <a:t>)</a:t>
+            </a:r>
+          </a:p>
+          <a:p>
+            <a:r>
+              <a:rPr lang="de-DE" dirty="0" err="1" smtClean="0"/>
+              <a:t>Indicators</a:t>
+            </a:r>
+            <a:endParaRPr lang="de-DE" dirty="0" smtClean="0"/>
+          </a:p>
+          <a:p>
+            <a:pPr lvl="1"/>
+            <a:r>
+              <a:rPr lang="de-DE" dirty="0" smtClean="0"/>
+              <a:t>TOP-N</a:t>
+            </a:r>
+          </a:p>
+          <a:p>
+            <a:pPr lvl="1"/>
+            <a:r>
+              <a:rPr lang="de-DE" dirty="0" err="1" smtClean="0"/>
+              <a:t>Sequence</a:t>
+            </a:r>
+            <a:endParaRPr lang="de-DE" dirty="0" smtClean="0"/>
+          </a:p>
+          <a:p>
+            <a:pPr lvl="1"/>
+            <a:endParaRPr lang="de-DE" dirty="0"/>
+          </a:p>
+          <a:p>
+            <a:r>
+              <a:rPr lang="de-DE" dirty="0" smtClean="0"/>
+              <a:t>Script-</a:t>
+            </a:r>
+            <a:r>
+              <a:rPr lang="de-DE" dirty="0" err="1" smtClean="0"/>
+              <a:t>based</a:t>
+            </a:r>
+            <a:r>
+              <a:rPr lang="de-DE" dirty="0" smtClean="0"/>
+              <a:t> Automation</a:t>
+            </a:r>
             <a:endParaRPr lang="de-DE" dirty="0"/>
           </a:p>
         </p:txBody>
@@ -12715,7 +16223,7 @@
     </p:spTree>
     <p:extLst>
       <p:ext uri="{BB962C8B-B14F-4D97-AF65-F5344CB8AC3E}">
-        <p14:creationId xmlns:p14="http://schemas.microsoft.com/office/powerpoint/2010/main" val="1039549212"/>
+        <p14:creationId xmlns:p14="http://schemas.microsoft.com/office/powerpoint/2010/main" val="3439571606"/>
       </p:ext>
     </p:extLst>
   </p:cSld>
@@ -12749,6 +16257,244 @@
           <a:chExt cx="0" cy="0"/>
         </a:xfrm>
       </p:grpSpPr>
+      <p:sp>
+        <p:nvSpPr>
+          <p:cNvPr id="2" name="Titel 1"/>
+          <p:cNvSpPr>
+            <a:spLocks noGrp="1"/>
+          </p:cNvSpPr>
+          <p:nvPr>
+            <p:ph type="title"/>
+          </p:nvPr>
+        </p:nvSpPr>
+        <p:spPr/>
+        <p:txBody>
+          <a:bodyPr/>
+          <a:lstStyle/>
+          <a:p>
+            <a:r>
+              <a:rPr lang="en-US" noProof="0" dirty="0" err="1" smtClean="0"/>
+              <a:t>CRExplorer</a:t>
+            </a:r>
+            <a:r>
+              <a:rPr lang="en-US" noProof="0" dirty="0" smtClean="0"/>
+              <a:t>: Overview</a:t>
+            </a:r>
+            <a:endParaRPr lang="en-US" noProof="0" dirty="0"/>
+          </a:p>
+        </p:txBody>
+      </p:sp>
+      <p:sp>
+        <p:nvSpPr>
+          <p:cNvPr id="3" name="Inhaltsplatzhalter 2"/>
+          <p:cNvSpPr>
+            <a:spLocks noGrp="1"/>
+          </p:cNvSpPr>
+          <p:nvPr>
+            <p:ph idx="1"/>
+          </p:nvPr>
+        </p:nvSpPr>
+        <p:spPr/>
+        <p:txBody>
+          <a:bodyPr/>
+          <a:lstStyle/>
+          <a:p>
+            <a:endParaRPr lang="de-DE" dirty="0"/>
+          </a:p>
+        </p:txBody>
+      </p:sp>
+    </p:spTree>
+    <p:extLst>
+      <p:ext uri="{BB962C8B-B14F-4D97-AF65-F5344CB8AC3E}">
+        <p14:creationId xmlns:p14="http://schemas.microsoft.com/office/powerpoint/2010/main" val="1039549212"/>
+      </p:ext>
+    </p:extLst>
+  </p:cSld>
+  <p:clrMapOvr>
+    <a:masterClrMapping/>
+  </p:clrMapOvr>
+  <p:timing>
+    <p:tnLst>
+      <p:par>
+        <p:cTn id="1" dur="indefinite" restart="never" nodeType="tmRoot"/>
+      </p:par>
+    </p:tnLst>
+  </p:timing>
+</p:sld>
+</file>
+
+<file path=ppt/slides/slide5.xml><?xml version="1.0" encoding="utf-8"?>
+<p:sld xmlns:a="http://schemas.openxmlformats.org/drawingml/2006/main" xmlns:r="http://schemas.openxmlformats.org/officeDocument/2006/relationships" xmlns:p="http://schemas.openxmlformats.org/presentationml/2006/main">
+  <p:cSld>
+    <p:spTree>
+      <p:nvGrpSpPr>
+        <p:cNvPr id="1" name=""/>
+        <p:cNvGrpSpPr/>
+        <p:nvPr/>
+      </p:nvGrpSpPr>
+      <p:grpSpPr>
+        <a:xfrm>
+          <a:off x="0" y="0"/>
+          <a:ext cx="0" cy="0"/>
+          <a:chOff x="0" y="0"/>
+          <a:chExt cx="0" cy="0"/>
+        </a:xfrm>
+      </p:grpSpPr>
+      <p:grpSp>
+        <p:nvGrpSpPr>
+          <p:cNvPr id="30" name="Gruppieren 29"/>
+          <p:cNvGrpSpPr/>
+          <p:nvPr/>
+        </p:nvGrpSpPr>
+        <p:grpSpPr>
+          <a:xfrm>
+            <a:off x="650892" y="703993"/>
+            <a:ext cx="1748770" cy="1330698"/>
+            <a:chOff x="2938597" y="837537"/>
+            <a:chExt cx="1748770" cy="1330698"/>
+          </a:xfrm>
+        </p:grpSpPr>
+        <p:pic>
+          <p:nvPicPr>
+            <p:cNvPr id="9" name="Grafik 8"/>
+            <p:cNvPicPr>
+              <a:picLocks noChangeAspect="1"/>
+            </p:cNvPicPr>
+            <p:nvPr/>
+          </p:nvPicPr>
+          <p:blipFill>
+            <a:blip r:embed="rId2">
+              <a:extLst>
+                <a:ext uri="{28A0092B-C50C-407E-A947-70E740481C1C}">
+                  <a14:useLocalDpi xmlns:a14="http://schemas.microsoft.com/office/drawing/2010/main" val="0"/>
+                </a:ext>
+              </a:extLst>
+            </a:blip>
+            <a:stretch>
+              <a:fillRect/>
+            </a:stretch>
+          </p:blipFill>
+          <p:spPr>
+            <a:xfrm>
+              <a:off x="3024196" y="837537"/>
+              <a:ext cx="1547686" cy="791351"/>
+            </a:xfrm>
+            <a:prstGeom prst="rect">
+              <a:avLst/>
+            </a:prstGeom>
+          </p:spPr>
+        </p:pic>
+        <p:grpSp>
+          <p:nvGrpSpPr>
+            <p:cNvPr id="29" name="Gruppieren 28"/>
+            <p:cNvGrpSpPr/>
+            <p:nvPr/>
+          </p:nvGrpSpPr>
+          <p:grpSpPr>
+            <a:xfrm>
+              <a:off x="2938597" y="1079745"/>
+              <a:ext cx="1748770" cy="1088490"/>
+              <a:chOff x="2938597" y="1079745"/>
+              <a:chExt cx="1748770" cy="1088490"/>
+            </a:xfrm>
+          </p:grpSpPr>
+          <p:pic>
+            <p:nvPicPr>
+              <p:cNvPr id="13" name="Grafik 12"/>
+              <p:cNvPicPr>
+                <a:picLocks noChangeAspect="1"/>
+              </p:cNvPicPr>
+              <p:nvPr/>
+            </p:nvPicPr>
+            <p:blipFill>
+              <a:blip r:embed="rId3"/>
+              <a:stretch>
+                <a:fillRect/>
+              </a:stretch>
+            </p:blipFill>
+            <p:spPr>
+              <a:xfrm>
+                <a:off x="3649254" y="1404430"/>
+                <a:ext cx="888281" cy="589715"/>
+              </a:xfrm>
+              <a:prstGeom prst="rect">
+                <a:avLst/>
+              </a:prstGeom>
+            </p:spPr>
+          </p:pic>
+          <p:pic>
+            <p:nvPicPr>
+              <p:cNvPr id="8" name="Grafik 7"/>
+              <p:cNvPicPr>
+                <a:picLocks noChangeAspect="1"/>
+              </p:cNvPicPr>
+              <p:nvPr/>
+            </p:nvPicPr>
+            <p:blipFill>
+              <a:blip r:embed="rId4" cstate="print">
+                <a:extLst>
+                  <a:ext uri="{28A0092B-C50C-407E-A947-70E740481C1C}">
+                    <a14:useLocalDpi xmlns:a14="http://schemas.microsoft.com/office/drawing/2010/main" val="0"/>
+                  </a:ext>
+                </a:extLst>
+              </a:blip>
+              <a:stretch>
+                <a:fillRect/>
+              </a:stretch>
+            </p:blipFill>
+            <p:spPr>
+              <a:xfrm>
+                <a:off x="3024196" y="1504484"/>
+                <a:ext cx="692870" cy="198978"/>
+              </a:xfrm>
+              <a:prstGeom prst="rect">
+                <a:avLst/>
+              </a:prstGeom>
+            </p:spPr>
+          </p:pic>
+          <p:sp>
+            <p:nvSpPr>
+              <p:cNvPr id="28" name="Gefaltete Ecke 27"/>
+              <p:cNvSpPr/>
+              <p:nvPr/>
+            </p:nvSpPr>
+            <p:spPr>
+              <a:xfrm>
+                <a:off x="2938597" y="1079745"/>
+                <a:ext cx="1748770" cy="1088490"/>
+              </a:xfrm>
+              <a:prstGeom prst="foldedCorner">
+                <a:avLst/>
+              </a:prstGeom>
+              <a:noFill/>
+            </p:spPr>
+            <p:style>
+              <a:lnRef idx="2">
+                <a:schemeClr val="accent1">
+                  <a:shade val="50000"/>
+                </a:schemeClr>
+              </a:lnRef>
+              <a:fillRef idx="1">
+                <a:schemeClr val="accent1"/>
+              </a:fillRef>
+              <a:effectRef idx="0">
+                <a:schemeClr val="accent1"/>
+              </a:effectRef>
+              <a:fontRef idx="minor">
+                <a:schemeClr val="lt1"/>
+              </a:fontRef>
+            </p:style>
+            <p:txBody>
+              <a:bodyPr rtlCol="0" anchor="ctr"/>
+              <a:lstStyle/>
+              <a:p>
+                <a:pPr algn="ctr"/>
+                <a:endParaRPr lang="de-DE"/>
+              </a:p>
+            </p:txBody>
+          </p:sp>
+        </p:grpSp>
+      </p:grpSp>
       <p:grpSp>
         <p:nvGrpSpPr>
           <p:cNvPr id="44" name="Gruppieren 43"/>
@@ -12802,7 +16548,7 @@
             <p:nvPr/>
           </p:nvPicPr>
           <p:blipFill>
-            <a:blip r:embed="rId3" cstate="print">
+            <a:blip r:embed="rId4" cstate="print">
               <a:extLst>
                 <a:ext uri="{28A0092B-C50C-407E-A947-70E740481C1C}">
                   <a14:useLocalDpi xmlns:a14="http://schemas.microsoft.com/office/drawing/2010/main" val="0"/>
@@ -12832,7 +16578,7 @@
             <p:nvPr/>
           </p:nvPicPr>
           <p:blipFill>
-            <a:blip r:embed="rId4" cstate="print">
+            <a:blip r:embed="rId5" cstate="print">
               <a:extLst>
                 <a:ext uri="{28A0092B-C50C-407E-A947-70E740481C1C}">
                   <a14:useLocalDpi xmlns:a14="http://schemas.microsoft.com/office/drawing/2010/main" val="0"/>
@@ -12862,7 +16608,7 @@
             <p:nvPr/>
           </p:nvPicPr>
           <p:blipFill>
-            <a:blip r:embed="rId5" cstate="print">
+            <a:blip r:embed="rId6" cstate="print">
               <a:extLst>
                 <a:ext uri="{28A0092B-C50C-407E-A947-70E740481C1C}">
                   <a14:useLocalDpi xmlns:a14="http://schemas.microsoft.com/office/drawing/2010/main" val="0"/>
@@ -12949,12 +16695,12 @@
           <a:lstStyle/>
           <a:p>
             <a:r>
-              <a:rPr lang="en-US" noProof="0" dirty="0" err="1" smtClean="0"/>
-              <a:t>CRExplorer</a:t>
+              <a:rPr lang="en-US" dirty="0"/>
+              <a:t>Cited references analysis (CRA): </a:t>
             </a:r>
             <a:r>
               <a:rPr lang="en-US" noProof="0" dirty="0" smtClean="0"/>
-              <a:t>: Workflow </a:t>
+              <a:t>Workflow </a:t>
             </a:r>
             <a:endParaRPr lang="en-US" noProof="0" dirty="0"/>
           </a:p>
@@ -13291,161 +17037,6 @@
           </a:p>
         </p:txBody>
       </p:sp>
-      <p:grpSp>
-        <p:nvGrpSpPr>
-          <p:cNvPr id="30" name="Gruppieren 29"/>
-          <p:cNvGrpSpPr/>
-          <p:nvPr/>
-        </p:nvGrpSpPr>
-        <p:grpSpPr>
-          <a:xfrm>
-            <a:off x="650892" y="703993"/>
-            <a:ext cx="1748770" cy="1330698"/>
-            <a:chOff x="2938597" y="837537"/>
-            <a:chExt cx="1748770" cy="1330698"/>
-          </a:xfrm>
-        </p:grpSpPr>
-        <p:pic>
-          <p:nvPicPr>
-            <p:cNvPr id="9" name="Grafik 8"/>
-            <p:cNvPicPr>
-              <a:picLocks noChangeAspect="1"/>
-            </p:cNvPicPr>
-            <p:nvPr/>
-          </p:nvPicPr>
-          <p:blipFill>
-            <a:blip r:embed="rId2">
-              <a:extLst>
-                <a:ext uri="{28A0092B-C50C-407E-A947-70E740481C1C}">
-                  <a14:useLocalDpi xmlns:a14="http://schemas.microsoft.com/office/drawing/2010/main" val="0"/>
-                </a:ext>
-              </a:extLst>
-            </a:blip>
-            <a:stretch>
-              <a:fillRect/>
-            </a:stretch>
-          </p:blipFill>
-          <p:spPr>
-            <a:xfrm>
-              <a:off x="3024196" y="837537"/>
-              <a:ext cx="1547686" cy="791351"/>
-            </a:xfrm>
-            <a:prstGeom prst="rect">
-              <a:avLst/>
-            </a:prstGeom>
-          </p:spPr>
-        </p:pic>
-        <p:grpSp>
-          <p:nvGrpSpPr>
-            <p:cNvPr id="29" name="Gruppieren 28"/>
-            <p:cNvGrpSpPr/>
-            <p:nvPr/>
-          </p:nvGrpSpPr>
-          <p:grpSpPr>
-            <a:xfrm>
-              <a:off x="2938597" y="1079745"/>
-              <a:ext cx="1748770" cy="1088490"/>
-              <a:chOff x="2938597" y="1079745"/>
-              <a:chExt cx="1748770" cy="1088490"/>
-            </a:xfrm>
-          </p:grpSpPr>
-          <p:pic>
-            <p:nvPicPr>
-              <p:cNvPr id="13" name="Grafik 12"/>
-              <p:cNvPicPr>
-                <a:picLocks noChangeAspect="1"/>
-              </p:cNvPicPr>
-              <p:nvPr/>
-            </p:nvPicPr>
-            <p:blipFill>
-              <a:blip r:embed="rId6"/>
-              <a:stretch>
-                <a:fillRect/>
-              </a:stretch>
-            </p:blipFill>
-            <p:spPr>
-              <a:xfrm>
-                <a:off x="3649254" y="1404430"/>
-                <a:ext cx="888281" cy="589715"/>
-              </a:xfrm>
-              <a:prstGeom prst="rect">
-                <a:avLst/>
-              </a:prstGeom>
-            </p:spPr>
-          </p:pic>
-          <p:pic>
-            <p:nvPicPr>
-              <p:cNvPr id="8" name="Grafik 7"/>
-              <p:cNvPicPr>
-                <a:picLocks noChangeAspect="1"/>
-              </p:cNvPicPr>
-              <p:nvPr/>
-            </p:nvPicPr>
-            <p:blipFill>
-              <a:blip r:embed="rId3" cstate="print">
-                <a:extLst>
-                  <a:ext uri="{28A0092B-C50C-407E-A947-70E740481C1C}">
-                    <a14:useLocalDpi xmlns:a14="http://schemas.microsoft.com/office/drawing/2010/main" val="0"/>
-                  </a:ext>
-                </a:extLst>
-              </a:blip>
-              <a:stretch>
-                <a:fillRect/>
-              </a:stretch>
-            </p:blipFill>
-            <p:spPr>
-              <a:xfrm>
-                <a:off x="3024196" y="1504484"/>
-                <a:ext cx="692870" cy="198978"/>
-              </a:xfrm>
-              <a:prstGeom prst="rect">
-                <a:avLst/>
-              </a:prstGeom>
-            </p:spPr>
-          </p:pic>
-          <p:sp>
-            <p:nvSpPr>
-              <p:cNvPr id="28" name="Gefaltete Ecke 27"/>
-              <p:cNvSpPr/>
-              <p:nvPr/>
-            </p:nvSpPr>
-            <p:spPr>
-              <a:xfrm>
-                <a:off x="2938597" y="1079745"/>
-                <a:ext cx="1748770" cy="1088490"/>
-              </a:xfrm>
-              <a:prstGeom prst="foldedCorner">
-                <a:avLst/>
-              </a:prstGeom>
-              <a:noFill/>
-            </p:spPr>
-            <p:style>
-              <a:lnRef idx="2">
-                <a:schemeClr val="accent1">
-                  <a:shade val="50000"/>
-                </a:schemeClr>
-              </a:lnRef>
-              <a:fillRef idx="1">
-                <a:schemeClr val="accent1"/>
-              </a:fillRef>
-              <a:effectRef idx="0">
-                <a:schemeClr val="accent1"/>
-              </a:effectRef>
-              <a:fontRef idx="minor">
-                <a:schemeClr val="lt1"/>
-              </a:fontRef>
-            </p:style>
-            <p:txBody>
-              <a:bodyPr rtlCol="0" anchor="ctr"/>
-              <a:lstStyle/>
-              <a:p>
-                <a:pPr algn="ctr"/>
-                <a:endParaRPr lang="de-DE"/>
-              </a:p>
-            </p:txBody>
-          </p:sp>
-        </p:grpSp>
-      </p:grpSp>
       <p:sp>
         <p:nvSpPr>
           <p:cNvPr id="4" name="Rechteck 3"/>
@@ -13932,6 +17523,90 @@
           <a:p>
             <a:pPr algn="ctr"/>
             <a:endParaRPr lang="de-DE"/>
+          </a:p>
+        </p:txBody>
+      </p:sp>
+      <p:sp>
+        <p:nvSpPr>
+          <p:cNvPr id="3" name="Textfeld 2"/>
+          <p:cNvSpPr txBox="1"/>
+          <p:nvPr/>
+        </p:nvSpPr>
+        <p:spPr>
+          <a:xfrm>
+            <a:off x="2435192" y="900679"/>
+            <a:ext cx="5516510" cy="923330"/>
+          </a:xfrm>
+          <a:prstGeom prst="rect">
+            <a:avLst/>
+          </a:prstGeom>
+          <a:noFill/>
+        </p:spPr>
+        <p:txBody>
+          <a:bodyPr wrap="none" rtlCol="0">
+            <a:spAutoFit/>
+          </a:bodyPr>
+          <a:lstStyle/>
+          <a:p>
+            <a:r>
+              <a:rPr lang="en-US" dirty="0" smtClean="0"/>
+              <a:t>Publication </a:t>
+            </a:r>
+            <a:r>
+              <a:rPr lang="en-US" dirty="0"/>
+              <a:t>set </a:t>
+            </a:r>
+            <a:endParaRPr lang="en-US" dirty="0" smtClean="0"/>
+          </a:p>
+          <a:p>
+            <a:pPr marL="285750" indent="-285750">
+              <a:buFont typeface="Arial" panose="020B0604020202020204" pitchFamily="34" charset="0"/>
+              <a:buChar char="•"/>
+            </a:pPr>
+            <a:r>
+              <a:rPr lang="en-US" dirty="0" smtClean="0"/>
+              <a:t>representing </a:t>
+            </a:r>
+            <a:r>
+              <a:rPr lang="en-US" dirty="0"/>
+              <a:t>a speciﬁc </a:t>
+            </a:r>
+            <a:r>
+              <a:rPr lang="en-US" dirty="0" smtClean="0"/>
+              <a:t>ﬁeld (e.g</a:t>
+            </a:r>
+            <a:r>
+              <a:rPr lang="en-US" dirty="0"/>
+              <a:t>. </a:t>
+            </a:r>
+            <a:r>
+              <a:rPr lang="en-US" dirty="0" err="1"/>
+              <a:t>bibliometrics</a:t>
+            </a:r>
+            <a:r>
+              <a:rPr lang="en-US" dirty="0"/>
+              <a:t>) or </a:t>
+            </a:r>
+            <a:endParaRPr lang="en-US" dirty="0" smtClean="0"/>
+          </a:p>
+          <a:p>
+            <a:pPr marL="285750" indent="-285750">
+              <a:buFont typeface="Arial" panose="020B0604020202020204" pitchFamily="34" charset="0"/>
+              <a:buChar char="•"/>
+            </a:pPr>
+            <a:r>
+              <a:rPr lang="en-US" dirty="0" smtClean="0"/>
+              <a:t>dealing </a:t>
+            </a:r>
+            <a:r>
+              <a:rPr lang="en-US" dirty="0"/>
+              <a:t>with a speciﬁc topic (e.g. research on Aspirin</a:t>
+            </a:r>
+            <a:r>
+              <a:rPr lang="en-US" dirty="0" smtClean="0"/>
+              <a:t>)</a:t>
+            </a:r>
+            <a:endParaRPr lang="de-DE" dirty="0"/>
           </a:p>
         </p:txBody>
       </p:sp>
@@ -14499,7 +18174,7 @@
 </p:sld>
 </file>
 
-<file path=ppt/slides/slide5.xml><?xml version="1.0" encoding="utf-8"?>
+<file path=ppt/slides/slide6.xml><?xml version="1.0" encoding="utf-8"?>
 <p:sld xmlns:a="http://schemas.openxmlformats.org/drawingml/2006/main" xmlns:r="http://schemas.openxmlformats.org/officeDocument/2006/relationships" xmlns:p="http://schemas.openxmlformats.org/presentationml/2006/main">
   <p:cSld>
     <p:spTree>
@@ -15257,7 +18932,7 @@
 </p:sld>
 </file>
 
-<file path=ppt/slides/slide6.xml><?xml version="1.0" encoding="utf-8"?>
+<file path=ppt/slides/slide7.xml><?xml version="1.0" encoding="utf-8"?>
 <p:sld xmlns:a="http://schemas.openxmlformats.org/drawingml/2006/main" xmlns:r="http://schemas.openxmlformats.org/officeDocument/2006/relationships" xmlns:p="http://schemas.openxmlformats.org/presentationml/2006/main">
   <p:cSld>
     <p:spTree>
@@ -15284,14 +18959,25 @@
             <p:ph type="title"/>
           </p:nvPr>
         </p:nvSpPr>
-        <p:spPr/>
+        <p:spPr>
+          <a:xfrm>
+            <a:off x="0" y="274638"/>
+            <a:ext cx="9144000" cy="634082"/>
+          </a:xfrm>
+        </p:spPr>
         <p:txBody>
-          <a:bodyPr/>
+          <a:bodyPr>
+            <a:noAutofit/>
+          </a:bodyPr>
           <a:lstStyle/>
           <a:p>
             <a:r>
               <a:rPr lang="en-US" noProof="0" dirty="0" smtClean="0"/>
-              <a:t>Deduplication: Clustering + Merge</a:t>
+              <a:t>Deduplication (Disambiguation): </a:t>
+            </a:r>
+            <a:r>
+              <a:rPr lang="en-US" noProof="0" dirty="0" smtClean="0"/>
+              <a:t>Clustering + Merge</a:t>
             </a:r>
             <a:endParaRPr lang="en-US" noProof="0" dirty="0"/>
           </a:p>
@@ -15815,7 +19501,7 @@
 </p:sld>
 </file>
 
-<file path=ppt/slides/slide7.xml><?xml version="1.0" encoding="utf-8"?>
+<file path=ppt/slides/slide8.xml><?xml version="1.0" encoding="utf-8"?>
 <p:sld xmlns:a="http://schemas.openxmlformats.org/drawingml/2006/main" xmlns:r="http://schemas.openxmlformats.org/officeDocument/2006/relationships" xmlns:p="http://schemas.openxmlformats.org/presentationml/2006/main">
   <p:cSld>
     <p:spTree>
@@ -15947,7 +19633,7 @@
 </p:sld>
 </file>
 
-<file path=ppt/slides/slide8.xml><?xml version="1.0" encoding="utf-8"?>
+<file path=ppt/slides/slide9.xml><?xml version="1.0" encoding="utf-8"?>
 <p:sld xmlns:a="http://schemas.openxmlformats.org/drawingml/2006/main" xmlns:r="http://schemas.openxmlformats.org/officeDocument/2006/relationships" xmlns:p="http://schemas.openxmlformats.org/presentationml/2006/main">
   <p:cSld>
     <p:spTree>
@@ -16601,1374 +20287,6 @@
     <p:bldLst>
       <p:bldP spid="11" grpId="0" animBg="1"/>
       <p:bldP spid="12" grpId="0" animBg="1"/>
-    </p:bldLst>
-  </p:timing>
-</p:sld>
-</file>
-
-<file path=ppt/slides/slide9.xml><?xml version="1.0" encoding="utf-8"?>
-<p:sld xmlns:a="http://schemas.openxmlformats.org/drawingml/2006/main" xmlns:r="http://schemas.openxmlformats.org/officeDocument/2006/relationships" xmlns:p="http://schemas.openxmlformats.org/presentationml/2006/main">
-  <p:cSld>
-    <p:spTree>
-      <p:nvGrpSpPr>
-        <p:cNvPr id="1" name=""/>
-        <p:cNvGrpSpPr/>
-        <p:nvPr/>
-      </p:nvGrpSpPr>
-      <p:grpSpPr>
-        <a:xfrm>
-          <a:off x="0" y="0"/>
-          <a:ext cx="0" cy="0"/>
-          <a:chOff x="0" y="0"/>
-          <a:chExt cx="0" cy="0"/>
-        </a:xfrm>
-      </p:grpSpPr>
-      <p:sp>
-        <p:nvSpPr>
-          <p:cNvPr id="2" name="Titel 1"/>
-          <p:cNvSpPr>
-            <a:spLocks noGrp="1"/>
-          </p:cNvSpPr>
-          <p:nvPr>
-            <p:ph type="title"/>
-          </p:nvPr>
-        </p:nvSpPr>
-        <p:spPr/>
-        <p:txBody>
-          <a:bodyPr/>
-          <a:lstStyle/>
-          <a:p>
-            <a:r>
-              <a:rPr lang="de-DE" dirty="0" err="1" smtClean="0"/>
-              <a:t>Indicators</a:t>
-            </a:r>
-            <a:endParaRPr lang="de-DE" dirty="0"/>
-          </a:p>
-        </p:txBody>
-      </p:sp>
-      <p:sp>
-        <p:nvSpPr>
-          <p:cNvPr id="3" name="Inhaltsplatzhalter 2"/>
-          <p:cNvSpPr>
-            <a:spLocks noGrp="1"/>
-          </p:cNvSpPr>
-          <p:nvPr>
-            <p:ph idx="1"/>
-          </p:nvPr>
-        </p:nvSpPr>
-        <p:spPr/>
-        <p:txBody>
-          <a:bodyPr>
-            <a:noAutofit/>
-          </a:bodyPr>
-          <a:lstStyle/>
-          <a:p>
-            <a:r>
-              <a:rPr lang="de-DE" b="1" dirty="0" smtClean="0"/>
-              <a:t>Relative </a:t>
-            </a:r>
-            <a:r>
-              <a:rPr lang="de-DE" b="1" dirty="0" err="1" smtClean="0"/>
-              <a:t>comparison</a:t>
-            </a:r>
-            <a:r>
-              <a:rPr lang="de-DE" b="1" dirty="0" smtClean="0"/>
-              <a:t> </a:t>
-            </a:r>
-            <a:r>
-              <a:rPr lang="de-DE" dirty="0" err="1" smtClean="0"/>
-              <a:t>of</a:t>
-            </a:r>
-            <a:r>
-              <a:rPr lang="de-DE" dirty="0" smtClean="0"/>
-              <a:t> </a:t>
-            </a:r>
-            <a:r>
-              <a:rPr lang="de-DE" dirty="0" err="1" smtClean="0"/>
-              <a:t>Cited</a:t>
-            </a:r>
-            <a:r>
-              <a:rPr lang="de-DE" dirty="0" smtClean="0"/>
-              <a:t> References</a:t>
-            </a:r>
-            <a:br>
-              <a:rPr lang="de-DE" dirty="0" smtClean="0"/>
-            </a:br>
-            <a:r>
-              <a:rPr lang="de-DE" dirty="0" smtClean="0"/>
-              <a:t>w.r.t. </a:t>
-            </a:r>
-            <a:r>
-              <a:rPr lang="de-DE" dirty="0" err="1" smtClean="0"/>
-              <a:t>the</a:t>
-            </a:r>
-            <a:r>
-              <a:rPr lang="de-DE" dirty="0" smtClean="0"/>
-              <a:t> Reference </a:t>
-            </a:r>
-            <a:r>
-              <a:rPr lang="de-DE" dirty="0" err="1" smtClean="0"/>
-              <a:t>Publication</a:t>
-            </a:r>
-            <a:r>
-              <a:rPr lang="de-DE" dirty="0" smtClean="0"/>
-              <a:t> Year (RPY)</a:t>
-            </a:r>
-            <a:br>
-              <a:rPr lang="de-DE" dirty="0" smtClean="0"/>
-            </a:br>
-            <a:r>
-              <a:rPr lang="de-DE" dirty="0" err="1" smtClean="0"/>
-              <a:t>and</a:t>
-            </a:r>
-            <a:r>
-              <a:rPr lang="de-DE" dirty="0" smtClean="0"/>
-              <a:t> </a:t>
-            </a:r>
-            <a:r>
-              <a:rPr lang="de-DE" dirty="0" err="1" smtClean="0"/>
-              <a:t>the</a:t>
-            </a:r>
-            <a:r>
-              <a:rPr lang="de-DE" dirty="0" smtClean="0"/>
-              <a:t> </a:t>
-            </a:r>
-            <a:r>
-              <a:rPr lang="de-DE" dirty="0" err="1" smtClean="0"/>
-              <a:t>Publication</a:t>
-            </a:r>
-            <a:r>
-              <a:rPr lang="de-DE" dirty="0" smtClean="0"/>
-              <a:t> Year (PY) </a:t>
-            </a:r>
-            <a:r>
-              <a:rPr lang="de-DE" dirty="0" err="1" smtClean="0"/>
-              <a:t>of</a:t>
-            </a:r>
-            <a:r>
-              <a:rPr lang="de-DE" dirty="0" smtClean="0"/>
-              <a:t> </a:t>
-            </a:r>
-            <a:r>
-              <a:rPr lang="de-DE" dirty="0" err="1" smtClean="0"/>
-              <a:t>citing</a:t>
-            </a:r>
-            <a:r>
-              <a:rPr lang="de-DE" dirty="0" smtClean="0"/>
-              <a:t> </a:t>
-            </a:r>
-            <a:r>
-              <a:rPr lang="de-DE" dirty="0" err="1" smtClean="0"/>
-              <a:t>publications</a:t>
-            </a:r>
-            <a:endParaRPr lang="de-DE" dirty="0" smtClean="0"/>
-          </a:p>
-          <a:p>
-            <a:endParaRPr lang="de-DE" dirty="0" smtClean="0"/>
-          </a:p>
-          <a:p>
-            <a:r>
-              <a:rPr lang="de-DE" b="1" dirty="0" smtClean="0">
-                <a:solidFill>
-                  <a:srgbClr val="FF0000"/>
-                </a:solidFill>
-              </a:rPr>
-              <a:t>N_PYEARS</a:t>
-            </a:r>
-            <a:r>
-              <a:rPr lang="de-DE" dirty="0" smtClean="0">
-                <a:solidFill>
-                  <a:srgbClr val="FF0000"/>
-                </a:solidFill>
-              </a:rPr>
-              <a:t> </a:t>
-            </a:r>
-            <a:r>
-              <a:rPr lang="de-DE" dirty="0" err="1" smtClean="0"/>
-              <a:t>and</a:t>
-            </a:r>
-            <a:r>
-              <a:rPr lang="de-DE" dirty="0" smtClean="0"/>
-              <a:t> </a:t>
-            </a:r>
-            <a:r>
-              <a:rPr lang="de-DE" b="1" dirty="0" smtClean="0">
-                <a:solidFill>
-                  <a:srgbClr val="FF0000"/>
-                </a:solidFill>
-              </a:rPr>
-              <a:t>PERC_PYEAR</a:t>
-            </a:r>
-          </a:p>
-          <a:p>
-            <a:pPr lvl="1"/>
-            <a:r>
-              <a:rPr lang="de-DE" dirty="0" smtClean="0"/>
-              <a:t>Absolute </a:t>
-            </a:r>
-            <a:r>
-              <a:rPr lang="de-DE" dirty="0" err="1" smtClean="0"/>
-              <a:t>and</a:t>
-            </a:r>
-            <a:r>
-              <a:rPr lang="de-DE" dirty="0" smtClean="0"/>
-              <a:t> relative </a:t>
-            </a:r>
-            <a:r>
-              <a:rPr lang="de-DE" dirty="0" err="1" smtClean="0"/>
-              <a:t>number</a:t>
-            </a:r>
-            <a:r>
-              <a:rPr lang="de-DE" dirty="0" smtClean="0"/>
-              <a:t> </a:t>
-            </a:r>
-            <a:r>
-              <a:rPr lang="de-DE" dirty="0" err="1" smtClean="0"/>
-              <a:t>of</a:t>
-            </a:r>
-            <a:r>
-              <a:rPr lang="de-DE" dirty="0" smtClean="0"/>
-              <a:t> PYs</a:t>
-            </a:r>
-            <a:br>
-              <a:rPr lang="de-DE" dirty="0" smtClean="0"/>
-            </a:br>
-            <a:r>
-              <a:rPr lang="de-DE" dirty="0" smtClean="0"/>
-              <a:t>in </a:t>
-            </a:r>
-            <a:r>
-              <a:rPr lang="de-DE" dirty="0" err="1" smtClean="0"/>
-              <a:t>which</a:t>
-            </a:r>
-            <a:r>
-              <a:rPr lang="de-DE" dirty="0" smtClean="0"/>
-              <a:t> a </a:t>
-            </a:r>
-            <a:r>
-              <a:rPr lang="de-DE" dirty="0" err="1" smtClean="0"/>
-              <a:t>Cited</a:t>
-            </a:r>
-            <a:r>
-              <a:rPr lang="de-DE" dirty="0" smtClean="0"/>
-              <a:t> </a:t>
-            </a:r>
-            <a:r>
-              <a:rPr lang="de-DE" dirty="0" err="1" smtClean="0"/>
-              <a:t>Referennce</a:t>
-            </a:r>
-            <a:r>
-              <a:rPr lang="de-DE" dirty="0" smtClean="0"/>
-              <a:t> </a:t>
-            </a:r>
-            <a:r>
-              <a:rPr lang="de-DE" dirty="0" err="1" smtClean="0"/>
-              <a:t>has</a:t>
-            </a:r>
-            <a:r>
-              <a:rPr lang="de-DE" dirty="0" smtClean="0"/>
-              <a:t> </a:t>
-            </a:r>
-            <a:r>
-              <a:rPr lang="de-DE" dirty="0" err="1" smtClean="0"/>
-              <a:t>been</a:t>
-            </a:r>
-            <a:r>
-              <a:rPr lang="de-DE" dirty="0" smtClean="0"/>
-              <a:t> </a:t>
-            </a:r>
-            <a:r>
-              <a:rPr lang="de-DE" dirty="0" err="1" smtClean="0"/>
-              <a:t>cited</a:t>
-            </a:r>
-            <a:r>
-              <a:rPr lang="de-DE" dirty="0" smtClean="0"/>
-              <a:t/>
-            </a:r>
-            <a:br>
-              <a:rPr lang="de-DE" dirty="0" smtClean="0"/>
-            </a:br>
-            <a:endParaRPr lang="de-DE" dirty="0" smtClean="0"/>
-          </a:p>
-          <a:p>
-            <a:r>
-              <a:rPr lang="de-DE" b="1" dirty="0" smtClean="0">
-                <a:solidFill>
-                  <a:srgbClr val="FF0000"/>
-                </a:solidFill>
-              </a:rPr>
-              <a:t>TOP-N</a:t>
-            </a:r>
-          </a:p>
-          <a:p>
-            <a:pPr lvl="1"/>
-            <a:r>
-              <a:rPr lang="de-DE" dirty="0" err="1" smtClean="0"/>
-              <a:t>Number</a:t>
-            </a:r>
-            <a:r>
-              <a:rPr lang="de-DE" dirty="0" smtClean="0"/>
-              <a:t> </a:t>
-            </a:r>
-            <a:r>
-              <a:rPr lang="de-DE" dirty="0" err="1" smtClean="0"/>
-              <a:t>of</a:t>
-            </a:r>
-            <a:r>
-              <a:rPr lang="de-DE" dirty="0" smtClean="0"/>
-              <a:t> </a:t>
-            </a:r>
-            <a:r>
-              <a:rPr lang="de-DE" dirty="0" err="1" smtClean="0"/>
-              <a:t>times</a:t>
-            </a:r>
-            <a:r>
-              <a:rPr lang="de-DE" dirty="0" smtClean="0"/>
-              <a:t> a </a:t>
-            </a:r>
-            <a:r>
-              <a:rPr lang="de-DE" dirty="0" err="1" smtClean="0"/>
-              <a:t>Cited</a:t>
-            </a:r>
-            <a:r>
-              <a:rPr lang="de-DE" dirty="0" smtClean="0"/>
-              <a:t> Reference </a:t>
-            </a:r>
-            <a:r>
-              <a:rPr lang="de-DE" dirty="0" err="1" smtClean="0"/>
-              <a:t>has</a:t>
-            </a:r>
-            <a:r>
-              <a:rPr lang="de-DE" dirty="0" smtClean="0"/>
-              <a:t> </a:t>
-            </a:r>
-            <a:r>
-              <a:rPr lang="de-DE" dirty="0" err="1" smtClean="0"/>
-              <a:t>been</a:t>
-            </a:r>
-            <a:r>
-              <a:rPr lang="de-DE" dirty="0" smtClean="0"/>
-              <a:t> in </a:t>
-            </a:r>
-            <a:r>
-              <a:rPr lang="de-DE" dirty="0" err="1" smtClean="0"/>
-              <a:t>the</a:t>
-            </a:r>
-            <a:r>
-              <a:rPr lang="de-DE" dirty="0" smtClean="0"/>
-              <a:t/>
-            </a:r>
-            <a:br>
-              <a:rPr lang="de-DE" dirty="0" smtClean="0"/>
-            </a:br>
-            <a:r>
-              <a:rPr lang="de-DE" dirty="0" smtClean="0"/>
-              <a:t>Top-N% in </a:t>
-            </a:r>
-            <a:r>
-              <a:rPr lang="de-DE" dirty="0" err="1" smtClean="0"/>
-              <a:t>the</a:t>
-            </a:r>
-            <a:r>
-              <a:rPr lang="de-DE" dirty="0" smtClean="0"/>
-              <a:t> PY-</a:t>
-            </a:r>
-            <a:r>
-              <a:rPr lang="de-DE" dirty="0" err="1" smtClean="0"/>
-              <a:t>wise</a:t>
-            </a:r>
-            <a:r>
-              <a:rPr lang="de-DE" dirty="0" smtClean="0"/>
-              <a:t> </a:t>
-            </a:r>
-            <a:r>
-              <a:rPr lang="de-DE" dirty="0" err="1" smtClean="0"/>
-              <a:t>ranking</a:t>
-            </a:r>
-            <a:r>
-              <a:rPr lang="de-DE" dirty="0" smtClean="0"/>
-              <a:t> </a:t>
-            </a:r>
-            <a:r>
-              <a:rPr lang="de-DE" dirty="0" err="1" smtClean="0"/>
-              <a:t>of</a:t>
-            </a:r>
-            <a:r>
-              <a:rPr lang="de-DE" dirty="0" smtClean="0"/>
-              <a:t> </a:t>
-            </a:r>
-            <a:r>
-              <a:rPr lang="de-DE" dirty="0" err="1" smtClean="0"/>
-              <a:t>Cited</a:t>
-            </a:r>
-            <a:r>
-              <a:rPr lang="de-DE" dirty="0" smtClean="0"/>
-              <a:t> References</a:t>
-            </a:r>
-            <a:br>
-              <a:rPr lang="de-DE" dirty="0" smtClean="0"/>
-            </a:br>
-            <a:endParaRPr lang="de-DE" dirty="0" smtClean="0"/>
-          </a:p>
-          <a:p>
-            <a:r>
-              <a:rPr lang="de-DE" b="1" dirty="0" smtClean="0">
-                <a:solidFill>
-                  <a:srgbClr val="FF0000"/>
-                </a:solidFill>
-              </a:rPr>
-              <a:t>SEQUENCE</a:t>
-            </a:r>
-            <a:r>
-              <a:rPr lang="de-DE" dirty="0" smtClean="0"/>
-              <a:t> </a:t>
-            </a:r>
-            <a:r>
-              <a:rPr lang="de-DE" dirty="0" err="1" smtClean="0"/>
-              <a:t>and</a:t>
-            </a:r>
-            <a:r>
-              <a:rPr lang="de-DE" dirty="0" smtClean="0"/>
-              <a:t> </a:t>
-            </a:r>
-            <a:r>
-              <a:rPr lang="de-DE" b="1" dirty="0" smtClean="0">
-                <a:solidFill>
-                  <a:srgbClr val="FF0000"/>
-                </a:solidFill>
-              </a:rPr>
-              <a:t>TYPE</a:t>
-            </a:r>
-            <a:r>
-              <a:rPr lang="de-DE" dirty="0" smtClean="0">
-                <a:solidFill>
-                  <a:srgbClr val="FF0000"/>
-                </a:solidFill>
-              </a:rPr>
-              <a:t> </a:t>
-            </a:r>
-          </a:p>
-          <a:p>
-            <a:pPr lvl="1"/>
-            <a:r>
-              <a:rPr lang="de-DE" dirty="0" smtClean="0"/>
-              <a:t>Distribution </a:t>
-            </a:r>
-            <a:r>
-              <a:rPr lang="de-DE" dirty="0" err="1" smtClean="0"/>
-              <a:t>of</a:t>
-            </a:r>
-            <a:r>
-              <a:rPr lang="de-DE" dirty="0" smtClean="0"/>
-              <a:t> </a:t>
-            </a:r>
-            <a:r>
-              <a:rPr lang="de-DE" dirty="0" err="1" smtClean="0"/>
-              <a:t>citations</a:t>
-            </a:r>
-            <a:r>
-              <a:rPr lang="de-DE" dirty="0" smtClean="0"/>
-              <a:t> </a:t>
-            </a:r>
-            <a:r>
-              <a:rPr lang="de-DE" dirty="0" err="1" smtClean="0"/>
-              <a:t>over</a:t>
-            </a:r>
-            <a:r>
-              <a:rPr lang="de-DE" dirty="0" smtClean="0"/>
-              <a:t> time </a:t>
-            </a:r>
-            <a:r>
-              <a:rPr lang="de-DE" dirty="0" err="1" smtClean="0"/>
-              <a:t>and</a:t>
-            </a:r>
-            <a:r>
-              <a:rPr lang="de-DE" dirty="0" smtClean="0"/>
-              <a:t> </a:t>
-            </a:r>
-            <a:br>
-              <a:rPr lang="de-DE" dirty="0" smtClean="0"/>
-            </a:br>
-            <a:r>
-              <a:rPr lang="de-DE" dirty="0" err="1" smtClean="0"/>
-              <a:t>identification</a:t>
-            </a:r>
-            <a:r>
-              <a:rPr lang="de-DE" dirty="0" smtClean="0"/>
-              <a:t> </a:t>
-            </a:r>
-            <a:r>
-              <a:rPr lang="de-DE" dirty="0" err="1" smtClean="0"/>
-              <a:t>of</a:t>
-            </a:r>
-            <a:r>
-              <a:rPr lang="de-DE" dirty="0" smtClean="0"/>
-              <a:t> </a:t>
-            </a:r>
-            <a:r>
-              <a:rPr lang="de-DE" dirty="0" err="1" smtClean="0"/>
-              <a:t>common</a:t>
-            </a:r>
-            <a:r>
-              <a:rPr lang="de-DE" dirty="0" smtClean="0"/>
-              <a:t> time-</a:t>
-            </a:r>
-            <a:r>
-              <a:rPr lang="de-DE" dirty="0" err="1" smtClean="0"/>
-              <a:t>series</a:t>
-            </a:r>
-            <a:r>
-              <a:rPr lang="de-DE" dirty="0" smtClean="0"/>
-              <a:t> </a:t>
-            </a:r>
-            <a:r>
-              <a:rPr lang="de-DE" dirty="0" err="1" smtClean="0"/>
-              <a:t>patterns</a:t>
-            </a:r>
-            <a:endParaRPr lang="de-DE" dirty="0"/>
-          </a:p>
-        </p:txBody>
-      </p:sp>
-      <p:sp>
-        <p:nvSpPr>
-          <p:cNvPr id="4" name="Abgerundete rechteckige Legende 3"/>
-          <p:cNvSpPr/>
-          <p:nvPr/>
-        </p:nvSpPr>
-        <p:spPr>
-          <a:xfrm>
-            <a:off x="6288840" y="2481559"/>
-            <a:ext cx="2267712" cy="844354"/>
-          </a:xfrm>
-          <a:prstGeom prst="wedgeRoundRectCallout">
-            <a:avLst>
-              <a:gd name="adj1" fmla="val -82799"/>
-              <a:gd name="adj2" fmla="val -39632"/>
-              <a:gd name="adj3" fmla="val 16667"/>
-            </a:avLst>
-          </a:prstGeom>
-          <a:noFill/>
-        </p:spPr>
-        <p:style>
-          <a:lnRef idx="2">
-            <a:schemeClr val="accent1"/>
-          </a:lnRef>
-          <a:fillRef idx="1">
-            <a:schemeClr val="lt1"/>
-          </a:fillRef>
-          <a:effectRef idx="0">
-            <a:schemeClr val="accent1"/>
-          </a:effectRef>
-          <a:fontRef idx="minor">
-            <a:schemeClr val="dk1"/>
-          </a:fontRef>
-        </p:style>
-        <p:txBody>
-          <a:bodyPr lIns="0" rIns="0" rtlCol="0" anchor="ctr"/>
-          <a:lstStyle/>
-          <a:p>
-            <a:pPr algn="ctr"/>
-            <a:r>
-              <a:rPr lang="de-DE" sz="1600" dirty="0" smtClean="0"/>
-              <a:t>In </a:t>
-            </a:r>
-            <a:r>
-              <a:rPr lang="de-DE" sz="1600" dirty="0" err="1" smtClean="0"/>
-              <a:t>how</a:t>
-            </a:r>
-            <a:r>
-              <a:rPr lang="de-DE" sz="1600" dirty="0" smtClean="0"/>
-              <a:t> </a:t>
-            </a:r>
-            <a:r>
-              <a:rPr lang="de-DE" sz="1600" dirty="0" err="1" smtClean="0"/>
-              <a:t>many</a:t>
-            </a:r>
-            <a:r>
-              <a:rPr lang="de-DE" sz="1600" dirty="0" smtClean="0"/>
-              <a:t> </a:t>
-            </a:r>
-            <a:r>
-              <a:rPr lang="de-DE" sz="1600" dirty="0" err="1" smtClean="0"/>
-              <a:t>publication</a:t>
-            </a:r>
-            <a:r>
-              <a:rPr lang="de-DE" sz="1600" dirty="0" smtClean="0"/>
-              <a:t> </a:t>
-            </a:r>
-            <a:r>
-              <a:rPr lang="de-DE" sz="1600" dirty="0" err="1" smtClean="0"/>
-              <a:t>years</a:t>
-            </a:r>
-            <a:r>
-              <a:rPr lang="de-DE" sz="1600" dirty="0" smtClean="0"/>
-              <a:t> </a:t>
-            </a:r>
-            <a:r>
-              <a:rPr lang="de-DE" sz="1600" dirty="0" err="1" smtClean="0"/>
-              <a:t>has</a:t>
-            </a:r>
-            <a:r>
-              <a:rPr lang="de-DE" sz="1600" dirty="0" smtClean="0"/>
-              <a:t> </a:t>
-            </a:r>
-            <a:r>
-              <a:rPr lang="de-DE" sz="1600" dirty="0" err="1" smtClean="0"/>
-              <a:t>Lotka</a:t>
-            </a:r>
-            <a:r>
-              <a:rPr lang="de-DE" sz="1600" dirty="0" smtClean="0"/>
-              <a:t> (1926) </a:t>
-            </a:r>
-            <a:r>
-              <a:rPr lang="de-DE" sz="1600" dirty="0" err="1" smtClean="0"/>
-              <a:t>been</a:t>
-            </a:r>
-            <a:r>
-              <a:rPr lang="de-DE" sz="1600" dirty="0" smtClean="0"/>
-              <a:t> </a:t>
-            </a:r>
-            <a:r>
-              <a:rPr lang="de-DE" sz="1600" dirty="0" err="1" smtClean="0"/>
-              <a:t>cited</a:t>
-            </a:r>
-            <a:r>
-              <a:rPr lang="de-DE" sz="1600" dirty="0"/>
-              <a:t>?</a:t>
-            </a:r>
-          </a:p>
-        </p:txBody>
-      </p:sp>
-      <p:sp>
-        <p:nvSpPr>
-          <p:cNvPr id="5" name="Abgerundete rechteckige Legende 4"/>
-          <p:cNvSpPr/>
-          <p:nvPr/>
-        </p:nvSpPr>
-        <p:spPr>
-          <a:xfrm>
-            <a:off x="5574367" y="4777409"/>
-            <a:ext cx="3027161" cy="837847"/>
-          </a:xfrm>
-          <a:prstGeom prst="wedgeRoundRectCallout">
-            <a:avLst>
-              <a:gd name="adj1" fmla="val -65827"/>
-              <a:gd name="adj2" fmla="val -41027"/>
-              <a:gd name="adj3" fmla="val 16667"/>
-            </a:avLst>
-          </a:prstGeom>
-          <a:noFill/>
-        </p:spPr>
-        <p:style>
-          <a:lnRef idx="2">
-            <a:schemeClr val="accent1"/>
-          </a:lnRef>
-          <a:fillRef idx="1">
-            <a:schemeClr val="lt1"/>
-          </a:fillRef>
-          <a:effectRef idx="0">
-            <a:schemeClr val="accent1"/>
-          </a:effectRef>
-          <a:fontRef idx="minor">
-            <a:schemeClr val="dk1"/>
-          </a:fontRef>
-        </p:style>
-        <p:txBody>
-          <a:bodyPr rtlCol="0" anchor="ctr"/>
-          <a:lstStyle/>
-          <a:p>
-            <a:pPr algn="ctr"/>
-            <a:r>
-              <a:rPr lang="de-DE" sz="1600" dirty="0" err="1" smtClean="0"/>
-              <a:t>Is</a:t>
-            </a:r>
-            <a:r>
-              <a:rPr lang="de-DE" sz="1600" dirty="0" smtClean="0"/>
-              <a:t> </a:t>
-            </a:r>
-            <a:r>
-              <a:rPr lang="de-DE" sz="1600" dirty="0" err="1" smtClean="0"/>
-              <a:t>the</a:t>
-            </a:r>
-            <a:r>
-              <a:rPr lang="de-DE" sz="1600" dirty="0" smtClean="0"/>
-              <a:t> </a:t>
-            </a:r>
-            <a:r>
-              <a:rPr lang="de-DE" sz="1600" dirty="0" err="1" smtClean="0"/>
-              <a:t>number</a:t>
-            </a:r>
-            <a:r>
-              <a:rPr lang="de-DE" sz="1600" dirty="0" smtClean="0"/>
-              <a:t> </a:t>
-            </a:r>
-            <a:r>
-              <a:rPr lang="de-DE" sz="1600" dirty="0" err="1" smtClean="0"/>
-              <a:t>of</a:t>
-            </a:r>
-            <a:r>
-              <a:rPr lang="de-DE" sz="1600" dirty="0" smtClean="0"/>
-              <a:t> </a:t>
-            </a:r>
-            <a:r>
-              <a:rPr lang="de-DE" sz="1600" dirty="0" err="1" smtClean="0"/>
-              <a:t>citations</a:t>
-            </a:r>
-            <a:r>
-              <a:rPr lang="de-DE" sz="1600" dirty="0" smtClean="0"/>
-              <a:t> per </a:t>
-            </a:r>
-            <a:r>
-              <a:rPr lang="de-DE" sz="1600" dirty="0" err="1" smtClean="0"/>
-              <a:t>publication</a:t>
-            </a:r>
-            <a:r>
-              <a:rPr lang="de-DE" sz="1600" dirty="0" smtClean="0"/>
-              <a:t> </a:t>
-            </a:r>
-            <a:r>
-              <a:rPr lang="de-DE" sz="1600" dirty="0" err="1" smtClean="0"/>
-              <a:t>year</a:t>
-            </a:r>
-            <a:r>
-              <a:rPr lang="de-DE" sz="1600" dirty="0" smtClean="0"/>
-              <a:t> </a:t>
-            </a:r>
-            <a:r>
-              <a:rPr lang="de-DE" sz="1600" dirty="0" err="1" smtClean="0"/>
-              <a:t>increasing</a:t>
-            </a:r>
-            <a:r>
-              <a:rPr lang="de-DE" sz="1600" dirty="0" smtClean="0"/>
-              <a:t> </a:t>
-            </a:r>
-            <a:r>
-              <a:rPr lang="de-DE" sz="1600" dirty="0" err="1" smtClean="0"/>
-              <a:t>over</a:t>
-            </a:r>
-            <a:r>
-              <a:rPr lang="de-DE" sz="1600" dirty="0" smtClean="0"/>
-              <a:t> time? </a:t>
-            </a:r>
-            <a:r>
-              <a:rPr lang="de-DE" sz="1600" dirty="0" err="1" smtClean="0"/>
-              <a:t>Or</a:t>
-            </a:r>
-            <a:r>
-              <a:rPr lang="de-DE" sz="1600" dirty="0" smtClean="0"/>
-              <a:t> </a:t>
-            </a:r>
-            <a:r>
-              <a:rPr lang="de-DE" sz="1600" dirty="0" err="1" smtClean="0"/>
-              <a:t>decreasing</a:t>
-            </a:r>
-            <a:r>
-              <a:rPr lang="de-DE" sz="1600" dirty="0" smtClean="0"/>
-              <a:t>? </a:t>
-            </a:r>
-            <a:r>
-              <a:rPr lang="de-DE" sz="1600" dirty="0" err="1" smtClean="0"/>
-              <a:t>Or</a:t>
-            </a:r>
-            <a:r>
-              <a:rPr lang="de-DE" sz="1600" dirty="0" smtClean="0"/>
-              <a:t> …</a:t>
-            </a:r>
-            <a:endParaRPr lang="de-DE" sz="1600" dirty="0"/>
-          </a:p>
-        </p:txBody>
-      </p:sp>
-      <p:sp>
-        <p:nvSpPr>
-          <p:cNvPr id="6" name="Abgerundete rechteckige Legende 5"/>
-          <p:cNvSpPr/>
-          <p:nvPr/>
-        </p:nvSpPr>
-        <p:spPr>
-          <a:xfrm>
-            <a:off x="6250894" y="3668073"/>
-            <a:ext cx="2343604" cy="837847"/>
-          </a:xfrm>
-          <a:prstGeom prst="wedgeRoundRectCallout">
-            <a:avLst>
-              <a:gd name="adj1" fmla="val -75988"/>
-              <a:gd name="adj2" fmla="val -37058"/>
-              <a:gd name="adj3" fmla="val 16667"/>
-            </a:avLst>
-          </a:prstGeom>
-          <a:noFill/>
-        </p:spPr>
-        <p:style>
-          <a:lnRef idx="2">
-            <a:schemeClr val="accent1"/>
-          </a:lnRef>
-          <a:fillRef idx="1">
-            <a:schemeClr val="lt1"/>
-          </a:fillRef>
-          <a:effectRef idx="0">
-            <a:schemeClr val="accent1"/>
-          </a:effectRef>
-          <a:fontRef idx="minor">
-            <a:schemeClr val="dk1"/>
-          </a:fontRef>
-        </p:style>
-        <p:txBody>
-          <a:bodyPr rtlCol="0" anchor="ctr"/>
-          <a:lstStyle/>
-          <a:p>
-            <a:pPr algn="ctr"/>
-            <a:r>
-              <a:rPr lang="de-DE" sz="1600" dirty="0" smtClean="0"/>
-              <a:t>Was </a:t>
-            </a:r>
-            <a:r>
-              <a:rPr lang="de-DE" sz="1600" dirty="0" err="1" smtClean="0"/>
-              <a:t>Lotka</a:t>
-            </a:r>
-            <a:r>
-              <a:rPr lang="de-DE" sz="1600" dirty="0" smtClean="0"/>
-              <a:t> (1926) a </a:t>
-            </a:r>
-            <a:r>
-              <a:rPr lang="de-DE" sz="1600" dirty="0" err="1" smtClean="0"/>
-              <a:t>higly</a:t>
-            </a:r>
-            <a:r>
-              <a:rPr lang="de-DE" sz="1600" dirty="0" smtClean="0"/>
-              <a:t> </a:t>
-            </a:r>
-            <a:r>
-              <a:rPr lang="de-DE" sz="1600" dirty="0" err="1" smtClean="0"/>
-              <a:t>cited</a:t>
-            </a:r>
-            <a:r>
-              <a:rPr lang="de-DE" sz="1600" dirty="0" smtClean="0"/>
-              <a:t> </a:t>
-            </a:r>
-            <a:r>
-              <a:rPr lang="de-DE" sz="1600" dirty="0" err="1" smtClean="0"/>
-              <a:t>paper</a:t>
-            </a:r>
-            <a:r>
-              <a:rPr lang="de-DE" sz="1600" dirty="0" smtClean="0"/>
-              <a:t> in </a:t>
-            </a:r>
-            <a:r>
-              <a:rPr lang="de-DE" sz="1600" dirty="0" err="1" smtClean="0"/>
-              <a:t>each</a:t>
-            </a:r>
-            <a:r>
-              <a:rPr lang="de-DE" sz="1600" dirty="0" smtClean="0"/>
-              <a:t> </a:t>
-            </a:r>
-            <a:r>
-              <a:rPr lang="de-DE" sz="1600" dirty="0" err="1" smtClean="0"/>
-              <a:t>citing</a:t>
-            </a:r>
-            <a:r>
-              <a:rPr lang="de-DE" sz="1600" dirty="0" smtClean="0"/>
-              <a:t> </a:t>
-            </a:r>
-            <a:r>
-              <a:rPr lang="de-DE" sz="1600" dirty="0" err="1" smtClean="0"/>
-              <a:t>publication</a:t>
-            </a:r>
-            <a:r>
-              <a:rPr lang="de-DE" sz="1600" dirty="0" smtClean="0"/>
-              <a:t> </a:t>
-            </a:r>
-            <a:r>
-              <a:rPr lang="de-DE" sz="1600" dirty="0" err="1" smtClean="0"/>
-              <a:t>year</a:t>
-            </a:r>
-            <a:r>
-              <a:rPr lang="de-DE" sz="1600" dirty="0"/>
-              <a:t>?</a:t>
-            </a:r>
-          </a:p>
-        </p:txBody>
-      </p:sp>
-      <p:sp>
-        <p:nvSpPr>
-          <p:cNvPr id="7" name="Gefaltete Ecke 6"/>
-          <p:cNvSpPr/>
-          <p:nvPr/>
-        </p:nvSpPr>
-        <p:spPr>
-          <a:xfrm>
-            <a:off x="6291259" y="1162825"/>
-            <a:ext cx="2520280" cy="994122"/>
-          </a:xfrm>
-          <a:prstGeom prst="foldedCorner">
-            <a:avLst/>
-          </a:prstGeom>
-        </p:spPr>
-        <p:style>
-          <a:lnRef idx="2">
-            <a:schemeClr val="accent1">
-              <a:shade val="50000"/>
-            </a:schemeClr>
-          </a:lnRef>
-          <a:fillRef idx="1">
-            <a:schemeClr val="accent1"/>
-          </a:fillRef>
-          <a:effectRef idx="0">
-            <a:schemeClr val="accent1"/>
-          </a:effectRef>
-          <a:fontRef idx="minor">
-            <a:schemeClr val="lt1"/>
-          </a:fontRef>
-        </p:style>
-        <p:txBody>
-          <a:bodyPr tIns="182880" bIns="0" rtlCol="0" anchor="ctr"/>
-          <a:lstStyle/>
-          <a:p>
-            <a:r>
-              <a:rPr lang="en-US" sz="1600" dirty="0" err="1" smtClean="0"/>
-              <a:t>Lotka</a:t>
-            </a:r>
-            <a:r>
-              <a:rPr lang="en-US" sz="1600" dirty="0" smtClean="0"/>
-              <a:t> </a:t>
-            </a:r>
-            <a:r>
-              <a:rPr lang="en-US" sz="1600" dirty="0"/>
-              <a:t>(1926) </a:t>
-            </a:r>
-            <a:r>
-              <a:rPr lang="en-US" sz="1600" i="1" dirty="0"/>
-              <a:t>The frequency distribution of scientific </a:t>
-            </a:r>
-            <a:r>
-              <a:rPr lang="en-US" sz="1600" i="1" dirty="0" smtClean="0"/>
-              <a:t>productivity </a:t>
-            </a:r>
-            <a:r>
-              <a:rPr lang="en-US" sz="1600" dirty="0" smtClean="0"/>
-              <a:t>has been cited by 155 publications.</a:t>
-            </a:r>
-            <a:endParaRPr lang="de-DE" sz="1600" dirty="0"/>
-          </a:p>
-        </p:txBody>
-      </p:sp>
-    </p:spTree>
-    <p:extLst>
-      <p:ext uri="{BB962C8B-B14F-4D97-AF65-F5344CB8AC3E}">
-        <p14:creationId xmlns:p14="http://schemas.microsoft.com/office/powerpoint/2010/main" val="2950749630"/>
-      </p:ext>
-    </p:extLst>
-  </p:cSld>
-  <p:clrMapOvr>
-    <a:masterClrMapping/>
-  </p:clrMapOvr>
-  <p:timing>
-    <p:tnLst>
-      <p:par>
-        <p:cTn id="1" dur="indefinite" restart="never" nodeType="tmRoot">
-          <p:childTnLst>
-            <p:seq concurrent="1" nextAc="seek">
-              <p:cTn id="2" dur="indefinite" nodeType="mainSeq">
-                <p:childTnLst>
-                  <p:par>
-                    <p:cTn id="3" fill="hold">
-                      <p:stCondLst>
-                        <p:cond delay="indefinite"/>
-                      </p:stCondLst>
-                      <p:childTnLst>
-                        <p:par>
-                          <p:cTn id="4" fill="hold">
-                            <p:stCondLst>
-                              <p:cond delay="0"/>
-                            </p:stCondLst>
-                            <p:childTnLst>
-                              <p:par>
-                                <p:cTn id="5" presetID="1" presetClass="entr" presetSubtype="0" fill="hold" grpId="0" nodeType="clickEffect">
-                                  <p:stCondLst>
-                                    <p:cond delay="0"/>
-                                  </p:stCondLst>
-                                  <p:childTnLst>
-                                    <p:set>
-                                      <p:cBhvr>
-                                        <p:cTn id="6" dur="1" fill="hold">
-                                          <p:stCondLst>
-                                            <p:cond delay="0"/>
-                                          </p:stCondLst>
-                                        </p:cTn>
-                                        <p:tgtEl>
-                                          <p:spTgt spid="4"/>
-                                        </p:tgtEl>
-                                        <p:attrNameLst>
-                                          <p:attrName>style.visibility</p:attrName>
-                                        </p:attrNameLst>
-                                      </p:cBhvr>
-                                      <p:to>
-                                        <p:strVal val="visible"/>
-                                      </p:to>
-                                    </p:set>
-                                  </p:childTnLst>
-                                </p:cTn>
-                              </p:par>
-                            </p:childTnLst>
-                          </p:cTn>
-                        </p:par>
-                      </p:childTnLst>
-                    </p:cTn>
-                  </p:par>
-                  <p:par>
-                    <p:cTn id="7" fill="hold">
-                      <p:stCondLst>
-                        <p:cond delay="indefinite"/>
-                      </p:stCondLst>
-                      <p:childTnLst>
-                        <p:par>
-                          <p:cTn id="8" fill="hold">
-                            <p:stCondLst>
-                              <p:cond delay="0"/>
-                            </p:stCondLst>
-                            <p:childTnLst>
-                              <p:par>
-                                <p:cTn id="9" presetID="1" presetClass="entr" presetSubtype="0" fill="hold" nodeType="clickEffect">
-                                  <p:stCondLst>
-                                    <p:cond delay="0"/>
-                                  </p:stCondLst>
-                                  <p:childTnLst>
-                                    <p:set>
-                                      <p:cBhvr>
-                                        <p:cTn id="10" dur="1" fill="hold">
-                                          <p:stCondLst>
-                                            <p:cond delay="0"/>
-                                          </p:stCondLst>
-                                        </p:cTn>
-                                        <p:tgtEl>
-                                          <p:spTgt spid="3">
-                                            <p:txEl>
-                                              <p:pRg st="2" end="2"/>
-                                            </p:txEl>
-                                          </p:spTgt>
-                                        </p:tgtEl>
-                                        <p:attrNameLst>
-                                          <p:attrName>style.visibility</p:attrName>
-                                        </p:attrNameLst>
-                                      </p:cBhvr>
-                                      <p:to>
-                                        <p:strVal val="visible"/>
-                                      </p:to>
-                                    </p:set>
-                                  </p:childTnLst>
-                                </p:cTn>
-                              </p:par>
-                              <p:par>
-                                <p:cTn id="11" presetID="1" presetClass="entr" presetSubtype="0" fill="hold" nodeType="withEffect">
-                                  <p:stCondLst>
-                                    <p:cond delay="0"/>
-                                  </p:stCondLst>
-                                  <p:childTnLst>
-                                    <p:set>
-                                      <p:cBhvr>
-                                        <p:cTn id="12" dur="1" fill="hold">
-                                          <p:stCondLst>
-                                            <p:cond delay="0"/>
-                                          </p:stCondLst>
-                                        </p:cTn>
-                                        <p:tgtEl>
-                                          <p:spTgt spid="3">
-                                            <p:txEl>
-                                              <p:pRg st="3" end="3"/>
-                                            </p:txEl>
-                                          </p:spTgt>
-                                        </p:tgtEl>
-                                        <p:attrNameLst>
-                                          <p:attrName>style.visibility</p:attrName>
-                                        </p:attrNameLst>
-                                      </p:cBhvr>
-                                      <p:to>
-                                        <p:strVal val="visible"/>
-                                      </p:to>
-                                    </p:set>
-                                  </p:childTnLst>
-                                </p:cTn>
-                              </p:par>
-                            </p:childTnLst>
-                          </p:cTn>
-                        </p:par>
-                      </p:childTnLst>
-                    </p:cTn>
-                  </p:par>
-                  <p:par>
-                    <p:cTn id="13" fill="hold">
-                      <p:stCondLst>
-                        <p:cond delay="indefinite"/>
-                      </p:stCondLst>
-                      <p:childTnLst>
-                        <p:par>
-                          <p:cTn id="14" fill="hold">
-                            <p:stCondLst>
-                              <p:cond delay="0"/>
-                            </p:stCondLst>
-                            <p:childTnLst>
-                              <p:par>
-                                <p:cTn id="15" presetID="1" presetClass="entr" presetSubtype="0" fill="hold" grpId="0" nodeType="clickEffect">
-                                  <p:stCondLst>
-                                    <p:cond delay="0"/>
-                                  </p:stCondLst>
-                                  <p:childTnLst>
-                                    <p:set>
-                                      <p:cBhvr>
-                                        <p:cTn id="16" dur="1" fill="hold">
-                                          <p:stCondLst>
-                                            <p:cond delay="0"/>
-                                          </p:stCondLst>
-                                        </p:cTn>
-                                        <p:tgtEl>
-                                          <p:spTgt spid="6"/>
-                                        </p:tgtEl>
-                                        <p:attrNameLst>
-                                          <p:attrName>style.visibility</p:attrName>
-                                        </p:attrNameLst>
-                                      </p:cBhvr>
-                                      <p:to>
-                                        <p:strVal val="visible"/>
-                                      </p:to>
-                                    </p:set>
-                                  </p:childTnLst>
-                                </p:cTn>
-                              </p:par>
-                            </p:childTnLst>
-                          </p:cTn>
-                        </p:par>
-                      </p:childTnLst>
-                    </p:cTn>
-                  </p:par>
-                  <p:par>
-                    <p:cTn id="17" fill="hold">
-                      <p:stCondLst>
-                        <p:cond delay="indefinite"/>
-                      </p:stCondLst>
-                      <p:childTnLst>
-                        <p:par>
-                          <p:cTn id="18" fill="hold">
-                            <p:stCondLst>
-                              <p:cond delay="0"/>
-                            </p:stCondLst>
-                            <p:childTnLst>
-                              <p:par>
-                                <p:cTn id="19" presetID="1" presetClass="entr" presetSubtype="0" fill="hold" nodeType="clickEffect">
-                                  <p:stCondLst>
-                                    <p:cond delay="0"/>
-                                  </p:stCondLst>
-                                  <p:childTnLst>
-                                    <p:set>
-                                      <p:cBhvr>
-                                        <p:cTn id="20" dur="1" fill="hold">
-                                          <p:stCondLst>
-                                            <p:cond delay="0"/>
-                                          </p:stCondLst>
-                                        </p:cTn>
-                                        <p:tgtEl>
-                                          <p:spTgt spid="3">
-                                            <p:txEl>
-                                              <p:pRg st="4" end="4"/>
-                                            </p:txEl>
-                                          </p:spTgt>
-                                        </p:tgtEl>
-                                        <p:attrNameLst>
-                                          <p:attrName>style.visibility</p:attrName>
-                                        </p:attrNameLst>
-                                      </p:cBhvr>
-                                      <p:to>
-                                        <p:strVal val="visible"/>
-                                      </p:to>
-                                    </p:set>
-                                  </p:childTnLst>
-                                </p:cTn>
-                              </p:par>
-                              <p:par>
-                                <p:cTn id="21" presetID="1" presetClass="entr" presetSubtype="0" fill="hold" nodeType="withEffect">
-                                  <p:stCondLst>
-                                    <p:cond delay="0"/>
-                                  </p:stCondLst>
-                                  <p:childTnLst>
-                                    <p:set>
-                                      <p:cBhvr>
-                                        <p:cTn id="22" dur="1" fill="hold">
-                                          <p:stCondLst>
-                                            <p:cond delay="0"/>
-                                          </p:stCondLst>
-                                        </p:cTn>
-                                        <p:tgtEl>
-                                          <p:spTgt spid="3">
-                                            <p:txEl>
-                                              <p:pRg st="5" end="5"/>
-                                            </p:txEl>
-                                          </p:spTgt>
-                                        </p:tgtEl>
-                                        <p:attrNameLst>
-                                          <p:attrName>style.visibility</p:attrName>
-                                        </p:attrNameLst>
-                                      </p:cBhvr>
-                                      <p:to>
-                                        <p:strVal val="visible"/>
-                                      </p:to>
-                                    </p:set>
-                                  </p:childTnLst>
-                                </p:cTn>
-                              </p:par>
-                            </p:childTnLst>
-                          </p:cTn>
-                        </p:par>
-                      </p:childTnLst>
-                    </p:cTn>
-                  </p:par>
-                  <p:par>
-                    <p:cTn id="23" fill="hold">
-                      <p:stCondLst>
-                        <p:cond delay="indefinite"/>
-                      </p:stCondLst>
-                      <p:childTnLst>
-                        <p:par>
-                          <p:cTn id="24" fill="hold">
-                            <p:stCondLst>
-                              <p:cond delay="0"/>
-                            </p:stCondLst>
-                            <p:childTnLst>
-                              <p:par>
-                                <p:cTn id="25" presetID="1" presetClass="entr" presetSubtype="0" fill="hold" grpId="0" nodeType="clickEffect">
-                                  <p:stCondLst>
-                                    <p:cond delay="0"/>
-                                  </p:stCondLst>
-                                  <p:childTnLst>
-                                    <p:set>
-                                      <p:cBhvr>
-                                        <p:cTn id="26" dur="1" fill="hold">
-                                          <p:stCondLst>
-                                            <p:cond delay="0"/>
-                                          </p:stCondLst>
-                                        </p:cTn>
-                                        <p:tgtEl>
-                                          <p:spTgt spid="5"/>
-                                        </p:tgtEl>
-                                        <p:attrNameLst>
-                                          <p:attrName>style.visibility</p:attrName>
-                                        </p:attrNameLst>
-                                      </p:cBhvr>
-                                      <p:to>
-                                        <p:strVal val="visible"/>
-                                      </p:to>
-                                    </p:set>
-                                  </p:childTnLst>
-                                </p:cTn>
-                              </p:par>
-                            </p:childTnLst>
-                          </p:cTn>
-                        </p:par>
-                      </p:childTnLst>
-                    </p:cTn>
-                  </p:par>
-                  <p:par>
-                    <p:cTn id="27" fill="hold">
-                      <p:stCondLst>
-                        <p:cond delay="indefinite"/>
-                      </p:stCondLst>
-                      <p:childTnLst>
-                        <p:par>
-                          <p:cTn id="28" fill="hold">
-                            <p:stCondLst>
-                              <p:cond delay="0"/>
-                            </p:stCondLst>
-                            <p:childTnLst>
-                              <p:par>
-                                <p:cTn id="29" presetID="1" presetClass="entr" presetSubtype="0" fill="hold" nodeType="clickEffect">
-                                  <p:stCondLst>
-                                    <p:cond delay="0"/>
-                                  </p:stCondLst>
-                                  <p:childTnLst>
-                                    <p:set>
-                                      <p:cBhvr>
-                                        <p:cTn id="30" dur="1" fill="hold">
-                                          <p:stCondLst>
-                                            <p:cond delay="0"/>
-                                          </p:stCondLst>
-                                        </p:cTn>
-                                        <p:tgtEl>
-                                          <p:spTgt spid="3">
-                                            <p:txEl>
-                                              <p:pRg st="6" end="6"/>
-                                            </p:txEl>
-                                          </p:spTgt>
-                                        </p:tgtEl>
-                                        <p:attrNameLst>
-                                          <p:attrName>style.visibility</p:attrName>
-                                        </p:attrNameLst>
-                                      </p:cBhvr>
-                                      <p:to>
-                                        <p:strVal val="visible"/>
-                                      </p:to>
-                                    </p:set>
-                                  </p:childTnLst>
-                                </p:cTn>
-                              </p:par>
-                              <p:par>
-                                <p:cTn id="31" presetID="1" presetClass="entr" presetSubtype="0" fill="hold" nodeType="withEffect">
-                                  <p:stCondLst>
-                                    <p:cond delay="0"/>
-                                  </p:stCondLst>
-                                  <p:childTnLst>
-                                    <p:set>
-                                      <p:cBhvr>
-                                        <p:cTn id="32" dur="1" fill="hold">
-                                          <p:stCondLst>
-                                            <p:cond delay="0"/>
-                                          </p:stCondLst>
-                                        </p:cTn>
-                                        <p:tgtEl>
-                                          <p:spTgt spid="3">
-                                            <p:txEl>
-                                              <p:pRg st="7" end="7"/>
-                                            </p:txEl>
-                                          </p:spTgt>
-                                        </p:tgtEl>
-                                        <p:attrNameLst>
-                                          <p:attrName>style.visibility</p:attrName>
-                                        </p:attrNameLst>
-                                      </p:cBhvr>
-                                      <p:to>
-                                        <p:strVal val="visible"/>
-                                      </p:to>
-                                    </p:set>
-                                  </p:childTnLst>
-                                </p:cTn>
-                              </p:par>
-                            </p:childTnLst>
-                          </p:cTn>
-                        </p:par>
-                      </p:childTnLst>
-                    </p:cTn>
-                  </p:par>
-                </p:childTnLst>
-              </p:cTn>
-              <p:prevCondLst>
-                <p:cond evt="onPrev" delay="0">
-                  <p:tgtEl>
-                    <p:sldTgt/>
-                  </p:tgtEl>
-                </p:cond>
-              </p:prevCondLst>
-              <p:nextCondLst>
-                <p:cond evt="onNext" delay="0">
-                  <p:tgtEl>
-                    <p:sldTgt/>
-                  </p:tgtEl>
-                </p:cond>
-              </p:nextCondLst>
-            </p:seq>
-          </p:childTnLst>
-        </p:cTn>
-      </p:par>
-    </p:tnLst>
-    <p:bldLst>
-      <p:bldP spid="4" grpId="0" animBg="1"/>
-      <p:bldP spid="5" grpId="0" animBg="1"/>
-      <p:bldP spid="6" grpId="0" animBg="1"/>
     </p:bldLst>
   </p:timing>
 </p:sld>

--- a/docs/slides/cre_overview.pptx
+++ b/docs/slides/cre_overview.pptx
@@ -5,28 +5,27 @@
     <p:sldMasterId id="2147483648" r:id="rId1"/>
   </p:sldMasterIdLst>
   <p:notesMasterIdLst>
-    <p:notesMasterId r:id="rId21"/>
+    <p:notesMasterId r:id="rId20"/>
   </p:notesMasterIdLst>
   <p:sldIdLst>
     <p:sldId id="256" r:id="rId2"/>
     <p:sldId id="279" r:id="rId3"/>
-    <p:sldId id="277" r:id="rId4"/>
-    <p:sldId id="265" r:id="rId5"/>
-    <p:sldId id="264" r:id="rId6"/>
-    <p:sldId id="275" r:id="rId7"/>
-    <p:sldId id="266" r:id="rId8"/>
-    <p:sldId id="267" r:id="rId9"/>
-    <p:sldId id="269" r:id="rId10"/>
-    <p:sldId id="274" r:id="rId11"/>
-    <p:sldId id="272" r:id="rId12"/>
-    <p:sldId id="276" r:id="rId13"/>
-    <p:sldId id="263" r:id="rId14"/>
-    <p:sldId id="261" r:id="rId15"/>
-    <p:sldId id="270" r:id="rId16"/>
-    <p:sldId id="278" r:id="rId17"/>
-    <p:sldId id="280" r:id="rId18"/>
-    <p:sldId id="281" r:id="rId19"/>
-    <p:sldId id="282" r:id="rId20"/>
+    <p:sldId id="265" r:id="rId4"/>
+    <p:sldId id="264" r:id="rId5"/>
+    <p:sldId id="275" r:id="rId6"/>
+    <p:sldId id="266" r:id="rId7"/>
+    <p:sldId id="267" r:id="rId8"/>
+    <p:sldId id="269" r:id="rId9"/>
+    <p:sldId id="274" r:id="rId10"/>
+    <p:sldId id="272" r:id="rId11"/>
+    <p:sldId id="276" r:id="rId12"/>
+    <p:sldId id="263" r:id="rId13"/>
+    <p:sldId id="261" r:id="rId14"/>
+    <p:sldId id="270" r:id="rId15"/>
+    <p:sldId id="278" r:id="rId16"/>
+    <p:sldId id="280" r:id="rId17"/>
+    <p:sldId id="281" r:id="rId18"/>
+    <p:sldId id="282" r:id="rId19"/>
   </p:sldIdLst>
   <p:sldSz cx="9144000" cy="6858000" type="screen4x3"/>
   <p:notesSz cx="6858000" cy="9144000"/>
@@ -132,7 +131,6 @@
           <p14:sldIdLst>
             <p14:sldId id="256"/>
             <p14:sldId id="279"/>
-            <p14:sldId id="277"/>
           </p14:sldIdLst>
         </p14:section>
         <p14:section name="CRExplorer" id="{4FE44F37-95E0-4B95-AD40-652A9D2C634A}">
@@ -277,7 +275,7 @@
           <a:p>
             <a:fld id="{B57BA540-9F59-4217-B916-AAFDB9257DF0}" type="datetimeFigureOut">
               <a:rPr lang="de-DE" smtClean="0"/>
-              <a:t>20.08.2018</a:t>
+              <a:t>04.09.2018</a:t>
             </a:fld>
             <a:endParaRPr lang="de-DE"/>
           </a:p>
@@ -589,6 +587,24 @@
           <a:bodyPr/>
           <a:lstStyle/>
           <a:p>
+            <a:r>
+              <a:rPr lang="de-DE" dirty="0" smtClean="0"/>
+              <a:t>2x Hirsch-CR</a:t>
+            </a:r>
+            <a:r>
+              <a:rPr lang="de-DE" baseline="0" dirty="0" smtClean="0"/>
+              <a:t> aus unterschiedlichen Quellen</a:t>
+            </a:r>
+          </a:p>
+          <a:p>
+            <a:r>
+              <a:rPr lang="de-DE" baseline="0" dirty="0" smtClean="0"/>
+              <a:t>Vor Filterung nach N_CR am besten </a:t>
+            </a:r>
+            <a:r>
+              <a:rPr lang="de-DE" baseline="0" dirty="0" err="1" smtClean="0"/>
+              <a:t>Deduplication</a:t>
+            </a:r>
             <a:endParaRPr lang="de-DE" dirty="0"/>
           </a:p>
         </p:txBody>
@@ -610,7 +626,7 @@
           <a:p>
             <a:fld id="{7E5481FC-599F-4049-8076-A864CF816BE2}" type="slidenum">
               <a:rPr lang="de-DE" smtClean="0"/>
-              <a:t>7</a:t>
+              <a:t>5</a:t>
             </a:fld>
             <a:endParaRPr lang="de-DE"/>
           </a:p>
@@ -619,7 +635,7 @@
     </p:spTree>
     <p:extLst>
       <p:ext uri="{BB962C8B-B14F-4D97-AF65-F5344CB8AC3E}">
-        <p14:creationId xmlns:p14="http://schemas.microsoft.com/office/powerpoint/2010/main" val="2081738964"/>
+        <p14:creationId xmlns:p14="http://schemas.microsoft.com/office/powerpoint/2010/main" val="895958029"/>
       </p:ext>
     </p:extLst>
   </p:cSld>
@@ -673,6 +689,194 @@
           <a:bodyPr/>
           <a:lstStyle/>
           <a:p>
+            <a:r>
+              <a:rPr lang="de-DE" dirty="0" smtClean="0"/>
+              <a:t>Syntaktische Unterschiede</a:t>
+            </a:r>
+          </a:p>
+          <a:p>
+            <a:pPr marL="171450" indent="-171450">
+              <a:buFont typeface="Arial" panose="020B0604020202020204" pitchFamily="34" charset="0"/>
+              <a:buChar char="•"/>
+            </a:pPr>
+            <a:r>
+              <a:rPr lang="de-DE" baseline="0" dirty="0" smtClean="0"/>
+              <a:t>Fehlende Angaben (z.B. DOI) bei #8664</a:t>
+            </a:r>
+          </a:p>
+          <a:p>
+            <a:pPr marL="171450" indent="-171450">
+              <a:buFont typeface="Arial" panose="020B0604020202020204" pitchFamily="34" charset="0"/>
+              <a:buChar char="•"/>
+            </a:pPr>
+            <a:r>
+              <a:rPr lang="de-DE" baseline="0" dirty="0" err="1" smtClean="0"/>
+              <a:t>Punctuation</a:t>
+            </a:r>
+            <a:r>
+              <a:rPr lang="de-DE" baseline="0" dirty="0" smtClean="0"/>
+              <a:t> (</a:t>
+            </a:r>
+            <a:r>
+              <a:rPr lang="de-DE" baseline="0" dirty="0" err="1" smtClean="0"/>
+              <a:t>authors</a:t>
+            </a:r>
+            <a:r>
+              <a:rPr lang="de-DE" baseline="0" dirty="0" smtClean="0"/>
+              <a:t>‘ </a:t>
+            </a:r>
+            <a:r>
+              <a:rPr lang="de-DE" baseline="0" dirty="0" err="1" smtClean="0"/>
+              <a:t>initials</a:t>
+            </a:r>
+            <a:r>
+              <a:rPr lang="de-DE" baseline="0" dirty="0" smtClean="0"/>
+              <a:t>)</a:t>
+            </a:r>
+          </a:p>
+          <a:p>
+            <a:pPr marL="171450" indent="-171450">
+              <a:buFont typeface="Arial" panose="020B0604020202020204" pitchFamily="34" charset="0"/>
+              <a:buChar char="•"/>
+            </a:pPr>
+            <a:r>
+              <a:rPr lang="de-DE" dirty="0" err="1" smtClean="0"/>
+              <a:t>Heteorgenous</a:t>
+            </a:r>
+            <a:r>
+              <a:rPr lang="de-DE" dirty="0" smtClean="0"/>
+              <a:t> Journal</a:t>
+            </a:r>
+            <a:r>
+              <a:rPr lang="de-DE" baseline="0" dirty="0" smtClean="0"/>
+              <a:t> </a:t>
+            </a:r>
+            <a:r>
+              <a:rPr lang="de-DE" baseline="0" dirty="0" err="1" smtClean="0"/>
+              <a:t>name</a:t>
+            </a:r>
+            <a:r>
+              <a:rPr lang="de-DE" baseline="0" dirty="0" smtClean="0"/>
+              <a:t> (USA #8664 vs. #8898)</a:t>
+            </a:r>
+          </a:p>
+          <a:p>
+            <a:pPr marL="171450" indent="-171450">
+              <a:buFont typeface="Arial" panose="020B0604020202020204" pitchFamily="34" charset="0"/>
+              <a:buChar char="•"/>
+            </a:pPr>
+            <a:r>
+              <a:rPr lang="de-DE" baseline="0" dirty="0" err="1" smtClean="0"/>
+              <a:t>Typos</a:t>
+            </a:r>
+            <a:r>
+              <a:rPr lang="de-DE" baseline="0" dirty="0" smtClean="0"/>
+              <a:t> (Ko*s*</a:t>
+            </a:r>
+            <a:r>
+              <a:rPr lang="de-DE" baseline="0" dirty="0" err="1" smtClean="0"/>
+              <a:t>mulski</a:t>
+            </a:r>
+            <a:r>
+              <a:rPr lang="de-DE" baseline="0" dirty="0" smtClean="0"/>
+              <a:t>)</a:t>
+            </a:r>
+          </a:p>
+          <a:p>
+            <a:pPr marL="171450" indent="-171450">
+              <a:buFont typeface="Arial" panose="020B0604020202020204" pitchFamily="34" charset="0"/>
+              <a:buChar char="•"/>
+            </a:pPr>
+            <a:endParaRPr lang="de-DE" baseline="0" dirty="0" smtClean="0"/>
+          </a:p>
+          <a:p>
+            <a:pPr marL="171450" indent="-171450">
+              <a:buFont typeface="Arial" panose="020B0604020202020204" pitchFamily="34" charset="0"/>
+              <a:buChar char="•"/>
+            </a:pPr>
+            <a:endParaRPr lang="de-DE" baseline="0" dirty="0" smtClean="0"/>
+          </a:p>
+          <a:p>
+            <a:pPr marL="0" indent="0">
+              <a:buFont typeface="Arial" panose="020B0604020202020204" pitchFamily="34" charset="0"/>
+              <a:buNone/>
+            </a:pPr>
+            <a:r>
+              <a:rPr lang="de-DE" baseline="0" dirty="0" smtClean="0"/>
+              <a:t>Cluster </a:t>
+            </a:r>
+            <a:r>
+              <a:rPr lang="de-DE" baseline="0" dirty="0" err="1" smtClean="0"/>
+              <a:t>representative</a:t>
+            </a:r>
+            <a:r>
+              <a:rPr lang="de-DE" baseline="0" dirty="0" smtClean="0"/>
+              <a:t> = </a:t>
+            </a:r>
+            <a:r>
+              <a:rPr lang="de-DE" baseline="0" dirty="0" err="1" smtClean="0"/>
+              <a:t>Cited</a:t>
+            </a:r>
+            <a:r>
+              <a:rPr lang="de-DE" baseline="0" dirty="0" smtClean="0"/>
+              <a:t> Reference </a:t>
+            </a:r>
+            <a:r>
+              <a:rPr lang="de-DE" baseline="0" dirty="0" err="1" smtClean="0"/>
+              <a:t>of</a:t>
+            </a:r>
+            <a:r>
+              <a:rPr lang="de-DE" baseline="0" dirty="0" smtClean="0"/>
+              <a:t> a </a:t>
+            </a:r>
+            <a:r>
+              <a:rPr lang="de-DE" baseline="0" dirty="0" err="1" smtClean="0"/>
+              <a:t>cluster</a:t>
+            </a:r>
+            <a:r>
+              <a:rPr lang="de-DE" baseline="0" dirty="0" smtClean="0"/>
+              <a:t> </a:t>
+            </a:r>
+            <a:r>
+              <a:rPr lang="de-DE" baseline="0" dirty="0" err="1" smtClean="0"/>
+              <a:t>with</a:t>
+            </a:r>
+            <a:r>
+              <a:rPr lang="de-DE" baseline="0" dirty="0" smtClean="0"/>
+              <a:t> </a:t>
+            </a:r>
+            <a:r>
+              <a:rPr lang="de-DE" baseline="0" dirty="0" err="1" smtClean="0"/>
+              <a:t>the</a:t>
+            </a:r>
+            <a:r>
+              <a:rPr lang="de-DE" baseline="0" dirty="0" smtClean="0"/>
+              <a:t> </a:t>
+            </a:r>
+            <a:r>
+              <a:rPr lang="de-DE" baseline="0" dirty="0" err="1" smtClean="0"/>
+              <a:t>highest</a:t>
+            </a:r>
+            <a:r>
+              <a:rPr lang="de-DE" baseline="0" dirty="0" smtClean="0"/>
+              <a:t> </a:t>
+            </a:r>
+            <a:r>
+              <a:rPr lang="de-DE" baseline="0" dirty="0" err="1" smtClean="0"/>
+              <a:t>number</a:t>
+            </a:r>
+            <a:r>
+              <a:rPr lang="de-DE" baseline="0" dirty="0" smtClean="0"/>
+              <a:t> </a:t>
+            </a:r>
+            <a:r>
+              <a:rPr lang="de-DE" baseline="0" dirty="0" err="1" smtClean="0"/>
+              <a:t>of</a:t>
+            </a:r>
+            <a:r>
+              <a:rPr lang="de-DE" baseline="0" dirty="0" smtClean="0"/>
+              <a:t> N_CR</a:t>
+            </a:r>
             <a:endParaRPr lang="de-DE" dirty="0"/>
           </a:p>
         </p:txBody>
@@ -694,7 +898,7 @@
           <a:p>
             <a:fld id="{7E5481FC-599F-4049-8076-A864CF816BE2}" type="slidenum">
               <a:rPr lang="de-DE" smtClean="0"/>
-              <a:t>11</a:t>
+              <a:t>6</a:t>
             </a:fld>
             <a:endParaRPr lang="de-DE"/>
           </a:p>
@@ -703,7 +907,7 @@
     </p:spTree>
     <p:extLst>
       <p:ext uri="{BB962C8B-B14F-4D97-AF65-F5344CB8AC3E}">
-        <p14:creationId xmlns:p14="http://schemas.microsoft.com/office/powerpoint/2010/main" val="2533518553"/>
+        <p14:creationId xmlns:p14="http://schemas.microsoft.com/office/powerpoint/2010/main" val="2081738964"/>
       </p:ext>
     </p:extLst>
   </p:cSld>
@@ -778,7 +982,7 @@
           <a:p>
             <a:fld id="{7E5481FC-599F-4049-8076-A864CF816BE2}" type="slidenum">
               <a:rPr lang="de-DE" smtClean="0"/>
-              <a:t>12</a:t>
+              <a:t>10</a:t>
             </a:fld>
             <a:endParaRPr lang="de-DE"/>
           </a:p>
@@ -787,7 +991,7 @@
     </p:spTree>
     <p:extLst>
       <p:ext uri="{BB962C8B-B14F-4D97-AF65-F5344CB8AC3E}">
-        <p14:creationId xmlns:p14="http://schemas.microsoft.com/office/powerpoint/2010/main" val="23342350"/>
+        <p14:creationId xmlns:p14="http://schemas.microsoft.com/office/powerpoint/2010/main" val="2533518553"/>
       </p:ext>
     </p:extLst>
   </p:cSld>
@@ -862,7 +1066,91 @@
           <a:p>
             <a:fld id="{7E5481FC-599F-4049-8076-A864CF816BE2}" type="slidenum">
               <a:rPr lang="de-DE" smtClean="0"/>
-              <a:t>13</a:t>
+              <a:t>11</a:t>
+            </a:fld>
+            <a:endParaRPr lang="de-DE"/>
+          </a:p>
+        </p:txBody>
+      </p:sp>
+    </p:spTree>
+    <p:extLst>
+      <p:ext uri="{BB962C8B-B14F-4D97-AF65-F5344CB8AC3E}">
+        <p14:creationId xmlns:p14="http://schemas.microsoft.com/office/powerpoint/2010/main" val="23342350"/>
+      </p:ext>
+    </p:extLst>
+  </p:cSld>
+  <p:clrMapOvr>
+    <a:masterClrMapping/>
+  </p:clrMapOvr>
+</p:notes>
+</file>
+
+<file path=ppt/notesSlides/notesSlide5.xml><?xml version="1.0" encoding="utf-8"?>
+<p:notes xmlns:a="http://schemas.openxmlformats.org/drawingml/2006/main" xmlns:r="http://schemas.openxmlformats.org/officeDocument/2006/relationships" xmlns:p="http://schemas.openxmlformats.org/presentationml/2006/main">
+  <p:cSld>
+    <p:spTree>
+      <p:nvGrpSpPr>
+        <p:cNvPr id="1" name=""/>
+        <p:cNvGrpSpPr/>
+        <p:nvPr/>
+      </p:nvGrpSpPr>
+      <p:grpSpPr>
+        <a:xfrm>
+          <a:off x="0" y="0"/>
+          <a:ext cx="0" cy="0"/>
+          <a:chOff x="0" y="0"/>
+          <a:chExt cx="0" cy="0"/>
+        </a:xfrm>
+      </p:grpSpPr>
+      <p:sp>
+        <p:nvSpPr>
+          <p:cNvPr id="2" name="Folienbildplatzhalter 1"/>
+          <p:cNvSpPr>
+            <a:spLocks noGrp="1" noRot="1" noChangeAspect="1"/>
+          </p:cNvSpPr>
+          <p:nvPr>
+            <p:ph type="sldImg"/>
+          </p:nvPr>
+        </p:nvSpPr>
+        <p:spPr/>
+      </p:sp>
+      <p:sp>
+        <p:nvSpPr>
+          <p:cNvPr id="3" name="Notizenplatzhalter 2"/>
+          <p:cNvSpPr>
+            <a:spLocks noGrp="1"/>
+          </p:cNvSpPr>
+          <p:nvPr>
+            <p:ph type="body" idx="1"/>
+          </p:nvPr>
+        </p:nvSpPr>
+        <p:spPr/>
+        <p:txBody>
+          <a:bodyPr/>
+          <a:lstStyle/>
+          <a:p>
+            <a:endParaRPr lang="de-DE" dirty="0"/>
+          </a:p>
+        </p:txBody>
+      </p:sp>
+      <p:sp>
+        <p:nvSpPr>
+          <p:cNvPr id="4" name="Foliennummernplatzhalter 3"/>
+          <p:cNvSpPr>
+            <a:spLocks noGrp="1"/>
+          </p:cNvSpPr>
+          <p:nvPr>
+            <p:ph type="sldNum" sz="quarter" idx="10"/>
+          </p:nvPr>
+        </p:nvSpPr>
+        <p:spPr/>
+        <p:txBody>
+          <a:bodyPr/>
+          <a:lstStyle/>
+          <a:p>
+            <a:fld id="{7E5481FC-599F-4049-8076-A864CF816BE2}" type="slidenum">
+              <a:rPr lang="de-DE" smtClean="0"/>
+              <a:t>12</a:t>
             </a:fld>
             <a:endParaRPr lang="de-DE"/>
           </a:p>
@@ -1062,7 +1350,7 @@
           <a:p>
             <a:fld id="{1BA50D42-C9CD-4801-B293-61D1F53EC57E}" type="datetimeFigureOut">
               <a:rPr lang="de-DE" smtClean="0"/>
-              <a:t>20.08.2018</a:t>
+              <a:t>04.09.2018</a:t>
             </a:fld>
             <a:endParaRPr lang="de-DE"/>
           </a:p>
@@ -1227,7 +1515,7 @@
           <a:p>
             <a:fld id="{1BA50D42-C9CD-4801-B293-61D1F53EC57E}" type="datetimeFigureOut">
               <a:rPr lang="de-DE" smtClean="0"/>
-              <a:t>20.08.2018</a:t>
+              <a:t>04.09.2018</a:t>
             </a:fld>
             <a:endParaRPr lang="de-DE"/>
           </a:p>
@@ -1402,7 +1690,7 @@
           <a:p>
             <a:fld id="{1BA50D42-C9CD-4801-B293-61D1F53EC57E}" type="datetimeFigureOut">
               <a:rPr lang="de-DE" smtClean="0"/>
-              <a:t>20.08.2018</a:t>
+              <a:t>04.09.2018</a:t>
             </a:fld>
             <a:endParaRPr lang="de-DE"/>
           </a:p>
@@ -1599,7 +1887,7 @@
           <a:p>
             <a:fld id="{1BA50D42-C9CD-4801-B293-61D1F53EC57E}" type="datetimeFigureOut">
               <a:rPr lang="de-DE" smtClean="0"/>
-              <a:t>20.08.2018</a:t>
+              <a:t>04.09.2018</a:t>
             </a:fld>
             <a:endParaRPr lang="de-DE"/>
           </a:p>
@@ -1840,7 +2128,7 @@
           <a:p>
             <a:fld id="{1BA50D42-C9CD-4801-B293-61D1F53EC57E}" type="datetimeFigureOut">
               <a:rPr lang="de-DE" smtClean="0"/>
-              <a:t>20.08.2018</a:t>
+              <a:t>04.09.2018</a:t>
             </a:fld>
             <a:endParaRPr lang="de-DE"/>
           </a:p>
@@ -2123,7 +2411,7 @@
           <a:p>
             <a:fld id="{1BA50D42-C9CD-4801-B293-61D1F53EC57E}" type="datetimeFigureOut">
               <a:rPr lang="de-DE" smtClean="0"/>
-              <a:t>20.08.2018</a:t>
+              <a:t>04.09.2018</a:t>
             </a:fld>
             <a:endParaRPr lang="de-DE"/>
           </a:p>
@@ -2540,7 +2828,7 @@
           <a:p>
             <a:fld id="{1BA50D42-C9CD-4801-B293-61D1F53EC57E}" type="datetimeFigureOut">
               <a:rPr lang="de-DE" smtClean="0"/>
-              <a:t>20.08.2018</a:t>
+              <a:t>04.09.2018</a:t>
             </a:fld>
             <a:endParaRPr lang="de-DE"/>
           </a:p>
@@ -2653,7 +2941,7 @@
           <a:p>
             <a:fld id="{1BA50D42-C9CD-4801-B293-61D1F53EC57E}" type="datetimeFigureOut">
               <a:rPr lang="de-DE" smtClean="0"/>
-              <a:t>20.08.2018</a:t>
+              <a:t>04.09.2018</a:t>
             </a:fld>
             <a:endParaRPr lang="de-DE"/>
           </a:p>
@@ -2743,7 +3031,7 @@
           <a:p>
             <a:fld id="{1BA50D42-C9CD-4801-B293-61D1F53EC57E}" type="datetimeFigureOut">
               <a:rPr lang="de-DE" smtClean="0"/>
-              <a:t>20.08.2018</a:t>
+              <a:t>04.09.2018</a:t>
             </a:fld>
             <a:endParaRPr lang="de-DE"/>
           </a:p>
@@ -3015,7 +3303,7 @@
           <a:p>
             <a:fld id="{1BA50D42-C9CD-4801-B293-61D1F53EC57E}" type="datetimeFigureOut">
               <a:rPr lang="de-DE" smtClean="0"/>
-              <a:t>20.08.2018</a:t>
+              <a:t>04.09.2018</a:t>
             </a:fld>
             <a:endParaRPr lang="de-DE"/>
           </a:p>
@@ -3263,7 +3551,7 @@
           <a:p>
             <a:fld id="{1BA50D42-C9CD-4801-B293-61D1F53EC57E}" type="datetimeFigureOut">
               <a:rPr lang="de-DE" smtClean="0"/>
-              <a:t>20.08.2018</a:t>
+              <a:t>04.09.2018</a:t>
             </a:fld>
             <a:endParaRPr lang="de-DE"/>
           </a:p>
@@ -3471,7 +3759,7 @@
           <a:p>
             <a:fld id="{1BA50D42-C9CD-4801-B293-61D1F53EC57E}" type="datetimeFigureOut">
               <a:rPr lang="de-DE" smtClean="0"/>
-              <a:t>20.08.2018</a:t>
+              <a:t>04.09.2018</a:t>
             </a:fld>
             <a:endParaRPr lang="de-DE"/>
           </a:p>
@@ -4238,1406 +4526,10 @@
           <a:lstStyle/>
           <a:p>
             <a:r>
-              <a:rPr lang="de-DE" dirty="0" err="1" smtClean="0"/>
-              <a:t>Indicators</a:t>
-            </a:r>
-            <a:endParaRPr lang="de-DE" dirty="0"/>
-          </a:p>
-        </p:txBody>
-      </p:sp>
-      <p:sp>
-        <p:nvSpPr>
-          <p:cNvPr id="3" name="Inhaltsplatzhalter 2"/>
-          <p:cNvSpPr>
-            <a:spLocks noGrp="1"/>
-          </p:cNvSpPr>
-          <p:nvPr>
-            <p:ph idx="1"/>
-          </p:nvPr>
-        </p:nvSpPr>
-        <p:spPr/>
-        <p:txBody>
-          <a:bodyPr>
-            <a:noAutofit/>
-          </a:bodyPr>
-          <a:lstStyle/>
-          <a:p>
-            <a:r>
-              <a:rPr lang="de-DE" b="1" dirty="0" smtClean="0"/>
-              <a:t>Relative </a:t>
-            </a:r>
-            <a:r>
-              <a:rPr lang="de-DE" b="1" dirty="0" err="1" smtClean="0"/>
-              <a:t>comparison</a:t>
-            </a:r>
-            <a:r>
-              <a:rPr lang="de-DE" b="1" dirty="0" smtClean="0"/>
-              <a:t> </a:t>
-            </a:r>
-            <a:r>
-              <a:rPr lang="de-DE" dirty="0" err="1" smtClean="0"/>
-              <a:t>of</a:t>
-            </a:r>
-            <a:r>
-              <a:rPr lang="de-DE" dirty="0" smtClean="0"/>
-              <a:t> </a:t>
-            </a:r>
-            <a:r>
-              <a:rPr lang="de-DE" dirty="0" err="1" smtClean="0"/>
-              <a:t>Cited</a:t>
-            </a:r>
-            <a:r>
-              <a:rPr lang="de-DE" dirty="0" smtClean="0"/>
-              <a:t> References</a:t>
-            </a:r>
-            <a:br>
-              <a:rPr lang="de-DE" dirty="0" smtClean="0"/>
-            </a:br>
-            <a:r>
-              <a:rPr lang="de-DE" dirty="0" smtClean="0"/>
-              <a:t>w.r.t. </a:t>
-            </a:r>
-            <a:r>
-              <a:rPr lang="de-DE" dirty="0" err="1" smtClean="0"/>
-              <a:t>the</a:t>
-            </a:r>
-            <a:r>
-              <a:rPr lang="de-DE" dirty="0" smtClean="0"/>
-              <a:t> Reference </a:t>
-            </a:r>
-            <a:r>
-              <a:rPr lang="de-DE" dirty="0" err="1" smtClean="0"/>
-              <a:t>Publication</a:t>
-            </a:r>
-            <a:r>
-              <a:rPr lang="de-DE" dirty="0" smtClean="0"/>
-              <a:t> Year (RPY)</a:t>
-            </a:r>
-            <a:br>
-              <a:rPr lang="de-DE" dirty="0" smtClean="0"/>
-            </a:br>
-            <a:r>
-              <a:rPr lang="de-DE" dirty="0" err="1" smtClean="0"/>
-              <a:t>and</a:t>
-            </a:r>
-            <a:r>
-              <a:rPr lang="de-DE" dirty="0" smtClean="0"/>
-              <a:t> </a:t>
-            </a:r>
-            <a:r>
-              <a:rPr lang="de-DE" dirty="0" err="1" smtClean="0"/>
-              <a:t>the</a:t>
-            </a:r>
-            <a:r>
-              <a:rPr lang="de-DE" dirty="0" smtClean="0"/>
-              <a:t> </a:t>
-            </a:r>
-            <a:r>
-              <a:rPr lang="de-DE" dirty="0" err="1" smtClean="0"/>
-              <a:t>Publication</a:t>
-            </a:r>
-            <a:r>
-              <a:rPr lang="de-DE" dirty="0" smtClean="0"/>
-              <a:t> Year (PY) </a:t>
-            </a:r>
-            <a:r>
-              <a:rPr lang="de-DE" dirty="0" err="1" smtClean="0"/>
-              <a:t>of</a:t>
-            </a:r>
-            <a:r>
-              <a:rPr lang="de-DE" dirty="0" smtClean="0"/>
-              <a:t> </a:t>
-            </a:r>
-            <a:r>
-              <a:rPr lang="de-DE" dirty="0" err="1" smtClean="0"/>
-              <a:t>citing</a:t>
-            </a:r>
-            <a:r>
-              <a:rPr lang="de-DE" dirty="0" smtClean="0"/>
-              <a:t> </a:t>
-            </a:r>
-            <a:r>
-              <a:rPr lang="de-DE" dirty="0" err="1" smtClean="0"/>
-              <a:t>publications</a:t>
-            </a:r>
-            <a:endParaRPr lang="de-DE" dirty="0" smtClean="0"/>
-          </a:p>
-          <a:p>
-            <a:endParaRPr lang="de-DE" dirty="0" smtClean="0"/>
-          </a:p>
-          <a:p>
-            <a:r>
-              <a:rPr lang="de-DE" b="1" dirty="0" smtClean="0">
-                <a:solidFill>
-                  <a:srgbClr val="FF0000"/>
-                </a:solidFill>
-              </a:rPr>
-              <a:t>N_PYEARS</a:t>
-            </a:r>
-            <a:r>
-              <a:rPr lang="de-DE" dirty="0" smtClean="0">
-                <a:solidFill>
-                  <a:srgbClr val="FF0000"/>
-                </a:solidFill>
-              </a:rPr>
-              <a:t> </a:t>
-            </a:r>
-            <a:r>
-              <a:rPr lang="de-DE" dirty="0" err="1" smtClean="0"/>
-              <a:t>and</a:t>
-            </a:r>
-            <a:r>
-              <a:rPr lang="de-DE" dirty="0" smtClean="0"/>
-              <a:t> </a:t>
-            </a:r>
-            <a:r>
-              <a:rPr lang="de-DE" b="1" dirty="0" smtClean="0">
-                <a:solidFill>
-                  <a:srgbClr val="FF0000"/>
-                </a:solidFill>
-              </a:rPr>
-              <a:t>PERC_PYEAR</a:t>
-            </a:r>
-          </a:p>
-          <a:p>
-            <a:pPr lvl="1"/>
-            <a:r>
-              <a:rPr lang="de-DE" dirty="0" smtClean="0"/>
-              <a:t>Absolute </a:t>
-            </a:r>
-            <a:r>
-              <a:rPr lang="de-DE" dirty="0" err="1" smtClean="0"/>
-              <a:t>and</a:t>
-            </a:r>
-            <a:r>
-              <a:rPr lang="de-DE" dirty="0" smtClean="0"/>
-              <a:t> relative </a:t>
-            </a:r>
-            <a:r>
-              <a:rPr lang="de-DE" dirty="0" err="1" smtClean="0"/>
-              <a:t>number</a:t>
-            </a:r>
-            <a:r>
-              <a:rPr lang="de-DE" dirty="0" smtClean="0"/>
-              <a:t> </a:t>
-            </a:r>
-            <a:r>
-              <a:rPr lang="de-DE" dirty="0" err="1" smtClean="0"/>
-              <a:t>of</a:t>
-            </a:r>
-            <a:r>
-              <a:rPr lang="de-DE" dirty="0" smtClean="0"/>
-              <a:t> PYs</a:t>
-            </a:r>
-            <a:br>
-              <a:rPr lang="de-DE" dirty="0" smtClean="0"/>
-            </a:br>
-            <a:r>
-              <a:rPr lang="de-DE" dirty="0" smtClean="0"/>
-              <a:t>in </a:t>
-            </a:r>
-            <a:r>
-              <a:rPr lang="de-DE" dirty="0" err="1" smtClean="0"/>
-              <a:t>which</a:t>
-            </a:r>
-            <a:r>
-              <a:rPr lang="de-DE" dirty="0" smtClean="0"/>
-              <a:t> a </a:t>
-            </a:r>
-            <a:r>
-              <a:rPr lang="de-DE" dirty="0" err="1" smtClean="0"/>
-              <a:t>Cited</a:t>
-            </a:r>
-            <a:r>
-              <a:rPr lang="de-DE" dirty="0" smtClean="0"/>
-              <a:t> </a:t>
-            </a:r>
-            <a:r>
-              <a:rPr lang="de-DE" dirty="0" err="1" smtClean="0"/>
-              <a:t>Referennce</a:t>
-            </a:r>
-            <a:r>
-              <a:rPr lang="de-DE" dirty="0" smtClean="0"/>
-              <a:t> </a:t>
-            </a:r>
-            <a:r>
-              <a:rPr lang="de-DE" dirty="0" err="1" smtClean="0"/>
-              <a:t>has</a:t>
-            </a:r>
-            <a:r>
-              <a:rPr lang="de-DE" dirty="0" smtClean="0"/>
-              <a:t> </a:t>
-            </a:r>
-            <a:r>
-              <a:rPr lang="de-DE" dirty="0" err="1" smtClean="0"/>
-              <a:t>been</a:t>
-            </a:r>
-            <a:r>
-              <a:rPr lang="de-DE" dirty="0" smtClean="0"/>
-              <a:t> </a:t>
-            </a:r>
-            <a:r>
-              <a:rPr lang="de-DE" dirty="0" err="1" smtClean="0"/>
-              <a:t>cited</a:t>
-            </a:r>
-            <a:r>
-              <a:rPr lang="de-DE" dirty="0" smtClean="0"/>
-              <a:t/>
-            </a:r>
-            <a:br>
-              <a:rPr lang="de-DE" dirty="0" smtClean="0"/>
-            </a:br>
-            <a:endParaRPr lang="de-DE" dirty="0" smtClean="0"/>
-          </a:p>
-          <a:p>
-            <a:r>
-              <a:rPr lang="de-DE" b="1" dirty="0" smtClean="0">
-                <a:solidFill>
-                  <a:srgbClr val="FF0000"/>
-                </a:solidFill>
-              </a:rPr>
-              <a:t>TOP-N</a:t>
-            </a:r>
-          </a:p>
-          <a:p>
-            <a:pPr lvl="1"/>
-            <a:r>
-              <a:rPr lang="de-DE" dirty="0" err="1" smtClean="0"/>
-              <a:t>Number</a:t>
-            </a:r>
-            <a:r>
-              <a:rPr lang="de-DE" dirty="0" smtClean="0"/>
-              <a:t> </a:t>
-            </a:r>
-            <a:r>
-              <a:rPr lang="de-DE" dirty="0" err="1" smtClean="0"/>
-              <a:t>of</a:t>
-            </a:r>
-            <a:r>
-              <a:rPr lang="de-DE" dirty="0" smtClean="0"/>
-              <a:t> </a:t>
-            </a:r>
-            <a:r>
-              <a:rPr lang="de-DE" dirty="0" err="1" smtClean="0"/>
-              <a:t>times</a:t>
-            </a:r>
-            <a:r>
-              <a:rPr lang="de-DE" dirty="0" smtClean="0"/>
-              <a:t> a </a:t>
-            </a:r>
-            <a:r>
-              <a:rPr lang="de-DE" dirty="0" err="1" smtClean="0"/>
-              <a:t>Cited</a:t>
-            </a:r>
-            <a:r>
-              <a:rPr lang="de-DE" dirty="0" smtClean="0"/>
-              <a:t> Reference </a:t>
-            </a:r>
-            <a:r>
-              <a:rPr lang="de-DE" dirty="0" err="1" smtClean="0"/>
-              <a:t>has</a:t>
-            </a:r>
-            <a:r>
-              <a:rPr lang="de-DE" dirty="0" smtClean="0"/>
-              <a:t> </a:t>
-            </a:r>
-            <a:r>
-              <a:rPr lang="de-DE" dirty="0" err="1" smtClean="0"/>
-              <a:t>been</a:t>
-            </a:r>
-            <a:r>
-              <a:rPr lang="de-DE" dirty="0" smtClean="0"/>
-              <a:t> in </a:t>
-            </a:r>
-            <a:r>
-              <a:rPr lang="de-DE" dirty="0" err="1" smtClean="0"/>
-              <a:t>the</a:t>
-            </a:r>
-            <a:r>
-              <a:rPr lang="de-DE" dirty="0" smtClean="0"/>
-              <a:t/>
-            </a:r>
-            <a:br>
-              <a:rPr lang="de-DE" dirty="0" smtClean="0"/>
-            </a:br>
-            <a:r>
-              <a:rPr lang="de-DE" dirty="0" smtClean="0"/>
-              <a:t>Top-N% in </a:t>
-            </a:r>
-            <a:r>
-              <a:rPr lang="de-DE" dirty="0" err="1" smtClean="0"/>
-              <a:t>the</a:t>
-            </a:r>
-            <a:r>
-              <a:rPr lang="de-DE" dirty="0" smtClean="0"/>
-              <a:t> PY-</a:t>
-            </a:r>
-            <a:r>
-              <a:rPr lang="de-DE" dirty="0" err="1" smtClean="0"/>
-              <a:t>wise</a:t>
-            </a:r>
-            <a:r>
-              <a:rPr lang="de-DE" dirty="0" smtClean="0"/>
-              <a:t> </a:t>
-            </a:r>
-            <a:r>
-              <a:rPr lang="de-DE" dirty="0" err="1" smtClean="0"/>
-              <a:t>ranking</a:t>
-            </a:r>
-            <a:r>
-              <a:rPr lang="de-DE" dirty="0" smtClean="0"/>
-              <a:t> </a:t>
-            </a:r>
-            <a:r>
-              <a:rPr lang="de-DE" dirty="0" err="1" smtClean="0"/>
-              <a:t>of</a:t>
-            </a:r>
-            <a:r>
-              <a:rPr lang="de-DE" dirty="0" smtClean="0"/>
-              <a:t> </a:t>
-            </a:r>
-            <a:r>
-              <a:rPr lang="de-DE" dirty="0" err="1" smtClean="0"/>
-              <a:t>Cited</a:t>
-            </a:r>
-            <a:r>
-              <a:rPr lang="de-DE" dirty="0" smtClean="0"/>
-              <a:t> References</a:t>
-            </a:r>
-            <a:br>
-              <a:rPr lang="de-DE" dirty="0" smtClean="0"/>
-            </a:br>
-            <a:endParaRPr lang="de-DE" dirty="0" smtClean="0"/>
-          </a:p>
-          <a:p>
-            <a:r>
-              <a:rPr lang="de-DE" b="1" dirty="0" smtClean="0">
-                <a:solidFill>
-                  <a:srgbClr val="FF0000"/>
-                </a:solidFill>
-              </a:rPr>
-              <a:t>SEQUENCE</a:t>
-            </a:r>
-            <a:r>
-              <a:rPr lang="de-DE" dirty="0" smtClean="0"/>
-              <a:t> </a:t>
-            </a:r>
-            <a:r>
-              <a:rPr lang="de-DE" dirty="0" err="1" smtClean="0"/>
-              <a:t>and</a:t>
-            </a:r>
-            <a:r>
-              <a:rPr lang="de-DE" dirty="0" smtClean="0"/>
-              <a:t> </a:t>
-            </a:r>
-            <a:r>
-              <a:rPr lang="de-DE" b="1" dirty="0" smtClean="0">
-                <a:solidFill>
-                  <a:srgbClr val="FF0000"/>
-                </a:solidFill>
-              </a:rPr>
-              <a:t>TYPE</a:t>
-            </a:r>
-            <a:r>
-              <a:rPr lang="de-DE" dirty="0" smtClean="0">
-                <a:solidFill>
-                  <a:srgbClr val="FF0000"/>
-                </a:solidFill>
-              </a:rPr>
-              <a:t> </a:t>
-            </a:r>
-          </a:p>
-          <a:p>
-            <a:pPr lvl="1"/>
-            <a:r>
-              <a:rPr lang="de-DE" dirty="0" smtClean="0"/>
-              <a:t>Distribution </a:t>
-            </a:r>
-            <a:r>
-              <a:rPr lang="de-DE" dirty="0" err="1" smtClean="0"/>
-              <a:t>of</a:t>
-            </a:r>
-            <a:r>
-              <a:rPr lang="de-DE" dirty="0" smtClean="0"/>
-              <a:t> </a:t>
-            </a:r>
-            <a:r>
-              <a:rPr lang="de-DE" dirty="0" err="1" smtClean="0"/>
-              <a:t>citations</a:t>
-            </a:r>
-            <a:r>
-              <a:rPr lang="de-DE" dirty="0" smtClean="0"/>
-              <a:t> </a:t>
-            </a:r>
-            <a:r>
-              <a:rPr lang="de-DE" dirty="0" err="1" smtClean="0"/>
-              <a:t>over</a:t>
-            </a:r>
-            <a:r>
-              <a:rPr lang="de-DE" dirty="0" smtClean="0"/>
-              <a:t> time </a:t>
-            </a:r>
-            <a:r>
-              <a:rPr lang="de-DE" dirty="0" err="1" smtClean="0"/>
-              <a:t>and</a:t>
-            </a:r>
-            <a:r>
-              <a:rPr lang="de-DE" dirty="0" smtClean="0"/>
-              <a:t> </a:t>
-            </a:r>
-            <a:br>
-              <a:rPr lang="de-DE" dirty="0" smtClean="0"/>
-            </a:br>
-            <a:r>
-              <a:rPr lang="de-DE" dirty="0" err="1" smtClean="0"/>
-              <a:t>identification</a:t>
-            </a:r>
-            <a:r>
-              <a:rPr lang="de-DE" dirty="0" smtClean="0"/>
-              <a:t> </a:t>
-            </a:r>
-            <a:r>
-              <a:rPr lang="de-DE" dirty="0" err="1" smtClean="0"/>
-              <a:t>of</a:t>
-            </a:r>
-            <a:r>
-              <a:rPr lang="de-DE" dirty="0" smtClean="0"/>
-              <a:t> </a:t>
-            </a:r>
-            <a:r>
-              <a:rPr lang="de-DE" dirty="0" err="1" smtClean="0"/>
-              <a:t>common</a:t>
-            </a:r>
-            <a:r>
-              <a:rPr lang="de-DE" dirty="0" smtClean="0"/>
-              <a:t> time-</a:t>
-            </a:r>
-            <a:r>
-              <a:rPr lang="de-DE" dirty="0" err="1" smtClean="0"/>
-              <a:t>series</a:t>
-            </a:r>
-            <a:r>
-              <a:rPr lang="de-DE" dirty="0" smtClean="0"/>
-              <a:t> </a:t>
-            </a:r>
-            <a:r>
-              <a:rPr lang="de-DE" dirty="0" err="1" smtClean="0"/>
-              <a:t>patterns</a:t>
-            </a:r>
-            <a:endParaRPr lang="de-DE" dirty="0"/>
-          </a:p>
-        </p:txBody>
-      </p:sp>
-      <p:sp>
-        <p:nvSpPr>
-          <p:cNvPr id="4" name="Abgerundete rechteckige Legende 3"/>
-          <p:cNvSpPr/>
-          <p:nvPr/>
-        </p:nvSpPr>
-        <p:spPr>
-          <a:xfrm>
-            <a:off x="6288840" y="2481559"/>
-            <a:ext cx="2267712" cy="844354"/>
-          </a:xfrm>
-          <a:prstGeom prst="wedgeRoundRectCallout">
-            <a:avLst>
-              <a:gd name="adj1" fmla="val -82799"/>
-              <a:gd name="adj2" fmla="val -39632"/>
-              <a:gd name="adj3" fmla="val 16667"/>
-            </a:avLst>
-          </a:prstGeom>
-          <a:noFill/>
-        </p:spPr>
-        <p:style>
-          <a:lnRef idx="2">
-            <a:schemeClr val="accent1"/>
-          </a:lnRef>
-          <a:fillRef idx="1">
-            <a:schemeClr val="lt1"/>
-          </a:fillRef>
-          <a:effectRef idx="0">
-            <a:schemeClr val="accent1"/>
-          </a:effectRef>
-          <a:fontRef idx="minor">
-            <a:schemeClr val="dk1"/>
-          </a:fontRef>
-        </p:style>
-        <p:txBody>
-          <a:bodyPr lIns="0" rIns="0" rtlCol="0" anchor="ctr"/>
-          <a:lstStyle/>
-          <a:p>
-            <a:pPr algn="ctr"/>
-            <a:r>
-              <a:rPr lang="de-DE" sz="1600" dirty="0" smtClean="0"/>
-              <a:t>In </a:t>
-            </a:r>
-            <a:r>
-              <a:rPr lang="de-DE" sz="1600" dirty="0" err="1" smtClean="0"/>
-              <a:t>how</a:t>
-            </a:r>
-            <a:r>
-              <a:rPr lang="de-DE" sz="1600" dirty="0" smtClean="0"/>
-              <a:t> </a:t>
-            </a:r>
-            <a:r>
-              <a:rPr lang="de-DE" sz="1600" dirty="0" err="1" smtClean="0"/>
-              <a:t>many</a:t>
-            </a:r>
-            <a:r>
-              <a:rPr lang="de-DE" sz="1600" dirty="0" smtClean="0"/>
-              <a:t> </a:t>
-            </a:r>
-            <a:r>
-              <a:rPr lang="de-DE" sz="1600" dirty="0" err="1" smtClean="0"/>
-              <a:t>publication</a:t>
-            </a:r>
-            <a:r>
-              <a:rPr lang="de-DE" sz="1600" dirty="0" smtClean="0"/>
-              <a:t> </a:t>
-            </a:r>
-            <a:r>
-              <a:rPr lang="de-DE" sz="1600" dirty="0" err="1" smtClean="0"/>
-              <a:t>years</a:t>
-            </a:r>
-            <a:r>
-              <a:rPr lang="de-DE" sz="1600" dirty="0" smtClean="0"/>
-              <a:t> </a:t>
-            </a:r>
-            <a:r>
-              <a:rPr lang="de-DE" sz="1600" dirty="0" err="1" smtClean="0"/>
-              <a:t>has</a:t>
-            </a:r>
-            <a:r>
-              <a:rPr lang="de-DE" sz="1600" dirty="0" smtClean="0"/>
-              <a:t> </a:t>
-            </a:r>
-            <a:r>
-              <a:rPr lang="de-DE" sz="1600" dirty="0" err="1" smtClean="0"/>
-              <a:t>Lotka</a:t>
-            </a:r>
-            <a:r>
-              <a:rPr lang="de-DE" sz="1600" dirty="0" smtClean="0"/>
-              <a:t> (1926) </a:t>
-            </a:r>
-            <a:r>
-              <a:rPr lang="de-DE" sz="1600" dirty="0" err="1" smtClean="0"/>
-              <a:t>been</a:t>
-            </a:r>
-            <a:r>
-              <a:rPr lang="de-DE" sz="1600" dirty="0" smtClean="0"/>
-              <a:t> </a:t>
-            </a:r>
-            <a:r>
-              <a:rPr lang="de-DE" sz="1600" dirty="0" err="1" smtClean="0"/>
-              <a:t>cited</a:t>
-            </a:r>
-            <a:r>
-              <a:rPr lang="de-DE" sz="1600" dirty="0"/>
-              <a:t>?</a:t>
-            </a:r>
-          </a:p>
-        </p:txBody>
-      </p:sp>
-      <p:sp>
-        <p:nvSpPr>
-          <p:cNvPr id="5" name="Abgerundete rechteckige Legende 4"/>
-          <p:cNvSpPr/>
-          <p:nvPr/>
-        </p:nvSpPr>
-        <p:spPr>
-          <a:xfrm>
-            <a:off x="5574367" y="4777409"/>
-            <a:ext cx="3027161" cy="837847"/>
-          </a:xfrm>
-          <a:prstGeom prst="wedgeRoundRectCallout">
-            <a:avLst>
-              <a:gd name="adj1" fmla="val -65827"/>
-              <a:gd name="adj2" fmla="val -41027"/>
-              <a:gd name="adj3" fmla="val 16667"/>
-            </a:avLst>
-          </a:prstGeom>
-          <a:noFill/>
-        </p:spPr>
-        <p:style>
-          <a:lnRef idx="2">
-            <a:schemeClr val="accent1"/>
-          </a:lnRef>
-          <a:fillRef idx="1">
-            <a:schemeClr val="lt1"/>
-          </a:fillRef>
-          <a:effectRef idx="0">
-            <a:schemeClr val="accent1"/>
-          </a:effectRef>
-          <a:fontRef idx="minor">
-            <a:schemeClr val="dk1"/>
-          </a:fontRef>
-        </p:style>
-        <p:txBody>
-          <a:bodyPr rtlCol="0" anchor="ctr"/>
-          <a:lstStyle/>
-          <a:p>
-            <a:pPr algn="ctr"/>
-            <a:r>
-              <a:rPr lang="de-DE" sz="1600" dirty="0" err="1" smtClean="0"/>
-              <a:t>Is</a:t>
-            </a:r>
-            <a:r>
-              <a:rPr lang="de-DE" sz="1600" dirty="0" smtClean="0"/>
-              <a:t> </a:t>
-            </a:r>
-            <a:r>
-              <a:rPr lang="de-DE" sz="1600" dirty="0" err="1" smtClean="0"/>
-              <a:t>the</a:t>
-            </a:r>
-            <a:r>
-              <a:rPr lang="de-DE" sz="1600" dirty="0" smtClean="0"/>
-              <a:t> </a:t>
-            </a:r>
-            <a:r>
-              <a:rPr lang="de-DE" sz="1600" dirty="0" err="1" smtClean="0"/>
-              <a:t>number</a:t>
-            </a:r>
-            <a:r>
-              <a:rPr lang="de-DE" sz="1600" dirty="0" smtClean="0"/>
-              <a:t> </a:t>
-            </a:r>
-            <a:r>
-              <a:rPr lang="de-DE" sz="1600" dirty="0" err="1" smtClean="0"/>
-              <a:t>of</a:t>
-            </a:r>
-            <a:r>
-              <a:rPr lang="de-DE" sz="1600" dirty="0" smtClean="0"/>
-              <a:t> </a:t>
-            </a:r>
-            <a:r>
-              <a:rPr lang="de-DE" sz="1600" dirty="0" err="1" smtClean="0"/>
-              <a:t>citations</a:t>
-            </a:r>
-            <a:r>
-              <a:rPr lang="de-DE" sz="1600" dirty="0" smtClean="0"/>
-              <a:t> per </a:t>
-            </a:r>
-            <a:r>
-              <a:rPr lang="de-DE" sz="1600" dirty="0" err="1" smtClean="0"/>
-              <a:t>publication</a:t>
-            </a:r>
-            <a:r>
-              <a:rPr lang="de-DE" sz="1600" dirty="0" smtClean="0"/>
-              <a:t> </a:t>
-            </a:r>
-            <a:r>
-              <a:rPr lang="de-DE" sz="1600" dirty="0" err="1" smtClean="0"/>
-              <a:t>year</a:t>
-            </a:r>
-            <a:r>
-              <a:rPr lang="de-DE" sz="1600" dirty="0" smtClean="0"/>
-              <a:t> </a:t>
-            </a:r>
-            <a:r>
-              <a:rPr lang="de-DE" sz="1600" dirty="0" err="1" smtClean="0"/>
-              <a:t>increasing</a:t>
-            </a:r>
-            <a:r>
-              <a:rPr lang="de-DE" sz="1600" dirty="0" smtClean="0"/>
-              <a:t> </a:t>
-            </a:r>
-            <a:r>
-              <a:rPr lang="de-DE" sz="1600" dirty="0" err="1" smtClean="0"/>
-              <a:t>over</a:t>
-            </a:r>
-            <a:r>
-              <a:rPr lang="de-DE" sz="1600" dirty="0" smtClean="0"/>
-              <a:t> time? </a:t>
-            </a:r>
-            <a:r>
-              <a:rPr lang="de-DE" sz="1600" dirty="0" err="1" smtClean="0"/>
-              <a:t>Or</a:t>
-            </a:r>
-            <a:r>
-              <a:rPr lang="de-DE" sz="1600" dirty="0" smtClean="0"/>
-              <a:t> </a:t>
-            </a:r>
-            <a:r>
-              <a:rPr lang="de-DE" sz="1600" dirty="0" err="1" smtClean="0"/>
-              <a:t>decreasing</a:t>
-            </a:r>
-            <a:r>
-              <a:rPr lang="de-DE" sz="1600" dirty="0" smtClean="0"/>
-              <a:t>? </a:t>
-            </a:r>
-            <a:r>
-              <a:rPr lang="de-DE" sz="1600" dirty="0" err="1" smtClean="0"/>
-              <a:t>Or</a:t>
-            </a:r>
-            <a:r>
-              <a:rPr lang="de-DE" sz="1600" dirty="0" smtClean="0"/>
-              <a:t> …</a:t>
-            </a:r>
-            <a:endParaRPr lang="de-DE" sz="1600" dirty="0"/>
-          </a:p>
-        </p:txBody>
-      </p:sp>
-      <p:sp>
-        <p:nvSpPr>
-          <p:cNvPr id="6" name="Abgerundete rechteckige Legende 5"/>
-          <p:cNvSpPr/>
-          <p:nvPr/>
-        </p:nvSpPr>
-        <p:spPr>
-          <a:xfrm>
-            <a:off x="6250894" y="3668073"/>
-            <a:ext cx="2343604" cy="837847"/>
-          </a:xfrm>
-          <a:prstGeom prst="wedgeRoundRectCallout">
-            <a:avLst>
-              <a:gd name="adj1" fmla="val -75988"/>
-              <a:gd name="adj2" fmla="val -37058"/>
-              <a:gd name="adj3" fmla="val 16667"/>
-            </a:avLst>
-          </a:prstGeom>
-          <a:noFill/>
-        </p:spPr>
-        <p:style>
-          <a:lnRef idx="2">
-            <a:schemeClr val="accent1"/>
-          </a:lnRef>
-          <a:fillRef idx="1">
-            <a:schemeClr val="lt1"/>
-          </a:fillRef>
-          <a:effectRef idx="0">
-            <a:schemeClr val="accent1"/>
-          </a:effectRef>
-          <a:fontRef idx="minor">
-            <a:schemeClr val="dk1"/>
-          </a:fontRef>
-        </p:style>
-        <p:txBody>
-          <a:bodyPr rtlCol="0" anchor="ctr"/>
-          <a:lstStyle/>
-          <a:p>
-            <a:pPr algn="ctr"/>
-            <a:r>
-              <a:rPr lang="de-DE" sz="1600" dirty="0" smtClean="0"/>
-              <a:t>Was </a:t>
-            </a:r>
-            <a:r>
-              <a:rPr lang="de-DE" sz="1600" dirty="0" err="1" smtClean="0"/>
-              <a:t>Lotka</a:t>
-            </a:r>
-            <a:r>
-              <a:rPr lang="de-DE" sz="1600" dirty="0" smtClean="0"/>
-              <a:t> (1926) a </a:t>
-            </a:r>
-            <a:r>
-              <a:rPr lang="de-DE" sz="1600" dirty="0" err="1" smtClean="0"/>
-              <a:t>higly</a:t>
-            </a:r>
-            <a:r>
-              <a:rPr lang="de-DE" sz="1600" dirty="0" smtClean="0"/>
-              <a:t> </a:t>
-            </a:r>
-            <a:r>
-              <a:rPr lang="de-DE" sz="1600" dirty="0" err="1" smtClean="0"/>
-              <a:t>cited</a:t>
-            </a:r>
-            <a:r>
-              <a:rPr lang="de-DE" sz="1600" dirty="0" smtClean="0"/>
-              <a:t> </a:t>
-            </a:r>
-            <a:r>
-              <a:rPr lang="de-DE" sz="1600" dirty="0" err="1" smtClean="0"/>
-              <a:t>paper</a:t>
-            </a:r>
-            <a:r>
-              <a:rPr lang="de-DE" sz="1600" dirty="0" smtClean="0"/>
-              <a:t> in </a:t>
-            </a:r>
-            <a:r>
-              <a:rPr lang="de-DE" sz="1600" dirty="0" err="1" smtClean="0"/>
-              <a:t>each</a:t>
-            </a:r>
-            <a:r>
-              <a:rPr lang="de-DE" sz="1600" dirty="0" smtClean="0"/>
-              <a:t> </a:t>
-            </a:r>
-            <a:r>
-              <a:rPr lang="de-DE" sz="1600" dirty="0" err="1" smtClean="0"/>
-              <a:t>citing</a:t>
-            </a:r>
-            <a:r>
-              <a:rPr lang="de-DE" sz="1600" dirty="0" smtClean="0"/>
-              <a:t> </a:t>
-            </a:r>
-            <a:r>
-              <a:rPr lang="de-DE" sz="1600" dirty="0" err="1" smtClean="0"/>
-              <a:t>publication</a:t>
-            </a:r>
-            <a:r>
-              <a:rPr lang="de-DE" sz="1600" dirty="0" smtClean="0"/>
-              <a:t> </a:t>
-            </a:r>
-            <a:r>
-              <a:rPr lang="de-DE" sz="1600" dirty="0" err="1" smtClean="0"/>
-              <a:t>year</a:t>
-            </a:r>
-            <a:r>
-              <a:rPr lang="de-DE" sz="1600" dirty="0"/>
-              <a:t>?</a:t>
-            </a:r>
-          </a:p>
-        </p:txBody>
-      </p:sp>
-      <p:sp>
-        <p:nvSpPr>
-          <p:cNvPr id="7" name="Gefaltete Ecke 6"/>
-          <p:cNvSpPr/>
-          <p:nvPr/>
-        </p:nvSpPr>
-        <p:spPr>
-          <a:xfrm>
-            <a:off x="6291259" y="1162825"/>
-            <a:ext cx="2520280" cy="994122"/>
-          </a:xfrm>
-          <a:prstGeom prst="foldedCorner">
-            <a:avLst/>
-          </a:prstGeom>
-        </p:spPr>
-        <p:style>
-          <a:lnRef idx="2">
-            <a:schemeClr val="accent1">
-              <a:shade val="50000"/>
-            </a:schemeClr>
-          </a:lnRef>
-          <a:fillRef idx="1">
-            <a:schemeClr val="accent1"/>
-          </a:fillRef>
-          <a:effectRef idx="0">
-            <a:schemeClr val="accent1"/>
-          </a:effectRef>
-          <a:fontRef idx="minor">
-            <a:schemeClr val="lt1"/>
-          </a:fontRef>
-        </p:style>
-        <p:txBody>
-          <a:bodyPr tIns="182880" bIns="0" rtlCol="0" anchor="ctr"/>
-          <a:lstStyle/>
-          <a:p>
-            <a:r>
-              <a:rPr lang="en-US" sz="1600" dirty="0" err="1" smtClean="0"/>
-              <a:t>Lotka</a:t>
-            </a:r>
-            <a:r>
-              <a:rPr lang="en-US" sz="1600" dirty="0" smtClean="0"/>
-              <a:t> </a:t>
-            </a:r>
-            <a:r>
-              <a:rPr lang="en-US" sz="1600" dirty="0"/>
-              <a:t>(1926) </a:t>
-            </a:r>
-            <a:r>
-              <a:rPr lang="en-US" sz="1600" i="1" dirty="0"/>
-              <a:t>The frequency distribution of scientific </a:t>
-            </a:r>
-            <a:r>
-              <a:rPr lang="en-US" sz="1600" i="1" dirty="0" smtClean="0"/>
-              <a:t>productivity </a:t>
-            </a:r>
-            <a:r>
-              <a:rPr lang="en-US" sz="1600" dirty="0" smtClean="0"/>
-              <a:t>has been cited by 155 publications.</a:t>
-            </a:r>
-            <a:endParaRPr lang="de-DE" sz="1600" dirty="0"/>
-          </a:p>
-        </p:txBody>
-      </p:sp>
-    </p:spTree>
-    <p:extLst>
-      <p:ext uri="{BB962C8B-B14F-4D97-AF65-F5344CB8AC3E}">
-        <p14:creationId xmlns:p14="http://schemas.microsoft.com/office/powerpoint/2010/main" val="2950749630"/>
-      </p:ext>
-    </p:extLst>
-  </p:cSld>
-  <p:clrMapOvr>
-    <a:masterClrMapping/>
-  </p:clrMapOvr>
-  <p:timing>
-    <p:tnLst>
-      <p:par>
-        <p:cTn id="1" dur="indefinite" restart="never" nodeType="tmRoot">
-          <p:childTnLst>
-            <p:seq concurrent="1" nextAc="seek">
-              <p:cTn id="2" dur="indefinite" nodeType="mainSeq">
-                <p:childTnLst>
-                  <p:par>
-                    <p:cTn id="3" fill="hold">
-                      <p:stCondLst>
-                        <p:cond delay="indefinite"/>
-                      </p:stCondLst>
-                      <p:childTnLst>
-                        <p:par>
-                          <p:cTn id="4" fill="hold">
-                            <p:stCondLst>
-                              <p:cond delay="0"/>
-                            </p:stCondLst>
-                            <p:childTnLst>
-                              <p:par>
-                                <p:cTn id="5" presetID="1" presetClass="entr" presetSubtype="0" fill="hold" grpId="0" nodeType="clickEffect">
-                                  <p:stCondLst>
-                                    <p:cond delay="0"/>
-                                  </p:stCondLst>
-                                  <p:childTnLst>
-                                    <p:set>
-                                      <p:cBhvr>
-                                        <p:cTn id="6" dur="1" fill="hold">
-                                          <p:stCondLst>
-                                            <p:cond delay="0"/>
-                                          </p:stCondLst>
-                                        </p:cTn>
-                                        <p:tgtEl>
-                                          <p:spTgt spid="4"/>
-                                        </p:tgtEl>
-                                        <p:attrNameLst>
-                                          <p:attrName>style.visibility</p:attrName>
-                                        </p:attrNameLst>
-                                      </p:cBhvr>
-                                      <p:to>
-                                        <p:strVal val="visible"/>
-                                      </p:to>
-                                    </p:set>
-                                  </p:childTnLst>
-                                </p:cTn>
-                              </p:par>
-                            </p:childTnLst>
-                          </p:cTn>
-                        </p:par>
-                      </p:childTnLst>
-                    </p:cTn>
-                  </p:par>
-                  <p:par>
-                    <p:cTn id="7" fill="hold">
-                      <p:stCondLst>
-                        <p:cond delay="indefinite"/>
-                      </p:stCondLst>
-                      <p:childTnLst>
-                        <p:par>
-                          <p:cTn id="8" fill="hold">
-                            <p:stCondLst>
-                              <p:cond delay="0"/>
-                            </p:stCondLst>
-                            <p:childTnLst>
-                              <p:par>
-                                <p:cTn id="9" presetID="1" presetClass="entr" presetSubtype="0" fill="hold" nodeType="clickEffect">
-                                  <p:stCondLst>
-                                    <p:cond delay="0"/>
-                                  </p:stCondLst>
-                                  <p:childTnLst>
-                                    <p:set>
-                                      <p:cBhvr>
-                                        <p:cTn id="10" dur="1" fill="hold">
-                                          <p:stCondLst>
-                                            <p:cond delay="0"/>
-                                          </p:stCondLst>
-                                        </p:cTn>
-                                        <p:tgtEl>
-                                          <p:spTgt spid="3">
-                                            <p:txEl>
-                                              <p:pRg st="2" end="2"/>
-                                            </p:txEl>
-                                          </p:spTgt>
-                                        </p:tgtEl>
-                                        <p:attrNameLst>
-                                          <p:attrName>style.visibility</p:attrName>
-                                        </p:attrNameLst>
-                                      </p:cBhvr>
-                                      <p:to>
-                                        <p:strVal val="visible"/>
-                                      </p:to>
-                                    </p:set>
-                                  </p:childTnLst>
-                                </p:cTn>
-                              </p:par>
-                              <p:par>
-                                <p:cTn id="11" presetID="1" presetClass="entr" presetSubtype="0" fill="hold" nodeType="withEffect">
-                                  <p:stCondLst>
-                                    <p:cond delay="0"/>
-                                  </p:stCondLst>
-                                  <p:childTnLst>
-                                    <p:set>
-                                      <p:cBhvr>
-                                        <p:cTn id="12" dur="1" fill="hold">
-                                          <p:stCondLst>
-                                            <p:cond delay="0"/>
-                                          </p:stCondLst>
-                                        </p:cTn>
-                                        <p:tgtEl>
-                                          <p:spTgt spid="3">
-                                            <p:txEl>
-                                              <p:pRg st="3" end="3"/>
-                                            </p:txEl>
-                                          </p:spTgt>
-                                        </p:tgtEl>
-                                        <p:attrNameLst>
-                                          <p:attrName>style.visibility</p:attrName>
-                                        </p:attrNameLst>
-                                      </p:cBhvr>
-                                      <p:to>
-                                        <p:strVal val="visible"/>
-                                      </p:to>
-                                    </p:set>
-                                  </p:childTnLst>
-                                </p:cTn>
-                              </p:par>
-                            </p:childTnLst>
-                          </p:cTn>
-                        </p:par>
-                      </p:childTnLst>
-                    </p:cTn>
-                  </p:par>
-                  <p:par>
-                    <p:cTn id="13" fill="hold">
-                      <p:stCondLst>
-                        <p:cond delay="indefinite"/>
-                      </p:stCondLst>
-                      <p:childTnLst>
-                        <p:par>
-                          <p:cTn id="14" fill="hold">
-                            <p:stCondLst>
-                              <p:cond delay="0"/>
-                            </p:stCondLst>
-                            <p:childTnLst>
-                              <p:par>
-                                <p:cTn id="15" presetID="1" presetClass="entr" presetSubtype="0" fill="hold" grpId="0" nodeType="clickEffect">
-                                  <p:stCondLst>
-                                    <p:cond delay="0"/>
-                                  </p:stCondLst>
-                                  <p:childTnLst>
-                                    <p:set>
-                                      <p:cBhvr>
-                                        <p:cTn id="16" dur="1" fill="hold">
-                                          <p:stCondLst>
-                                            <p:cond delay="0"/>
-                                          </p:stCondLst>
-                                        </p:cTn>
-                                        <p:tgtEl>
-                                          <p:spTgt spid="6"/>
-                                        </p:tgtEl>
-                                        <p:attrNameLst>
-                                          <p:attrName>style.visibility</p:attrName>
-                                        </p:attrNameLst>
-                                      </p:cBhvr>
-                                      <p:to>
-                                        <p:strVal val="visible"/>
-                                      </p:to>
-                                    </p:set>
-                                  </p:childTnLst>
-                                </p:cTn>
-                              </p:par>
-                            </p:childTnLst>
-                          </p:cTn>
-                        </p:par>
-                      </p:childTnLst>
-                    </p:cTn>
-                  </p:par>
-                  <p:par>
-                    <p:cTn id="17" fill="hold">
-                      <p:stCondLst>
-                        <p:cond delay="indefinite"/>
-                      </p:stCondLst>
-                      <p:childTnLst>
-                        <p:par>
-                          <p:cTn id="18" fill="hold">
-                            <p:stCondLst>
-                              <p:cond delay="0"/>
-                            </p:stCondLst>
-                            <p:childTnLst>
-                              <p:par>
-                                <p:cTn id="19" presetID="1" presetClass="entr" presetSubtype="0" fill="hold" nodeType="clickEffect">
-                                  <p:stCondLst>
-                                    <p:cond delay="0"/>
-                                  </p:stCondLst>
-                                  <p:childTnLst>
-                                    <p:set>
-                                      <p:cBhvr>
-                                        <p:cTn id="20" dur="1" fill="hold">
-                                          <p:stCondLst>
-                                            <p:cond delay="0"/>
-                                          </p:stCondLst>
-                                        </p:cTn>
-                                        <p:tgtEl>
-                                          <p:spTgt spid="3">
-                                            <p:txEl>
-                                              <p:pRg st="4" end="4"/>
-                                            </p:txEl>
-                                          </p:spTgt>
-                                        </p:tgtEl>
-                                        <p:attrNameLst>
-                                          <p:attrName>style.visibility</p:attrName>
-                                        </p:attrNameLst>
-                                      </p:cBhvr>
-                                      <p:to>
-                                        <p:strVal val="visible"/>
-                                      </p:to>
-                                    </p:set>
-                                  </p:childTnLst>
-                                </p:cTn>
-                              </p:par>
-                              <p:par>
-                                <p:cTn id="21" presetID="1" presetClass="entr" presetSubtype="0" fill="hold" nodeType="withEffect">
-                                  <p:stCondLst>
-                                    <p:cond delay="0"/>
-                                  </p:stCondLst>
-                                  <p:childTnLst>
-                                    <p:set>
-                                      <p:cBhvr>
-                                        <p:cTn id="22" dur="1" fill="hold">
-                                          <p:stCondLst>
-                                            <p:cond delay="0"/>
-                                          </p:stCondLst>
-                                        </p:cTn>
-                                        <p:tgtEl>
-                                          <p:spTgt spid="3">
-                                            <p:txEl>
-                                              <p:pRg st="5" end="5"/>
-                                            </p:txEl>
-                                          </p:spTgt>
-                                        </p:tgtEl>
-                                        <p:attrNameLst>
-                                          <p:attrName>style.visibility</p:attrName>
-                                        </p:attrNameLst>
-                                      </p:cBhvr>
-                                      <p:to>
-                                        <p:strVal val="visible"/>
-                                      </p:to>
-                                    </p:set>
-                                  </p:childTnLst>
-                                </p:cTn>
-                              </p:par>
-                            </p:childTnLst>
-                          </p:cTn>
-                        </p:par>
-                      </p:childTnLst>
-                    </p:cTn>
-                  </p:par>
-                  <p:par>
-                    <p:cTn id="23" fill="hold">
-                      <p:stCondLst>
-                        <p:cond delay="indefinite"/>
-                      </p:stCondLst>
-                      <p:childTnLst>
-                        <p:par>
-                          <p:cTn id="24" fill="hold">
-                            <p:stCondLst>
-                              <p:cond delay="0"/>
-                            </p:stCondLst>
-                            <p:childTnLst>
-                              <p:par>
-                                <p:cTn id="25" presetID="1" presetClass="entr" presetSubtype="0" fill="hold" grpId="0" nodeType="clickEffect">
-                                  <p:stCondLst>
-                                    <p:cond delay="0"/>
-                                  </p:stCondLst>
-                                  <p:childTnLst>
-                                    <p:set>
-                                      <p:cBhvr>
-                                        <p:cTn id="26" dur="1" fill="hold">
-                                          <p:stCondLst>
-                                            <p:cond delay="0"/>
-                                          </p:stCondLst>
-                                        </p:cTn>
-                                        <p:tgtEl>
-                                          <p:spTgt spid="5"/>
-                                        </p:tgtEl>
-                                        <p:attrNameLst>
-                                          <p:attrName>style.visibility</p:attrName>
-                                        </p:attrNameLst>
-                                      </p:cBhvr>
-                                      <p:to>
-                                        <p:strVal val="visible"/>
-                                      </p:to>
-                                    </p:set>
-                                  </p:childTnLst>
-                                </p:cTn>
-                              </p:par>
-                            </p:childTnLst>
-                          </p:cTn>
-                        </p:par>
-                      </p:childTnLst>
-                    </p:cTn>
-                  </p:par>
-                  <p:par>
-                    <p:cTn id="27" fill="hold">
-                      <p:stCondLst>
-                        <p:cond delay="indefinite"/>
-                      </p:stCondLst>
-                      <p:childTnLst>
-                        <p:par>
-                          <p:cTn id="28" fill="hold">
-                            <p:stCondLst>
-                              <p:cond delay="0"/>
-                            </p:stCondLst>
-                            <p:childTnLst>
-                              <p:par>
-                                <p:cTn id="29" presetID="1" presetClass="entr" presetSubtype="0" fill="hold" nodeType="clickEffect">
-                                  <p:stCondLst>
-                                    <p:cond delay="0"/>
-                                  </p:stCondLst>
-                                  <p:childTnLst>
-                                    <p:set>
-                                      <p:cBhvr>
-                                        <p:cTn id="30" dur="1" fill="hold">
-                                          <p:stCondLst>
-                                            <p:cond delay="0"/>
-                                          </p:stCondLst>
-                                        </p:cTn>
-                                        <p:tgtEl>
-                                          <p:spTgt spid="3">
-                                            <p:txEl>
-                                              <p:pRg st="6" end="6"/>
-                                            </p:txEl>
-                                          </p:spTgt>
-                                        </p:tgtEl>
-                                        <p:attrNameLst>
-                                          <p:attrName>style.visibility</p:attrName>
-                                        </p:attrNameLst>
-                                      </p:cBhvr>
-                                      <p:to>
-                                        <p:strVal val="visible"/>
-                                      </p:to>
-                                    </p:set>
-                                  </p:childTnLst>
-                                </p:cTn>
-                              </p:par>
-                              <p:par>
-                                <p:cTn id="31" presetID="1" presetClass="entr" presetSubtype="0" fill="hold" nodeType="withEffect">
-                                  <p:stCondLst>
-                                    <p:cond delay="0"/>
-                                  </p:stCondLst>
-                                  <p:childTnLst>
-                                    <p:set>
-                                      <p:cBhvr>
-                                        <p:cTn id="32" dur="1" fill="hold">
-                                          <p:stCondLst>
-                                            <p:cond delay="0"/>
-                                          </p:stCondLst>
-                                        </p:cTn>
-                                        <p:tgtEl>
-                                          <p:spTgt spid="3">
-                                            <p:txEl>
-                                              <p:pRg st="7" end="7"/>
-                                            </p:txEl>
-                                          </p:spTgt>
-                                        </p:tgtEl>
-                                        <p:attrNameLst>
-                                          <p:attrName>style.visibility</p:attrName>
-                                        </p:attrNameLst>
-                                      </p:cBhvr>
-                                      <p:to>
-                                        <p:strVal val="visible"/>
-                                      </p:to>
-                                    </p:set>
-                                  </p:childTnLst>
-                                </p:cTn>
-                              </p:par>
-                            </p:childTnLst>
-                          </p:cTn>
-                        </p:par>
-                      </p:childTnLst>
-                    </p:cTn>
-                  </p:par>
-                </p:childTnLst>
-              </p:cTn>
-              <p:prevCondLst>
-                <p:cond evt="onPrev" delay="0">
-                  <p:tgtEl>
-                    <p:sldTgt/>
-                  </p:tgtEl>
-                </p:cond>
-              </p:prevCondLst>
-              <p:nextCondLst>
-                <p:cond evt="onNext" delay="0">
-                  <p:tgtEl>
-                    <p:sldTgt/>
-                  </p:tgtEl>
-                </p:cond>
-              </p:nextCondLst>
-            </p:seq>
-          </p:childTnLst>
-        </p:cTn>
-      </p:par>
-    </p:tnLst>
-    <p:bldLst>
-      <p:bldP spid="4" grpId="0" animBg="1"/>
-      <p:bldP spid="5" grpId="0" animBg="1"/>
-      <p:bldP spid="6" grpId="0" animBg="1"/>
-    </p:bldLst>
-  </p:timing>
-</p:sld>
-</file>
-
-<file path=ppt/slides/slide11.xml><?xml version="1.0" encoding="utf-8"?>
-<p:sld xmlns:a="http://schemas.openxmlformats.org/drawingml/2006/main" xmlns:r="http://schemas.openxmlformats.org/officeDocument/2006/relationships" xmlns:p="http://schemas.openxmlformats.org/presentationml/2006/main">
-  <p:cSld>
-    <p:spTree>
-      <p:nvGrpSpPr>
-        <p:cNvPr id="1" name=""/>
-        <p:cNvGrpSpPr/>
-        <p:nvPr/>
-      </p:nvGrpSpPr>
-      <p:grpSpPr>
-        <a:xfrm>
-          <a:off x="0" y="0"/>
-          <a:ext cx="0" cy="0"/>
-          <a:chOff x="0" y="0"/>
-          <a:chExt cx="0" cy="0"/>
-        </a:xfrm>
-      </p:grpSpPr>
-      <p:sp>
-        <p:nvSpPr>
-          <p:cNvPr id="2" name="Titel 1"/>
-          <p:cNvSpPr>
-            <a:spLocks noGrp="1"/>
-          </p:cNvSpPr>
-          <p:nvPr>
-            <p:ph type="title"/>
-          </p:nvPr>
-        </p:nvSpPr>
-        <p:spPr/>
-        <p:txBody>
-          <a:bodyPr/>
-          <a:lstStyle/>
-          <a:p>
-            <a:r>
-              <a:rPr lang="de-DE" dirty="0" err="1" smtClean="0"/>
-              <a:t>Number</a:t>
-            </a:r>
-            <a:r>
-              <a:rPr lang="de-DE" dirty="0" smtClean="0"/>
-              <a:t> </a:t>
-            </a:r>
-            <a:r>
-              <a:rPr lang="de-DE" dirty="0" err="1" smtClean="0"/>
-              <a:t>of</a:t>
-            </a:r>
-            <a:r>
-              <a:rPr lang="de-DE" dirty="0" smtClean="0"/>
-              <a:t> </a:t>
-            </a:r>
-            <a:r>
-              <a:rPr lang="de-DE" dirty="0" err="1" smtClean="0"/>
-              <a:t>Publication</a:t>
-            </a:r>
-            <a:r>
-              <a:rPr lang="de-DE" dirty="0" smtClean="0"/>
-              <a:t> </a:t>
-            </a:r>
-            <a:r>
-              <a:rPr lang="de-DE" dirty="0" err="1" smtClean="0"/>
-              <a:t>Years</a:t>
-            </a:r>
-            <a:r>
-              <a:rPr lang="de-DE" dirty="0" smtClean="0"/>
-              <a:t> (PYs)</a:t>
-            </a:r>
-            <a:endParaRPr lang="de-DE" dirty="0"/>
+              <a:rPr lang="en-US" noProof="0" dirty="0" smtClean="0"/>
+              <a:t>Number of Publication Years (PYs)</a:t>
+            </a:r>
+            <a:endParaRPr lang="en-US" noProof="0" dirty="0"/>
           </a:p>
         </p:txBody>
       </p:sp>
@@ -5664,68 +4556,51 @@
           <a:lstStyle/>
           <a:p>
             <a:r>
-              <a:rPr lang="en-US" b="1" dirty="0"/>
+              <a:rPr lang="en-US" b="1" noProof="0" dirty="0" smtClean="0"/>
               <a:t>N_PYEARS</a:t>
             </a:r>
             <a:r>
-              <a:rPr lang="en-US" dirty="0"/>
-              <a:t> = No. of </a:t>
-            </a:r>
-            <a:r>
-              <a:rPr lang="en-US" dirty="0" smtClean="0"/>
-              <a:t>PYs in </a:t>
-            </a:r>
-            <a:r>
-              <a:rPr lang="en-US" dirty="0"/>
-              <a:t>which the CR has been cited</a:t>
-            </a:r>
-          </a:p>
-          <a:p>
-            <a:endParaRPr lang="en-US" dirty="0"/>
-          </a:p>
-          <a:p>
-            <a:r>
-              <a:rPr lang="en-US" dirty="0"/>
+              <a:rPr lang="en-US" noProof="0" dirty="0" smtClean="0"/>
+              <a:t> = No. of PYs in which the CR has been cited</a:t>
+            </a:r>
+          </a:p>
+          <a:p>
+            <a:endParaRPr lang="en-US" noProof="0" dirty="0" smtClean="0"/>
+          </a:p>
+          <a:p>
+            <a:r>
+              <a:rPr lang="en-US" noProof="0" dirty="0" smtClean="0"/>
               <a:t>N_PY</a:t>
             </a:r>
             <a:r>
-              <a:rPr lang="en-US" baseline="-25000" dirty="0"/>
+              <a:rPr lang="en-US" baseline="-25000" noProof="0" dirty="0" smtClean="0"/>
               <a:t>RPY</a:t>
             </a:r>
             <a:r>
-              <a:rPr lang="en-US" dirty="0"/>
-              <a:t> = No. of </a:t>
-            </a:r>
-            <a:r>
-              <a:rPr lang="en-US" dirty="0" smtClean="0"/>
-              <a:t>PYs in </a:t>
-            </a:r>
-            <a:r>
-              <a:rPr lang="en-US" dirty="0"/>
-              <a:t>which a CR from RPY has been cited</a:t>
-            </a:r>
-          </a:p>
-          <a:p>
-            <a:r>
-              <a:rPr lang="en-US" b="1" dirty="0"/>
+              <a:rPr lang="en-US" noProof="0" dirty="0" smtClean="0"/>
+              <a:t> = No. of PYs in which a CR from RPY has been cited</a:t>
+            </a:r>
+          </a:p>
+          <a:p>
+            <a:r>
+              <a:rPr lang="en-US" b="1" noProof="0" dirty="0" smtClean="0"/>
               <a:t>PERC_PYEAR</a:t>
             </a:r>
             <a:r>
-              <a:rPr lang="en-US" dirty="0"/>
+              <a:rPr lang="en-US" noProof="0" dirty="0" smtClean="0"/>
               <a:t> =  N_PYEARS / N_PY</a:t>
             </a:r>
             <a:r>
-              <a:rPr lang="en-US" baseline="-25000" dirty="0"/>
+              <a:rPr lang="en-US" baseline="-25000" noProof="0" dirty="0" smtClean="0"/>
               <a:t>RPY</a:t>
             </a:r>
             <a:r>
-              <a:rPr lang="en-US" dirty="0"/>
+              <a:rPr lang="en-US" noProof="0" dirty="0" smtClean="0"/>
               <a:t> </a:t>
             </a:r>
-            <a:endParaRPr lang="de-DE" dirty="0"/>
-          </a:p>
-          <a:p>
-            <a:endParaRPr lang="en-US" dirty="0"/>
+          </a:p>
+          <a:p>
+            <a:endParaRPr lang="en-US" noProof="0" dirty="0"/>
           </a:p>
         </p:txBody>
       </p:sp>
@@ -7127,8 +6002,8 @@
           </a:p>
         </p:txBody>
       </p:sp>
-      <mc:AlternateContent xmlns:mc="http://schemas.openxmlformats.org/markup-compatibility/2006" xmlns:a14="http://schemas.microsoft.com/office/drawing/2010/main">
-        <mc:Choice Requires="a14">
+      <mc:AlternateContent xmlns:mc="http://schemas.openxmlformats.org/markup-compatibility/2006">
+        <mc:Choice xmlns:a14="http://schemas.microsoft.com/office/drawing/2010/main" Requires="a14">
           <p:sp>
             <p:nvSpPr>
               <p:cNvPr id="15" name="Abgerundete rechteckige Legende 14"/>
@@ -7235,7 +6110,13 @@
                                 <a:rPr lang="de-DE" sz="1600" b="0" i="1" smtClean="0">
                                   <a:latin typeface="Cambria Math" panose="02040503050406030204" pitchFamily="18" charset="0"/>
                                 </a:rPr>
-                                <m:t>1973</m:t>
+                                <m:t>19</m:t>
+                              </m:r>
+                              <m:r>
+                                <a:rPr lang="de-DE" sz="1600" b="0" i="1" smtClean="0">
+                                  <a:latin typeface="Cambria Math" panose="02040503050406030204" pitchFamily="18" charset="0"/>
+                                </a:rPr>
+                                <m:t>97</m:t>
                               </m:r>
                             </m:sub>
                           </m:sSub>
@@ -7280,7 +6161,7 @@
             </p:txBody>
           </p:sp>
         </mc:Choice>
-        <mc:Fallback xmlns="">
+        <mc:Fallback>
           <p:sp>
             <p:nvSpPr>
               <p:cNvPr id="15" name="Abgerundete rechteckige Legende 14"/>
@@ -7519,7 +6400,7 @@
                                           </p:stCondLst>
                                         </p:cTn>
                                         <p:tgtEl>
-                                          <p:spTgt spid="11"/>
+                                          <p:spTgt spid="15"/>
                                         </p:tgtEl>
                                         <p:attrNameLst>
                                           <p:attrName>style.visibility</p:attrName>
@@ -7564,7 +6445,7 @@
                                           </p:stCondLst>
                                         </p:cTn>
                                         <p:tgtEl>
-                                          <p:spTgt spid="9"/>
+                                          <p:spTgt spid="10"/>
                                         </p:tgtEl>
                                         <p:attrNameLst>
                                           <p:attrName>style.visibility</p:attrName>
@@ -7609,7 +6490,7 @@
                                           </p:stCondLst>
                                         </p:cTn>
                                         <p:tgtEl>
-                                          <p:spTgt spid="10"/>
+                                          <p:spTgt spid="9"/>
                                         </p:tgtEl>
                                         <p:attrNameLst>
                                           <p:attrName>style.visibility</p:attrName>
@@ -7654,7 +6535,7 @@
                                           </p:stCondLst>
                                         </p:cTn>
                                         <p:tgtEl>
-                                          <p:spTgt spid="15"/>
+                                          <p:spTgt spid="11"/>
                                         </p:tgtEl>
                                         <p:attrNameLst>
                                           <p:attrName>style.visibility</p:attrName>
@@ -7706,7 +6587,7 @@
 </p:sld>
 </file>
 
-<file path=ppt/slides/slide12.xml><?xml version="1.0" encoding="utf-8"?>
+<file path=ppt/slides/slide11.xml><?xml version="1.0" encoding="utf-8"?>
 <p:sld xmlns:a="http://schemas.openxmlformats.org/drawingml/2006/main" xmlns:r="http://schemas.openxmlformats.org/officeDocument/2006/relationships" xmlns:p="http://schemas.openxmlformats.org/presentationml/2006/main">
   <p:cSld>
     <p:spTree>
@@ -7739,10 +6620,10 @@
           <a:lstStyle/>
           <a:p>
             <a:r>
-              <a:rPr lang="de-DE" dirty="0" smtClean="0"/>
+              <a:rPr lang="en-US" noProof="0" dirty="0" smtClean="0"/>
               <a:t>Top-N</a:t>
             </a:r>
-            <a:endParaRPr lang="de-DE" dirty="0"/>
+            <a:endParaRPr lang="en-US" noProof="0" dirty="0"/>
           </a:p>
         </p:txBody>
       </p:sp>
@@ -7769,78 +6650,117 @@
           <a:lstStyle/>
           <a:p>
             <a:r>
-              <a:rPr lang="en-US" b="1" dirty="0" smtClean="0"/>
+              <a:rPr lang="en-US" b="1" noProof="0" dirty="0" smtClean="0">
+                <a:solidFill>
+                  <a:srgbClr val="FF0000"/>
+                </a:solidFill>
+              </a:rPr>
               <a:t>N_TOP10</a:t>
             </a:r>
             <a:r>
-              <a:rPr lang="en-US" dirty="0" smtClean="0"/>
+              <a:rPr lang="en-US" noProof="0" dirty="0" smtClean="0"/>
               <a:t> </a:t>
             </a:r>
             <a:r>
-              <a:rPr lang="en-US" dirty="0"/>
-              <a:t>= No. of publication years in which the CR has been </a:t>
-            </a:r>
-            <a:r>
-              <a:rPr lang="en-US" dirty="0" smtClean="0"/>
-              <a:t>in the Top-10% of all CRs of the same RPY</a:t>
-            </a:r>
-          </a:p>
-          <a:p>
-            <a:r>
-              <a:rPr lang="en-US" dirty="0" smtClean="0"/>
+              <a:rPr lang="en-US" noProof="0" dirty="0"/>
+              <a:t>= </a:t>
+            </a:r>
+            <a:r>
+              <a:rPr lang="en-US" noProof="0" dirty="0" smtClean="0"/>
+              <a:t>Number </a:t>
+            </a:r>
+            <a:r>
+              <a:rPr lang="en-US" noProof="0" dirty="0"/>
+              <a:t>of publication years in which the CR has been </a:t>
+            </a:r>
+            <a:r>
+              <a:rPr lang="en-US" noProof="0" dirty="0" smtClean="0"/>
+              <a:t/>
+            </a:r>
+            <a:br>
+              <a:rPr lang="en-US" noProof="0" dirty="0" smtClean="0"/>
+            </a:br>
+            <a:r>
+              <a:rPr lang="en-US" noProof="0" dirty="0" smtClean="0"/>
+              <a:t>                     </a:t>
+            </a:r>
+            <a:r>
+              <a:rPr lang="en-US" sz="1100" noProof="0" dirty="0" smtClean="0"/>
+              <a:t> </a:t>
+            </a:r>
+            <a:r>
+              <a:rPr lang="en-US" noProof="0" dirty="0" smtClean="0"/>
+              <a:t>in </a:t>
+            </a:r>
+            <a:r>
+              <a:rPr lang="en-US" noProof="0" dirty="0" smtClean="0"/>
+              <a:t>the Top-10% of all CRs of the same RPY</a:t>
+            </a:r>
+          </a:p>
+          <a:p>
+            <a:r>
+              <a:rPr lang="en-US" noProof="0" dirty="0" smtClean="0"/>
               <a:t>For each publication year (PY)</a:t>
             </a:r>
           </a:p>
           <a:p>
             <a:pPr lvl="1"/>
             <a:r>
-              <a:rPr lang="en-US" dirty="0" smtClean="0"/>
-              <a:t>Rank all Cited References of a RPY by their no. of citations in PY</a:t>
+              <a:rPr lang="en-US" noProof="0" dirty="0" smtClean="0"/>
+              <a:t>Rank all Cited References of a RPY by their </a:t>
+            </a:r>
+            <a:r>
+              <a:rPr lang="en-US" noProof="0" dirty="0" smtClean="0"/>
+              <a:t>no. of </a:t>
+            </a:r>
+            <a:r>
+              <a:rPr lang="en-US" noProof="0" dirty="0" smtClean="0"/>
+              <a:t>citations in PY</a:t>
             </a:r>
           </a:p>
           <a:p>
             <a:pPr lvl="1"/>
             <a:r>
-              <a:rPr lang="en-US" dirty="0" smtClean="0"/>
+              <a:rPr lang="en-US" noProof="0" dirty="0" smtClean="0"/>
               <a:t>Count if no. of citations </a:t>
             </a:r>
             <a:r>
-              <a:rPr lang="en-US" dirty="0" smtClean="0">
+              <a:rPr lang="en-US" noProof="0" dirty="0" smtClean="0">
                 <a:sym typeface="Symbol" panose="05050102010706020507" pitchFamily="18" charset="2"/>
               </a:rPr>
               <a:t> </a:t>
             </a:r>
             <a:r>
-              <a:rPr lang="en-US" dirty="0"/>
+              <a:rPr lang="en-US" noProof="0" dirty="0"/>
               <a:t>no. of citations </a:t>
             </a:r>
             <a:r>
-              <a:rPr lang="en-US" dirty="0" smtClean="0"/>
+              <a:rPr lang="en-US" noProof="0" dirty="0" smtClean="0"/>
               <a:t>at </a:t>
             </a:r>
             <a:r>
-              <a:rPr lang="en-US" dirty="0" smtClean="0">
+              <a:rPr lang="en-US" noProof="0" dirty="0" smtClean="0">
                 <a:sym typeface="Symbol" panose="05050102010706020507" pitchFamily="18" charset="2"/>
               </a:rPr>
               <a:t>N/10</a:t>
             </a:r>
             <a:r>
-              <a:rPr lang="en-US" baseline="30000" dirty="0" smtClean="0">
+              <a:rPr lang="en-US" baseline="30000" noProof="0" dirty="0" smtClean="0">
                 <a:sym typeface="Symbol" panose="05050102010706020507" pitchFamily="18" charset="2"/>
               </a:rPr>
               <a:t>th</a:t>
             </a:r>
             <a:r>
-              <a:rPr lang="en-US" dirty="0" smtClean="0">
+              <a:rPr lang="en-US" noProof="0" dirty="0" smtClean="0">
                 <a:sym typeface="Symbol" panose="05050102010706020507" pitchFamily="18" charset="2"/>
               </a:rPr>
               <a:t> position</a:t>
             </a:r>
-            <a:endParaRPr lang="en-US" dirty="0" smtClean="0"/>
+            <a:endParaRPr lang="en-US" noProof="0" dirty="0" smtClean="0"/>
           </a:p>
           <a:p>
             <a:pPr lvl="1"/>
-            <a:endParaRPr lang="en-US" dirty="0"/>
+            <a:endParaRPr lang="en-US" noProof="0" dirty="0"/>
           </a:p>
         </p:txBody>
       </p:sp>
@@ -9034,7 +7954,7 @@
 </p:sld>
 </file>
 
-<file path=ppt/slides/slide13.xml><?xml version="1.0" encoding="utf-8"?>
+<file path=ppt/slides/slide12.xml><?xml version="1.0" encoding="utf-8"?>
 <p:sld xmlns:a="http://schemas.openxmlformats.org/drawingml/2006/main" xmlns:r="http://schemas.openxmlformats.org/officeDocument/2006/relationships" xmlns:p="http://schemas.openxmlformats.org/presentationml/2006/main">
   <p:cSld>
     <p:spTree>
@@ -10508,7 +9428,7 @@
 </p:sld>
 </file>
 
-<file path=ppt/slides/slide14.xml><?xml version="1.0" encoding="utf-8"?>
+<file path=ppt/slides/slide13.xml><?xml version="1.0" encoding="utf-8"?>
 <p:sld xmlns:a="http://schemas.openxmlformats.org/drawingml/2006/main" xmlns:r="http://schemas.openxmlformats.org/officeDocument/2006/relationships" xmlns:p="http://schemas.openxmlformats.org/presentationml/2006/main">
   <p:cSld>
     <p:spTree>
@@ -12058,7 +10978,7 @@
 </p:sld>
 </file>
 
-<file path=ppt/slides/slide15.xml><?xml version="1.0" encoding="utf-8"?>
+<file path=ppt/slides/slide14.xml><?xml version="1.0" encoding="utf-8"?>
 <p:sld xmlns:a="http://schemas.openxmlformats.org/drawingml/2006/main" xmlns:r="http://schemas.openxmlformats.org/officeDocument/2006/relationships" xmlns:p="http://schemas.openxmlformats.org/presentationml/2006/main">
   <p:cSld>
     <p:spTree>
@@ -12091,18 +11011,10 @@
           <a:lstStyle/>
           <a:p>
             <a:r>
-              <a:rPr lang="de-DE" dirty="0" err="1" smtClean="0"/>
-              <a:t>Sequence</a:t>
-            </a:r>
-            <a:r>
-              <a:rPr lang="de-DE" dirty="0" smtClean="0"/>
-              <a:t> </a:t>
-            </a:r>
-            <a:r>
-              <a:rPr lang="de-DE" dirty="0" err="1" smtClean="0"/>
-              <a:t>Types</a:t>
-            </a:r>
-            <a:endParaRPr lang="de-DE" dirty="0"/>
+              <a:rPr lang="en-US" noProof="0" dirty="0" smtClean="0"/>
+              <a:t>Sequence Types</a:t>
+            </a:r>
+            <a:endParaRPr lang="en-US" noProof="0" dirty="0"/>
           </a:p>
         </p:txBody>
       </p:sp>
@@ -12122,96 +11034,47 @@
           <a:lstStyle/>
           <a:p>
             <a:r>
-              <a:rPr lang="de-DE" dirty="0" err="1" smtClean="0"/>
-              <a:t>Classification</a:t>
-            </a:r>
-            <a:r>
-              <a:rPr lang="de-DE" dirty="0" smtClean="0"/>
-              <a:t> </a:t>
-            </a:r>
-            <a:r>
-              <a:rPr lang="de-DE" dirty="0" err="1" smtClean="0"/>
-              <a:t>of</a:t>
-            </a:r>
-            <a:r>
-              <a:rPr lang="de-DE" dirty="0" smtClean="0"/>
-              <a:t> </a:t>
-            </a:r>
-            <a:r>
-              <a:rPr lang="de-DE" dirty="0" err="1" smtClean="0"/>
-              <a:t>Cited</a:t>
-            </a:r>
-            <a:r>
-              <a:rPr lang="de-DE" dirty="0" smtClean="0"/>
-              <a:t> References </a:t>
-            </a:r>
-            <a:r>
-              <a:rPr lang="de-DE" dirty="0" err="1" smtClean="0"/>
-              <a:t>based</a:t>
-            </a:r>
-            <a:r>
-              <a:rPr lang="de-DE" dirty="0" smtClean="0"/>
-              <a:t> on z-</a:t>
-            </a:r>
-            <a:r>
-              <a:rPr lang="de-DE" dirty="0" err="1" smtClean="0"/>
-              <a:t>value</a:t>
-            </a:r>
-            <a:r>
-              <a:rPr lang="de-DE" dirty="0" smtClean="0"/>
-              <a:t> </a:t>
-            </a:r>
-            <a:r>
-              <a:rPr lang="de-DE" dirty="0" err="1" smtClean="0"/>
-              <a:t>patterns</a:t>
-            </a:r>
-            <a:endParaRPr lang="de-DE" dirty="0" smtClean="0"/>
-          </a:p>
-          <a:p>
-            <a:endParaRPr lang="de-DE" dirty="0"/>
-          </a:p>
-          <a:p>
-            <a:endParaRPr lang="de-DE" dirty="0" smtClean="0"/>
-          </a:p>
-          <a:p>
-            <a:endParaRPr lang="de-DE" dirty="0"/>
-          </a:p>
-          <a:p>
-            <a:endParaRPr lang="de-DE" dirty="0" smtClean="0"/>
-          </a:p>
-          <a:p>
-            <a:endParaRPr lang="de-DE" dirty="0"/>
-          </a:p>
-          <a:p>
-            <a:endParaRPr lang="de-DE" dirty="0" smtClean="0"/>
-          </a:p>
-          <a:p>
-            <a:endParaRPr lang="de-DE" dirty="0"/>
-          </a:p>
-          <a:p>
-            <a:endParaRPr lang="de-DE" dirty="0" smtClean="0"/>
-          </a:p>
-          <a:p>
-            <a:endParaRPr lang="de-DE" dirty="0"/>
-          </a:p>
-          <a:p>
-            <a:r>
-              <a:rPr lang="de-DE" dirty="0" err="1" smtClean="0"/>
+              <a:rPr lang="en-US" noProof="0" dirty="0" smtClean="0"/>
+              <a:t>Classification of Cited References based on z-value patterns</a:t>
+            </a:r>
+          </a:p>
+          <a:p>
+            <a:endParaRPr lang="en-US" noProof="0" dirty="0" smtClean="0"/>
+          </a:p>
+          <a:p>
+            <a:endParaRPr lang="en-US" noProof="0" dirty="0" smtClean="0"/>
+          </a:p>
+          <a:p>
+            <a:endParaRPr lang="en-US" noProof="0" dirty="0" smtClean="0"/>
+          </a:p>
+          <a:p>
+            <a:endParaRPr lang="en-US" noProof="0" dirty="0" smtClean="0"/>
+          </a:p>
+          <a:p>
+            <a:endParaRPr lang="en-US" noProof="0" dirty="0" smtClean="0"/>
+          </a:p>
+          <a:p>
+            <a:endParaRPr lang="en-US" noProof="0" dirty="0" smtClean="0"/>
+          </a:p>
+          <a:p>
+            <a:endParaRPr lang="en-US" noProof="0" dirty="0" smtClean="0"/>
+          </a:p>
+          <a:p>
+            <a:endParaRPr lang="en-US" noProof="0" dirty="0" smtClean="0"/>
+          </a:p>
+          <a:p>
+            <a:endParaRPr lang="en-US" noProof="0" dirty="0" smtClean="0"/>
+          </a:p>
+          <a:p>
+            <a:r>
+              <a:rPr lang="en-US" noProof="0" dirty="0" err="1" smtClean="0"/>
               <a:t>Scientometrics</a:t>
             </a:r>
             <a:r>
-              <a:rPr lang="de-DE" dirty="0" smtClean="0"/>
-              <a:t> </a:t>
-            </a:r>
-            <a:r>
-              <a:rPr lang="de-DE" dirty="0" err="1" smtClean="0"/>
-              <a:t>dataset</a:t>
-            </a:r>
-            <a:r>
-              <a:rPr lang="de-DE" dirty="0" smtClean="0"/>
-              <a:t> (1978-2016)</a:t>
-            </a:r>
-            <a:endParaRPr lang="de-DE" dirty="0"/>
+              <a:rPr lang="en-US" noProof="0" dirty="0" smtClean="0"/>
+              <a:t> dataset (1978-2016)</a:t>
+            </a:r>
+            <a:endParaRPr lang="en-US" noProof="0" dirty="0"/>
           </a:p>
         </p:txBody>
       </p:sp>
@@ -13724,7 +12587,7 @@
 </p:sld>
 </file>
 
-<file path=ppt/slides/slide16.xml><?xml version="1.0" encoding="utf-8"?>
+<file path=ppt/slides/slide15.xml><?xml version="1.0" encoding="utf-8"?>
 <p:sld xmlns:a="http://schemas.openxmlformats.org/drawingml/2006/main" xmlns:r="http://schemas.openxmlformats.org/officeDocument/2006/relationships" xmlns:p="http://schemas.openxmlformats.org/presentationml/2006/main">
   <p:cSld>
     <p:spTree>
@@ -13757,14 +12620,14 @@
           <a:lstStyle/>
           <a:p>
             <a:r>
-              <a:rPr lang="de-DE" dirty="0" err="1" smtClean="0"/>
+              <a:rPr lang="en-US" noProof="0" dirty="0" err="1" smtClean="0"/>
               <a:t>CRExplorer</a:t>
             </a:r>
             <a:r>
-              <a:rPr lang="de-DE" dirty="0" smtClean="0"/>
+              <a:rPr lang="en-US" noProof="0" dirty="0" smtClean="0"/>
               <a:t>: User Interface</a:t>
             </a:r>
-            <a:endParaRPr lang="de-DE" dirty="0"/>
+            <a:endParaRPr lang="en-US" noProof="0" dirty="0"/>
           </a:p>
         </p:txBody>
       </p:sp>
@@ -13840,7 +12703,7 @@
 </p:sld>
 </file>
 
-<file path=ppt/slides/slide17.xml><?xml version="1.0" encoding="utf-8"?>
+<file path=ppt/slides/slide16.xml><?xml version="1.0" encoding="utf-8"?>
 <p:sld xmlns:a="http://schemas.openxmlformats.org/drawingml/2006/main" xmlns:r="http://schemas.openxmlformats.org/officeDocument/2006/relationships" xmlns:p="http://schemas.openxmlformats.org/presentationml/2006/main">
   <p:cSld>
     <p:spTree>
@@ -13872,7 +12735,11 @@
           <a:bodyPr/>
           <a:lstStyle/>
           <a:p>
-            <a:endParaRPr lang="de-DE"/>
+            <a:r>
+              <a:rPr lang="en-US" noProof="0" dirty="0" smtClean="0"/>
+              <a:t>Interactive Workflow using GUI</a:t>
+            </a:r>
+            <a:endParaRPr lang="en-US" noProof="0" dirty="0"/>
           </a:p>
         </p:txBody>
       </p:sp>
@@ -14328,7 +13195,7 @@
 </p:sld>
 </file>
 
-<file path=ppt/slides/slide18.xml><?xml version="1.0" encoding="utf-8"?>
+<file path=ppt/slides/slide17.xml><?xml version="1.0" encoding="utf-8"?>
 <p:sld xmlns:a="http://schemas.openxmlformats.org/drawingml/2006/main" xmlns:r="http://schemas.openxmlformats.org/officeDocument/2006/relationships" xmlns:p="http://schemas.openxmlformats.org/presentationml/2006/main">
   <p:cSld>
     <p:spTree>
@@ -14361,14 +13228,14 @@
           <a:lstStyle/>
           <a:p>
             <a:r>
-              <a:rPr lang="de-DE" dirty="0" err="1" smtClean="0"/>
+              <a:rPr lang="en-US" noProof="0" dirty="0" err="1" smtClean="0"/>
               <a:t>CRExplorer‘s</a:t>
             </a:r>
             <a:r>
-              <a:rPr lang="de-DE" dirty="0" smtClean="0"/>
+              <a:rPr lang="en-US" noProof="0" dirty="0" smtClean="0"/>
               <a:t> Script Language</a:t>
             </a:r>
-            <a:endParaRPr lang="de-DE" dirty="0"/>
+            <a:endParaRPr lang="en-US" noProof="0" dirty="0"/>
           </a:p>
         </p:txBody>
       </p:sp>
@@ -14393,37 +13260,81 @@
           <a:lstStyle/>
           <a:p>
             <a:r>
-              <a:rPr lang="en-US" dirty="0" smtClean="0"/>
+              <a:rPr lang="en-US" noProof="0" dirty="0" smtClean="0"/>
               <a:t>Script language for workflow automation</a:t>
             </a:r>
           </a:p>
           <a:p>
-            <a:endParaRPr lang="en-US" dirty="0" smtClean="0"/>
-          </a:p>
-          <a:p>
-            <a:endParaRPr lang="en-US" dirty="0" smtClean="0"/>
-          </a:p>
-          <a:p>
-            <a:endParaRPr lang="en-US" dirty="0" smtClean="0"/>
-          </a:p>
-          <a:p>
-            <a:r>
-              <a:rPr lang="en-US" dirty="0" smtClean="0"/>
-              <a:t>Reproducibility of results</a:t>
-            </a:r>
-          </a:p>
-          <a:p>
-            <a:r>
-              <a:rPr lang="en-US" dirty="0" smtClean="0"/>
-              <a:t>Same analysis procedure for different publication  sets</a:t>
-            </a:r>
-          </a:p>
-          <a:p>
-            <a:r>
-              <a:rPr lang="en-US" dirty="0" smtClean="0"/>
-              <a:t>Processing large files</a:t>
-            </a:r>
-            <a:endParaRPr lang="en-US" dirty="0"/>
+            <a:endParaRPr lang="en-US" noProof="0" dirty="0" smtClean="0"/>
+          </a:p>
+          <a:p>
+            <a:endParaRPr lang="en-US" noProof="0" dirty="0" smtClean="0"/>
+          </a:p>
+          <a:p>
+            <a:endParaRPr lang="en-US" noProof="0" dirty="0" smtClean="0"/>
+          </a:p>
+          <a:p>
+            <a:r>
+              <a:rPr lang="en-US" b="1" noProof="0" dirty="0" smtClean="0">
+                <a:solidFill>
+                  <a:srgbClr val="FF0000"/>
+                </a:solidFill>
+              </a:rPr>
+              <a:t>Reproducibility</a:t>
+            </a:r>
+            <a:r>
+              <a:rPr lang="en-US" noProof="0" dirty="0" smtClean="0">
+                <a:solidFill>
+                  <a:srgbClr val="FF0000"/>
+                </a:solidFill>
+              </a:rPr>
+              <a:t> </a:t>
+            </a:r>
+            <a:r>
+              <a:rPr lang="en-US" noProof="0" dirty="0" smtClean="0"/>
+              <a:t>of results</a:t>
+            </a:r>
+          </a:p>
+          <a:p>
+            <a:r>
+              <a:rPr lang="en-US" noProof="0" dirty="0" smtClean="0"/>
+              <a:t>Same analysis procedure for different </a:t>
+            </a:r>
+            <a:r>
+              <a:rPr lang="en-US" noProof="0" dirty="0" smtClean="0"/>
+              <a:t>publication </a:t>
+            </a:r>
+            <a:r>
+              <a:rPr lang="en-US" noProof="0" dirty="0" smtClean="0"/>
+              <a:t>sets</a:t>
+            </a:r>
+          </a:p>
+          <a:p>
+            <a:r>
+              <a:rPr lang="en-US" noProof="0" dirty="0" smtClean="0"/>
+              <a:t>Processing </a:t>
+            </a:r>
+            <a:r>
+              <a:rPr lang="en-US" b="1" noProof="0" dirty="0" smtClean="0">
+                <a:solidFill>
+                  <a:srgbClr val="FF0000"/>
+                </a:solidFill>
+              </a:rPr>
+              <a:t>large</a:t>
+            </a:r>
+            <a:r>
+              <a:rPr lang="en-US" noProof="0" dirty="0" smtClean="0">
+                <a:solidFill>
+                  <a:srgbClr val="FF0000"/>
+                </a:solidFill>
+              </a:rPr>
+              <a:t> </a:t>
+            </a:r>
+            <a:r>
+              <a:rPr lang="en-US" noProof="0" dirty="0" smtClean="0"/>
+              <a:t>files</a:t>
+            </a:r>
+            <a:endParaRPr lang="en-US" noProof="0" dirty="0"/>
           </a:p>
         </p:txBody>
       </p:sp>
@@ -15676,7 +14587,7 @@
 </p:sld>
 </file>
 
-<file path=ppt/slides/slide19.xml><?xml version="1.0" encoding="utf-8"?>
+<file path=ppt/slides/slide18.xml><?xml version="1.0" encoding="utf-8"?>
 <p:sld xmlns:a="http://schemas.openxmlformats.org/drawingml/2006/main" xmlns:r="http://schemas.openxmlformats.org/officeDocument/2006/relationships" xmlns:p="http://schemas.openxmlformats.org/presentationml/2006/main">
   <p:cSld>
     <p:spTree>
@@ -15708,7 +14619,11 @@
           <a:bodyPr/>
           <a:lstStyle/>
           <a:p>
-            <a:endParaRPr lang="de-DE"/>
+            <a:r>
+              <a:rPr lang="en-US" noProof="0" dirty="0" smtClean="0"/>
+              <a:t>Summary + Future Work</a:t>
+            </a:r>
+            <a:endParaRPr lang="en-US" noProof="0" dirty="0"/>
           </a:p>
         </p:txBody>
       </p:sp>
@@ -15724,9 +14639,130 @@
         </p:nvSpPr>
         <p:spPr/>
         <p:txBody>
-          <a:bodyPr/>
+          <a:bodyPr>
+            <a:normAutofit/>
+          </a:bodyPr>
           <a:lstStyle/>
           <a:p>
+            <a:r>
+              <a:rPr lang="de-DE" dirty="0" err="1" smtClean="0"/>
+              <a:t>CRExplorer</a:t>
+            </a:r>
+            <a:r>
+              <a:rPr lang="de-DE" dirty="0" smtClean="0"/>
+              <a:t>: </a:t>
+            </a:r>
+            <a:r>
+              <a:rPr lang="en-US" dirty="0"/>
+              <a:t>A Tool for Cited References Analysis</a:t>
+            </a:r>
+            <a:endParaRPr lang="de-DE" dirty="0" smtClean="0"/>
+          </a:p>
+          <a:p>
+            <a:endParaRPr lang="en-US" dirty="0" smtClean="0"/>
+          </a:p>
+          <a:p>
+            <a:r>
+              <a:rPr lang="en-US" dirty="0" smtClean="0"/>
+              <a:t>Data Extraction + Data Cleaning (Deduplication)</a:t>
+            </a:r>
+            <a:endParaRPr lang="en-US" dirty="0"/>
+          </a:p>
+          <a:p>
+            <a:r>
+              <a:rPr lang="en-US" dirty="0"/>
+              <a:t>Reference Publication Year Spectroscopy (RPYS)</a:t>
+            </a:r>
+          </a:p>
+          <a:p>
+            <a:r>
+              <a:rPr lang="en-US" dirty="0"/>
+              <a:t>Indicators (TOP-N, Sequence)</a:t>
+            </a:r>
+          </a:p>
+          <a:p>
+            <a:r>
+              <a:rPr lang="en-US" dirty="0"/>
+              <a:t>Script-based Automation</a:t>
+            </a:r>
+          </a:p>
+          <a:p>
+            <a:endParaRPr lang="de-DE" dirty="0" smtClean="0"/>
+          </a:p>
+          <a:p>
+            <a:endParaRPr lang="de-DE" dirty="0"/>
+          </a:p>
+          <a:p>
+            <a:endParaRPr lang="de-DE" dirty="0" smtClean="0"/>
+          </a:p>
+          <a:p>
+            <a:endParaRPr lang="de-DE" dirty="0"/>
+          </a:p>
+          <a:p>
+            <a:r>
+              <a:rPr lang="de-DE" dirty="0" smtClean="0"/>
+              <a:t>New </a:t>
+            </a:r>
+            <a:r>
+              <a:rPr lang="de-DE" dirty="0" err="1" smtClean="0"/>
+              <a:t>import</a:t>
+            </a:r>
+            <a:r>
+              <a:rPr lang="de-DE" dirty="0" smtClean="0"/>
+              <a:t> / </a:t>
+            </a:r>
+            <a:r>
+              <a:rPr lang="de-DE" dirty="0" err="1" smtClean="0"/>
+              <a:t>export</a:t>
+            </a:r>
+            <a:r>
+              <a:rPr lang="de-DE" dirty="0" smtClean="0"/>
+              <a:t> </a:t>
+            </a:r>
+            <a:r>
+              <a:rPr lang="de-DE" dirty="0" err="1" smtClean="0"/>
+              <a:t>formats</a:t>
+            </a:r>
+            <a:endParaRPr lang="de-DE" dirty="0" smtClean="0"/>
+          </a:p>
+          <a:p>
+            <a:r>
+              <a:rPr lang="de-DE" dirty="0" smtClean="0"/>
+              <a:t>User-</a:t>
+            </a:r>
+            <a:r>
+              <a:rPr lang="de-DE" dirty="0" err="1" smtClean="0"/>
+              <a:t>defined</a:t>
+            </a:r>
+            <a:r>
+              <a:rPr lang="de-DE" dirty="0" smtClean="0"/>
+              <a:t> </a:t>
+            </a:r>
+            <a:r>
+              <a:rPr lang="de-DE" dirty="0" err="1" smtClean="0"/>
+              <a:t>indicators</a:t>
+            </a:r>
+            <a:endParaRPr lang="de-DE" dirty="0" smtClean="0"/>
+          </a:p>
+          <a:p>
+            <a:r>
+              <a:rPr lang="de-DE" dirty="0" smtClean="0"/>
+              <a:t>Help </a:t>
+            </a:r>
+            <a:r>
+              <a:rPr lang="de-DE" dirty="0" err="1" smtClean="0"/>
+              <a:t>wanted</a:t>
+            </a:r>
+            <a:r>
+              <a:rPr lang="de-DE" dirty="0" smtClean="0"/>
+              <a:t> </a:t>
+            </a:r>
+            <a:r>
+              <a:rPr lang="de-DE" dirty="0" smtClean="0">
+                <a:sym typeface="Wingdings" panose="05000000000000000000" pitchFamily="2" charset="2"/>
+              </a:rPr>
+              <a:t></a:t>
+            </a:r>
             <a:endParaRPr lang="de-DE" dirty="0"/>
           </a:p>
         </p:txBody>
@@ -15895,6 +14931,117 @@
                                           </p:stCondLst>
                                         </p:cTn>
                                         <p:tgtEl>
+                                          <p:spTgt spid="3">
+                                            <p:txEl>
+                                              <p:pRg st="10" end="10"/>
+                                            </p:txEl>
+                                          </p:spTgt>
+                                        </p:tgtEl>
+                                        <p:attrNameLst>
+                                          <p:attrName>style.visibility</p:attrName>
+                                        </p:attrNameLst>
+                                      </p:cBhvr>
+                                      <p:to>
+                                        <p:strVal val="visible"/>
+                                      </p:to>
+                                    </p:set>
+                                  </p:childTnLst>
+                                </p:cTn>
+                              </p:par>
+                              <p:par>
+                                <p:cTn id="7" presetID="1" presetClass="entr" presetSubtype="0" fill="hold" nodeType="withEffect">
+                                  <p:stCondLst>
+                                    <p:cond delay="0"/>
+                                  </p:stCondLst>
+                                  <p:childTnLst>
+                                    <p:set>
+                                      <p:cBhvr>
+                                        <p:cTn id="8" dur="1" fill="hold">
+                                          <p:stCondLst>
+                                            <p:cond delay="0"/>
+                                          </p:stCondLst>
+                                        </p:cTn>
+                                        <p:tgtEl>
+                                          <p:spTgt spid="3">
+                                            <p:txEl>
+                                              <p:pRg st="11" end="11"/>
+                                            </p:txEl>
+                                          </p:spTgt>
+                                        </p:tgtEl>
+                                        <p:attrNameLst>
+                                          <p:attrName>style.visibility</p:attrName>
+                                        </p:attrNameLst>
+                                      </p:cBhvr>
+                                      <p:to>
+                                        <p:strVal val="visible"/>
+                                      </p:to>
+                                    </p:set>
+                                  </p:childTnLst>
+                                </p:cTn>
+                              </p:par>
+                              <p:par>
+                                <p:cTn id="9" presetID="1" presetClass="entr" presetSubtype="0" fill="hold" nodeType="withEffect">
+                                  <p:stCondLst>
+                                    <p:cond delay="0"/>
+                                  </p:stCondLst>
+                                  <p:childTnLst>
+                                    <p:set>
+                                      <p:cBhvr>
+                                        <p:cTn id="10" dur="1" fill="hold">
+                                          <p:stCondLst>
+                                            <p:cond delay="0"/>
+                                          </p:stCondLst>
+                                        </p:cTn>
+                                        <p:tgtEl>
+                                          <p:spTgt spid="3">
+                                            <p:txEl>
+                                              <p:pRg st="12" end="12"/>
+                                            </p:txEl>
+                                          </p:spTgt>
+                                        </p:tgtEl>
+                                        <p:attrNameLst>
+                                          <p:attrName>style.visibility</p:attrName>
+                                        </p:attrNameLst>
+                                      </p:cBhvr>
+                                      <p:to>
+                                        <p:strVal val="visible"/>
+                                      </p:to>
+                                    </p:set>
+                                  </p:childTnLst>
+                                </p:cTn>
+                              </p:par>
+                            </p:childTnLst>
+                          </p:cTn>
+                        </p:par>
+                      </p:childTnLst>
+                    </p:cTn>
+                  </p:par>
+                  <p:par>
+                    <p:cTn id="11" fill="hold">
+                      <p:stCondLst>
+                        <p:cond delay="indefinite"/>
+                      </p:stCondLst>
+                      <p:childTnLst>
+                        <p:par>
+                          <p:cTn id="12" fill="hold">
+                            <p:stCondLst>
+                              <p:cond delay="0"/>
+                            </p:stCondLst>
+                            <p:childTnLst>
+                              <p:par>
+                                <p:cTn id="13" presetID="1" presetClass="entr" presetSubtype="0" fill="hold" nodeType="clickEffect">
+                                  <p:stCondLst>
+                                    <p:cond delay="0"/>
+                                  </p:stCondLst>
+                                  <p:childTnLst>
+                                    <p:set>
+                                      <p:cBhvr>
+                                        <p:cTn id="14" dur="1" fill="hold">
+                                          <p:stCondLst>
+                                            <p:cond delay="0"/>
+                                          </p:stCondLst>
+                                        </p:cTn>
+                                        <p:tgtEl>
                                           <p:spTgt spid="6"/>
                                         </p:tgtEl>
                                         <p:attrNameLst>
@@ -15971,7 +15118,11 @@
           <a:bodyPr/>
           <a:lstStyle/>
           <a:p>
-            <a:endParaRPr lang="de-DE"/>
+            <a:r>
+              <a:rPr lang="en-US" noProof="0" dirty="0" smtClean="0"/>
+              <a:t>Cited References Analysis</a:t>
+            </a:r>
+            <a:endParaRPr lang="en-US" noProof="0" dirty="0"/>
           </a:p>
         </p:txBody>
       </p:sp>
@@ -15990,82 +15141,94 @@
           <a:bodyPr/>
           <a:lstStyle/>
           <a:p>
-            <a:r>
-              <a:rPr lang="en-US" dirty="0"/>
-              <a:t>What are the most important publications in a research field? On which shoulders does the </a:t>
-            </a:r>
-            <a:r>
-              <a:rPr lang="en-US" dirty="0" smtClean="0"/>
-              <a:t>research stand</a:t>
-            </a:r>
-            <a:r>
-              <a:rPr lang="en-US" dirty="0"/>
-              <a:t>? </a:t>
-            </a:r>
-            <a:endParaRPr lang="en-US" dirty="0" smtClean="0"/>
-          </a:p>
-          <a:p>
-            <a:endParaRPr lang="en-US" dirty="0"/>
-          </a:p>
-          <a:p>
-            <a:r>
-              <a:rPr lang="en-US" dirty="0"/>
-              <a:t>In this study, we propose methods—based on Cited References Analysis (CRA) </a:t>
-            </a:r>
-            <a:r>
-              <a:rPr lang="en-US" dirty="0" smtClean="0"/>
-              <a:t>and Reference </a:t>
-            </a:r>
-            <a:r>
-              <a:rPr lang="en-US" dirty="0"/>
-              <a:t>Publication Year Spectroscopy (RPYS)—to identify those publications in </a:t>
-            </a:r>
-            <a:r>
-              <a:rPr lang="en-US" dirty="0" smtClean="0"/>
-              <a:t>a research </a:t>
-            </a:r>
-            <a:r>
-              <a:rPr lang="en-US" dirty="0"/>
-              <a:t>ﬁeld or on a speciﬁc topic which have been inﬂuential over many </a:t>
-            </a:r>
-            <a:r>
-              <a:rPr lang="en-US" dirty="0" smtClean="0"/>
-              <a:t>years </a:t>
-            </a:r>
-            <a:r>
-              <a:rPr lang="en-US" dirty="0"/>
+            <a:pPr marL="0" indent="0">
+              <a:buNone/>
+            </a:pPr>
+            <a:r>
+              <a:rPr lang="en-US" noProof="0" dirty="0" smtClean="0"/>
+              <a:t>What are the </a:t>
+            </a:r>
+            <a:r>
+              <a:rPr lang="en-US" b="1" noProof="0" dirty="0" smtClean="0">
+                <a:solidFill>
+                  <a:srgbClr val="FF0000"/>
+                </a:solidFill>
+              </a:rPr>
+              <a:t>most important </a:t>
+            </a:r>
+            <a:r>
+              <a:rPr lang="en-US" noProof="0" dirty="0" smtClean="0"/>
+              <a:t>publications in a research field? </a:t>
+            </a:r>
+            <a:br>
+              <a:rPr lang="en-US" noProof="0" dirty="0" smtClean="0"/>
+            </a:br>
+            <a:endParaRPr lang="en-US" noProof="0" dirty="0" smtClean="0"/>
+          </a:p>
+          <a:p>
+            <a:pPr marL="0" indent="0">
+              <a:buNone/>
+            </a:pPr>
+            <a:r>
+              <a:rPr lang="en-US" noProof="0" dirty="0" smtClean="0"/>
+              <a:t>On which shoulders does the research stand? </a:t>
+            </a:r>
+          </a:p>
+          <a:p>
+            <a:endParaRPr lang="en-US" noProof="0" dirty="0" smtClean="0"/>
+          </a:p>
+          <a:p>
+            <a:pPr marL="0" indent="0">
+              <a:buNone/>
+            </a:pPr>
+            <a:r>
+              <a:rPr lang="en-US" noProof="0" dirty="0" smtClean="0"/>
+              <a:t>Identify those publications in a research ﬁeld or on a speciﬁc topic …</a:t>
+            </a:r>
+          </a:p>
+          <a:p>
+            <a:r>
+              <a:rPr lang="en-US" noProof="0" dirty="0" smtClean="0"/>
+              <a:t>… which have been inﬂuential </a:t>
+            </a:r>
+            <a:r>
+              <a:rPr lang="en-US" b="1" noProof="0" dirty="0" smtClean="0">
+                <a:solidFill>
+                  <a:srgbClr val="FF0000"/>
+                </a:solidFill>
+              </a:rPr>
+              <a:t>over many years </a:t>
+            </a:r>
+            <a:r>
+              <a:rPr lang="en-US" noProof="0" dirty="0" smtClean="0"/>
               <a:t>in the past</a:t>
             </a:r>
-            <a:r>
-              <a:rPr lang="en-US" dirty="0" smtClean="0"/>
-              <a:t>.</a:t>
-            </a:r>
-          </a:p>
-          <a:p>
-            <a:endParaRPr lang="en-US" dirty="0"/>
-          </a:p>
-          <a:p>
-            <a:r>
-              <a:rPr lang="en-US" dirty="0"/>
-              <a:t>identify those </a:t>
-            </a:r>
-            <a:r>
-              <a:rPr lang="en-US" dirty="0" smtClean="0"/>
-              <a:t>publications (</a:t>
-            </a:r>
-            <a:r>
-              <a:rPr lang="en-US" dirty="0"/>
-              <a:t>papers, books, reports etc.), which were highly cited over a longer time period or at </a:t>
-            </a:r>
-            <a:r>
-              <a:rPr lang="en-US" dirty="0" smtClean="0"/>
-              <a:t>certain time </a:t>
-            </a:r>
-            <a:r>
-              <a:rPr lang="en-US" dirty="0"/>
-              <a:t>points (shortly or several years after publication). </a:t>
-            </a:r>
-            <a:endParaRPr lang="de-DE" dirty="0"/>
+          </a:p>
+          <a:p>
+            <a:r>
+              <a:rPr lang="en-US" noProof="0" dirty="0" smtClean="0"/>
+              <a:t>… were highly cited over a longer </a:t>
+            </a:r>
+            <a:r>
+              <a:rPr lang="en-US" b="1" noProof="0" dirty="0" smtClean="0">
+                <a:solidFill>
+                  <a:srgbClr val="FF0000"/>
+                </a:solidFill>
+              </a:rPr>
+              <a:t>time period </a:t>
+            </a:r>
+            <a:r>
+              <a:rPr lang="en-US" noProof="0" dirty="0" smtClean="0"/>
+              <a:t>or at certain time points </a:t>
+            </a:r>
+            <a:br>
+              <a:rPr lang="en-US" noProof="0" dirty="0" smtClean="0"/>
+            </a:br>
+            <a:r>
+              <a:rPr lang="en-US" noProof="0" dirty="0" smtClean="0"/>
+              <a:t>(shortly or several years after publication)</a:t>
+            </a:r>
+            <a:endParaRPr lang="en-US" noProof="0" dirty="0"/>
           </a:p>
         </p:txBody>
       </p:sp>
@@ -16079,6 +15242,13 @@
   <p:clrMapOvr>
     <a:masterClrMapping/>
   </p:clrMapOvr>
+  <p:timing>
+    <p:tnLst>
+      <p:par>
+        <p:cTn id="1" dur="indefinite" restart="never" nodeType="tmRoot"/>
+      </p:par>
+    </p:tnLst>
+  </p:timing>
 </p:sld>
 </file>
 
@@ -16115,10 +15285,14 @@
           <a:lstStyle/>
           <a:p>
             <a:r>
-              <a:rPr lang="de-DE" dirty="0" smtClean="0"/>
-              <a:t>Agenda</a:t>
-            </a:r>
-            <a:endParaRPr lang="de-DE" dirty="0"/>
+              <a:rPr lang="en-US" dirty="0" err="1"/>
+              <a:t>CRExplorer</a:t>
+            </a:r>
+            <a:r>
+              <a:rPr lang="en-US" dirty="0"/>
+              <a:t>: A Tool for Cited References Analysis</a:t>
+            </a:r>
+            <a:endParaRPr lang="en-US" noProof="0" dirty="0"/>
           </a:p>
         </p:txBody>
       </p:sp>
@@ -16134,172 +15308,137 @@
         </p:nvSpPr>
         <p:spPr/>
         <p:txBody>
-          <a:bodyPr/>
+          <a:bodyPr>
+            <a:normAutofit/>
+          </a:bodyPr>
           <a:lstStyle/>
           <a:p>
             <a:r>
-              <a:rPr lang="de-DE" dirty="0" smtClean="0"/>
-              <a:t>Workflow</a:t>
-            </a:r>
-          </a:p>
-          <a:p>
-            <a:r>
-              <a:rPr lang="de-DE" dirty="0" err="1" smtClean="0"/>
-              <a:t>Pre</a:t>
-            </a:r>
-            <a:r>
-              <a:rPr lang="de-DE" dirty="0" smtClean="0"/>
-              <a:t>-Processing</a:t>
+              <a:rPr lang="en-US" noProof="0" dirty="0" smtClean="0"/>
+              <a:t>Cited References Explorer</a:t>
             </a:r>
           </a:p>
           <a:p>
             <a:pPr lvl="1"/>
             <a:r>
-              <a:rPr lang="de-DE" dirty="0" err="1" smtClean="0"/>
-              <a:t>Deduplication</a:t>
-            </a:r>
-            <a:endParaRPr lang="de-DE" dirty="0" smtClean="0"/>
-          </a:p>
-          <a:p>
-            <a:endParaRPr lang="en-US" dirty="0" smtClean="0"/>
-          </a:p>
-          <a:p>
-            <a:r>
               <a:rPr lang="en-US" dirty="0" smtClean="0"/>
-              <a:t>Reference </a:t>
+              <a:t>Workflow-based Data Analysis</a:t>
+            </a:r>
+          </a:p>
+          <a:p>
+            <a:pPr lvl="1"/>
+            <a:r>
+              <a:rPr lang="en-US" dirty="0" smtClean="0"/>
+              <a:t>Import / export data formats: Scopus, Web of Science, </a:t>
+            </a:r>
+            <a:r>
+              <a:rPr lang="en-US" dirty="0" err="1" smtClean="0"/>
+              <a:t>CrossRef</a:t>
+            </a:r>
+            <a:r>
+              <a:rPr lang="en-US" dirty="0" smtClean="0"/>
+              <a:t>, CSV</a:t>
+            </a:r>
+          </a:p>
+          <a:p>
+            <a:pPr lvl="1"/>
+            <a:r>
+              <a:rPr lang="en-US" noProof="0" dirty="0" smtClean="0"/>
+              <a:t>Automatic Data Extraction and Data Cleaning </a:t>
+            </a:r>
+          </a:p>
+          <a:p>
+            <a:pPr lvl="1"/>
+            <a:endParaRPr lang="en-US" noProof="0" dirty="0" smtClean="0"/>
+          </a:p>
+          <a:p>
+            <a:r>
+              <a:rPr lang="en-US" noProof="0" dirty="0" smtClean="0"/>
+              <a:t>Different types of analysis</a:t>
+            </a:r>
+          </a:p>
+          <a:p>
+            <a:pPr lvl="1"/>
+            <a:r>
+              <a:rPr lang="en-US" noProof="0" dirty="0" smtClean="0"/>
+              <a:t>Visual (Reference Publication Year Spectroscopy)</a:t>
+            </a:r>
+          </a:p>
+          <a:p>
+            <a:pPr lvl="1"/>
+            <a:r>
+              <a:rPr lang="en-US" dirty="0" smtClean="0"/>
+              <a:t>Indicator-based (Top-N, Sequence)</a:t>
+            </a:r>
+            <a:endParaRPr lang="en-US" noProof="0" dirty="0" smtClean="0"/>
+          </a:p>
+          <a:p>
+            <a:endParaRPr lang="en-US" noProof="0" dirty="0" smtClean="0"/>
+          </a:p>
+          <a:p>
+            <a:r>
+              <a:rPr lang="en-US" noProof="0" dirty="0" smtClean="0"/>
+              <a:t>www.crexplorer.net</a:t>
+            </a:r>
+          </a:p>
+          <a:p>
+            <a:pPr lvl="1"/>
+            <a:r>
+              <a:rPr lang="en-US" noProof="0" dirty="0" smtClean="0"/>
+              <a:t>Run (Java Web Start) or download (JAR)</a:t>
+            </a:r>
+          </a:p>
+          <a:p>
+            <a:pPr lvl="1"/>
+            <a:r>
+              <a:rPr lang="en-US" noProof="0" dirty="0" smtClean="0"/>
+              <a:t>Guide + Datasets</a:t>
+            </a:r>
+          </a:p>
+          <a:p>
+            <a:pPr lvl="1"/>
+            <a:r>
+              <a:rPr lang="en-US" noProof="0" dirty="0" smtClean="0"/>
+              <a:t>Papers (e.g., use cases)</a:t>
+            </a:r>
+          </a:p>
+          <a:p>
+            <a:pPr lvl="1"/>
+            <a:endParaRPr lang="en-US" dirty="0"/>
+          </a:p>
+          <a:p>
+            <a:r>
+              <a:rPr lang="en-US" dirty="0" smtClean="0"/>
+              <a:t>(Results </a:t>
             </a:r>
             <a:r>
               <a:rPr lang="en-US" dirty="0"/>
-              <a:t>Publication Year Spectroscopy (RPYS</a:t>
+              <a:t>of a </a:t>
             </a:r>
             <a:r>
               <a:rPr lang="en-US" dirty="0" smtClean="0"/>
-              <a:t>)</a:t>
-            </a:r>
-          </a:p>
-          <a:p>
-            <a:r>
-              <a:rPr lang="de-DE" dirty="0" err="1" smtClean="0"/>
-              <a:t>Indicators</a:t>
-            </a:r>
-            <a:endParaRPr lang="de-DE" dirty="0" smtClean="0"/>
-          </a:p>
-          <a:p>
-            <a:pPr lvl="1"/>
-            <a:r>
-              <a:rPr lang="de-DE" dirty="0" smtClean="0"/>
-              <a:t>TOP-N</a:t>
-            </a:r>
-          </a:p>
-          <a:p>
-            <a:pPr lvl="1"/>
-            <a:r>
-              <a:rPr lang="de-DE" dirty="0" err="1" smtClean="0"/>
-              <a:t>Sequence</a:t>
-            </a:r>
-            <a:endParaRPr lang="de-DE" dirty="0" smtClean="0"/>
-          </a:p>
-          <a:p>
-            <a:pPr lvl="1"/>
-            <a:endParaRPr lang="de-DE" dirty="0"/>
-          </a:p>
-          <a:p>
-            <a:r>
-              <a:rPr lang="de-DE" dirty="0" smtClean="0"/>
-              <a:t>Script-</a:t>
-            </a:r>
-            <a:r>
-              <a:rPr lang="de-DE" dirty="0" err="1" smtClean="0"/>
-              <a:t>based</a:t>
-            </a:r>
-            <a:r>
-              <a:rPr lang="de-DE" dirty="0" smtClean="0"/>
-              <a:t> Automation</a:t>
-            </a:r>
-            <a:endParaRPr lang="de-DE" dirty="0"/>
-          </a:p>
-        </p:txBody>
-      </p:sp>
-    </p:spTree>
-    <p:extLst>
-      <p:ext uri="{BB962C8B-B14F-4D97-AF65-F5344CB8AC3E}">
-        <p14:creationId xmlns:p14="http://schemas.microsoft.com/office/powerpoint/2010/main" val="3439571606"/>
-      </p:ext>
-    </p:extLst>
-  </p:cSld>
-  <p:clrMapOvr>
-    <a:masterClrMapping/>
-  </p:clrMapOvr>
-  <p:timing>
-    <p:tnLst>
-      <p:par>
-        <p:cTn id="1" dur="indefinite" restart="never" nodeType="tmRoot"/>
-      </p:par>
-    </p:tnLst>
-  </p:timing>
-</p:sld>
-</file>
-
-<file path=ppt/slides/slide4.xml><?xml version="1.0" encoding="utf-8"?>
-<p:sld xmlns:a="http://schemas.openxmlformats.org/drawingml/2006/main" xmlns:r="http://schemas.openxmlformats.org/officeDocument/2006/relationships" xmlns:p="http://schemas.openxmlformats.org/presentationml/2006/main">
-  <p:cSld>
-    <p:spTree>
-      <p:nvGrpSpPr>
-        <p:cNvPr id="1" name=""/>
-        <p:cNvGrpSpPr/>
-        <p:nvPr/>
-      </p:nvGrpSpPr>
-      <p:grpSpPr>
-        <a:xfrm>
-          <a:off x="0" y="0"/>
-          <a:ext cx="0" cy="0"/>
-          <a:chOff x="0" y="0"/>
-          <a:chExt cx="0" cy="0"/>
-        </a:xfrm>
-      </p:grpSpPr>
-      <p:sp>
-        <p:nvSpPr>
-          <p:cNvPr id="2" name="Titel 1"/>
-          <p:cNvSpPr>
-            <a:spLocks noGrp="1"/>
-          </p:cNvSpPr>
-          <p:nvPr>
-            <p:ph type="title"/>
-          </p:nvPr>
-        </p:nvSpPr>
-        <p:spPr/>
-        <p:txBody>
-          <a:bodyPr/>
-          <a:lstStyle/>
-          <a:p>
-            <a:r>
-              <a:rPr lang="en-US" noProof="0" dirty="0" err="1" smtClean="0"/>
-              <a:t>CRExplorer</a:t>
-            </a:r>
-            <a:r>
-              <a:rPr lang="en-US" noProof="0" dirty="0" smtClean="0"/>
-              <a:t>: Overview</a:t>
-            </a:r>
+              <a:t>study using all </a:t>
+            </a:r>
+            <a:r>
+              <a:rPr lang="en-US" dirty="0" err="1" smtClean="0"/>
+              <a:t>Scientometrics</a:t>
+            </a:r>
+            <a:r>
+              <a:rPr lang="en-US" dirty="0" smtClean="0"/>
+              <a:t> </a:t>
+            </a:r>
+            <a:r>
+              <a:rPr lang="en-US" dirty="0"/>
+              <a:t>papers </a:t>
+            </a:r>
+            <a:r>
+              <a:rPr lang="en-US" dirty="0" smtClean="0"/>
+              <a:t>from 1978 to 2016)</a:t>
+            </a:r>
+            <a:endParaRPr lang="en-US" dirty="0"/>
+          </a:p>
+          <a:p>
             <a:endParaRPr lang="en-US" noProof="0" dirty="0"/>
-          </a:p>
-        </p:txBody>
-      </p:sp>
-      <p:sp>
-        <p:nvSpPr>
-          <p:cNvPr id="3" name="Inhaltsplatzhalter 2"/>
-          <p:cNvSpPr>
-            <a:spLocks noGrp="1"/>
-          </p:cNvSpPr>
-          <p:nvPr>
-            <p:ph idx="1"/>
-          </p:nvPr>
-        </p:nvSpPr>
-        <p:spPr/>
-        <p:txBody>
-          <a:bodyPr/>
-          <a:lstStyle/>
-          <a:p>
-            <a:endParaRPr lang="de-DE" dirty="0"/>
           </a:p>
         </p:txBody>
       </p:sp>
@@ -16323,7 +15462,7 @@
 </p:sld>
 </file>
 
-<file path=ppt/slides/slide5.xml><?xml version="1.0" encoding="utf-8"?>
+<file path=ppt/slides/slide4.xml><?xml version="1.0" encoding="utf-8"?>
 <p:sld xmlns:a="http://schemas.openxmlformats.org/drawingml/2006/main" xmlns:r="http://schemas.openxmlformats.org/officeDocument/2006/relationships" xmlns:p="http://schemas.openxmlformats.org/presentationml/2006/main">
   <p:cSld>
     <p:spTree>
@@ -16695,8 +15834,12 @@
           <a:lstStyle/>
           <a:p>
             <a:r>
-              <a:rPr lang="en-US" dirty="0"/>
-              <a:t>Cited references analysis (CRA): </a:t>
+              <a:rPr lang="en-US" noProof="0" dirty="0"/>
+              <a:t>Cited references </a:t>
+            </a:r>
+            <a:r>
+              <a:rPr lang="en-US" noProof="0" dirty="0" smtClean="0"/>
+              <a:t>analysis: </a:t>
             </a:r>
             <a:r>
               <a:rPr lang="en-US" noProof="0" dirty="0" smtClean="0"/>
@@ -18174,7 +17317,7 @@
 </p:sld>
 </file>
 
-<file path=ppt/slides/slide6.xml><?xml version="1.0" encoding="utf-8"?>
+<file path=ppt/slides/slide5.xml><?xml version="1.0" encoding="utf-8"?>
 <p:sld xmlns:a="http://schemas.openxmlformats.org/drawingml/2006/main" xmlns:r="http://schemas.openxmlformats.org/officeDocument/2006/relationships" xmlns:p="http://schemas.openxmlformats.org/presentationml/2006/main">
   <p:cSld>
     <p:spTree>
@@ -18207,14 +17350,10 @@
           <a:lstStyle/>
           <a:p>
             <a:r>
-              <a:rPr lang="de-DE" dirty="0" err="1" smtClean="0"/>
-              <a:t>Pre</a:t>
-            </a:r>
-            <a:r>
-              <a:rPr lang="de-DE" dirty="0" smtClean="0"/>
-              <a:t>-Processing</a:t>
-            </a:r>
-            <a:endParaRPr lang="de-DE" dirty="0"/>
+              <a:rPr lang="en-US" noProof="0" dirty="0" smtClean="0"/>
+              <a:t>Pre-Processing</a:t>
+            </a:r>
+            <a:endParaRPr lang="en-US" noProof="0" dirty="0"/>
           </a:p>
         </p:txBody>
       </p:sp>
@@ -18241,336 +17380,97 @@
           <a:lstStyle/>
           <a:p>
             <a:r>
-              <a:rPr lang="de-DE" b="1" dirty="0" smtClean="0">
+              <a:rPr lang="en-US" b="1" noProof="0" dirty="0" smtClean="0">
                 <a:solidFill>
                   <a:srgbClr val="FF0000"/>
                 </a:solidFill>
               </a:rPr>
-              <a:t>Data </a:t>
-            </a:r>
-            <a:r>
-              <a:rPr lang="de-DE" b="1" dirty="0" err="1" smtClean="0">
+              <a:t>Data Extraction</a:t>
+            </a:r>
+            <a:r>
+              <a:rPr lang="en-US" noProof="0" dirty="0" smtClean="0"/>
+              <a:t> of bibliographic information of Cited References (Strings)</a:t>
+            </a:r>
+          </a:p>
+          <a:p>
+            <a:pPr lvl="1"/>
+            <a:r>
+              <a:rPr lang="en-US" noProof="0" dirty="0" smtClean="0"/>
+              <a:t>Regular Expressions (Patterns), Integrity checks</a:t>
+            </a:r>
+          </a:p>
+          <a:p>
+            <a:endParaRPr lang="en-US" noProof="0" dirty="0" smtClean="0"/>
+          </a:p>
+          <a:p>
+            <a:endParaRPr lang="en-US" noProof="0" dirty="0" smtClean="0"/>
+          </a:p>
+          <a:p>
+            <a:endParaRPr lang="en-US" noProof="0" dirty="0" smtClean="0"/>
+          </a:p>
+          <a:p>
+            <a:endParaRPr lang="en-US" noProof="0" dirty="0" smtClean="0"/>
+          </a:p>
+          <a:p>
+            <a:endParaRPr lang="en-US" noProof="0" dirty="0" smtClean="0"/>
+          </a:p>
+          <a:p>
+            <a:endParaRPr lang="en-US" noProof="0" dirty="0" smtClean="0"/>
+          </a:p>
+          <a:p>
+            <a:r>
+              <a:rPr lang="en-US" b="1" noProof="0" dirty="0" smtClean="0">
                 <a:solidFill>
                   <a:srgbClr val="FF0000"/>
                 </a:solidFill>
               </a:rPr>
-              <a:t>Extraction</a:t>
-            </a:r>
-            <a:r>
-              <a:rPr lang="de-DE" dirty="0" smtClean="0"/>
-              <a:t> </a:t>
-            </a:r>
-            <a:r>
-              <a:rPr lang="de-DE" dirty="0" err="1" smtClean="0"/>
-              <a:t>of</a:t>
-            </a:r>
-            <a:r>
-              <a:rPr lang="de-DE" dirty="0" smtClean="0"/>
-              <a:t> </a:t>
-            </a:r>
-            <a:r>
-              <a:rPr lang="de-DE" dirty="0" err="1" smtClean="0"/>
-              <a:t>bibliographic</a:t>
-            </a:r>
-            <a:r>
-              <a:rPr lang="de-DE" dirty="0" smtClean="0"/>
-              <a:t> </a:t>
-            </a:r>
-            <a:r>
-              <a:rPr lang="de-DE" dirty="0" err="1" smtClean="0"/>
-              <a:t>information</a:t>
-            </a:r>
-            <a:r>
-              <a:rPr lang="de-DE" dirty="0" smtClean="0"/>
-              <a:t> </a:t>
-            </a:r>
-            <a:r>
-              <a:rPr lang="de-DE" dirty="0" err="1" smtClean="0"/>
-              <a:t>of</a:t>
-            </a:r>
-            <a:r>
-              <a:rPr lang="de-DE" dirty="0" smtClean="0"/>
-              <a:t> </a:t>
-            </a:r>
-            <a:r>
-              <a:rPr lang="de-DE" dirty="0" err="1" smtClean="0"/>
-              <a:t>Cited</a:t>
-            </a:r>
-            <a:r>
-              <a:rPr lang="de-DE" dirty="0" smtClean="0"/>
-              <a:t> References (Strings)</a:t>
+              <a:t>Data Filtering</a:t>
             </a:r>
           </a:p>
           <a:p>
             <a:pPr lvl="1"/>
             <a:r>
-              <a:rPr lang="de-DE" dirty="0" smtClean="0"/>
-              <a:t>Regular </a:t>
-            </a:r>
-            <a:r>
-              <a:rPr lang="de-DE" dirty="0" err="1" smtClean="0"/>
-              <a:t>Expressions</a:t>
-            </a:r>
-            <a:r>
-              <a:rPr lang="de-DE" dirty="0" smtClean="0"/>
-              <a:t> (Patterns), </a:t>
-            </a:r>
-            <a:r>
-              <a:rPr lang="de-DE" dirty="0" err="1" smtClean="0"/>
-              <a:t>Integrity</a:t>
-            </a:r>
-            <a:r>
-              <a:rPr lang="de-DE" dirty="0" smtClean="0"/>
-              <a:t> </a:t>
-            </a:r>
-            <a:r>
-              <a:rPr lang="de-DE" dirty="0" err="1" smtClean="0"/>
-              <a:t>checks</a:t>
-            </a:r>
-            <a:endParaRPr lang="de-DE" dirty="0" smtClean="0"/>
-          </a:p>
-          <a:p>
-            <a:endParaRPr lang="de-DE" dirty="0" smtClean="0"/>
-          </a:p>
-          <a:p>
-            <a:endParaRPr lang="de-DE" dirty="0"/>
-          </a:p>
-          <a:p>
-            <a:endParaRPr lang="de-DE" dirty="0" smtClean="0"/>
-          </a:p>
-          <a:p>
-            <a:endParaRPr lang="de-DE" dirty="0"/>
-          </a:p>
-          <a:p>
-            <a:endParaRPr lang="de-DE" dirty="0" smtClean="0"/>
-          </a:p>
-          <a:p>
-            <a:endParaRPr lang="de-DE" dirty="0"/>
-          </a:p>
-          <a:p>
-            <a:r>
-              <a:rPr lang="de-DE" b="1" dirty="0" smtClean="0">
+              <a:rPr lang="en-US" noProof="0" dirty="0" smtClean="0"/>
+              <a:t>by Citing Publication Year (PY)</a:t>
+            </a:r>
+          </a:p>
+          <a:p>
+            <a:pPr lvl="1"/>
+            <a:r>
+              <a:rPr lang="en-US" noProof="0" dirty="0" smtClean="0"/>
+              <a:t>by Reference Publication Year (RPY)</a:t>
+            </a:r>
+          </a:p>
+          <a:p>
+            <a:pPr lvl="1"/>
+            <a:r>
+              <a:rPr lang="en-US" noProof="0" dirty="0" smtClean="0"/>
+              <a:t>by Number of Citations (N_CR)</a:t>
+            </a:r>
+          </a:p>
+          <a:p>
+            <a:pPr lvl="1"/>
+            <a:endParaRPr lang="en-US" noProof="0" dirty="0" smtClean="0"/>
+          </a:p>
+          <a:p>
+            <a:r>
+              <a:rPr lang="en-US" b="1" noProof="0" dirty="0" smtClean="0">
                 <a:solidFill>
                   <a:srgbClr val="FF0000"/>
                 </a:solidFill>
               </a:rPr>
-              <a:t>Data </a:t>
-            </a:r>
-            <a:r>
-              <a:rPr lang="de-DE" b="1" dirty="0" err="1" smtClean="0">
-                <a:solidFill>
-                  <a:srgbClr val="FF0000"/>
-                </a:solidFill>
-              </a:rPr>
-              <a:t>Filtering</a:t>
-            </a:r>
-            <a:endParaRPr lang="de-DE" b="1" dirty="0" smtClean="0">
-              <a:solidFill>
-                <a:srgbClr val="FF0000"/>
-              </a:solidFill>
-            </a:endParaRPr>
+              <a:t>Data Cleaning (Deduplication)</a:t>
+            </a:r>
           </a:p>
           <a:p>
             <a:pPr lvl="1"/>
             <a:r>
-              <a:rPr lang="de-DE" dirty="0" err="1" smtClean="0"/>
-              <a:t>by</a:t>
-            </a:r>
-            <a:r>
-              <a:rPr lang="de-DE" dirty="0" smtClean="0"/>
-              <a:t> </a:t>
-            </a:r>
-            <a:r>
-              <a:rPr lang="de-DE" dirty="0" err="1" smtClean="0"/>
-              <a:t>Citing</a:t>
-            </a:r>
-            <a:r>
-              <a:rPr lang="de-DE" dirty="0" smtClean="0"/>
-              <a:t> </a:t>
-            </a:r>
-            <a:r>
-              <a:rPr lang="de-DE" dirty="0" err="1" smtClean="0"/>
-              <a:t>Publication</a:t>
-            </a:r>
-            <a:r>
-              <a:rPr lang="de-DE" dirty="0" smtClean="0"/>
-              <a:t> Year (PY)</a:t>
-            </a:r>
-          </a:p>
-          <a:p>
-            <a:pPr lvl="1"/>
-            <a:r>
-              <a:rPr lang="de-DE" dirty="0" err="1" smtClean="0"/>
-              <a:t>by</a:t>
-            </a:r>
-            <a:r>
-              <a:rPr lang="de-DE" dirty="0" smtClean="0"/>
-              <a:t> Reference </a:t>
-            </a:r>
-            <a:r>
-              <a:rPr lang="de-DE" dirty="0" err="1" smtClean="0"/>
-              <a:t>Publication</a:t>
-            </a:r>
-            <a:r>
-              <a:rPr lang="de-DE" dirty="0" smtClean="0"/>
-              <a:t> Year (RPY)</a:t>
-            </a:r>
-          </a:p>
-          <a:p>
-            <a:pPr lvl="1"/>
-            <a:r>
-              <a:rPr lang="de-DE" dirty="0" err="1" smtClean="0"/>
-              <a:t>by</a:t>
-            </a:r>
-            <a:r>
-              <a:rPr lang="de-DE" dirty="0" smtClean="0"/>
-              <a:t> </a:t>
-            </a:r>
-            <a:r>
-              <a:rPr lang="de-DE" dirty="0" err="1" smtClean="0"/>
-              <a:t>Number</a:t>
-            </a:r>
-            <a:r>
-              <a:rPr lang="de-DE" dirty="0" smtClean="0"/>
-              <a:t> </a:t>
-            </a:r>
-            <a:r>
-              <a:rPr lang="de-DE" dirty="0" err="1" smtClean="0"/>
-              <a:t>of</a:t>
-            </a:r>
-            <a:r>
-              <a:rPr lang="de-DE" dirty="0" smtClean="0"/>
-              <a:t> </a:t>
-            </a:r>
-            <a:r>
-              <a:rPr lang="de-DE" dirty="0" err="1" smtClean="0"/>
-              <a:t>Citations</a:t>
-            </a:r>
-            <a:r>
-              <a:rPr lang="de-DE" dirty="0" smtClean="0"/>
-              <a:t> (N_CR)</a:t>
-            </a:r>
-          </a:p>
-          <a:p>
-            <a:pPr lvl="1"/>
-            <a:endParaRPr lang="de-DE" dirty="0" smtClean="0"/>
-          </a:p>
-          <a:p>
-            <a:r>
-              <a:rPr lang="de-DE" b="1" dirty="0" smtClean="0">
-                <a:solidFill>
-                  <a:srgbClr val="FF0000"/>
-                </a:solidFill>
-              </a:rPr>
-              <a:t>Data </a:t>
-            </a:r>
-            <a:r>
-              <a:rPr lang="de-DE" b="1" dirty="0" err="1" smtClean="0">
-                <a:solidFill>
-                  <a:srgbClr val="FF0000"/>
-                </a:solidFill>
-              </a:rPr>
-              <a:t>Cleaning</a:t>
-            </a:r>
-            <a:r>
-              <a:rPr lang="de-DE" b="1" dirty="0" smtClean="0">
-                <a:solidFill>
-                  <a:srgbClr val="FF0000"/>
-                </a:solidFill>
-              </a:rPr>
-              <a:t> (</a:t>
-            </a:r>
-            <a:r>
-              <a:rPr lang="de-DE" b="1" dirty="0" err="1" smtClean="0">
-                <a:solidFill>
-                  <a:srgbClr val="FF0000"/>
-                </a:solidFill>
-              </a:rPr>
-              <a:t>Deduplication</a:t>
-            </a:r>
-            <a:r>
-              <a:rPr lang="de-DE" b="1" dirty="0" smtClean="0">
-                <a:solidFill>
-                  <a:srgbClr val="FF0000"/>
-                </a:solidFill>
-              </a:rPr>
-              <a:t>)</a:t>
-            </a:r>
-          </a:p>
-          <a:p>
-            <a:pPr lvl="1"/>
-            <a:r>
-              <a:rPr lang="de-DE" dirty="0" err="1" smtClean="0"/>
-              <a:t>Detecting</a:t>
-            </a:r>
-            <a:r>
-              <a:rPr lang="de-DE" dirty="0" smtClean="0"/>
-              <a:t> </a:t>
-            </a:r>
-            <a:r>
-              <a:rPr lang="de-DE" dirty="0" err="1" smtClean="0"/>
-              <a:t>and</a:t>
-            </a:r>
-            <a:r>
-              <a:rPr lang="de-DE" dirty="0" smtClean="0"/>
-              <a:t> </a:t>
-            </a:r>
-            <a:r>
-              <a:rPr lang="de-DE" dirty="0" err="1" smtClean="0"/>
-              <a:t>merging</a:t>
-            </a:r>
-            <a:r>
-              <a:rPr lang="de-DE" dirty="0" smtClean="0"/>
-              <a:t> </a:t>
-            </a:r>
-            <a:r>
-              <a:rPr lang="de-DE" dirty="0" err="1" smtClean="0"/>
-              <a:t>duplicates</a:t>
-            </a:r>
-            <a:r>
-              <a:rPr lang="de-DE" dirty="0" smtClean="0"/>
-              <a:t> </a:t>
-            </a:r>
-            <a:r>
-              <a:rPr lang="de-DE" dirty="0" err="1" smtClean="0"/>
-              <a:t>is</a:t>
-            </a:r>
-            <a:r>
-              <a:rPr lang="de-DE" dirty="0" smtClean="0"/>
-              <a:t> </a:t>
-            </a:r>
-            <a:r>
-              <a:rPr lang="de-DE" dirty="0" err="1" smtClean="0"/>
-              <a:t>important</a:t>
-            </a:r>
-            <a:r>
-              <a:rPr lang="de-DE" dirty="0" smtClean="0"/>
-              <a:t> </a:t>
-            </a:r>
-            <a:r>
-              <a:rPr lang="de-DE" dirty="0" err="1" smtClean="0"/>
-              <a:t>for</a:t>
-            </a:r>
-            <a:r>
-              <a:rPr lang="de-DE" dirty="0" smtClean="0"/>
-              <a:t> high-quality </a:t>
-            </a:r>
-            <a:r>
-              <a:rPr lang="de-DE" dirty="0" err="1" smtClean="0"/>
-              <a:t>data</a:t>
-            </a:r>
-            <a:r>
-              <a:rPr lang="de-DE" dirty="0" smtClean="0"/>
-              <a:t> </a:t>
-            </a:r>
-            <a:r>
-              <a:rPr lang="de-DE" dirty="0" err="1" smtClean="0"/>
-              <a:t>analysis</a:t>
-            </a:r>
-            <a:endParaRPr lang="de-DE" dirty="0" smtClean="0"/>
-          </a:p>
-          <a:p>
-            <a:endParaRPr lang="de-DE" dirty="0"/>
+              <a:rPr lang="en-US" noProof="0" dirty="0" smtClean="0"/>
+              <a:t>Detecting and merging duplicates is important for high-quality data analysis</a:t>
+            </a:r>
+          </a:p>
+          <a:p>
+            <a:endParaRPr lang="en-US" noProof="0" dirty="0"/>
           </a:p>
         </p:txBody>
       </p:sp>
@@ -18583,7 +17483,7 @@
           <p:nvPr/>
         </p:nvPicPr>
         <p:blipFill>
-          <a:blip r:embed="rId2"/>
+          <a:blip r:embed="rId3"/>
           <a:stretch>
             <a:fillRect/>
           </a:stretch>
@@ -18607,7 +17507,7 @@
           <p:nvPr/>
         </p:nvPicPr>
         <p:blipFill>
-          <a:blip r:embed="rId3"/>
+          <a:blip r:embed="rId4"/>
           <a:stretch>
             <a:fillRect/>
           </a:stretch>
@@ -18932,7 +17832,7 @@
 </p:sld>
 </file>
 
-<file path=ppt/slides/slide7.xml><?xml version="1.0" encoding="utf-8"?>
+<file path=ppt/slides/slide6.xml><?xml version="1.0" encoding="utf-8"?>
 <p:sld xmlns:a="http://schemas.openxmlformats.org/drawingml/2006/main" xmlns:r="http://schemas.openxmlformats.org/officeDocument/2006/relationships" xmlns:p="http://schemas.openxmlformats.org/presentationml/2006/main">
   <p:cSld>
     <p:spTree>
@@ -18973,11 +17873,7 @@
           <a:p>
             <a:r>
               <a:rPr lang="en-US" noProof="0" dirty="0" smtClean="0"/>
-              <a:t>Deduplication (Disambiguation): </a:t>
-            </a:r>
-            <a:r>
-              <a:rPr lang="en-US" noProof="0" dirty="0" smtClean="0"/>
-              <a:t>Clustering + Merge</a:t>
+              <a:t>Deduplication (Disambiguation): Clustering + Merge</a:t>
             </a:r>
             <a:endParaRPr lang="en-US" noProof="0" dirty="0"/>
           </a:p>
@@ -19000,7 +17896,27 @@
           <a:p>
             <a:r>
               <a:rPr lang="en-US" noProof="0" dirty="0" smtClean="0"/>
-              <a:t>Different variants of the same Cited Reference</a:t>
+              <a:t>Different </a:t>
+            </a:r>
+            <a:r>
+              <a:rPr lang="en-US" b="1" noProof="0" dirty="0" smtClean="0">
+                <a:solidFill>
+                  <a:srgbClr val="FF0000"/>
+                </a:solidFill>
+              </a:rPr>
+              <a:t>variants</a:t>
+            </a:r>
+            <a:r>
+              <a:rPr lang="en-US" noProof="0" dirty="0" smtClean="0">
+                <a:solidFill>
+                  <a:srgbClr val="FF0000"/>
+                </a:solidFill>
+              </a:rPr>
+              <a:t> </a:t>
+            </a:r>
+            <a:r>
+              <a:rPr lang="en-US" noProof="0" dirty="0" smtClean="0"/>
+              <a:t>of the same Cited Reference</a:t>
             </a:r>
           </a:p>
           <a:p>
@@ -19012,8 +17928,24 @@
           </a:p>
           <a:p>
             <a:r>
+              <a:rPr lang="en-US" b="1" noProof="0" dirty="0" smtClean="0">
+                <a:solidFill>
+                  <a:srgbClr val="FF0000"/>
+                </a:solidFill>
+              </a:rPr>
+              <a:t>Clustering</a:t>
+            </a:r>
+            <a:r>
+              <a:rPr lang="en-US" noProof="0" dirty="0" smtClean="0">
+                <a:solidFill>
+                  <a:srgbClr val="FF0000"/>
+                </a:solidFill>
+              </a:rPr>
+              <a:t> </a:t>
+            </a:r>
+            <a:r>
               <a:rPr lang="en-US" noProof="0" dirty="0" smtClean="0"/>
-              <a:t>Clustering based on string similarity (author, title) and year</a:t>
+              <a:t>based on string similarity (author, title) and year</a:t>
             </a:r>
           </a:p>
           <a:p>
@@ -19061,8 +17993,16 @@
           </a:p>
           <a:p>
             <a:r>
+              <a:rPr lang="en-US" b="1" noProof="0" dirty="0" smtClean="0">
+                <a:solidFill>
+                  <a:srgbClr val="FF0000"/>
+                </a:solidFill>
+              </a:rPr>
+              <a:t>Merging</a:t>
+            </a:r>
+            <a:r>
               <a:rPr lang="en-US" noProof="0" dirty="0" smtClean="0"/>
-              <a:t>Merging: Cluster representative + Accumulation of N_CR</a:t>
+              <a:t>: Cluster representative + Accumulation of N_CR</a:t>
             </a:r>
             <a:endParaRPr lang="en-US" noProof="0" dirty="0"/>
           </a:p>
@@ -19501,7 +18441,7 @@
 </p:sld>
 </file>
 
-<file path=ppt/slides/slide8.xml><?xml version="1.0" encoding="utf-8"?>
+<file path=ppt/slides/slide7.xml><?xml version="1.0" encoding="utf-8"?>
 <p:sld xmlns:a="http://schemas.openxmlformats.org/drawingml/2006/main" xmlns:r="http://schemas.openxmlformats.org/officeDocument/2006/relationships" xmlns:p="http://schemas.openxmlformats.org/presentationml/2006/main">
   <p:cSld>
     <p:spTree>
@@ -19534,10 +18474,10 @@
           <a:lstStyle/>
           <a:p>
             <a:r>
-              <a:rPr lang="en-US" dirty="0"/>
+              <a:rPr lang="en-US" noProof="0" dirty="0" smtClean="0"/>
               <a:t>Reference Publication Year Spectroscopy (RPYS)</a:t>
             </a:r>
-            <a:endParaRPr lang="de-DE" dirty="0"/>
+            <a:endParaRPr lang="en-US" noProof="0" dirty="0"/>
           </a:p>
         </p:txBody>
       </p:sp>
@@ -19557,62 +18497,281 @@
           <a:lstStyle/>
           <a:p>
             <a:r>
+              <a:rPr lang="en-US" noProof="0" dirty="0" smtClean="0"/>
+              <a:t>Method to analyze historical roots based on cited references within single research fields</a:t>
+            </a:r>
+          </a:p>
+          <a:p>
+            <a:r>
               <a:rPr lang="en-US" dirty="0"/>
-              <a:t>Method to analyze historical roots based on cited references within single research fields</a:t>
-            </a:r>
+              <a:t>Analysis of the frequency with </a:t>
+            </a:r>
+            <a:r>
+              <a:rPr lang="en-US" dirty="0" smtClean="0"/>
+              <a:t>which references </a:t>
+            </a:r>
+            <a:r>
+              <a:rPr lang="en-US" dirty="0"/>
+              <a:t>are cited in the </a:t>
+            </a:r>
+            <a:r>
+              <a:rPr lang="en-US" dirty="0" smtClean="0"/>
+              <a:t>publications in </a:t>
+            </a:r>
+            <a:r>
+              <a:rPr lang="en-US" dirty="0"/>
+              <a:t>terms of the publication years of these CRs. </a:t>
+            </a:r>
+            <a:endParaRPr lang="en-US" dirty="0" smtClean="0"/>
           </a:p>
           <a:p>
             <a:endParaRPr lang="en-US" dirty="0"/>
           </a:p>
           <a:p>
             <a:r>
+              <a:rPr lang="en-US" b="1" dirty="0" smtClean="0">
+                <a:solidFill>
+                  <a:srgbClr val="FF0000"/>
+                </a:solidFill>
+              </a:rPr>
+              <a:t>Spectrogram</a:t>
+            </a:r>
+          </a:p>
+          <a:p>
+            <a:endParaRPr lang="en-US" dirty="0" smtClean="0"/>
+          </a:p>
+          <a:p>
+            <a:r>
+              <a:rPr lang="en-US" dirty="0" smtClean="0"/>
+              <a:t>Origins </a:t>
+            </a:r>
+            <a:r>
               <a:rPr lang="en-US" dirty="0"/>
-              <a:t>RPYS is based on the analysis of the frequency with which references are cited in the publications of a specific research field in terms of the publication years of these CRs. </a:t>
-            </a:r>
-          </a:p>
-          <a:p>
+              <a:t>show up in the form of </a:t>
+            </a:r>
+            <a:r>
+              <a:rPr lang="en-US" dirty="0" smtClean="0"/>
+              <a:t/>
+            </a:r>
+            <a:br>
+              <a:rPr lang="en-US" dirty="0" smtClean="0"/>
+            </a:br>
+            <a:r>
+              <a:rPr lang="en-US" dirty="0" smtClean="0"/>
+              <a:t>more </a:t>
+            </a:r>
             <a:r>
               <a:rPr lang="en-US" dirty="0"/>
-              <a:t>Origins show up in the form of more or less pronounced peaks mostly caused by individual publications that are cited particularly frequently</a:t>
-            </a:r>
-          </a:p>
-          <a:p>
-            <a:endParaRPr lang="en-US" dirty="0"/>
-          </a:p>
-          <a:p>
+              <a:t>or less pronounced peaks </a:t>
+            </a:r>
+            <a:r>
+              <a:rPr lang="en-US" dirty="0" smtClean="0"/>
+              <a:t/>
+            </a:r>
+            <a:br>
+              <a:rPr lang="en-US" dirty="0" smtClean="0"/>
+            </a:br>
+            <a:r>
+              <a:rPr lang="en-US" dirty="0" smtClean="0"/>
+              <a:t>mostly </a:t>
+            </a:r>
             <a:r>
               <a:rPr lang="en-US" dirty="0"/>
-              <a:t>Historical analysis of single research fields</a:t>
-            </a:r>
-          </a:p>
-          <a:p>
-            <a:pPr lvl="1"/>
+              <a:t>caused by individual publications </a:t>
+            </a:r>
+            <a:r>
+              <a:rPr lang="en-US" dirty="0" smtClean="0"/>
+              <a:t/>
+            </a:r>
+            <a:br>
+              <a:rPr lang="en-US" dirty="0" smtClean="0"/>
+            </a:br>
+            <a:r>
+              <a:rPr lang="en-US" dirty="0" smtClean="0"/>
+              <a:t>that </a:t>
+            </a:r>
             <a:r>
               <a:rPr lang="en-US" dirty="0"/>
-              <a:t>Select publications of interest</a:t>
-            </a:r>
-          </a:p>
-          <a:p>
-            <a:pPr lvl="1"/>
-            <a:r>
-              <a:rPr lang="en-US" dirty="0"/>
-              <a:t>Analyze the references cited in them (especially the referenced publication years)</a:t>
-            </a:r>
-          </a:p>
-          <a:p>
-            <a:pPr lvl="1"/>
-            <a:r>
-              <a:rPr lang="en-US" dirty="0"/>
-              <a:t>#Citations for each CR vs. #Citations for all CRs of the same </a:t>
-            </a:r>
-            <a:r>
-              <a:rPr lang="en-US" dirty="0" smtClean="0"/>
-              <a:t>Year</a:t>
-            </a:r>
-            <a:endParaRPr lang="de-DE" dirty="0"/>
+              <a:t>are cited particularly frequently</a:t>
+            </a:r>
+          </a:p>
+          <a:p>
+            <a:endParaRPr lang="en-US" noProof="0" dirty="0" smtClean="0"/>
+          </a:p>
+          <a:p>
+            <a:endParaRPr lang="en-US" noProof="0" dirty="0" smtClean="0"/>
           </a:p>
         </p:txBody>
       </p:sp>
+      <p:grpSp>
+        <p:nvGrpSpPr>
+          <p:cNvPr id="18" name="Gruppieren 17"/>
+          <p:cNvGrpSpPr/>
+          <p:nvPr/>
+        </p:nvGrpSpPr>
+        <p:grpSpPr>
+          <a:xfrm>
+            <a:off x="5292080" y="2636912"/>
+            <a:ext cx="3535578" cy="3056751"/>
+            <a:chOff x="683568" y="2862443"/>
+            <a:chExt cx="3535578" cy="3056751"/>
+          </a:xfrm>
+        </p:grpSpPr>
+        <p:cxnSp>
+          <p:nvCxnSpPr>
+            <p:cNvPr id="6" name="Gerade Verbindung mit Pfeil 5"/>
+            <p:cNvCxnSpPr/>
+            <p:nvPr/>
+          </p:nvCxnSpPr>
+          <p:spPr>
+            <a:xfrm flipV="1">
+              <a:off x="1052900" y="2964150"/>
+              <a:ext cx="0" cy="2581742"/>
+            </a:xfrm>
+            <a:prstGeom prst="straightConnector1">
+              <a:avLst/>
+            </a:prstGeom>
+            <a:ln>
+              <a:tailEnd type="triangle"/>
+            </a:ln>
+          </p:spPr>
+          <p:style>
+            <a:lnRef idx="1">
+              <a:schemeClr val="accent1"/>
+            </a:lnRef>
+            <a:fillRef idx="0">
+              <a:schemeClr val="accent1"/>
+            </a:fillRef>
+            <a:effectRef idx="0">
+              <a:schemeClr val="accent1"/>
+            </a:effectRef>
+            <a:fontRef idx="minor">
+              <a:schemeClr val="tx1"/>
+            </a:fontRef>
+          </p:style>
+        </p:cxnSp>
+        <p:sp>
+          <p:nvSpPr>
+            <p:cNvPr id="7" name="Textfeld 6"/>
+            <p:cNvSpPr txBox="1"/>
+            <p:nvPr/>
+          </p:nvSpPr>
+          <p:spPr>
+            <a:xfrm rot="16200000">
+              <a:off x="-545904" y="4091915"/>
+              <a:ext cx="2828275" cy="369332"/>
+            </a:xfrm>
+            <a:prstGeom prst="rect">
+              <a:avLst/>
+            </a:prstGeom>
+            <a:noFill/>
+          </p:spPr>
+          <p:txBody>
+            <a:bodyPr wrap="none" rtlCol="0">
+              <a:spAutoFit/>
+            </a:bodyPr>
+            <a:lstStyle/>
+            <a:p>
+              <a:r>
+                <a:rPr lang="de-DE" dirty="0" err="1" smtClean="0"/>
+                <a:t>Number</a:t>
+              </a:r>
+              <a:r>
+                <a:rPr lang="de-DE" dirty="0" smtClean="0"/>
+                <a:t> </a:t>
+              </a:r>
+              <a:r>
+                <a:rPr lang="de-DE" dirty="0" err="1" smtClean="0"/>
+                <a:t>of</a:t>
+              </a:r>
+              <a:r>
+                <a:rPr lang="de-DE" dirty="0" smtClean="0"/>
+                <a:t> </a:t>
+              </a:r>
+              <a:r>
+                <a:rPr lang="de-DE" dirty="0" err="1" smtClean="0"/>
+                <a:t>Cited</a:t>
+              </a:r>
+              <a:r>
+                <a:rPr lang="de-DE" dirty="0" smtClean="0"/>
+                <a:t> References</a:t>
+              </a:r>
+              <a:endParaRPr lang="de-DE" dirty="0"/>
+            </a:p>
+          </p:txBody>
+        </p:sp>
+        <p:cxnSp>
+          <p:nvCxnSpPr>
+            <p:cNvPr id="9" name="Gerade Verbindung mit Pfeil 8"/>
+            <p:cNvCxnSpPr/>
+            <p:nvPr/>
+          </p:nvCxnSpPr>
+          <p:spPr>
+            <a:xfrm>
+              <a:off x="1052900" y="5545892"/>
+              <a:ext cx="3166246" cy="3970"/>
+            </a:xfrm>
+            <a:prstGeom prst="straightConnector1">
+              <a:avLst/>
+            </a:prstGeom>
+            <a:ln>
+              <a:tailEnd type="triangle"/>
+            </a:ln>
+          </p:spPr>
+          <p:style>
+            <a:lnRef idx="1">
+              <a:schemeClr val="accent1"/>
+            </a:lnRef>
+            <a:fillRef idx="0">
+              <a:schemeClr val="accent1"/>
+            </a:fillRef>
+            <a:effectRef idx="0">
+              <a:schemeClr val="accent1"/>
+            </a:effectRef>
+            <a:fontRef idx="minor">
+              <a:schemeClr val="tx1"/>
+            </a:fontRef>
+          </p:style>
+        </p:cxnSp>
+        <p:sp>
+          <p:nvSpPr>
+            <p:cNvPr id="11" name="Textfeld 10"/>
+            <p:cNvSpPr txBox="1"/>
+            <p:nvPr/>
+          </p:nvSpPr>
+          <p:spPr>
+            <a:xfrm>
+              <a:off x="990185" y="5549862"/>
+              <a:ext cx="3228961" cy="369332"/>
+            </a:xfrm>
+            <a:prstGeom prst="rect">
+              <a:avLst/>
+            </a:prstGeom>
+            <a:noFill/>
+          </p:spPr>
+          <p:txBody>
+            <a:bodyPr wrap="none" rtlCol="0">
+              <a:spAutoFit/>
+            </a:bodyPr>
+            <a:lstStyle/>
+            <a:p>
+              <a:r>
+                <a:rPr lang="de-DE" dirty="0" smtClean="0"/>
+                <a:t>Reference </a:t>
+              </a:r>
+              <a:r>
+                <a:rPr lang="de-DE" dirty="0" err="1" smtClean="0"/>
+                <a:t>Publication</a:t>
+              </a:r>
+              <a:r>
+                <a:rPr lang="de-DE" dirty="0" smtClean="0"/>
+                <a:t> Year (RPY)</a:t>
+              </a:r>
+              <a:endParaRPr lang="de-DE" dirty="0"/>
+            </a:p>
+          </p:txBody>
+        </p:sp>
+      </p:grpSp>
     </p:spTree>
     <p:extLst>
       <p:ext uri="{BB962C8B-B14F-4D97-AF65-F5344CB8AC3E}">
@@ -19633,7 +18792,7 @@
 </p:sld>
 </file>
 
-<file path=ppt/slides/slide9.xml><?xml version="1.0" encoding="utf-8"?>
+<file path=ppt/slides/slide8.xml><?xml version="1.0" encoding="utf-8"?>
 <p:sld xmlns:a="http://schemas.openxmlformats.org/drawingml/2006/main" xmlns:r="http://schemas.openxmlformats.org/officeDocument/2006/relationships" xmlns:p="http://schemas.openxmlformats.org/presentationml/2006/main">
   <p:cSld>
     <p:spTree>
@@ -19690,14 +18849,10 @@
           <a:lstStyle/>
           <a:p>
             <a:r>
-              <a:rPr lang="de-DE" dirty="0"/>
-              <a:t>RPYS: </a:t>
-            </a:r>
-            <a:r>
-              <a:rPr lang="de-DE" dirty="0" err="1"/>
-              <a:t>Example</a:t>
-            </a:r>
-            <a:endParaRPr lang="de-DE" dirty="0"/>
+              <a:rPr lang="en-US" noProof="0" dirty="0" smtClean="0"/>
+              <a:t>RPYS: Example</a:t>
+            </a:r>
+            <a:endParaRPr lang="en-US" noProof="0" dirty="0"/>
           </a:p>
         </p:txBody>
       </p:sp>
@@ -19717,40 +18872,24 @@
           <a:lstStyle/>
           <a:p>
             <a:r>
-              <a:rPr lang="de-DE" dirty="0" err="1" smtClean="0"/>
+              <a:rPr lang="en-US" noProof="0" dirty="0" err="1" smtClean="0"/>
               <a:t>Scientometrics</a:t>
             </a:r>
             <a:r>
-              <a:rPr lang="de-DE" dirty="0" smtClean="0"/>
-              <a:t> </a:t>
-            </a:r>
-            <a:r>
-              <a:rPr lang="de-DE" dirty="0" err="1" smtClean="0"/>
-              <a:t>papers</a:t>
-            </a:r>
-            <a:r>
-              <a:rPr lang="de-DE" dirty="0" smtClean="0"/>
-              <a:t> (2007-2015) </a:t>
-            </a:r>
-            <a:r>
-              <a:rPr lang="de-DE" dirty="0" smtClean="0">
+              <a:rPr lang="en-US" noProof="0" dirty="0" smtClean="0"/>
+              <a:t> papers (2007-2015) </a:t>
+            </a:r>
+            <a:r>
+              <a:rPr lang="en-US" noProof="0" dirty="0" smtClean="0">
                 <a:sym typeface="Wingdings" panose="05000000000000000000" pitchFamily="2" charset="2"/>
               </a:rPr>
               <a:t></a:t>
             </a:r>
             <a:r>
-              <a:rPr lang="de-DE" dirty="0" smtClean="0"/>
-              <a:t> 9,375 </a:t>
-            </a:r>
-            <a:r>
-              <a:rPr lang="de-DE" dirty="0" err="1" smtClean="0"/>
-              <a:t>Cited</a:t>
-            </a:r>
-            <a:r>
-              <a:rPr lang="de-DE" dirty="0" smtClean="0"/>
-              <a:t> References</a:t>
-            </a:r>
-            <a:endParaRPr lang="de-DE" dirty="0"/>
+              <a:rPr lang="en-US" noProof="0" dirty="0" smtClean="0"/>
+              <a:t> 9,375 Cited References</a:t>
+            </a:r>
+            <a:endParaRPr lang="en-US" noProof="0" dirty="0"/>
           </a:p>
         </p:txBody>
       </p:sp>
@@ -20287,6 +19426,1057 @@
     <p:bldLst>
       <p:bldP spid="11" grpId="0" animBg="1"/>
       <p:bldP spid="12" grpId="0" animBg="1"/>
+    </p:bldLst>
+  </p:timing>
+</p:sld>
+</file>
+
+<file path=ppt/slides/slide9.xml><?xml version="1.0" encoding="utf-8"?>
+<p:sld xmlns:a="http://schemas.openxmlformats.org/drawingml/2006/main" xmlns:r="http://schemas.openxmlformats.org/officeDocument/2006/relationships" xmlns:p="http://schemas.openxmlformats.org/presentationml/2006/main">
+  <p:cSld>
+    <p:spTree>
+      <p:nvGrpSpPr>
+        <p:cNvPr id="1" name=""/>
+        <p:cNvGrpSpPr/>
+        <p:nvPr/>
+      </p:nvGrpSpPr>
+      <p:grpSpPr>
+        <a:xfrm>
+          <a:off x="0" y="0"/>
+          <a:ext cx="0" cy="0"/>
+          <a:chOff x="0" y="0"/>
+          <a:chExt cx="0" cy="0"/>
+        </a:xfrm>
+      </p:grpSpPr>
+      <p:sp>
+        <p:nvSpPr>
+          <p:cNvPr id="2" name="Titel 1"/>
+          <p:cNvSpPr>
+            <a:spLocks noGrp="1"/>
+          </p:cNvSpPr>
+          <p:nvPr>
+            <p:ph type="title"/>
+          </p:nvPr>
+        </p:nvSpPr>
+        <p:spPr/>
+        <p:txBody>
+          <a:bodyPr/>
+          <a:lstStyle/>
+          <a:p>
+            <a:r>
+              <a:rPr lang="en-US" noProof="0" dirty="0" smtClean="0"/>
+              <a:t>Indicators</a:t>
+            </a:r>
+            <a:endParaRPr lang="en-US" noProof="0" dirty="0"/>
+          </a:p>
+        </p:txBody>
+      </p:sp>
+      <p:sp>
+        <p:nvSpPr>
+          <p:cNvPr id="3" name="Inhaltsplatzhalter 2"/>
+          <p:cNvSpPr>
+            <a:spLocks noGrp="1"/>
+          </p:cNvSpPr>
+          <p:nvPr>
+            <p:ph idx="1"/>
+          </p:nvPr>
+        </p:nvSpPr>
+        <p:spPr/>
+        <p:txBody>
+          <a:bodyPr>
+            <a:noAutofit/>
+          </a:bodyPr>
+          <a:lstStyle/>
+          <a:p>
+            <a:r>
+              <a:rPr lang="en-US" b="1" noProof="0" dirty="0" smtClean="0"/>
+              <a:t>Relative comparison </a:t>
+            </a:r>
+            <a:r>
+              <a:rPr lang="en-US" noProof="0" dirty="0" smtClean="0"/>
+              <a:t>of Cited References</a:t>
+            </a:r>
+            <a:br>
+              <a:rPr lang="en-US" noProof="0" dirty="0" smtClean="0"/>
+            </a:br>
+            <a:r>
+              <a:rPr lang="en-US" noProof="0" dirty="0" smtClean="0"/>
+              <a:t>w.r.t. the Reference Publication Year (RPY)</a:t>
+            </a:r>
+            <a:br>
+              <a:rPr lang="en-US" noProof="0" dirty="0" smtClean="0"/>
+            </a:br>
+            <a:r>
+              <a:rPr lang="en-US" noProof="0" dirty="0" smtClean="0"/>
+              <a:t>and the Publication Year (PY) of citing publications</a:t>
+            </a:r>
+          </a:p>
+          <a:p>
+            <a:endParaRPr lang="en-US" noProof="0" dirty="0" smtClean="0"/>
+          </a:p>
+          <a:p>
+            <a:r>
+              <a:rPr lang="en-US" b="1" noProof="0" dirty="0" smtClean="0">
+                <a:solidFill>
+                  <a:srgbClr val="FF0000"/>
+                </a:solidFill>
+              </a:rPr>
+              <a:t>N_PYEARS</a:t>
+            </a:r>
+            <a:r>
+              <a:rPr lang="en-US" noProof="0" dirty="0" smtClean="0">
+                <a:solidFill>
+                  <a:srgbClr val="FF0000"/>
+                </a:solidFill>
+              </a:rPr>
+              <a:t> </a:t>
+            </a:r>
+            <a:r>
+              <a:rPr lang="en-US" noProof="0" dirty="0" smtClean="0"/>
+              <a:t>and </a:t>
+            </a:r>
+            <a:r>
+              <a:rPr lang="en-US" b="1" noProof="0" dirty="0" smtClean="0">
+                <a:solidFill>
+                  <a:srgbClr val="FF0000"/>
+                </a:solidFill>
+              </a:rPr>
+              <a:t>PERC_PYEAR</a:t>
+            </a:r>
+          </a:p>
+          <a:p>
+            <a:pPr lvl="1"/>
+            <a:r>
+              <a:rPr lang="en-US" noProof="0" dirty="0" smtClean="0"/>
+              <a:t>Absolute and relative number of PYs</a:t>
+            </a:r>
+            <a:br>
+              <a:rPr lang="en-US" noProof="0" dirty="0" smtClean="0"/>
+            </a:br>
+            <a:r>
+              <a:rPr lang="en-US" noProof="0" dirty="0" smtClean="0"/>
+              <a:t>in which a Cited Reference has been cited</a:t>
+            </a:r>
+            <a:br>
+              <a:rPr lang="en-US" noProof="0" dirty="0" smtClean="0"/>
+            </a:br>
+            <a:endParaRPr lang="en-US" noProof="0" dirty="0" smtClean="0"/>
+          </a:p>
+          <a:p>
+            <a:r>
+              <a:rPr lang="en-US" b="1" noProof="0" dirty="0" smtClean="0">
+                <a:solidFill>
+                  <a:srgbClr val="FF0000"/>
+                </a:solidFill>
+              </a:rPr>
+              <a:t>TOP-N</a:t>
+            </a:r>
+          </a:p>
+          <a:p>
+            <a:pPr lvl="1"/>
+            <a:r>
+              <a:rPr lang="en-US" noProof="0" dirty="0" smtClean="0"/>
+              <a:t>Number of times a Cited Reference has been in the</a:t>
+            </a:r>
+            <a:br>
+              <a:rPr lang="en-US" noProof="0" dirty="0" smtClean="0"/>
+            </a:br>
+            <a:r>
+              <a:rPr lang="en-US" noProof="0" dirty="0" smtClean="0"/>
+              <a:t>Top-N% in the PY-wise ranking of Cited References</a:t>
+            </a:r>
+            <a:br>
+              <a:rPr lang="en-US" noProof="0" dirty="0" smtClean="0"/>
+            </a:br>
+            <a:endParaRPr lang="en-US" noProof="0" dirty="0" smtClean="0"/>
+          </a:p>
+          <a:p>
+            <a:r>
+              <a:rPr lang="en-US" b="1" noProof="0" dirty="0" smtClean="0">
+                <a:solidFill>
+                  <a:srgbClr val="FF0000"/>
+                </a:solidFill>
+              </a:rPr>
+              <a:t>SEQUENCE</a:t>
+            </a:r>
+            <a:r>
+              <a:rPr lang="en-US" noProof="0" dirty="0" smtClean="0"/>
+              <a:t> and </a:t>
+            </a:r>
+            <a:r>
+              <a:rPr lang="en-US" b="1" noProof="0" dirty="0" smtClean="0">
+                <a:solidFill>
+                  <a:srgbClr val="FF0000"/>
+                </a:solidFill>
+              </a:rPr>
+              <a:t>TYPE</a:t>
+            </a:r>
+            <a:r>
+              <a:rPr lang="en-US" noProof="0" dirty="0" smtClean="0">
+                <a:solidFill>
+                  <a:srgbClr val="FF0000"/>
+                </a:solidFill>
+              </a:rPr>
+              <a:t> </a:t>
+            </a:r>
+          </a:p>
+          <a:p>
+            <a:pPr lvl="1"/>
+            <a:r>
+              <a:rPr lang="en-US" noProof="0" dirty="0" smtClean="0"/>
+              <a:t>Distribution of citations over time and </a:t>
+            </a:r>
+            <a:br>
+              <a:rPr lang="en-US" noProof="0" dirty="0" smtClean="0"/>
+            </a:br>
+            <a:r>
+              <a:rPr lang="en-US" noProof="0" dirty="0" smtClean="0"/>
+              <a:t>identification of common time-series patterns</a:t>
+            </a:r>
+            <a:endParaRPr lang="en-US" noProof="0" dirty="0"/>
+          </a:p>
+        </p:txBody>
+      </p:sp>
+      <p:sp>
+        <p:nvSpPr>
+          <p:cNvPr id="4" name="Abgerundete rechteckige Legende 3"/>
+          <p:cNvSpPr/>
+          <p:nvPr/>
+        </p:nvSpPr>
+        <p:spPr>
+          <a:xfrm>
+            <a:off x="6288840" y="2481559"/>
+            <a:ext cx="2267712" cy="844354"/>
+          </a:xfrm>
+          <a:prstGeom prst="wedgeRoundRectCallout">
+            <a:avLst>
+              <a:gd name="adj1" fmla="val -82799"/>
+              <a:gd name="adj2" fmla="val -39632"/>
+              <a:gd name="adj3" fmla="val 16667"/>
+            </a:avLst>
+          </a:prstGeom>
+          <a:noFill/>
+        </p:spPr>
+        <p:style>
+          <a:lnRef idx="2">
+            <a:schemeClr val="accent1"/>
+          </a:lnRef>
+          <a:fillRef idx="1">
+            <a:schemeClr val="lt1"/>
+          </a:fillRef>
+          <a:effectRef idx="0">
+            <a:schemeClr val="accent1"/>
+          </a:effectRef>
+          <a:fontRef idx="minor">
+            <a:schemeClr val="dk1"/>
+          </a:fontRef>
+        </p:style>
+        <p:txBody>
+          <a:bodyPr lIns="0" rIns="0" rtlCol="0" anchor="ctr"/>
+          <a:lstStyle/>
+          <a:p>
+            <a:pPr algn="ctr"/>
+            <a:r>
+              <a:rPr lang="de-DE" sz="1600" dirty="0" smtClean="0"/>
+              <a:t>In </a:t>
+            </a:r>
+            <a:r>
+              <a:rPr lang="de-DE" sz="1600" dirty="0" err="1" smtClean="0"/>
+              <a:t>how</a:t>
+            </a:r>
+            <a:r>
+              <a:rPr lang="de-DE" sz="1600" dirty="0" smtClean="0"/>
+              <a:t> </a:t>
+            </a:r>
+            <a:r>
+              <a:rPr lang="de-DE" sz="1600" dirty="0" err="1" smtClean="0"/>
+              <a:t>many</a:t>
+            </a:r>
+            <a:r>
+              <a:rPr lang="de-DE" sz="1600" dirty="0" smtClean="0"/>
+              <a:t> </a:t>
+            </a:r>
+            <a:r>
+              <a:rPr lang="de-DE" sz="1600" dirty="0" err="1" smtClean="0"/>
+              <a:t>publication</a:t>
+            </a:r>
+            <a:r>
+              <a:rPr lang="de-DE" sz="1600" dirty="0" smtClean="0"/>
+              <a:t> </a:t>
+            </a:r>
+            <a:r>
+              <a:rPr lang="de-DE" sz="1600" dirty="0" err="1" smtClean="0"/>
+              <a:t>years</a:t>
+            </a:r>
+            <a:r>
+              <a:rPr lang="de-DE" sz="1600" dirty="0" smtClean="0"/>
+              <a:t> </a:t>
+            </a:r>
+            <a:r>
+              <a:rPr lang="de-DE" sz="1600" dirty="0" err="1" smtClean="0"/>
+              <a:t>has</a:t>
+            </a:r>
+            <a:r>
+              <a:rPr lang="de-DE" sz="1600" dirty="0" smtClean="0"/>
+              <a:t> </a:t>
+            </a:r>
+            <a:r>
+              <a:rPr lang="de-DE" sz="1600" dirty="0" err="1" smtClean="0"/>
+              <a:t>Lotka</a:t>
+            </a:r>
+            <a:r>
+              <a:rPr lang="de-DE" sz="1600" dirty="0" smtClean="0"/>
+              <a:t> (1926) </a:t>
+            </a:r>
+            <a:r>
+              <a:rPr lang="de-DE" sz="1600" dirty="0" err="1" smtClean="0"/>
+              <a:t>been</a:t>
+            </a:r>
+            <a:r>
+              <a:rPr lang="de-DE" sz="1600" dirty="0" smtClean="0"/>
+              <a:t> </a:t>
+            </a:r>
+            <a:r>
+              <a:rPr lang="de-DE" sz="1600" dirty="0" err="1" smtClean="0"/>
+              <a:t>cited</a:t>
+            </a:r>
+            <a:r>
+              <a:rPr lang="de-DE" sz="1600" dirty="0"/>
+              <a:t>?</a:t>
+            </a:r>
+          </a:p>
+        </p:txBody>
+      </p:sp>
+      <p:sp>
+        <p:nvSpPr>
+          <p:cNvPr id="5" name="Abgerundete rechteckige Legende 4"/>
+          <p:cNvSpPr/>
+          <p:nvPr/>
+        </p:nvSpPr>
+        <p:spPr>
+          <a:xfrm>
+            <a:off x="5574367" y="4777409"/>
+            <a:ext cx="3027161" cy="837847"/>
+          </a:xfrm>
+          <a:prstGeom prst="wedgeRoundRectCallout">
+            <a:avLst>
+              <a:gd name="adj1" fmla="val -65827"/>
+              <a:gd name="adj2" fmla="val -41027"/>
+              <a:gd name="adj3" fmla="val 16667"/>
+            </a:avLst>
+          </a:prstGeom>
+          <a:noFill/>
+        </p:spPr>
+        <p:style>
+          <a:lnRef idx="2">
+            <a:schemeClr val="accent1"/>
+          </a:lnRef>
+          <a:fillRef idx="1">
+            <a:schemeClr val="lt1"/>
+          </a:fillRef>
+          <a:effectRef idx="0">
+            <a:schemeClr val="accent1"/>
+          </a:effectRef>
+          <a:fontRef idx="minor">
+            <a:schemeClr val="dk1"/>
+          </a:fontRef>
+        </p:style>
+        <p:txBody>
+          <a:bodyPr rtlCol="0" anchor="ctr"/>
+          <a:lstStyle/>
+          <a:p>
+            <a:pPr algn="ctr"/>
+            <a:r>
+              <a:rPr lang="de-DE" sz="1600" dirty="0" err="1" smtClean="0"/>
+              <a:t>Is</a:t>
+            </a:r>
+            <a:r>
+              <a:rPr lang="de-DE" sz="1600" dirty="0" smtClean="0"/>
+              <a:t> </a:t>
+            </a:r>
+            <a:r>
+              <a:rPr lang="de-DE" sz="1600" dirty="0" err="1" smtClean="0"/>
+              <a:t>the</a:t>
+            </a:r>
+            <a:r>
+              <a:rPr lang="de-DE" sz="1600" dirty="0" smtClean="0"/>
+              <a:t> </a:t>
+            </a:r>
+            <a:r>
+              <a:rPr lang="de-DE" sz="1600" dirty="0" err="1" smtClean="0"/>
+              <a:t>number</a:t>
+            </a:r>
+            <a:r>
+              <a:rPr lang="de-DE" sz="1600" dirty="0" smtClean="0"/>
+              <a:t> </a:t>
+            </a:r>
+            <a:r>
+              <a:rPr lang="de-DE" sz="1600" dirty="0" err="1" smtClean="0"/>
+              <a:t>of</a:t>
+            </a:r>
+            <a:r>
+              <a:rPr lang="de-DE" sz="1600" dirty="0" smtClean="0"/>
+              <a:t> </a:t>
+            </a:r>
+            <a:r>
+              <a:rPr lang="de-DE" sz="1600" dirty="0" err="1" smtClean="0"/>
+              <a:t>citations</a:t>
+            </a:r>
+            <a:r>
+              <a:rPr lang="de-DE" sz="1600" dirty="0" smtClean="0"/>
+              <a:t> per </a:t>
+            </a:r>
+            <a:r>
+              <a:rPr lang="de-DE" sz="1600" dirty="0" err="1" smtClean="0"/>
+              <a:t>publication</a:t>
+            </a:r>
+            <a:r>
+              <a:rPr lang="de-DE" sz="1600" dirty="0" smtClean="0"/>
+              <a:t> </a:t>
+            </a:r>
+            <a:r>
+              <a:rPr lang="de-DE" sz="1600" dirty="0" err="1" smtClean="0"/>
+              <a:t>year</a:t>
+            </a:r>
+            <a:r>
+              <a:rPr lang="de-DE" sz="1600" dirty="0" smtClean="0"/>
+              <a:t> </a:t>
+            </a:r>
+            <a:r>
+              <a:rPr lang="de-DE" sz="1600" dirty="0" err="1" smtClean="0"/>
+              <a:t>increasing</a:t>
+            </a:r>
+            <a:r>
+              <a:rPr lang="de-DE" sz="1600" dirty="0" smtClean="0"/>
+              <a:t> </a:t>
+            </a:r>
+            <a:r>
+              <a:rPr lang="de-DE" sz="1600" dirty="0" err="1" smtClean="0"/>
+              <a:t>over</a:t>
+            </a:r>
+            <a:r>
+              <a:rPr lang="de-DE" sz="1600" dirty="0" smtClean="0"/>
+              <a:t> time? </a:t>
+            </a:r>
+            <a:r>
+              <a:rPr lang="de-DE" sz="1600" dirty="0" err="1" smtClean="0"/>
+              <a:t>Or</a:t>
+            </a:r>
+            <a:r>
+              <a:rPr lang="de-DE" sz="1600" dirty="0" smtClean="0"/>
+              <a:t> </a:t>
+            </a:r>
+            <a:r>
+              <a:rPr lang="de-DE" sz="1600" dirty="0" err="1" smtClean="0"/>
+              <a:t>decreasing</a:t>
+            </a:r>
+            <a:r>
+              <a:rPr lang="de-DE" sz="1600" dirty="0" smtClean="0"/>
+              <a:t>? </a:t>
+            </a:r>
+            <a:r>
+              <a:rPr lang="de-DE" sz="1600" dirty="0" err="1" smtClean="0"/>
+              <a:t>Or</a:t>
+            </a:r>
+            <a:r>
+              <a:rPr lang="de-DE" sz="1600" dirty="0" smtClean="0"/>
+              <a:t> …</a:t>
+            </a:r>
+            <a:endParaRPr lang="de-DE" sz="1600" dirty="0"/>
+          </a:p>
+        </p:txBody>
+      </p:sp>
+      <p:sp>
+        <p:nvSpPr>
+          <p:cNvPr id="6" name="Abgerundete rechteckige Legende 5"/>
+          <p:cNvSpPr/>
+          <p:nvPr/>
+        </p:nvSpPr>
+        <p:spPr>
+          <a:xfrm>
+            <a:off x="6250894" y="3668073"/>
+            <a:ext cx="2343604" cy="837847"/>
+          </a:xfrm>
+          <a:prstGeom prst="wedgeRoundRectCallout">
+            <a:avLst>
+              <a:gd name="adj1" fmla="val -75988"/>
+              <a:gd name="adj2" fmla="val -37058"/>
+              <a:gd name="adj3" fmla="val 16667"/>
+            </a:avLst>
+          </a:prstGeom>
+          <a:noFill/>
+        </p:spPr>
+        <p:style>
+          <a:lnRef idx="2">
+            <a:schemeClr val="accent1"/>
+          </a:lnRef>
+          <a:fillRef idx="1">
+            <a:schemeClr val="lt1"/>
+          </a:fillRef>
+          <a:effectRef idx="0">
+            <a:schemeClr val="accent1"/>
+          </a:effectRef>
+          <a:fontRef idx="minor">
+            <a:schemeClr val="dk1"/>
+          </a:fontRef>
+        </p:style>
+        <p:txBody>
+          <a:bodyPr rtlCol="0" anchor="ctr"/>
+          <a:lstStyle/>
+          <a:p>
+            <a:pPr algn="ctr"/>
+            <a:r>
+              <a:rPr lang="de-DE" sz="1600" dirty="0" smtClean="0"/>
+              <a:t>Was </a:t>
+            </a:r>
+            <a:r>
+              <a:rPr lang="de-DE" sz="1600" dirty="0" err="1" smtClean="0"/>
+              <a:t>Lotka</a:t>
+            </a:r>
+            <a:r>
+              <a:rPr lang="de-DE" sz="1600" dirty="0" smtClean="0"/>
+              <a:t> (1926) a </a:t>
+            </a:r>
+            <a:r>
+              <a:rPr lang="de-DE" sz="1600" dirty="0" err="1" smtClean="0"/>
+              <a:t>higly</a:t>
+            </a:r>
+            <a:r>
+              <a:rPr lang="de-DE" sz="1600" dirty="0" smtClean="0"/>
+              <a:t> </a:t>
+            </a:r>
+            <a:r>
+              <a:rPr lang="de-DE" sz="1600" dirty="0" err="1" smtClean="0"/>
+              <a:t>cited</a:t>
+            </a:r>
+            <a:r>
+              <a:rPr lang="de-DE" sz="1600" dirty="0" smtClean="0"/>
+              <a:t> </a:t>
+            </a:r>
+            <a:r>
+              <a:rPr lang="de-DE" sz="1600" dirty="0" err="1" smtClean="0"/>
+              <a:t>paper</a:t>
+            </a:r>
+            <a:r>
+              <a:rPr lang="de-DE" sz="1600" dirty="0" smtClean="0"/>
+              <a:t> in </a:t>
+            </a:r>
+            <a:r>
+              <a:rPr lang="de-DE" sz="1600" dirty="0" err="1" smtClean="0"/>
+              <a:t>each</a:t>
+            </a:r>
+            <a:r>
+              <a:rPr lang="de-DE" sz="1600" dirty="0" smtClean="0"/>
+              <a:t> </a:t>
+            </a:r>
+            <a:r>
+              <a:rPr lang="de-DE" sz="1600" dirty="0" err="1" smtClean="0"/>
+              <a:t>citing</a:t>
+            </a:r>
+            <a:r>
+              <a:rPr lang="de-DE" sz="1600" dirty="0" smtClean="0"/>
+              <a:t> </a:t>
+            </a:r>
+            <a:r>
+              <a:rPr lang="de-DE" sz="1600" dirty="0" err="1" smtClean="0"/>
+              <a:t>publication</a:t>
+            </a:r>
+            <a:r>
+              <a:rPr lang="de-DE" sz="1600" dirty="0" smtClean="0"/>
+              <a:t> </a:t>
+            </a:r>
+            <a:r>
+              <a:rPr lang="de-DE" sz="1600" dirty="0" err="1" smtClean="0"/>
+              <a:t>year</a:t>
+            </a:r>
+            <a:r>
+              <a:rPr lang="de-DE" sz="1600" dirty="0"/>
+              <a:t>?</a:t>
+            </a:r>
+          </a:p>
+        </p:txBody>
+      </p:sp>
+      <p:sp>
+        <p:nvSpPr>
+          <p:cNvPr id="7" name="Gefaltete Ecke 6"/>
+          <p:cNvSpPr/>
+          <p:nvPr/>
+        </p:nvSpPr>
+        <p:spPr>
+          <a:xfrm>
+            <a:off x="6291259" y="1162825"/>
+            <a:ext cx="2520280" cy="994122"/>
+          </a:xfrm>
+          <a:prstGeom prst="foldedCorner">
+            <a:avLst/>
+          </a:prstGeom>
+        </p:spPr>
+        <p:style>
+          <a:lnRef idx="2">
+            <a:schemeClr val="accent1">
+              <a:shade val="50000"/>
+            </a:schemeClr>
+          </a:lnRef>
+          <a:fillRef idx="1">
+            <a:schemeClr val="accent1"/>
+          </a:fillRef>
+          <a:effectRef idx="0">
+            <a:schemeClr val="accent1"/>
+          </a:effectRef>
+          <a:fontRef idx="minor">
+            <a:schemeClr val="lt1"/>
+          </a:fontRef>
+        </p:style>
+        <p:txBody>
+          <a:bodyPr tIns="182880" bIns="0" rtlCol="0" anchor="ctr"/>
+          <a:lstStyle/>
+          <a:p>
+            <a:r>
+              <a:rPr lang="en-US" sz="1600" dirty="0" err="1" smtClean="0"/>
+              <a:t>Lotka</a:t>
+            </a:r>
+            <a:r>
+              <a:rPr lang="en-US" sz="1600" dirty="0" smtClean="0"/>
+              <a:t> </a:t>
+            </a:r>
+            <a:r>
+              <a:rPr lang="en-US" sz="1600" dirty="0"/>
+              <a:t>(1926) </a:t>
+            </a:r>
+            <a:r>
+              <a:rPr lang="en-US" sz="1600" i="1" dirty="0"/>
+              <a:t>The frequency distribution of scientific </a:t>
+            </a:r>
+            <a:r>
+              <a:rPr lang="en-US" sz="1600" i="1" dirty="0" smtClean="0"/>
+              <a:t>productivity </a:t>
+            </a:r>
+            <a:r>
+              <a:rPr lang="en-US" sz="1600" dirty="0" smtClean="0"/>
+              <a:t>has been cited by 155 publications.</a:t>
+            </a:r>
+            <a:endParaRPr lang="de-DE" sz="1600" dirty="0"/>
+          </a:p>
+        </p:txBody>
+      </p:sp>
+    </p:spTree>
+    <p:extLst>
+      <p:ext uri="{BB962C8B-B14F-4D97-AF65-F5344CB8AC3E}">
+        <p14:creationId xmlns:p14="http://schemas.microsoft.com/office/powerpoint/2010/main" val="2950749630"/>
+      </p:ext>
+    </p:extLst>
+  </p:cSld>
+  <p:clrMapOvr>
+    <a:masterClrMapping/>
+  </p:clrMapOvr>
+  <p:timing>
+    <p:tnLst>
+      <p:par>
+        <p:cTn id="1" dur="indefinite" restart="never" nodeType="tmRoot">
+          <p:childTnLst>
+            <p:seq concurrent="1" nextAc="seek">
+              <p:cTn id="2" dur="indefinite" nodeType="mainSeq">
+                <p:childTnLst>
+                  <p:par>
+                    <p:cTn id="3" fill="hold">
+                      <p:stCondLst>
+                        <p:cond delay="indefinite"/>
+                      </p:stCondLst>
+                      <p:childTnLst>
+                        <p:par>
+                          <p:cTn id="4" fill="hold">
+                            <p:stCondLst>
+                              <p:cond delay="0"/>
+                            </p:stCondLst>
+                            <p:childTnLst>
+                              <p:par>
+                                <p:cTn id="5" presetID="1" presetClass="entr" presetSubtype="0" fill="hold" grpId="0" nodeType="clickEffect">
+                                  <p:stCondLst>
+                                    <p:cond delay="0"/>
+                                  </p:stCondLst>
+                                  <p:childTnLst>
+                                    <p:set>
+                                      <p:cBhvr>
+                                        <p:cTn id="6" dur="1" fill="hold">
+                                          <p:stCondLst>
+                                            <p:cond delay="0"/>
+                                          </p:stCondLst>
+                                        </p:cTn>
+                                        <p:tgtEl>
+                                          <p:spTgt spid="4"/>
+                                        </p:tgtEl>
+                                        <p:attrNameLst>
+                                          <p:attrName>style.visibility</p:attrName>
+                                        </p:attrNameLst>
+                                      </p:cBhvr>
+                                      <p:to>
+                                        <p:strVal val="visible"/>
+                                      </p:to>
+                                    </p:set>
+                                  </p:childTnLst>
+                                </p:cTn>
+                              </p:par>
+                            </p:childTnLst>
+                          </p:cTn>
+                        </p:par>
+                      </p:childTnLst>
+                    </p:cTn>
+                  </p:par>
+                  <p:par>
+                    <p:cTn id="7" fill="hold">
+                      <p:stCondLst>
+                        <p:cond delay="indefinite"/>
+                      </p:stCondLst>
+                      <p:childTnLst>
+                        <p:par>
+                          <p:cTn id="8" fill="hold">
+                            <p:stCondLst>
+                              <p:cond delay="0"/>
+                            </p:stCondLst>
+                            <p:childTnLst>
+                              <p:par>
+                                <p:cTn id="9" presetID="1" presetClass="entr" presetSubtype="0" fill="hold" nodeType="clickEffect">
+                                  <p:stCondLst>
+                                    <p:cond delay="0"/>
+                                  </p:stCondLst>
+                                  <p:childTnLst>
+                                    <p:set>
+                                      <p:cBhvr>
+                                        <p:cTn id="10" dur="1" fill="hold">
+                                          <p:stCondLst>
+                                            <p:cond delay="0"/>
+                                          </p:stCondLst>
+                                        </p:cTn>
+                                        <p:tgtEl>
+                                          <p:spTgt spid="3">
+                                            <p:txEl>
+                                              <p:pRg st="2" end="2"/>
+                                            </p:txEl>
+                                          </p:spTgt>
+                                        </p:tgtEl>
+                                        <p:attrNameLst>
+                                          <p:attrName>style.visibility</p:attrName>
+                                        </p:attrNameLst>
+                                      </p:cBhvr>
+                                      <p:to>
+                                        <p:strVal val="visible"/>
+                                      </p:to>
+                                    </p:set>
+                                  </p:childTnLst>
+                                </p:cTn>
+                              </p:par>
+                              <p:par>
+                                <p:cTn id="11" presetID="1" presetClass="entr" presetSubtype="0" fill="hold" nodeType="withEffect">
+                                  <p:stCondLst>
+                                    <p:cond delay="0"/>
+                                  </p:stCondLst>
+                                  <p:childTnLst>
+                                    <p:set>
+                                      <p:cBhvr>
+                                        <p:cTn id="12" dur="1" fill="hold">
+                                          <p:stCondLst>
+                                            <p:cond delay="0"/>
+                                          </p:stCondLst>
+                                        </p:cTn>
+                                        <p:tgtEl>
+                                          <p:spTgt spid="3">
+                                            <p:txEl>
+                                              <p:pRg st="3" end="3"/>
+                                            </p:txEl>
+                                          </p:spTgt>
+                                        </p:tgtEl>
+                                        <p:attrNameLst>
+                                          <p:attrName>style.visibility</p:attrName>
+                                        </p:attrNameLst>
+                                      </p:cBhvr>
+                                      <p:to>
+                                        <p:strVal val="visible"/>
+                                      </p:to>
+                                    </p:set>
+                                  </p:childTnLst>
+                                </p:cTn>
+                              </p:par>
+                            </p:childTnLst>
+                          </p:cTn>
+                        </p:par>
+                      </p:childTnLst>
+                    </p:cTn>
+                  </p:par>
+                  <p:par>
+                    <p:cTn id="13" fill="hold">
+                      <p:stCondLst>
+                        <p:cond delay="indefinite"/>
+                      </p:stCondLst>
+                      <p:childTnLst>
+                        <p:par>
+                          <p:cTn id="14" fill="hold">
+                            <p:stCondLst>
+                              <p:cond delay="0"/>
+                            </p:stCondLst>
+                            <p:childTnLst>
+                              <p:par>
+                                <p:cTn id="15" presetID="1" presetClass="entr" presetSubtype="0" fill="hold" grpId="0" nodeType="clickEffect">
+                                  <p:stCondLst>
+                                    <p:cond delay="0"/>
+                                  </p:stCondLst>
+                                  <p:childTnLst>
+                                    <p:set>
+                                      <p:cBhvr>
+                                        <p:cTn id="16" dur="1" fill="hold">
+                                          <p:stCondLst>
+                                            <p:cond delay="0"/>
+                                          </p:stCondLst>
+                                        </p:cTn>
+                                        <p:tgtEl>
+                                          <p:spTgt spid="6"/>
+                                        </p:tgtEl>
+                                        <p:attrNameLst>
+                                          <p:attrName>style.visibility</p:attrName>
+                                        </p:attrNameLst>
+                                      </p:cBhvr>
+                                      <p:to>
+                                        <p:strVal val="visible"/>
+                                      </p:to>
+                                    </p:set>
+                                  </p:childTnLst>
+                                </p:cTn>
+                              </p:par>
+                            </p:childTnLst>
+                          </p:cTn>
+                        </p:par>
+                      </p:childTnLst>
+                    </p:cTn>
+                  </p:par>
+                  <p:par>
+                    <p:cTn id="17" fill="hold">
+                      <p:stCondLst>
+                        <p:cond delay="indefinite"/>
+                      </p:stCondLst>
+                      <p:childTnLst>
+                        <p:par>
+                          <p:cTn id="18" fill="hold">
+                            <p:stCondLst>
+                              <p:cond delay="0"/>
+                            </p:stCondLst>
+                            <p:childTnLst>
+                              <p:par>
+                                <p:cTn id="19" presetID="1" presetClass="entr" presetSubtype="0" fill="hold" nodeType="clickEffect">
+                                  <p:stCondLst>
+                                    <p:cond delay="0"/>
+                                  </p:stCondLst>
+                                  <p:childTnLst>
+                                    <p:set>
+                                      <p:cBhvr>
+                                        <p:cTn id="20" dur="1" fill="hold">
+                                          <p:stCondLst>
+                                            <p:cond delay="0"/>
+                                          </p:stCondLst>
+                                        </p:cTn>
+                                        <p:tgtEl>
+                                          <p:spTgt spid="3">
+                                            <p:txEl>
+                                              <p:pRg st="4" end="4"/>
+                                            </p:txEl>
+                                          </p:spTgt>
+                                        </p:tgtEl>
+                                        <p:attrNameLst>
+                                          <p:attrName>style.visibility</p:attrName>
+                                        </p:attrNameLst>
+                                      </p:cBhvr>
+                                      <p:to>
+                                        <p:strVal val="visible"/>
+                                      </p:to>
+                                    </p:set>
+                                  </p:childTnLst>
+                                </p:cTn>
+                              </p:par>
+                              <p:par>
+                                <p:cTn id="21" presetID="1" presetClass="entr" presetSubtype="0" fill="hold" nodeType="withEffect">
+                                  <p:stCondLst>
+                                    <p:cond delay="0"/>
+                                  </p:stCondLst>
+                                  <p:childTnLst>
+                                    <p:set>
+                                      <p:cBhvr>
+                                        <p:cTn id="22" dur="1" fill="hold">
+                                          <p:stCondLst>
+                                            <p:cond delay="0"/>
+                                          </p:stCondLst>
+                                        </p:cTn>
+                                        <p:tgtEl>
+                                          <p:spTgt spid="3">
+                                            <p:txEl>
+                                              <p:pRg st="5" end="5"/>
+                                            </p:txEl>
+                                          </p:spTgt>
+                                        </p:tgtEl>
+                                        <p:attrNameLst>
+                                          <p:attrName>style.visibility</p:attrName>
+                                        </p:attrNameLst>
+                                      </p:cBhvr>
+                                      <p:to>
+                                        <p:strVal val="visible"/>
+                                      </p:to>
+                                    </p:set>
+                                  </p:childTnLst>
+                                </p:cTn>
+                              </p:par>
+                            </p:childTnLst>
+                          </p:cTn>
+                        </p:par>
+                      </p:childTnLst>
+                    </p:cTn>
+                  </p:par>
+                  <p:par>
+                    <p:cTn id="23" fill="hold">
+                      <p:stCondLst>
+                        <p:cond delay="indefinite"/>
+                      </p:stCondLst>
+                      <p:childTnLst>
+                        <p:par>
+                          <p:cTn id="24" fill="hold">
+                            <p:stCondLst>
+                              <p:cond delay="0"/>
+                            </p:stCondLst>
+                            <p:childTnLst>
+                              <p:par>
+                                <p:cTn id="25" presetID="1" presetClass="entr" presetSubtype="0" fill="hold" grpId="0" nodeType="clickEffect">
+                                  <p:stCondLst>
+                                    <p:cond delay="0"/>
+                                  </p:stCondLst>
+                                  <p:childTnLst>
+                                    <p:set>
+                                      <p:cBhvr>
+                                        <p:cTn id="26" dur="1" fill="hold">
+                                          <p:stCondLst>
+                                            <p:cond delay="0"/>
+                                          </p:stCondLst>
+                                        </p:cTn>
+                                        <p:tgtEl>
+                                          <p:spTgt spid="5"/>
+                                        </p:tgtEl>
+                                        <p:attrNameLst>
+                                          <p:attrName>style.visibility</p:attrName>
+                                        </p:attrNameLst>
+                                      </p:cBhvr>
+                                      <p:to>
+                                        <p:strVal val="visible"/>
+                                      </p:to>
+                                    </p:set>
+                                  </p:childTnLst>
+                                </p:cTn>
+                              </p:par>
+                            </p:childTnLst>
+                          </p:cTn>
+                        </p:par>
+                      </p:childTnLst>
+                    </p:cTn>
+                  </p:par>
+                  <p:par>
+                    <p:cTn id="27" fill="hold">
+                      <p:stCondLst>
+                        <p:cond delay="indefinite"/>
+                      </p:stCondLst>
+                      <p:childTnLst>
+                        <p:par>
+                          <p:cTn id="28" fill="hold">
+                            <p:stCondLst>
+                              <p:cond delay="0"/>
+                            </p:stCondLst>
+                            <p:childTnLst>
+                              <p:par>
+                                <p:cTn id="29" presetID="1" presetClass="entr" presetSubtype="0" fill="hold" nodeType="clickEffect">
+                                  <p:stCondLst>
+                                    <p:cond delay="0"/>
+                                  </p:stCondLst>
+                                  <p:childTnLst>
+                                    <p:set>
+                                      <p:cBhvr>
+                                        <p:cTn id="30" dur="1" fill="hold">
+                                          <p:stCondLst>
+                                            <p:cond delay="0"/>
+                                          </p:stCondLst>
+                                        </p:cTn>
+                                        <p:tgtEl>
+                                          <p:spTgt spid="3">
+                                            <p:txEl>
+                                              <p:pRg st="6" end="6"/>
+                                            </p:txEl>
+                                          </p:spTgt>
+                                        </p:tgtEl>
+                                        <p:attrNameLst>
+                                          <p:attrName>style.visibility</p:attrName>
+                                        </p:attrNameLst>
+                                      </p:cBhvr>
+                                      <p:to>
+                                        <p:strVal val="visible"/>
+                                      </p:to>
+                                    </p:set>
+                                  </p:childTnLst>
+                                </p:cTn>
+                              </p:par>
+                              <p:par>
+                                <p:cTn id="31" presetID="1" presetClass="entr" presetSubtype="0" fill="hold" nodeType="withEffect">
+                                  <p:stCondLst>
+                                    <p:cond delay="0"/>
+                                  </p:stCondLst>
+                                  <p:childTnLst>
+                                    <p:set>
+                                      <p:cBhvr>
+                                        <p:cTn id="32" dur="1" fill="hold">
+                                          <p:stCondLst>
+                                            <p:cond delay="0"/>
+                                          </p:stCondLst>
+                                        </p:cTn>
+                                        <p:tgtEl>
+                                          <p:spTgt spid="3">
+                                            <p:txEl>
+                                              <p:pRg st="7" end="7"/>
+                                            </p:txEl>
+                                          </p:spTgt>
+                                        </p:tgtEl>
+                                        <p:attrNameLst>
+                                          <p:attrName>style.visibility</p:attrName>
+                                        </p:attrNameLst>
+                                      </p:cBhvr>
+                                      <p:to>
+                                        <p:strVal val="visible"/>
+                                      </p:to>
+                                    </p:set>
+                                  </p:childTnLst>
+                                </p:cTn>
+                              </p:par>
+                            </p:childTnLst>
+                          </p:cTn>
+                        </p:par>
+                      </p:childTnLst>
+                    </p:cTn>
+                  </p:par>
+                </p:childTnLst>
+              </p:cTn>
+              <p:prevCondLst>
+                <p:cond evt="onPrev" delay="0">
+                  <p:tgtEl>
+                    <p:sldTgt/>
+                  </p:tgtEl>
+                </p:cond>
+              </p:prevCondLst>
+              <p:nextCondLst>
+                <p:cond evt="onNext" delay="0">
+                  <p:tgtEl>
+                    <p:sldTgt/>
+                  </p:tgtEl>
+                </p:cond>
+              </p:nextCondLst>
+            </p:seq>
+          </p:childTnLst>
+        </p:cTn>
+      </p:par>
+    </p:tnLst>
+    <p:bldLst>
+      <p:bldP spid="4" grpId="0" animBg="1"/>
+      <p:bldP spid="5" grpId="0" animBg="1"/>
+      <p:bldP spid="6" grpId="0" animBg="1"/>
     </p:bldLst>
   </p:timing>
 </p:sld>

--- a/docs/slides/cre_overview.pptx
+++ b/docs/slides/cre_overview.pptx
@@ -1270,6 +1270,429 @@
     <p:extLst>
       <p:ext uri="{BB962C8B-B14F-4D97-AF65-F5344CB8AC3E}">
         <p14:creationId xmlns:p14="http://schemas.microsoft.com/office/powerpoint/2010/main" val="2903242775"/>
+      </p:ext>
+    </p:extLst>
+  </p:cSld>
+  <p:clrMapOvr>
+    <a:masterClrMapping/>
+  </p:clrMapOvr>
+</p:notes>
+</file>
+
+<file path=ppt/notesSlides/notesSlide7.xml><?xml version="1.0" encoding="utf-8"?>
+<p:notes xmlns:a="http://schemas.openxmlformats.org/drawingml/2006/main" xmlns:r="http://schemas.openxmlformats.org/officeDocument/2006/relationships" xmlns:p="http://schemas.openxmlformats.org/presentationml/2006/main">
+  <p:cSld>
+    <p:spTree>
+      <p:nvGrpSpPr>
+        <p:cNvPr id="1" name=""/>
+        <p:cNvGrpSpPr/>
+        <p:nvPr/>
+      </p:nvGrpSpPr>
+      <p:grpSpPr>
+        <a:xfrm>
+          <a:off x="0" y="0"/>
+          <a:ext cx="0" cy="0"/>
+          <a:chOff x="0" y="0"/>
+          <a:chExt cx="0" cy="0"/>
+        </a:xfrm>
+      </p:grpSpPr>
+      <p:sp>
+        <p:nvSpPr>
+          <p:cNvPr id="2" name="Folienbildplatzhalter 1"/>
+          <p:cNvSpPr>
+            <a:spLocks noGrp="1" noRot="1" noChangeAspect="1"/>
+          </p:cNvSpPr>
+          <p:nvPr>
+            <p:ph type="sldImg"/>
+          </p:nvPr>
+        </p:nvSpPr>
+        <p:spPr/>
+      </p:sp>
+      <p:sp>
+        <p:nvSpPr>
+          <p:cNvPr id="3" name="Notizenplatzhalter 2"/>
+          <p:cNvSpPr>
+            <a:spLocks noGrp="1"/>
+          </p:cNvSpPr>
+          <p:nvPr>
+            <p:ph type="body" idx="1"/>
+          </p:nvPr>
+        </p:nvSpPr>
+        <p:spPr/>
+        <p:txBody>
+          <a:bodyPr/>
+          <a:lstStyle/>
+          <a:p>
+            <a:r>
+              <a:rPr lang="de-DE" dirty="0" smtClean="0"/>
+              <a:t>Übergang von vorheriger: </a:t>
+            </a:r>
+          </a:p>
+          <a:p>
+            <a:pPr marL="171450" indent="-171450">
+              <a:buFont typeface="Arial" panose="020B0604020202020204" pitchFamily="34" charset="0"/>
+              <a:buChar char="•"/>
+            </a:pPr>
+            <a:r>
+              <a:rPr lang="de-DE" dirty="0" smtClean="0"/>
+              <a:t>This</a:t>
+            </a:r>
+            <a:r>
+              <a:rPr lang="de-DE" baseline="0" dirty="0" smtClean="0"/>
+              <a:t> </a:t>
+            </a:r>
+            <a:r>
+              <a:rPr lang="de-DE" baseline="0" dirty="0" err="1" smtClean="0"/>
+              <a:t>is</a:t>
+            </a:r>
+            <a:r>
+              <a:rPr lang="de-DE" baseline="0" dirty="0" smtClean="0"/>
+              <a:t> </a:t>
+            </a:r>
+            <a:r>
+              <a:rPr lang="de-DE" baseline="0" dirty="0" err="1" smtClean="0"/>
+              <a:t>how</a:t>
+            </a:r>
+            <a:r>
+              <a:rPr lang="de-DE" baseline="0" dirty="0" smtClean="0"/>
+              <a:t> </a:t>
+            </a:r>
+            <a:r>
+              <a:rPr lang="de-DE" baseline="0" dirty="0" err="1" smtClean="0"/>
+              <a:t>the</a:t>
+            </a:r>
+            <a:r>
+              <a:rPr lang="de-DE" baseline="0" dirty="0" smtClean="0"/>
+              <a:t> </a:t>
+            </a:r>
+            <a:r>
+              <a:rPr lang="de-DE" baseline="0" dirty="0" err="1" smtClean="0"/>
+              <a:t>result</a:t>
+            </a:r>
+            <a:r>
+              <a:rPr lang="de-DE" baseline="0" dirty="0" smtClean="0"/>
+              <a:t> </a:t>
+            </a:r>
+            <a:r>
+              <a:rPr lang="de-DE" baseline="0" dirty="0" err="1" smtClean="0"/>
+              <a:t>looks</a:t>
+            </a:r>
+            <a:r>
+              <a:rPr lang="de-DE" baseline="0" dirty="0" smtClean="0"/>
+              <a:t> like in </a:t>
+            </a:r>
+            <a:r>
+              <a:rPr lang="de-DE" baseline="0" dirty="0" err="1" smtClean="0"/>
+              <a:t>CRExplorer</a:t>
+            </a:r>
+            <a:endParaRPr lang="de-DE" baseline="0" dirty="0" smtClean="0"/>
+          </a:p>
+          <a:p>
+            <a:pPr marL="171450" indent="-171450">
+              <a:buFont typeface="Arial" panose="020B0604020202020204" pitchFamily="34" charset="0"/>
+              <a:buChar char="•"/>
+            </a:pPr>
+            <a:r>
+              <a:rPr lang="de-DE" baseline="0" dirty="0" err="1" smtClean="0"/>
+              <a:t>To</a:t>
+            </a:r>
+            <a:r>
+              <a:rPr lang="de-DE" baseline="0" dirty="0" smtClean="0"/>
+              <a:t> </a:t>
+            </a:r>
+            <a:r>
+              <a:rPr lang="de-DE" baseline="0" dirty="0" err="1" smtClean="0"/>
+              <a:t>achieve</a:t>
+            </a:r>
+            <a:r>
+              <a:rPr lang="de-DE" baseline="0" dirty="0" smtClean="0"/>
+              <a:t> </a:t>
+            </a:r>
+            <a:r>
+              <a:rPr lang="de-DE" baseline="0" dirty="0" err="1" smtClean="0"/>
+              <a:t>this</a:t>
+            </a:r>
+            <a:r>
+              <a:rPr lang="de-DE" baseline="0" dirty="0" smtClean="0"/>
+              <a:t> a </a:t>
+            </a:r>
+            <a:r>
+              <a:rPr lang="de-DE" baseline="0" dirty="0" err="1" smtClean="0"/>
+              <a:t>user</a:t>
+            </a:r>
+            <a:r>
+              <a:rPr lang="de-DE" baseline="0" dirty="0" smtClean="0"/>
+              <a:t> </a:t>
+            </a:r>
+            <a:r>
+              <a:rPr lang="de-DE" baseline="0" dirty="0" err="1" smtClean="0"/>
+              <a:t>performs</a:t>
+            </a:r>
+            <a:r>
+              <a:rPr lang="de-DE" baseline="0" dirty="0" smtClean="0"/>
+              <a:t> </a:t>
+            </a:r>
+            <a:r>
+              <a:rPr lang="de-DE" baseline="0" dirty="0" err="1" smtClean="0"/>
+              <a:t>several</a:t>
+            </a:r>
+            <a:r>
+              <a:rPr lang="de-DE" baseline="0" dirty="0" smtClean="0"/>
+              <a:t> </a:t>
+            </a:r>
+            <a:r>
+              <a:rPr lang="de-DE" baseline="0" dirty="0" err="1" smtClean="0"/>
+              <a:t>steps</a:t>
+            </a:r>
+            <a:r>
+              <a:rPr lang="de-DE" baseline="0" dirty="0" smtClean="0"/>
+              <a:t> in </a:t>
+            </a:r>
+            <a:r>
+              <a:rPr lang="de-DE" baseline="0" dirty="0" err="1" smtClean="0"/>
+              <a:t>the</a:t>
+            </a:r>
+            <a:r>
+              <a:rPr lang="de-DE" baseline="0" dirty="0" smtClean="0"/>
+              <a:t> </a:t>
+            </a:r>
+            <a:r>
+              <a:rPr lang="de-DE" baseline="0" dirty="0" err="1" smtClean="0"/>
+              <a:t>workflow</a:t>
+            </a:r>
+            <a:r>
+              <a:rPr lang="de-DE" baseline="0" dirty="0" smtClean="0"/>
+              <a:t> …</a:t>
+            </a:r>
+            <a:endParaRPr lang="de-DE" dirty="0"/>
+          </a:p>
+        </p:txBody>
+      </p:sp>
+      <p:sp>
+        <p:nvSpPr>
+          <p:cNvPr id="4" name="Foliennummernplatzhalter 3"/>
+          <p:cNvSpPr>
+            <a:spLocks noGrp="1"/>
+          </p:cNvSpPr>
+          <p:nvPr>
+            <p:ph type="sldNum" sz="quarter" idx="10"/>
+          </p:nvPr>
+        </p:nvSpPr>
+        <p:spPr/>
+        <p:txBody>
+          <a:bodyPr/>
+          <a:lstStyle/>
+          <a:p>
+            <a:fld id="{7E5481FC-599F-4049-8076-A864CF816BE2}" type="slidenum">
+              <a:rPr lang="de-DE" smtClean="0"/>
+              <a:t>13</a:t>
+            </a:fld>
+            <a:endParaRPr lang="de-DE"/>
+          </a:p>
+        </p:txBody>
+      </p:sp>
+    </p:spTree>
+    <p:extLst>
+      <p:ext uri="{BB962C8B-B14F-4D97-AF65-F5344CB8AC3E}">
+        <p14:creationId xmlns:p14="http://schemas.microsoft.com/office/powerpoint/2010/main" val="659862231"/>
+      </p:ext>
+    </p:extLst>
+  </p:cSld>
+  <p:clrMapOvr>
+    <a:masterClrMapping/>
+  </p:clrMapOvr>
+</p:notes>
+</file>
+
+<file path=ppt/notesSlides/notesSlide8.xml><?xml version="1.0" encoding="utf-8"?>
+<p:notes xmlns:a="http://schemas.openxmlformats.org/drawingml/2006/main" xmlns:r="http://schemas.openxmlformats.org/officeDocument/2006/relationships" xmlns:p="http://schemas.openxmlformats.org/presentationml/2006/main">
+  <p:cSld>
+    <p:spTree>
+      <p:nvGrpSpPr>
+        <p:cNvPr id="1" name=""/>
+        <p:cNvGrpSpPr/>
+        <p:nvPr/>
+      </p:nvGrpSpPr>
+      <p:grpSpPr>
+        <a:xfrm>
+          <a:off x="0" y="0"/>
+          <a:ext cx="0" cy="0"/>
+          <a:chOff x="0" y="0"/>
+          <a:chExt cx="0" cy="0"/>
+        </a:xfrm>
+      </p:grpSpPr>
+      <p:sp>
+        <p:nvSpPr>
+          <p:cNvPr id="2" name="Folienbildplatzhalter 1"/>
+          <p:cNvSpPr>
+            <a:spLocks noGrp="1" noRot="1" noChangeAspect="1"/>
+          </p:cNvSpPr>
+          <p:nvPr>
+            <p:ph type="sldImg"/>
+          </p:nvPr>
+        </p:nvSpPr>
+        <p:spPr/>
+      </p:sp>
+      <p:sp>
+        <p:nvSpPr>
+          <p:cNvPr id="3" name="Notizenplatzhalter 2"/>
+          <p:cNvSpPr>
+            <a:spLocks noGrp="1"/>
+          </p:cNvSpPr>
+          <p:nvPr>
+            <p:ph type="body" idx="1"/>
+          </p:nvPr>
+        </p:nvSpPr>
+        <p:spPr/>
+        <p:txBody>
+          <a:bodyPr/>
+          <a:lstStyle/>
+          <a:p>
+            <a:r>
+              <a:rPr lang="de-DE" dirty="0" smtClean="0"/>
+              <a:t>Übergang zu nächster:</a:t>
+            </a:r>
+          </a:p>
+          <a:p>
+            <a:r>
+              <a:rPr lang="de-DE" dirty="0" smtClean="0"/>
+              <a:t>* </a:t>
+            </a:r>
+            <a:r>
+              <a:rPr lang="de-DE" dirty="0" err="1" smtClean="0"/>
+              <a:t>Instead</a:t>
+            </a:r>
+            <a:r>
+              <a:rPr lang="de-DE" dirty="0" smtClean="0"/>
+              <a:t> </a:t>
+            </a:r>
+            <a:r>
+              <a:rPr lang="de-DE" dirty="0" err="1" smtClean="0"/>
+              <a:t>of</a:t>
+            </a:r>
+            <a:r>
+              <a:rPr lang="de-DE" dirty="0" smtClean="0"/>
+              <a:t> a </a:t>
+            </a:r>
+            <a:r>
+              <a:rPr lang="de-DE" dirty="0" err="1" smtClean="0"/>
+              <a:t>sequence</a:t>
+            </a:r>
+            <a:r>
+              <a:rPr lang="de-DE" dirty="0" smtClean="0"/>
+              <a:t> </a:t>
+            </a:r>
+            <a:r>
+              <a:rPr lang="de-DE" dirty="0" err="1" smtClean="0"/>
+              <a:t>of</a:t>
+            </a:r>
+            <a:r>
+              <a:rPr lang="de-DE" dirty="0" smtClean="0"/>
+              <a:t> </a:t>
+            </a:r>
+            <a:r>
+              <a:rPr lang="de-DE" dirty="0" err="1" smtClean="0"/>
+              <a:t>clicks</a:t>
+            </a:r>
+            <a:r>
+              <a:rPr lang="de-DE" dirty="0" smtClean="0"/>
+              <a:t> a</a:t>
+            </a:r>
+            <a:r>
+              <a:rPr lang="de-DE" baseline="0" dirty="0" smtClean="0"/>
+              <a:t> </a:t>
+            </a:r>
+            <a:r>
+              <a:rPr lang="de-DE" baseline="0" dirty="0" err="1" smtClean="0"/>
+              <a:t>user</a:t>
+            </a:r>
+            <a:r>
+              <a:rPr lang="de-DE" baseline="0" dirty="0" smtClean="0"/>
+              <a:t> </a:t>
+            </a:r>
+            <a:r>
+              <a:rPr lang="de-DE" baseline="0" dirty="0" err="1" smtClean="0"/>
+              <a:t>can</a:t>
+            </a:r>
+            <a:r>
+              <a:rPr lang="de-DE" baseline="0" dirty="0" smtClean="0"/>
+              <a:t> </a:t>
+            </a:r>
+            <a:r>
+              <a:rPr lang="de-DE" baseline="0" dirty="0" err="1" smtClean="0"/>
+              <a:t>encode</a:t>
+            </a:r>
+            <a:r>
+              <a:rPr lang="de-DE" baseline="0" dirty="0" smtClean="0"/>
+              <a:t> </a:t>
+            </a:r>
+            <a:r>
+              <a:rPr lang="de-DE" baseline="0" dirty="0" err="1" smtClean="0"/>
+              <a:t>the</a:t>
+            </a:r>
+            <a:r>
+              <a:rPr lang="de-DE" baseline="0" dirty="0" smtClean="0"/>
+              <a:t> </a:t>
+            </a:r>
+            <a:r>
+              <a:rPr lang="de-DE" baseline="0" dirty="0" err="1" smtClean="0"/>
+              <a:t>workflow</a:t>
+            </a:r>
+            <a:r>
+              <a:rPr lang="de-DE" baseline="0" dirty="0" smtClean="0"/>
+              <a:t> </a:t>
+            </a:r>
+            <a:r>
+              <a:rPr lang="de-DE" baseline="0" dirty="0" err="1" smtClean="0"/>
+              <a:t>definition</a:t>
+            </a:r>
+            <a:r>
+              <a:rPr lang="de-DE" baseline="0" dirty="0" smtClean="0"/>
+              <a:t> in a </a:t>
+            </a:r>
+            <a:r>
+              <a:rPr lang="de-DE" baseline="0" dirty="0" err="1" smtClean="0"/>
+              <a:t>script</a:t>
+            </a:r>
+            <a:r>
+              <a:rPr lang="de-DE" baseline="0" dirty="0" smtClean="0"/>
+              <a:t> </a:t>
+            </a:r>
+            <a:r>
+              <a:rPr lang="de-DE" baseline="0" dirty="0" err="1" smtClean="0"/>
+              <a:t>program</a:t>
+            </a:r>
+            <a:endParaRPr lang="de-DE" dirty="0"/>
+          </a:p>
+        </p:txBody>
+      </p:sp>
+      <p:sp>
+        <p:nvSpPr>
+          <p:cNvPr id="4" name="Foliennummernplatzhalter 3"/>
+          <p:cNvSpPr>
+            <a:spLocks noGrp="1"/>
+          </p:cNvSpPr>
+          <p:nvPr>
+            <p:ph type="sldNum" sz="quarter" idx="10"/>
+          </p:nvPr>
+        </p:nvSpPr>
+        <p:spPr/>
+        <p:txBody>
+          <a:bodyPr/>
+          <a:lstStyle/>
+          <a:p>
+            <a:fld id="{7E5481FC-599F-4049-8076-A864CF816BE2}" type="slidenum">
+              <a:rPr lang="de-DE" smtClean="0"/>
+              <a:t>14</a:t>
+            </a:fld>
+            <a:endParaRPr lang="de-DE"/>
+          </a:p>
+        </p:txBody>
+      </p:sp>
+    </p:spTree>
+    <p:extLst>
+      <p:ext uri="{BB962C8B-B14F-4D97-AF65-F5344CB8AC3E}">
+        <p14:creationId xmlns:p14="http://schemas.microsoft.com/office/powerpoint/2010/main" val="1668736558"/>
       </p:ext>
     </p:extLst>
   </p:cSld>
@@ -4561,7 +4984,15 @@
             <a:pPr algn="ctr"/>
             <a:r>
               <a:rPr lang="de-DE" sz="1400" dirty="0" smtClean="0"/>
-              <a:t>23rd International Conference on Science </a:t>
+              <a:t>23</a:t>
+            </a:r>
+            <a:r>
+              <a:rPr lang="de-DE" sz="1400" baseline="30000" dirty="0" smtClean="0"/>
+              <a:t>rd</a:t>
+            </a:r>
+            <a:r>
+              <a:rPr lang="de-DE" sz="1400" dirty="0" smtClean="0"/>
+              <a:t> International Conference on Science </a:t>
             </a:r>
             <a:r>
               <a:rPr lang="de-DE" sz="1400" dirty="0" err="1" smtClean="0"/>
@@ -4725,11 +5156,7 @@
           <a:p>
             <a:r>
               <a:rPr lang="en-US" noProof="0" dirty="0" smtClean="0"/>
-              <a:t>Example: Number of citations per publication year </a:t>
-            </a:r>
-            <a:r>
-              <a:rPr lang="en-US" noProof="0" dirty="0" smtClean="0"/>
-              <a:t>…</a:t>
+              <a:t>Example: Number of citations per publication year …</a:t>
             </a:r>
           </a:p>
           <a:p>
@@ -5693,11 +6120,7 @@
             </a:r>
             <a:r>
               <a:rPr lang="de-DE" sz="1600" dirty="0" smtClean="0"/>
-              <a:t> </a:t>
-            </a:r>
-            <a:r>
-              <a:rPr lang="de-DE" sz="1600" dirty="0" smtClean="0"/>
-              <a:t>per </a:t>
+              <a:t> per </a:t>
             </a:r>
             <a:r>
               <a:rPr lang="de-DE" sz="1600" dirty="0" err="1" smtClean="0"/>
@@ -7271,26 +7694,35 @@
                                   </p:childTnLst>
                                 </p:cTn>
                               </p:par>
-                            </p:childTnLst>
-                          </p:cTn>
-                        </p:par>
-                      </p:childTnLst>
-                    </p:cTn>
-                  </p:par>
-                  <p:par>
-                    <p:cTn id="9" fill="hold">
-                      <p:stCondLst>
-                        <p:cond delay="indefinite"/>
-                      </p:stCondLst>
-                      <p:childTnLst>
-                        <p:par>
-                          <p:cTn id="10" fill="hold">
-                            <p:stCondLst>
-                              <p:cond delay="0"/>
-                            </p:stCondLst>
-                            <p:childTnLst>
                               <p:par>
-                                <p:cTn id="11" presetID="1" presetClass="entr" presetSubtype="0" fill="hold" grpId="0" nodeType="clickEffect">
+                                <p:cTn id="9" presetID="1" presetClass="entr" presetSubtype="0" fill="hold" grpId="0" nodeType="withEffect">
+                                  <p:stCondLst>
+                                    <p:cond delay="0"/>
+                                  </p:stCondLst>
+                                  <p:childTnLst>
+                                    <p:set>
+                                      <p:cBhvr>
+                                        <p:cTn id="10" dur="1" fill="hold">
+                                          <p:stCondLst>
+                                            <p:cond delay="0"/>
+                                          </p:stCondLst>
+                                        </p:cTn>
+                                        <p:tgtEl>
+                                          <p:spTgt spid="7"/>
+                                        </p:tgtEl>
+                                        <p:attrNameLst>
+                                          <p:attrName>style.visibility</p:attrName>
+                                        </p:attrNameLst>
+                                      </p:cBhvr>
+                                      <p:to>
+                                        <p:strVal val="visible"/>
+                                      </p:to>
+                                    </p:set>
+                                  </p:childTnLst>
+                                </p:cTn>
+                              </p:par>
+                              <p:par>
+                                <p:cTn id="11" presetID="1" presetClass="entr" presetSubtype="0" fill="hold" grpId="0" nodeType="withEffect">
                                   <p:stCondLst>
                                     <p:cond delay="0"/>
                                   </p:stCondLst>
@@ -7303,7 +7735,7 @@
                                           </p:stCondLst>
                                         </p:cTn>
                                         <p:tgtEl>
-                                          <p:spTgt spid="7"/>
+                                          <p:spTgt spid="10"/>
                                         </p:tgtEl>
                                         <p:attrNameLst>
                                           <p:attrName>style.visibility</p:attrName>
@@ -7330,7 +7762,7 @@
                                           </p:stCondLst>
                                         </p:cTn>
                                         <p:tgtEl>
-                                          <p:spTgt spid="10"/>
+                                          <p:spTgt spid="9"/>
                                         </p:tgtEl>
                                         <p:attrNameLst>
                                           <p:attrName>style.visibility</p:attrName>
@@ -7357,7 +7789,7 @@
                                           </p:stCondLst>
                                         </p:cTn>
                                         <p:tgtEl>
-                                          <p:spTgt spid="9"/>
+                                          <p:spTgt spid="11"/>
                                         </p:tgtEl>
                                         <p:attrNameLst>
                                           <p:attrName>style.visibility</p:attrName>
@@ -7384,33 +7816,6 @@
                                           </p:stCondLst>
                                         </p:cTn>
                                         <p:tgtEl>
-                                          <p:spTgt spid="11"/>
-                                        </p:tgtEl>
-                                        <p:attrNameLst>
-                                          <p:attrName>style.visibility</p:attrName>
-                                        </p:attrNameLst>
-                                      </p:cBhvr>
-                                      <p:to>
-                                        <p:strVal val="visible"/>
-                                      </p:to>
-                                    </p:set>
-                                  </p:childTnLst>
-                                </p:cTn>
-                              </p:par>
-                              <p:par>
-                                <p:cTn id="19" presetID="1" presetClass="entr" presetSubtype="0" fill="hold" grpId="0" nodeType="withEffect">
-                                  <p:stCondLst>
-                                    <p:cond delay="0"/>
-                                  </p:stCondLst>
-                                  <p:childTnLst>
-                                    <p:set>
-                                      <p:cBhvr>
-                                        <p:cTn id="20" dur="1" fill="hold">
-                                          <p:stCondLst>
-                                            <p:cond delay="0"/>
-                                          </p:stCondLst>
-                                        </p:cTn>
-                                        <p:tgtEl>
                                           <p:spTgt spid="12"/>
                                         </p:tgtEl>
                                         <p:attrNameLst>
@@ -7431,26 +7836,26 @@
                     </p:cTn>
                   </p:par>
                   <p:par>
-                    <p:cTn id="21" fill="hold">
+                    <p:cTn id="19" fill="hold">
                       <p:stCondLst>
                         <p:cond delay="indefinite"/>
                       </p:stCondLst>
                       <p:childTnLst>
                         <p:par>
-                          <p:cTn id="22" fill="hold">
+                          <p:cTn id="20" fill="hold">
                             <p:stCondLst>
                               <p:cond delay="0"/>
                             </p:stCondLst>
                             <p:childTnLst>
                               <p:par>
-                                <p:cTn id="23" presetID="1" presetClass="entr" presetSubtype="0" fill="hold" nodeType="clickEffect">
+                                <p:cTn id="21" presetID="1" presetClass="entr" presetSubtype="0" fill="hold" nodeType="clickEffect">
                                   <p:stCondLst>
                                     <p:cond delay="0"/>
                                   </p:stCondLst>
                                   <p:childTnLst>
                                     <p:set>
                                       <p:cBhvr>
-                                        <p:cTn id="24" dur="1" fill="hold">
+                                        <p:cTn id="22" dur="1" fill="hold">
                                           <p:stCondLst>
                                             <p:cond delay="0"/>
                                           </p:stCondLst>
@@ -7474,14 +7879,14 @@
                                 </p:cTn>
                               </p:par>
                               <p:par>
-                                <p:cTn id="25" presetID="1" presetClass="entr" presetSubtype="0" fill="hold" nodeType="withEffect">
+                                <p:cTn id="23" presetID="1" presetClass="entr" presetSubtype="0" fill="hold" nodeType="withEffect">
                                   <p:stCondLst>
                                     <p:cond delay="0"/>
                                   </p:stCondLst>
                                   <p:childTnLst>
                                     <p:set>
                                       <p:cBhvr>
-                                        <p:cTn id="26" dur="1" fill="hold">
+                                        <p:cTn id="24" dur="1" fill="hold">
                                           <p:stCondLst>
                                             <p:cond delay="0"/>
                                           </p:stCondLst>
@@ -7500,26 +7905,62 @@
                                   </p:childTnLst>
                                 </p:cTn>
                               </p:par>
-                            </p:childTnLst>
-                          </p:cTn>
-                        </p:par>
-                      </p:childTnLst>
-                    </p:cTn>
-                  </p:par>
-                  <p:par>
-                    <p:cTn id="27" fill="hold">
-                      <p:stCondLst>
-                        <p:cond delay="indefinite"/>
-                      </p:stCondLst>
-                      <p:childTnLst>
-                        <p:par>
-                          <p:cTn id="28" fill="hold">
-                            <p:stCondLst>
-                              <p:cond delay="0"/>
-                            </p:stCondLst>
-                            <p:childTnLst>
                               <p:par>
-                                <p:cTn id="29" presetID="1" presetClass="entr" presetSubtype="0" fill="hold" grpId="0" nodeType="clickEffect">
+                                <p:cTn id="25" presetID="1" presetClass="entr" presetSubtype="0" fill="hold" grpId="0" nodeType="withEffect">
+                                  <p:stCondLst>
+                                    <p:cond delay="0"/>
+                                  </p:stCondLst>
+                                  <p:childTnLst>
+                                    <p:set>
+                                      <p:cBhvr>
+                                        <p:cTn id="26" dur="1" fill="hold">
+                                          <p:stCondLst>
+                                            <p:cond delay="0"/>
+                                          </p:stCondLst>
+                                        </p:cTn>
+                                        <p:tgtEl>
+                                          <p:spTgt spid="16"/>
+                                        </p:tgtEl>
+                                        <p:attrNameLst>
+                                          <p:attrName>style.visibility</p:attrName>
+                                        </p:attrNameLst>
+                                      </p:cBhvr>
+                                      <p:to>
+                                        <p:strVal val="visible"/>
+                                      </p:to>
+                                    </p:set>
+                                  </p:childTnLst>
+                                </p:cTn>
+                              </p:par>
+                              <p:par>
+                                <p:cTn id="27" presetID="1" presetClass="entr" presetSubtype="0" fill="hold" grpId="0" nodeType="withEffect">
+                                  <p:stCondLst>
+                                    <p:cond delay="0"/>
+                                  </p:stCondLst>
+                                  <p:childTnLst>
+                                    <p:set>
+                                      <p:cBhvr>
+                                        <p:cTn id="28" dur="1" fill="hold">
+                                          <p:stCondLst>
+                                            <p:cond delay="0"/>
+                                          </p:stCondLst>
+                                        </p:cTn>
+                                        <p:tgtEl>
+                                          <p:spTgt spid="14"/>
+                                        </p:tgtEl>
+                                        <p:attrNameLst>
+                                          <p:attrName>style.visibility</p:attrName>
+                                        </p:attrNameLst>
+                                      </p:cBhvr>
+                                      <p:to>
+                                        <p:strVal val="visible"/>
+                                      </p:to>
+                                    </p:set>
+                                  </p:childTnLst>
+                                </p:cTn>
+                              </p:par>
+                              <p:par>
+                                <p:cTn id="29" presetID="1" presetClass="entr" presetSubtype="0" fill="hold" grpId="0" nodeType="withEffect">
                                   <p:stCondLst>
                                     <p:cond delay="0"/>
                                   </p:stCondLst>
@@ -7532,7 +7973,7 @@
                                           </p:stCondLst>
                                         </p:cTn>
                                         <p:tgtEl>
-                                          <p:spTgt spid="16"/>
+                                          <p:spTgt spid="15"/>
                                         </p:tgtEl>
                                         <p:attrNameLst>
                                           <p:attrName>style.visibility</p:attrName>
@@ -7559,60 +8000,6 @@
                                           </p:stCondLst>
                                         </p:cTn>
                                         <p:tgtEl>
-                                          <p:spTgt spid="14"/>
-                                        </p:tgtEl>
-                                        <p:attrNameLst>
-                                          <p:attrName>style.visibility</p:attrName>
-                                        </p:attrNameLst>
-                                      </p:cBhvr>
-                                      <p:to>
-                                        <p:strVal val="visible"/>
-                                      </p:to>
-                                    </p:set>
-                                  </p:childTnLst>
-                                </p:cTn>
-                              </p:par>
-                              <p:par>
-                                <p:cTn id="33" presetID="1" presetClass="entr" presetSubtype="0" fill="hold" grpId="0" nodeType="withEffect">
-                                  <p:stCondLst>
-                                    <p:cond delay="0"/>
-                                  </p:stCondLst>
-                                  <p:childTnLst>
-                                    <p:set>
-                                      <p:cBhvr>
-                                        <p:cTn id="34" dur="1" fill="hold">
-                                          <p:stCondLst>
-                                            <p:cond delay="0"/>
-                                          </p:stCondLst>
-                                        </p:cTn>
-                                        <p:tgtEl>
-                                          <p:spTgt spid="15"/>
-                                        </p:tgtEl>
-                                        <p:attrNameLst>
-                                          <p:attrName>style.visibility</p:attrName>
-                                        </p:attrNameLst>
-                                      </p:cBhvr>
-                                      <p:to>
-                                        <p:strVal val="visible"/>
-                                      </p:to>
-                                    </p:set>
-                                  </p:childTnLst>
-                                </p:cTn>
-                              </p:par>
-                              <p:par>
-                                <p:cTn id="35" presetID="1" presetClass="entr" presetSubtype="0" fill="hold" grpId="0" nodeType="withEffect">
-                                  <p:stCondLst>
-                                    <p:cond delay="0"/>
-                                  </p:stCondLst>
-                                  <p:childTnLst>
-                                    <p:set>
-                                      <p:cBhvr>
-                                        <p:cTn id="36" dur="1" fill="hold">
-                                          <p:stCondLst>
-                                            <p:cond delay="0"/>
-                                          </p:stCondLst>
-                                        </p:cTn>
-                                        <p:tgtEl>
                                           <p:spTgt spid="8"/>
                                         </p:tgtEl>
                                         <p:attrNameLst>
@@ -7633,26 +8020,26 @@
                     </p:cTn>
                   </p:par>
                   <p:par>
-                    <p:cTn id="37" fill="hold">
+                    <p:cTn id="33" fill="hold">
                       <p:stCondLst>
                         <p:cond delay="indefinite"/>
                       </p:stCondLst>
                       <p:childTnLst>
                         <p:par>
-                          <p:cTn id="38" fill="hold">
+                          <p:cTn id="34" fill="hold">
                             <p:stCondLst>
                               <p:cond delay="0"/>
                             </p:stCondLst>
                             <p:childTnLst>
                               <p:par>
-                                <p:cTn id="39" presetID="1" presetClass="entr" presetSubtype="0" fill="hold" nodeType="clickEffect">
+                                <p:cTn id="35" presetID="1" presetClass="entr" presetSubtype="0" fill="hold" nodeType="clickEffect">
                                   <p:stCondLst>
                                     <p:cond delay="0"/>
                                   </p:stCondLst>
                                   <p:childTnLst>
                                     <p:set>
                                       <p:cBhvr>
-                                        <p:cTn id="40" dur="1" fill="hold">
+                                        <p:cTn id="36" dur="1" fill="hold">
                                           <p:stCondLst>
                                             <p:cond delay="0"/>
                                           </p:stCondLst>
@@ -7672,14 +8059,14 @@
                                 </p:cTn>
                               </p:par>
                               <p:par>
-                                <p:cTn id="41" presetID="1" presetClass="entr" presetSubtype="0" fill="hold" nodeType="withEffect">
+                                <p:cTn id="37" presetID="1" presetClass="entr" presetSubtype="0" fill="hold" nodeType="withEffect">
                                   <p:stCondLst>
                                     <p:cond delay="0"/>
                                   </p:stCondLst>
                                   <p:childTnLst>
                                     <p:set>
                                       <p:cBhvr>
-                                        <p:cTn id="42" dur="1" fill="hold">
+                                        <p:cTn id="38" dur="1" fill="hold">
                                           <p:stCondLst>
                                             <p:cond delay="0"/>
                                           </p:stCondLst>
@@ -9275,7 +9662,7 @@
           <p:nvPr/>
         </p:nvPicPr>
         <p:blipFill>
-          <a:blip r:embed="rId2"/>
+          <a:blip r:embed="rId3"/>
           <a:stretch>
             <a:fillRect/>
           </a:stretch>
@@ -9289,7 +9676,7 @@
             <a:avLst/>
           </a:prstGeom>
           <a:blipFill dpi="0" rotWithShape="1">
-            <a:blip r:embed="rId3">
+            <a:blip r:embed="rId4">
               <a:alphaModFix amt="75000"/>
             </a:blip>
             <a:srcRect/>
@@ -9374,7 +9761,7 @@
             <a:avLst/>
           </a:prstGeom>
           <a:blipFill dpi="0" rotWithShape="1">
-            <a:blip r:embed="rId2">
+            <a:blip r:embed="rId3">
               <a:alphaModFix amt="51000"/>
             </a:blip>
             <a:srcRect/>
@@ -9420,7 +9807,7 @@
           <p:nvPr/>
         </p:nvPicPr>
         <p:blipFill>
-          <a:blip r:embed="rId3"/>
+          <a:blip r:embed="rId4"/>
           <a:stretch>
             <a:fillRect/>
           </a:stretch>
@@ -9444,7 +9831,7 @@
           <p:nvPr/>
         </p:nvPicPr>
         <p:blipFill>
-          <a:blip r:embed="rId4"/>
+          <a:blip r:embed="rId5"/>
           <a:stretch>
             <a:fillRect/>
           </a:stretch>
@@ -9468,7 +9855,7 @@
           <p:nvPr/>
         </p:nvPicPr>
         <p:blipFill>
-          <a:blip r:embed="rId5"/>
+          <a:blip r:embed="rId6"/>
           <a:stretch>
             <a:fillRect/>
           </a:stretch>
@@ -9492,7 +9879,7 @@
           <p:nvPr/>
         </p:nvPicPr>
         <p:blipFill>
-          <a:blip r:embed="rId6"/>
+          <a:blip r:embed="rId7"/>
           <a:stretch>
             <a:fillRect/>
           </a:stretch>
@@ -9516,7 +9903,7 @@
           <p:nvPr/>
         </p:nvPicPr>
         <p:blipFill>
-          <a:blip r:embed="rId7"/>
+          <a:blip r:embed="rId8"/>
           <a:stretch>
             <a:fillRect/>
           </a:stretch>
@@ -11159,7 +11546,6 @@
               <a:rPr lang="de-DE" dirty="0"/>
               <a:t>Source: https://github.com/andreas-thor/cre</a:t>
             </a:r>
-            <a:endParaRPr lang="de-DE" dirty="0"/>
           </a:p>
         </p:txBody>
       </p:sp>
@@ -11700,11 +12086,11 @@
   <p:clrMapOvr>
     <a:masterClrMapping/>
   </p:clrMapOvr>
-  <mc:AlternateContent xmlns:mc="http://schemas.openxmlformats.org/markup-compatibility/2006">
-    <mc:Choice xmlns:p14="http://schemas.microsoft.com/office/powerpoint/2010/main" Requires="p14">
+  <mc:AlternateContent xmlns:mc="http://schemas.openxmlformats.org/markup-compatibility/2006" xmlns:p14="http://schemas.microsoft.com/office/powerpoint/2010/main">
+    <mc:Choice Requires="p14">
       <p:transition spd="slow" p14:dur="2000"/>
     </mc:Choice>
-    <mc:Fallback>
+    <mc:Fallback xmlns="">
       <p:transition spd="slow"/>
     </mc:Fallback>
   </mc:AlternateContent>
@@ -12490,11 +12876,11 @@
   <p:clrMapOvr>
     <a:masterClrMapping/>
   </p:clrMapOvr>
-  <mc:AlternateContent xmlns:mc="http://schemas.openxmlformats.org/markup-compatibility/2006">
-    <mc:Choice xmlns:p14="http://schemas.microsoft.com/office/powerpoint/2010/main" Requires="p14">
+  <mc:AlternateContent xmlns:mc="http://schemas.openxmlformats.org/markup-compatibility/2006" xmlns:p14="http://schemas.microsoft.com/office/powerpoint/2010/main">
+    <mc:Choice Requires="p14">
       <p:transition spd="slow" p14:dur="2000"/>
     </mc:Choice>
-    <mc:Fallback>
+    <mc:Fallback xmlns="">
       <p:transition spd="slow"/>
     </mc:Fallback>
   </mc:AlternateContent>
@@ -17517,13 +17903,8 @@
             </a:r>
             <a:r>
               <a:rPr lang="en-US" noProof="0" dirty="0" smtClean="0"/>
-              <a:t> = No. of PYs in which the CR has been </a:t>
-            </a:r>
-            <a:r>
-              <a:rPr lang="en-US" noProof="0" dirty="0" smtClean="0"/>
-              <a:t>cited</a:t>
-            </a:r>
-            <a:endParaRPr lang="en-US" noProof="0" dirty="0" smtClean="0"/>
+              <a:t> = No. of PYs in which the CR has been cited</a:t>
+            </a:r>
           </a:p>
           <a:p>
             <a:r>
